--- a/ComputerVision/Lecture 06 - Image Descriptors/Lecture 06 - Image Descriptors.pptx
+++ b/ComputerVision/Lecture 06 - Image Descriptors/Lecture 06 - Image Descriptors.pptx
@@ -6,11 +6,24 @@
     <p:sldMasterId id="2147483661" r:id="rId2"/>
   </p:sldMasterIdLst>
   <p:notesMasterIdLst>
-    <p:notesMasterId r:id="rId5"/>
+    <p:notesMasterId r:id="rId18"/>
   </p:notesMasterIdLst>
   <p:sldIdLst>
     <p:sldId id="256" r:id="rId3"/>
     <p:sldId id="257" r:id="rId4"/>
+    <p:sldId id="259" r:id="rId5"/>
+    <p:sldId id="290" r:id="rId6"/>
+    <p:sldId id="291" r:id="rId7"/>
+    <p:sldId id="292" r:id="rId8"/>
+    <p:sldId id="295" r:id="rId9"/>
+    <p:sldId id="296" r:id="rId10"/>
+    <p:sldId id="300" r:id="rId11"/>
+    <p:sldId id="293" r:id="rId12"/>
+    <p:sldId id="294" r:id="rId13"/>
+    <p:sldId id="297" r:id="rId14"/>
+    <p:sldId id="298" r:id="rId15"/>
+    <p:sldId id="299" r:id="rId16"/>
+    <p:sldId id="301" r:id="rId17"/>
   </p:sldIdLst>
   <p:sldSz cx="10080625" cy="7559675"/>
   <p:notesSz cx="7559675" cy="10691813"/>
@@ -1860,6 +1873,810 @@
 </p:notes>
 </file>
 
+<file path=ppt/notesSlides/notesSlide10.xml><?xml version="1.0" encoding="utf-8"?>
+<p:notes xmlns:a="http://schemas.openxmlformats.org/drawingml/2006/main" xmlns:r="http://schemas.openxmlformats.org/officeDocument/2006/relationships" xmlns:p="http://schemas.openxmlformats.org/presentationml/2006/main">
+  <p:cSld>
+    <p:spTree>
+      <p:nvGrpSpPr>
+        <p:cNvPr id="1" name=""/>
+        <p:cNvGrpSpPr/>
+        <p:nvPr/>
+      </p:nvGrpSpPr>
+      <p:grpSpPr>
+        <a:xfrm>
+          <a:off x="0" y="0"/>
+          <a:ext cx="0" cy="0"/>
+          <a:chOff x="0" y="0"/>
+          <a:chExt cx="0" cy="0"/>
+        </a:xfrm>
+      </p:grpSpPr>
+      <p:sp>
+        <p:nvSpPr>
+          <p:cNvPr id="168" name="PlaceHolder 1"/>
+          <p:cNvSpPr>
+            <a:spLocks noGrp="1" noRot="1" noChangeAspect="1"/>
+          </p:cNvSpPr>
+          <p:nvPr>
+            <p:ph type="sldImg"/>
+          </p:nvPr>
+        </p:nvSpPr>
+        <p:spPr>
+          <a:xfrm>
+            <a:off x="1376363" y="1336675"/>
+            <a:ext cx="4803775" cy="3603625"/>
+          </a:xfrm>
+          <a:prstGeom prst="rect">
+            <a:avLst/>
+          </a:prstGeom>
+        </p:spPr>
+      </p:sp>
+      <p:sp>
+        <p:nvSpPr>
+          <p:cNvPr id="169" name="PlaceHolder 2"/>
+          <p:cNvSpPr>
+            <a:spLocks noGrp="1"/>
+          </p:cNvSpPr>
+          <p:nvPr>
+            <p:ph type="body"/>
+          </p:nvPr>
+        </p:nvSpPr>
+        <p:spPr>
+          <a:xfrm>
+            <a:off x="756000" y="5145120"/>
+            <a:ext cx="6044040" cy="4206240"/>
+          </a:xfrm>
+          <a:prstGeom prst="rect">
+            <a:avLst/>
+          </a:prstGeom>
+        </p:spPr>
+        <p:txBody>
+          <a:bodyPr lIns="0" tIns="0" rIns="0" bIns="0"/>
+          <a:lstStyle/>
+          <a:p>
+            <a:endParaRPr lang="pt-BR" sz="2000" b="0" strike="noStrike" spc="-1">
+              <a:latin typeface="Arial"/>
+            </a:endParaRPr>
+          </a:p>
+        </p:txBody>
+      </p:sp>
+      <p:sp>
+        <p:nvSpPr>
+          <p:cNvPr id="170" name="CustomShape 3"/>
+          <p:cNvSpPr/>
+          <p:nvPr/>
+        </p:nvSpPr>
+        <p:spPr>
+          <a:xfrm>
+            <a:off x="0" y="10155240"/>
+            <a:ext cx="3272400" cy="532800"/>
+          </a:xfrm>
+          <a:prstGeom prst="rect">
+            <a:avLst/>
+          </a:prstGeom>
+          <a:noFill/>
+          <a:ln>
+            <a:noFill/>
+          </a:ln>
+        </p:spPr>
+        <p:style>
+          <a:lnRef idx="0">
+            <a:scrgbClr r="0" g="0" b="0"/>
+          </a:lnRef>
+          <a:fillRef idx="0">
+            <a:scrgbClr r="0" g="0" b="0"/>
+          </a:fillRef>
+          <a:effectRef idx="0">
+            <a:scrgbClr r="0" g="0" b="0"/>
+          </a:effectRef>
+          <a:fontRef idx="minor"/>
+        </p:style>
+        <p:txBody>
+          <a:bodyPr lIns="90000" tIns="45000" rIns="90000" bIns="45000" anchor="b"/>
+          <a:lstStyle/>
+          <a:p>
+            <a:pPr>
+              <a:lnSpc>
+                <a:spcPct val="100000"/>
+              </a:lnSpc>
+            </a:pPr>
+            <a:r>
+              <a:rPr lang="pt-BR" sz="1200" b="0" strike="noStrike" spc="-1">
+                <a:solidFill>
+                  <a:srgbClr val="000000"/>
+                </a:solidFill>
+                <a:latin typeface="Times New Roman"/>
+              </a:rPr>
+              <a:t>Prof. André Hochuli</a:t>
+            </a:r>
+            <a:endParaRPr lang="pt-BR" sz="1200" b="0" strike="noStrike" spc="-1">
+              <a:latin typeface="Arial"/>
+            </a:endParaRPr>
+          </a:p>
+        </p:txBody>
+      </p:sp>
+    </p:spTree>
+    <p:extLst>
+      <p:ext uri="{BB962C8B-B14F-4D97-AF65-F5344CB8AC3E}">
+        <p14:creationId xmlns:p14="http://schemas.microsoft.com/office/powerpoint/2010/main" val="3121499283"/>
+      </p:ext>
+    </p:extLst>
+  </p:cSld>
+  <p:clrMapOvr>
+    <a:masterClrMapping/>
+  </p:clrMapOvr>
+</p:notes>
+</file>
+
+<file path=ppt/notesSlides/notesSlide11.xml><?xml version="1.0" encoding="utf-8"?>
+<p:notes xmlns:a="http://schemas.openxmlformats.org/drawingml/2006/main" xmlns:r="http://schemas.openxmlformats.org/officeDocument/2006/relationships" xmlns:p="http://schemas.openxmlformats.org/presentationml/2006/main">
+  <p:cSld>
+    <p:spTree>
+      <p:nvGrpSpPr>
+        <p:cNvPr id="1" name=""/>
+        <p:cNvGrpSpPr/>
+        <p:nvPr/>
+      </p:nvGrpSpPr>
+      <p:grpSpPr>
+        <a:xfrm>
+          <a:off x="0" y="0"/>
+          <a:ext cx="0" cy="0"/>
+          <a:chOff x="0" y="0"/>
+          <a:chExt cx="0" cy="0"/>
+        </a:xfrm>
+      </p:grpSpPr>
+      <p:sp>
+        <p:nvSpPr>
+          <p:cNvPr id="168" name="PlaceHolder 1"/>
+          <p:cNvSpPr>
+            <a:spLocks noGrp="1" noRot="1" noChangeAspect="1"/>
+          </p:cNvSpPr>
+          <p:nvPr>
+            <p:ph type="sldImg"/>
+          </p:nvPr>
+        </p:nvSpPr>
+        <p:spPr>
+          <a:xfrm>
+            <a:off x="1376363" y="1336675"/>
+            <a:ext cx="4803775" cy="3603625"/>
+          </a:xfrm>
+          <a:prstGeom prst="rect">
+            <a:avLst/>
+          </a:prstGeom>
+        </p:spPr>
+      </p:sp>
+      <p:sp>
+        <p:nvSpPr>
+          <p:cNvPr id="169" name="PlaceHolder 2"/>
+          <p:cNvSpPr>
+            <a:spLocks noGrp="1"/>
+          </p:cNvSpPr>
+          <p:nvPr>
+            <p:ph type="body"/>
+          </p:nvPr>
+        </p:nvSpPr>
+        <p:spPr>
+          <a:xfrm>
+            <a:off x="756000" y="5145120"/>
+            <a:ext cx="6044040" cy="4206240"/>
+          </a:xfrm>
+          <a:prstGeom prst="rect">
+            <a:avLst/>
+          </a:prstGeom>
+        </p:spPr>
+        <p:txBody>
+          <a:bodyPr lIns="0" tIns="0" rIns="0" bIns="0"/>
+          <a:lstStyle/>
+          <a:p>
+            <a:endParaRPr lang="pt-BR" sz="2000" b="0" strike="noStrike" spc="-1">
+              <a:latin typeface="Arial"/>
+            </a:endParaRPr>
+          </a:p>
+        </p:txBody>
+      </p:sp>
+      <p:sp>
+        <p:nvSpPr>
+          <p:cNvPr id="170" name="CustomShape 3"/>
+          <p:cNvSpPr/>
+          <p:nvPr/>
+        </p:nvSpPr>
+        <p:spPr>
+          <a:xfrm>
+            <a:off x="0" y="10155240"/>
+            <a:ext cx="3272400" cy="532800"/>
+          </a:xfrm>
+          <a:prstGeom prst="rect">
+            <a:avLst/>
+          </a:prstGeom>
+          <a:noFill/>
+          <a:ln>
+            <a:noFill/>
+          </a:ln>
+        </p:spPr>
+        <p:style>
+          <a:lnRef idx="0">
+            <a:scrgbClr r="0" g="0" b="0"/>
+          </a:lnRef>
+          <a:fillRef idx="0">
+            <a:scrgbClr r="0" g="0" b="0"/>
+          </a:fillRef>
+          <a:effectRef idx="0">
+            <a:scrgbClr r="0" g="0" b="0"/>
+          </a:effectRef>
+          <a:fontRef idx="minor"/>
+        </p:style>
+        <p:txBody>
+          <a:bodyPr lIns="90000" tIns="45000" rIns="90000" bIns="45000" anchor="b"/>
+          <a:lstStyle/>
+          <a:p>
+            <a:pPr>
+              <a:lnSpc>
+                <a:spcPct val="100000"/>
+              </a:lnSpc>
+            </a:pPr>
+            <a:r>
+              <a:rPr lang="pt-BR" sz="1200" b="0" strike="noStrike" spc="-1">
+                <a:solidFill>
+                  <a:srgbClr val="000000"/>
+                </a:solidFill>
+                <a:latin typeface="Times New Roman"/>
+              </a:rPr>
+              <a:t>Prof. André Hochuli</a:t>
+            </a:r>
+            <a:endParaRPr lang="pt-BR" sz="1200" b="0" strike="noStrike" spc="-1">
+              <a:latin typeface="Arial"/>
+            </a:endParaRPr>
+          </a:p>
+        </p:txBody>
+      </p:sp>
+    </p:spTree>
+    <p:extLst>
+      <p:ext uri="{BB962C8B-B14F-4D97-AF65-F5344CB8AC3E}">
+        <p14:creationId xmlns:p14="http://schemas.microsoft.com/office/powerpoint/2010/main" val="695593039"/>
+      </p:ext>
+    </p:extLst>
+  </p:cSld>
+  <p:clrMapOvr>
+    <a:masterClrMapping/>
+  </p:clrMapOvr>
+</p:notes>
+</file>
+
+<file path=ppt/notesSlides/notesSlide12.xml><?xml version="1.0" encoding="utf-8"?>
+<p:notes xmlns:a="http://schemas.openxmlformats.org/drawingml/2006/main" xmlns:r="http://schemas.openxmlformats.org/officeDocument/2006/relationships" xmlns:p="http://schemas.openxmlformats.org/presentationml/2006/main">
+  <p:cSld>
+    <p:spTree>
+      <p:nvGrpSpPr>
+        <p:cNvPr id="1" name=""/>
+        <p:cNvGrpSpPr/>
+        <p:nvPr/>
+      </p:nvGrpSpPr>
+      <p:grpSpPr>
+        <a:xfrm>
+          <a:off x="0" y="0"/>
+          <a:ext cx="0" cy="0"/>
+          <a:chOff x="0" y="0"/>
+          <a:chExt cx="0" cy="0"/>
+        </a:xfrm>
+      </p:grpSpPr>
+      <p:sp>
+        <p:nvSpPr>
+          <p:cNvPr id="168" name="PlaceHolder 1"/>
+          <p:cNvSpPr>
+            <a:spLocks noGrp="1" noRot="1" noChangeAspect="1"/>
+          </p:cNvSpPr>
+          <p:nvPr>
+            <p:ph type="sldImg"/>
+          </p:nvPr>
+        </p:nvSpPr>
+        <p:spPr>
+          <a:xfrm>
+            <a:off x="1376363" y="1336675"/>
+            <a:ext cx="4803775" cy="3603625"/>
+          </a:xfrm>
+          <a:prstGeom prst="rect">
+            <a:avLst/>
+          </a:prstGeom>
+        </p:spPr>
+      </p:sp>
+      <p:sp>
+        <p:nvSpPr>
+          <p:cNvPr id="169" name="PlaceHolder 2"/>
+          <p:cNvSpPr>
+            <a:spLocks noGrp="1"/>
+          </p:cNvSpPr>
+          <p:nvPr>
+            <p:ph type="body"/>
+          </p:nvPr>
+        </p:nvSpPr>
+        <p:spPr>
+          <a:xfrm>
+            <a:off x="756000" y="5145120"/>
+            <a:ext cx="6044040" cy="4206240"/>
+          </a:xfrm>
+          <a:prstGeom prst="rect">
+            <a:avLst/>
+          </a:prstGeom>
+        </p:spPr>
+        <p:txBody>
+          <a:bodyPr lIns="0" tIns="0" rIns="0" bIns="0"/>
+          <a:lstStyle/>
+          <a:p>
+            <a:endParaRPr lang="pt-BR" sz="2000" b="0" strike="noStrike" spc="-1">
+              <a:latin typeface="Arial"/>
+            </a:endParaRPr>
+          </a:p>
+        </p:txBody>
+      </p:sp>
+      <p:sp>
+        <p:nvSpPr>
+          <p:cNvPr id="170" name="CustomShape 3"/>
+          <p:cNvSpPr/>
+          <p:nvPr/>
+        </p:nvSpPr>
+        <p:spPr>
+          <a:xfrm>
+            <a:off x="0" y="10155240"/>
+            <a:ext cx="3272400" cy="532800"/>
+          </a:xfrm>
+          <a:prstGeom prst="rect">
+            <a:avLst/>
+          </a:prstGeom>
+          <a:noFill/>
+          <a:ln>
+            <a:noFill/>
+          </a:ln>
+        </p:spPr>
+        <p:style>
+          <a:lnRef idx="0">
+            <a:scrgbClr r="0" g="0" b="0"/>
+          </a:lnRef>
+          <a:fillRef idx="0">
+            <a:scrgbClr r="0" g="0" b="0"/>
+          </a:fillRef>
+          <a:effectRef idx="0">
+            <a:scrgbClr r="0" g="0" b="0"/>
+          </a:effectRef>
+          <a:fontRef idx="minor"/>
+        </p:style>
+        <p:txBody>
+          <a:bodyPr lIns="90000" tIns="45000" rIns="90000" bIns="45000" anchor="b"/>
+          <a:lstStyle/>
+          <a:p>
+            <a:pPr>
+              <a:lnSpc>
+                <a:spcPct val="100000"/>
+              </a:lnSpc>
+            </a:pPr>
+            <a:r>
+              <a:rPr lang="pt-BR" sz="1200" b="0" strike="noStrike" spc="-1">
+                <a:solidFill>
+                  <a:srgbClr val="000000"/>
+                </a:solidFill>
+                <a:latin typeface="Times New Roman"/>
+              </a:rPr>
+              <a:t>Prof. André Hochuli</a:t>
+            </a:r>
+            <a:endParaRPr lang="pt-BR" sz="1200" b="0" strike="noStrike" spc="-1">
+              <a:latin typeface="Arial"/>
+            </a:endParaRPr>
+          </a:p>
+        </p:txBody>
+      </p:sp>
+    </p:spTree>
+    <p:extLst>
+      <p:ext uri="{BB962C8B-B14F-4D97-AF65-F5344CB8AC3E}">
+        <p14:creationId xmlns:p14="http://schemas.microsoft.com/office/powerpoint/2010/main" val="3845541588"/>
+      </p:ext>
+    </p:extLst>
+  </p:cSld>
+  <p:clrMapOvr>
+    <a:masterClrMapping/>
+  </p:clrMapOvr>
+</p:notes>
+</file>
+
+<file path=ppt/notesSlides/notesSlide13.xml><?xml version="1.0" encoding="utf-8"?>
+<p:notes xmlns:a="http://schemas.openxmlformats.org/drawingml/2006/main" xmlns:r="http://schemas.openxmlformats.org/officeDocument/2006/relationships" xmlns:p="http://schemas.openxmlformats.org/presentationml/2006/main">
+  <p:cSld>
+    <p:spTree>
+      <p:nvGrpSpPr>
+        <p:cNvPr id="1" name=""/>
+        <p:cNvGrpSpPr/>
+        <p:nvPr/>
+      </p:nvGrpSpPr>
+      <p:grpSpPr>
+        <a:xfrm>
+          <a:off x="0" y="0"/>
+          <a:ext cx="0" cy="0"/>
+          <a:chOff x="0" y="0"/>
+          <a:chExt cx="0" cy="0"/>
+        </a:xfrm>
+      </p:grpSpPr>
+      <p:sp>
+        <p:nvSpPr>
+          <p:cNvPr id="168" name="PlaceHolder 1"/>
+          <p:cNvSpPr>
+            <a:spLocks noGrp="1" noRot="1" noChangeAspect="1"/>
+          </p:cNvSpPr>
+          <p:nvPr>
+            <p:ph type="sldImg"/>
+          </p:nvPr>
+        </p:nvSpPr>
+        <p:spPr>
+          <a:xfrm>
+            <a:off x="1376363" y="1336675"/>
+            <a:ext cx="4803775" cy="3603625"/>
+          </a:xfrm>
+          <a:prstGeom prst="rect">
+            <a:avLst/>
+          </a:prstGeom>
+        </p:spPr>
+      </p:sp>
+      <p:sp>
+        <p:nvSpPr>
+          <p:cNvPr id="169" name="PlaceHolder 2"/>
+          <p:cNvSpPr>
+            <a:spLocks noGrp="1"/>
+          </p:cNvSpPr>
+          <p:nvPr>
+            <p:ph type="body"/>
+          </p:nvPr>
+        </p:nvSpPr>
+        <p:spPr>
+          <a:xfrm>
+            <a:off x="756000" y="5145120"/>
+            <a:ext cx="6044040" cy="4206240"/>
+          </a:xfrm>
+          <a:prstGeom prst="rect">
+            <a:avLst/>
+          </a:prstGeom>
+        </p:spPr>
+        <p:txBody>
+          <a:bodyPr lIns="0" tIns="0" rIns="0" bIns="0"/>
+          <a:lstStyle/>
+          <a:p>
+            <a:endParaRPr lang="pt-BR" sz="2000" b="0" strike="noStrike" spc="-1">
+              <a:latin typeface="Arial"/>
+            </a:endParaRPr>
+          </a:p>
+        </p:txBody>
+      </p:sp>
+      <p:sp>
+        <p:nvSpPr>
+          <p:cNvPr id="170" name="CustomShape 3"/>
+          <p:cNvSpPr/>
+          <p:nvPr/>
+        </p:nvSpPr>
+        <p:spPr>
+          <a:xfrm>
+            <a:off x="0" y="10155240"/>
+            <a:ext cx="3272400" cy="532800"/>
+          </a:xfrm>
+          <a:prstGeom prst="rect">
+            <a:avLst/>
+          </a:prstGeom>
+          <a:noFill/>
+          <a:ln>
+            <a:noFill/>
+          </a:ln>
+        </p:spPr>
+        <p:style>
+          <a:lnRef idx="0">
+            <a:scrgbClr r="0" g="0" b="0"/>
+          </a:lnRef>
+          <a:fillRef idx="0">
+            <a:scrgbClr r="0" g="0" b="0"/>
+          </a:fillRef>
+          <a:effectRef idx="0">
+            <a:scrgbClr r="0" g="0" b="0"/>
+          </a:effectRef>
+          <a:fontRef idx="minor"/>
+        </p:style>
+        <p:txBody>
+          <a:bodyPr lIns="90000" tIns="45000" rIns="90000" bIns="45000" anchor="b"/>
+          <a:lstStyle/>
+          <a:p>
+            <a:pPr>
+              <a:lnSpc>
+                <a:spcPct val="100000"/>
+              </a:lnSpc>
+            </a:pPr>
+            <a:r>
+              <a:rPr lang="pt-BR" sz="1200" b="0" strike="noStrike" spc="-1">
+                <a:solidFill>
+                  <a:srgbClr val="000000"/>
+                </a:solidFill>
+                <a:latin typeface="Times New Roman"/>
+              </a:rPr>
+              <a:t>Prof. André Hochuli</a:t>
+            </a:r>
+            <a:endParaRPr lang="pt-BR" sz="1200" b="0" strike="noStrike" spc="-1">
+              <a:latin typeface="Arial"/>
+            </a:endParaRPr>
+          </a:p>
+        </p:txBody>
+      </p:sp>
+    </p:spTree>
+    <p:extLst>
+      <p:ext uri="{BB962C8B-B14F-4D97-AF65-F5344CB8AC3E}">
+        <p14:creationId xmlns:p14="http://schemas.microsoft.com/office/powerpoint/2010/main" val="2663175316"/>
+      </p:ext>
+    </p:extLst>
+  </p:cSld>
+  <p:clrMapOvr>
+    <a:masterClrMapping/>
+  </p:clrMapOvr>
+</p:notes>
+</file>
+
+<file path=ppt/notesSlides/notesSlide14.xml><?xml version="1.0" encoding="utf-8"?>
+<p:notes xmlns:a="http://schemas.openxmlformats.org/drawingml/2006/main" xmlns:r="http://schemas.openxmlformats.org/officeDocument/2006/relationships" xmlns:p="http://schemas.openxmlformats.org/presentationml/2006/main">
+  <p:cSld>
+    <p:spTree>
+      <p:nvGrpSpPr>
+        <p:cNvPr id="1" name=""/>
+        <p:cNvGrpSpPr/>
+        <p:nvPr/>
+      </p:nvGrpSpPr>
+      <p:grpSpPr>
+        <a:xfrm>
+          <a:off x="0" y="0"/>
+          <a:ext cx="0" cy="0"/>
+          <a:chOff x="0" y="0"/>
+          <a:chExt cx="0" cy="0"/>
+        </a:xfrm>
+      </p:grpSpPr>
+      <p:sp>
+        <p:nvSpPr>
+          <p:cNvPr id="168" name="PlaceHolder 1"/>
+          <p:cNvSpPr>
+            <a:spLocks noGrp="1" noRot="1" noChangeAspect="1"/>
+          </p:cNvSpPr>
+          <p:nvPr>
+            <p:ph type="sldImg"/>
+          </p:nvPr>
+        </p:nvSpPr>
+        <p:spPr>
+          <a:xfrm>
+            <a:off x="1376363" y="1336675"/>
+            <a:ext cx="4803775" cy="3603625"/>
+          </a:xfrm>
+          <a:prstGeom prst="rect">
+            <a:avLst/>
+          </a:prstGeom>
+        </p:spPr>
+      </p:sp>
+      <p:sp>
+        <p:nvSpPr>
+          <p:cNvPr id="169" name="PlaceHolder 2"/>
+          <p:cNvSpPr>
+            <a:spLocks noGrp="1"/>
+          </p:cNvSpPr>
+          <p:nvPr>
+            <p:ph type="body"/>
+          </p:nvPr>
+        </p:nvSpPr>
+        <p:spPr>
+          <a:xfrm>
+            <a:off x="756000" y="5145120"/>
+            <a:ext cx="6044040" cy="4206240"/>
+          </a:xfrm>
+          <a:prstGeom prst="rect">
+            <a:avLst/>
+          </a:prstGeom>
+        </p:spPr>
+        <p:txBody>
+          <a:bodyPr lIns="0" tIns="0" rIns="0" bIns="0"/>
+          <a:lstStyle/>
+          <a:p>
+            <a:endParaRPr lang="pt-BR" sz="2000" b="0" strike="noStrike" spc="-1">
+              <a:latin typeface="Arial"/>
+            </a:endParaRPr>
+          </a:p>
+        </p:txBody>
+      </p:sp>
+      <p:sp>
+        <p:nvSpPr>
+          <p:cNvPr id="170" name="CustomShape 3"/>
+          <p:cNvSpPr/>
+          <p:nvPr/>
+        </p:nvSpPr>
+        <p:spPr>
+          <a:xfrm>
+            <a:off x="0" y="10155240"/>
+            <a:ext cx="3272400" cy="532800"/>
+          </a:xfrm>
+          <a:prstGeom prst="rect">
+            <a:avLst/>
+          </a:prstGeom>
+          <a:noFill/>
+          <a:ln>
+            <a:noFill/>
+          </a:ln>
+        </p:spPr>
+        <p:style>
+          <a:lnRef idx="0">
+            <a:scrgbClr r="0" g="0" b="0"/>
+          </a:lnRef>
+          <a:fillRef idx="0">
+            <a:scrgbClr r="0" g="0" b="0"/>
+          </a:fillRef>
+          <a:effectRef idx="0">
+            <a:scrgbClr r="0" g="0" b="0"/>
+          </a:effectRef>
+          <a:fontRef idx="minor"/>
+        </p:style>
+        <p:txBody>
+          <a:bodyPr lIns="90000" tIns="45000" rIns="90000" bIns="45000" anchor="b"/>
+          <a:lstStyle/>
+          <a:p>
+            <a:pPr>
+              <a:lnSpc>
+                <a:spcPct val="100000"/>
+              </a:lnSpc>
+            </a:pPr>
+            <a:r>
+              <a:rPr lang="pt-BR" sz="1200" b="0" strike="noStrike" spc="-1">
+                <a:solidFill>
+                  <a:srgbClr val="000000"/>
+                </a:solidFill>
+                <a:latin typeface="Times New Roman"/>
+              </a:rPr>
+              <a:t>Prof. André Hochuli</a:t>
+            </a:r>
+            <a:endParaRPr lang="pt-BR" sz="1200" b="0" strike="noStrike" spc="-1">
+              <a:latin typeface="Arial"/>
+            </a:endParaRPr>
+          </a:p>
+        </p:txBody>
+      </p:sp>
+    </p:spTree>
+    <p:extLst>
+      <p:ext uri="{BB962C8B-B14F-4D97-AF65-F5344CB8AC3E}">
+        <p14:creationId xmlns:p14="http://schemas.microsoft.com/office/powerpoint/2010/main" val="393656445"/>
+      </p:ext>
+    </p:extLst>
+  </p:cSld>
+  <p:clrMapOvr>
+    <a:masterClrMapping/>
+  </p:clrMapOvr>
+</p:notes>
+</file>
+
+<file path=ppt/notesSlides/notesSlide15.xml><?xml version="1.0" encoding="utf-8"?>
+<p:notes xmlns:a="http://schemas.openxmlformats.org/drawingml/2006/main" xmlns:r="http://schemas.openxmlformats.org/officeDocument/2006/relationships" xmlns:p="http://schemas.openxmlformats.org/presentationml/2006/main">
+  <p:cSld>
+    <p:spTree>
+      <p:nvGrpSpPr>
+        <p:cNvPr id="1" name=""/>
+        <p:cNvGrpSpPr/>
+        <p:nvPr/>
+      </p:nvGrpSpPr>
+      <p:grpSpPr>
+        <a:xfrm>
+          <a:off x="0" y="0"/>
+          <a:ext cx="0" cy="0"/>
+          <a:chOff x="0" y="0"/>
+          <a:chExt cx="0" cy="0"/>
+        </a:xfrm>
+      </p:grpSpPr>
+      <p:sp>
+        <p:nvSpPr>
+          <p:cNvPr id="168" name="PlaceHolder 1"/>
+          <p:cNvSpPr>
+            <a:spLocks noGrp="1" noRot="1" noChangeAspect="1"/>
+          </p:cNvSpPr>
+          <p:nvPr>
+            <p:ph type="sldImg"/>
+          </p:nvPr>
+        </p:nvSpPr>
+        <p:spPr>
+          <a:xfrm>
+            <a:off x="1376363" y="1336675"/>
+            <a:ext cx="4803775" cy="3603625"/>
+          </a:xfrm>
+          <a:prstGeom prst="rect">
+            <a:avLst/>
+          </a:prstGeom>
+        </p:spPr>
+      </p:sp>
+      <p:sp>
+        <p:nvSpPr>
+          <p:cNvPr id="169" name="PlaceHolder 2"/>
+          <p:cNvSpPr>
+            <a:spLocks noGrp="1"/>
+          </p:cNvSpPr>
+          <p:nvPr>
+            <p:ph type="body"/>
+          </p:nvPr>
+        </p:nvSpPr>
+        <p:spPr>
+          <a:xfrm>
+            <a:off x="756000" y="5145120"/>
+            <a:ext cx="6044040" cy="4206240"/>
+          </a:xfrm>
+          <a:prstGeom prst="rect">
+            <a:avLst/>
+          </a:prstGeom>
+        </p:spPr>
+        <p:txBody>
+          <a:bodyPr lIns="0" tIns="0" rIns="0" bIns="0"/>
+          <a:lstStyle/>
+          <a:p>
+            <a:endParaRPr lang="pt-BR" sz="2000" b="0" strike="noStrike" spc="-1">
+              <a:latin typeface="Arial"/>
+            </a:endParaRPr>
+          </a:p>
+        </p:txBody>
+      </p:sp>
+      <p:sp>
+        <p:nvSpPr>
+          <p:cNvPr id="170" name="CustomShape 3"/>
+          <p:cNvSpPr/>
+          <p:nvPr/>
+        </p:nvSpPr>
+        <p:spPr>
+          <a:xfrm>
+            <a:off x="0" y="10155240"/>
+            <a:ext cx="3272400" cy="532800"/>
+          </a:xfrm>
+          <a:prstGeom prst="rect">
+            <a:avLst/>
+          </a:prstGeom>
+          <a:noFill/>
+          <a:ln>
+            <a:noFill/>
+          </a:ln>
+        </p:spPr>
+        <p:style>
+          <a:lnRef idx="0">
+            <a:scrgbClr r="0" g="0" b="0"/>
+          </a:lnRef>
+          <a:fillRef idx="0">
+            <a:scrgbClr r="0" g="0" b="0"/>
+          </a:fillRef>
+          <a:effectRef idx="0">
+            <a:scrgbClr r="0" g="0" b="0"/>
+          </a:effectRef>
+          <a:fontRef idx="minor"/>
+        </p:style>
+        <p:txBody>
+          <a:bodyPr lIns="90000" tIns="45000" rIns="90000" bIns="45000" anchor="b"/>
+          <a:lstStyle/>
+          <a:p>
+            <a:pPr>
+              <a:lnSpc>
+                <a:spcPct val="100000"/>
+              </a:lnSpc>
+            </a:pPr>
+            <a:r>
+              <a:rPr lang="pt-BR" sz="1200" b="0" strike="noStrike" spc="-1">
+                <a:solidFill>
+                  <a:srgbClr val="000000"/>
+                </a:solidFill>
+                <a:latin typeface="Times New Roman"/>
+              </a:rPr>
+              <a:t>Prof. André Hochuli</a:t>
+            </a:r>
+            <a:endParaRPr lang="pt-BR" sz="1200" b="0" strike="noStrike" spc="-1">
+              <a:latin typeface="Arial"/>
+            </a:endParaRPr>
+          </a:p>
+        </p:txBody>
+      </p:sp>
+    </p:spTree>
+    <p:extLst>
+      <p:ext uri="{BB962C8B-B14F-4D97-AF65-F5344CB8AC3E}">
+        <p14:creationId xmlns:p14="http://schemas.microsoft.com/office/powerpoint/2010/main" val="2401314334"/>
+      </p:ext>
+    </p:extLst>
+  </p:cSld>
+  <p:clrMapOvr>
+    <a:masterClrMapping/>
+  </p:clrMapOvr>
+</p:notes>
+</file>
+
 <file path=ppt/notesSlides/notesSlide2.xml><?xml version="1.0" encoding="utf-8"?>
 <p:notes xmlns:a="http://schemas.openxmlformats.org/drawingml/2006/main" xmlns:r="http://schemas.openxmlformats.org/officeDocument/2006/relationships" xmlns:p="http://schemas.openxmlformats.org/presentationml/2006/main">
   <p:cSld>
@@ -1982,6 +2799,939 @@
         </p:txBody>
       </p:sp>
     </p:spTree>
+  </p:cSld>
+  <p:clrMapOvr>
+    <a:masterClrMapping/>
+  </p:clrMapOvr>
+</p:notes>
+</file>
+
+<file path=ppt/notesSlides/notesSlide3.xml><?xml version="1.0" encoding="utf-8"?>
+<p:notes xmlns:a="http://schemas.openxmlformats.org/drawingml/2006/main" xmlns:r="http://schemas.openxmlformats.org/officeDocument/2006/relationships" xmlns:p="http://schemas.openxmlformats.org/presentationml/2006/main">
+  <p:cSld>
+    <p:spTree>
+      <p:nvGrpSpPr>
+        <p:cNvPr id="1" name=""/>
+        <p:cNvGrpSpPr/>
+        <p:nvPr/>
+      </p:nvGrpSpPr>
+      <p:grpSpPr>
+        <a:xfrm>
+          <a:off x="0" y="0"/>
+          <a:ext cx="0" cy="0"/>
+          <a:chOff x="0" y="0"/>
+          <a:chExt cx="0" cy="0"/>
+        </a:xfrm>
+      </p:grpSpPr>
+      <p:sp>
+        <p:nvSpPr>
+          <p:cNvPr id="168" name="PlaceHolder 1"/>
+          <p:cNvSpPr>
+            <a:spLocks noGrp="1" noRot="1" noChangeAspect="1"/>
+          </p:cNvSpPr>
+          <p:nvPr>
+            <p:ph type="sldImg"/>
+          </p:nvPr>
+        </p:nvSpPr>
+        <p:spPr>
+          <a:xfrm>
+            <a:off x="1376363" y="1336675"/>
+            <a:ext cx="4803775" cy="3603625"/>
+          </a:xfrm>
+          <a:prstGeom prst="rect">
+            <a:avLst/>
+          </a:prstGeom>
+        </p:spPr>
+      </p:sp>
+      <p:sp>
+        <p:nvSpPr>
+          <p:cNvPr id="169" name="PlaceHolder 2"/>
+          <p:cNvSpPr>
+            <a:spLocks noGrp="1"/>
+          </p:cNvSpPr>
+          <p:nvPr>
+            <p:ph type="body"/>
+          </p:nvPr>
+        </p:nvSpPr>
+        <p:spPr>
+          <a:xfrm>
+            <a:off x="756000" y="5145120"/>
+            <a:ext cx="6044040" cy="4206240"/>
+          </a:xfrm>
+          <a:prstGeom prst="rect">
+            <a:avLst/>
+          </a:prstGeom>
+        </p:spPr>
+        <p:txBody>
+          <a:bodyPr lIns="0" tIns="0" rIns="0" bIns="0"/>
+          <a:lstStyle/>
+          <a:p>
+            <a:endParaRPr lang="pt-BR" sz="2000" b="0" strike="noStrike" spc="-1">
+              <a:latin typeface="Arial"/>
+            </a:endParaRPr>
+          </a:p>
+        </p:txBody>
+      </p:sp>
+      <p:sp>
+        <p:nvSpPr>
+          <p:cNvPr id="170" name="CustomShape 3"/>
+          <p:cNvSpPr/>
+          <p:nvPr/>
+        </p:nvSpPr>
+        <p:spPr>
+          <a:xfrm>
+            <a:off x="0" y="10155240"/>
+            <a:ext cx="3272400" cy="532800"/>
+          </a:xfrm>
+          <a:prstGeom prst="rect">
+            <a:avLst/>
+          </a:prstGeom>
+          <a:noFill/>
+          <a:ln>
+            <a:noFill/>
+          </a:ln>
+        </p:spPr>
+        <p:style>
+          <a:lnRef idx="0">
+            <a:scrgbClr r="0" g="0" b="0"/>
+          </a:lnRef>
+          <a:fillRef idx="0">
+            <a:scrgbClr r="0" g="0" b="0"/>
+          </a:fillRef>
+          <a:effectRef idx="0">
+            <a:scrgbClr r="0" g="0" b="0"/>
+          </a:effectRef>
+          <a:fontRef idx="minor"/>
+        </p:style>
+        <p:txBody>
+          <a:bodyPr lIns="90000" tIns="45000" rIns="90000" bIns="45000" anchor="b"/>
+          <a:lstStyle/>
+          <a:p>
+            <a:pPr>
+              <a:lnSpc>
+                <a:spcPct val="100000"/>
+              </a:lnSpc>
+            </a:pPr>
+            <a:r>
+              <a:rPr lang="pt-BR" sz="1200" b="0" strike="noStrike" spc="-1">
+                <a:solidFill>
+                  <a:srgbClr val="000000"/>
+                </a:solidFill>
+                <a:latin typeface="Times New Roman"/>
+              </a:rPr>
+              <a:t>Prof. André Hochuli</a:t>
+            </a:r>
+            <a:endParaRPr lang="pt-BR" sz="1200" b="0" strike="noStrike" spc="-1">
+              <a:latin typeface="Arial"/>
+            </a:endParaRPr>
+          </a:p>
+        </p:txBody>
+      </p:sp>
+    </p:spTree>
+  </p:cSld>
+  <p:clrMapOvr>
+    <a:masterClrMapping/>
+  </p:clrMapOvr>
+</p:notes>
+</file>
+
+<file path=ppt/notesSlides/notesSlide4.xml><?xml version="1.0" encoding="utf-8"?>
+<p:notes xmlns:a="http://schemas.openxmlformats.org/drawingml/2006/main" xmlns:r="http://schemas.openxmlformats.org/officeDocument/2006/relationships" xmlns:p="http://schemas.openxmlformats.org/presentationml/2006/main">
+  <p:cSld>
+    <p:spTree>
+      <p:nvGrpSpPr>
+        <p:cNvPr id="1" name=""/>
+        <p:cNvGrpSpPr/>
+        <p:nvPr/>
+      </p:nvGrpSpPr>
+      <p:grpSpPr>
+        <a:xfrm>
+          <a:off x="0" y="0"/>
+          <a:ext cx="0" cy="0"/>
+          <a:chOff x="0" y="0"/>
+          <a:chExt cx="0" cy="0"/>
+        </a:xfrm>
+      </p:grpSpPr>
+      <p:sp>
+        <p:nvSpPr>
+          <p:cNvPr id="168" name="PlaceHolder 1"/>
+          <p:cNvSpPr>
+            <a:spLocks noGrp="1" noRot="1" noChangeAspect="1"/>
+          </p:cNvSpPr>
+          <p:nvPr>
+            <p:ph type="sldImg"/>
+          </p:nvPr>
+        </p:nvSpPr>
+        <p:spPr>
+          <a:xfrm>
+            <a:off x="1376363" y="1336675"/>
+            <a:ext cx="4803775" cy="3603625"/>
+          </a:xfrm>
+          <a:prstGeom prst="rect">
+            <a:avLst/>
+          </a:prstGeom>
+        </p:spPr>
+      </p:sp>
+      <p:sp>
+        <p:nvSpPr>
+          <p:cNvPr id="169" name="PlaceHolder 2"/>
+          <p:cNvSpPr>
+            <a:spLocks noGrp="1"/>
+          </p:cNvSpPr>
+          <p:nvPr>
+            <p:ph type="body"/>
+          </p:nvPr>
+        </p:nvSpPr>
+        <p:spPr>
+          <a:xfrm>
+            <a:off x="756000" y="5145120"/>
+            <a:ext cx="6044040" cy="4206240"/>
+          </a:xfrm>
+          <a:prstGeom prst="rect">
+            <a:avLst/>
+          </a:prstGeom>
+        </p:spPr>
+        <p:txBody>
+          <a:bodyPr lIns="0" tIns="0" rIns="0" bIns="0"/>
+          <a:lstStyle/>
+          <a:p>
+            <a:endParaRPr lang="pt-BR" sz="2000" b="0" strike="noStrike" spc="-1">
+              <a:latin typeface="Arial"/>
+            </a:endParaRPr>
+          </a:p>
+        </p:txBody>
+      </p:sp>
+      <p:sp>
+        <p:nvSpPr>
+          <p:cNvPr id="170" name="CustomShape 3"/>
+          <p:cNvSpPr/>
+          <p:nvPr/>
+        </p:nvSpPr>
+        <p:spPr>
+          <a:xfrm>
+            <a:off x="0" y="10155240"/>
+            <a:ext cx="3272400" cy="532800"/>
+          </a:xfrm>
+          <a:prstGeom prst="rect">
+            <a:avLst/>
+          </a:prstGeom>
+          <a:noFill/>
+          <a:ln>
+            <a:noFill/>
+          </a:ln>
+        </p:spPr>
+        <p:style>
+          <a:lnRef idx="0">
+            <a:scrgbClr r="0" g="0" b="0"/>
+          </a:lnRef>
+          <a:fillRef idx="0">
+            <a:scrgbClr r="0" g="0" b="0"/>
+          </a:fillRef>
+          <a:effectRef idx="0">
+            <a:scrgbClr r="0" g="0" b="0"/>
+          </a:effectRef>
+          <a:fontRef idx="minor"/>
+        </p:style>
+        <p:txBody>
+          <a:bodyPr lIns="90000" tIns="45000" rIns="90000" bIns="45000" anchor="b"/>
+          <a:lstStyle/>
+          <a:p>
+            <a:pPr>
+              <a:lnSpc>
+                <a:spcPct val="100000"/>
+              </a:lnSpc>
+            </a:pPr>
+            <a:r>
+              <a:rPr lang="pt-BR" sz="1200" b="0" strike="noStrike" spc="-1">
+                <a:solidFill>
+                  <a:srgbClr val="000000"/>
+                </a:solidFill>
+                <a:latin typeface="Times New Roman"/>
+              </a:rPr>
+              <a:t>Prof. André Hochuli</a:t>
+            </a:r>
+            <a:endParaRPr lang="pt-BR" sz="1200" b="0" strike="noStrike" spc="-1">
+              <a:latin typeface="Arial"/>
+            </a:endParaRPr>
+          </a:p>
+        </p:txBody>
+      </p:sp>
+    </p:spTree>
+    <p:extLst>
+      <p:ext uri="{BB962C8B-B14F-4D97-AF65-F5344CB8AC3E}">
+        <p14:creationId xmlns:p14="http://schemas.microsoft.com/office/powerpoint/2010/main" val="3476354239"/>
+      </p:ext>
+    </p:extLst>
+  </p:cSld>
+  <p:clrMapOvr>
+    <a:masterClrMapping/>
+  </p:clrMapOvr>
+</p:notes>
+</file>
+
+<file path=ppt/notesSlides/notesSlide5.xml><?xml version="1.0" encoding="utf-8"?>
+<p:notes xmlns:a="http://schemas.openxmlformats.org/drawingml/2006/main" xmlns:r="http://schemas.openxmlformats.org/officeDocument/2006/relationships" xmlns:p="http://schemas.openxmlformats.org/presentationml/2006/main">
+  <p:cSld>
+    <p:spTree>
+      <p:nvGrpSpPr>
+        <p:cNvPr id="1" name=""/>
+        <p:cNvGrpSpPr/>
+        <p:nvPr/>
+      </p:nvGrpSpPr>
+      <p:grpSpPr>
+        <a:xfrm>
+          <a:off x="0" y="0"/>
+          <a:ext cx="0" cy="0"/>
+          <a:chOff x="0" y="0"/>
+          <a:chExt cx="0" cy="0"/>
+        </a:xfrm>
+      </p:grpSpPr>
+      <p:sp>
+        <p:nvSpPr>
+          <p:cNvPr id="168" name="PlaceHolder 1"/>
+          <p:cNvSpPr>
+            <a:spLocks noGrp="1" noRot="1" noChangeAspect="1"/>
+          </p:cNvSpPr>
+          <p:nvPr>
+            <p:ph type="sldImg"/>
+          </p:nvPr>
+        </p:nvSpPr>
+        <p:spPr>
+          <a:xfrm>
+            <a:off x="1376363" y="1336675"/>
+            <a:ext cx="4803775" cy="3603625"/>
+          </a:xfrm>
+          <a:prstGeom prst="rect">
+            <a:avLst/>
+          </a:prstGeom>
+        </p:spPr>
+      </p:sp>
+      <p:sp>
+        <p:nvSpPr>
+          <p:cNvPr id="169" name="PlaceHolder 2"/>
+          <p:cNvSpPr>
+            <a:spLocks noGrp="1"/>
+          </p:cNvSpPr>
+          <p:nvPr>
+            <p:ph type="body"/>
+          </p:nvPr>
+        </p:nvSpPr>
+        <p:spPr>
+          <a:xfrm>
+            <a:off x="756000" y="5145120"/>
+            <a:ext cx="6044040" cy="4206240"/>
+          </a:xfrm>
+          <a:prstGeom prst="rect">
+            <a:avLst/>
+          </a:prstGeom>
+        </p:spPr>
+        <p:txBody>
+          <a:bodyPr lIns="0" tIns="0" rIns="0" bIns="0"/>
+          <a:lstStyle/>
+          <a:p>
+            <a:endParaRPr lang="pt-BR" sz="2000" b="0" strike="noStrike" spc="-1">
+              <a:latin typeface="Arial"/>
+            </a:endParaRPr>
+          </a:p>
+        </p:txBody>
+      </p:sp>
+      <p:sp>
+        <p:nvSpPr>
+          <p:cNvPr id="170" name="CustomShape 3"/>
+          <p:cNvSpPr/>
+          <p:nvPr/>
+        </p:nvSpPr>
+        <p:spPr>
+          <a:xfrm>
+            <a:off x="0" y="10155240"/>
+            <a:ext cx="3272400" cy="532800"/>
+          </a:xfrm>
+          <a:prstGeom prst="rect">
+            <a:avLst/>
+          </a:prstGeom>
+          <a:noFill/>
+          <a:ln>
+            <a:noFill/>
+          </a:ln>
+        </p:spPr>
+        <p:style>
+          <a:lnRef idx="0">
+            <a:scrgbClr r="0" g="0" b="0"/>
+          </a:lnRef>
+          <a:fillRef idx="0">
+            <a:scrgbClr r="0" g="0" b="0"/>
+          </a:fillRef>
+          <a:effectRef idx="0">
+            <a:scrgbClr r="0" g="0" b="0"/>
+          </a:effectRef>
+          <a:fontRef idx="minor"/>
+        </p:style>
+        <p:txBody>
+          <a:bodyPr lIns="90000" tIns="45000" rIns="90000" bIns="45000" anchor="b"/>
+          <a:lstStyle/>
+          <a:p>
+            <a:pPr>
+              <a:lnSpc>
+                <a:spcPct val="100000"/>
+              </a:lnSpc>
+            </a:pPr>
+            <a:r>
+              <a:rPr lang="pt-BR" sz="1200" b="0" strike="noStrike" spc="-1">
+                <a:solidFill>
+                  <a:srgbClr val="000000"/>
+                </a:solidFill>
+                <a:latin typeface="Times New Roman"/>
+              </a:rPr>
+              <a:t>Prof. André Hochuli</a:t>
+            </a:r>
+            <a:endParaRPr lang="pt-BR" sz="1200" b="0" strike="noStrike" spc="-1">
+              <a:latin typeface="Arial"/>
+            </a:endParaRPr>
+          </a:p>
+        </p:txBody>
+      </p:sp>
+    </p:spTree>
+    <p:extLst>
+      <p:ext uri="{BB962C8B-B14F-4D97-AF65-F5344CB8AC3E}">
+        <p14:creationId xmlns:p14="http://schemas.microsoft.com/office/powerpoint/2010/main" val="2374912028"/>
+      </p:ext>
+    </p:extLst>
+  </p:cSld>
+  <p:clrMapOvr>
+    <a:masterClrMapping/>
+  </p:clrMapOvr>
+</p:notes>
+</file>
+
+<file path=ppt/notesSlides/notesSlide6.xml><?xml version="1.0" encoding="utf-8"?>
+<p:notes xmlns:a="http://schemas.openxmlformats.org/drawingml/2006/main" xmlns:r="http://schemas.openxmlformats.org/officeDocument/2006/relationships" xmlns:p="http://schemas.openxmlformats.org/presentationml/2006/main">
+  <p:cSld>
+    <p:spTree>
+      <p:nvGrpSpPr>
+        <p:cNvPr id="1" name=""/>
+        <p:cNvGrpSpPr/>
+        <p:nvPr/>
+      </p:nvGrpSpPr>
+      <p:grpSpPr>
+        <a:xfrm>
+          <a:off x="0" y="0"/>
+          <a:ext cx="0" cy="0"/>
+          <a:chOff x="0" y="0"/>
+          <a:chExt cx="0" cy="0"/>
+        </a:xfrm>
+      </p:grpSpPr>
+      <p:sp>
+        <p:nvSpPr>
+          <p:cNvPr id="168" name="PlaceHolder 1"/>
+          <p:cNvSpPr>
+            <a:spLocks noGrp="1" noRot="1" noChangeAspect="1"/>
+          </p:cNvSpPr>
+          <p:nvPr>
+            <p:ph type="sldImg"/>
+          </p:nvPr>
+        </p:nvSpPr>
+        <p:spPr>
+          <a:xfrm>
+            <a:off x="1376363" y="1336675"/>
+            <a:ext cx="4803775" cy="3603625"/>
+          </a:xfrm>
+          <a:prstGeom prst="rect">
+            <a:avLst/>
+          </a:prstGeom>
+        </p:spPr>
+      </p:sp>
+      <p:sp>
+        <p:nvSpPr>
+          <p:cNvPr id="169" name="PlaceHolder 2"/>
+          <p:cNvSpPr>
+            <a:spLocks noGrp="1"/>
+          </p:cNvSpPr>
+          <p:nvPr>
+            <p:ph type="body"/>
+          </p:nvPr>
+        </p:nvSpPr>
+        <p:spPr>
+          <a:xfrm>
+            <a:off x="756000" y="5145120"/>
+            <a:ext cx="6044040" cy="4206240"/>
+          </a:xfrm>
+          <a:prstGeom prst="rect">
+            <a:avLst/>
+          </a:prstGeom>
+        </p:spPr>
+        <p:txBody>
+          <a:bodyPr lIns="0" tIns="0" rIns="0" bIns="0"/>
+          <a:lstStyle/>
+          <a:p>
+            <a:endParaRPr lang="pt-BR" sz="2000" b="0" strike="noStrike" spc="-1">
+              <a:latin typeface="Arial"/>
+            </a:endParaRPr>
+          </a:p>
+        </p:txBody>
+      </p:sp>
+      <p:sp>
+        <p:nvSpPr>
+          <p:cNvPr id="170" name="CustomShape 3"/>
+          <p:cNvSpPr/>
+          <p:nvPr/>
+        </p:nvSpPr>
+        <p:spPr>
+          <a:xfrm>
+            <a:off x="0" y="10155240"/>
+            <a:ext cx="3272400" cy="532800"/>
+          </a:xfrm>
+          <a:prstGeom prst="rect">
+            <a:avLst/>
+          </a:prstGeom>
+          <a:noFill/>
+          <a:ln>
+            <a:noFill/>
+          </a:ln>
+        </p:spPr>
+        <p:style>
+          <a:lnRef idx="0">
+            <a:scrgbClr r="0" g="0" b="0"/>
+          </a:lnRef>
+          <a:fillRef idx="0">
+            <a:scrgbClr r="0" g="0" b="0"/>
+          </a:fillRef>
+          <a:effectRef idx="0">
+            <a:scrgbClr r="0" g="0" b="0"/>
+          </a:effectRef>
+          <a:fontRef idx="minor"/>
+        </p:style>
+        <p:txBody>
+          <a:bodyPr lIns="90000" tIns="45000" rIns="90000" bIns="45000" anchor="b"/>
+          <a:lstStyle/>
+          <a:p>
+            <a:pPr>
+              <a:lnSpc>
+                <a:spcPct val="100000"/>
+              </a:lnSpc>
+            </a:pPr>
+            <a:r>
+              <a:rPr lang="pt-BR" sz="1200" b="0" strike="noStrike" spc="-1">
+                <a:solidFill>
+                  <a:srgbClr val="000000"/>
+                </a:solidFill>
+                <a:latin typeface="Times New Roman"/>
+              </a:rPr>
+              <a:t>Prof. André Hochuli</a:t>
+            </a:r>
+            <a:endParaRPr lang="pt-BR" sz="1200" b="0" strike="noStrike" spc="-1">
+              <a:latin typeface="Arial"/>
+            </a:endParaRPr>
+          </a:p>
+        </p:txBody>
+      </p:sp>
+    </p:spTree>
+    <p:extLst>
+      <p:ext uri="{BB962C8B-B14F-4D97-AF65-F5344CB8AC3E}">
+        <p14:creationId xmlns:p14="http://schemas.microsoft.com/office/powerpoint/2010/main" val="113199473"/>
+      </p:ext>
+    </p:extLst>
+  </p:cSld>
+  <p:clrMapOvr>
+    <a:masterClrMapping/>
+  </p:clrMapOvr>
+</p:notes>
+</file>
+
+<file path=ppt/notesSlides/notesSlide7.xml><?xml version="1.0" encoding="utf-8"?>
+<p:notes xmlns:a="http://schemas.openxmlformats.org/drawingml/2006/main" xmlns:r="http://schemas.openxmlformats.org/officeDocument/2006/relationships" xmlns:p="http://schemas.openxmlformats.org/presentationml/2006/main">
+  <p:cSld>
+    <p:spTree>
+      <p:nvGrpSpPr>
+        <p:cNvPr id="1" name=""/>
+        <p:cNvGrpSpPr/>
+        <p:nvPr/>
+      </p:nvGrpSpPr>
+      <p:grpSpPr>
+        <a:xfrm>
+          <a:off x="0" y="0"/>
+          <a:ext cx="0" cy="0"/>
+          <a:chOff x="0" y="0"/>
+          <a:chExt cx="0" cy="0"/>
+        </a:xfrm>
+      </p:grpSpPr>
+      <p:sp>
+        <p:nvSpPr>
+          <p:cNvPr id="168" name="PlaceHolder 1"/>
+          <p:cNvSpPr>
+            <a:spLocks noGrp="1" noRot="1" noChangeAspect="1"/>
+          </p:cNvSpPr>
+          <p:nvPr>
+            <p:ph type="sldImg"/>
+          </p:nvPr>
+        </p:nvSpPr>
+        <p:spPr>
+          <a:xfrm>
+            <a:off x="1376363" y="1336675"/>
+            <a:ext cx="4803775" cy="3603625"/>
+          </a:xfrm>
+          <a:prstGeom prst="rect">
+            <a:avLst/>
+          </a:prstGeom>
+        </p:spPr>
+      </p:sp>
+      <p:sp>
+        <p:nvSpPr>
+          <p:cNvPr id="169" name="PlaceHolder 2"/>
+          <p:cNvSpPr>
+            <a:spLocks noGrp="1"/>
+          </p:cNvSpPr>
+          <p:nvPr>
+            <p:ph type="body"/>
+          </p:nvPr>
+        </p:nvSpPr>
+        <p:spPr>
+          <a:xfrm>
+            <a:off x="756000" y="5145120"/>
+            <a:ext cx="6044040" cy="4206240"/>
+          </a:xfrm>
+          <a:prstGeom prst="rect">
+            <a:avLst/>
+          </a:prstGeom>
+        </p:spPr>
+        <p:txBody>
+          <a:bodyPr lIns="0" tIns="0" rIns="0" bIns="0"/>
+          <a:lstStyle/>
+          <a:p>
+            <a:endParaRPr lang="pt-BR" sz="2000" b="0" strike="noStrike" spc="-1">
+              <a:latin typeface="Arial"/>
+            </a:endParaRPr>
+          </a:p>
+        </p:txBody>
+      </p:sp>
+      <p:sp>
+        <p:nvSpPr>
+          <p:cNvPr id="170" name="CustomShape 3"/>
+          <p:cNvSpPr/>
+          <p:nvPr/>
+        </p:nvSpPr>
+        <p:spPr>
+          <a:xfrm>
+            <a:off x="0" y="10155240"/>
+            <a:ext cx="3272400" cy="532800"/>
+          </a:xfrm>
+          <a:prstGeom prst="rect">
+            <a:avLst/>
+          </a:prstGeom>
+          <a:noFill/>
+          <a:ln>
+            <a:noFill/>
+          </a:ln>
+        </p:spPr>
+        <p:style>
+          <a:lnRef idx="0">
+            <a:scrgbClr r="0" g="0" b="0"/>
+          </a:lnRef>
+          <a:fillRef idx="0">
+            <a:scrgbClr r="0" g="0" b="0"/>
+          </a:fillRef>
+          <a:effectRef idx="0">
+            <a:scrgbClr r="0" g="0" b="0"/>
+          </a:effectRef>
+          <a:fontRef idx="minor"/>
+        </p:style>
+        <p:txBody>
+          <a:bodyPr lIns="90000" tIns="45000" rIns="90000" bIns="45000" anchor="b"/>
+          <a:lstStyle/>
+          <a:p>
+            <a:pPr>
+              <a:lnSpc>
+                <a:spcPct val="100000"/>
+              </a:lnSpc>
+            </a:pPr>
+            <a:r>
+              <a:rPr lang="pt-BR" sz="1200" b="0" strike="noStrike" spc="-1">
+                <a:solidFill>
+                  <a:srgbClr val="000000"/>
+                </a:solidFill>
+                <a:latin typeface="Times New Roman"/>
+              </a:rPr>
+              <a:t>Prof. André Hochuli</a:t>
+            </a:r>
+            <a:endParaRPr lang="pt-BR" sz="1200" b="0" strike="noStrike" spc="-1">
+              <a:latin typeface="Arial"/>
+            </a:endParaRPr>
+          </a:p>
+        </p:txBody>
+      </p:sp>
+    </p:spTree>
+    <p:extLst>
+      <p:ext uri="{BB962C8B-B14F-4D97-AF65-F5344CB8AC3E}">
+        <p14:creationId xmlns:p14="http://schemas.microsoft.com/office/powerpoint/2010/main" val="1393611761"/>
+      </p:ext>
+    </p:extLst>
+  </p:cSld>
+  <p:clrMapOvr>
+    <a:masterClrMapping/>
+  </p:clrMapOvr>
+</p:notes>
+</file>
+
+<file path=ppt/notesSlides/notesSlide8.xml><?xml version="1.0" encoding="utf-8"?>
+<p:notes xmlns:a="http://schemas.openxmlformats.org/drawingml/2006/main" xmlns:r="http://schemas.openxmlformats.org/officeDocument/2006/relationships" xmlns:p="http://schemas.openxmlformats.org/presentationml/2006/main">
+  <p:cSld>
+    <p:spTree>
+      <p:nvGrpSpPr>
+        <p:cNvPr id="1" name=""/>
+        <p:cNvGrpSpPr/>
+        <p:nvPr/>
+      </p:nvGrpSpPr>
+      <p:grpSpPr>
+        <a:xfrm>
+          <a:off x="0" y="0"/>
+          <a:ext cx="0" cy="0"/>
+          <a:chOff x="0" y="0"/>
+          <a:chExt cx="0" cy="0"/>
+        </a:xfrm>
+      </p:grpSpPr>
+      <p:sp>
+        <p:nvSpPr>
+          <p:cNvPr id="168" name="PlaceHolder 1"/>
+          <p:cNvSpPr>
+            <a:spLocks noGrp="1" noRot="1" noChangeAspect="1"/>
+          </p:cNvSpPr>
+          <p:nvPr>
+            <p:ph type="sldImg"/>
+          </p:nvPr>
+        </p:nvSpPr>
+        <p:spPr>
+          <a:xfrm>
+            <a:off x="1376363" y="1336675"/>
+            <a:ext cx="4803775" cy="3603625"/>
+          </a:xfrm>
+          <a:prstGeom prst="rect">
+            <a:avLst/>
+          </a:prstGeom>
+        </p:spPr>
+      </p:sp>
+      <p:sp>
+        <p:nvSpPr>
+          <p:cNvPr id="169" name="PlaceHolder 2"/>
+          <p:cNvSpPr>
+            <a:spLocks noGrp="1"/>
+          </p:cNvSpPr>
+          <p:nvPr>
+            <p:ph type="body"/>
+          </p:nvPr>
+        </p:nvSpPr>
+        <p:spPr>
+          <a:xfrm>
+            <a:off x="756000" y="5145120"/>
+            <a:ext cx="6044040" cy="4206240"/>
+          </a:xfrm>
+          <a:prstGeom prst="rect">
+            <a:avLst/>
+          </a:prstGeom>
+        </p:spPr>
+        <p:txBody>
+          <a:bodyPr lIns="0" tIns="0" rIns="0" bIns="0"/>
+          <a:lstStyle/>
+          <a:p>
+            <a:endParaRPr lang="pt-BR" sz="2000" b="0" strike="noStrike" spc="-1">
+              <a:latin typeface="Arial"/>
+            </a:endParaRPr>
+          </a:p>
+        </p:txBody>
+      </p:sp>
+      <p:sp>
+        <p:nvSpPr>
+          <p:cNvPr id="170" name="CustomShape 3"/>
+          <p:cNvSpPr/>
+          <p:nvPr/>
+        </p:nvSpPr>
+        <p:spPr>
+          <a:xfrm>
+            <a:off x="0" y="10155240"/>
+            <a:ext cx="3272400" cy="532800"/>
+          </a:xfrm>
+          <a:prstGeom prst="rect">
+            <a:avLst/>
+          </a:prstGeom>
+          <a:noFill/>
+          <a:ln>
+            <a:noFill/>
+          </a:ln>
+        </p:spPr>
+        <p:style>
+          <a:lnRef idx="0">
+            <a:scrgbClr r="0" g="0" b="0"/>
+          </a:lnRef>
+          <a:fillRef idx="0">
+            <a:scrgbClr r="0" g="0" b="0"/>
+          </a:fillRef>
+          <a:effectRef idx="0">
+            <a:scrgbClr r="0" g="0" b="0"/>
+          </a:effectRef>
+          <a:fontRef idx="minor"/>
+        </p:style>
+        <p:txBody>
+          <a:bodyPr lIns="90000" tIns="45000" rIns="90000" bIns="45000" anchor="b"/>
+          <a:lstStyle/>
+          <a:p>
+            <a:pPr>
+              <a:lnSpc>
+                <a:spcPct val="100000"/>
+              </a:lnSpc>
+            </a:pPr>
+            <a:r>
+              <a:rPr lang="pt-BR" sz="1200" b="0" strike="noStrike" spc="-1">
+                <a:solidFill>
+                  <a:srgbClr val="000000"/>
+                </a:solidFill>
+                <a:latin typeface="Times New Roman"/>
+              </a:rPr>
+              <a:t>Prof. André Hochuli</a:t>
+            </a:r>
+            <a:endParaRPr lang="pt-BR" sz="1200" b="0" strike="noStrike" spc="-1">
+              <a:latin typeface="Arial"/>
+            </a:endParaRPr>
+          </a:p>
+        </p:txBody>
+      </p:sp>
+    </p:spTree>
+    <p:extLst>
+      <p:ext uri="{BB962C8B-B14F-4D97-AF65-F5344CB8AC3E}">
+        <p14:creationId xmlns:p14="http://schemas.microsoft.com/office/powerpoint/2010/main" val="869457405"/>
+      </p:ext>
+    </p:extLst>
+  </p:cSld>
+  <p:clrMapOvr>
+    <a:masterClrMapping/>
+  </p:clrMapOvr>
+</p:notes>
+</file>
+
+<file path=ppt/notesSlides/notesSlide9.xml><?xml version="1.0" encoding="utf-8"?>
+<p:notes xmlns:a="http://schemas.openxmlformats.org/drawingml/2006/main" xmlns:r="http://schemas.openxmlformats.org/officeDocument/2006/relationships" xmlns:p="http://schemas.openxmlformats.org/presentationml/2006/main">
+  <p:cSld>
+    <p:spTree>
+      <p:nvGrpSpPr>
+        <p:cNvPr id="1" name=""/>
+        <p:cNvGrpSpPr/>
+        <p:nvPr/>
+      </p:nvGrpSpPr>
+      <p:grpSpPr>
+        <a:xfrm>
+          <a:off x="0" y="0"/>
+          <a:ext cx="0" cy="0"/>
+          <a:chOff x="0" y="0"/>
+          <a:chExt cx="0" cy="0"/>
+        </a:xfrm>
+      </p:grpSpPr>
+      <p:sp>
+        <p:nvSpPr>
+          <p:cNvPr id="168" name="PlaceHolder 1"/>
+          <p:cNvSpPr>
+            <a:spLocks noGrp="1" noRot="1" noChangeAspect="1"/>
+          </p:cNvSpPr>
+          <p:nvPr>
+            <p:ph type="sldImg"/>
+          </p:nvPr>
+        </p:nvSpPr>
+        <p:spPr>
+          <a:xfrm>
+            <a:off x="1376363" y="1336675"/>
+            <a:ext cx="4803775" cy="3603625"/>
+          </a:xfrm>
+          <a:prstGeom prst="rect">
+            <a:avLst/>
+          </a:prstGeom>
+        </p:spPr>
+      </p:sp>
+      <p:sp>
+        <p:nvSpPr>
+          <p:cNvPr id="169" name="PlaceHolder 2"/>
+          <p:cNvSpPr>
+            <a:spLocks noGrp="1"/>
+          </p:cNvSpPr>
+          <p:nvPr>
+            <p:ph type="body"/>
+          </p:nvPr>
+        </p:nvSpPr>
+        <p:spPr>
+          <a:xfrm>
+            <a:off x="756000" y="5145120"/>
+            <a:ext cx="6044040" cy="4206240"/>
+          </a:xfrm>
+          <a:prstGeom prst="rect">
+            <a:avLst/>
+          </a:prstGeom>
+        </p:spPr>
+        <p:txBody>
+          <a:bodyPr lIns="0" tIns="0" rIns="0" bIns="0"/>
+          <a:lstStyle/>
+          <a:p>
+            <a:endParaRPr lang="pt-BR" sz="2000" b="0" strike="noStrike" spc="-1">
+              <a:latin typeface="Arial"/>
+            </a:endParaRPr>
+          </a:p>
+        </p:txBody>
+      </p:sp>
+      <p:sp>
+        <p:nvSpPr>
+          <p:cNvPr id="170" name="CustomShape 3"/>
+          <p:cNvSpPr/>
+          <p:nvPr/>
+        </p:nvSpPr>
+        <p:spPr>
+          <a:xfrm>
+            <a:off x="0" y="10155240"/>
+            <a:ext cx="3272400" cy="532800"/>
+          </a:xfrm>
+          <a:prstGeom prst="rect">
+            <a:avLst/>
+          </a:prstGeom>
+          <a:noFill/>
+          <a:ln>
+            <a:noFill/>
+          </a:ln>
+        </p:spPr>
+        <p:style>
+          <a:lnRef idx="0">
+            <a:scrgbClr r="0" g="0" b="0"/>
+          </a:lnRef>
+          <a:fillRef idx="0">
+            <a:scrgbClr r="0" g="0" b="0"/>
+          </a:fillRef>
+          <a:effectRef idx="0">
+            <a:scrgbClr r="0" g="0" b="0"/>
+          </a:effectRef>
+          <a:fontRef idx="minor"/>
+        </p:style>
+        <p:txBody>
+          <a:bodyPr lIns="90000" tIns="45000" rIns="90000" bIns="45000" anchor="b"/>
+          <a:lstStyle/>
+          <a:p>
+            <a:pPr>
+              <a:lnSpc>
+                <a:spcPct val="100000"/>
+              </a:lnSpc>
+            </a:pPr>
+            <a:r>
+              <a:rPr lang="pt-BR" sz="1200" b="0" strike="noStrike" spc="-1">
+                <a:solidFill>
+                  <a:srgbClr val="000000"/>
+                </a:solidFill>
+                <a:latin typeface="Times New Roman"/>
+              </a:rPr>
+              <a:t>Prof. André Hochuli</a:t>
+            </a:r>
+            <a:endParaRPr lang="pt-BR" sz="1200" b="0" strike="noStrike" spc="-1">
+              <a:latin typeface="Arial"/>
+            </a:endParaRPr>
+          </a:p>
+        </p:txBody>
+      </p:sp>
+    </p:spTree>
+    <p:extLst>
+      <p:ext uri="{BB962C8B-B14F-4D97-AF65-F5344CB8AC3E}">
+        <p14:creationId xmlns:p14="http://schemas.microsoft.com/office/powerpoint/2010/main" val="3172463651"/>
+      </p:ext>
+    </p:extLst>
   </p:cSld>
   <p:clrMapOvr>
     <a:masterClrMapping/>
@@ -6287,7 +8037,7 @@
 </p:sld>
 </file>
 
-<file path=ppt/slides/slide2.xml><?xml version="1.0" encoding="utf-8"?>
+<file path=ppt/slides/slide10.xml><?xml version="1.0" encoding="utf-8"?>
 <p:sld xmlns:a="http://schemas.openxmlformats.org/drawingml/2006/main" xmlns:r="http://schemas.openxmlformats.org/officeDocument/2006/relationships" xmlns:p="http://schemas.openxmlformats.org/presentationml/2006/main">
   <p:cSld>
     <p:spTree>
@@ -6306,7 +8056,7 @@
       </p:grpSpPr>
       <p:sp>
         <p:nvSpPr>
-          <p:cNvPr id="89" name="CustomShape 1"/>
+          <p:cNvPr id="99" name="CustomShape 1"/>
           <p:cNvSpPr/>
           <p:nvPr/>
         </p:nvSpPr>
@@ -6339,11 +8089,6 @@
           <a:bodyPr lIns="0" tIns="0" rIns="0" bIns="0" anchor="b"/>
           <a:lstStyle/>
           <a:p>
-            <a:pPr>
-              <a:lnSpc>
-                <a:spcPct val="100000"/>
-              </a:lnSpc>
-            </a:pPr>
             <a:r>
               <a:rPr lang="en-US" sz="3200" b="1" spc="-1" dirty="0">
                 <a:solidFill>
@@ -6351,7 +8096,7 @@
                 </a:solidFill>
                 <a:latin typeface="Latin Modern Sans"/>
               </a:rPr>
-              <a:t>Topics</a:t>
+              <a:t>Image Descriptors – Shape / Edges</a:t>
             </a:r>
             <a:endParaRPr lang="en-US" sz="3200" b="0" strike="noStrike" spc="-1" dirty="0">
               <a:latin typeface="Arial"/>
@@ -6361,7 +8106,13 @@
       </p:sp>
       <p:sp>
         <p:nvSpPr>
-          <p:cNvPr id="90" name="CustomShape 2"/>
+          <p:cNvPr id="9" name="CustomShape 2">
+            <a:extLst>
+              <a:ext uri="{FF2B5EF4-FFF2-40B4-BE49-F238E27FC236}">
+                <a16:creationId xmlns:a16="http://schemas.microsoft.com/office/drawing/2014/main" id="{7D27D924-BAD9-59EB-0956-442C5E618C62}"/>
+              </a:ext>
+            </a:extLst>
+          </p:cNvPr>
           <p:cNvSpPr/>
           <p:nvPr/>
         </p:nvSpPr>
@@ -6417,7 +8168,221 @@
       </p:sp>
       <p:sp>
         <p:nvSpPr>
-          <p:cNvPr id="91" name="CustomShape 3"/>
+          <p:cNvPr id="2" name="CaixaDeTexto 1">
+            <a:extLst>
+              <a:ext uri="{FF2B5EF4-FFF2-40B4-BE49-F238E27FC236}">
+                <a16:creationId xmlns:a16="http://schemas.microsoft.com/office/drawing/2014/main" id="{D744B707-1B4A-5A5F-CC17-5C9D8382FBD9}"/>
+              </a:ext>
+            </a:extLst>
+          </p:cNvPr>
+          <p:cNvSpPr txBox="1"/>
+          <p:nvPr/>
+        </p:nvSpPr>
+        <p:spPr>
+          <a:xfrm>
+            <a:off x="200025" y="1689990"/>
+            <a:ext cx="9516375" cy="3416320"/>
+          </a:xfrm>
+          <a:prstGeom prst="rect">
+            <a:avLst/>
+          </a:prstGeom>
+          <a:noFill/>
+        </p:spPr>
+        <p:txBody>
+          <a:bodyPr wrap="square" rtlCol="0">
+            <a:spAutoFit/>
+          </a:bodyPr>
+          <a:lstStyle/>
+          <a:p>
+            <a:pPr marL="285750" indent="-285750">
+              <a:buFont typeface="Arial" panose="020B0604020202020204" pitchFamily="34" charset="0"/>
+              <a:buChar char="•"/>
+            </a:pPr>
+            <a:r>
+              <a:rPr lang="en-US" dirty="0">
+                <a:latin typeface="Calibri" panose="020F0502020204030204" pitchFamily="34" charset="0"/>
+                <a:cs typeface="Calibri" panose="020F0502020204030204" pitchFamily="34" charset="0"/>
+              </a:rPr>
+              <a:t>Sobel Filter</a:t>
+            </a:r>
+          </a:p>
+          <a:p>
+            <a:pPr marL="285750" indent="-285750">
+              <a:buFont typeface="Arial" panose="020B0604020202020204" pitchFamily="34" charset="0"/>
+              <a:buChar char="•"/>
+            </a:pPr>
+            <a:endParaRPr lang="en-US" dirty="0">
+              <a:latin typeface="Calibri" panose="020F0502020204030204" pitchFamily="34" charset="0"/>
+              <a:cs typeface="Calibri" panose="020F0502020204030204" pitchFamily="34" charset="0"/>
+            </a:endParaRPr>
+          </a:p>
+          <a:p>
+            <a:pPr marL="742950" lvl="1" indent="-285750">
+              <a:buFont typeface="Arial" panose="020B0604020202020204" pitchFamily="34" charset="0"/>
+              <a:buChar char="•"/>
+            </a:pPr>
+            <a:endParaRPr lang="en-US" dirty="0">
+              <a:latin typeface="Calibri" panose="020F0502020204030204" pitchFamily="34" charset="0"/>
+              <a:cs typeface="Calibri" panose="020F0502020204030204" pitchFamily="34" charset="0"/>
+            </a:endParaRPr>
+          </a:p>
+          <a:p>
+            <a:pPr marL="1200150" lvl="2" indent="-285750">
+              <a:buFont typeface="Arial" panose="020B0604020202020204" pitchFamily="34" charset="0"/>
+              <a:buChar char="•"/>
+            </a:pPr>
+            <a:endParaRPr lang="en-US" dirty="0">
+              <a:latin typeface="Calibri" panose="020F0502020204030204" pitchFamily="34" charset="0"/>
+              <a:cs typeface="Calibri" panose="020F0502020204030204" pitchFamily="34" charset="0"/>
+            </a:endParaRPr>
+          </a:p>
+          <a:p>
+            <a:pPr marL="285750" indent="-285750">
+              <a:buFont typeface="Arial" panose="020B0604020202020204" pitchFamily="34" charset="0"/>
+              <a:buChar char="•"/>
+            </a:pPr>
+            <a:endParaRPr lang="en-US" dirty="0">
+              <a:latin typeface="Calibri" panose="020F0502020204030204" pitchFamily="34" charset="0"/>
+              <a:cs typeface="Calibri" panose="020F0502020204030204" pitchFamily="34" charset="0"/>
+            </a:endParaRPr>
+          </a:p>
+          <a:p>
+            <a:pPr marL="742950" lvl="1" indent="-285750">
+              <a:buFont typeface="Arial" panose="020B0604020202020204" pitchFamily="34" charset="0"/>
+              <a:buChar char="•"/>
+            </a:pPr>
+            <a:endParaRPr lang="en-US" dirty="0">
+              <a:latin typeface="Calibri" panose="020F0502020204030204" pitchFamily="34" charset="0"/>
+              <a:cs typeface="Calibri" panose="020F0502020204030204" pitchFamily="34" charset="0"/>
+            </a:endParaRPr>
+          </a:p>
+          <a:p>
+            <a:pPr marL="742950" lvl="1" indent="-285750">
+              <a:buFont typeface="Arial" panose="020B0604020202020204" pitchFamily="34" charset="0"/>
+              <a:buChar char="•"/>
+            </a:pPr>
+            <a:endParaRPr lang="en-US" dirty="0">
+              <a:latin typeface="Calibri" panose="020F0502020204030204" pitchFamily="34" charset="0"/>
+              <a:cs typeface="Calibri" panose="020F0502020204030204" pitchFamily="34" charset="0"/>
+            </a:endParaRPr>
+          </a:p>
+          <a:p>
+            <a:pPr marL="742950" lvl="1" indent="-285750">
+              <a:buFont typeface="Arial" panose="020B0604020202020204" pitchFamily="34" charset="0"/>
+              <a:buChar char="•"/>
+            </a:pPr>
+            <a:endParaRPr lang="en-US" dirty="0">
+              <a:latin typeface="Calibri" panose="020F0502020204030204" pitchFamily="34" charset="0"/>
+              <a:cs typeface="Calibri" panose="020F0502020204030204" pitchFamily="34" charset="0"/>
+            </a:endParaRPr>
+          </a:p>
+          <a:p>
+            <a:pPr marL="742950" lvl="1" indent="-285750">
+              <a:buFont typeface="Arial" panose="020B0604020202020204" pitchFamily="34" charset="0"/>
+              <a:buChar char="•"/>
+            </a:pPr>
+            <a:endParaRPr lang="en-US" dirty="0">
+              <a:latin typeface="Calibri" panose="020F0502020204030204" pitchFamily="34" charset="0"/>
+              <a:cs typeface="Calibri" panose="020F0502020204030204" pitchFamily="34" charset="0"/>
+            </a:endParaRPr>
+          </a:p>
+          <a:p>
+            <a:pPr marL="742950" lvl="1" indent="-285750">
+              <a:buFont typeface="Arial" panose="020B0604020202020204" pitchFamily="34" charset="0"/>
+              <a:buChar char="•"/>
+            </a:pPr>
+            <a:endParaRPr lang="en-US" dirty="0">
+              <a:latin typeface="Calibri" panose="020F0502020204030204" pitchFamily="34" charset="0"/>
+              <a:cs typeface="Calibri" panose="020F0502020204030204" pitchFamily="34" charset="0"/>
+            </a:endParaRPr>
+          </a:p>
+          <a:p>
+            <a:endParaRPr lang="en-US" dirty="0">
+              <a:latin typeface="Calibri" panose="020F0502020204030204" pitchFamily="34" charset="0"/>
+              <a:cs typeface="Calibri" panose="020F0502020204030204" pitchFamily="34" charset="0"/>
+            </a:endParaRPr>
+          </a:p>
+          <a:p>
+            <a:pPr marL="285750" indent="-285750">
+              <a:buFont typeface="Arial" panose="020B0604020202020204" pitchFamily="34" charset="0"/>
+              <a:buChar char="•"/>
+            </a:pPr>
+            <a:endParaRPr lang="en-US" dirty="0">
+              <a:latin typeface="Calibri" panose="020F0502020204030204" pitchFamily="34" charset="0"/>
+              <a:cs typeface="Calibri" panose="020F0502020204030204" pitchFamily="34" charset="0"/>
+            </a:endParaRPr>
+          </a:p>
+        </p:txBody>
+      </p:sp>
+      <p:pic>
+        <p:nvPicPr>
+          <p:cNvPr id="4" name="Imagem 3">
+            <a:extLst>
+              <a:ext uri="{FF2B5EF4-FFF2-40B4-BE49-F238E27FC236}">
+                <a16:creationId xmlns:a16="http://schemas.microsoft.com/office/drawing/2014/main" id="{FDAAEC2C-6B55-3B59-F29B-5522A3F7669A}"/>
+              </a:ext>
+            </a:extLst>
+          </p:cNvPr>
+          <p:cNvPicPr>
+            <a:picLocks noChangeAspect="1"/>
+          </p:cNvPicPr>
+          <p:nvPr/>
+        </p:nvPicPr>
+        <p:blipFill>
+          <a:blip r:embed="rId3"/>
+          <a:stretch>
+            <a:fillRect/>
+          </a:stretch>
+        </p:blipFill>
+        <p:spPr>
+          <a:xfrm>
+            <a:off x="1148079" y="3036170"/>
+            <a:ext cx="3724677" cy="1762571"/>
+          </a:xfrm>
+          <a:prstGeom prst="rect">
+            <a:avLst/>
+          </a:prstGeom>
+        </p:spPr>
+      </p:pic>
+      <p:pic>
+        <p:nvPicPr>
+          <p:cNvPr id="12" name="Imagem 11">
+            <a:extLst>
+              <a:ext uri="{FF2B5EF4-FFF2-40B4-BE49-F238E27FC236}">
+                <a16:creationId xmlns:a16="http://schemas.microsoft.com/office/drawing/2014/main" id="{8BFD3385-1112-A623-37A0-AB07035C477F}"/>
+              </a:ext>
+            </a:extLst>
+          </p:cNvPr>
+          <p:cNvPicPr>
+            <a:picLocks noChangeAspect="1"/>
+          </p:cNvPicPr>
+          <p:nvPr/>
+        </p:nvPicPr>
+        <p:blipFill>
+          <a:blip r:embed="rId4"/>
+          <a:stretch>
+            <a:fillRect/>
+          </a:stretch>
+        </p:blipFill>
+        <p:spPr>
+          <a:xfrm>
+            <a:off x="6225368" y="1554479"/>
+            <a:ext cx="3044060" cy="5187995"/>
+          </a:xfrm>
+          <a:prstGeom prst="rect">
+            <a:avLst/>
+          </a:prstGeom>
+        </p:spPr>
+      </p:pic>
+      <p:sp>
+        <p:nvSpPr>
+          <p:cNvPr id="14" name="CustomShape 3">
+            <a:extLst>
+              <a:ext uri="{FF2B5EF4-FFF2-40B4-BE49-F238E27FC236}">
+                <a16:creationId xmlns:a16="http://schemas.microsoft.com/office/drawing/2014/main" id="{C51B2779-A2EC-C484-5D72-596D57D351BB}"/>
+              </a:ext>
+            </a:extLst>
+          </p:cNvPr>
           <p:cNvSpPr/>
           <p:nvPr/>
         </p:nvSpPr>
@@ -6491,6 +8456,2604 @@
           </a:p>
         </p:txBody>
       </p:sp>
+    </p:spTree>
+    <p:extLst>
+      <p:ext uri="{BB962C8B-B14F-4D97-AF65-F5344CB8AC3E}">
+        <p14:creationId xmlns:p14="http://schemas.microsoft.com/office/powerpoint/2010/main" val="417929135"/>
+      </p:ext>
+    </p:extLst>
+  </p:cSld>
+  <p:clrMapOvr>
+    <a:masterClrMapping/>
+  </p:clrMapOvr>
+  <p:timing>
+    <p:tnLst>
+      <p:par>
+        <p:cTn id="1" dur="indefinite" restart="never" nodeType="tmRoot">
+          <p:childTnLst>
+            <p:seq>
+              <p:cTn id="2" dur="indefinite" nodeType="mainSeq"/>
+              <p:prevCondLst>
+                <p:cond evt="onPrev" delay="0">
+                  <p:tgtEl>
+                    <p:sldTgt/>
+                  </p:tgtEl>
+                </p:cond>
+              </p:prevCondLst>
+              <p:nextCondLst>
+                <p:cond evt="onNext" delay="0">
+                  <p:tgtEl>
+                    <p:sldTgt/>
+                  </p:tgtEl>
+                </p:cond>
+              </p:nextCondLst>
+            </p:seq>
+          </p:childTnLst>
+        </p:cTn>
+      </p:par>
+    </p:tnLst>
+  </p:timing>
+</p:sld>
+</file>
+
+<file path=ppt/slides/slide11.xml><?xml version="1.0" encoding="utf-8"?>
+<p:sld xmlns:a="http://schemas.openxmlformats.org/drawingml/2006/main" xmlns:r="http://schemas.openxmlformats.org/officeDocument/2006/relationships" xmlns:p="http://schemas.openxmlformats.org/presentationml/2006/main">
+  <p:cSld>
+    <p:spTree>
+      <p:nvGrpSpPr>
+        <p:cNvPr id="1" name=""/>
+        <p:cNvGrpSpPr/>
+        <p:nvPr/>
+      </p:nvGrpSpPr>
+      <p:grpSpPr>
+        <a:xfrm>
+          <a:off x="0" y="0"/>
+          <a:ext cx="0" cy="0"/>
+          <a:chOff x="0" y="0"/>
+          <a:chExt cx="0" cy="0"/>
+        </a:xfrm>
+      </p:grpSpPr>
+      <p:sp>
+        <p:nvSpPr>
+          <p:cNvPr id="99" name="CustomShape 1"/>
+          <p:cNvSpPr/>
+          <p:nvPr/>
+        </p:nvSpPr>
+        <p:spPr>
+          <a:xfrm>
+            <a:off x="360000" y="360000"/>
+            <a:ext cx="9356400" cy="896400"/>
+          </a:xfrm>
+          <a:prstGeom prst="rect">
+            <a:avLst/>
+          </a:prstGeom>
+          <a:noFill/>
+          <a:ln>
+            <a:noFill/>
+          </a:ln>
+        </p:spPr>
+        <p:style>
+          <a:lnRef idx="0">
+            <a:scrgbClr r="0" g="0" b="0"/>
+          </a:lnRef>
+          <a:fillRef idx="0">
+            <a:scrgbClr r="0" g="0" b="0"/>
+          </a:fillRef>
+          <a:effectRef idx="0">
+            <a:scrgbClr r="0" g="0" b="0"/>
+          </a:effectRef>
+          <a:fontRef idx="minor"/>
+        </p:style>
+        <p:txBody>
+          <a:bodyPr lIns="0" tIns="0" rIns="0" bIns="0" anchor="b"/>
+          <a:lstStyle/>
+          <a:p>
+            <a:r>
+              <a:rPr lang="en-US" sz="3200" b="1" spc="-1" dirty="0">
+                <a:solidFill>
+                  <a:srgbClr val="FFFFFF"/>
+                </a:solidFill>
+                <a:latin typeface="Latin Modern Sans"/>
+              </a:rPr>
+              <a:t>Image Descriptors – Shape / Edges</a:t>
+            </a:r>
+            <a:endParaRPr lang="en-US" sz="3200" b="0" strike="noStrike" spc="-1" dirty="0">
+              <a:latin typeface="Arial"/>
+            </a:endParaRPr>
+          </a:p>
+        </p:txBody>
+      </p:sp>
+      <p:sp>
+        <p:nvSpPr>
+          <p:cNvPr id="9" name="CustomShape 2">
+            <a:extLst>
+              <a:ext uri="{FF2B5EF4-FFF2-40B4-BE49-F238E27FC236}">
+                <a16:creationId xmlns:a16="http://schemas.microsoft.com/office/drawing/2014/main" id="{7D27D924-BAD9-59EB-0956-442C5E618C62}"/>
+              </a:ext>
+            </a:extLst>
+          </p:cNvPr>
+          <p:cNvSpPr/>
+          <p:nvPr/>
+        </p:nvSpPr>
+        <p:spPr>
+          <a:xfrm>
+            <a:off x="897120" y="6886080"/>
+            <a:ext cx="6443640" cy="361440"/>
+          </a:xfrm>
+          <a:prstGeom prst="rect">
+            <a:avLst/>
+          </a:prstGeom>
+          <a:noFill/>
+          <a:ln>
+            <a:noFill/>
+          </a:ln>
+        </p:spPr>
+        <p:style>
+          <a:lnRef idx="0">
+            <a:scrgbClr r="0" g="0" b="0"/>
+          </a:lnRef>
+          <a:fillRef idx="0">
+            <a:scrgbClr r="0" g="0" b="0"/>
+          </a:fillRef>
+          <a:effectRef idx="0">
+            <a:scrgbClr r="0" g="0" b="0"/>
+          </a:effectRef>
+          <a:fontRef idx="minor"/>
+        </p:style>
+        <p:txBody>
+          <a:bodyPr lIns="90000" tIns="45000" rIns="90000" bIns="45000"/>
+          <a:lstStyle/>
+          <a:p>
+            <a:pPr>
+              <a:lnSpc>
+                <a:spcPct val="100000"/>
+              </a:lnSpc>
+            </a:pPr>
+            <a:r>
+              <a:rPr lang="pt-BR" sz="1800" b="0" strike="noStrike" spc="-1" dirty="0">
+                <a:solidFill>
+                  <a:srgbClr val="000000"/>
+                </a:solidFill>
+                <a:latin typeface="Arial"/>
+                <a:ea typeface="DejaVu Sans"/>
+              </a:rPr>
+              <a:t>Computer Vision - Prof. André Hochuli</a:t>
+            </a:r>
+            <a:endParaRPr lang="pt-BR" sz="1800" b="0" strike="noStrike" spc="-1" dirty="0">
+              <a:latin typeface="Arial"/>
+            </a:endParaRPr>
+          </a:p>
+        </p:txBody>
+      </p:sp>
+      <p:sp>
+        <p:nvSpPr>
+          <p:cNvPr id="2" name="CaixaDeTexto 1">
+            <a:extLst>
+              <a:ext uri="{FF2B5EF4-FFF2-40B4-BE49-F238E27FC236}">
+                <a16:creationId xmlns:a16="http://schemas.microsoft.com/office/drawing/2014/main" id="{D744B707-1B4A-5A5F-CC17-5C9D8382FBD9}"/>
+              </a:ext>
+            </a:extLst>
+          </p:cNvPr>
+          <p:cNvSpPr txBox="1"/>
+          <p:nvPr/>
+        </p:nvSpPr>
+        <p:spPr>
+          <a:xfrm>
+            <a:off x="200025" y="1689990"/>
+            <a:ext cx="9516375" cy="3416320"/>
+          </a:xfrm>
+          <a:prstGeom prst="rect">
+            <a:avLst/>
+          </a:prstGeom>
+          <a:noFill/>
+        </p:spPr>
+        <p:txBody>
+          <a:bodyPr wrap="square" rtlCol="0">
+            <a:spAutoFit/>
+          </a:bodyPr>
+          <a:lstStyle/>
+          <a:p>
+            <a:pPr marL="285750" indent="-285750">
+              <a:buFont typeface="Arial" panose="020B0604020202020204" pitchFamily="34" charset="0"/>
+              <a:buChar char="•"/>
+            </a:pPr>
+            <a:r>
+              <a:rPr lang="en-US" dirty="0">
+                <a:latin typeface="Calibri" panose="020F0502020204030204" pitchFamily="34" charset="0"/>
+                <a:cs typeface="Calibri" panose="020F0502020204030204" pitchFamily="34" charset="0"/>
+              </a:rPr>
+              <a:t>Laplace</a:t>
+            </a:r>
+          </a:p>
+          <a:p>
+            <a:pPr marL="285750" indent="-285750">
+              <a:buFont typeface="Arial" panose="020B0604020202020204" pitchFamily="34" charset="0"/>
+              <a:buChar char="•"/>
+            </a:pPr>
+            <a:endParaRPr lang="en-US" dirty="0">
+              <a:latin typeface="Calibri" panose="020F0502020204030204" pitchFamily="34" charset="0"/>
+              <a:cs typeface="Calibri" panose="020F0502020204030204" pitchFamily="34" charset="0"/>
+            </a:endParaRPr>
+          </a:p>
+          <a:p>
+            <a:pPr marL="742950" lvl="1" indent="-285750">
+              <a:buFont typeface="Arial" panose="020B0604020202020204" pitchFamily="34" charset="0"/>
+              <a:buChar char="•"/>
+            </a:pPr>
+            <a:endParaRPr lang="en-US" dirty="0">
+              <a:latin typeface="Calibri" panose="020F0502020204030204" pitchFamily="34" charset="0"/>
+              <a:cs typeface="Calibri" panose="020F0502020204030204" pitchFamily="34" charset="0"/>
+            </a:endParaRPr>
+          </a:p>
+          <a:p>
+            <a:pPr marL="1200150" lvl="2" indent="-285750">
+              <a:buFont typeface="Arial" panose="020B0604020202020204" pitchFamily="34" charset="0"/>
+              <a:buChar char="•"/>
+            </a:pPr>
+            <a:endParaRPr lang="en-US" dirty="0">
+              <a:latin typeface="Calibri" panose="020F0502020204030204" pitchFamily="34" charset="0"/>
+              <a:cs typeface="Calibri" panose="020F0502020204030204" pitchFamily="34" charset="0"/>
+            </a:endParaRPr>
+          </a:p>
+          <a:p>
+            <a:pPr marL="285750" indent="-285750">
+              <a:buFont typeface="Arial" panose="020B0604020202020204" pitchFamily="34" charset="0"/>
+              <a:buChar char="•"/>
+            </a:pPr>
+            <a:endParaRPr lang="en-US" dirty="0">
+              <a:latin typeface="Calibri" panose="020F0502020204030204" pitchFamily="34" charset="0"/>
+              <a:cs typeface="Calibri" panose="020F0502020204030204" pitchFamily="34" charset="0"/>
+            </a:endParaRPr>
+          </a:p>
+          <a:p>
+            <a:pPr marL="742950" lvl="1" indent="-285750">
+              <a:buFont typeface="Arial" panose="020B0604020202020204" pitchFamily="34" charset="0"/>
+              <a:buChar char="•"/>
+            </a:pPr>
+            <a:endParaRPr lang="en-US" dirty="0">
+              <a:latin typeface="Calibri" panose="020F0502020204030204" pitchFamily="34" charset="0"/>
+              <a:cs typeface="Calibri" panose="020F0502020204030204" pitchFamily="34" charset="0"/>
+            </a:endParaRPr>
+          </a:p>
+          <a:p>
+            <a:pPr marL="742950" lvl="1" indent="-285750">
+              <a:buFont typeface="Arial" panose="020B0604020202020204" pitchFamily="34" charset="0"/>
+              <a:buChar char="•"/>
+            </a:pPr>
+            <a:endParaRPr lang="en-US" dirty="0">
+              <a:latin typeface="Calibri" panose="020F0502020204030204" pitchFamily="34" charset="0"/>
+              <a:cs typeface="Calibri" panose="020F0502020204030204" pitchFamily="34" charset="0"/>
+            </a:endParaRPr>
+          </a:p>
+          <a:p>
+            <a:pPr marL="742950" lvl="1" indent="-285750">
+              <a:buFont typeface="Arial" panose="020B0604020202020204" pitchFamily="34" charset="0"/>
+              <a:buChar char="•"/>
+            </a:pPr>
+            <a:endParaRPr lang="en-US" dirty="0">
+              <a:latin typeface="Calibri" panose="020F0502020204030204" pitchFamily="34" charset="0"/>
+              <a:cs typeface="Calibri" panose="020F0502020204030204" pitchFamily="34" charset="0"/>
+            </a:endParaRPr>
+          </a:p>
+          <a:p>
+            <a:pPr marL="742950" lvl="1" indent="-285750">
+              <a:buFont typeface="Arial" panose="020B0604020202020204" pitchFamily="34" charset="0"/>
+              <a:buChar char="•"/>
+            </a:pPr>
+            <a:endParaRPr lang="en-US" dirty="0">
+              <a:latin typeface="Calibri" panose="020F0502020204030204" pitchFamily="34" charset="0"/>
+              <a:cs typeface="Calibri" panose="020F0502020204030204" pitchFamily="34" charset="0"/>
+            </a:endParaRPr>
+          </a:p>
+          <a:p>
+            <a:pPr marL="742950" lvl="1" indent="-285750">
+              <a:buFont typeface="Arial" panose="020B0604020202020204" pitchFamily="34" charset="0"/>
+              <a:buChar char="•"/>
+            </a:pPr>
+            <a:endParaRPr lang="en-US" dirty="0">
+              <a:latin typeface="Calibri" panose="020F0502020204030204" pitchFamily="34" charset="0"/>
+              <a:cs typeface="Calibri" panose="020F0502020204030204" pitchFamily="34" charset="0"/>
+            </a:endParaRPr>
+          </a:p>
+          <a:p>
+            <a:endParaRPr lang="en-US" dirty="0">
+              <a:latin typeface="Calibri" panose="020F0502020204030204" pitchFamily="34" charset="0"/>
+              <a:cs typeface="Calibri" panose="020F0502020204030204" pitchFamily="34" charset="0"/>
+            </a:endParaRPr>
+          </a:p>
+          <a:p>
+            <a:pPr marL="285750" indent="-285750">
+              <a:buFont typeface="Arial" panose="020B0604020202020204" pitchFamily="34" charset="0"/>
+              <a:buChar char="•"/>
+            </a:pPr>
+            <a:endParaRPr lang="en-US" dirty="0">
+              <a:latin typeface="Calibri" panose="020F0502020204030204" pitchFamily="34" charset="0"/>
+              <a:cs typeface="Calibri" panose="020F0502020204030204" pitchFamily="34" charset="0"/>
+            </a:endParaRPr>
+          </a:p>
+        </p:txBody>
+      </p:sp>
+      <p:pic>
+        <p:nvPicPr>
+          <p:cNvPr id="5" name="Imagem 4">
+            <a:extLst>
+              <a:ext uri="{FF2B5EF4-FFF2-40B4-BE49-F238E27FC236}">
+                <a16:creationId xmlns:a16="http://schemas.microsoft.com/office/drawing/2014/main" id="{8ECB0ACA-0823-A128-2C22-AB0480BAAD56}"/>
+              </a:ext>
+            </a:extLst>
+          </p:cNvPr>
+          <p:cNvPicPr>
+            <a:picLocks noChangeAspect="1"/>
+          </p:cNvPicPr>
+          <p:nvPr/>
+        </p:nvPicPr>
+        <p:blipFill>
+          <a:blip r:embed="rId3"/>
+          <a:stretch>
+            <a:fillRect/>
+          </a:stretch>
+        </p:blipFill>
+        <p:spPr>
+          <a:xfrm>
+            <a:off x="614248" y="3473965"/>
+            <a:ext cx="1638529" cy="1276528"/>
+          </a:xfrm>
+          <a:prstGeom prst="rect">
+            <a:avLst/>
+          </a:prstGeom>
+        </p:spPr>
+      </p:pic>
+      <p:pic>
+        <p:nvPicPr>
+          <p:cNvPr id="12" name="Imagem 11">
+            <a:extLst>
+              <a:ext uri="{FF2B5EF4-FFF2-40B4-BE49-F238E27FC236}">
+                <a16:creationId xmlns:a16="http://schemas.microsoft.com/office/drawing/2014/main" id="{CC6D6FC3-999D-8BFB-9E45-F08B5A281802}"/>
+              </a:ext>
+            </a:extLst>
+          </p:cNvPr>
+          <p:cNvPicPr>
+            <a:picLocks noChangeAspect="1"/>
+          </p:cNvPicPr>
+          <p:nvPr/>
+        </p:nvPicPr>
+        <p:blipFill>
+          <a:blip r:embed="rId4"/>
+          <a:stretch>
+            <a:fillRect/>
+          </a:stretch>
+        </p:blipFill>
+        <p:spPr>
+          <a:xfrm>
+            <a:off x="5639739" y="1524000"/>
+            <a:ext cx="3122308" cy="5176458"/>
+          </a:xfrm>
+          <a:prstGeom prst="rect">
+            <a:avLst/>
+          </a:prstGeom>
+        </p:spPr>
+      </p:pic>
+      <p:sp>
+        <p:nvSpPr>
+          <p:cNvPr id="14" name="CustomShape 3">
+            <a:extLst>
+              <a:ext uri="{FF2B5EF4-FFF2-40B4-BE49-F238E27FC236}">
+                <a16:creationId xmlns:a16="http://schemas.microsoft.com/office/drawing/2014/main" id="{2DD1C6F7-70D2-34EF-7FB7-0E50106185D5}"/>
+              </a:ext>
+            </a:extLst>
+          </p:cNvPr>
+          <p:cNvSpPr/>
+          <p:nvPr/>
+        </p:nvSpPr>
+        <p:spPr>
+          <a:xfrm>
+            <a:off x="7608600" y="6886080"/>
+            <a:ext cx="2281680" cy="361440"/>
+          </a:xfrm>
+          <a:prstGeom prst="rect">
+            <a:avLst/>
+          </a:prstGeom>
+          <a:noFill/>
+          <a:ln>
+            <a:noFill/>
+          </a:ln>
+        </p:spPr>
+        <p:style>
+          <a:lnRef idx="0">
+            <a:scrgbClr r="0" g="0" b="0"/>
+          </a:lnRef>
+          <a:fillRef idx="0">
+            <a:scrgbClr r="0" g="0" b="0"/>
+          </a:fillRef>
+          <a:effectRef idx="0">
+            <a:scrgbClr r="0" g="0" b="0"/>
+          </a:effectRef>
+          <a:fontRef idx="minor"/>
+        </p:style>
+        <p:txBody>
+          <a:bodyPr lIns="90000" tIns="45000" rIns="90000" bIns="45000"/>
+          <a:lstStyle/>
+          <a:p>
+            <a:pPr>
+              <a:lnSpc>
+                <a:spcPct val="100000"/>
+              </a:lnSpc>
+            </a:pPr>
+            <a:r>
+              <a:rPr lang="en-US" sz="1800" b="0" strike="noStrike" spc="-1" dirty="0">
+                <a:solidFill>
+                  <a:srgbClr val="000000"/>
+                </a:solidFill>
+                <a:latin typeface="Arial"/>
+                <a:ea typeface="DejaVu Sans"/>
+              </a:rPr>
+              <a:t>Lecture</a:t>
+            </a:r>
+            <a:r>
+              <a:rPr lang="pt-BR" sz="1800" b="0" strike="noStrike" spc="-1" dirty="0">
+                <a:solidFill>
+                  <a:srgbClr val="000000"/>
+                </a:solidFill>
+                <a:latin typeface="Arial"/>
+                <a:ea typeface="DejaVu Sans"/>
+              </a:rPr>
+              <a:t> </a:t>
+            </a:r>
+            <a:r>
+              <a:rPr lang="pt-BR" spc="-1" dirty="0">
+                <a:solidFill>
+                  <a:srgbClr val="000000"/>
+                </a:solidFill>
+                <a:latin typeface="Arial"/>
+                <a:ea typeface="DejaVu Sans"/>
+              </a:rPr>
+              <a:t>06</a:t>
+            </a:r>
+            <a:endParaRPr lang="pt-BR" sz="1800" b="0" strike="noStrike" spc="-1" dirty="0">
+              <a:latin typeface="Arial"/>
+            </a:endParaRPr>
+          </a:p>
+        </p:txBody>
+      </p:sp>
+    </p:spTree>
+    <p:extLst>
+      <p:ext uri="{BB962C8B-B14F-4D97-AF65-F5344CB8AC3E}">
+        <p14:creationId xmlns:p14="http://schemas.microsoft.com/office/powerpoint/2010/main" val="3394410226"/>
+      </p:ext>
+    </p:extLst>
+  </p:cSld>
+  <p:clrMapOvr>
+    <a:masterClrMapping/>
+  </p:clrMapOvr>
+  <p:timing>
+    <p:tnLst>
+      <p:par>
+        <p:cTn id="1" dur="indefinite" restart="never" nodeType="tmRoot">
+          <p:childTnLst>
+            <p:seq>
+              <p:cTn id="2" dur="indefinite" nodeType="mainSeq"/>
+              <p:prevCondLst>
+                <p:cond evt="onPrev" delay="0">
+                  <p:tgtEl>
+                    <p:sldTgt/>
+                  </p:tgtEl>
+                </p:cond>
+              </p:prevCondLst>
+              <p:nextCondLst>
+                <p:cond evt="onNext" delay="0">
+                  <p:tgtEl>
+                    <p:sldTgt/>
+                  </p:tgtEl>
+                </p:cond>
+              </p:nextCondLst>
+            </p:seq>
+          </p:childTnLst>
+        </p:cTn>
+      </p:par>
+    </p:tnLst>
+  </p:timing>
+</p:sld>
+</file>
+
+<file path=ppt/slides/slide12.xml><?xml version="1.0" encoding="utf-8"?>
+<p:sld xmlns:a="http://schemas.openxmlformats.org/drawingml/2006/main" xmlns:r="http://schemas.openxmlformats.org/officeDocument/2006/relationships" xmlns:p="http://schemas.openxmlformats.org/presentationml/2006/main">
+  <p:cSld>
+    <p:spTree>
+      <p:nvGrpSpPr>
+        <p:cNvPr id="1" name=""/>
+        <p:cNvGrpSpPr/>
+        <p:nvPr/>
+      </p:nvGrpSpPr>
+      <p:grpSpPr>
+        <a:xfrm>
+          <a:off x="0" y="0"/>
+          <a:ext cx="0" cy="0"/>
+          <a:chOff x="0" y="0"/>
+          <a:chExt cx="0" cy="0"/>
+        </a:xfrm>
+      </p:grpSpPr>
+      <p:sp>
+        <p:nvSpPr>
+          <p:cNvPr id="99" name="CustomShape 1"/>
+          <p:cNvSpPr/>
+          <p:nvPr/>
+        </p:nvSpPr>
+        <p:spPr>
+          <a:xfrm>
+            <a:off x="360000" y="360000"/>
+            <a:ext cx="9356400" cy="896400"/>
+          </a:xfrm>
+          <a:prstGeom prst="rect">
+            <a:avLst/>
+          </a:prstGeom>
+          <a:noFill/>
+          <a:ln>
+            <a:noFill/>
+          </a:ln>
+        </p:spPr>
+        <p:style>
+          <a:lnRef idx="0">
+            <a:scrgbClr r="0" g="0" b="0"/>
+          </a:lnRef>
+          <a:fillRef idx="0">
+            <a:scrgbClr r="0" g="0" b="0"/>
+          </a:fillRef>
+          <a:effectRef idx="0">
+            <a:scrgbClr r="0" g="0" b="0"/>
+          </a:effectRef>
+          <a:fontRef idx="minor"/>
+        </p:style>
+        <p:txBody>
+          <a:bodyPr lIns="0" tIns="0" rIns="0" bIns="0" anchor="b"/>
+          <a:lstStyle/>
+          <a:p>
+            <a:r>
+              <a:rPr lang="en-US" sz="3200" b="1" spc="-1" dirty="0">
+                <a:solidFill>
+                  <a:srgbClr val="FFFFFF"/>
+                </a:solidFill>
+                <a:latin typeface="Latin Modern Sans"/>
+              </a:rPr>
+              <a:t>Image Descriptors – Shape / Edges</a:t>
+            </a:r>
+            <a:endParaRPr lang="en-US" sz="3200" b="0" strike="noStrike" spc="-1" dirty="0">
+              <a:latin typeface="Arial"/>
+            </a:endParaRPr>
+          </a:p>
+        </p:txBody>
+      </p:sp>
+      <p:sp>
+        <p:nvSpPr>
+          <p:cNvPr id="9" name="CustomShape 2">
+            <a:extLst>
+              <a:ext uri="{FF2B5EF4-FFF2-40B4-BE49-F238E27FC236}">
+                <a16:creationId xmlns:a16="http://schemas.microsoft.com/office/drawing/2014/main" id="{7D27D924-BAD9-59EB-0956-442C5E618C62}"/>
+              </a:ext>
+            </a:extLst>
+          </p:cNvPr>
+          <p:cNvSpPr/>
+          <p:nvPr/>
+        </p:nvSpPr>
+        <p:spPr>
+          <a:xfrm>
+            <a:off x="897120" y="6886080"/>
+            <a:ext cx="6443640" cy="361440"/>
+          </a:xfrm>
+          <a:prstGeom prst="rect">
+            <a:avLst/>
+          </a:prstGeom>
+          <a:noFill/>
+          <a:ln>
+            <a:noFill/>
+          </a:ln>
+        </p:spPr>
+        <p:style>
+          <a:lnRef idx="0">
+            <a:scrgbClr r="0" g="0" b="0"/>
+          </a:lnRef>
+          <a:fillRef idx="0">
+            <a:scrgbClr r="0" g="0" b="0"/>
+          </a:fillRef>
+          <a:effectRef idx="0">
+            <a:scrgbClr r="0" g="0" b="0"/>
+          </a:effectRef>
+          <a:fontRef idx="minor"/>
+        </p:style>
+        <p:txBody>
+          <a:bodyPr lIns="90000" tIns="45000" rIns="90000" bIns="45000"/>
+          <a:lstStyle/>
+          <a:p>
+            <a:pPr>
+              <a:lnSpc>
+                <a:spcPct val="100000"/>
+              </a:lnSpc>
+            </a:pPr>
+            <a:r>
+              <a:rPr lang="pt-BR" sz="1800" b="0" strike="noStrike" spc="-1" dirty="0">
+                <a:solidFill>
+                  <a:srgbClr val="000000"/>
+                </a:solidFill>
+                <a:latin typeface="Arial"/>
+                <a:ea typeface="DejaVu Sans"/>
+              </a:rPr>
+              <a:t>Computer Vision - Prof. André Hochuli</a:t>
+            </a:r>
+            <a:endParaRPr lang="pt-BR" sz="1800" b="0" strike="noStrike" spc="-1" dirty="0">
+              <a:latin typeface="Arial"/>
+            </a:endParaRPr>
+          </a:p>
+        </p:txBody>
+      </p:sp>
+      <p:sp>
+        <p:nvSpPr>
+          <p:cNvPr id="2" name="CaixaDeTexto 1">
+            <a:extLst>
+              <a:ext uri="{FF2B5EF4-FFF2-40B4-BE49-F238E27FC236}">
+                <a16:creationId xmlns:a16="http://schemas.microsoft.com/office/drawing/2014/main" id="{D744B707-1B4A-5A5F-CC17-5C9D8382FBD9}"/>
+              </a:ext>
+            </a:extLst>
+          </p:cNvPr>
+          <p:cNvSpPr txBox="1"/>
+          <p:nvPr/>
+        </p:nvSpPr>
+        <p:spPr>
+          <a:xfrm>
+            <a:off x="200025" y="1689990"/>
+            <a:ext cx="9516375" cy="3693319"/>
+          </a:xfrm>
+          <a:prstGeom prst="rect">
+            <a:avLst/>
+          </a:prstGeom>
+          <a:noFill/>
+        </p:spPr>
+        <p:txBody>
+          <a:bodyPr wrap="square" rtlCol="0">
+            <a:spAutoFit/>
+          </a:bodyPr>
+          <a:lstStyle/>
+          <a:p>
+            <a:pPr marL="285750" indent="-285750">
+              <a:buFont typeface="Arial" panose="020B0604020202020204" pitchFamily="34" charset="0"/>
+              <a:buChar char="•"/>
+            </a:pPr>
+            <a:r>
+              <a:rPr lang="en-US" dirty="0">
+                <a:latin typeface="Calibri" panose="020F0502020204030204" pitchFamily="34" charset="0"/>
+                <a:cs typeface="Calibri" panose="020F0502020204030204" pitchFamily="34" charset="0"/>
+              </a:rPr>
+              <a:t>Canny</a:t>
+            </a:r>
+          </a:p>
+          <a:p>
+            <a:pPr marL="742950" lvl="1" indent="-285750">
+              <a:buFont typeface="Arial" panose="020B0604020202020204" pitchFamily="34" charset="0"/>
+              <a:buChar char="•"/>
+            </a:pPr>
+            <a:r>
+              <a:rPr lang="en-US" b="0" i="0" dirty="0">
+                <a:effectLst/>
+                <a:latin typeface="-apple-system"/>
+              </a:rPr>
+              <a:t>Gaussian Gradient Based Filter (John F. Canny 1986)</a:t>
+            </a:r>
+            <a:endParaRPr lang="en-US" dirty="0">
+              <a:latin typeface="Calibri" panose="020F0502020204030204" pitchFamily="34" charset="0"/>
+              <a:cs typeface="Calibri" panose="020F0502020204030204" pitchFamily="34" charset="0"/>
+            </a:endParaRPr>
+          </a:p>
+          <a:p>
+            <a:pPr marL="285750" indent="-285750">
+              <a:buFont typeface="Arial" panose="020B0604020202020204" pitchFamily="34" charset="0"/>
+              <a:buChar char="•"/>
+            </a:pPr>
+            <a:endParaRPr lang="en-US" dirty="0">
+              <a:latin typeface="Calibri" panose="020F0502020204030204" pitchFamily="34" charset="0"/>
+              <a:cs typeface="Calibri" panose="020F0502020204030204" pitchFamily="34" charset="0"/>
+            </a:endParaRPr>
+          </a:p>
+          <a:p>
+            <a:pPr marL="742950" lvl="1" indent="-285750">
+              <a:buFont typeface="Arial" panose="020B0604020202020204" pitchFamily="34" charset="0"/>
+              <a:buChar char="•"/>
+            </a:pPr>
+            <a:endParaRPr lang="en-US" dirty="0">
+              <a:latin typeface="Calibri" panose="020F0502020204030204" pitchFamily="34" charset="0"/>
+              <a:cs typeface="Calibri" panose="020F0502020204030204" pitchFamily="34" charset="0"/>
+            </a:endParaRPr>
+          </a:p>
+          <a:p>
+            <a:pPr marL="1200150" lvl="2" indent="-285750">
+              <a:buFont typeface="Arial" panose="020B0604020202020204" pitchFamily="34" charset="0"/>
+              <a:buChar char="•"/>
+            </a:pPr>
+            <a:endParaRPr lang="en-US" dirty="0">
+              <a:latin typeface="Calibri" panose="020F0502020204030204" pitchFamily="34" charset="0"/>
+              <a:cs typeface="Calibri" panose="020F0502020204030204" pitchFamily="34" charset="0"/>
+            </a:endParaRPr>
+          </a:p>
+          <a:p>
+            <a:pPr marL="285750" indent="-285750">
+              <a:buFont typeface="Arial" panose="020B0604020202020204" pitchFamily="34" charset="0"/>
+              <a:buChar char="•"/>
+            </a:pPr>
+            <a:endParaRPr lang="en-US" dirty="0">
+              <a:latin typeface="Calibri" panose="020F0502020204030204" pitchFamily="34" charset="0"/>
+              <a:cs typeface="Calibri" panose="020F0502020204030204" pitchFamily="34" charset="0"/>
+            </a:endParaRPr>
+          </a:p>
+          <a:p>
+            <a:pPr marL="742950" lvl="1" indent="-285750">
+              <a:buFont typeface="Arial" panose="020B0604020202020204" pitchFamily="34" charset="0"/>
+              <a:buChar char="•"/>
+            </a:pPr>
+            <a:endParaRPr lang="en-US" dirty="0">
+              <a:latin typeface="Calibri" panose="020F0502020204030204" pitchFamily="34" charset="0"/>
+              <a:cs typeface="Calibri" panose="020F0502020204030204" pitchFamily="34" charset="0"/>
+            </a:endParaRPr>
+          </a:p>
+          <a:p>
+            <a:pPr marL="742950" lvl="1" indent="-285750">
+              <a:buFont typeface="Arial" panose="020B0604020202020204" pitchFamily="34" charset="0"/>
+              <a:buChar char="•"/>
+            </a:pPr>
+            <a:endParaRPr lang="en-US" dirty="0">
+              <a:latin typeface="Calibri" panose="020F0502020204030204" pitchFamily="34" charset="0"/>
+              <a:cs typeface="Calibri" panose="020F0502020204030204" pitchFamily="34" charset="0"/>
+            </a:endParaRPr>
+          </a:p>
+          <a:p>
+            <a:pPr marL="742950" lvl="1" indent="-285750">
+              <a:buFont typeface="Arial" panose="020B0604020202020204" pitchFamily="34" charset="0"/>
+              <a:buChar char="•"/>
+            </a:pPr>
+            <a:endParaRPr lang="en-US" dirty="0">
+              <a:latin typeface="Calibri" panose="020F0502020204030204" pitchFamily="34" charset="0"/>
+              <a:cs typeface="Calibri" panose="020F0502020204030204" pitchFamily="34" charset="0"/>
+            </a:endParaRPr>
+          </a:p>
+          <a:p>
+            <a:pPr marL="742950" lvl="1" indent="-285750">
+              <a:buFont typeface="Arial" panose="020B0604020202020204" pitchFamily="34" charset="0"/>
+              <a:buChar char="•"/>
+            </a:pPr>
+            <a:endParaRPr lang="en-US" dirty="0">
+              <a:latin typeface="Calibri" panose="020F0502020204030204" pitchFamily="34" charset="0"/>
+              <a:cs typeface="Calibri" panose="020F0502020204030204" pitchFamily="34" charset="0"/>
+            </a:endParaRPr>
+          </a:p>
+          <a:p>
+            <a:pPr marL="742950" lvl="1" indent="-285750">
+              <a:buFont typeface="Arial" panose="020B0604020202020204" pitchFamily="34" charset="0"/>
+              <a:buChar char="•"/>
+            </a:pPr>
+            <a:endParaRPr lang="en-US" dirty="0">
+              <a:latin typeface="Calibri" panose="020F0502020204030204" pitchFamily="34" charset="0"/>
+              <a:cs typeface="Calibri" panose="020F0502020204030204" pitchFamily="34" charset="0"/>
+            </a:endParaRPr>
+          </a:p>
+          <a:p>
+            <a:endParaRPr lang="en-US" dirty="0">
+              <a:latin typeface="Calibri" panose="020F0502020204030204" pitchFamily="34" charset="0"/>
+              <a:cs typeface="Calibri" panose="020F0502020204030204" pitchFamily="34" charset="0"/>
+            </a:endParaRPr>
+          </a:p>
+          <a:p>
+            <a:pPr marL="285750" indent="-285750">
+              <a:buFont typeface="Arial" panose="020B0604020202020204" pitchFamily="34" charset="0"/>
+              <a:buChar char="•"/>
+            </a:pPr>
+            <a:endParaRPr lang="en-US" dirty="0">
+              <a:latin typeface="Calibri" panose="020F0502020204030204" pitchFamily="34" charset="0"/>
+              <a:cs typeface="Calibri" panose="020F0502020204030204" pitchFamily="34" charset="0"/>
+            </a:endParaRPr>
+          </a:p>
+        </p:txBody>
+      </p:sp>
+      <p:pic>
+        <p:nvPicPr>
+          <p:cNvPr id="4" name="Imagem 3">
+            <a:extLst>
+              <a:ext uri="{FF2B5EF4-FFF2-40B4-BE49-F238E27FC236}">
+                <a16:creationId xmlns:a16="http://schemas.microsoft.com/office/drawing/2014/main" id="{8CFDA50D-AA04-6C1D-FEDD-59098E4AE790}"/>
+              </a:ext>
+            </a:extLst>
+          </p:cNvPr>
+          <p:cNvPicPr>
+            <a:picLocks noChangeAspect="1"/>
+          </p:cNvPicPr>
+          <p:nvPr/>
+        </p:nvPicPr>
+        <p:blipFill>
+          <a:blip r:embed="rId3"/>
+          <a:stretch>
+            <a:fillRect/>
+          </a:stretch>
+        </p:blipFill>
+        <p:spPr>
+          <a:xfrm>
+            <a:off x="611505" y="3390807"/>
+            <a:ext cx="4145240" cy="1992502"/>
+          </a:xfrm>
+          <a:prstGeom prst="rect">
+            <a:avLst/>
+          </a:prstGeom>
+        </p:spPr>
+      </p:pic>
+      <p:pic>
+        <p:nvPicPr>
+          <p:cNvPr id="6" name="Imagem 5">
+            <a:extLst>
+              <a:ext uri="{FF2B5EF4-FFF2-40B4-BE49-F238E27FC236}">
+                <a16:creationId xmlns:a16="http://schemas.microsoft.com/office/drawing/2014/main" id="{1E9E8AAC-EEAD-E626-CDA3-1AFFACA7F2A1}"/>
+              </a:ext>
+            </a:extLst>
+          </p:cNvPr>
+          <p:cNvPicPr>
+            <a:picLocks noChangeAspect="1"/>
+          </p:cNvPicPr>
+          <p:nvPr/>
+        </p:nvPicPr>
+        <p:blipFill>
+          <a:blip r:embed="rId4"/>
+          <a:stretch>
+            <a:fillRect/>
+          </a:stretch>
+        </p:blipFill>
+        <p:spPr>
+          <a:xfrm>
+            <a:off x="6305867" y="1533030"/>
+            <a:ext cx="3163253" cy="5259610"/>
+          </a:xfrm>
+          <a:prstGeom prst="rect">
+            <a:avLst/>
+          </a:prstGeom>
+        </p:spPr>
+      </p:pic>
+      <p:sp>
+        <p:nvSpPr>
+          <p:cNvPr id="11" name="CustomShape 3">
+            <a:extLst>
+              <a:ext uri="{FF2B5EF4-FFF2-40B4-BE49-F238E27FC236}">
+                <a16:creationId xmlns:a16="http://schemas.microsoft.com/office/drawing/2014/main" id="{0C227887-820A-8042-1490-594244797BD0}"/>
+              </a:ext>
+            </a:extLst>
+          </p:cNvPr>
+          <p:cNvSpPr/>
+          <p:nvPr/>
+        </p:nvSpPr>
+        <p:spPr>
+          <a:xfrm>
+            <a:off x="7608600" y="6886080"/>
+            <a:ext cx="2281680" cy="361440"/>
+          </a:xfrm>
+          <a:prstGeom prst="rect">
+            <a:avLst/>
+          </a:prstGeom>
+          <a:noFill/>
+          <a:ln>
+            <a:noFill/>
+          </a:ln>
+        </p:spPr>
+        <p:style>
+          <a:lnRef idx="0">
+            <a:scrgbClr r="0" g="0" b="0"/>
+          </a:lnRef>
+          <a:fillRef idx="0">
+            <a:scrgbClr r="0" g="0" b="0"/>
+          </a:fillRef>
+          <a:effectRef idx="0">
+            <a:scrgbClr r="0" g="0" b="0"/>
+          </a:effectRef>
+          <a:fontRef idx="minor"/>
+        </p:style>
+        <p:txBody>
+          <a:bodyPr lIns="90000" tIns="45000" rIns="90000" bIns="45000"/>
+          <a:lstStyle/>
+          <a:p>
+            <a:pPr>
+              <a:lnSpc>
+                <a:spcPct val="100000"/>
+              </a:lnSpc>
+            </a:pPr>
+            <a:r>
+              <a:rPr lang="en-US" sz="1800" b="0" strike="noStrike" spc="-1" dirty="0">
+                <a:solidFill>
+                  <a:srgbClr val="000000"/>
+                </a:solidFill>
+                <a:latin typeface="Arial"/>
+                <a:ea typeface="DejaVu Sans"/>
+              </a:rPr>
+              <a:t>Lecture</a:t>
+            </a:r>
+            <a:r>
+              <a:rPr lang="pt-BR" sz="1800" b="0" strike="noStrike" spc="-1" dirty="0">
+                <a:solidFill>
+                  <a:srgbClr val="000000"/>
+                </a:solidFill>
+                <a:latin typeface="Arial"/>
+                <a:ea typeface="DejaVu Sans"/>
+              </a:rPr>
+              <a:t> </a:t>
+            </a:r>
+            <a:r>
+              <a:rPr lang="pt-BR" spc="-1" dirty="0">
+                <a:solidFill>
+                  <a:srgbClr val="000000"/>
+                </a:solidFill>
+                <a:latin typeface="Arial"/>
+                <a:ea typeface="DejaVu Sans"/>
+              </a:rPr>
+              <a:t>06</a:t>
+            </a:r>
+            <a:endParaRPr lang="pt-BR" sz="1800" b="0" strike="noStrike" spc="-1" dirty="0">
+              <a:latin typeface="Arial"/>
+            </a:endParaRPr>
+          </a:p>
+        </p:txBody>
+      </p:sp>
+    </p:spTree>
+    <p:extLst>
+      <p:ext uri="{BB962C8B-B14F-4D97-AF65-F5344CB8AC3E}">
+        <p14:creationId xmlns:p14="http://schemas.microsoft.com/office/powerpoint/2010/main" val="2860099620"/>
+      </p:ext>
+    </p:extLst>
+  </p:cSld>
+  <p:clrMapOvr>
+    <a:masterClrMapping/>
+  </p:clrMapOvr>
+  <p:timing>
+    <p:tnLst>
+      <p:par>
+        <p:cTn id="1" dur="indefinite" restart="never" nodeType="tmRoot">
+          <p:childTnLst>
+            <p:seq>
+              <p:cTn id="2" dur="indefinite" nodeType="mainSeq"/>
+              <p:prevCondLst>
+                <p:cond evt="onPrev" delay="0">
+                  <p:tgtEl>
+                    <p:sldTgt/>
+                  </p:tgtEl>
+                </p:cond>
+              </p:prevCondLst>
+              <p:nextCondLst>
+                <p:cond evt="onNext" delay="0">
+                  <p:tgtEl>
+                    <p:sldTgt/>
+                  </p:tgtEl>
+                </p:cond>
+              </p:nextCondLst>
+            </p:seq>
+          </p:childTnLst>
+        </p:cTn>
+      </p:par>
+    </p:tnLst>
+  </p:timing>
+</p:sld>
+</file>
+
+<file path=ppt/slides/slide13.xml><?xml version="1.0" encoding="utf-8"?>
+<p:sld xmlns:a="http://schemas.openxmlformats.org/drawingml/2006/main" xmlns:r="http://schemas.openxmlformats.org/officeDocument/2006/relationships" xmlns:p="http://schemas.openxmlformats.org/presentationml/2006/main">
+  <p:cSld>
+    <p:spTree>
+      <p:nvGrpSpPr>
+        <p:cNvPr id="1" name=""/>
+        <p:cNvGrpSpPr/>
+        <p:nvPr/>
+      </p:nvGrpSpPr>
+      <p:grpSpPr>
+        <a:xfrm>
+          <a:off x="0" y="0"/>
+          <a:ext cx="0" cy="0"/>
+          <a:chOff x="0" y="0"/>
+          <a:chExt cx="0" cy="0"/>
+        </a:xfrm>
+      </p:grpSpPr>
+      <p:sp>
+        <p:nvSpPr>
+          <p:cNvPr id="99" name="CustomShape 1"/>
+          <p:cNvSpPr/>
+          <p:nvPr/>
+        </p:nvSpPr>
+        <p:spPr>
+          <a:xfrm>
+            <a:off x="360000" y="360000"/>
+            <a:ext cx="9356400" cy="896400"/>
+          </a:xfrm>
+          <a:prstGeom prst="rect">
+            <a:avLst/>
+          </a:prstGeom>
+          <a:noFill/>
+          <a:ln>
+            <a:noFill/>
+          </a:ln>
+        </p:spPr>
+        <p:style>
+          <a:lnRef idx="0">
+            <a:scrgbClr r="0" g="0" b="0"/>
+          </a:lnRef>
+          <a:fillRef idx="0">
+            <a:scrgbClr r="0" g="0" b="0"/>
+          </a:fillRef>
+          <a:effectRef idx="0">
+            <a:scrgbClr r="0" g="0" b="0"/>
+          </a:effectRef>
+          <a:fontRef idx="minor"/>
+        </p:style>
+        <p:txBody>
+          <a:bodyPr lIns="0" tIns="0" rIns="0" bIns="0" anchor="b"/>
+          <a:lstStyle/>
+          <a:p>
+            <a:r>
+              <a:rPr lang="en-US" sz="3200" b="1" spc="-1" dirty="0">
+                <a:solidFill>
+                  <a:srgbClr val="FFFFFF"/>
+                </a:solidFill>
+                <a:latin typeface="Latin Modern Sans"/>
+              </a:rPr>
+              <a:t>Image Descriptors – Shape / Edges</a:t>
+            </a:r>
+            <a:endParaRPr lang="en-US" sz="3200" b="0" strike="noStrike" spc="-1" dirty="0">
+              <a:latin typeface="Arial"/>
+            </a:endParaRPr>
+          </a:p>
+        </p:txBody>
+      </p:sp>
+      <p:sp>
+        <p:nvSpPr>
+          <p:cNvPr id="9" name="CustomShape 2">
+            <a:extLst>
+              <a:ext uri="{FF2B5EF4-FFF2-40B4-BE49-F238E27FC236}">
+                <a16:creationId xmlns:a16="http://schemas.microsoft.com/office/drawing/2014/main" id="{7D27D924-BAD9-59EB-0956-442C5E618C62}"/>
+              </a:ext>
+            </a:extLst>
+          </p:cNvPr>
+          <p:cNvSpPr/>
+          <p:nvPr/>
+        </p:nvSpPr>
+        <p:spPr>
+          <a:xfrm>
+            <a:off x="897120" y="6886080"/>
+            <a:ext cx="6443640" cy="361440"/>
+          </a:xfrm>
+          <a:prstGeom prst="rect">
+            <a:avLst/>
+          </a:prstGeom>
+          <a:noFill/>
+          <a:ln>
+            <a:noFill/>
+          </a:ln>
+        </p:spPr>
+        <p:style>
+          <a:lnRef idx="0">
+            <a:scrgbClr r="0" g="0" b="0"/>
+          </a:lnRef>
+          <a:fillRef idx="0">
+            <a:scrgbClr r="0" g="0" b="0"/>
+          </a:fillRef>
+          <a:effectRef idx="0">
+            <a:scrgbClr r="0" g="0" b="0"/>
+          </a:effectRef>
+          <a:fontRef idx="minor"/>
+        </p:style>
+        <p:txBody>
+          <a:bodyPr lIns="90000" tIns="45000" rIns="90000" bIns="45000"/>
+          <a:lstStyle/>
+          <a:p>
+            <a:pPr>
+              <a:lnSpc>
+                <a:spcPct val="100000"/>
+              </a:lnSpc>
+            </a:pPr>
+            <a:r>
+              <a:rPr lang="pt-BR" sz="1800" b="0" strike="noStrike" spc="-1" dirty="0">
+                <a:solidFill>
+                  <a:srgbClr val="000000"/>
+                </a:solidFill>
+                <a:latin typeface="Arial"/>
+                <a:ea typeface="DejaVu Sans"/>
+              </a:rPr>
+              <a:t>Computer Vision - Prof. André Hochuli</a:t>
+            </a:r>
+            <a:endParaRPr lang="pt-BR" sz="1800" b="0" strike="noStrike" spc="-1" dirty="0">
+              <a:latin typeface="Arial"/>
+            </a:endParaRPr>
+          </a:p>
+        </p:txBody>
+      </p:sp>
+      <p:sp>
+        <p:nvSpPr>
+          <p:cNvPr id="2" name="CaixaDeTexto 1">
+            <a:extLst>
+              <a:ext uri="{FF2B5EF4-FFF2-40B4-BE49-F238E27FC236}">
+                <a16:creationId xmlns:a16="http://schemas.microsoft.com/office/drawing/2014/main" id="{D744B707-1B4A-5A5F-CC17-5C9D8382FBD9}"/>
+              </a:ext>
+            </a:extLst>
+          </p:cNvPr>
+          <p:cNvSpPr txBox="1"/>
+          <p:nvPr/>
+        </p:nvSpPr>
+        <p:spPr>
+          <a:xfrm>
+            <a:off x="200025" y="1689990"/>
+            <a:ext cx="9516375" cy="3416320"/>
+          </a:xfrm>
+          <a:prstGeom prst="rect">
+            <a:avLst/>
+          </a:prstGeom>
+          <a:noFill/>
+        </p:spPr>
+        <p:txBody>
+          <a:bodyPr wrap="square" rtlCol="0">
+            <a:spAutoFit/>
+          </a:bodyPr>
+          <a:lstStyle/>
+          <a:p>
+            <a:pPr marL="285750" indent="-285750">
+              <a:buFont typeface="Arial" panose="020B0604020202020204" pitchFamily="34" charset="0"/>
+              <a:buChar char="•"/>
+            </a:pPr>
+            <a:endParaRPr lang="en-US" dirty="0">
+              <a:latin typeface="Calibri" panose="020F0502020204030204" pitchFamily="34" charset="0"/>
+              <a:cs typeface="Calibri" panose="020F0502020204030204" pitchFamily="34" charset="0"/>
+            </a:endParaRPr>
+          </a:p>
+          <a:p>
+            <a:endParaRPr lang="en-US" dirty="0">
+              <a:latin typeface="Calibri" panose="020F0502020204030204" pitchFamily="34" charset="0"/>
+              <a:cs typeface="Calibri" panose="020F0502020204030204" pitchFamily="34" charset="0"/>
+            </a:endParaRPr>
+          </a:p>
+          <a:p>
+            <a:pPr marL="742950" lvl="1" indent="-285750">
+              <a:buFont typeface="Arial" panose="020B0604020202020204" pitchFamily="34" charset="0"/>
+              <a:buChar char="•"/>
+            </a:pPr>
+            <a:endParaRPr lang="en-US" dirty="0">
+              <a:latin typeface="Calibri" panose="020F0502020204030204" pitchFamily="34" charset="0"/>
+              <a:cs typeface="Calibri" panose="020F0502020204030204" pitchFamily="34" charset="0"/>
+            </a:endParaRPr>
+          </a:p>
+          <a:p>
+            <a:pPr marL="1200150" lvl="2" indent="-285750">
+              <a:buFont typeface="Arial" panose="020B0604020202020204" pitchFamily="34" charset="0"/>
+              <a:buChar char="•"/>
+            </a:pPr>
+            <a:endParaRPr lang="en-US" dirty="0">
+              <a:latin typeface="Calibri" panose="020F0502020204030204" pitchFamily="34" charset="0"/>
+              <a:cs typeface="Calibri" panose="020F0502020204030204" pitchFamily="34" charset="0"/>
+            </a:endParaRPr>
+          </a:p>
+          <a:p>
+            <a:pPr marL="285750" indent="-285750">
+              <a:buFont typeface="Arial" panose="020B0604020202020204" pitchFamily="34" charset="0"/>
+              <a:buChar char="•"/>
+            </a:pPr>
+            <a:endParaRPr lang="en-US" dirty="0">
+              <a:latin typeface="Calibri" panose="020F0502020204030204" pitchFamily="34" charset="0"/>
+              <a:cs typeface="Calibri" panose="020F0502020204030204" pitchFamily="34" charset="0"/>
+            </a:endParaRPr>
+          </a:p>
+          <a:p>
+            <a:pPr marL="742950" lvl="1" indent="-285750">
+              <a:buFont typeface="Arial" panose="020B0604020202020204" pitchFamily="34" charset="0"/>
+              <a:buChar char="•"/>
+            </a:pPr>
+            <a:endParaRPr lang="en-US" dirty="0">
+              <a:latin typeface="Calibri" panose="020F0502020204030204" pitchFamily="34" charset="0"/>
+              <a:cs typeface="Calibri" panose="020F0502020204030204" pitchFamily="34" charset="0"/>
+            </a:endParaRPr>
+          </a:p>
+          <a:p>
+            <a:pPr marL="742950" lvl="1" indent="-285750">
+              <a:buFont typeface="Arial" panose="020B0604020202020204" pitchFamily="34" charset="0"/>
+              <a:buChar char="•"/>
+            </a:pPr>
+            <a:endParaRPr lang="en-US" dirty="0">
+              <a:latin typeface="Calibri" panose="020F0502020204030204" pitchFamily="34" charset="0"/>
+              <a:cs typeface="Calibri" panose="020F0502020204030204" pitchFamily="34" charset="0"/>
+            </a:endParaRPr>
+          </a:p>
+          <a:p>
+            <a:pPr marL="742950" lvl="1" indent="-285750">
+              <a:buFont typeface="Arial" panose="020B0604020202020204" pitchFamily="34" charset="0"/>
+              <a:buChar char="•"/>
+            </a:pPr>
+            <a:endParaRPr lang="en-US" dirty="0">
+              <a:latin typeface="Calibri" panose="020F0502020204030204" pitchFamily="34" charset="0"/>
+              <a:cs typeface="Calibri" panose="020F0502020204030204" pitchFamily="34" charset="0"/>
+            </a:endParaRPr>
+          </a:p>
+          <a:p>
+            <a:pPr marL="742950" lvl="1" indent="-285750">
+              <a:buFont typeface="Arial" panose="020B0604020202020204" pitchFamily="34" charset="0"/>
+              <a:buChar char="•"/>
+            </a:pPr>
+            <a:endParaRPr lang="en-US" dirty="0">
+              <a:latin typeface="Calibri" panose="020F0502020204030204" pitchFamily="34" charset="0"/>
+              <a:cs typeface="Calibri" panose="020F0502020204030204" pitchFamily="34" charset="0"/>
+            </a:endParaRPr>
+          </a:p>
+          <a:p>
+            <a:pPr marL="742950" lvl="1" indent="-285750">
+              <a:buFont typeface="Arial" panose="020B0604020202020204" pitchFamily="34" charset="0"/>
+              <a:buChar char="•"/>
+            </a:pPr>
+            <a:endParaRPr lang="en-US" dirty="0">
+              <a:latin typeface="Calibri" panose="020F0502020204030204" pitchFamily="34" charset="0"/>
+              <a:cs typeface="Calibri" panose="020F0502020204030204" pitchFamily="34" charset="0"/>
+            </a:endParaRPr>
+          </a:p>
+          <a:p>
+            <a:endParaRPr lang="en-US" dirty="0">
+              <a:latin typeface="Calibri" panose="020F0502020204030204" pitchFamily="34" charset="0"/>
+              <a:cs typeface="Calibri" panose="020F0502020204030204" pitchFamily="34" charset="0"/>
+            </a:endParaRPr>
+          </a:p>
+          <a:p>
+            <a:pPr marL="285750" indent="-285750">
+              <a:buFont typeface="Arial" panose="020B0604020202020204" pitchFamily="34" charset="0"/>
+              <a:buChar char="•"/>
+            </a:pPr>
+            <a:endParaRPr lang="en-US" dirty="0">
+              <a:latin typeface="Calibri" panose="020F0502020204030204" pitchFamily="34" charset="0"/>
+              <a:cs typeface="Calibri" panose="020F0502020204030204" pitchFamily="34" charset="0"/>
+            </a:endParaRPr>
+          </a:p>
+        </p:txBody>
+      </p:sp>
+      <p:pic>
+        <p:nvPicPr>
+          <p:cNvPr id="8" name="Imagem 7">
+            <a:extLst>
+              <a:ext uri="{FF2B5EF4-FFF2-40B4-BE49-F238E27FC236}">
+                <a16:creationId xmlns:a16="http://schemas.microsoft.com/office/drawing/2014/main" id="{DCC9FEEB-AF51-1DB6-AB5F-B61C261971ED}"/>
+              </a:ext>
+            </a:extLst>
+          </p:cNvPr>
+          <p:cNvPicPr>
+            <a:picLocks noChangeAspect="1"/>
+          </p:cNvPicPr>
+          <p:nvPr/>
+        </p:nvPicPr>
+        <p:blipFill>
+          <a:blip r:embed="rId3"/>
+          <a:stretch>
+            <a:fillRect/>
+          </a:stretch>
+        </p:blipFill>
+        <p:spPr>
+          <a:xfrm>
+            <a:off x="2002128" y="1542932"/>
+            <a:ext cx="6298592" cy="5056616"/>
+          </a:xfrm>
+          <a:prstGeom prst="rect">
+            <a:avLst/>
+          </a:prstGeom>
+        </p:spPr>
+      </p:pic>
+      <p:sp>
+        <p:nvSpPr>
+          <p:cNvPr id="12" name="CustomShape 3">
+            <a:extLst>
+              <a:ext uri="{FF2B5EF4-FFF2-40B4-BE49-F238E27FC236}">
+                <a16:creationId xmlns:a16="http://schemas.microsoft.com/office/drawing/2014/main" id="{056A3716-1359-E768-34FF-D36C2B8113D4}"/>
+              </a:ext>
+            </a:extLst>
+          </p:cNvPr>
+          <p:cNvSpPr/>
+          <p:nvPr/>
+        </p:nvSpPr>
+        <p:spPr>
+          <a:xfrm>
+            <a:off x="7608600" y="6886080"/>
+            <a:ext cx="2281680" cy="361440"/>
+          </a:xfrm>
+          <a:prstGeom prst="rect">
+            <a:avLst/>
+          </a:prstGeom>
+          <a:noFill/>
+          <a:ln>
+            <a:noFill/>
+          </a:ln>
+        </p:spPr>
+        <p:style>
+          <a:lnRef idx="0">
+            <a:scrgbClr r="0" g="0" b="0"/>
+          </a:lnRef>
+          <a:fillRef idx="0">
+            <a:scrgbClr r="0" g="0" b="0"/>
+          </a:fillRef>
+          <a:effectRef idx="0">
+            <a:scrgbClr r="0" g="0" b="0"/>
+          </a:effectRef>
+          <a:fontRef idx="minor"/>
+        </p:style>
+        <p:txBody>
+          <a:bodyPr lIns="90000" tIns="45000" rIns="90000" bIns="45000"/>
+          <a:lstStyle/>
+          <a:p>
+            <a:pPr>
+              <a:lnSpc>
+                <a:spcPct val="100000"/>
+              </a:lnSpc>
+            </a:pPr>
+            <a:r>
+              <a:rPr lang="en-US" sz="1800" b="0" strike="noStrike" spc="-1" dirty="0">
+                <a:solidFill>
+                  <a:srgbClr val="000000"/>
+                </a:solidFill>
+                <a:latin typeface="Arial"/>
+                <a:ea typeface="DejaVu Sans"/>
+              </a:rPr>
+              <a:t>Lecture</a:t>
+            </a:r>
+            <a:r>
+              <a:rPr lang="pt-BR" sz="1800" b="0" strike="noStrike" spc="-1" dirty="0">
+                <a:solidFill>
+                  <a:srgbClr val="000000"/>
+                </a:solidFill>
+                <a:latin typeface="Arial"/>
+                <a:ea typeface="DejaVu Sans"/>
+              </a:rPr>
+              <a:t> </a:t>
+            </a:r>
+            <a:r>
+              <a:rPr lang="pt-BR" spc="-1" dirty="0">
+                <a:solidFill>
+                  <a:srgbClr val="000000"/>
+                </a:solidFill>
+                <a:latin typeface="Arial"/>
+                <a:ea typeface="DejaVu Sans"/>
+              </a:rPr>
+              <a:t>06</a:t>
+            </a:r>
+            <a:endParaRPr lang="pt-BR" sz="1800" b="0" strike="noStrike" spc="-1" dirty="0">
+              <a:latin typeface="Arial"/>
+            </a:endParaRPr>
+          </a:p>
+        </p:txBody>
+      </p:sp>
+    </p:spTree>
+    <p:extLst>
+      <p:ext uri="{BB962C8B-B14F-4D97-AF65-F5344CB8AC3E}">
+        <p14:creationId xmlns:p14="http://schemas.microsoft.com/office/powerpoint/2010/main" val="1400010844"/>
+      </p:ext>
+    </p:extLst>
+  </p:cSld>
+  <p:clrMapOvr>
+    <a:masterClrMapping/>
+  </p:clrMapOvr>
+  <p:timing>
+    <p:tnLst>
+      <p:par>
+        <p:cTn id="1" dur="indefinite" restart="never" nodeType="tmRoot">
+          <p:childTnLst>
+            <p:seq>
+              <p:cTn id="2" dur="indefinite" nodeType="mainSeq"/>
+              <p:prevCondLst>
+                <p:cond evt="onPrev" delay="0">
+                  <p:tgtEl>
+                    <p:sldTgt/>
+                  </p:tgtEl>
+                </p:cond>
+              </p:prevCondLst>
+              <p:nextCondLst>
+                <p:cond evt="onNext" delay="0">
+                  <p:tgtEl>
+                    <p:sldTgt/>
+                  </p:tgtEl>
+                </p:cond>
+              </p:nextCondLst>
+            </p:seq>
+          </p:childTnLst>
+        </p:cTn>
+      </p:par>
+    </p:tnLst>
+  </p:timing>
+</p:sld>
+</file>
+
+<file path=ppt/slides/slide14.xml><?xml version="1.0" encoding="utf-8"?>
+<p:sld xmlns:a="http://schemas.openxmlformats.org/drawingml/2006/main" xmlns:r="http://schemas.openxmlformats.org/officeDocument/2006/relationships" xmlns:p="http://schemas.openxmlformats.org/presentationml/2006/main">
+  <p:cSld>
+    <p:spTree>
+      <p:nvGrpSpPr>
+        <p:cNvPr id="1" name=""/>
+        <p:cNvGrpSpPr/>
+        <p:nvPr/>
+      </p:nvGrpSpPr>
+      <p:grpSpPr>
+        <a:xfrm>
+          <a:off x="0" y="0"/>
+          <a:ext cx="0" cy="0"/>
+          <a:chOff x="0" y="0"/>
+          <a:chExt cx="0" cy="0"/>
+        </a:xfrm>
+      </p:grpSpPr>
+      <p:sp>
+        <p:nvSpPr>
+          <p:cNvPr id="99" name="CustomShape 1"/>
+          <p:cNvSpPr/>
+          <p:nvPr/>
+        </p:nvSpPr>
+        <p:spPr>
+          <a:xfrm>
+            <a:off x="360000" y="360000"/>
+            <a:ext cx="9356400" cy="896400"/>
+          </a:xfrm>
+          <a:prstGeom prst="rect">
+            <a:avLst/>
+          </a:prstGeom>
+          <a:noFill/>
+          <a:ln>
+            <a:noFill/>
+          </a:ln>
+        </p:spPr>
+        <p:style>
+          <a:lnRef idx="0">
+            <a:scrgbClr r="0" g="0" b="0"/>
+          </a:lnRef>
+          <a:fillRef idx="0">
+            <a:scrgbClr r="0" g="0" b="0"/>
+          </a:fillRef>
+          <a:effectRef idx="0">
+            <a:scrgbClr r="0" g="0" b="0"/>
+          </a:effectRef>
+          <a:fontRef idx="minor"/>
+        </p:style>
+        <p:txBody>
+          <a:bodyPr lIns="0" tIns="0" rIns="0" bIns="0" anchor="b"/>
+          <a:lstStyle/>
+          <a:p>
+            <a:r>
+              <a:rPr lang="en-US" sz="3200" b="1" spc="-1" dirty="0">
+                <a:solidFill>
+                  <a:srgbClr val="FFFFFF"/>
+                </a:solidFill>
+                <a:latin typeface="Latin Modern Sans"/>
+              </a:rPr>
+              <a:t>Image Descriptors – Shape / Edges</a:t>
+            </a:r>
+            <a:endParaRPr lang="en-US" sz="3200" b="0" strike="noStrike" spc="-1" dirty="0">
+              <a:latin typeface="Arial"/>
+            </a:endParaRPr>
+          </a:p>
+        </p:txBody>
+      </p:sp>
+      <p:sp>
+        <p:nvSpPr>
+          <p:cNvPr id="9" name="CustomShape 2">
+            <a:extLst>
+              <a:ext uri="{FF2B5EF4-FFF2-40B4-BE49-F238E27FC236}">
+                <a16:creationId xmlns:a16="http://schemas.microsoft.com/office/drawing/2014/main" id="{7D27D924-BAD9-59EB-0956-442C5E618C62}"/>
+              </a:ext>
+            </a:extLst>
+          </p:cNvPr>
+          <p:cNvSpPr/>
+          <p:nvPr/>
+        </p:nvSpPr>
+        <p:spPr>
+          <a:xfrm>
+            <a:off x="897120" y="6886080"/>
+            <a:ext cx="6443640" cy="361440"/>
+          </a:xfrm>
+          <a:prstGeom prst="rect">
+            <a:avLst/>
+          </a:prstGeom>
+          <a:noFill/>
+          <a:ln>
+            <a:noFill/>
+          </a:ln>
+        </p:spPr>
+        <p:style>
+          <a:lnRef idx="0">
+            <a:scrgbClr r="0" g="0" b="0"/>
+          </a:lnRef>
+          <a:fillRef idx="0">
+            <a:scrgbClr r="0" g="0" b="0"/>
+          </a:fillRef>
+          <a:effectRef idx="0">
+            <a:scrgbClr r="0" g="0" b="0"/>
+          </a:effectRef>
+          <a:fontRef idx="minor"/>
+        </p:style>
+        <p:txBody>
+          <a:bodyPr lIns="90000" tIns="45000" rIns="90000" bIns="45000"/>
+          <a:lstStyle/>
+          <a:p>
+            <a:pPr>
+              <a:lnSpc>
+                <a:spcPct val="100000"/>
+              </a:lnSpc>
+            </a:pPr>
+            <a:r>
+              <a:rPr lang="pt-BR" sz="1800" b="0" strike="noStrike" spc="-1" dirty="0">
+                <a:solidFill>
+                  <a:srgbClr val="000000"/>
+                </a:solidFill>
+                <a:latin typeface="Arial"/>
+                <a:ea typeface="DejaVu Sans"/>
+              </a:rPr>
+              <a:t>Computer Vision - Prof. André Hochuli</a:t>
+            </a:r>
+            <a:endParaRPr lang="pt-BR" sz="1800" b="0" strike="noStrike" spc="-1" dirty="0">
+              <a:latin typeface="Arial"/>
+            </a:endParaRPr>
+          </a:p>
+        </p:txBody>
+      </p:sp>
+      <p:sp>
+        <p:nvSpPr>
+          <p:cNvPr id="2" name="CaixaDeTexto 1">
+            <a:extLst>
+              <a:ext uri="{FF2B5EF4-FFF2-40B4-BE49-F238E27FC236}">
+                <a16:creationId xmlns:a16="http://schemas.microsoft.com/office/drawing/2014/main" id="{D744B707-1B4A-5A5F-CC17-5C9D8382FBD9}"/>
+              </a:ext>
+            </a:extLst>
+          </p:cNvPr>
+          <p:cNvSpPr txBox="1"/>
+          <p:nvPr/>
+        </p:nvSpPr>
+        <p:spPr>
+          <a:xfrm>
+            <a:off x="200025" y="1689990"/>
+            <a:ext cx="9516375" cy="3416320"/>
+          </a:xfrm>
+          <a:prstGeom prst="rect">
+            <a:avLst/>
+          </a:prstGeom>
+          <a:noFill/>
+        </p:spPr>
+        <p:txBody>
+          <a:bodyPr wrap="square" rtlCol="0">
+            <a:spAutoFit/>
+          </a:bodyPr>
+          <a:lstStyle/>
+          <a:p>
+            <a:pPr marL="285750" indent="-285750">
+              <a:buFont typeface="Arial" panose="020B0604020202020204" pitchFamily="34" charset="0"/>
+              <a:buChar char="•"/>
+            </a:pPr>
+            <a:endParaRPr lang="en-US" dirty="0">
+              <a:latin typeface="Calibri" panose="020F0502020204030204" pitchFamily="34" charset="0"/>
+              <a:cs typeface="Calibri" panose="020F0502020204030204" pitchFamily="34" charset="0"/>
+            </a:endParaRPr>
+          </a:p>
+          <a:p>
+            <a:endParaRPr lang="en-US" dirty="0">
+              <a:latin typeface="Calibri" panose="020F0502020204030204" pitchFamily="34" charset="0"/>
+              <a:cs typeface="Calibri" panose="020F0502020204030204" pitchFamily="34" charset="0"/>
+            </a:endParaRPr>
+          </a:p>
+          <a:p>
+            <a:pPr marL="742950" lvl="1" indent="-285750">
+              <a:buFont typeface="Arial" panose="020B0604020202020204" pitchFamily="34" charset="0"/>
+              <a:buChar char="•"/>
+            </a:pPr>
+            <a:endParaRPr lang="en-US" dirty="0">
+              <a:latin typeface="Calibri" panose="020F0502020204030204" pitchFamily="34" charset="0"/>
+              <a:cs typeface="Calibri" panose="020F0502020204030204" pitchFamily="34" charset="0"/>
+            </a:endParaRPr>
+          </a:p>
+          <a:p>
+            <a:pPr marL="1200150" lvl="2" indent="-285750">
+              <a:buFont typeface="Arial" panose="020B0604020202020204" pitchFamily="34" charset="0"/>
+              <a:buChar char="•"/>
+            </a:pPr>
+            <a:endParaRPr lang="en-US" dirty="0">
+              <a:latin typeface="Calibri" panose="020F0502020204030204" pitchFamily="34" charset="0"/>
+              <a:cs typeface="Calibri" panose="020F0502020204030204" pitchFamily="34" charset="0"/>
+            </a:endParaRPr>
+          </a:p>
+          <a:p>
+            <a:pPr marL="285750" indent="-285750">
+              <a:buFont typeface="Arial" panose="020B0604020202020204" pitchFamily="34" charset="0"/>
+              <a:buChar char="•"/>
+            </a:pPr>
+            <a:endParaRPr lang="en-US" dirty="0">
+              <a:latin typeface="Calibri" panose="020F0502020204030204" pitchFamily="34" charset="0"/>
+              <a:cs typeface="Calibri" panose="020F0502020204030204" pitchFamily="34" charset="0"/>
+            </a:endParaRPr>
+          </a:p>
+          <a:p>
+            <a:pPr marL="742950" lvl="1" indent="-285750">
+              <a:buFont typeface="Arial" panose="020B0604020202020204" pitchFamily="34" charset="0"/>
+              <a:buChar char="•"/>
+            </a:pPr>
+            <a:endParaRPr lang="en-US" dirty="0">
+              <a:latin typeface="Calibri" panose="020F0502020204030204" pitchFamily="34" charset="0"/>
+              <a:cs typeface="Calibri" panose="020F0502020204030204" pitchFamily="34" charset="0"/>
+            </a:endParaRPr>
+          </a:p>
+          <a:p>
+            <a:pPr marL="742950" lvl="1" indent="-285750">
+              <a:buFont typeface="Arial" panose="020B0604020202020204" pitchFamily="34" charset="0"/>
+              <a:buChar char="•"/>
+            </a:pPr>
+            <a:endParaRPr lang="en-US" dirty="0">
+              <a:latin typeface="Calibri" panose="020F0502020204030204" pitchFamily="34" charset="0"/>
+              <a:cs typeface="Calibri" panose="020F0502020204030204" pitchFamily="34" charset="0"/>
+            </a:endParaRPr>
+          </a:p>
+          <a:p>
+            <a:pPr marL="742950" lvl="1" indent="-285750">
+              <a:buFont typeface="Arial" panose="020B0604020202020204" pitchFamily="34" charset="0"/>
+              <a:buChar char="•"/>
+            </a:pPr>
+            <a:endParaRPr lang="en-US" dirty="0">
+              <a:latin typeface="Calibri" panose="020F0502020204030204" pitchFamily="34" charset="0"/>
+              <a:cs typeface="Calibri" panose="020F0502020204030204" pitchFamily="34" charset="0"/>
+            </a:endParaRPr>
+          </a:p>
+          <a:p>
+            <a:pPr marL="742950" lvl="1" indent="-285750">
+              <a:buFont typeface="Arial" panose="020B0604020202020204" pitchFamily="34" charset="0"/>
+              <a:buChar char="•"/>
+            </a:pPr>
+            <a:endParaRPr lang="en-US" dirty="0">
+              <a:latin typeface="Calibri" panose="020F0502020204030204" pitchFamily="34" charset="0"/>
+              <a:cs typeface="Calibri" panose="020F0502020204030204" pitchFamily="34" charset="0"/>
+            </a:endParaRPr>
+          </a:p>
+          <a:p>
+            <a:pPr marL="742950" lvl="1" indent="-285750">
+              <a:buFont typeface="Arial" panose="020B0604020202020204" pitchFamily="34" charset="0"/>
+              <a:buChar char="•"/>
+            </a:pPr>
+            <a:endParaRPr lang="en-US" dirty="0">
+              <a:latin typeface="Calibri" panose="020F0502020204030204" pitchFamily="34" charset="0"/>
+              <a:cs typeface="Calibri" panose="020F0502020204030204" pitchFamily="34" charset="0"/>
+            </a:endParaRPr>
+          </a:p>
+          <a:p>
+            <a:endParaRPr lang="en-US" dirty="0">
+              <a:latin typeface="Calibri" panose="020F0502020204030204" pitchFamily="34" charset="0"/>
+              <a:cs typeface="Calibri" panose="020F0502020204030204" pitchFamily="34" charset="0"/>
+            </a:endParaRPr>
+          </a:p>
+          <a:p>
+            <a:pPr marL="285750" indent="-285750">
+              <a:buFont typeface="Arial" panose="020B0604020202020204" pitchFamily="34" charset="0"/>
+              <a:buChar char="•"/>
+            </a:pPr>
+            <a:endParaRPr lang="en-US" dirty="0">
+              <a:latin typeface="Calibri" panose="020F0502020204030204" pitchFamily="34" charset="0"/>
+              <a:cs typeface="Calibri" panose="020F0502020204030204" pitchFamily="34" charset="0"/>
+            </a:endParaRPr>
+          </a:p>
+        </p:txBody>
+      </p:sp>
+      <p:pic>
+        <p:nvPicPr>
+          <p:cNvPr id="4" name="Imagem 3">
+            <a:extLst>
+              <a:ext uri="{FF2B5EF4-FFF2-40B4-BE49-F238E27FC236}">
+                <a16:creationId xmlns:a16="http://schemas.microsoft.com/office/drawing/2014/main" id="{06EB88FD-8817-B6FD-08C2-62932E0C3C65}"/>
+              </a:ext>
+            </a:extLst>
+          </p:cNvPr>
+          <p:cNvPicPr>
+            <a:picLocks noChangeAspect="1"/>
+          </p:cNvPicPr>
+          <p:nvPr/>
+        </p:nvPicPr>
+        <p:blipFill>
+          <a:blip r:embed="rId3"/>
+          <a:stretch>
+            <a:fillRect/>
+          </a:stretch>
+        </p:blipFill>
+        <p:spPr>
+          <a:xfrm>
+            <a:off x="614812" y="1829240"/>
+            <a:ext cx="8686800" cy="2242000"/>
+          </a:xfrm>
+          <a:prstGeom prst="rect">
+            <a:avLst/>
+          </a:prstGeom>
+        </p:spPr>
+      </p:pic>
+      <p:pic>
+        <p:nvPicPr>
+          <p:cNvPr id="7" name="Imagem 6">
+            <a:extLst>
+              <a:ext uri="{FF2B5EF4-FFF2-40B4-BE49-F238E27FC236}">
+                <a16:creationId xmlns:a16="http://schemas.microsoft.com/office/drawing/2014/main" id="{97D1F8E3-B809-B27C-BC7E-F62E08F64E15}"/>
+              </a:ext>
+            </a:extLst>
+          </p:cNvPr>
+          <p:cNvPicPr>
+            <a:picLocks noChangeAspect="1"/>
+          </p:cNvPicPr>
+          <p:nvPr/>
+        </p:nvPicPr>
+        <p:blipFill>
+          <a:blip r:embed="rId4"/>
+          <a:stretch>
+            <a:fillRect/>
+          </a:stretch>
+        </p:blipFill>
+        <p:spPr>
+          <a:xfrm>
+            <a:off x="614812" y="4563631"/>
+            <a:ext cx="8686800" cy="1166804"/>
+          </a:xfrm>
+          <a:prstGeom prst="rect">
+            <a:avLst/>
+          </a:prstGeom>
+        </p:spPr>
+      </p:pic>
+      <p:sp>
+        <p:nvSpPr>
+          <p:cNvPr id="13" name="CustomShape 3">
+            <a:extLst>
+              <a:ext uri="{FF2B5EF4-FFF2-40B4-BE49-F238E27FC236}">
+                <a16:creationId xmlns:a16="http://schemas.microsoft.com/office/drawing/2014/main" id="{D37C977E-45D9-969F-77A7-B9AAAA292D04}"/>
+              </a:ext>
+            </a:extLst>
+          </p:cNvPr>
+          <p:cNvSpPr/>
+          <p:nvPr/>
+        </p:nvSpPr>
+        <p:spPr>
+          <a:xfrm>
+            <a:off x="7608600" y="6886080"/>
+            <a:ext cx="2281680" cy="361440"/>
+          </a:xfrm>
+          <a:prstGeom prst="rect">
+            <a:avLst/>
+          </a:prstGeom>
+          <a:noFill/>
+          <a:ln>
+            <a:noFill/>
+          </a:ln>
+        </p:spPr>
+        <p:style>
+          <a:lnRef idx="0">
+            <a:scrgbClr r="0" g="0" b="0"/>
+          </a:lnRef>
+          <a:fillRef idx="0">
+            <a:scrgbClr r="0" g="0" b="0"/>
+          </a:fillRef>
+          <a:effectRef idx="0">
+            <a:scrgbClr r="0" g="0" b="0"/>
+          </a:effectRef>
+          <a:fontRef idx="minor"/>
+        </p:style>
+        <p:txBody>
+          <a:bodyPr lIns="90000" tIns="45000" rIns="90000" bIns="45000"/>
+          <a:lstStyle/>
+          <a:p>
+            <a:pPr>
+              <a:lnSpc>
+                <a:spcPct val="100000"/>
+              </a:lnSpc>
+            </a:pPr>
+            <a:r>
+              <a:rPr lang="en-US" sz="1800" b="0" strike="noStrike" spc="-1" dirty="0">
+                <a:solidFill>
+                  <a:srgbClr val="000000"/>
+                </a:solidFill>
+                <a:latin typeface="Arial"/>
+                <a:ea typeface="DejaVu Sans"/>
+              </a:rPr>
+              <a:t>Lecture</a:t>
+            </a:r>
+            <a:r>
+              <a:rPr lang="pt-BR" sz="1800" b="0" strike="noStrike" spc="-1" dirty="0">
+                <a:solidFill>
+                  <a:srgbClr val="000000"/>
+                </a:solidFill>
+                <a:latin typeface="Arial"/>
+                <a:ea typeface="DejaVu Sans"/>
+              </a:rPr>
+              <a:t> </a:t>
+            </a:r>
+            <a:r>
+              <a:rPr lang="pt-BR" spc="-1" dirty="0">
+                <a:solidFill>
+                  <a:srgbClr val="000000"/>
+                </a:solidFill>
+                <a:latin typeface="Arial"/>
+                <a:ea typeface="DejaVu Sans"/>
+              </a:rPr>
+              <a:t>06</a:t>
+            </a:r>
+            <a:endParaRPr lang="pt-BR" sz="1800" b="0" strike="noStrike" spc="-1" dirty="0">
+              <a:latin typeface="Arial"/>
+            </a:endParaRPr>
+          </a:p>
+        </p:txBody>
+      </p:sp>
+    </p:spTree>
+    <p:extLst>
+      <p:ext uri="{BB962C8B-B14F-4D97-AF65-F5344CB8AC3E}">
+        <p14:creationId xmlns:p14="http://schemas.microsoft.com/office/powerpoint/2010/main" val="2008463570"/>
+      </p:ext>
+    </p:extLst>
+  </p:cSld>
+  <p:clrMapOvr>
+    <a:masterClrMapping/>
+  </p:clrMapOvr>
+  <p:timing>
+    <p:tnLst>
+      <p:par>
+        <p:cTn id="1" dur="indefinite" restart="never" nodeType="tmRoot">
+          <p:childTnLst>
+            <p:seq>
+              <p:cTn id="2" dur="indefinite" nodeType="mainSeq"/>
+              <p:prevCondLst>
+                <p:cond evt="onPrev" delay="0">
+                  <p:tgtEl>
+                    <p:sldTgt/>
+                  </p:tgtEl>
+                </p:cond>
+              </p:prevCondLst>
+              <p:nextCondLst>
+                <p:cond evt="onNext" delay="0">
+                  <p:tgtEl>
+                    <p:sldTgt/>
+                  </p:tgtEl>
+                </p:cond>
+              </p:nextCondLst>
+            </p:seq>
+          </p:childTnLst>
+        </p:cTn>
+      </p:par>
+    </p:tnLst>
+  </p:timing>
+</p:sld>
+</file>
+
+<file path=ppt/slides/slide15.xml><?xml version="1.0" encoding="utf-8"?>
+<p:sld xmlns:a="http://schemas.openxmlformats.org/drawingml/2006/main" xmlns:r="http://schemas.openxmlformats.org/officeDocument/2006/relationships" xmlns:p="http://schemas.openxmlformats.org/presentationml/2006/main">
+  <p:cSld>
+    <p:spTree>
+      <p:nvGrpSpPr>
+        <p:cNvPr id="1" name=""/>
+        <p:cNvGrpSpPr/>
+        <p:nvPr/>
+      </p:nvGrpSpPr>
+      <p:grpSpPr>
+        <a:xfrm>
+          <a:off x="0" y="0"/>
+          <a:ext cx="0" cy="0"/>
+          <a:chOff x="0" y="0"/>
+          <a:chExt cx="0" cy="0"/>
+        </a:xfrm>
+      </p:grpSpPr>
+      <p:sp>
+        <p:nvSpPr>
+          <p:cNvPr id="99" name="CustomShape 1"/>
+          <p:cNvSpPr/>
+          <p:nvPr/>
+        </p:nvSpPr>
+        <p:spPr>
+          <a:xfrm>
+            <a:off x="360000" y="360000"/>
+            <a:ext cx="9356400" cy="896400"/>
+          </a:xfrm>
+          <a:prstGeom prst="rect">
+            <a:avLst/>
+          </a:prstGeom>
+          <a:noFill/>
+          <a:ln>
+            <a:noFill/>
+          </a:ln>
+        </p:spPr>
+        <p:style>
+          <a:lnRef idx="0">
+            <a:scrgbClr r="0" g="0" b="0"/>
+          </a:lnRef>
+          <a:fillRef idx="0">
+            <a:scrgbClr r="0" g="0" b="0"/>
+          </a:fillRef>
+          <a:effectRef idx="0">
+            <a:scrgbClr r="0" g="0" b="0"/>
+          </a:effectRef>
+          <a:fontRef idx="minor"/>
+        </p:style>
+        <p:txBody>
+          <a:bodyPr lIns="0" tIns="0" rIns="0" bIns="0" anchor="b"/>
+          <a:lstStyle/>
+          <a:p>
+            <a:r>
+              <a:rPr lang="en-US" sz="3200" b="1" spc="-1" dirty="0">
+                <a:solidFill>
+                  <a:srgbClr val="FFFFFF"/>
+                </a:solidFill>
+                <a:latin typeface="Latin Modern Sans"/>
+              </a:rPr>
+              <a:t>Let’s Code</a:t>
+            </a:r>
+            <a:endParaRPr lang="en-US" sz="3200" b="0" strike="noStrike" spc="-1" dirty="0">
+              <a:latin typeface="Arial"/>
+            </a:endParaRPr>
+          </a:p>
+        </p:txBody>
+      </p:sp>
+      <p:sp>
+        <p:nvSpPr>
+          <p:cNvPr id="9" name="CustomShape 2">
+            <a:extLst>
+              <a:ext uri="{FF2B5EF4-FFF2-40B4-BE49-F238E27FC236}">
+                <a16:creationId xmlns:a16="http://schemas.microsoft.com/office/drawing/2014/main" id="{7D27D924-BAD9-59EB-0956-442C5E618C62}"/>
+              </a:ext>
+            </a:extLst>
+          </p:cNvPr>
+          <p:cNvSpPr/>
+          <p:nvPr/>
+        </p:nvSpPr>
+        <p:spPr>
+          <a:xfrm>
+            <a:off x="897120" y="6886080"/>
+            <a:ext cx="6443640" cy="361440"/>
+          </a:xfrm>
+          <a:prstGeom prst="rect">
+            <a:avLst/>
+          </a:prstGeom>
+          <a:noFill/>
+          <a:ln>
+            <a:noFill/>
+          </a:ln>
+        </p:spPr>
+        <p:style>
+          <a:lnRef idx="0">
+            <a:scrgbClr r="0" g="0" b="0"/>
+          </a:lnRef>
+          <a:fillRef idx="0">
+            <a:scrgbClr r="0" g="0" b="0"/>
+          </a:fillRef>
+          <a:effectRef idx="0">
+            <a:scrgbClr r="0" g="0" b="0"/>
+          </a:effectRef>
+          <a:fontRef idx="minor"/>
+        </p:style>
+        <p:txBody>
+          <a:bodyPr lIns="90000" tIns="45000" rIns="90000" bIns="45000"/>
+          <a:lstStyle/>
+          <a:p>
+            <a:pPr>
+              <a:lnSpc>
+                <a:spcPct val="100000"/>
+              </a:lnSpc>
+            </a:pPr>
+            <a:r>
+              <a:rPr lang="pt-BR" sz="1800" b="0" strike="noStrike" spc="-1" dirty="0">
+                <a:solidFill>
+                  <a:srgbClr val="000000"/>
+                </a:solidFill>
+                <a:latin typeface="Arial"/>
+                <a:ea typeface="DejaVu Sans"/>
+              </a:rPr>
+              <a:t>Computer Vision - Prof. André Hochuli</a:t>
+            </a:r>
+            <a:endParaRPr lang="pt-BR" sz="1800" b="0" strike="noStrike" spc="-1" dirty="0">
+              <a:latin typeface="Arial"/>
+            </a:endParaRPr>
+          </a:p>
+        </p:txBody>
+      </p:sp>
+      <p:sp>
+        <p:nvSpPr>
+          <p:cNvPr id="10" name="CustomShape 3">
+            <a:extLst>
+              <a:ext uri="{FF2B5EF4-FFF2-40B4-BE49-F238E27FC236}">
+                <a16:creationId xmlns:a16="http://schemas.microsoft.com/office/drawing/2014/main" id="{78C456B9-B5EA-AE0A-55ED-2B32CE41C07D}"/>
+              </a:ext>
+            </a:extLst>
+          </p:cNvPr>
+          <p:cNvSpPr/>
+          <p:nvPr/>
+        </p:nvSpPr>
+        <p:spPr>
+          <a:xfrm>
+            <a:off x="7608600" y="6886080"/>
+            <a:ext cx="2281680" cy="361440"/>
+          </a:xfrm>
+          <a:prstGeom prst="rect">
+            <a:avLst/>
+          </a:prstGeom>
+          <a:noFill/>
+          <a:ln>
+            <a:noFill/>
+          </a:ln>
+        </p:spPr>
+        <p:style>
+          <a:lnRef idx="0">
+            <a:scrgbClr r="0" g="0" b="0"/>
+          </a:lnRef>
+          <a:fillRef idx="0">
+            <a:scrgbClr r="0" g="0" b="0"/>
+          </a:fillRef>
+          <a:effectRef idx="0">
+            <a:scrgbClr r="0" g="0" b="0"/>
+          </a:effectRef>
+          <a:fontRef idx="minor"/>
+        </p:style>
+        <p:txBody>
+          <a:bodyPr lIns="90000" tIns="45000" rIns="90000" bIns="45000"/>
+          <a:lstStyle/>
+          <a:p>
+            <a:pPr>
+              <a:lnSpc>
+                <a:spcPct val="100000"/>
+              </a:lnSpc>
+            </a:pPr>
+            <a:r>
+              <a:rPr lang="en-US" sz="1800" b="0" strike="noStrike" spc="-1" dirty="0">
+                <a:solidFill>
+                  <a:srgbClr val="000000"/>
+                </a:solidFill>
+                <a:latin typeface="Arial"/>
+                <a:ea typeface="DejaVu Sans"/>
+              </a:rPr>
+              <a:t>Lecture</a:t>
+            </a:r>
+            <a:r>
+              <a:rPr lang="pt-BR" sz="1800" b="0" strike="noStrike" spc="-1" dirty="0">
+                <a:solidFill>
+                  <a:srgbClr val="000000"/>
+                </a:solidFill>
+                <a:latin typeface="Arial"/>
+                <a:ea typeface="DejaVu Sans"/>
+              </a:rPr>
+              <a:t> </a:t>
+            </a:r>
+            <a:r>
+              <a:rPr lang="pt-BR" spc="-1" dirty="0">
+                <a:solidFill>
+                  <a:srgbClr val="000000"/>
+                </a:solidFill>
+                <a:latin typeface="Arial"/>
+                <a:ea typeface="DejaVu Sans"/>
+              </a:rPr>
+              <a:t>06</a:t>
+            </a:r>
+            <a:endParaRPr lang="pt-BR" sz="1800" b="0" strike="noStrike" spc="-1" dirty="0">
+              <a:latin typeface="Arial"/>
+            </a:endParaRPr>
+          </a:p>
+        </p:txBody>
+      </p:sp>
+      <p:sp>
+        <p:nvSpPr>
+          <p:cNvPr id="2" name="CaixaDeTexto 1">
+            <a:extLst>
+              <a:ext uri="{FF2B5EF4-FFF2-40B4-BE49-F238E27FC236}">
+                <a16:creationId xmlns:a16="http://schemas.microsoft.com/office/drawing/2014/main" id="{D744B707-1B4A-5A5F-CC17-5C9D8382FBD9}"/>
+              </a:ext>
+            </a:extLst>
+          </p:cNvPr>
+          <p:cNvSpPr txBox="1"/>
+          <p:nvPr/>
+        </p:nvSpPr>
+        <p:spPr>
+          <a:xfrm>
+            <a:off x="200025" y="1689990"/>
+            <a:ext cx="9516375" cy="3416320"/>
+          </a:xfrm>
+          <a:prstGeom prst="rect">
+            <a:avLst/>
+          </a:prstGeom>
+          <a:noFill/>
+        </p:spPr>
+        <p:txBody>
+          <a:bodyPr wrap="square" rtlCol="0">
+            <a:spAutoFit/>
+          </a:bodyPr>
+          <a:lstStyle/>
+          <a:p>
+            <a:pPr marL="285750" indent="-285750">
+              <a:buFont typeface="Arial" panose="020B0604020202020204" pitchFamily="34" charset="0"/>
+              <a:buChar char="•"/>
+            </a:pPr>
+            <a:endParaRPr lang="en-US" dirty="0">
+              <a:latin typeface="Calibri" panose="020F0502020204030204" pitchFamily="34" charset="0"/>
+              <a:cs typeface="Calibri" panose="020F0502020204030204" pitchFamily="34" charset="0"/>
+            </a:endParaRPr>
+          </a:p>
+          <a:p>
+            <a:endParaRPr lang="en-US" dirty="0">
+              <a:latin typeface="Calibri" panose="020F0502020204030204" pitchFamily="34" charset="0"/>
+              <a:cs typeface="Calibri" panose="020F0502020204030204" pitchFamily="34" charset="0"/>
+            </a:endParaRPr>
+          </a:p>
+          <a:p>
+            <a:pPr marL="742950" lvl="1" indent="-285750">
+              <a:buFont typeface="Arial" panose="020B0604020202020204" pitchFamily="34" charset="0"/>
+              <a:buChar char="•"/>
+            </a:pPr>
+            <a:endParaRPr lang="en-US" dirty="0">
+              <a:latin typeface="Calibri" panose="020F0502020204030204" pitchFamily="34" charset="0"/>
+              <a:cs typeface="Calibri" panose="020F0502020204030204" pitchFamily="34" charset="0"/>
+            </a:endParaRPr>
+          </a:p>
+          <a:p>
+            <a:pPr marL="1200150" lvl="2" indent="-285750">
+              <a:buFont typeface="Arial" panose="020B0604020202020204" pitchFamily="34" charset="0"/>
+              <a:buChar char="•"/>
+            </a:pPr>
+            <a:endParaRPr lang="en-US" dirty="0">
+              <a:latin typeface="Calibri" panose="020F0502020204030204" pitchFamily="34" charset="0"/>
+              <a:cs typeface="Calibri" panose="020F0502020204030204" pitchFamily="34" charset="0"/>
+            </a:endParaRPr>
+          </a:p>
+          <a:p>
+            <a:pPr marL="285750" indent="-285750">
+              <a:buFont typeface="Arial" panose="020B0604020202020204" pitchFamily="34" charset="0"/>
+              <a:buChar char="•"/>
+            </a:pPr>
+            <a:endParaRPr lang="en-US" dirty="0">
+              <a:latin typeface="Calibri" panose="020F0502020204030204" pitchFamily="34" charset="0"/>
+              <a:cs typeface="Calibri" panose="020F0502020204030204" pitchFamily="34" charset="0"/>
+            </a:endParaRPr>
+          </a:p>
+          <a:p>
+            <a:pPr marL="742950" lvl="1" indent="-285750">
+              <a:buFont typeface="Arial" panose="020B0604020202020204" pitchFamily="34" charset="0"/>
+              <a:buChar char="•"/>
+            </a:pPr>
+            <a:endParaRPr lang="en-US" dirty="0">
+              <a:latin typeface="Calibri" panose="020F0502020204030204" pitchFamily="34" charset="0"/>
+              <a:cs typeface="Calibri" panose="020F0502020204030204" pitchFamily="34" charset="0"/>
+            </a:endParaRPr>
+          </a:p>
+          <a:p>
+            <a:pPr marL="742950" lvl="1" indent="-285750">
+              <a:buFont typeface="Arial" panose="020B0604020202020204" pitchFamily="34" charset="0"/>
+              <a:buChar char="•"/>
+            </a:pPr>
+            <a:endParaRPr lang="en-US" dirty="0">
+              <a:latin typeface="Calibri" panose="020F0502020204030204" pitchFamily="34" charset="0"/>
+              <a:cs typeface="Calibri" panose="020F0502020204030204" pitchFamily="34" charset="0"/>
+            </a:endParaRPr>
+          </a:p>
+          <a:p>
+            <a:pPr marL="742950" lvl="1" indent="-285750">
+              <a:buFont typeface="Arial" panose="020B0604020202020204" pitchFamily="34" charset="0"/>
+              <a:buChar char="•"/>
+            </a:pPr>
+            <a:endParaRPr lang="en-US" dirty="0">
+              <a:latin typeface="Calibri" panose="020F0502020204030204" pitchFamily="34" charset="0"/>
+              <a:cs typeface="Calibri" panose="020F0502020204030204" pitchFamily="34" charset="0"/>
+            </a:endParaRPr>
+          </a:p>
+          <a:p>
+            <a:pPr marL="742950" lvl="1" indent="-285750">
+              <a:buFont typeface="Arial" panose="020B0604020202020204" pitchFamily="34" charset="0"/>
+              <a:buChar char="•"/>
+            </a:pPr>
+            <a:endParaRPr lang="en-US" dirty="0">
+              <a:latin typeface="Calibri" panose="020F0502020204030204" pitchFamily="34" charset="0"/>
+              <a:cs typeface="Calibri" panose="020F0502020204030204" pitchFamily="34" charset="0"/>
+            </a:endParaRPr>
+          </a:p>
+          <a:p>
+            <a:pPr marL="742950" lvl="1" indent="-285750">
+              <a:buFont typeface="Arial" panose="020B0604020202020204" pitchFamily="34" charset="0"/>
+              <a:buChar char="•"/>
+            </a:pPr>
+            <a:endParaRPr lang="en-US" dirty="0">
+              <a:latin typeface="Calibri" panose="020F0502020204030204" pitchFamily="34" charset="0"/>
+              <a:cs typeface="Calibri" panose="020F0502020204030204" pitchFamily="34" charset="0"/>
+            </a:endParaRPr>
+          </a:p>
+          <a:p>
+            <a:endParaRPr lang="en-US" dirty="0">
+              <a:latin typeface="Calibri" panose="020F0502020204030204" pitchFamily="34" charset="0"/>
+              <a:cs typeface="Calibri" panose="020F0502020204030204" pitchFamily="34" charset="0"/>
+            </a:endParaRPr>
+          </a:p>
+          <a:p>
+            <a:pPr marL="285750" indent="-285750">
+              <a:buFont typeface="Arial" panose="020B0604020202020204" pitchFamily="34" charset="0"/>
+              <a:buChar char="•"/>
+            </a:pPr>
+            <a:endParaRPr lang="en-US" dirty="0">
+              <a:latin typeface="Calibri" panose="020F0502020204030204" pitchFamily="34" charset="0"/>
+              <a:cs typeface="Calibri" panose="020F0502020204030204" pitchFamily="34" charset="0"/>
+            </a:endParaRPr>
+          </a:p>
+        </p:txBody>
+      </p:sp>
+      <p:sp>
+        <p:nvSpPr>
+          <p:cNvPr id="8" name="CaixaDeTexto 7">
+            <a:extLst>
+              <a:ext uri="{FF2B5EF4-FFF2-40B4-BE49-F238E27FC236}">
+                <a16:creationId xmlns:a16="http://schemas.microsoft.com/office/drawing/2014/main" id="{159A6867-9191-FBD3-D857-B84363E24D0B}"/>
+              </a:ext>
+            </a:extLst>
+          </p:cNvPr>
+          <p:cNvSpPr txBox="1"/>
+          <p:nvPr/>
+        </p:nvSpPr>
+        <p:spPr>
+          <a:xfrm>
+            <a:off x="200025" y="1689990"/>
+            <a:ext cx="9516375" cy="3416320"/>
+          </a:xfrm>
+          <a:prstGeom prst="rect">
+            <a:avLst/>
+          </a:prstGeom>
+          <a:noFill/>
+        </p:spPr>
+        <p:txBody>
+          <a:bodyPr wrap="square" rtlCol="0">
+            <a:spAutoFit/>
+          </a:bodyPr>
+          <a:lstStyle/>
+          <a:p>
+            <a:pPr marL="285750" indent="-285750">
+              <a:buFont typeface="Arial" panose="020B0604020202020204" pitchFamily="34" charset="0"/>
+              <a:buChar char="•"/>
+            </a:pPr>
+            <a:r>
+              <a:rPr lang="en-US" dirty="0">
+                <a:latin typeface="Calibri" panose="020F0502020204030204" pitchFamily="34" charset="0"/>
+                <a:cs typeface="Calibri" panose="020F0502020204030204" pitchFamily="34" charset="0"/>
+                <a:hlinkClick r:id="rId3"/>
+              </a:rPr>
+              <a:t>LINK</a:t>
+            </a:r>
+            <a:endParaRPr lang="en-US" dirty="0">
+              <a:latin typeface="Calibri" panose="020F0502020204030204" pitchFamily="34" charset="0"/>
+              <a:cs typeface="Calibri" panose="020F0502020204030204" pitchFamily="34" charset="0"/>
+            </a:endParaRPr>
+          </a:p>
+          <a:p>
+            <a:pPr marL="285750" indent="-285750">
+              <a:buFont typeface="Arial" panose="020B0604020202020204" pitchFamily="34" charset="0"/>
+              <a:buChar char="•"/>
+            </a:pPr>
+            <a:endParaRPr lang="en-US" dirty="0">
+              <a:latin typeface="Calibri" panose="020F0502020204030204" pitchFamily="34" charset="0"/>
+              <a:cs typeface="Calibri" panose="020F0502020204030204" pitchFamily="34" charset="0"/>
+            </a:endParaRPr>
+          </a:p>
+          <a:p>
+            <a:pPr marL="742950" lvl="1" indent="-285750">
+              <a:buFont typeface="Arial" panose="020B0604020202020204" pitchFamily="34" charset="0"/>
+              <a:buChar char="•"/>
+            </a:pPr>
+            <a:endParaRPr lang="en-US" dirty="0">
+              <a:latin typeface="Calibri" panose="020F0502020204030204" pitchFamily="34" charset="0"/>
+              <a:cs typeface="Calibri" panose="020F0502020204030204" pitchFamily="34" charset="0"/>
+            </a:endParaRPr>
+          </a:p>
+          <a:p>
+            <a:pPr marL="1200150" lvl="2" indent="-285750">
+              <a:buFont typeface="Arial" panose="020B0604020202020204" pitchFamily="34" charset="0"/>
+              <a:buChar char="•"/>
+            </a:pPr>
+            <a:endParaRPr lang="en-US" dirty="0">
+              <a:latin typeface="Calibri" panose="020F0502020204030204" pitchFamily="34" charset="0"/>
+              <a:cs typeface="Calibri" panose="020F0502020204030204" pitchFamily="34" charset="0"/>
+            </a:endParaRPr>
+          </a:p>
+          <a:p>
+            <a:pPr marL="285750" indent="-285750">
+              <a:buFont typeface="Arial" panose="020B0604020202020204" pitchFamily="34" charset="0"/>
+              <a:buChar char="•"/>
+            </a:pPr>
+            <a:endParaRPr lang="en-US" dirty="0">
+              <a:latin typeface="Calibri" panose="020F0502020204030204" pitchFamily="34" charset="0"/>
+              <a:cs typeface="Calibri" panose="020F0502020204030204" pitchFamily="34" charset="0"/>
+            </a:endParaRPr>
+          </a:p>
+          <a:p>
+            <a:pPr marL="742950" lvl="1" indent="-285750">
+              <a:buFont typeface="Arial" panose="020B0604020202020204" pitchFamily="34" charset="0"/>
+              <a:buChar char="•"/>
+            </a:pPr>
+            <a:endParaRPr lang="en-US" dirty="0">
+              <a:latin typeface="Calibri" panose="020F0502020204030204" pitchFamily="34" charset="0"/>
+              <a:cs typeface="Calibri" panose="020F0502020204030204" pitchFamily="34" charset="0"/>
+            </a:endParaRPr>
+          </a:p>
+          <a:p>
+            <a:pPr marL="742950" lvl="1" indent="-285750">
+              <a:buFont typeface="Arial" panose="020B0604020202020204" pitchFamily="34" charset="0"/>
+              <a:buChar char="•"/>
+            </a:pPr>
+            <a:endParaRPr lang="en-US" dirty="0">
+              <a:latin typeface="Calibri" panose="020F0502020204030204" pitchFamily="34" charset="0"/>
+              <a:cs typeface="Calibri" panose="020F0502020204030204" pitchFamily="34" charset="0"/>
+            </a:endParaRPr>
+          </a:p>
+          <a:p>
+            <a:pPr marL="742950" lvl="1" indent="-285750">
+              <a:buFont typeface="Arial" panose="020B0604020202020204" pitchFamily="34" charset="0"/>
+              <a:buChar char="•"/>
+            </a:pPr>
+            <a:endParaRPr lang="en-US" dirty="0">
+              <a:latin typeface="Calibri" panose="020F0502020204030204" pitchFamily="34" charset="0"/>
+              <a:cs typeface="Calibri" panose="020F0502020204030204" pitchFamily="34" charset="0"/>
+            </a:endParaRPr>
+          </a:p>
+          <a:p>
+            <a:pPr marL="742950" lvl="1" indent="-285750">
+              <a:buFont typeface="Arial" panose="020B0604020202020204" pitchFamily="34" charset="0"/>
+              <a:buChar char="•"/>
+            </a:pPr>
+            <a:endParaRPr lang="en-US" dirty="0">
+              <a:latin typeface="Calibri" panose="020F0502020204030204" pitchFamily="34" charset="0"/>
+              <a:cs typeface="Calibri" panose="020F0502020204030204" pitchFamily="34" charset="0"/>
+            </a:endParaRPr>
+          </a:p>
+          <a:p>
+            <a:pPr marL="742950" lvl="1" indent="-285750">
+              <a:buFont typeface="Arial" panose="020B0604020202020204" pitchFamily="34" charset="0"/>
+              <a:buChar char="•"/>
+            </a:pPr>
+            <a:endParaRPr lang="en-US" dirty="0">
+              <a:latin typeface="Calibri" panose="020F0502020204030204" pitchFamily="34" charset="0"/>
+              <a:cs typeface="Calibri" panose="020F0502020204030204" pitchFamily="34" charset="0"/>
+            </a:endParaRPr>
+          </a:p>
+          <a:p>
+            <a:endParaRPr lang="en-US" dirty="0">
+              <a:latin typeface="Calibri" panose="020F0502020204030204" pitchFamily="34" charset="0"/>
+              <a:cs typeface="Calibri" panose="020F0502020204030204" pitchFamily="34" charset="0"/>
+            </a:endParaRPr>
+          </a:p>
+          <a:p>
+            <a:pPr marL="285750" indent="-285750">
+              <a:buFont typeface="Arial" panose="020B0604020202020204" pitchFamily="34" charset="0"/>
+              <a:buChar char="•"/>
+            </a:pPr>
+            <a:endParaRPr lang="en-US" dirty="0">
+              <a:latin typeface="Calibri" panose="020F0502020204030204" pitchFamily="34" charset="0"/>
+              <a:cs typeface="Calibri" panose="020F0502020204030204" pitchFamily="34" charset="0"/>
+            </a:endParaRPr>
+          </a:p>
+        </p:txBody>
+      </p:sp>
+    </p:spTree>
+    <p:extLst>
+      <p:ext uri="{BB962C8B-B14F-4D97-AF65-F5344CB8AC3E}">
+        <p14:creationId xmlns:p14="http://schemas.microsoft.com/office/powerpoint/2010/main" val="2529361054"/>
+      </p:ext>
+    </p:extLst>
+  </p:cSld>
+  <p:clrMapOvr>
+    <a:masterClrMapping/>
+  </p:clrMapOvr>
+  <p:timing>
+    <p:tnLst>
+      <p:par>
+        <p:cTn id="1" dur="indefinite" restart="never" nodeType="tmRoot">
+          <p:childTnLst>
+            <p:seq>
+              <p:cTn id="2" dur="indefinite" nodeType="mainSeq"/>
+              <p:prevCondLst>
+                <p:cond evt="onPrev" delay="0">
+                  <p:tgtEl>
+                    <p:sldTgt/>
+                  </p:tgtEl>
+                </p:cond>
+              </p:prevCondLst>
+              <p:nextCondLst>
+                <p:cond evt="onNext" delay="0">
+                  <p:tgtEl>
+                    <p:sldTgt/>
+                  </p:tgtEl>
+                </p:cond>
+              </p:nextCondLst>
+            </p:seq>
+          </p:childTnLst>
+        </p:cTn>
+      </p:par>
+    </p:tnLst>
+  </p:timing>
+</p:sld>
+</file>
+
+<file path=ppt/slides/slide2.xml><?xml version="1.0" encoding="utf-8"?>
+<p:sld xmlns:a="http://schemas.openxmlformats.org/drawingml/2006/main" xmlns:r="http://schemas.openxmlformats.org/officeDocument/2006/relationships" xmlns:p="http://schemas.openxmlformats.org/presentationml/2006/main">
+  <p:cSld>
+    <p:spTree>
+      <p:nvGrpSpPr>
+        <p:cNvPr id="1" name=""/>
+        <p:cNvGrpSpPr/>
+        <p:nvPr/>
+      </p:nvGrpSpPr>
+      <p:grpSpPr>
+        <a:xfrm>
+          <a:off x="0" y="0"/>
+          <a:ext cx="0" cy="0"/>
+          <a:chOff x="0" y="0"/>
+          <a:chExt cx="0" cy="0"/>
+        </a:xfrm>
+      </p:grpSpPr>
+      <p:sp>
+        <p:nvSpPr>
+          <p:cNvPr id="89" name="CustomShape 1"/>
+          <p:cNvSpPr/>
+          <p:nvPr/>
+        </p:nvSpPr>
+        <p:spPr>
+          <a:xfrm>
+            <a:off x="360000" y="360000"/>
+            <a:ext cx="9356400" cy="896400"/>
+          </a:xfrm>
+          <a:prstGeom prst="rect">
+            <a:avLst/>
+          </a:prstGeom>
+          <a:noFill/>
+          <a:ln>
+            <a:noFill/>
+          </a:ln>
+        </p:spPr>
+        <p:style>
+          <a:lnRef idx="0">
+            <a:scrgbClr r="0" g="0" b="0"/>
+          </a:lnRef>
+          <a:fillRef idx="0">
+            <a:scrgbClr r="0" g="0" b="0"/>
+          </a:fillRef>
+          <a:effectRef idx="0">
+            <a:scrgbClr r="0" g="0" b="0"/>
+          </a:effectRef>
+          <a:fontRef idx="minor"/>
+        </p:style>
+        <p:txBody>
+          <a:bodyPr lIns="0" tIns="0" rIns="0" bIns="0" anchor="b"/>
+          <a:lstStyle/>
+          <a:p>
+            <a:pPr>
+              <a:lnSpc>
+                <a:spcPct val="100000"/>
+              </a:lnSpc>
+            </a:pPr>
+            <a:r>
+              <a:rPr lang="en-US" sz="3200" b="1" spc="-1" dirty="0">
+                <a:solidFill>
+                  <a:srgbClr val="FFFFFF"/>
+                </a:solidFill>
+                <a:latin typeface="Latin Modern Sans"/>
+              </a:rPr>
+              <a:t>Topics</a:t>
+            </a:r>
+            <a:endParaRPr lang="en-US" sz="3200" b="0" strike="noStrike" spc="-1" dirty="0">
+              <a:latin typeface="Arial"/>
+            </a:endParaRPr>
+          </a:p>
+        </p:txBody>
+      </p:sp>
+      <p:sp>
+        <p:nvSpPr>
+          <p:cNvPr id="90" name="CustomShape 2"/>
+          <p:cNvSpPr/>
+          <p:nvPr/>
+        </p:nvSpPr>
+        <p:spPr>
+          <a:xfrm>
+            <a:off x="897120" y="6886080"/>
+            <a:ext cx="6443640" cy="361440"/>
+          </a:xfrm>
+          <a:prstGeom prst="rect">
+            <a:avLst/>
+          </a:prstGeom>
+          <a:noFill/>
+          <a:ln>
+            <a:noFill/>
+          </a:ln>
+        </p:spPr>
+        <p:style>
+          <a:lnRef idx="0">
+            <a:scrgbClr r="0" g="0" b="0"/>
+          </a:lnRef>
+          <a:fillRef idx="0">
+            <a:scrgbClr r="0" g="0" b="0"/>
+          </a:fillRef>
+          <a:effectRef idx="0">
+            <a:scrgbClr r="0" g="0" b="0"/>
+          </a:effectRef>
+          <a:fontRef idx="minor"/>
+        </p:style>
+        <p:txBody>
+          <a:bodyPr lIns="90000" tIns="45000" rIns="90000" bIns="45000"/>
+          <a:lstStyle/>
+          <a:p>
+            <a:pPr>
+              <a:lnSpc>
+                <a:spcPct val="100000"/>
+              </a:lnSpc>
+            </a:pPr>
+            <a:r>
+              <a:rPr lang="pt-BR" sz="1800" b="0" strike="noStrike" spc="-1" dirty="0">
+                <a:solidFill>
+                  <a:srgbClr val="000000"/>
+                </a:solidFill>
+                <a:latin typeface="Arial"/>
+                <a:ea typeface="DejaVu Sans"/>
+              </a:rPr>
+              <a:t>Computer Vision - Prof. André Hochuli</a:t>
+            </a:r>
+            <a:endParaRPr lang="pt-BR" sz="1800" b="0" strike="noStrike" spc="-1" dirty="0">
+              <a:latin typeface="Arial"/>
+            </a:endParaRPr>
+          </a:p>
+        </p:txBody>
+      </p:sp>
+      <p:sp>
+        <p:nvSpPr>
+          <p:cNvPr id="91" name="CustomShape 3"/>
+          <p:cNvSpPr/>
+          <p:nvPr/>
+        </p:nvSpPr>
+        <p:spPr>
+          <a:xfrm>
+            <a:off x="7608600" y="6886080"/>
+            <a:ext cx="2281680" cy="361440"/>
+          </a:xfrm>
+          <a:prstGeom prst="rect">
+            <a:avLst/>
+          </a:prstGeom>
+          <a:noFill/>
+          <a:ln>
+            <a:noFill/>
+          </a:ln>
+        </p:spPr>
+        <p:style>
+          <a:lnRef idx="0">
+            <a:scrgbClr r="0" g="0" b="0"/>
+          </a:lnRef>
+          <a:fillRef idx="0">
+            <a:scrgbClr r="0" g="0" b="0"/>
+          </a:fillRef>
+          <a:effectRef idx="0">
+            <a:scrgbClr r="0" g="0" b="0"/>
+          </a:effectRef>
+          <a:fontRef idx="minor"/>
+        </p:style>
+        <p:txBody>
+          <a:bodyPr lIns="90000" tIns="45000" rIns="90000" bIns="45000"/>
+          <a:lstStyle/>
+          <a:p>
+            <a:pPr>
+              <a:lnSpc>
+                <a:spcPct val="100000"/>
+              </a:lnSpc>
+            </a:pPr>
+            <a:r>
+              <a:rPr lang="en-US" sz="1800" b="0" strike="noStrike" spc="-1" dirty="0">
+                <a:solidFill>
+                  <a:srgbClr val="000000"/>
+                </a:solidFill>
+                <a:latin typeface="Arial"/>
+                <a:ea typeface="DejaVu Sans"/>
+              </a:rPr>
+              <a:t>Lecture</a:t>
+            </a:r>
+            <a:r>
+              <a:rPr lang="pt-BR" sz="1800" b="0" strike="noStrike" spc="-1" dirty="0">
+                <a:solidFill>
+                  <a:srgbClr val="000000"/>
+                </a:solidFill>
+                <a:latin typeface="Arial"/>
+                <a:ea typeface="DejaVu Sans"/>
+              </a:rPr>
+              <a:t> </a:t>
+            </a:r>
+            <a:r>
+              <a:rPr lang="pt-BR" spc="-1" dirty="0">
+                <a:solidFill>
+                  <a:srgbClr val="000000"/>
+                </a:solidFill>
+                <a:latin typeface="Arial"/>
+                <a:ea typeface="DejaVu Sans"/>
+              </a:rPr>
+              <a:t>06</a:t>
+            </a:r>
+            <a:endParaRPr lang="pt-BR" sz="1800" b="0" strike="noStrike" spc="-1" dirty="0">
+              <a:latin typeface="Arial"/>
+            </a:endParaRPr>
+          </a:p>
+        </p:txBody>
+      </p:sp>
       <p:sp>
         <p:nvSpPr>
           <p:cNvPr id="92" name="CustomShape 4"/>
@@ -6551,6 +11114,52 @@
                 <a:cs typeface="Calibri" panose="020F0502020204030204" pitchFamily="34" charset="0"/>
               </a:rPr>
               <a:t>Discussion of Lecture #05</a:t>
+            </a:r>
+          </a:p>
+          <a:p>
+            <a:pPr marL="673200" lvl="1" indent="-212400">
+              <a:spcAft>
+                <a:spcPts val="1140"/>
+              </a:spcAft>
+              <a:buClr>
+                <a:srgbClr val="000000"/>
+              </a:buClr>
+              <a:buSzPct val="45000"/>
+              <a:buFont typeface="Wingdings" charset="2"/>
+              <a:buChar char=""/>
+            </a:pPr>
+            <a:r>
+              <a:rPr lang="en-US" sz="2000" strike="noStrike" spc="-1" dirty="0">
+                <a:solidFill>
+                  <a:srgbClr val="1C1C1C"/>
+                </a:solidFill>
+                <a:latin typeface="Calibri" panose="020F0502020204030204" pitchFamily="34" charset="0"/>
+                <a:cs typeface="Calibri" panose="020F0502020204030204" pitchFamily="34" charset="0"/>
+              </a:rPr>
+              <a:t>Feature Vector</a:t>
+            </a:r>
+          </a:p>
+          <a:p>
+            <a:pPr marL="673200" lvl="1" indent="-212400">
+              <a:spcAft>
+                <a:spcPts val="1140"/>
+              </a:spcAft>
+              <a:buClr>
+                <a:srgbClr val="000000"/>
+              </a:buClr>
+              <a:buSzPct val="45000"/>
+              <a:buFont typeface="Wingdings" charset="2"/>
+              <a:buChar char=""/>
+            </a:pPr>
+            <a:r>
+              <a:rPr lang="en-US" sz="2000" spc="-1" dirty="0">
+                <a:solidFill>
+                  <a:srgbClr val="1C1C1C"/>
+                </a:solidFill>
+                <a:latin typeface="Calibri" panose="020F0502020204030204" pitchFamily="34" charset="0"/>
+                <a:cs typeface="Calibri" panose="020F0502020204030204" pitchFamily="34" charset="0"/>
+              </a:rPr>
+              <a:t>Horizontal and Vertical Projections</a:t>
             </a:r>
             <a:endParaRPr lang="en-US" sz="2000" strike="noStrike" spc="-1" dirty="0">
               <a:latin typeface="Calibri" panose="020F0502020204030204" pitchFamily="34" charset="0"/>
@@ -6594,14 +11203,6 @@
               </a:rPr>
               <a:t>mage Descriptors</a:t>
             </a:r>
-            <a:endParaRPr lang="en-US" sz="2000" strike="noStrike" spc="-1" dirty="0">
-              <a:solidFill>
-                <a:srgbClr val="1C1C1C"/>
-              </a:solidFill>
-              <a:latin typeface="Calibri" panose="020F0502020204030204" pitchFamily="34" charset="0"/>
-              <a:ea typeface="DejaVu Sans"/>
-              <a:cs typeface="Calibri" panose="020F0502020204030204" pitchFamily="34" charset="0"/>
-            </a:endParaRPr>
           </a:p>
           <a:p>
             <a:pPr marL="216000" indent="-212400">
@@ -6624,6 +11225,33 @@
                   <a:srgbClr val="1C1C1C"/>
                 </a:solidFill>
                 <a:latin typeface="Calibri" panose="020F0502020204030204" pitchFamily="34" charset="0"/>
+                <a:ea typeface="DejaVu Sans"/>
+                <a:cs typeface="Calibri" panose="020F0502020204030204" pitchFamily="34" charset="0"/>
+              </a:rPr>
+              <a:t>Classification</a:t>
+            </a:r>
+          </a:p>
+          <a:p>
+            <a:pPr marL="216000" indent="-212400">
+              <a:lnSpc>
+                <a:spcPct val="100000"/>
+              </a:lnSpc>
+              <a:spcAft>
+                <a:spcPts val="1140"/>
+              </a:spcAft>
+              <a:buClr>
+                <a:srgbClr val="000000"/>
+              </a:buClr>
+              <a:buSzPct val="45000"/>
+              <a:buFont typeface="Wingdings" charset="2"/>
+              <a:buChar char=""/>
+            </a:pPr>
+            <a:r>
+              <a:rPr lang="en-US" sz="2000" strike="noStrike" spc="-1" dirty="0">
+                <a:solidFill>
+                  <a:srgbClr val="1C1C1C"/>
+                </a:solidFill>
+                <a:latin typeface="Calibri" panose="020F0502020204030204" pitchFamily="34" charset="0"/>
                 <a:cs typeface="Calibri" panose="020F0502020204030204" pitchFamily="34" charset="0"/>
               </a:rPr>
               <a:t>Practice</a:t>
@@ -6632,6 +11260,3119 @@
         </p:txBody>
       </p:sp>
     </p:spTree>
+  </p:cSld>
+  <p:clrMapOvr>
+    <a:masterClrMapping/>
+  </p:clrMapOvr>
+  <p:timing>
+    <p:tnLst>
+      <p:par>
+        <p:cTn id="1" dur="indefinite" restart="never" nodeType="tmRoot">
+          <p:childTnLst>
+            <p:seq>
+              <p:cTn id="2" dur="indefinite" nodeType="mainSeq"/>
+              <p:prevCondLst>
+                <p:cond evt="onPrev" delay="0">
+                  <p:tgtEl>
+                    <p:sldTgt/>
+                  </p:tgtEl>
+                </p:cond>
+              </p:prevCondLst>
+              <p:nextCondLst>
+                <p:cond evt="onNext" delay="0">
+                  <p:tgtEl>
+                    <p:sldTgt/>
+                  </p:tgtEl>
+                </p:cond>
+              </p:nextCondLst>
+            </p:seq>
+          </p:childTnLst>
+        </p:cTn>
+      </p:par>
+    </p:tnLst>
+  </p:timing>
+</p:sld>
+</file>
+
+<file path=ppt/slides/slide3.xml><?xml version="1.0" encoding="utf-8"?>
+<p:sld xmlns:a="http://schemas.openxmlformats.org/drawingml/2006/main" xmlns:r="http://schemas.openxmlformats.org/officeDocument/2006/relationships" xmlns:p="http://schemas.openxmlformats.org/presentationml/2006/main">
+  <p:cSld>
+    <p:spTree>
+      <p:nvGrpSpPr>
+        <p:cNvPr id="1" name=""/>
+        <p:cNvGrpSpPr/>
+        <p:nvPr/>
+      </p:nvGrpSpPr>
+      <p:grpSpPr>
+        <a:xfrm>
+          <a:off x="0" y="0"/>
+          <a:ext cx="0" cy="0"/>
+          <a:chOff x="0" y="0"/>
+          <a:chExt cx="0" cy="0"/>
+        </a:xfrm>
+      </p:grpSpPr>
+      <p:sp>
+        <p:nvSpPr>
+          <p:cNvPr id="99" name="CustomShape 1"/>
+          <p:cNvSpPr/>
+          <p:nvPr/>
+        </p:nvSpPr>
+        <p:spPr>
+          <a:xfrm>
+            <a:off x="360000" y="360000"/>
+            <a:ext cx="9356400" cy="896400"/>
+          </a:xfrm>
+          <a:prstGeom prst="rect">
+            <a:avLst/>
+          </a:prstGeom>
+          <a:noFill/>
+          <a:ln>
+            <a:noFill/>
+          </a:ln>
+        </p:spPr>
+        <p:style>
+          <a:lnRef idx="0">
+            <a:scrgbClr r="0" g="0" b="0"/>
+          </a:lnRef>
+          <a:fillRef idx="0">
+            <a:scrgbClr r="0" g="0" b="0"/>
+          </a:fillRef>
+          <a:effectRef idx="0">
+            <a:scrgbClr r="0" g="0" b="0"/>
+          </a:effectRef>
+          <a:fontRef idx="minor"/>
+        </p:style>
+        <p:txBody>
+          <a:bodyPr lIns="0" tIns="0" rIns="0" bIns="0" anchor="b"/>
+          <a:lstStyle/>
+          <a:p>
+            <a:r>
+              <a:rPr lang="en-US" sz="3200" b="1" spc="-1" dirty="0">
+                <a:solidFill>
+                  <a:srgbClr val="FFFFFF"/>
+                </a:solidFill>
+                <a:latin typeface="Latin Modern Sans"/>
+              </a:rPr>
+              <a:t>Computer Vision &amp; Pattern Recognition Pipeline</a:t>
+            </a:r>
+            <a:endParaRPr lang="en-US" sz="3200" b="0" strike="noStrike" spc="-1" dirty="0">
+              <a:latin typeface="Arial"/>
+            </a:endParaRPr>
+          </a:p>
+        </p:txBody>
+      </p:sp>
+      <p:sp>
+        <p:nvSpPr>
+          <p:cNvPr id="9" name="CustomShape 2">
+            <a:extLst>
+              <a:ext uri="{FF2B5EF4-FFF2-40B4-BE49-F238E27FC236}">
+                <a16:creationId xmlns:a16="http://schemas.microsoft.com/office/drawing/2014/main" id="{7D27D924-BAD9-59EB-0956-442C5E618C62}"/>
+              </a:ext>
+            </a:extLst>
+          </p:cNvPr>
+          <p:cNvSpPr/>
+          <p:nvPr/>
+        </p:nvSpPr>
+        <p:spPr>
+          <a:xfrm>
+            <a:off x="897120" y="6886080"/>
+            <a:ext cx="6443640" cy="361440"/>
+          </a:xfrm>
+          <a:prstGeom prst="rect">
+            <a:avLst/>
+          </a:prstGeom>
+          <a:noFill/>
+          <a:ln>
+            <a:noFill/>
+          </a:ln>
+        </p:spPr>
+        <p:style>
+          <a:lnRef idx="0">
+            <a:scrgbClr r="0" g="0" b="0"/>
+          </a:lnRef>
+          <a:fillRef idx="0">
+            <a:scrgbClr r="0" g="0" b="0"/>
+          </a:fillRef>
+          <a:effectRef idx="0">
+            <a:scrgbClr r="0" g="0" b="0"/>
+          </a:effectRef>
+          <a:fontRef idx="minor"/>
+        </p:style>
+        <p:txBody>
+          <a:bodyPr lIns="90000" tIns="45000" rIns="90000" bIns="45000"/>
+          <a:lstStyle/>
+          <a:p>
+            <a:pPr>
+              <a:lnSpc>
+                <a:spcPct val="100000"/>
+              </a:lnSpc>
+            </a:pPr>
+            <a:r>
+              <a:rPr lang="pt-BR" sz="1800" b="0" strike="noStrike" spc="-1" dirty="0">
+                <a:solidFill>
+                  <a:srgbClr val="000000"/>
+                </a:solidFill>
+                <a:latin typeface="Arial"/>
+                <a:ea typeface="DejaVu Sans"/>
+              </a:rPr>
+              <a:t>Computer Vision - Prof. André Hochuli</a:t>
+            </a:r>
+            <a:endParaRPr lang="pt-BR" sz="1800" b="0" strike="noStrike" spc="-1" dirty="0">
+              <a:latin typeface="Arial"/>
+            </a:endParaRPr>
+          </a:p>
+        </p:txBody>
+      </p:sp>
+      <p:sp>
+        <p:nvSpPr>
+          <p:cNvPr id="10" name="CustomShape 3">
+            <a:extLst>
+              <a:ext uri="{FF2B5EF4-FFF2-40B4-BE49-F238E27FC236}">
+                <a16:creationId xmlns:a16="http://schemas.microsoft.com/office/drawing/2014/main" id="{78C456B9-B5EA-AE0A-55ED-2B32CE41C07D}"/>
+              </a:ext>
+            </a:extLst>
+          </p:cNvPr>
+          <p:cNvSpPr/>
+          <p:nvPr/>
+        </p:nvSpPr>
+        <p:spPr>
+          <a:xfrm>
+            <a:off x="7608600" y="6886080"/>
+            <a:ext cx="2281680" cy="361440"/>
+          </a:xfrm>
+          <a:prstGeom prst="rect">
+            <a:avLst/>
+          </a:prstGeom>
+          <a:noFill/>
+          <a:ln>
+            <a:noFill/>
+          </a:ln>
+        </p:spPr>
+        <p:style>
+          <a:lnRef idx="0">
+            <a:scrgbClr r="0" g="0" b="0"/>
+          </a:lnRef>
+          <a:fillRef idx="0">
+            <a:scrgbClr r="0" g="0" b="0"/>
+          </a:fillRef>
+          <a:effectRef idx="0">
+            <a:scrgbClr r="0" g="0" b="0"/>
+          </a:effectRef>
+          <a:fontRef idx="minor"/>
+        </p:style>
+        <p:txBody>
+          <a:bodyPr lIns="90000" tIns="45000" rIns="90000" bIns="45000"/>
+          <a:lstStyle/>
+          <a:p>
+            <a:pPr>
+              <a:lnSpc>
+                <a:spcPct val="100000"/>
+              </a:lnSpc>
+            </a:pPr>
+            <a:r>
+              <a:rPr lang="en-US" sz="1800" b="0" strike="noStrike" spc="-1" dirty="0">
+                <a:solidFill>
+                  <a:srgbClr val="000000"/>
+                </a:solidFill>
+                <a:latin typeface="Arial"/>
+                <a:ea typeface="DejaVu Sans"/>
+              </a:rPr>
+              <a:t>Lecture</a:t>
+            </a:r>
+            <a:r>
+              <a:rPr lang="pt-BR" sz="1800" b="0" strike="noStrike" spc="-1" dirty="0">
+                <a:solidFill>
+                  <a:srgbClr val="000000"/>
+                </a:solidFill>
+                <a:latin typeface="Arial"/>
+                <a:ea typeface="DejaVu Sans"/>
+              </a:rPr>
+              <a:t> </a:t>
+            </a:r>
+            <a:r>
+              <a:rPr lang="pt-BR" spc="-1" dirty="0">
+                <a:solidFill>
+                  <a:srgbClr val="000000"/>
+                </a:solidFill>
+                <a:latin typeface="Arial"/>
+                <a:ea typeface="DejaVu Sans"/>
+              </a:rPr>
+              <a:t>06</a:t>
+            </a:r>
+            <a:endParaRPr lang="pt-BR" sz="1800" b="0" strike="noStrike" spc="-1" dirty="0">
+              <a:latin typeface="Arial"/>
+            </a:endParaRPr>
+          </a:p>
+        </p:txBody>
+      </p:sp>
+      <p:pic>
+        <p:nvPicPr>
+          <p:cNvPr id="1026" name="Picture 2" descr="Pattern recognition: Overview and applications">
+            <a:extLst>
+              <a:ext uri="{FF2B5EF4-FFF2-40B4-BE49-F238E27FC236}">
+                <a16:creationId xmlns:a16="http://schemas.microsoft.com/office/drawing/2014/main" id="{491342BE-3F0B-ECE8-1BBA-AA5141D939F6}"/>
+              </a:ext>
+            </a:extLst>
+          </p:cNvPr>
+          <p:cNvPicPr>
+            <a:picLocks noChangeAspect="1" noChangeArrowheads="1"/>
+          </p:cNvPicPr>
+          <p:nvPr/>
+        </p:nvPicPr>
+        <p:blipFill>
+          <a:blip r:embed="rId3">
+            <a:extLst>
+              <a:ext uri="{28A0092B-C50C-407E-A947-70E740481C1C}">
+                <a14:useLocalDpi xmlns:a14="http://schemas.microsoft.com/office/drawing/2010/main" val="0"/>
+              </a:ext>
+            </a:extLst>
+          </a:blip>
+          <a:srcRect/>
+          <a:stretch>
+            <a:fillRect/>
+          </a:stretch>
+        </p:blipFill>
+        <p:spPr bwMode="auto">
+          <a:xfrm>
+            <a:off x="546423" y="2473730"/>
+            <a:ext cx="8983553" cy="2434756"/>
+          </a:xfrm>
+          <a:prstGeom prst="rect">
+            <a:avLst/>
+          </a:prstGeom>
+          <a:noFill/>
+          <a:extLst>
+            <a:ext uri="{909E8E84-426E-40DD-AFC4-6F175D3DCCD1}">
+              <a14:hiddenFill xmlns:a14="http://schemas.microsoft.com/office/drawing/2010/main">
+                <a:solidFill>
+                  <a:srgbClr val="FFFFFF"/>
+                </a:solidFill>
+              </a14:hiddenFill>
+            </a:ext>
+          </a:extLst>
+        </p:spPr>
+      </p:pic>
+      <p:sp>
+        <p:nvSpPr>
+          <p:cNvPr id="3" name="Retângulo 2">
+            <a:extLst>
+              <a:ext uri="{FF2B5EF4-FFF2-40B4-BE49-F238E27FC236}">
+                <a16:creationId xmlns:a16="http://schemas.microsoft.com/office/drawing/2014/main" id="{E76973B7-356B-A836-106F-2DA3716A437D}"/>
+              </a:ext>
+            </a:extLst>
+          </p:cNvPr>
+          <p:cNvSpPr/>
+          <p:nvPr/>
+        </p:nvSpPr>
+        <p:spPr>
+          <a:xfrm>
+            <a:off x="546423" y="3098799"/>
+            <a:ext cx="6636697" cy="1595121"/>
+          </a:xfrm>
+          <a:prstGeom prst="rect">
+            <a:avLst/>
+          </a:prstGeom>
+          <a:solidFill>
+            <a:schemeClr val="accent1">
+              <a:alpha val="63000"/>
+            </a:schemeClr>
+          </a:solidFill>
+        </p:spPr>
+        <p:style>
+          <a:lnRef idx="2">
+            <a:schemeClr val="accent1">
+              <a:shade val="50000"/>
+            </a:schemeClr>
+          </a:lnRef>
+          <a:fillRef idx="1">
+            <a:schemeClr val="accent1"/>
+          </a:fillRef>
+          <a:effectRef idx="0">
+            <a:schemeClr val="accent1"/>
+          </a:effectRef>
+          <a:fontRef idx="minor">
+            <a:schemeClr val="lt1"/>
+          </a:fontRef>
+        </p:style>
+        <p:txBody>
+          <a:bodyPr rtlCol="0" anchor="ctr"/>
+          <a:lstStyle/>
+          <a:p>
+            <a:pPr algn="ctr"/>
+            <a:endParaRPr lang="pt-BR" dirty="0"/>
+          </a:p>
+        </p:txBody>
+      </p:sp>
+    </p:spTree>
+  </p:cSld>
+  <p:clrMapOvr>
+    <a:masterClrMapping/>
+  </p:clrMapOvr>
+  <p:timing>
+    <p:tnLst>
+      <p:par>
+        <p:cTn id="1" dur="indefinite" restart="never" nodeType="tmRoot">
+          <p:childTnLst>
+            <p:seq>
+              <p:cTn id="2" dur="indefinite" nodeType="mainSeq"/>
+              <p:prevCondLst>
+                <p:cond evt="onPrev" delay="0">
+                  <p:tgtEl>
+                    <p:sldTgt/>
+                  </p:tgtEl>
+                </p:cond>
+              </p:prevCondLst>
+              <p:nextCondLst>
+                <p:cond evt="onNext" delay="0">
+                  <p:tgtEl>
+                    <p:sldTgt/>
+                  </p:tgtEl>
+                </p:cond>
+              </p:nextCondLst>
+            </p:seq>
+          </p:childTnLst>
+        </p:cTn>
+      </p:par>
+    </p:tnLst>
+  </p:timing>
+</p:sld>
+</file>
+
+<file path=ppt/slides/slide4.xml><?xml version="1.0" encoding="utf-8"?>
+<p:sld xmlns:a="http://schemas.openxmlformats.org/drawingml/2006/main" xmlns:r="http://schemas.openxmlformats.org/officeDocument/2006/relationships" xmlns:p="http://schemas.openxmlformats.org/presentationml/2006/main">
+  <p:cSld>
+    <p:spTree>
+      <p:nvGrpSpPr>
+        <p:cNvPr id="1" name=""/>
+        <p:cNvGrpSpPr/>
+        <p:nvPr/>
+      </p:nvGrpSpPr>
+      <p:grpSpPr>
+        <a:xfrm>
+          <a:off x="0" y="0"/>
+          <a:ext cx="0" cy="0"/>
+          <a:chOff x="0" y="0"/>
+          <a:chExt cx="0" cy="0"/>
+        </a:xfrm>
+      </p:grpSpPr>
+      <p:sp>
+        <p:nvSpPr>
+          <p:cNvPr id="99" name="CustomShape 1"/>
+          <p:cNvSpPr/>
+          <p:nvPr/>
+        </p:nvSpPr>
+        <p:spPr>
+          <a:xfrm>
+            <a:off x="360000" y="360000"/>
+            <a:ext cx="9356400" cy="896400"/>
+          </a:xfrm>
+          <a:prstGeom prst="rect">
+            <a:avLst/>
+          </a:prstGeom>
+          <a:noFill/>
+          <a:ln>
+            <a:noFill/>
+          </a:ln>
+        </p:spPr>
+        <p:style>
+          <a:lnRef idx="0">
+            <a:scrgbClr r="0" g="0" b="0"/>
+          </a:lnRef>
+          <a:fillRef idx="0">
+            <a:scrgbClr r="0" g="0" b="0"/>
+          </a:fillRef>
+          <a:effectRef idx="0">
+            <a:scrgbClr r="0" g="0" b="0"/>
+          </a:effectRef>
+          <a:fontRef idx="minor"/>
+        </p:style>
+        <p:txBody>
+          <a:bodyPr lIns="0" tIns="0" rIns="0" bIns="0" anchor="b"/>
+          <a:lstStyle/>
+          <a:p>
+            <a:r>
+              <a:rPr lang="en-US" sz="3200" b="1" spc="-1" dirty="0">
+                <a:solidFill>
+                  <a:srgbClr val="FFFFFF"/>
+                </a:solidFill>
+                <a:latin typeface="Latin Modern Sans"/>
+              </a:rPr>
+              <a:t>Remembering….</a:t>
+            </a:r>
+            <a:endParaRPr lang="en-US" sz="3200" b="0" strike="noStrike" spc="-1" dirty="0">
+              <a:latin typeface="Arial"/>
+            </a:endParaRPr>
+          </a:p>
+        </p:txBody>
+      </p:sp>
+      <p:sp>
+        <p:nvSpPr>
+          <p:cNvPr id="9" name="CustomShape 2">
+            <a:extLst>
+              <a:ext uri="{FF2B5EF4-FFF2-40B4-BE49-F238E27FC236}">
+                <a16:creationId xmlns:a16="http://schemas.microsoft.com/office/drawing/2014/main" id="{7D27D924-BAD9-59EB-0956-442C5E618C62}"/>
+              </a:ext>
+            </a:extLst>
+          </p:cNvPr>
+          <p:cNvSpPr/>
+          <p:nvPr/>
+        </p:nvSpPr>
+        <p:spPr>
+          <a:xfrm>
+            <a:off x="897120" y="6886080"/>
+            <a:ext cx="6443640" cy="361440"/>
+          </a:xfrm>
+          <a:prstGeom prst="rect">
+            <a:avLst/>
+          </a:prstGeom>
+          <a:noFill/>
+          <a:ln>
+            <a:noFill/>
+          </a:ln>
+        </p:spPr>
+        <p:style>
+          <a:lnRef idx="0">
+            <a:scrgbClr r="0" g="0" b="0"/>
+          </a:lnRef>
+          <a:fillRef idx="0">
+            <a:scrgbClr r="0" g="0" b="0"/>
+          </a:fillRef>
+          <a:effectRef idx="0">
+            <a:scrgbClr r="0" g="0" b="0"/>
+          </a:effectRef>
+          <a:fontRef idx="minor"/>
+        </p:style>
+        <p:txBody>
+          <a:bodyPr lIns="90000" tIns="45000" rIns="90000" bIns="45000"/>
+          <a:lstStyle/>
+          <a:p>
+            <a:pPr>
+              <a:lnSpc>
+                <a:spcPct val="100000"/>
+              </a:lnSpc>
+            </a:pPr>
+            <a:r>
+              <a:rPr lang="pt-BR" sz="1800" b="0" strike="noStrike" spc="-1" dirty="0">
+                <a:solidFill>
+                  <a:srgbClr val="000000"/>
+                </a:solidFill>
+                <a:latin typeface="Arial"/>
+                <a:ea typeface="DejaVu Sans"/>
+              </a:rPr>
+              <a:t>Computer Vision - Prof. André Hochuli</a:t>
+            </a:r>
+            <a:endParaRPr lang="pt-BR" sz="1800" b="0" strike="noStrike" spc="-1" dirty="0">
+              <a:latin typeface="Arial"/>
+            </a:endParaRPr>
+          </a:p>
+        </p:txBody>
+      </p:sp>
+      <p:sp>
+        <p:nvSpPr>
+          <p:cNvPr id="10" name="CustomShape 3">
+            <a:extLst>
+              <a:ext uri="{FF2B5EF4-FFF2-40B4-BE49-F238E27FC236}">
+                <a16:creationId xmlns:a16="http://schemas.microsoft.com/office/drawing/2014/main" id="{78C456B9-B5EA-AE0A-55ED-2B32CE41C07D}"/>
+              </a:ext>
+            </a:extLst>
+          </p:cNvPr>
+          <p:cNvSpPr/>
+          <p:nvPr/>
+        </p:nvSpPr>
+        <p:spPr>
+          <a:xfrm>
+            <a:off x="7608600" y="6886080"/>
+            <a:ext cx="2281680" cy="361440"/>
+          </a:xfrm>
+          <a:prstGeom prst="rect">
+            <a:avLst/>
+          </a:prstGeom>
+          <a:noFill/>
+          <a:ln>
+            <a:noFill/>
+          </a:ln>
+        </p:spPr>
+        <p:style>
+          <a:lnRef idx="0">
+            <a:scrgbClr r="0" g="0" b="0"/>
+          </a:lnRef>
+          <a:fillRef idx="0">
+            <a:scrgbClr r="0" g="0" b="0"/>
+          </a:fillRef>
+          <a:effectRef idx="0">
+            <a:scrgbClr r="0" g="0" b="0"/>
+          </a:effectRef>
+          <a:fontRef idx="minor"/>
+        </p:style>
+        <p:txBody>
+          <a:bodyPr lIns="90000" tIns="45000" rIns="90000" bIns="45000"/>
+          <a:lstStyle/>
+          <a:p>
+            <a:pPr>
+              <a:lnSpc>
+                <a:spcPct val="100000"/>
+              </a:lnSpc>
+            </a:pPr>
+            <a:r>
+              <a:rPr lang="en-US" sz="1800" b="0" strike="noStrike" spc="-1" dirty="0">
+                <a:solidFill>
+                  <a:srgbClr val="000000"/>
+                </a:solidFill>
+                <a:latin typeface="Arial"/>
+                <a:ea typeface="DejaVu Sans"/>
+              </a:rPr>
+              <a:t>Lecture</a:t>
+            </a:r>
+            <a:r>
+              <a:rPr lang="pt-BR" sz="1800" b="0" strike="noStrike" spc="-1" dirty="0">
+                <a:solidFill>
+                  <a:srgbClr val="000000"/>
+                </a:solidFill>
+                <a:latin typeface="Arial"/>
+                <a:ea typeface="DejaVu Sans"/>
+              </a:rPr>
+              <a:t> </a:t>
+            </a:r>
+            <a:r>
+              <a:rPr lang="pt-BR" spc="-1" dirty="0">
+                <a:solidFill>
+                  <a:srgbClr val="000000"/>
+                </a:solidFill>
+                <a:latin typeface="Arial"/>
+                <a:ea typeface="DejaVu Sans"/>
+              </a:rPr>
+              <a:t>06</a:t>
+            </a:r>
+            <a:endParaRPr lang="pt-BR" sz="1800" b="0" strike="noStrike" spc="-1" dirty="0">
+              <a:latin typeface="Arial"/>
+            </a:endParaRPr>
+          </a:p>
+        </p:txBody>
+      </p:sp>
+      <p:sp>
+        <p:nvSpPr>
+          <p:cNvPr id="2" name="CaixaDeTexto 1">
+            <a:extLst>
+              <a:ext uri="{FF2B5EF4-FFF2-40B4-BE49-F238E27FC236}">
+                <a16:creationId xmlns:a16="http://schemas.microsoft.com/office/drawing/2014/main" id="{D744B707-1B4A-5A5F-CC17-5C9D8382FBD9}"/>
+              </a:ext>
+            </a:extLst>
+          </p:cNvPr>
+          <p:cNvSpPr txBox="1"/>
+          <p:nvPr/>
+        </p:nvSpPr>
+        <p:spPr>
+          <a:xfrm>
+            <a:off x="200025" y="1689990"/>
+            <a:ext cx="9516375" cy="2031325"/>
+          </a:xfrm>
+          <a:prstGeom prst="rect">
+            <a:avLst/>
+          </a:prstGeom>
+          <a:noFill/>
+        </p:spPr>
+        <p:txBody>
+          <a:bodyPr wrap="square" rtlCol="0">
+            <a:spAutoFit/>
+          </a:bodyPr>
+          <a:lstStyle/>
+          <a:p>
+            <a:pPr marL="285750" indent="-285750">
+              <a:buFont typeface="Arial" panose="020B0604020202020204" pitchFamily="34" charset="0"/>
+              <a:buChar char="•"/>
+            </a:pPr>
+            <a:r>
+              <a:rPr lang="en-US" dirty="0">
+                <a:latin typeface="Calibri" panose="020F0502020204030204" pitchFamily="34" charset="0"/>
+                <a:cs typeface="Calibri" panose="020F0502020204030204" pitchFamily="34" charset="0"/>
+              </a:rPr>
+              <a:t>A feature descriptor translates high-dimensional data to a feature space</a:t>
+            </a:r>
+          </a:p>
+          <a:p>
+            <a:pPr marL="285750" indent="-285750">
+              <a:buFont typeface="Arial" panose="020B0604020202020204" pitchFamily="34" charset="0"/>
+              <a:buChar char="•"/>
+            </a:pPr>
+            <a:endParaRPr lang="en-US" dirty="0">
+              <a:latin typeface="Calibri" panose="020F0502020204030204" pitchFamily="34" charset="0"/>
+              <a:cs typeface="Calibri" panose="020F0502020204030204" pitchFamily="34" charset="0"/>
+            </a:endParaRPr>
+          </a:p>
+          <a:p>
+            <a:pPr marL="285750" indent="-285750">
+              <a:buFont typeface="Arial" panose="020B0604020202020204" pitchFamily="34" charset="0"/>
+              <a:buChar char="•"/>
+            </a:pPr>
+            <a:r>
+              <a:rPr lang="en-US" dirty="0">
+                <a:latin typeface="Calibri" panose="020F0502020204030204" pitchFamily="34" charset="0"/>
+                <a:cs typeface="Calibri" panose="020F0502020204030204" pitchFamily="34" charset="0"/>
+              </a:rPr>
+              <a:t>A feature vector represents the input data produced by the feature descriptor</a:t>
+            </a:r>
+          </a:p>
+          <a:p>
+            <a:pPr marL="285750" indent="-285750">
+              <a:buFont typeface="Arial" panose="020B0604020202020204" pitchFamily="34" charset="0"/>
+              <a:buChar char="•"/>
+            </a:pPr>
+            <a:endParaRPr lang="en-US" dirty="0">
+              <a:latin typeface="Calibri" panose="020F0502020204030204" pitchFamily="34" charset="0"/>
+              <a:cs typeface="Calibri" panose="020F0502020204030204" pitchFamily="34" charset="0"/>
+            </a:endParaRPr>
+          </a:p>
+          <a:p>
+            <a:pPr marL="285750" indent="-285750">
+              <a:buFont typeface="Arial" panose="020B0604020202020204" pitchFamily="34" charset="0"/>
+              <a:buChar char="•"/>
+            </a:pPr>
+            <a:r>
+              <a:rPr lang="en-US" dirty="0">
+                <a:latin typeface="Calibri" panose="020F0502020204030204" pitchFamily="34" charset="0"/>
+                <a:cs typeface="Calibri" panose="020F0502020204030204" pitchFamily="34" charset="0"/>
+              </a:rPr>
+              <a:t>Later, a machine learning model will learn the representations</a:t>
+            </a:r>
+          </a:p>
+          <a:p>
+            <a:pPr marL="285750" indent="-285750">
+              <a:buFont typeface="Arial" panose="020B0604020202020204" pitchFamily="34" charset="0"/>
+              <a:buChar char="•"/>
+            </a:pPr>
+            <a:endParaRPr lang="en-US" dirty="0">
+              <a:latin typeface="Calibri" panose="020F0502020204030204" pitchFamily="34" charset="0"/>
+              <a:cs typeface="Calibri" panose="020F0502020204030204" pitchFamily="34" charset="0"/>
+            </a:endParaRPr>
+          </a:p>
+          <a:p>
+            <a:pPr marL="285750" indent="-285750">
+              <a:buFont typeface="Arial" panose="020B0604020202020204" pitchFamily="34" charset="0"/>
+              <a:buChar char="•"/>
+            </a:pPr>
+            <a:endParaRPr lang="en-US" dirty="0">
+              <a:latin typeface="Calibri" panose="020F0502020204030204" pitchFamily="34" charset="0"/>
+              <a:cs typeface="Calibri" panose="020F0502020204030204" pitchFamily="34" charset="0"/>
+            </a:endParaRPr>
+          </a:p>
+        </p:txBody>
+      </p:sp>
+      <p:pic>
+        <p:nvPicPr>
+          <p:cNvPr id="11" name="Picture 6">
+            <a:extLst>
+              <a:ext uri="{FF2B5EF4-FFF2-40B4-BE49-F238E27FC236}">
+                <a16:creationId xmlns:a16="http://schemas.microsoft.com/office/drawing/2014/main" id="{1718333E-C8D6-8917-F221-C210BDFCC3F9}"/>
+              </a:ext>
+            </a:extLst>
+          </p:cNvPr>
+          <p:cNvPicPr/>
+          <p:nvPr/>
+        </p:nvPicPr>
+        <p:blipFill>
+          <a:blip r:embed="rId3"/>
+          <a:stretch/>
+        </p:blipFill>
+        <p:spPr>
+          <a:xfrm>
+            <a:off x="1738620" y="3416350"/>
+            <a:ext cx="6599160" cy="950760"/>
+          </a:xfrm>
+          <a:prstGeom prst="rect">
+            <a:avLst/>
+          </a:prstGeom>
+          <a:ln>
+            <a:noFill/>
+          </a:ln>
+        </p:spPr>
+      </p:pic>
+      <p:pic>
+        <p:nvPicPr>
+          <p:cNvPr id="12" name="Picture 10">
+            <a:extLst>
+              <a:ext uri="{FF2B5EF4-FFF2-40B4-BE49-F238E27FC236}">
+                <a16:creationId xmlns:a16="http://schemas.microsoft.com/office/drawing/2014/main" id="{ABB46901-D783-A8B1-4B9C-01685C378F51}"/>
+              </a:ext>
+            </a:extLst>
+          </p:cNvPr>
+          <p:cNvPicPr/>
+          <p:nvPr/>
+        </p:nvPicPr>
+        <p:blipFill>
+          <a:blip r:embed="rId4"/>
+          <a:stretch/>
+        </p:blipFill>
+        <p:spPr>
+          <a:xfrm>
+            <a:off x="464185" y="4828355"/>
+            <a:ext cx="3989160" cy="1589040"/>
+          </a:xfrm>
+          <a:prstGeom prst="rect">
+            <a:avLst/>
+          </a:prstGeom>
+          <a:ln>
+            <a:noFill/>
+          </a:ln>
+        </p:spPr>
+      </p:pic>
+      <p:pic>
+        <p:nvPicPr>
+          <p:cNvPr id="13" name="Picture 8">
+            <a:extLst>
+              <a:ext uri="{FF2B5EF4-FFF2-40B4-BE49-F238E27FC236}">
+                <a16:creationId xmlns:a16="http://schemas.microsoft.com/office/drawing/2014/main" id="{B1003574-4B08-5998-23AA-C69F0685AADD}"/>
+              </a:ext>
+            </a:extLst>
+          </p:cNvPr>
+          <p:cNvPicPr/>
+          <p:nvPr/>
+        </p:nvPicPr>
+        <p:blipFill>
+          <a:blip r:embed="rId5"/>
+          <a:stretch/>
+        </p:blipFill>
+        <p:spPr>
+          <a:xfrm>
+            <a:off x="5410720" y="5666955"/>
+            <a:ext cx="3119760" cy="930240"/>
+          </a:xfrm>
+          <a:prstGeom prst="rect">
+            <a:avLst/>
+          </a:prstGeom>
+          <a:ln>
+            <a:noFill/>
+          </a:ln>
+        </p:spPr>
+      </p:pic>
+      <p:pic>
+        <p:nvPicPr>
+          <p:cNvPr id="14" name="Picture 12">
+            <a:extLst>
+              <a:ext uri="{FF2B5EF4-FFF2-40B4-BE49-F238E27FC236}">
+                <a16:creationId xmlns:a16="http://schemas.microsoft.com/office/drawing/2014/main" id="{C90C453D-E1E1-0447-DB49-F76B182A32B8}"/>
+              </a:ext>
+            </a:extLst>
+          </p:cNvPr>
+          <p:cNvPicPr/>
+          <p:nvPr/>
+        </p:nvPicPr>
+        <p:blipFill>
+          <a:blip r:embed="rId6"/>
+          <a:stretch/>
+        </p:blipFill>
+        <p:spPr>
+          <a:xfrm>
+            <a:off x="4836620" y="4413155"/>
+            <a:ext cx="4613400" cy="1027080"/>
+          </a:xfrm>
+          <a:prstGeom prst="rect">
+            <a:avLst/>
+          </a:prstGeom>
+          <a:ln>
+            <a:noFill/>
+          </a:ln>
+        </p:spPr>
+      </p:pic>
+    </p:spTree>
+    <p:extLst>
+      <p:ext uri="{BB962C8B-B14F-4D97-AF65-F5344CB8AC3E}">
+        <p14:creationId xmlns:p14="http://schemas.microsoft.com/office/powerpoint/2010/main" val="2740206373"/>
+      </p:ext>
+    </p:extLst>
+  </p:cSld>
+  <p:clrMapOvr>
+    <a:masterClrMapping/>
+  </p:clrMapOvr>
+  <p:timing>
+    <p:tnLst>
+      <p:par>
+        <p:cTn id="1" dur="indefinite" restart="never" nodeType="tmRoot">
+          <p:childTnLst>
+            <p:seq>
+              <p:cTn id="2" dur="indefinite" nodeType="mainSeq"/>
+              <p:prevCondLst>
+                <p:cond evt="onPrev" delay="0">
+                  <p:tgtEl>
+                    <p:sldTgt/>
+                  </p:tgtEl>
+                </p:cond>
+              </p:prevCondLst>
+              <p:nextCondLst>
+                <p:cond evt="onNext" delay="0">
+                  <p:tgtEl>
+                    <p:sldTgt/>
+                  </p:tgtEl>
+                </p:cond>
+              </p:nextCondLst>
+            </p:seq>
+          </p:childTnLst>
+        </p:cTn>
+      </p:par>
+    </p:tnLst>
+  </p:timing>
+</p:sld>
+</file>
+
+<file path=ppt/slides/slide5.xml><?xml version="1.0" encoding="utf-8"?>
+<p:sld xmlns:a="http://schemas.openxmlformats.org/drawingml/2006/main" xmlns:r="http://schemas.openxmlformats.org/officeDocument/2006/relationships" xmlns:p="http://schemas.openxmlformats.org/presentationml/2006/main">
+  <p:cSld>
+    <p:spTree>
+      <p:nvGrpSpPr>
+        <p:cNvPr id="1" name=""/>
+        <p:cNvGrpSpPr/>
+        <p:nvPr/>
+      </p:nvGrpSpPr>
+      <p:grpSpPr>
+        <a:xfrm>
+          <a:off x="0" y="0"/>
+          <a:ext cx="0" cy="0"/>
+          <a:chOff x="0" y="0"/>
+          <a:chExt cx="0" cy="0"/>
+        </a:xfrm>
+      </p:grpSpPr>
+      <p:sp>
+        <p:nvSpPr>
+          <p:cNvPr id="99" name="CustomShape 1"/>
+          <p:cNvSpPr/>
+          <p:nvPr/>
+        </p:nvSpPr>
+        <p:spPr>
+          <a:xfrm>
+            <a:off x="360000" y="360000"/>
+            <a:ext cx="9356400" cy="896400"/>
+          </a:xfrm>
+          <a:prstGeom prst="rect">
+            <a:avLst/>
+          </a:prstGeom>
+          <a:noFill/>
+          <a:ln>
+            <a:noFill/>
+          </a:ln>
+        </p:spPr>
+        <p:style>
+          <a:lnRef idx="0">
+            <a:scrgbClr r="0" g="0" b="0"/>
+          </a:lnRef>
+          <a:fillRef idx="0">
+            <a:scrgbClr r="0" g="0" b="0"/>
+          </a:fillRef>
+          <a:effectRef idx="0">
+            <a:scrgbClr r="0" g="0" b="0"/>
+          </a:effectRef>
+          <a:fontRef idx="minor"/>
+        </p:style>
+        <p:txBody>
+          <a:bodyPr lIns="0" tIns="0" rIns="0" bIns="0" anchor="b"/>
+          <a:lstStyle/>
+          <a:p>
+            <a:r>
+              <a:rPr lang="en-US" sz="3200" b="1" spc="-1" dirty="0">
+                <a:solidFill>
+                  <a:srgbClr val="FFFFFF"/>
+                </a:solidFill>
+                <a:latin typeface="Latin Modern Sans"/>
+              </a:rPr>
+              <a:t>Image Descriptors – Shape / Edges</a:t>
+            </a:r>
+            <a:endParaRPr lang="en-US" sz="3200" b="0" strike="noStrike" spc="-1" dirty="0">
+              <a:latin typeface="Arial"/>
+            </a:endParaRPr>
+          </a:p>
+        </p:txBody>
+      </p:sp>
+      <p:sp>
+        <p:nvSpPr>
+          <p:cNvPr id="9" name="CustomShape 2">
+            <a:extLst>
+              <a:ext uri="{FF2B5EF4-FFF2-40B4-BE49-F238E27FC236}">
+                <a16:creationId xmlns:a16="http://schemas.microsoft.com/office/drawing/2014/main" id="{7D27D924-BAD9-59EB-0956-442C5E618C62}"/>
+              </a:ext>
+            </a:extLst>
+          </p:cNvPr>
+          <p:cNvSpPr/>
+          <p:nvPr/>
+        </p:nvSpPr>
+        <p:spPr>
+          <a:xfrm>
+            <a:off x="897120" y="6886080"/>
+            <a:ext cx="6443640" cy="361440"/>
+          </a:xfrm>
+          <a:prstGeom prst="rect">
+            <a:avLst/>
+          </a:prstGeom>
+          <a:noFill/>
+          <a:ln>
+            <a:noFill/>
+          </a:ln>
+        </p:spPr>
+        <p:style>
+          <a:lnRef idx="0">
+            <a:scrgbClr r="0" g="0" b="0"/>
+          </a:lnRef>
+          <a:fillRef idx="0">
+            <a:scrgbClr r="0" g="0" b="0"/>
+          </a:fillRef>
+          <a:effectRef idx="0">
+            <a:scrgbClr r="0" g="0" b="0"/>
+          </a:effectRef>
+          <a:fontRef idx="minor"/>
+        </p:style>
+        <p:txBody>
+          <a:bodyPr lIns="90000" tIns="45000" rIns="90000" bIns="45000"/>
+          <a:lstStyle/>
+          <a:p>
+            <a:pPr>
+              <a:lnSpc>
+                <a:spcPct val="100000"/>
+              </a:lnSpc>
+            </a:pPr>
+            <a:r>
+              <a:rPr lang="pt-BR" sz="1800" b="0" strike="noStrike" spc="-1" dirty="0">
+                <a:solidFill>
+                  <a:srgbClr val="000000"/>
+                </a:solidFill>
+                <a:latin typeface="Arial"/>
+                <a:ea typeface="DejaVu Sans"/>
+              </a:rPr>
+              <a:t>Computer Vision - Prof. André Hochuli</a:t>
+            </a:r>
+            <a:endParaRPr lang="pt-BR" sz="1800" b="0" strike="noStrike" spc="-1" dirty="0">
+              <a:latin typeface="Arial"/>
+            </a:endParaRPr>
+          </a:p>
+        </p:txBody>
+      </p:sp>
+      <p:sp>
+        <p:nvSpPr>
+          <p:cNvPr id="10" name="CustomShape 3">
+            <a:extLst>
+              <a:ext uri="{FF2B5EF4-FFF2-40B4-BE49-F238E27FC236}">
+                <a16:creationId xmlns:a16="http://schemas.microsoft.com/office/drawing/2014/main" id="{78C456B9-B5EA-AE0A-55ED-2B32CE41C07D}"/>
+              </a:ext>
+            </a:extLst>
+          </p:cNvPr>
+          <p:cNvSpPr/>
+          <p:nvPr/>
+        </p:nvSpPr>
+        <p:spPr>
+          <a:xfrm>
+            <a:off x="7608600" y="6886080"/>
+            <a:ext cx="2281680" cy="361440"/>
+          </a:xfrm>
+          <a:prstGeom prst="rect">
+            <a:avLst/>
+          </a:prstGeom>
+          <a:noFill/>
+          <a:ln>
+            <a:noFill/>
+          </a:ln>
+        </p:spPr>
+        <p:style>
+          <a:lnRef idx="0">
+            <a:scrgbClr r="0" g="0" b="0"/>
+          </a:lnRef>
+          <a:fillRef idx="0">
+            <a:scrgbClr r="0" g="0" b="0"/>
+          </a:fillRef>
+          <a:effectRef idx="0">
+            <a:scrgbClr r="0" g="0" b="0"/>
+          </a:effectRef>
+          <a:fontRef idx="minor"/>
+        </p:style>
+        <p:txBody>
+          <a:bodyPr lIns="90000" tIns="45000" rIns="90000" bIns="45000"/>
+          <a:lstStyle/>
+          <a:p>
+            <a:pPr>
+              <a:lnSpc>
+                <a:spcPct val="100000"/>
+              </a:lnSpc>
+            </a:pPr>
+            <a:r>
+              <a:rPr lang="en-US" sz="1800" b="0" strike="noStrike" spc="-1" dirty="0">
+                <a:solidFill>
+                  <a:srgbClr val="000000"/>
+                </a:solidFill>
+                <a:latin typeface="Arial"/>
+                <a:ea typeface="DejaVu Sans"/>
+              </a:rPr>
+              <a:t>Lecture</a:t>
+            </a:r>
+            <a:r>
+              <a:rPr lang="pt-BR" sz="1800" b="0" strike="noStrike" spc="-1" dirty="0">
+                <a:solidFill>
+                  <a:srgbClr val="000000"/>
+                </a:solidFill>
+                <a:latin typeface="Arial"/>
+                <a:ea typeface="DejaVu Sans"/>
+              </a:rPr>
+              <a:t> </a:t>
+            </a:r>
+            <a:r>
+              <a:rPr lang="pt-BR" spc="-1" dirty="0">
+                <a:solidFill>
+                  <a:srgbClr val="000000"/>
+                </a:solidFill>
+                <a:latin typeface="Arial"/>
+                <a:ea typeface="DejaVu Sans"/>
+              </a:rPr>
+              <a:t>06</a:t>
+            </a:r>
+            <a:endParaRPr lang="pt-BR" sz="1800" b="0" strike="noStrike" spc="-1" dirty="0">
+              <a:latin typeface="Arial"/>
+            </a:endParaRPr>
+          </a:p>
+        </p:txBody>
+      </p:sp>
+      <p:sp>
+        <p:nvSpPr>
+          <p:cNvPr id="2" name="CaixaDeTexto 1">
+            <a:extLst>
+              <a:ext uri="{FF2B5EF4-FFF2-40B4-BE49-F238E27FC236}">
+                <a16:creationId xmlns:a16="http://schemas.microsoft.com/office/drawing/2014/main" id="{D744B707-1B4A-5A5F-CC17-5C9D8382FBD9}"/>
+              </a:ext>
+            </a:extLst>
+          </p:cNvPr>
+          <p:cNvSpPr txBox="1"/>
+          <p:nvPr/>
+        </p:nvSpPr>
+        <p:spPr>
+          <a:xfrm>
+            <a:off x="200025" y="1689990"/>
+            <a:ext cx="9516375" cy="3693319"/>
+          </a:xfrm>
+          <a:prstGeom prst="rect">
+            <a:avLst/>
+          </a:prstGeom>
+          <a:noFill/>
+        </p:spPr>
+        <p:txBody>
+          <a:bodyPr wrap="square" rtlCol="0">
+            <a:spAutoFit/>
+          </a:bodyPr>
+          <a:lstStyle/>
+          <a:p>
+            <a:pPr marL="285750" indent="-285750">
+              <a:buFont typeface="Arial" panose="020B0604020202020204" pitchFamily="34" charset="0"/>
+              <a:buChar char="•"/>
+            </a:pPr>
+            <a:r>
+              <a:rPr lang="en-US" dirty="0">
+                <a:latin typeface="Calibri" panose="020F0502020204030204" pitchFamily="34" charset="0"/>
+                <a:cs typeface="Calibri" panose="020F0502020204030204" pitchFamily="34" charset="0"/>
+              </a:rPr>
+              <a:t>Gradient Based</a:t>
+            </a:r>
+          </a:p>
+          <a:p>
+            <a:pPr marL="285750" indent="-285750">
+              <a:buFont typeface="Arial" panose="020B0604020202020204" pitchFamily="34" charset="0"/>
+              <a:buChar char="•"/>
+            </a:pPr>
+            <a:endParaRPr lang="en-US" dirty="0">
+              <a:latin typeface="Calibri" panose="020F0502020204030204" pitchFamily="34" charset="0"/>
+              <a:cs typeface="Calibri" panose="020F0502020204030204" pitchFamily="34" charset="0"/>
+            </a:endParaRPr>
+          </a:p>
+          <a:p>
+            <a:pPr marL="742950" lvl="1" indent="-285750">
+              <a:buFont typeface="Arial" panose="020B0604020202020204" pitchFamily="34" charset="0"/>
+              <a:buChar char="•"/>
+            </a:pPr>
+            <a:r>
+              <a:rPr lang="en-US" dirty="0">
+                <a:latin typeface="Calibri" panose="020F0502020204030204" pitchFamily="34" charset="0"/>
+                <a:cs typeface="Calibri" panose="020F0502020204030204" pitchFamily="34" charset="0"/>
+              </a:rPr>
+              <a:t>Projections</a:t>
+            </a:r>
+          </a:p>
+          <a:p>
+            <a:pPr marL="1200150" lvl="2" indent="-285750">
+              <a:buFont typeface="Arial" panose="020B0604020202020204" pitchFamily="34" charset="0"/>
+              <a:buChar char="•"/>
+            </a:pPr>
+            <a:endParaRPr lang="en-US" dirty="0">
+              <a:latin typeface="Calibri" panose="020F0502020204030204" pitchFamily="34" charset="0"/>
+              <a:cs typeface="Calibri" panose="020F0502020204030204" pitchFamily="34" charset="0"/>
+            </a:endParaRPr>
+          </a:p>
+          <a:p>
+            <a:pPr marL="285750" indent="-285750">
+              <a:buFont typeface="Arial" panose="020B0604020202020204" pitchFamily="34" charset="0"/>
+              <a:buChar char="•"/>
+            </a:pPr>
+            <a:endParaRPr lang="en-US" dirty="0">
+              <a:latin typeface="Calibri" panose="020F0502020204030204" pitchFamily="34" charset="0"/>
+              <a:cs typeface="Calibri" panose="020F0502020204030204" pitchFamily="34" charset="0"/>
+            </a:endParaRPr>
+          </a:p>
+          <a:p>
+            <a:pPr marL="742950" lvl="1" indent="-285750">
+              <a:buFont typeface="Arial" panose="020B0604020202020204" pitchFamily="34" charset="0"/>
+              <a:buChar char="•"/>
+            </a:pPr>
+            <a:endParaRPr lang="en-US" dirty="0">
+              <a:latin typeface="Calibri" panose="020F0502020204030204" pitchFamily="34" charset="0"/>
+              <a:cs typeface="Calibri" panose="020F0502020204030204" pitchFamily="34" charset="0"/>
+            </a:endParaRPr>
+          </a:p>
+          <a:p>
+            <a:pPr marL="742950" lvl="1" indent="-285750">
+              <a:buFont typeface="Arial" panose="020B0604020202020204" pitchFamily="34" charset="0"/>
+              <a:buChar char="•"/>
+            </a:pPr>
+            <a:endParaRPr lang="en-US" dirty="0">
+              <a:latin typeface="Calibri" panose="020F0502020204030204" pitchFamily="34" charset="0"/>
+              <a:cs typeface="Calibri" panose="020F0502020204030204" pitchFamily="34" charset="0"/>
+            </a:endParaRPr>
+          </a:p>
+          <a:p>
+            <a:pPr marL="742950" lvl="1" indent="-285750">
+              <a:buFont typeface="Arial" panose="020B0604020202020204" pitchFamily="34" charset="0"/>
+              <a:buChar char="•"/>
+            </a:pPr>
+            <a:endParaRPr lang="en-US" dirty="0">
+              <a:latin typeface="Calibri" panose="020F0502020204030204" pitchFamily="34" charset="0"/>
+              <a:cs typeface="Calibri" panose="020F0502020204030204" pitchFamily="34" charset="0"/>
+            </a:endParaRPr>
+          </a:p>
+          <a:p>
+            <a:pPr marL="742950" lvl="1" indent="-285750">
+              <a:buFont typeface="Arial" panose="020B0604020202020204" pitchFamily="34" charset="0"/>
+              <a:buChar char="•"/>
+            </a:pPr>
+            <a:endParaRPr lang="en-US" dirty="0">
+              <a:latin typeface="Calibri" panose="020F0502020204030204" pitchFamily="34" charset="0"/>
+              <a:cs typeface="Calibri" panose="020F0502020204030204" pitchFamily="34" charset="0"/>
+            </a:endParaRPr>
+          </a:p>
+          <a:p>
+            <a:pPr marL="742950" lvl="1" indent="-285750">
+              <a:buFont typeface="Arial" panose="020B0604020202020204" pitchFamily="34" charset="0"/>
+              <a:buChar char="•"/>
+            </a:pPr>
+            <a:endParaRPr lang="en-US" dirty="0">
+              <a:latin typeface="Calibri" panose="020F0502020204030204" pitchFamily="34" charset="0"/>
+              <a:cs typeface="Calibri" panose="020F0502020204030204" pitchFamily="34" charset="0"/>
+            </a:endParaRPr>
+          </a:p>
+          <a:p>
+            <a:pPr marL="742950" lvl="1" indent="-285750">
+              <a:buFont typeface="Arial" panose="020B0604020202020204" pitchFamily="34" charset="0"/>
+              <a:buChar char="•"/>
+            </a:pPr>
+            <a:r>
+              <a:rPr lang="en-US" dirty="0">
+                <a:latin typeface="Calibri" panose="020F0502020204030204" pitchFamily="34" charset="0"/>
+                <a:cs typeface="Calibri" panose="020F0502020204030204" pitchFamily="34" charset="0"/>
+              </a:rPr>
+              <a:t>Convolutional (Filters)</a:t>
+            </a:r>
+          </a:p>
+          <a:p>
+            <a:endParaRPr lang="en-US" dirty="0">
+              <a:latin typeface="Calibri" panose="020F0502020204030204" pitchFamily="34" charset="0"/>
+              <a:cs typeface="Calibri" panose="020F0502020204030204" pitchFamily="34" charset="0"/>
+            </a:endParaRPr>
+          </a:p>
+          <a:p>
+            <a:pPr marL="285750" indent="-285750">
+              <a:buFont typeface="Arial" panose="020B0604020202020204" pitchFamily="34" charset="0"/>
+              <a:buChar char="•"/>
+            </a:pPr>
+            <a:endParaRPr lang="en-US" dirty="0">
+              <a:latin typeface="Calibri" panose="020F0502020204030204" pitchFamily="34" charset="0"/>
+              <a:cs typeface="Calibri" panose="020F0502020204030204" pitchFamily="34" charset="0"/>
+            </a:endParaRPr>
+          </a:p>
+        </p:txBody>
+      </p:sp>
+      <p:pic>
+        <p:nvPicPr>
+          <p:cNvPr id="6" name="Imagem 5">
+            <a:extLst>
+              <a:ext uri="{FF2B5EF4-FFF2-40B4-BE49-F238E27FC236}">
+                <a16:creationId xmlns:a16="http://schemas.microsoft.com/office/drawing/2014/main" id="{9D1CC2F0-0BE7-54E6-9B2D-0FF5BCB3D334}"/>
+              </a:ext>
+            </a:extLst>
+          </p:cNvPr>
+          <p:cNvPicPr>
+            <a:picLocks noChangeAspect="1"/>
+          </p:cNvPicPr>
+          <p:nvPr/>
+        </p:nvPicPr>
+        <p:blipFill>
+          <a:blip r:embed="rId3"/>
+          <a:stretch>
+            <a:fillRect/>
+          </a:stretch>
+        </p:blipFill>
+        <p:spPr>
+          <a:xfrm>
+            <a:off x="1671564" y="4975148"/>
+            <a:ext cx="6518383" cy="1683501"/>
+          </a:xfrm>
+          <a:prstGeom prst="rect">
+            <a:avLst/>
+          </a:prstGeom>
+        </p:spPr>
+      </p:pic>
+      <p:pic>
+        <p:nvPicPr>
+          <p:cNvPr id="8" name="Imagem 7">
+            <a:extLst>
+              <a:ext uri="{FF2B5EF4-FFF2-40B4-BE49-F238E27FC236}">
+                <a16:creationId xmlns:a16="http://schemas.microsoft.com/office/drawing/2014/main" id="{DD34C583-5B9D-3C72-ADF1-65A4120EFA44}"/>
+              </a:ext>
+            </a:extLst>
+          </p:cNvPr>
+          <p:cNvPicPr>
+            <a:picLocks noChangeAspect="1"/>
+          </p:cNvPicPr>
+          <p:nvPr/>
+        </p:nvPicPr>
+        <p:blipFill>
+          <a:blip r:embed="rId4"/>
+          <a:stretch>
+            <a:fillRect/>
+          </a:stretch>
+        </p:blipFill>
+        <p:spPr>
+          <a:xfrm>
+            <a:off x="1671564" y="2608925"/>
+            <a:ext cx="6479616" cy="1752089"/>
+          </a:xfrm>
+          <a:prstGeom prst="rect">
+            <a:avLst/>
+          </a:prstGeom>
+        </p:spPr>
+      </p:pic>
+    </p:spTree>
+    <p:extLst>
+      <p:ext uri="{BB962C8B-B14F-4D97-AF65-F5344CB8AC3E}">
+        <p14:creationId xmlns:p14="http://schemas.microsoft.com/office/powerpoint/2010/main" val="921494221"/>
+      </p:ext>
+    </p:extLst>
+  </p:cSld>
+  <p:clrMapOvr>
+    <a:masterClrMapping/>
+  </p:clrMapOvr>
+  <p:timing>
+    <p:tnLst>
+      <p:par>
+        <p:cTn id="1" dur="indefinite" restart="never" nodeType="tmRoot">
+          <p:childTnLst>
+            <p:seq>
+              <p:cTn id="2" dur="indefinite" nodeType="mainSeq"/>
+              <p:prevCondLst>
+                <p:cond evt="onPrev" delay="0">
+                  <p:tgtEl>
+                    <p:sldTgt/>
+                  </p:tgtEl>
+                </p:cond>
+              </p:prevCondLst>
+              <p:nextCondLst>
+                <p:cond evt="onNext" delay="0">
+                  <p:tgtEl>
+                    <p:sldTgt/>
+                  </p:tgtEl>
+                </p:cond>
+              </p:nextCondLst>
+            </p:seq>
+          </p:childTnLst>
+        </p:cTn>
+      </p:par>
+    </p:tnLst>
+  </p:timing>
+</p:sld>
+</file>
+
+<file path=ppt/slides/slide6.xml><?xml version="1.0" encoding="utf-8"?>
+<p:sld xmlns:a="http://schemas.openxmlformats.org/drawingml/2006/main" xmlns:r="http://schemas.openxmlformats.org/officeDocument/2006/relationships" xmlns:p="http://schemas.openxmlformats.org/presentationml/2006/main">
+  <p:cSld>
+    <p:spTree>
+      <p:nvGrpSpPr>
+        <p:cNvPr id="1" name=""/>
+        <p:cNvGrpSpPr/>
+        <p:nvPr/>
+      </p:nvGrpSpPr>
+      <p:grpSpPr>
+        <a:xfrm>
+          <a:off x="0" y="0"/>
+          <a:ext cx="0" cy="0"/>
+          <a:chOff x="0" y="0"/>
+          <a:chExt cx="0" cy="0"/>
+        </a:xfrm>
+      </p:grpSpPr>
+      <p:sp>
+        <p:nvSpPr>
+          <p:cNvPr id="99" name="CustomShape 1"/>
+          <p:cNvSpPr/>
+          <p:nvPr/>
+        </p:nvSpPr>
+        <p:spPr>
+          <a:xfrm>
+            <a:off x="360000" y="360000"/>
+            <a:ext cx="9356400" cy="896400"/>
+          </a:xfrm>
+          <a:prstGeom prst="rect">
+            <a:avLst/>
+          </a:prstGeom>
+          <a:noFill/>
+          <a:ln>
+            <a:noFill/>
+          </a:ln>
+        </p:spPr>
+        <p:style>
+          <a:lnRef idx="0">
+            <a:scrgbClr r="0" g="0" b="0"/>
+          </a:lnRef>
+          <a:fillRef idx="0">
+            <a:scrgbClr r="0" g="0" b="0"/>
+          </a:fillRef>
+          <a:effectRef idx="0">
+            <a:scrgbClr r="0" g="0" b="0"/>
+          </a:effectRef>
+          <a:fontRef idx="minor"/>
+        </p:style>
+        <p:txBody>
+          <a:bodyPr lIns="0" tIns="0" rIns="0" bIns="0" anchor="b"/>
+          <a:lstStyle/>
+          <a:p>
+            <a:r>
+              <a:rPr lang="en-US" sz="3200" b="1" spc="-1" dirty="0">
+                <a:solidFill>
+                  <a:srgbClr val="FFFFFF"/>
+                </a:solidFill>
+                <a:latin typeface="Latin Modern Sans"/>
+              </a:rPr>
+              <a:t>Image Descriptors – Shape / Edges</a:t>
+            </a:r>
+            <a:endParaRPr lang="en-US" sz="3200" b="0" strike="noStrike" spc="-1" dirty="0">
+              <a:latin typeface="Arial"/>
+            </a:endParaRPr>
+          </a:p>
+        </p:txBody>
+      </p:sp>
+      <p:sp>
+        <p:nvSpPr>
+          <p:cNvPr id="9" name="CustomShape 2">
+            <a:extLst>
+              <a:ext uri="{FF2B5EF4-FFF2-40B4-BE49-F238E27FC236}">
+                <a16:creationId xmlns:a16="http://schemas.microsoft.com/office/drawing/2014/main" id="{7D27D924-BAD9-59EB-0956-442C5E618C62}"/>
+              </a:ext>
+            </a:extLst>
+          </p:cNvPr>
+          <p:cNvSpPr/>
+          <p:nvPr/>
+        </p:nvSpPr>
+        <p:spPr>
+          <a:xfrm>
+            <a:off x="897120" y="6886080"/>
+            <a:ext cx="6443640" cy="361440"/>
+          </a:xfrm>
+          <a:prstGeom prst="rect">
+            <a:avLst/>
+          </a:prstGeom>
+          <a:noFill/>
+          <a:ln>
+            <a:noFill/>
+          </a:ln>
+        </p:spPr>
+        <p:style>
+          <a:lnRef idx="0">
+            <a:scrgbClr r="0" g="0" b="0"/>
+          </a:lnRef>
+          <a:fillRef idx="0">
+            <a:scrgbClr r="0" g="0" b="0"/>
+          </a:fillRef>
+          <a:effectRef idx="0">
+            <a:scrgbClr r="0" g="0" b="0"/>
+          </a:effectRef>
+          <a:fontRef idx="minor"/>
+        </p:style>
+        <p:txBody>
+          <a:bodyPr lIns="90000" tIns="45000" rIns="90000" bIns="45000"/>
+          <a:lstStyle/>
+          <a:p>
+            <a:pPr>
+              <a:lnSpc>
+                <a:spcPct val="100000"/>
+              </a:lnSpc>
+            </a:pPr>
+            <a:r>
+              <a:rPr lang="pt-BR" sz="1800" b="0" strike="noStrike" spc="-1" dirty="0">
+                <a:solidFill>
+                  <a:srgbClr val="000000"/>
+                </a:solidFill>
+                <a:latin typeface="Arial"/>
+                <a:ea typeface="DejaVu Sans"/>
+              </a:rPr>
+              <a:t>Computer Vision - Prof. André Hochuli</a:t>
+            </a:r>
+            <a:endParaRPr lang="pt-BR" sz="1800" b="0" strike="noStrike" spc="-1" dirty="0">
+              <a:latin typeface="Arial"/>
+            </a:endParaRPr>
+          </a:p>
+        </p:txBody>
+      </p:sp>
+      <p:sp>
+        <p:nvSpPr>
+          <p:cNvPr id="10" name="CustomShape 3">
+            <a:extLst>
+              <a:ext uri="{FF2B5EF4-FFF2-40B4-BE49-F238E27FC236}">
+                <a16:creationId xmlns:a16="http://schemas.microsoft.com/office/drawing/2014/main" id="{78C456B9-B5EA-AE0A-55ED-2B32CE41C07D}"/>
+              </a:ext>
+            </a:extLst>
+          </p:cNvPr>
+          <p:cNvSpPr/>
+          <p:nvPr/>
+        </p:nvSpPr>
+        <p:spPr>
+          <a:xfrm>
+            <a:off x="7608600" y="6886080"/>
+            <a:ext cx="2281680" cy="361440"/>
+          </a:xfrm>
+          <a:prstGeom prst="rect">
+            <a:avLst/>
+          </a:prstGeom>
+          <a:noFill/>
+          <a:ln>
+            <a:noFill/>
+          </a:ln>
+        </p:spPr>
+        <p:style>
+          <a:lnRef idx="0">
+            <a:scrgbClr r="0" g="0" b="0"/>
+          </a:lnRef>
+          <a:fillRef idx="0">
+            <a:scrgbClr r="0" g="0" b="0"/>
+          </a:fillRef>
+          <a:effectRef idx="0">
+            <a:scrgbClr r="0" g="0" b="0"/>
+          </a:effectRef>
+          <a:fontRef idx="minor"/>
+        </p:style>
+        <p:txBody>
+          <a:bodyPr lIns="90000" tIns="45000" rIns="90000" bIns="45000"/>
+          <a:lstStyle/>
+          <a:p>
+            <a:pPr>
+              <a:lnSpc>
+                <a:spcPct val="100000"/>
+              </a:lnSpc>
+            </a:pPr>
+            <a:r>
+              <a:rPr lang="en-US" sz="1800" b="0" strike="noStrike" spc="-1" dirty="0">
+                <a:solidFill>
+                  <a:srgbClr val="000000"/>
+                </a:solidFill>
+                <a:latin typeface="Arial"/>
+                <a:ea typeface="DejaVu Sans"/>
+              </a:rPr>
+              <a:t>Lecture</a:t>
+            </a:r>
+            <a:r>
+              <a:rPr lang="pt-BR" sz="1800" b="0" strike="noStrike" spc="-1" dirty="0">
+                <a:solidFill>
+                  <a:srgbClr val="000000"/>
+                </a:solidFill>
+                <a:latin typeface="Arial"/>
+                <a:ea typeface="DejaVu Sans"/>
+              </a:rPr>
+              <a:t> </a:t>
+            </a:r>
+            <a:r>
+              <a:rPr lang="pt-BR" spc="-1" dirty="0">
+                <a:solidFill>
+                  <a:srgbClr val="000000"/>
+                </a:solidFill>
+                <a:latin typeface="Arial"/>
+                <a:ea typeface="DejaVu Sans"/>
+              </a:rPr>
+              <a:t>06</a:t>
+            </a:r>
+            <a:endParaRPr lang="pt-BR" sz="1800" b="0" strike="noStrike" spc="-1" dirty="0">
+              <a:latin typeface="Arial"/>
+            </a:endParaRPr>
+          </a:p>
+        </p:txBody>
+      </p:sp>
+      <p:sp>
+        <p:nvSpPr>
+          <p:cNvPr id="2" name="CaixaDeTexto 1">
+            <a:extLst>
+              <a:ext uri="{FF2B5EF4-FFF2-40B4-BE49-F238E27FC236}">
+                <a16:creationId xmlns:a16="http://schemas.microsoft.com/office/drawing/2014/main" id="{D744B707-1B4A-5A5F-CC17-5C9D8382FBD9}"/>
+              </a:ext>
+            </a:extLst>
+          </p:cNvPr>
+          <p:cNvSpPr txBox="1"/>
+          <p:nvPr/>
+        </p:nvSpPr>
+        <p:spPr>
+          <a:xfrm>
+            <a:off x="200025" y="1689990"/>
+            <a:ext cx="9516375" cy="3693319"/>
+          </a:xfrm>
+          <a:prstGeom prst="rect">
+            <a:avLst/>
+          </a:prstGeom>
+          <a:noFill/>
+        </p:spPr>
+        <p:txBody>
+          <a:bodyPr wrap="square" rtlCol="0">
+            <a:spAutoFit/>
+          </a:bodyPr>
+          <a:lstStyle/>
+          <a:p>
+            <a:pPr marL="285750" indent="-285750">
+              <a:buFont typeface="Arial" panose="020B0604020202020204" pitchFamily="34" charset="0"/>
+              <a:buChar char="•"/>
+            </a:pPr>
+            <a:r>
+              <a:rPr lang="en-US" dirty="0">
+                <a:latin typeface="Calibri" panose="020F0502020204030204" pitchFamily="34" charset="0"/>
+                <a:cs typeface="Calibri" panose="020F0502020204030204" pitchFamily="34" charset="0"/>
+              </a:rPr>
+              <a:t>Gradient Based</a:t>
+            </a:r>
+          </a:p>
+          <a:p>
+            <a:pPr marL="285750" indent="-285750">
+              <a:buFont typeface="Arial" panose="020B0604020202020204" pitchFamily="34" charset="0"/>
+              <a:buChar char="•"/>
+            </a:pPr>
+            <a:endParaRPr lang="en-US" dirty="0">
+              <a:latin typeface="Calibri" panose="020F0502020204030204" pitchFamily="34" charset="0"/>
+              <a:cs typeface="Calibri" panose="020F0502020204030204" pitchFamily="34" charset="0"/>
+            </a:endParaRPr>
+          </a:p>
+          <a:p>
+            <a:pPr marL="742950" lvl="1" indent="-285750">
+              <a:buFont typeface="Arial" panose="020B0604020202020204" pitchFamily="34" charset="0"/>
+              <a:buChar char="•"/>
+            </a:pPr>
+            <a:r>
+              <a:rPr lang="en-US" dirty="0">
+                <a:latin typeface="Calibri" panose="020F0502020204030204" pitchFamily="34" charset="0"/>
+                <a:cs typeface="Calibri" panose="020F0502020204030204" pitchFamily="34" charset="0"/>
+              </a:rPr>
+              <a:t>Projections</a:t>
+            </a:r>
+          </a:p>
+          <a:p>
+            <a:pPr marL="1200150" lvl="2" indent="-285750">
+              <a:buFont typeface="Arial" panose="020B0604020202020204" pitchFamily="34" charset="0"/>
+              <a:buChar char="•"/>
+            </a:pPr>
+            <a:endParaRPr lang="en-US" dirty="0">
+              <a:latin typeface="Calibri" panose="020F0502020204030204" pitchFamily="34" charset="0"/>
+              <a:cs typeface="Calibri" panose="020F0502020204030204" pitchFamily="34" charset="0"/>
+            </a:endParaRPr>
+          </a:p>
+          <a:p>
+            <a:pPr marL="285750" indent="-285750">
+              <a:buFont typeface="Arial" panose="020B0604020202020204" pitchFamily="34" charset="0"/>
+              <a:buChar char="•"/>
+            </a:pPr>
+            <a:endParaRPr lang="en-US" dirty="0">
+              <a:latin typeface="Calibri" panose="020F0502020204030204" pitchFamily="34" charset="0"/>
+              <a:cs typeface="Calibri" panose="020F0502020204030204" pitchFamily="34" charset="0"/>
+            </a:endParaRPr>
+          </a:p>
+          <a:p>
+            <a:pPr marL="742950" lvl="1" indent="-285750">
+              <a:buFont typeface="Arial" panose="020B0604020202020204" pitchFamily="34" charset="0"/>
+              <a:buChar char="•"/>
+            </a:pPr>
+            <a:endParaRPr lang="en-US" dirty="0">
+              <a:latin typeface="Calibri" panose="020F0502020204030204" pitchFamily="34" charset="0"/>
+              <a:cs typeface="Calibri" panose="020F0502020204030204" pitchFamily="34" charset="0"/>
+            </a:endParaRPr>
+          </a:p>
+          <a:p>
+            <a:pPr marL="742950" lvl="1" indent="-285750">
+              <a:buFont typeface="Arial" panose="020B0604020202020204" pitchFamily="34" charset="0"/>
+              <a:buChar char="•"/>
+            </a:pPr>
+            <a:endParaRPr lang="en-US" dirty="0">
+              <a:latin typeface="Calibri" panose="020F0502020204030204" pitchFamily="34" charset="0"/>
+              <a:cs typeface="Calibri" panose="020F0502020204030204" pitchFamily="34" charset="0"/>
+            </a:endParaRPr>
+          </a:p>
+          <a:p>
+            <a:pPr marL="742950" lvl="1" indent="-285750">
+              <a:buFont typeface="Arial" panose="020B0604020202020204" pitchFamily="34" charset="0"/>
+              <a:buChar char="•"/>
+            </a:pPr>
+            <a:endParaRPr lang="en-US" dirty="0">
+              <a:latin typeface="Calibri" panose="020F0502020204030204" pitchFamily="34" charset="0"/>
+              <a:cs typeface="Calibri" panose="020F0502020204030204" pitchFamily="34" charset="0"/>
+            </a:endParaRPr>
+          </a:p>
+          <a:p>
+            <a:pPr marL="742950" lvl="1" indent="-285750">
+              <a:buFont typeface="Arial" panose="020B0604020202020204" pitchFamily="34" charset="0"/>
+              <a:buChar char="•"/>
+            </a:pPr>
+            <a:endParaRPr lang="en-US" dirty="0">
+              <a:latin typeface="Calibri" panose="020F0502020204030204" pitchFamily="34" charset="0"/>
+              <a:cs typeface="Calibri" panose="020F0502020204030204" pitchFamily="34" charset="0"/>
+            </a:endParaRPr>
+          </a:p>
+          <a:p>
+            <a:pPr marL="742950" lvl="1" indent="-285750">
+              <a:buFont typeface="Arial" panose="020B0604020202020204" pitchFamily="34" charset="0"/>
+              <a:buChar char="•"/>
+            </a:pPr>
+            <a:endParaRPr lang="en-US" dirty="0">
+              <a:latin typeface="Calibri" panose="020F0502020204030204" pitchFamily="34" charset="0"/>
+              <a:cs typeface="Calibri" panose="020F0502020204030204" pitchFamily="34" charset="0"/>
+            </a:endParaRPr>
+          </a:p>
+          <a:p>
+            <a:pPr marL="742950" lvl="1" indent="-285750">
+              <a:buFont typeface="Arial" panose="020B0604020202020204" pitchFamily="34" charset="0"/>
+              <a:buChar char="•"/>
+            </a:pPr>
+            <a:r>
+              <a:rPr lang="en-US" dirty="0">
+                <a:latin typeface="Calibri" panose="020F0502020204030204" pitchFamily="34" charset="0"/>
+                <a:cs typeface="Calibri" panose="020F0502020204030204" pitchFamily="34" charset="0"/>
+              </a:rPr>
+              <a:t>Convolutional (Filters)</a:t>
+            </a:r>
+          </a:p>
+          <a:p>
+            <a:endParaRPr lang="en-US" dirty="0">
+              <a:latin typeface="Calibri" panose="020F0502020204030204" pitchFamily="34" charset="0"/>
+              <a:cs typeface="Calibri" panose="020F0502020204030204" pitchFamily="34" charset="0"/>
+            </a:endParaRPr>
+          </a:p>
+          <a:p>
+            <a:pPr marL="285750" indent="-285750">
+              <a:buFont typeface="Arial" panose="020B0604020202020204" pitchFamily="34" charset="0"/>
+              <a:buChar char="•"/>
+            </a:pPr>
+            <a:endParaRPr lang="en-US" dirty="0">
+              <a:latin typeface="Calibri" panose="020F0502020204030204" pitchFamily="34" charset="0"/>
+              <a:cs typeface="Calibri" panose="020F0502020204030204" pitchFamily="34" charset="0"/>
+            </a:endParaRPr>
+          </a:p>
+        </p:txBody>
+      </p:sp>
+      <p:pic>
+        <p:nvPicPr>
+          <p:cNvPr id="6" name="Imagem 5">
+            <a:extLst>
+              <a:ext uri="{FF2B5EF4-FFF2-40B4-BE49-F238E27FC236}">
+                <a16:creationId xmlns:a16="http://schemas.microsoft.com/office/drawing/2014/main" id="{9D1CC2F0-0BE7-54E6-9B2D-0FF5BCB3D334}"/>
+              </a:ext>
+            </a:extLst>
+          </p:cNvPr>
+          <p:cNvPicPr>
+            <a:picLocks noChangeAspect="1"/>
+          </p:cNvPicPr>
+          <p:nvPr/>
+        </p:nvPicPr>
+        <p:blipFill>
+          <a:blip r:embed="rId3"/>
+          <a:stretch>
+            <a:fillRect/>
+          </a:stretch>
+        </p:blipFill>
+        <p:spPr>
+          <a:xfrm>
+            <a:off x="1671564" y="4975148"/>
+            <a:ext cx="6518383" cy="1683501"/>
+          </a:xfrm>
+          <a:prstGeom prst="rect">
+            <a:avLst/>
+          </a:prstGeom>
+        </p:spPr>
+      </p:pic>
+      <p:pic>
+        <p:nvPicPr>
+          <p:cNvPr id="8" name="Imagem 7">
+            <a:extLst>
+              <a:ext uri="{FF2B5EF4-FFF2-40B4-BE49-F238E27FC236}">
+                <a16:creationId xmlns:a16="http://schemas.microsoft.com/office/drawing/2014/main" id="{DD34C583-5B9D-3C72-ADF1-65A4120EFA44}"/>
+              </a:ext>
+            </a:extLst>
+          </p:cNvPr>
+          <p:cNvPicPr>
+            <a:picLocks noChangeAspect="1"/>
+          </p:cNvPicPr>
+          <p:nvPr/>
+        </p:nvPicPr>
+        <p:blipFill>
+          <a:blip r:embed="rId4"/>
+          <a:stretch>
+            <a:fillRect/>
+          </a:stretch>
+        </p:blipFill>
+        <p:spPr>
+          <a:xfrm>
+            <a:off x="1671564" y="2608925"/>
+            <a:ext cx="6479616" cy="1752089"/>
+          </a:xfrm>
+          <a:prstGeom prst="rect">
+            <a:avLst/>
+          </a:prstGeom>
+        </p:spPr>
+      </p:pic>
+    </p:spTree>
+    <p:extLst>
+      <p:ext uri="{BB962C8B-B14F-4D97-AF65-F5344CB8AC3E}">
+        <p14:creationId xmlns:p14="http://schemas.microsoft.com/office/powerpoint/2010/main" val="2427832481"/>
+      </p:ext>
+    </p:extLst>
+  </p:cSld>
+  <p:clrMapOvr>
+    <a:masterClrMapping/>
+  </p:clrMapOvr>
+  <p:timing>
+    <p:tnLst>
+      <p:par>
+        <p:cTn id="1" dur="indefinite" restart="never" nodeType="tmRoot">
+          <p:childTnLst>
+            <p:seq>
+              <p:cTn id="2" dur="indefinite" nodeType="mainSeq"/>
+              <p:prevCondLst>
+                <p:cond evt="onPrev" delay="0">
+                  <p:tgtEl>
+                    <p:sldTgt/>
+                  </p:tgtEl>
+                </p:cond>
+              </p:prevCondLst>
+              <p:nextCondLst>
+                <p:cond evt="onNext" delay="0">
+                  <p:tgtEl>
+                    <p:sldTgt/>
+                  </p:tgtEl>
+                </p:cond>
+              </p:nextCondLst>
+            </p:seq>
+          </p:childTnLst>
+        </p:cTn>
+      </p:par>
+    </p:tnLst>
+  </p:timing>
+</p:sld>
+</file>
+
+<file path=ppt/slides/slide7.xml><?xml version="1.0" encoding="utf-8"?>
+<p:sld xmlns:a="http://schemas.openxmlformats.org/drawingml/2006/main" xmlns:r="http://schemas.openxmlformats.org/officeDocument/2006/relationships" xmlns:p="http://schemas.openxmlformats.org/presentationml/2006/main">
+  <p:cSld>
+    <p:spTree>
+      <p:nvGrpSpPr>
+        <p:cNvPr id="1" name=""/>
+        <p:cNvGrpSpPr/>
+        <p:nvPr/>
+      </p:nvGrpSpPr>
+      <p:grpSpPr>
+        <a:xfrm>
+          <a:off x="0" y="0"/>
+          <a:ext cx="0" cy="0"/>
+          <a:chOff x="0" y="0"/>
+          <a:chExt cx="0" cy="0"/>
+        </a:xfrm>
+      </p:grpSpPr>
+      <p:sp>
+        <p:nvSpPr>
+          <p:cNvPr id="99" name="CustomShape 1"/>
+          <p:cNvSpPr/>
+          <p:nvPr/>
+        </p:nvSpPr>
+        <p:spPr>
+          <a:xfrm>
+            <a:off x="360000" y="360000"/>
+            <a:ext cx="9356400" cy="896400"/>
+          </a:xfrm>
+          <a:prstGeom prst="rect">
+            <a:avLst/>
+          </a:prstGeom>
+          <a:noFill/>
+          <a:ln>
+            <a:noFill/>
+          </a:ln>
+        </p:spPr>
+        <p:style>
+          <a:lnRef idx="0">
+            <a:scrgbClr r="0" g="0" b="0"/>
+          </a:lnRef>
+          <a:fillRef idx="0">
+            <a:scrgbClr r="0" g="0" b="0"/>
+          </a:fillRef>
+          <a:effectRef idx="0">
+            <a:scrgbClr r="0" g="0" b="0"/>
+          </a:effectRef>
+          <a:fontRef idx="minor"/>
+        </p:style>
+        <p:txBody>
+          <a:bodyPr lIns="0" tIns="0" rIns="0" bIns="0" anchor="b"/>
+          <a:lstStyle/>
+          <a:p>
+            <a:r>
+              <a:rPr lang="en-US" sz="3200" b="1" spc="-1" dirty="0">
+                <a:solidFill>
+                  <a:srgbClr val="FFFFFF"/>
+                </a:solidFill>
+                <a:latin typeface="Latin Modern Sans"/>
+              </a:rPr>
+              <a:t>Image Descriptors – Shape / Edges</a:t>
+            </a:r>
+            <a:endParaRPr lang="en-US" sz="3200" b="0" strike="noStrike" spc="-1" dirty="0">
+              <a:latin typeface="Arial"/>
+            </a:endParaRPr>
+          </a:p>
+        </p:txBody>
+      </p:sp>
+      <p:sp>
+        <p:nvSpPr>
+          <p:cNvPr id="9" name="CustomShape 2">
+            <a:extLst>
+              <a:ext uri="{FF2B5EF4-FFF2-40B4-BE49-F238E27FC236}">
+                <a16:creationId xmlns:a16="http://schemas.microsoft.com/office/drawing/2014/main" id="{7D27D924-BAD9-59EB-0956-442C5E618C62}"/>
+              </a:ext>
+            </a:extLst>
+          </p:cNvPr>
+          <p:cNvSpPr/>
+          <p:nvPr/>
+        </p:nvSpPr>
+        <p:spPr>
+          <a:xfrm>
+            <a:off x="897120" y="6886080"/>
+            <a:ext cx="6443640" cy="361440"/>
+          </a:xfrm>
+          <a:prstGeom prst="rect">
+            <a:avLst/>
+          </a:prstGeom>
+          <a:noFill/>
+          <a:ln>
+            <a:noFill/>
+          </a:ln>
+        </p:spPr>
+        <p:style>
+          <a:lnRef idx="0">
+            <a:scrgbClr r="0" g="0" b="0"/>
+          </a:lnRef>
+          <a:fillRef idx="0">
+            <a:scrgbClr r="0" g="0" b="0"/>
+          </a:fillRef>
+          <a:effectRef idx="0">
+            <a:scrgbClr r="0" g="0" b="0"/>
+          </a:effectRef>
+          <a:fontRef idx="minor"/>
+        </p:style>
+        <p:txBody>
+          <a:bodyPr lIns="90000" tIns="45000" rIns="90000" bIns="45000"/>
+          <a:lstStyle/>
+          <a:p>
+            <a:pPr>
+              <a:lnSpc>
+                <a:spcPct val="100000"/>
+              </a:lnSpc>
+            </a:pPr>
+            <a:r>
+              <a:rPr lang="pt-BR" sz="1800" b="0" strike="noStrike" spc="-1" dirty="0">
+                <a:solidFill>
+                  <a:srgbClr val="000000"/>
+                </a:solidFill>
+                <a:latin typeface="Arial"/>
+                <a:ea typeface="DejaVu Sans"/>
+              </a:rPr>
+              <a:t>Computer Vision - Prof. André Hochuli</a:t>
+            </a:r>
+            <a:endParaRPr lang="pt-BR" sz="1800" b="0" strike="noStrike" spc="-1" dirty="0">
+              <a:latin typeface="Arial"/>
+            </a:endParaRPr>
+          </a:p>
+        </p:txBody>
+      </p:sp>
+      <p:sp>
+        <p:nvSpPr>
+          <p:cNvPr id="10" name="CustomShape 3">
+            <a:extLst>
+              <a:ext uri="{FF2B5EF4-FFF2-40B4-BE49-F238E27FC236}">
+                <a16:creationId xmlns:a16="http://schemas.microsoft.com/office/drawing/2014/main" id="{78C456B9-B5EA-AE0A-55ED-2B32CE41C07D}"/>
+              </a:ext>
+            </a:extLst>
+          </p:cNvPr>
+          <p:cNvSpPr/>
+          <p:nvPr/>
+        </p:nvSpPr>
+        <p:spPr>
+          <a:xfrm>
+            <a:off x="7608600" y="6886080"/>
+            <a:ext cx="2281680" cy="361440"/>
+          </a:xfrm>
+          <a:prstGeom prst="rect">
+            <a:avLst/>
+          </a:prstGeom>
+          <a:noFill/>
+          <a:ln>
+            <a:noFill/>
+          </a:ln>
+        </p:spPr>
+        <p:style>
+          <a:lnRef idx="0">
+            <a:scrgbClr r="0" g="0" b="0"/>
+          </a:lnRef>
+          <a:fillRef idx="0">
+            <a:scrgbClr r="0" g="0" b="0"/>
+          </a:fillRef>
+          <a:effectRef idx="0">
+            <a:scrgbClr r="0" g="0" b="0"/>
+          </a:effectRef>
+          <a:fontRef idx="minor"/>
+        </p:style>
+        <p:txBody>
+          <a:bodyPr lIns="90000" tIns="45000" rIns="90000" bIns="45000"/>
+          <a:lstStyle/>
+          <a:p>
+            <a:pPr>
+              <a:lnSpc>
+                <a:spcPct val="100000"/>
+              </a:lnSpc>
+            </a:pPr>
+            <a:r>
+              <a:rPr lang="en-US" sz="1800" b="0" strike="noStrike" spc="-1" dirty="0">
+                <a:solidFill>
+                  <a:srgbClr val="000000"/>
+                </a:solidFill>
+                <a:latin typeface="Arial"/>
+                <a:ea typeface="DejaVu Sans"/>
+              </a:rPr>
+              <a:t>Lecture</a:t>
+            </a:r>
+            <a:r>
+              <a:rPr lang="pt-BR" sz="1800" b="0" strike="noStrike" spc="-1" dirty="0">
+                <a:solidFill>
+                  <a:srgbClr val="000000"/>
+                </a:solidFill>
+                <a:latin typeface="Arial"/>
+                <a:ea typeface="DejaVu Sans"/>
+              </a:rPr>
+              <a:t> </a:t>
+            </a:r>
+            <a:r>
+              <a:rPr lang="pt-BR" spc="-1" dirty="0">
+                <a:solidFill>
+                  <a:srgbClr val="000000"/>
+                </a:solidFill>
+                <a:latin typeface="Arial"/>
+                <a:ea typeface="DejaVu Sans"/>
+              </a:rPr>
+              <a:t>06</a:t>
+            </a:r>
+            <a:endParaRPr lang="pt-BR" sz="1800" b="0" strike="noStrike" spc="-1" dirty="0">
+              <a:latin typeface="Arial"/>
+            </a:endParaRPr>
+          </a:p>
+        </p:txBody>
+      </p:sp>
+      <p:sp>
+        <p:nvSpPr>
+          <p:cNvPr id="2" name="CaixaDeTexto 1">
+            <a:extLst>
+              <a:ext uri="{FF2B5EF4-FFF2-40B4-BE49-F238E27FC236}">
+                <a16:creationId xmlns:a16="http://schemas.microsoft.com/office/drawing/2014/main" id="{D744B707-1B4A-5A5F-CC17-5C9D8382FBD9}"/>
+              </a:ext>
+            </a:extLst>
+          </p:cNvPr>
+          <p:cNvSpPr txBox="1"/>
+          <p:nvPr/>
+        </p:nvSpPr>
+        <p:spPr>
+          <a:xfrm>
+            <a:off x="200025" y="1689990"/>
+            <a:ext cx="9516375" cy="3693319"/>
+          </a:xfrm>
+          <a:prstGeom prst="rect">
+            <a:avLst/>
+          </a:prstGeom>
+          <a:noFill/>
+        </p:spPr>
+        <p:txBody>
+          <a:bodyPr wrap="square" rtlCol="0">
+            <a:spAutoFit/>
+          </a:bodyPr>
+          <a:lstStyle/>
+          <a:p>
+            <a:pPr marL="285750" indent="-285750">
+              <a:buFont typeface="Arial" panose="020B0604020202020204" pitchFamily="34" charset="0"/>
+              <a:buChar char="•"/>
+            </a:pPr>
+            <a:r>
+              <a:rPr lang="en-US" dirty="0">
+                <a:latin typeface="Calibri" panose="020F0502020204030204" pitchFamily="34" charset="0"/>
+                <a:cs typeface="Calibri" panose="020F0502020204030204" pitchFamily="34" charset="0"/>
+              </a:rPr>
+              <a:t>Gradient Based</a:t>
+            </a:r>
+          </a:p>
+          <a:p>
+            <a:pPr marL="285750" indent="-285750">
+              <a:buFont typeface="Arial" panose="020B0604020202020204" pitchFamily="34" charset="0"/>
+              <a:buChar char="•"/>
+            </a:pPr>
+            <a:endParaRPr lang="en-US" dirty="0">
+              <a:latin typeface="Calibri" panose="020F0502020204030204" pitchFamily="34" charset="0"/>
+              <a:cs typeface="Calibri" panose="020F0502020204030204" pitchFamily="34" charset="0"/>
+            </a:endParaRPr>
+          </a:p>
+          <a:p>
+            <a:pPr marL="742950" lvl="1" indent="-285750">
+              <a:buFont typeface="Arial" panose="020B0604020202020204" pitchFamily="34" charset="0"/>
+              <a:buChar char="•"/>
+            </a:pPr>
+            <a:r>
+              <a:rPr lang="en-US" dirty="0">
+                <a:latin typeface="Calibri" panose="020F0502020204030204" pitchFamily="34" charset="0"/>
+                <a:cs typeface="Calibri" panose="020F0502020204030204" pitchFamily="34" charset="0"/>
+              </a:rPr>
+              <a:t>Projections</a:t>
+            </a:r>
+          </a:p>
+          <a:p>
+            <a:pPr marL="1200150" lvl="2" indent="-285750">
+              <a:buFont typeface="Arial" panose="020B0604020202020204" pitchFamily="34" charset="0"/>
+              <a:buChar char="•"/>
+            </a:pPr>
+            <a:endParaRPr lang="en-US" dirty="0">
+              <a:latin typeface="Calibri" panose="020F0502020204030204" pitchFamily="34" charset="0"/>
+              <a:cs typeface="Calibri" panose="020F0502020204030204" pitchFamily="34" charset="0"/>
+            </a:endParaRPr>
+          </a:p>
+          <a:p>
+            <a:pPr marL="285750" indent="-285750">
+              <a:buFont typeface="Arial" panose="020B0604020202020204" pitchFamily="34" charset="0"/>
+              <a:buChar char="•"/>
+            </a:pPr>
+            <a:endParaRPr lang="en-US" dirty="0">
+              <a:latin typeface="Calibri" panose="020F0502020204030204" pitchFamily="34" charset="0"/>
+              <a:cs typeface="Calibri" panose="020F0502020204030204" pitchFamily="34" charset="0"/>
+            </a:endParaRPr>
+          </a:p>
+          <a:p>
+            <a:pPr marL="742950" lvl="1" indent="-285750">
+              <a:buFont typeface="Arial" panose="020B0604020202020204" pitchFamily="34" charset="0"/>
+              <a:buChar char="•"/>
+            </a:pPr>
+            <a:endParaRPr lang="en-US" dirty="0">
+              <a:latin typeface="Calibri" panose="020F0502020204030204" pitchFamily="34" charset="0"/>
+              <a:cs typeface="Calibri" panose="020F0502020204030204" pitchFamily="34" charset="0"/>
+            </a:endParaRPr>
+          </a:p>
+          <a:p>
+            <a:pPr marL="742950" lvl="1" indent="-285750">
+              <a:buFont typeface="Arial" panose="020B0604020202020204" pitchFamily="34" charset="0"/>
+              <a:buChar char="•"/>
+            </a:pPr>
+            <a:endParaRPr lang="en-US" dirty="0">
+              <a:latin typeface="Calibri" panose="020F0502020204030204" pitchFamily="34" charset="0"/>
+              <a:cs typeface="Calibri" panose="020F0502020204030204" pitchFamily="34" charset="0"/>
+            </a:endParaRPr>
+          </a:p>
+          <a:p>
+            <a:pPr marL="742950" lvl="1" indent="-285750">
+              <a:buFont typeface="Arial" panose="020B0604020202020204" pitchFamily="34" charset="0"/>
+              <a:buChar char="•"/>
+            </a:pPr>
+            <a:endParaRPr lang="en-US" dirty="0">
+              <a:latin typeface="Calibri" panose="020F0502020204030204" pitchFamily="34" charset="0"/>
+              <a:cs typeface="Calibri" panose="020F0502020204030204" pitchFamily="34" charset="0"/>
+            </a:endParaRPr>
+          </a:p>
+          <a:p>
+            <a:pPr marL="742950" lvl="1" indent="-285750">
+              <a:buFont typeface="Arial" panose="020B0604020202020204" pitchFamily="34" charset="0"/>
+              <a:buChar char="•"/>
+            </a:pPr>
+            <a:endParaRPr lang="en-US" dirty="0">
+              <a:latin typeface="Calibri" panose="020F0502020204030204" pitchFamily="34" charset="0"/>
+              <a:cs typeface="Calibri" panose="020F0502020204030204" pitchFamily="34" charset="0"/>
+            </a:endParaRPr>
+          </a:p>
+          <a:p>
+            <a:pPr marL="742950" lvl="1" indent="-285750">
+              <a:buFont typeface="Arial" panose="020B0604020202020204" pitchFamily="34" charset="0"/>
+              <a:buChar char="•"/>
+            </a:pPr>
+            <a:endParaRPr lang="en-US" dirty="0">
+              <a:latin typeface="Calibri" panose="020F0502020204030204" pitchFamily="34" charset="0"/>
+              <a:cs typeface="Calibri" panose="020F0502020204030204" pitchFamily="34" charset="0"/>
+            </a:endParaRPr>
+          </a:p>
+          <a:p>
+            <a:pPr marL="742950" lvl="1" indent="-285750">
+              <a:buFont typeface="Arial" panose="020B0604020202020204" pitchFamily="34" charset="0"/>
+              <a:buChar char="•"/>
+            </a:pPr>
+            <a:r>
+              <a:rPr lang="en-US" dirty="0">
+                <a:latin typeface="Calibri" panose="020F0502020204030204" pitchFamily="34" charset="0"/>
+                <a:cs typeface="Calibri" panose="020F0502020204030204" pitchFamily="34" charset="0"/>
+              </a:rPr>
+              <a:t>Convolutional (Filters)</a:t>
+            </a:r>
+          </a:p>
+          <a:p>
+            <a:endParaRPr lang="en-US" dirty="0">
+              <a:latin typeface="Calibri" panose="020F0502020204030204" pitchFamily="34" charset="0"/>
+              <a:cs typeface="Calibri" panose="020F0502020204030204" pitchFamily="34" charset="0"/>
+            </a:endParaRPr>
+          </a:p>
+          <a:p>
+            <a:pPr marL="285750" indent="-285750">
+              <a:buFont typeface="Arial" panose="020B0604020202020204" pitchFamily="34" charset="0"/>
+              <a:buChar char="•"/>
+            </a:pPr>
+            <a:endParaRPr lang="en-US" dirty="0">
+              <a:latin typeface="Calibri" panose="020F0502020204030204" pitchFamily="34" charset="0"/>
+              <a:cs typeface="Calibri" panose="020F0502020204030204" pitchFamily="34" charset="0"/>
+            </a:endParaRPr>
+          </a:p>
+        </p:txBody>
+      </p:sp>
+      <p:pic>
+        <p:nvPicPr>
+          <p:cNvPr id="6" name="Imagem 5">
+            <a:extLst>
+              <a:ext uri="{FF2B5EF4-FFF2-40B4-BE49-F238E27FC236}">
+                <a16:creationId xmlns:a16="http://schemas.microsoft.com/office/drawing/2014/main" id="{9D1CC2F0-0BE7-54E6-9B2D-0FF5BCB3D334}"/>
+              </a:ext>
+            </a:extLst>
+          </p:cNvPr>
+          <p:cNvPicPr>
+            <a:picLocks noChangeAspect="1"/>
+          </p:cNvPicPr>
+          <p:nvPr/>
+        </p:nvPicPr>
+        <p:blipFill>
+          <a:blip r:embed="rId3"/>
+          <a:stretch>
+            <a:fillRect/>
+          </a:stretch>
+        </p:blipFill>
+        <p:spPr>
+          <a:xfrm>
+            <a:off x="1671564" y="4975148"/>
+            <a:ext cx="6518383" cy="1683501"/>
+          </a:xfrm>
+          <a:prstGeom prst="rect">
+            <a:avLst/>
+          </a:prstGeom>
+        </p:spPr>
+      </p:pic>
+      <p:pic>
+        <p:nvPicPr>
+          <p:cNvPr id="8" name="Imagem 7">
+            <a:extLst>
+              <a:ext uri="{FF2B5EF4-FFF2-40B4-BE49-F238E27FC236}">
+                <a16:creationId xmlns:a16="http://schemas.microsoft.com/office/drawing/2014/main" id="{DD34C583-5B9D-3C72-ADF1-65A4120EFA44}"/>
+              </a:ext>
+            </a:extLst>
+          </p:cNvPr>
+          <p:cNvPicPr>
+            <a:picLocks noChangeAspect="1"/>
+          </p:cNvPicPr>
+          <p:nvPr/>
+        </p:nvPicPr>
+        <p:blipFill>
+          <a:blip r:embed="rId4"/>
+          <a:stretch>
+            <a:fillRect/>
+          </a:stretch>
+        </p:blipFill>
+        <p:spPr>
+          <a:xfrm>
+            <a:off x="1671564" y="2608925"/>
+            <a:ext cx="6479616" cy="1752089"/>
+          </a:xfrm>
+          <a:prstGeom prst="rect">
+            <a:avLst/>
+          </a:prstGeom>
+        </p:spPr>
+      </p:pic>
+    </p:spTree>
+    <p:extLst>
+      <p:ext uri="{BB962C8B-B14F-4D97-AF65-F5344CB8AC3E}">
+        <p14:creationId xmlns:p14="http://schemas.microsoft.com/office/powerpoint/2010/main" val="3211939945"/>
+      </p:ext>
+    </p:extLst>
+  </p:cSld>
+  <p:clrMapOvr>
+    <a:masterClrMapping/>
+  </p:clrMapOvr>
+  <p:timing>
+    <p:tnLst>
+      <p:par>
+        <p:cTn id="1" dur="indefinite" restart="never" nodeType="tmRoot">
+          <p:childTnLst>
+            <p:seq>
+              <p:cTn id="2" dur="indefinite" nodeType="mainSeq"/>
+              <p:prevCondLst>
+                <p:cond evt="onPrev" delay="0">
+                  <p:tgtEl>
+                    <p:sldTgt/>
+                  </p:tgtEl>
+                </p:cond>
+              </p:prevCondLst>
+              <p:nextCondLst>
+                <p:cond evt="onNext" delay="0">
+                  <p:tgtEl>
+                    <p:sldTgt/>
+                  </p:tgtEl>
+                </p:cond>
+              </p:nextCondLst>
+            </p:seq>
+          </p:childTnLst>
+        </p:cTn>
+      </p:par>
+    </p:tnLst>
+  </p:timing>
+</p:sld>
+</file>
+
+<file path=ppt/slides/slide8.xml><?xml version="1.0" encoding="utf-8"?>
+<p:sld xmlns:a="http://schemas.openxmlformats.org/drawingml/2006/main" xmlns:r="http://schemas.openxmlformats.org/officeDocument/2006/relationships" xmlns:p="http://schemas.openxmlformats.org/presentationml/2006/main">
+  <p:cSld>
+    <p:spTree>
+      <p:nvGrpSpPr>
+        <p:cNvPr id="1" name=""/>
+        <p:cNvGrpSpPr/>
+        <p:nvPr/>
+      </p:nvGrpSpPr>
+      <p:grpSpPr>
+        <a:xfrm>
+          <a:off x="0" y="0"/>
+          <a:ext cx="0" cy="0"/>
+          <a:chOff x="0" y="0"/>
+          <a:chExt cx="0" cy="0"/>
+        </a:xfrm>
+      </p:grpSpPr>
+      <p:sp>
+        <p:nvSpPr>
+          <p:cNvPr id="99" name="CustomShape 1"/>
+          <p:cNvSpPr/>
+          <p:nvPr/>
+        </p:nvSpPr>
+        <p:spPr>
+          <a:xfrm>
+            <a:off x="360000" y="360000"/>
+            <a:ext cx="9356400" cy="896400"/>
+          </a:xfrm>
+          <a:prstGeom prst="rect">
+            <a:avLst/>
+          </a:prstGeom>
+          <a:noFill/>
+          <a:ln>
+            <a:noFill/>
+          </a:ln>
+        </p:spPr>
+        <p:style>
+          <a:lnRef idx="0">
+            <a:scrgbClr r="0" g="0" b="0"/>
+          </a:lnRef>
+          <a:fillRef idx="0">
+            <a:scrgbClr r="0" g="0" b="0"/>
+          </a:fillRef>
+          <a:effectRef idx="0">
+            <a:scrgbClr r="0" g="0" b="0"/>
+          </a:effectRef>
+          <a:fontRef idx="minor"/>
+        </p:style>
+        <p:txBody>
+          <a:bodyPr lIns="0" tIns="0" rIns="0" bIns="0" anchor="b"/>
+          <a:lstStyle/>
+          <a:p>
+            <a:r>
+              <a:rPr lang="en-US" sz="3200" b="1" spc="-1" dirty="0">
+                <a:solidFill>
+                  <a:srgbClr val="FFFFFF"/>
+                </a:solidFill>
+                <a:latin typeface="Latin Modern Sans"/>
+              </a:rPr>
+              <a:t>Image Descriptors – Shape / Edges</a:t>
+            </a:r>
+            <a:endParaRPr lang="en-US" sz="3200" b="0" strike="noStrike" spc="-1" dirty="0">
+              <a:latin typeface="Arial"/>
+            </a:endParaRPr>
+          </a:p>
+        </p:txBody>
+      </p:sp>
+      <p:sp>
+        <p:nvSpPr>
+          <p:cNvPr id="9" name="CustomShape 2">
+            <a:extLst>
+              <a:ext uri="{FF2B5EF4-FFF2-40B4-BE49-F238E27FC236}">
+                <a16:creationId xmlns:a16="http://schemas.microsoft.com/office/drawing/2014/main" id="{7D27D924-BAD9-59EB-0956-442C5E618C62}"/>
+              </a:ext>
+            </a:extLst>
+          </p:cNvPr>
+          <p:cNvSpPr/>
+          <p:nvPr/>
+        </p:nvSpPr>
+        <p:spPr>
+          <a:xfrm>
+            <a:off x="897120" y="6886080"/>
+            <a:ext cx="6443640" cy="361440"/>
+          </a:xfrm>
+          <a:prstGeom prst="rect">
+            <a:avLst/>
+          </a:prstGeom>
+          <a:noFill/>
+          <a:ln>
+            <a:noFill/>
+          </a:ln>
+        </p:spPr>
+        <p:style>
+          <a:lnRef idx="0">
+            <a:scrgbClr r="0" g="0" b="0"/>
+          </a:lnRef>
+          <a:fillRef idx="0">
+            <a:scrgbClr r="0" g="0" b="0"/>
+          </a:fillRef>
+          <a:effectRef idx="0">
+            <a:scrgbClr r="0" g="0" b="0"/>
+          </a:effectRef>
+          <a:fontRef idx="minor"/>
+        </p:style>
+        <p:txBody>
+          <a:bodyPr lIns="90000" tIns="45000" rIns="90000" bIns="45000"/>
+          <a:lstStyle/>
+          <a:p>
+            <a:pPr>
+              <a:lnSpc>
+                <a:spcPct val="100000"/>
+              </a:lnSpc>
+            </a:pPr>
+            <a:r>
+              <a:rPr lang="pt-BR" sz="1800" b="0" strike="noStrike" spc="-1" dirty="0">
+                <a:solidFill>
+                  <a:srgbClr val="000000"/>
+                </a:solidFill>
+                <a:latin typeface="Arial"/>
+                <a:ea typeface="DejaVu Sans"/>
+              </a:rPr>
+              <a:t>Computer Vision - Prof. André Hochuli</a:t>
+            </a:r>
+            <a:endParaRPr lang="pt-BR" sz="1800" b="0" strike="noStrike" spc="-1" dirty="0">
+              <a:latin typeface="Arial"/>
+            </a:endParaRPr>
+          </a:p>
+        </p:txBody>
+      </p:sp>
+      <p:sp>
+        <p:nvSpPr>
+          <p:cNvPr id="10" name="CustomShape 3">
+            <a:extLst>
+              <a:ext uri="{FF2B5EF4-FFF2-40B4-BE49-F238E27FC236}">
+                <a16:creationId xmlns:a16="http://schemas.microsoft.com/office/drawing/2014/main" id="{78C456B9-B5EA-AE0A-55ED-2B32CE41C07D}"/>
+              </a:ext>
+            </a:extLst>
+          </p:cNvPr>
+          <p:cNvSpPr/>
+          <p:nvPr/>
+        </p:nvSpPr>
+        <p:spPr>
+          <a:xfrm>
+            <a:off x="7608600" y="6886080"/>
+            <a:ext cx="2281680" cy="361440"/>
+          </a:xfrm>
+          <a:prstGeom prst="rect">
+            <a:avLst/>
+          </a:prstGeom>
+          <a:noFill/>
+          <a:ln>
+            <a:noFill/>
+          </a:ln>
+        </p:spPr>
+        <p:style>
+          <a:lnRef idx="0">
+            <a:scrgbClr r="0" g="0" b="0"/>
+          </a:lnRef>
+          <a:fillRef idx="0">
+            <a:scrgbClr r="0" g="0" b="0"/>
+          </a:fillRef>
+          <a:effectRef idx="0">
+            <a:scrgbClr r="0" g="0" b="0"/>
+          </a:effectRef>
+          <a:fontRef idx="minor"/>
+        </p:style>
+        <p:txBody>
+          <a:bodyPr lIns="90000" tIns="45000" rIns="90000" bIns="45000"/>
+          <a:lstStyle/>
+          <a:p>
+            <a:pPr>
+              <a:lnSpc>
+                <a:spcPct val="100000"/>
+              </a:lnSpc>
+            </a:pPr>
+            <a:r>
+              <a:rPr lang="en-US" sz="1800" b="0" strike="noStrike" spc="-1" dirty="0">
+                <a:solidFill>
+                  <a:srgbClr val="000000"/>
+                </a:solidFill>
+                <a:latin typeface="Arial"/>
+                <a:ea typeface="DejaVu Sans"/>
+              </a:rPr>
+              <a:t>Lecture</a:t>
+            </a:r>
+            <a:r>
+              <a:rPr lang="pt-BR" sz="1800" b="0" strike="noStrike" spc="-1" dirty="0">
+                <a:solidFill>
+                  <a:srgbClr val="000000"/>
+                </a:solidFill>
+                <a:latin typeface="Arial"/>
+                <a:ea typeface="DejaVu Sans"/>
+              </a:rPr>
+              <a:t> </a:t>
+            </a:r>
+            <a:r>
+              <a:rPr lang="pt-BR" spc="-1" dirty="0">
+                <a:solidFill>
+                  <a:srgbClr val="000000"/>
+                </a:solidFill>
+                <a:latin typeface="Arial"/>
+                <a:ea typeface="DejaVu Sans"/>
+              </a:rPr>
+              <a:t>06</a:t>
+            </a:r>
+            <a:endParaRPr lang="pt-BR" sz="1800" b="0" strike="noStrike" spc="-1" dirty="0">
+              <a:latin typeface="Arial"/>
+            </a:endParaRPr>
+          </a:p>
+        </p:txBody>
+      </p:sp>
+      <p:pic>
+        <p:nvPicPr>
+          <p:cNvPr id="8" name="Imagem 7">
+            <a:extLst>
+              <a:ext uri="{FF2B5EF4-FFF2-40B4-BE49-F238E27FC236}">
+                <a16:creationId xmlns:a16="http://schemas.microsoft.com/office/drawing/2014/main" id="{DD34C583-5B9D-3C72-ADF1-65A4120EFA44}"/>
+              </a:ext>
+            </a:extLst>
+          </p:cNvPr>
+          <p:cNvPicPr>
+            <a:picLocks noChangeAspect="1"/>
+          </p:cNvPicPr>
+          <p:nvPr/>
+        </p:nvPicPr>
+        <p:blipFill>
+          <a:blip r:embed="rId3"/>
+          <a:stretch>
+            <a:fillRect/>
+          </a:stretch>
+        </p:blipFill>
+        <p:spPr>
+          <a:xfrm>
+            <a:off x="617842" y="2336321"/>
+            <a:ext cx="5135636" cy="1388677"/>
+          </a:xfrm>
+          <a:prstGeom prst="rect">
+            <a:avLst/>
+          </a:prstGeom>
+        </p:spPr>
+      </p:pic>
+      <p:pic>
+        <p:nvPicPr>
+          <p:cNvPr id="1026" name="Picture 2" descr="The vertical and horizontal projection histograms for the letter “a”. |  Download Scientific Diagram">
+            <a:extLst>
+              <a:ext uri="{FF2B5EF4-FFF2-40B4-BE49-F238E27FC236}">
+                <a16:creationId xmlns:a16="http://schemas.microsoft.com/office/drawing/2014/main" id="{155FC394-53A0-9359-C83C-1F879185CB50}"/>
+              </a:ext>
+            </a:extLst>
+          </p:cNvPr>
+          <p:cNvPicPr>
+            <a:picLocks noChangeAspect="1" noChangeArrowheads="1"/>
+          </p:cNvPicPr>
+          <p:nvPr/>
+        </p:nvPicPr>
+        <p:blipFill>
+          <a:blip r:embed="rId4">
+            <a:extLst>
+              <a:ext uri="{28A0092B-C50C-407E-A947-70E740481C1C}">
+                <a14:useLocalDpi xmlns:a14="http://schemas.microsoft.com/office/drawing/2010/main" val="0"/>
+              </a:ext>
+            </a:extLst>
+          </a:blip>
+          <a:srcRect/>
+          <a:stretch>
+            <a:fillRect/>
+          </a:stretch>
+        </p:blipFill>
+        <p:spPr bwMode="auto">
+          <a:xfrm>
+            <a:off x="6910083" y="1989137"/>
+            <a:ext cx="2552700" cy="1790700"/>
+          </a:xfrm>
+          <a:prstGeom prst="rect">
+            <a:avLst/>
+          </a:prstGeom>
+          <a:noFill/>
+          <a:extLst>
+            <a:ext uri="{909E8E84-426E-40DD-AFC4-6F175D3DCCD1}">
+              <a14:hiddenFill xmlns:a14="http://schemas.microsoft.com/office/drawing/2010/main">
+                <a:solidFill>
+                  <a:srgbClr val="FFFFFF"/>
+                </a:solidFill>
+              </a14:hiddenFill>
+            </a:ext>
+          </a:extLst>
+        </p:spPr>
+      </p:pic>
+      <p:sp>
+        <p:nvSpPr>
+          <p:cNvPr id="11" name="CaixaDeTexto 10">
+            <a:extLst>
+              <a:ext uri="{FF2B5EF4-FFF2-40B4-BE49-F238E27FC236}">
+                <a16:creationId xmlns:a16="http://schemas.microsoft.com/office/drawing/2014/main" id="{3276F632-E800-B00C-27F3-97D89FCE0BD9}"/>
+              </a:ext>
+            </a:extLst>
+          </p:cNvPr>
+          <p:cNvSpPr txBox="1"/>
+          <p:nvPr/>
+        </p:nvSpPr>
+        <p:spPr>
+          <a:xfrm>
+            <a:off x="200025" y="1689990"/>
+            <a:ext cx="9516375" cy="646331"/>
+          </a:xfrm>
+          <a:prstGeom prst="rect">
+            <a:avLst/>
+          </a:prstGeom>
+          <a:noFill/>
+        </p:spPr>
+        <p:txBody>
+          <a:bodyPr wrap="square" rtlCol="0">
+            <a:spAutoFit/>
+          </a:bodyPr>
+          <a:lstStyle/>
+          <a:p>
+            <a:pPr marL="285750" indent="-285750">
+              <a:buFont typeface="Arial" panose="020B0604020202020204" pitchFamily="34" charset="0"/>
+              <a:buChar char="•"/>
+            </a:pPr>
+            <a:r>
+              <a:rPr lang="en-US" dirty="0">
+                <a:latin typeface="Calibri" panose="020F0502020204030204" pitchFamily="34" charset="0"/>
+                <a:cs typeface="Calibri" panose="020F0502020204030204" pitchFamily="34" charset="0"/>
+              </a:rPr>
+              <a:t>Histogram Projection</a:t>
+            </a:r>
+          </a:p>
+          <a:p>
+            <a:pPr marL="285750" indent="-285750">
+              <a:buFont typeface="Arial" panose="020B0604020202020204" pitchFamily="34" charset="0"/>
+              <a:buChar char="•"/>
+            </a:pPr>
+            <a:endParaRPr lang="en-US" dirty="0">
+              <a:latin typeface="Calibri" panose="020F0502020204030204" pitchFamily="34" charset="0"/>
+              <a:cs typeface="Calibri" panose="020F0502020204030204" pitchFamily="34" charset="0"/>
+            </a:endParaRPr>
+          </a:p>
+        </p:txBody>
+      </p:sp>
+      <p:pic>
+        <p:nvPicPr>
+          <p:cNvPr id="12" name="Imagem 11">
+            <a:extLst>
+              <a:ext uri="{FF2B5EF4-FFF2-40B4-BE49-F238E27FC236}">
+                <a16:creationId xmlns:a16="http://schemas.microsoft.com/office/drawing/2014/main" id="{ABD3379E-0F26-64FF-A344-0D0D9267A536}"/>
+              </a:ext>
+            </a:extLst>
+          </p:cNvPr>
+          <p:cNvPicPr>
+            <a:picLocks noChangeAspect="1"/>
+          </p:cNvPicPr>
+          <p:nvPr/>
+        </p:nvPicPr>
+        <p:blipFill>
+          <a:blip r:embed="rId5"/>
+          <a:stretch>
+            <a:fillRect/>
+          </a:stretch>
+        </p:blipFill>
+        <p:spPr>
+          <a:xfrm>
+            <a:off x="2469690" y="4078984"/>
+            <a:ext cx="4977043" cy="2630292"/>
+          </a:xfrm>
+          <a:prstGeom prst="rect">
+            <a:avLst/>
+          </a:prstGeom>
+        </p:spPr>
+      </p:pic>
+    </p:spTree>
+    <p:extLst>
+      <p:ext uri="{BB962C8B-B14F-4D97-AF65-F5344CB8AC3E}">
+        <p14:creationId xmlns:p14="http://schemas.microsoft.com/office/powerpoint/2010/main" val="468585589"/>
+      </p:ext>
+    </p:extLst>
+  </p:cSld>
+  <p:clrMapOvr>
+    <a:masterClrMapping/>
+  </p:clrMapOvr>
+  <p:timing>
+    <p:tnLst>
+      <p:par>
+        <p:cTn id="1" dur="indefinite" restart="never" nodeType="tmRoot">
+          <p:childTnLst>
+            <p:seq>
+              <p:cTn id="2" dur="indefinite" nodeType="mainSeq"/>
+              <p:prevCondLst>
+                <p:cond evt="onPrev" delay="0">
+                  <p:tgtEl>
+                    <p:sldTgt/>
+                  </p:tgtEl>
+                </p:cond>
+              </p:prevCondLst>
+              <p:nextCondLst>
+                <p:cond evt="onNext" delay="0">
+                  <p:tgtEl>
+                    <p:sldTgt/>
+                  </p:tgtEl>
+                </p:cond>
+              </p:nextCondLst>
+            </p:seq>
+          </p:childTnLst>
+        </p:cTn>
+      </p:par>
+    </p:tnLst>
+  </p:timing>
+</p:sld>
+</file>
+
+<file path=ppt/slides/slide9.xml><?xml version="1.0" encoding="utf-8"?>
+<p:sld xmlns:a="http://schemas.openxmlformats.org/drawingml/2006/main" xmlns:r="http://schemas.openxmlformats.org/officeDocument/2006/relationships" xmlns:p="http://schemas.openxmlformats.org/presentationml/2006/main">
+  <p:cSld>
+    <p:spTree>
+      <p:nvGrpSpPr>
+        <p:cNvPr id="1" name=""/>
+        <p:cNvGrpSpPr/>
+        <p:nvPr/>
+      </p:nvGrpSpPr>
+      <p:grpSpPr>
+        <a:xfrm>
+          <a:off x="0" y="0"/>
+          <a:ext cx="0" cy="0"/>
+          <a:chOff x="0" y="0"/>
+          <a:chExt cx="0" cy="0"/>
+        </a:xfrm>
+      </p:grpSpPr>
+      <p:sp>
+        <p:nvSpPr>
+          <p:cNvPr id="99" name="CustomShape 1"/>
+          <p:cNvSpPr/>
+          <p:nvPr/>
+        </p:nvSpPr>
+        <p:spPr>
+          <a:xfrm>
+            <a:off x="360000" y="360000"/>
+            <a:ext cx="9356400" cy="896400"/>
+          </a:xfrm>
+          <a:prstGeom prst="rect">
+            <a:avLst/>
+          </a:prstGeom>
+          <a:noFill/>
+          <a:ln>
+            <a:noFill/>
+          </a:ln>
+        </p:spPr>
+        <p:style>
+          <a:lnRef idx="0">
+            <a:scrgbClr r="0" g="0" b="0"/>
+          </a:lnRef>
+          <a:fillRef idx="0">
+            <a:scrgbClr r="0" g="0" b="0"/>
+          </a:fillRef>
+          <a:effectRef idx="0">
+            <a:scrgbClr r="0" g="0" b="0"/>
+          </a:effectRef>
+          <a:fontRef idx="minor"/>
+        </p:style>
+        <p:txBody>
+          <a:bodyPr lIns="0" tIns="0" rIns="0" bIns="0" anchor="b"/>
+          <a:lstStyle/>
+          <a:p>
+            <a:r>
+              <a:rPr lang="en-US" sz="3200" b="1" spc="-1" dirty="0">
+                <a:solidFill>
+                  <a:srgbClr val="FFFFFF"/>
+                </a:solidFill>
+                <a:latin typeface="Latin Modern Sans"/>
+              </a:rPr>
+              <a:t>Image Descriptors – Shape / Edges</a:t>
+            </a:r>
+            <a:endParaRPr lang="en-US" sz="3200" b="0" strike="noStrike" spc="-1" dirty="0">
+              <a:latin typeface="Arial"/>
+            </a:endParaRPr>
+          </a:p>
+        </p:txBody>
+      </p:sp>
+      <p:sp>
+        <p:nvSpPr>
+          <p:cNvPr id="9" name="CustomShape 2">
+            <a:extLst>
+              <a:ext uri="{FF2B5EF4-FFF2-40B4-BE49-F238E27FC236}">
+                <a16:creationId xmlns:a16="http://schemas.microsoft.com/office/drawing/2014/main" id="{7D27D924-BAD9-59EB-0956-442C5E618C62}"/>
+              </a:ext>
+            </a:extLst>
+          </p:cNvPr>
+          <p:cNvSpPr/>
+          <p:nvPr/>
+        </p:nvSpPr>
+        <p:spPr>
+          <a:xfrm>
+            <a:off x="897120" y="6886080"/>
+            <a:ext cx="6443640" cy="361440"/>
+          </a:xfrm>
+          <a:prstGeom prst="rect">
+            <a:avLst/>
+          </a:prstGeom>
+          <a:noFill/>
+          <a:ln>
+            <a:noFill/>
+          </a:ln>
+        </p:spPr>
+        <p:style>
+          <a:lnRef idx="0">
+            <a:scrgbClr r="0" g="0" b="0"/>
+          </a:lnRef>
+          <a:fillRef idx="0">
+            <a:scrgbClr r="0" g="0" b="0"/>
+          </a:fillRef>
+          <a:effectRef idx="0">
+            <a:scrgbClr r="0" g="0" b="0"/>
+          </a:effectRef>
+          <a:fontRef idx="minor"/>
+        </p:style>
+        <p:txBody>
+          <a:bodyPr lIns="90000" tIns="45000" rIns="90000" bIns="45000"/>
+          <a:lstStyle/>
+          <a:p>
+            <a:pPr>
+              <a:lnSpc>
+                <a:spcPct val="100000"/>
+              </a:lnSpc>
+            </a:pPr>
+            <a:r>
+              <a:rPr lang="pt-BR" sz="1800" b="0" strike="noStrike" spc="-1" dirty="0">
+                <a:solidFill>
+                  <a:srgbClr val="000000"/>
+                </a:solidFill>
+                <a:latin typeface="Arial"/>
+                <a:ea typeface="DejaVu Sans"/>
+              </a:rPr>
+              <a:t>Computer Vision - Prof. André Hochuli</a:t>
+            </a:r>
+            <a:endParaRPr lang="pt-BR" sz="1800" b="0" strike="noStrike" spc="-1" dirty="0">
+              <a:latin typeface="Arial"/>
+            </a:endParaRPr>
+          </a:p>
+        </p:txBody>
+      </p:sp>
+      <p:sp>
+        <p:nvSpPr>
+          <p:cNvPr id="10" name="CustomShape 3">
+            <a:extLst>
+              <a:ext uri="{FF2B5EF4-FFF2-40B4-BE49-F238E27FC236}">
+                <a16:creationId xmlns:a16="http://schemas.microsoft.com/office/drawing/2014/main" id="{78C456B9-B5EA-AE0A-55ED-2B32CE41C07D}"/>
+              </a:ext>
+            </a:extLst>
+          </p:cNvPr>
+          <p:cNvSpPr/>
+          <p:nvPr/>
+        </p:nvSpPr>
+        <p:spPr>
+          <a:xfrm>
+            <a:off x="7608600" y="6886080"/>
+            <a:ext cx="2281680" cy="361440"/>
+          </a:xfrm>
+          <a:prstGeom prst="rect">
+            <a:avLst/>
+          </a:prstGeom>
+          <a:noFill/>
+          <a:ln>
+            <a:noFill/>
+          </a:ln>
+        </p:spPr>
+        <p:style>
+          <a:lnRef idx="0">
+            <a:scrgbClr r="0" g="0" b="0"/>
+          </a:lnRef>
+          <a:fillRef idx="0">
+            <a:scrgbClr r="0" g="0" b="0"/>
+          </a:fillRef>
+          <a:effectRef idx="0">
+            <a:scrgbClr r="0" g="0" b="0"/>
+          </a:effectRef>
+          <a:fontRef idx="minor"/>
+        </p:style>
+        <p:txBody>
+          <a:bodyPr lIns="90000" tIns="45000" rIns="90000" bIns="45000"/>
+          <a:lstStyle/>
+          <a:p>
+            <a:pPr>
+              <a:lnSpc>
+                <a:spcPct val="100000"/>
+              </a:lnSpc>
+            </a:pPr>
+            <a:r>
+              <a:rPr lang="en-US" sz="1800" b="0" strike="noStrike" spc="-1" dirty="0">
+                <a:solidFill>
+                  <a:srgbClr val="000000"/>
+                </a:solidFill>
+                <a:latin typeface="Arial"/>
+                <a:ea typeface="DejaVu Sans"/>
+              </a:rPr>
+              <a:t>Lecture</a:t>
+            </a:r>
+            <a:r>
+              <a:rPr lang="pt-BR" sz="1800" b="0" strike="noStrike" spc="-1" dirty="0">
+                <a:solidFill>
+                  <a:srgbClr val="000000"/>
+                </a:solidFill>
+                <a:latin typeface="Arial"/>
+                <a:ea typeface="DejaVu Sans"/>
+              </a:rPr>
+              <a:t> </a:t>
+            </a:r>
+            <a:r>
+              <a:rPr lang="pt-BR" spc="-1" dirty="0">
+                <a:solidFill>
+                  <a:srgbClr val="000000"/>
+                </a:solidFill>
+                <a:latin typeface="Arial"/>
+                <a:ea typeface="DejaVu Sans"/>
+              </a:rPr>
+              <a:t>06</a:t>
+            </a:r>
+            <a:endParaRPr lang="pt-BR" sz="1800" b="0" strike="noStrike" spc="-1" dirty="0">
+              <a:latin typeface="Arial"/>
+            </a:endParaRPr>
+          </a:p>
+        </p:txBody>
+      </p:sp>
+      <p:sp>
+        <p:nvSpPr>
+          <p:cNvPr id="2" name="CaixaDeTexto 1">
+            <a:extLst>
+              <a:ext uri="{FF2B5EF4-FFF2-40B4-BE49-F238E27FC236}">
+                <a16:creationId xmlns:a16="http://schemas.microsoft.com/office/drawing/2014/main" id="{D744B707-1B4A-5A5F-CC17-5C9D8382FBD9}"/>
+              </a:ext>
+            </a:extLst>
+          </p:cNvPr>
+          <p:cNvSpPr txBox="1"/>
+          <p:nvPr/>
+        </p:nvSpPr>
+        <p:spPr>
+          <a:xfrm>
+            <a:off x="200025" y="1689990"/>
+            <a:ext cx="9516375" cy="3416320"/>
+          </a:xfrm>
+          <a:prstGeom prst="rect">
+            <a:avLst/>
+          </a:prstGeom>
+          <a:noFill/>
+        </p:spPr>
+        <p:txBody>
+          <a:bodyPr wrap="square" rtlCol="0">
+            <a:spAutoFit/>
+          </a:bodyPr>
+          <a:lstStyle/>
+          <a:p>
+            <a:pPr marL="285750" indent="-285750">
+              <a:buFont typeface="Arial" panose="020B0604020202020204" pitchFamily="34" charset="0"/>
+              <a:buChar char="•"/>
+            </a:pPr>
+            <a:r>
+              <a:rPr lang="en-US" dirty="0">
+                <a:latin typeface="Calibri" panose="020F0502020204030204" pitchFamily="34" charset="0"/>
+                <a:cs typeface="Calibri" panose="020F0502020204030204" pitchFamily="34" charset="0"/>
+              </a:rPr>
+              <a:t>Sobel Filter</a:t>
+            </a:r>
+          </a:p>
+          <a:p>
+            <a:pPr marL="285750" indent="-285750">
+              <a:buFont typeface="Arial" panose="020B0604020202020204" pitchFamily="34" charset="0"/>
+              <a:buChar char="•"/>
+            </a:pPr>
+            <a:endParaRPr lang="en-US" dirty="0">
+              <a:latin typeface="Calibri" panose="020F0502020204030204" pitchFamily="34" charset="0"/>
+              <a:cs typeface="Calibri" panose="020F0502020204030204" pitchFamily="34" charset="0"/>
+            </a:endParaRPr>
+          </a:p>
+          <a:p>
+            <a:pPr marL="742950" lvl="1" indent="-285750">
+              <a:buFont typeface="Arial" panose="020B0604020202020204" pitchFamily="34" charset="0"/>
+              <a:buChar char="•"/>
+            </a:pPr>
+            <a:endParaRPr lang="en-US" dirty="0">
+              <a:latin typeface="Calibri" panose="020F0502020204030204" pitchFamily="34" charset="0"/>
+              <a:cs typeface="Calibri" panose="020F0502020204030204" pitchFamily="34" charset="0"/>
+            </a:endParaRPr>
+          </a:p>
+          <a:p>
+            <a:pPr marL="1200150" lvl="2" indent="-285750">
+              <a:buFont typeface="Arial" panose="020B0604020202020204" pitchFamily="34" charset="0"/>
+              <a:buChar char="•"/>
+            </a:pPr>
+            <a:endParaRPr lang="en-US" dirty="0">
+              <a:latin typeface="Calibri" panose="020F0502020204030204" pitchFamily="34" charset="0"/>
+              <a:cs typeface="Calibri" panose="020F0502020204030204" pitchFamily="34" charset="0"/>
+            </a:endParaRPr>
+          </a:p>
+          <a:p>
+            <a:pPr marL="285750" indent="-285750">
+              <a:buFont typeface="Arial" panose="020B0604020202020204" pitchFamily="34" charset="0"/>
+              <a:buChar char="•"/>
+            </a:pPr>
+            <a:endParaRPr lang="en-US" dirty="0">
+              <a:latin typeface="Calibri" panose="020F0502020204030204" pitchFamily="34" charset="0"/>
+              <a:cs typeface="Calibri" panose="020F0502020204030204" pitchFamily="34" charset="0"/>
+            </a:endParaRPr>
+          </a:p>
+          <a:p>
+            <a:pPr marL="742950" lvl="1" indent="-285750">
+              <a:buFont typeface="Arial" panose="020B0604020202020204" pitchFamily="34" charset="0"/>
+              <a:buChar char="•"/>
+            </a:pPr>
+            <a:endParaRPr lang="en-US" dirty="0">
+              <a:latin typeface="Calibri" panose="020F0502020204030204" pitchFamily="34" charset="0"/>
+              <a:cs typeface="Calibri" panose="020F0502020204030204" pitchFamily="34" charset="0"/>
+            </a:endParaRPr>
+          </a:p>
+          <a:p>
+            <a:pPr marL="742950" lvl="1" indent="-285750">
+              <a:buFont typeface="Arial" panose="020B0604020202020204" pitchFamily="34" charset="0"/>
+              <a:buChar char="•"/>
+            </a:pPr>
+            <a:endParaRPr lang="en-US" dirty="0">
+              <a:latin typeface="Calibri" panose="020F0502020204030204" pitchFamily="34" charset="0"/>
+              <a:cs typeface="Calibri" panose="020F0502020204030204" pitchFamily="34" charset="0"/>
+            </a:endParaRPr>
+          </a:p>
+          <a:p>
+            <a:pPr marL="742950" lvl="1" indent="-285750">
+              <a:buFont typeface="Arial" panose="020B0604020202020204" pitchFamily="34" charset="0"/>
+              <a:buChar char="•"/>
+            </a:pPr>
+            <a:endParaRPr lang="en-US" dirty="0">
+              <a:latin typeface="Calibri" panose="020F0502020204030204" pitchFamily="34" charset="0"/>
+              <a:cs typeface="Calibri" panose="020F0502020204030204" pitchFamily="34" charset="0"/>
+            </a:endParaRPr>
+          </a:p>
+          <a:p>
+            <a:pPr marL="742950" lvl="1" indent="-285750">
+              <a:buFont typeface="Arial" panose="020B0604020202020204" pitchFamily="34" charset="0"/>
+              <a:buChar char="•"/>
+            </a:pPr>
+            <a:endParaRPr lang="en-US" dirty="0">
+              <a:latin typeface="Calibri" panose="020F0502020204030204" pitchFamily="34" charset="0"/>
+              <a:cs typeface="Calibri" panose="020F0502020204030204" pitchFamily="34" charset="0"/>
+            </a:endParaRPr>
+          </a:p>
+          <a:p>
+            <a:pPr marL="742950" lvl="1" indent="-285750">
+              <a:buFont typeface="Arial" panose="020B0604020202020204" pitchFamily="34" charset="0"/>
+              <a:buChar char="•"/>
+            </a:pPr>
+            <a:endParaRPr lang="en-US" dirty="0">
+              <a:latin typeface="Calibri" panose="020F0502020204030204" pitchFamily="34" charset="0"/>
+              <a:cs typeface="Calibri" panose="020F0502020204030204" pitchFamily="34" charset="0"/>
+            </a:endParaRPr>
+          </a:p>
+          <a:p>
+            <a:endParaRPr lang="en-US" dirty="0">
+              <a:latin typeface="Calibri" panose="020F0502020204030204" pitchFamily="34" charset="0"/>
+              <a:cs typeface="Calibri" panose="020F0502020204030204" pitchFamily="34" charset="0"/>
+            </a:endParaRPr>
+          </a:p>
+          <a:p>
+            <a:pPr marL="285750" indent="-285750">
+              <a:buFont typeface="Arial" panose="020B0604020202020204" pitchFamily="34" charset="0"/>
+              <a:buChar char="•"/>
+            </a:pPr>
+            <a:endParaRPr lang="en-US" dirty="0">
+              <a:latin typeface="Calibri" panose="020F0502020204030204" pitchFamily="34" charset="0"/>
+              <a:cs typeface="Calibri" panose="020F0502020204030204" pitchFamily="34" charset="0"/>
+            </a:endParaRPr>
+          </a:p>
+        </p:txBody>
+      </p:sp>
+      <p:pic>
+        <p:nvPicPr>
+          <p:cNvPr id="4" name="Imagem 3">
+            <a:extLst>
+              <a:ext uri="{FF2B5EF4-FFF2-40B4-BE49-F238E27FC236}">
+                <a16:creationId xmlns:a16="http://schemas.microsoft.com/office/drawing/2014/main" id="{FDAAEC2C-6B55-3B59-F29B-5522A3F7669A}"/>
+              </a:ext>
+            </a:extLst>
+          </p:cNvPr>
+          <p:cNvPicPr>
+            <a:picLocks noChangeAspect="1"/>
+          </p:cNvPicPr>
+          <p:nvPr/>
+        </p:nvPicPr>
+        <p:blipFill>
+          <a:blip r:embed="rId3"/>
+          <a:stretch>
+            <a:fillRect/>
+          </a:stretch>
+        </p:blipFill>
+        <p:spPr>
+          <a:xfrm>
+            <a:off x="3362851" y="2154837"/>
+            <a:ext cx="3724677" cy="1762571"/>
+          </a:xfrm>
+          <a:prstGeom prst="rect">
+            <a:avLst/>
+          </a:prstGeom>
+        </p:spPr>
+      </p:pic>
+      <p:pic>
+        <p:nvPicPr>
+          <p:cNvPr id="5" name="Imagem 4">
+            <a:extLst>
+              <a:ext uri="{FF2B5EF4-FFF2-40B4-BE49-F238E27FC236}">
+                <a16:creationId xmlns:a16="http://schemas.microsoft.com/office/drawing/2014/main" id="{365C3BCA-60A8-25F0-165D-8C36296C16C1}"/>
+              </a:ext>
+            </a:extLst>
+          </p:cNvPr>
+          <p:cNvPicPr>
+            <a:picLocks noChangeAspect="1"/>
+          </p:cNvPicPr>
+          <p:nvPr/>
+        </p:nvPicPr>
+        <p:blipFill>
+          <a:blip r:embed="rId4"/>
+          <a:stretch>
+            <a:fillRect/>
+          </a:stretch>
+        </p:blipFill>
+        <p:spPr>
+          <a:xfrm>
+            <a:off x="897120" y="4350998"/>
+            <a:ext cx="8656140" cy="2377803"/>
+          </a:xfrm>
+          <a:prstGeom prst="rect">
+            <a:avLst/>
+          </a:prstGeom>
+        </p:spPr>
+      </p:pic>
+    </p:spTree>
+    <p:extLst>
+      <p:ext uri="{BB962C8B-B14F-4D97-AF65-F5344CB8AC3E}">
+        <p14:creationId xmlns:p14="http://schemas.microsoft.com/office/powerpoint/2010/main" val="1140084916"/>
+      </p:ext>
+    </p:extLst>
   </p:cSld>
   <p:clrMapOvr>
     <a:masterClrMapping/>

--- a/ComputerVision/Lecture 06 - Image Descriptors/Lecture 06 - Image Descriptors.pptx
+++ b/ComputerVision/Lecture 06 - Image Descriptors/Lecture 06 - Image Descriptors.pptx
@@ -11225,33 +11225,6 @@
                   <a:srgbClr val="1C1C1C"/>
                 </a:solidFill>
                 <a:latin typeface="Calibri" panose="020F0502020204030204" pitchFamily="34" charset="0"/>
-                <a:ea typeface="DejaVu Sans"/>
-                <a:cs typeface="Calibri" panose="020F0502020204030204" pitchFamily="34" charset="0"/>
-              </a:rPr>
-              <a:t>Classification</a:t>
-            </a:r>
-          </a:p>
-          <a:p>
-            <a:pPr marL="216000" indent="-212400">
-              <a:lnSpc>
-                <a:spcPct val="100000"/>
-              </a:lnSpc>
-              <a:spcAft>
-                <a:spcPts val="1140"/>
-              </a:spcAft>
-              <a:buClr>
-                <a:srgbClr val="000000"/>
-              </a:buClr>
-              <a:buSzPct val="45000"/>
-              <a:buFont typeface="Wingdings" charset="2"/>
-              <a:buChar char=""/>
-            </a:pPr>
-            <a:r>
-              <a:rPr lang="en-US" sz="2000" strike="noStrike" spc="-1" dirty="0">
-                <a:solidFill>
-                  <a:srgbClr val="1C1C1C"/>
-                </a:solidFill>
-                <a:latin typeface="Calibri" panose="020F0502020204030204" pitchFamily="34" charset="0"/>
                 <a:cs typeface="Calibri" panose="020F0502020204030204" pitchFamily="34" charset="0"/>
               </a:rPr>
               <a:t>Practice</a:t>

--- a/ComputerVision/Lecture 06 - Image Descriptors/Lecture 06 - Image Descriptors.pptx
+++ b/ComputerVision/Lecture 06 - Image Descriptors/Lecture 06 - Image Descriptors.pptx
@@ -22,8 +22,6 @@
     <p:sldId id="266" r:id="rId15"/>
     <p:sldId id="267" r:id="rId16"/>
     <p:sldId id="268" r:id="rId17"/>
-    <p:sldId id="269" r:id="rId18"/>
-    <p:sldId id="270" r:id="rId19"/>
   </p:sldIdLst>
   <p:sldSz cx="10080625" cy="7559675"/>
   <p:notesSz cx="7559675" cy="10691813"/>
@@ -75,19 +73,16 @@
             <a:noAutofit/>
           </a:bodyPr>
           <a:p>
+            <a:pPr algn="ctr">
+              <a:buNone/>
+            </a:pPr>
             <a:r>
-              <a:rPr b="0" lang="pt-BR" sz="1800" spc="-1" strike="noStrike">
-                <a:solidFill>
-                  <a:srgbClr val="000000"/>
-                </a:solidFill>
+              <a:rPr b="0" lang="pt-BR" sz="4400" spc="-1" strike="noStrike">
                 <a:latin typeface="Arial"/>
               </a:rPr>
               <a:t>Click to move the slide</a:t>
             </a:r>
-            <a:endParaRPr b="0" lang="pt-BR" sz="1800" spc="-1" strike="noStrike">
-              <a:solidFill>
-                <a:srgbClr val="000000"/>
-              </a:solidFill>
+            <a:endParaRPr b="0" lang="pt-BR" sz="4400" spc="-1" strike="noStrike">
               <a:latin typeface="Arial"/>
             </a:endParaRPr>
           </a:p>
@@ -310,7 +305,7 @@
             <a:pPr algn="r">
               <a:buNone/>
             </a:pPr>
-            <a:fld id="{43693AC4-9C60-41EC-82CE-D3BCAB769D59}" type="slidenum">
+            <a:fld id="{1C1F6877-BE9E-4A60-B41F-82220AA99AC3}" type="slidenum">
               <a:rPr b="0" lang="pt-BR" sz="1400" spc="-1" strike="noStrike">
                 <a:latin typeface="Times New Roman"/>
               </a:rPr>
@@ -347,7 +342,7 @@
       </p:grpSpPr>
       <p:sp>
         <p:nvSpPr>
-          <p:cNvPr id="177" name="PlaceHolder 1"/>
+          <p:cNvPr id="165" name="PlaceHolder 1"/>
           <p:cNvSpPr>
             <a:spLocks noGrp="1"/>
           </p:cNvSpPr>
@@ -358,19 +353,19 @@
         <p:spPr>
           <a:xfrm>
             <a:off x="1376280" y="1336680"/>
-            <a:ext cx="4803480" cy="3603240"/>
-          </a:xfrm>
-          <a:prstGeom prst="rect">
-            <a:avLst/>
-          </a:prstGeom>
-          <a:ln w="0">
-            <a:noFill/>
-          </a:ln>
-        </p:spPr>
-      </p:sp>
-      <p:sp>
-        <p:nvSpPr>
-          <p:cNvPr id="178" name="PlaceHolder 2"/>
+            <a:ext cx="4803120" cy="3602880"/>
+          </a:xfrm>
+          <a:prstGeom prst="rect">
+            <a:avLst/>
+          </a:prstGeom>
+          <a:ln w="0">
+            <a:noFill/>
+          </a:ln>
+        </p:spPr>
+      </p:sp>
+      <p:sp>
+        <p:nvSpPr>
+          <p:cNvPr id="166" name="PlaceHolder 2"/>
           <p:cNvSpPr>
             <a:spLocks noGrp="1"/>
           </p:cNvSpPr>
@@ -381,7 +376,7 @@
         <p:spPr>
           <a:xfrm>
             <a:off x="756000" y="5145120"/>
-            <a:ext cx="6043680" cy="4205880"/>
+            <a:ext cx="6043320" cy="4205520"/>
           </a:xfrm>
           <a:prstGeom prst="rect">
             <a:avLst/>
@@ -404,14 +399,14 @@
       </p:sp>
       <p:sp>
         <p:nvSpPr>
-          <p:cNvPr id="179" name="CustomShape 3"/>
+          <p:cNvPr id="167" name="CustomShape 3"/>
           <p:cNvSpPr/>
           <p:nvPr/>
         </p:nvSpPr>
         <p:spPr>
           <a:xfrm>
             <a:off x="0" y="10155240"/>
-            <a:ext cx="3272040" cy="532440"/>
+            <a:ext cx="3271680" cy="532080"/>
           </a:xfrm>
           <a:prstGeom prst="rect">
             <a:avLst/>
@@ -478,7 +473,7 @@
       </p:grpSpPr>
       <p:sp>
         <p:nvSpPr>
-          <p:cNvPr id="204" name="PlaceHolder 1"/>
+          <p:cNvPr id="192" name="PlaceHolder 1"/>
           <p:cNvSpPr>
             <a:spLocks noGrp="1"/>
           </p:cNvSpPr>
@@ -489,19 +484,19 @@
         <p:spPr>
           <a:xfrm>
             <a:off x="1376280" y="1336680"/>
-            <a:ext cx="4803480" cy="3603240"/>
-          </a:xfrm>
-          <a:prstGeom prst="rect">
-            <a:avLst/>
-          </a:prstGeom>
-          <a:ln w="0">
-            <a:noFill/>
-          </a:ln>
-        </p:spPr>
-      </p:sp>
-      <p:sp>
-        <p:nvSpPr>
-          <p:cNvPr id="205" name="PlaceHolder 2"/>
+            <a:ext cx="4803120" cy="3602880"/>
+          </a:xfrm>
+          <a:prstGeom prst="rect">
+            <a:avLst/>
+          </a:prstGeom>
+          <a:ln w="0">
+            <a:noFill/>
+          </a:ln>
+        </p:spPr>
+      </p:sp>
+      <p:sp>
+        <p:nvSpPr>
+          <p:cNvPr id="193" name="PlaceHolder 2"/>
           <p:cNvSpPr>
             <a:spLocks noGrp="1"/>
           </p:cNvSpPr>
@@ -512,7 +507,7 @@
         <p:spPr>
           <a:xfrm>
             <a:off x="756000" y="5145120"/>
-            <a:ext cx="6043680" cy="4205880"/>
+            <a:ext cx="6043320" cy="4205520"/>
           </a:xfrm>
           <a:prstGeom prst="rect">
             <a:avLst/>
@@ -535,14 +530,14 @@
       </p:sp>
       <p:sp>
         <p:nvSpPr>
-          <p:cNvPr id="206" name="CustomShape 3"/>
+          <p:cNvPr id="194" name="CustomShape 3"/>
           <p:cNvSpPr/>
           <p:nvPr/>
         </p:nvSpPr>
         <p:spPr>
           <a:xfrm>
             <a:off x="0" y="10155240"/>
-            <a:ext cx="3272040" cy="532440"/>
+            <a:ext cx="3271680" cy="532080"/>
           </a:xfrm>
           <a:prstGeom prst="rect">
             <a:avLst/>
@@ -609,7 +604,7 @@
       </p:grpSpPr>
       <p:sp>
         <p:nvSpPr>
-          <p:cNvPr id="207" name="PlaceHolder 1"/>
+          <p:cNvPr id="195" name="PlaceHolder 1"/>
           <p:cNvSpPr>
             <a:spLocks noGrp="1"/>
           </p:cNvSpPr>
@@ -620,19 +615,19 @@
         <p:spPr>
           <a:xfrm>
             <a:off x="1376280" y="1336680"/>
-            <a:ext cx="4803480" cy="3603240"/>
-          </a:xfrm>
-          <a:prstGeom prst="rect">
-            <a:avLst/>
-          </a:prstGeom>
-          <a:ln w="0">
-            <a:noFill/>
-          </a:ln>
-        </p:spPr>
-      </p:sp>
-      <p:sp>
-        <p:nvSpPr>
-          <p:cNvPr id="208" name="PlaceHolder 2"/>
+            <a:ext cx="4803120" cy="3602880"/>
+          </a:xfrm>
+          <a:prstGeom prst="rect">
+            <a:avLst/>
+          </a:prstGeom>
+          <a:ln w="0">
+            <a:noFill/>
+          </a:ln>
+        </p:spPr>
+      </p:sp>
+      <p:sp>
+        <p:nvSpPr>
+          <p:cNvPr id="196" name="PlaceHolder 2"/>
           <p:cNvSpPr>
             <a:spLocks noGrp="1"/>
           </p:cNvSpPr>
@@ -643,7 +638,7 @@
         <p:spPr>
           <a:xfrm>
             <a:off x="756000" y="5145120"/>
-            <a:ext cx="6043680" cy="4205880"/>
+            <a:ext cx="6043320" cy="4205520"/>
           </a:xfrm>
           <a:prstGeom prst="rect">
             <a:avLst/>
@@ -666,14 +661,14 @@
       </p:sp>
       <p:sp>
         <p:nvSpPr>
-          <p:cNvPr id="209" name="CustomShape 3"/>
+          <p:cNvPr id="197" name="CustomShape 3"/>
           <p:cNvSpPr/>
           <p:nvPr/>
         </p:nvSpPr>
         <p:spPr>
           <a:xfrm>
             <a:off x="0" y="10155240"/>
-            <a:ext cx="3272040" cy="532440"/>
+            <a:ext cx="3271680" cy="532080"/>
           </a:xfrm>
           <a:prstGeom prst="rect">
             <a:avLst/>
@@ -740,7 +735,7 @@
       </p:grpSpPr>
       <p:sp>
         <p:nvSpPr>
-          <p:cNvPr id="210" name="PlaceHolder 1"/>
+          <p:cNvPr id="198" name="PlaceHolder 1"/>
           <p:cNvSpPr>
             <a:spLocks noGrp="1"/>
           </p:cNvSpPr>
@@ -751,19 +746,19 @@
         <p:spPr>
           <a:xfrm>
             <a:off x="1376280" y="1336680"/>
-            <a:ext cx="4803480" cy="3603240"/>
-          </a:xfrm>
-          <a:prstGeom prst="rect">
-            <a:avLst/>
-          </a:prstGeom>
-          <a:ln w="0">
-            <a:noFill/>
-          </a:ln>
-        </p:spPr>
-      </p:sp>
-      <p:sp>
-        <p:nvSpPr>
-          <p:cNvPr id="211" name="PlaceHolder 2"/>
+            <a:ext cx="4803120" cy="3602880"/>
+          </a:xfrm>
+          <a:prstGeom prst="rect">
+            <a:avLst/>
+          </a:prstGeom>
+          <a:ln w="0">
+            <a:noFill/>
+          </a:ln>
+        </p:spPr>
+      </p:sp>
+      <p:sp>
+        <p:nvSpPr>
+          <p:cNvPr id="199" name="PlaceHolder 2"/>
           <p:cNvSpPr>
             <a:spLocks noGrp="1"/>
           </p:cNvSpPr>
@@ -774,7 +769,7 @@
         <p:spPr>
           <a:xfrm>
             <a:off x="756000" y="5145120"/>
-            <a:ext cx="6043680" cy="4205880"/>
+            <a:ext cx="6043320" cy="4205520"/>
           </a:xfrm>
           <a:prstGeom prst="rect">
             <a:avLst/>
@@ -797,14 +792,14 @@
       </p:sp>
       <p:sp>
         <p:nvSpPr>
-          <p:cNvPr id="212" name="CustomShape 3"/>
+          <p:cNvPr id="200" name="CustomShape 3"/>
           <p:cNvSpPr/>
           <p:nvPr/>
         </p:nvSpPr>
         <p:spPr>
           <a:xfrm>
             <a:off x="0" y="10155240"/>
-            <a:ext cx="3272040" cy="532440"/>
+            <a:ext cx="3271680" cy="532080"/>
           </a:xfrm>
           <a:prstGeom prst="rect">
             <a:avLst/>
@@ -871,7 +866,7 @@
       </p:grpSpPr>
       <p:sp>
         <p:nvSpPr>
-          <p:cNvPr id="213" name="PlaceHolder 1"/>
+          <p:cNvPr id="201" name="PlaceHolder 1"/>
           <p:cNvSpPr>
             <a:spLocks noGrp="1"/>
           </p:cNvSpPr>
@@ -882,19 +877,19 @@
         <p:spPr>
           <a:xfrm>
             <a:off x="1376280" y="1336680"/>
-            <a:ext cx="4803480" cy="3603240"/>
-          </a:xfrm>
-          <a:prstGeom prst="rect">
-            <a:avLst/>
-          </a:prstGeom>
-          <a:ln w="0">
-            <a:noFill/>
-          </a:ln>
-        </p:spPr>
-      </p:sp>
-      <p:sp>
-        <p:nvSpPr>
-          <p:cNvPr id="214" name="PlaceHolder 2"/>
+            <a:ext cx="4803120" cy="3602880"/>
+          </a:xfrm>
+          <a:prstGeom prst="rect">
+            <a:avLst/>
+          </a:prstGeom>
+          <a:ln w="0">
+            <a:noFill/>
+          </a:ln>
+        </p:spPr>
+      </p:sp>
+      <p:sp>
+        <p:nvSpPr>
+          <p:cNvPr id="202" name="PlaceHolder 2"/>
           <p:cNvSpPr>
             <a:spLocks noGrp="1"/>
           </p:cNvSpPr>
@@ -905,7 +900,7 @@
         <p:spPr>
           <a:xfrm>
             <a:off x="756000" y="5145120"/>
-            <a:ext cx="6043680" cy="4205880"/>
+            <a:ext cx="6043320" cy="4205520"/>
           </a:xfrm>
           <a:prstGeom prst="rect">
             <a:avLst/>
@@ -928,276 +923,14 @@
       </p:sp>
       <p:sp>
         <p:nvSpPr>
-          <p:cNvPr id="215" name="CustomShape 3"/>
+          <p:cNvPr id="203" name="CustomShape 3"/>
           <p:cNvSpPr/>
           <p:nvPr/>
         </p:nvSpPr>
         <p:spPr>
           <a:xfrm>
             <a:off x="0" y="10155240"/>
-            <a:ext cx="3272040" cy="532440"/>
-          </a:xfrm>
-          <a:prstGeom prst="rect">
-            <a:avLst/>
-          </a:prstGeom>
-          <a:noFill/>
-          <a:ln w="0">
-            <a:noFill/>
-          </a:ln>
-        </p:spPr>
-        <p:style>
-          <a:lnRef idx="0"/>
-          <a:fillRef idx="0"/>
-          <a:effectRef idx="0"/>
-          <a:fontRef idx="minor"/>
-        </p:style>
-        <p:txBody>
-          <a:bodyPr lIns="90000" rIns="90000" tIns="45000" bIns="45000" anchor="b">
-            <a:noAutofit/>
-          </a:bodyPr>
-          <a:p>
-            <a:pPr>
-              <a:lnSpc>
-                <a:spcPct val="100000"/>
-              </a:lnSpc>
-              <a:buNone/>
-            </a:pPr>
-            <a:r>
-              <a:rPr b="0" lang="pt-BR" sz="1200" spc="-1" strike="noStrike">
-                <a:solidFill>
-                  <a:srgbClr val="000000"/>
-                </a:solidFill>
-                <a:latin typeface="Times New Roman"/>
-                <a:ea typeface="+mn-ea"/>
-              </a:rPr>
-              <a:t>Prof. André Hochuli</a:t>
-            </a:r>
-            <a:endParaRPr b="0" lang="pt-BR" sz="1200" spc="-1" strike="noStrike">
-              <a:latin typeface="Arial"/>
-            </a:endParaRPr>
-          </a:p>
-        </p:txBody>
-      </p:sp>
-    </p:spTree>
-  </p:cSld>
-</p:notes>
-</file>
-
-<file path=ppt/notesSlides/notesSlide14.xml><?xml version="1.0" encoding="utf-8"?>
-<p:notes xmlns:a="http://schemas.openxmlformats.org/drawingml/2006/main" xmlns:p="http://schemas.openxmlformats.org/presentationml/2006/main" xmlns:r="http://schemas.openxmlformats.org/officeDocument/2006/relationships" xmlns:p14="http://schemas.microsoft.com/office/powerpoint/2010/main" xmlns:p15="http://schemas.microsoft.com/office/powerpoint/2012/main" xmlns:mc="http://schemas.openxmlformats.org/markup-compatibility/2006">
-  <p:cSld>
-    <p:spTree>
-      <p:nvGrpSpPr>
-        <p:cNvPr id="1" name=""/>
-        <p:cNvGrpSpPr/>
-        <p:nvPr/>
-      </p:nvGrpSpPr>
-      <p:grpSpPr>
-        <a:xfrm>
-          <a:off x="0" y="0"/>
-          <a:ext cx="0" cy="0"/>
-          <a:chOff x="0" y="0"/>
-          <a:chExt cx="0" cy="0"/>
-        </a:xfrm>
-      </p:grpSpPr>
-      <p:sp>
-        <p:nvSpPr>
-          <p:cNvPr id="216" name="PlaceHolder 1"/>
-          <p:cNvSpPr>
-            <a:spLocks noGrp="1"/>
-          </p:cNvSpPr>
-          <p:nvPr>
-            <p:ph type="sldImg"/>
-          </p:nvPr>
-        </p:nvSpPr>
-        <p:spPr>
-          <a:xfrm>
-            <a:off x="1376280" y="1336680"/>
-            <a:ext cx="4803480" cy="3603240"/>
-          </a:xfrm>
-          <a:prstGeom prst="rect">
-            <a:avLst/>
-          </a:prstGeom>
-          <a:ln w="0">
-            <a:noFill/>
-          </a:ln>
-        </p:spPr>
-      </p:sp>
-      <p:sp>
-        <p:nvSpPr>
-          <p:cNvPr id="217" name="PlaceHolder 2"/>
-          <p:cNvSpPr>
-            <a:spLocks noGrp="1"/>
-          </p:cNvSpPr>
-          <p:nvPr>
-            <p:ph type="body"/>
-          </p:nvPr>
-        </p:nvSpPr>
-        <p:spPr>
-          <a:xfrm>
-            <a:off x="756000" y="5145120"/>
-            <a:ext cx="6043680" cy="4205880"/>
-          </a:xfrm>
-          <a:prstGeom prst="rect">
-            <a:avLst/>
-          </a:prstGeom>
-          <a:noFill/>
-          <a:ln w="0">
-            <a:noFill/>
-          </a:ln>
-        </p:spPr>
-        <p:txBody>
-          <a:bodyPr lIns="0" rIns="0" tIns="0" bIns="0" anchor="t">
-            <a:noAutofit/>
-          </a:bodyPr>
-          <a:p>
-            <a:endParaRPr b="0" lang="pt-BR" sz="2000" spc="-1" strike="noStrike">
-              <a:latin typeface="Arial"/>
-            </a:endParaRPr>
-          </a:p>
-        </p:txBody>
-      </p:sp>
-      <p:sp>
-        <p:nvSpPr>
-          <p:cNvPr id="218" name="CustomShape 3"/>
-          <p:cNvSpPr/>
-          <p:nvPr/>
-        </p:nvSpPr>
-        <p:spPr>
-          <a:xfrm>
-            <a:off x="0" y="10155240"/>
-            <a:ext cx="3272040" cy="532440"/>
-          </a:xfrm>
-          <a:prstGeom prst="rect">
-            <a:avLst/>
-          </a:prstGeom>
-          <a:noFill/>
-          <a:ln w="0">
-            <a:noFill/>
-          </a:ln>
-        </p:spPr>
-        <p:style>
-          <a:lnRef idx="0"/>
-          <a:fillRef idx="0"/>
-          <a:effectRef idx="0"/>
-          <a:fontRef idx="minor"/>
-        </p:style>
-        <p:txBody>
-          <a:bodyPr lIns="90000" rIns="90000" tIns="45000" bIns="45000" anchor="b">
-            <a:noAutofit/>
-          </a:bodyPr>
-          <a:p>
-            <a:pPr>
-              <a:lnSpc>
-                <a:spcPct val="100000"/>
-              </a:lnSpc>
-              <a:buNone/>
-            </a:pPr>
-            <a:r>
-              <a:rPr b="0" lang="pt-BR" sz="1200" spc="-1" strike="noStrike">
-                <a:solidFill>
-                  <a:srgbClr val="000000"/>
-                </a:solidFill>
-                <a:latin typeface="Times New Roman"/>
-                <a:ea typeface="+mn-ea"/>
-              </a:rPr>
-              <a:t>Prof. André Hochuli</a:t>
-            </a:r>
-            <a:endParaRPr b="0" lang="pt-BR" sz="1200" spc="-1" strike="noStrike">
-              <a:latin typeface="Arial"/>
-            </a:endParaRPr>
-          </a:p>
-        </p:txBody>
-      </p:sp>
-    </p:spTree>
-  </p:cSld>
-</p:notes>
-</file>
-
-<file path=ppt/notesSlides/notesSlide15.xml><?xml version="1.0" encoding="utf-8"?>
-<p:notes xmlns:a="http://schemas.openxmlformats.org/drawingml/2006/main" xmlns:p="http://schemas.openxmlformats.org/presentationml/2006/main" xmlns:r="http://schemas.openxmlformats.org/officeDocument/2006/relationships" xmlns:p14="http://schemas.microsoft.com/office/powerpoint/2010/main" xmlns:p15="http://schemas.microsoft.com/office/powerpoint/2012/main" xmlns:mc="http://schemas.openxmlformats.org/markup-compatibility/2006">
-  <p:cSld>
-    <p:spTree>
-      <p:nvGrpSpPr>
-        <p:cNvPr id="1" name=""/>
-        <p:cNvGrpSpPr/>
-        <p:nvPr/>
-      </p:nvGrpSpPr>
-      <p:grpSpPr>
-        <a:xfrm>
-          <a:off x="0" y="0"/>
-          <a:ext cx="0" cy="0"/>
-          <a:chOff x="0" y="0"/>
-          <a:chExt cx="0" cy="0"/>
-        </a:xfrm>
-      </p:grpSpPr>
-      <p:sp>
-        <p:nvSpPr>
-          <p:cNvPr id="219" name="PlaceHolder 1"/>
-          <p:cNvSpPr>
-            <a:spLocks noGrp="1"/>
-          </p:cNvSpPr>
-          <p:nvPr>
-            <p:ph type="sldImg"/>
-          </p:nvPr>
-        </p:nvSpPr>
-        <p:spPr>
-          <a:xfrm>
-            <a:off x="1376280" y="1336680"/>
-            <a:ext cx="4803480" cy="3603240"/>
-          </a:xfrm>
-          <a:prstGeom prst="rect">
-            <a:avLst/>
-          </a:prstGeom>
-          <a:ln w="0">
-            <a:noFill/>
-          </a:ln>
-        </p:spPr>
-      </p:sp>
-      <p:sp>
-        <p:nvSpPr>
-          <p:cNvPr id="220" name="PlaceHolder 2"/>
-          <p:cNvSpPr>
-            <a:spLocks noGrp="1"/>
-          </p:cNvSpPr>
-          <p:nvPr>
-            <p:ph type="body"/>
-          </p:nvPr>
-        </p:nvSpPr>
-        <p:spPr>
-          <a:xfrm>
-            <a:off x="756000" y="5145120"/>
-            <a:ext cx="6043680" cy="4205880"/>
-          </a:xfrm>
-          <a:prstGeom prst="rect">
-            <a:avLst/>
-          </a:prstGeom>
-          <a:noFill/>
-          <a:ln w="0">
-            <a:noFill/>
-          </a:ln>
-        </p:spPr>
-        <p:txBody>
-          <a:bodyPr lIns="0" rIns="0" tIns="0" bIns="0" anchor="t">
-            <a:noAutofit/>
-          </a:bodyPr>
-          <a:p>
-            <a:endParaRPr b="0" lang="pt-BR" sz="2000" spc="-1" strike="noStrike">
-              <a:latin typeface="Arial"/>
-            </a:endParaRPr>
-          </a:p>
-        </p:txBody>
-      </p:sp>
-      <p:sp>
-        <p:nvSpPr>
-          <p:cNvPr id="221" name="CustomShape 3"/>
-          <p:cNvSpPr/>
-          <p:nvPr/>
-        </p:nvSpPr>
-        <p:spPr>
-          <a:xfrm>
-            <a:off x="0" y="10155240"/>
-            <a:ext cx="3272040" cy="532440"/>
+            <a:ext cx="3271680" cy="532080"/>
           </a:xfrm>
           <a:prstGeom prst="rect">
             <a:avLst/>
@@ -1264,7 +997,7 @@
       </p:grpSpPr>
       <p:sp>
         <p:nvSpPr>
-          <p:cNvPr id="180" name="PlaceHolder 1"/>
+          <p:cNvPr id="168" name="PlaceHolder 1"/>
           <p:cNvSpPr>
             <a:spLocks noGrp="1"/>
           </p:cNvSpPr>
@@ -1275,19 +1008,19 @@
         <p:spPr>
           <a:xfrm>
             <a:off x="1376280" y="1336680"/>
-            <a:ext cx="4803480" cy="3603240"/>
-          </a:xfrm>
-          <a:prstGeom prst="rect">
-            <a:avLst/>
-          </a:prstGeom>
-          <a:ln w="0">
-            <a:noFill/>
-          </a:ln>
-        </p:spPr>
-      </p:sp>
-      <p:sp>
-        <p:nvSpPr>
-          <p:cNvPr id="181" name="PlaceHolder 2"/>
+            <a:ext cx="4803120" cy="3602880"/>
+          </a:xfrm>
+          <a:prstGeom prst="rect">
+            <a:avLst/>
+          </a:prstGeom>
+          <a:ln w="0">
+            <a:noFill/>
+          </a:ln>
+        </p:spPr>
+      </p:sp>
+      <p:sp>
+        <p:nvSpPr>
+          <p:cNvPr id="169" name="PlaceHolder 2"/>
           <p:cNvSpPr>
             <a:spLocks noGrp="1"/>
           </p:cNvSpPr>
@@ -1298,7 +1031,7 @@
         <p:spPr>
           <a:xfrm>
             <a:off x="756000" y="5145120"/>
-            <a:ext cx="6043680" cy="4205880"/>
+            <a:ext cx="6043320" cy="4205520"/>
           </a:xfrm>
           <a:prstGeom prst="rect">
             <a:avLst/>
@@ -1321,14 +1054,14 @@
       </p:sp>
       <p:sp>
         <p:nvSpPr>
-          <p:cNvPr id="182" name="CustomShape 3"/>
+          <p:cNvPr id="170" name="CustomShape 3"/>
           <p:cNvSpPr/>
           <p:nvPr/>
         </p:nvSpPr>
         <p:spPr>
           <a:xfrm>
             <a:off x="0" y="10155240"/>
-            <a:ext cx="3272040" cy="532440"/>
+            <a:ext cx="3271680" cy="532080"/>
           </a:xfrm>
           <a:prstGeom prst="rect">
             <a:avLst/>
@@ -1395,7 +1128,7 @@
       </p:grpSpPr>
       <p:sp>
         <p:nvSpPr>
-          <p:cNvPr id="183" name="PlaceHolder 1"/>
+          <p:cNvPr id="171" name="PlaceHolder 1"/>
           <p:cNvSpPr>
             <a:spLocks noGrp="1"/>
           </p:cNvSpPr>
@@ -1406,19 +1139,19 @@
         <p:spPr>
           <a:xfrm>
             <a:off x="1376280" y="1336680"/>
-            <a:ext cx="4803480" cy="3603240"/>
-          </a:xfrm>
-          <a:prstGeom prst="rect">
-            <a:avLst/>
-          </a:prstGeom>
-          <a:ln w="0">
-            <a:noFill/>
-          </a:ln>
-        </p:spPr>
-      </p:sp>
-      <p:sp>
-        <p:nvSpPr>
-          <p:cNvPr id="184" name="PlaceHolder 2"/>
+            <a:ext cx="4803120" cy="3602880"/>
+          </a:xfrm>
+          <a:prstGeom prst="rect">
+            <a:avLst/>
+          </a:prstGeom>
+          <a:ln w="0">
+            <a:noFill/>
+          </a:ln>
+        </p:spPr>
+      </p:sp>
+      <p:sp>
+        <p:nvSpPr>
+          <p:cNvPr id="172" name="PlaceHolder 2"/>
           <p:cNvSpPr>
             <a:spLocks noGrp="1"/>
           </p:cNvSpPr>
@@ -1429,7 +1162,7 @@
         <p:spPr>
           <a:xfrm>
             <a:off x="756000" y="5145120"/>
-            <a:ext cx="6043680" cy="4205880"/>
+            <a:ext cx="6043320" cy="4205520"/>
           </a:xfrm>
           <a:prstGeom prst="rect">
             <a:avLst/>
@@ -1452,14 +1185,14 @@
       </p:sp>
       <p:sp>
         <p:nvSpPr>
-          <p:cNvPr id="185" name="CustomShape 3"/>
+          <p:cNvPr id="173" name="CustomShape 3"/>
           <p:cNvSpPr/>
           <p:nvPr/>
         </p:nvSpPr>
         <p:spPr>
           <a:xfrm>
             <a:off x="0" y="10155240"/>
-            <a:ext cx="3272040" cy="532440"/>
+            <a:ext cx="3271680" cy="532080"/>
           </a:xfrm>
           <a:prstGeom prst="rect">
             <a:avLst/>
@@ -1526,7 +1259,7 @@
       </p:grpSpPr>
       <p:sp>
         <p:nvSpPr>
-          <p:cNvPr id="186" name="PlaceHolder 1"/>
+          <p:cNvPr id="174" name="PlaceHolder 1"/>
           <p:cNvSpPr>
             <a:spLocks noGrp="1"/>
           </p:cNvSpPr>
@@ -1537,19 +1270,19 @@
         <p:spPr>
           <a:xfrm>
             <a:off x="1376280" y="1336680"/>
-            <a:ext cx="4803480" cy="3603240"/>
-          </a:xfrm>
-          <a:prstGeom prst="rect">
-            <a:avLst/>
-          </a:prstGeom>
-          <a:ln w="0">
-            <a:noFill/>
-          </a:ln>
-        </p:spPr>
-      </p:sp>
-      <p:sp>
-        <p:nvSpPr>
-          <p:cNvPr id="187" name="PlaceHolder 2"/>
+            <a:ext cx="4803120" cy="3602880"/>
+          </a:xfrm>
+          <a:prstGeom prst="rect">
+            <a:avLst/>
+          </a:prstGeom>
+          <a:ln w="0">
+            <a:noFill/>
+          </a:ln>
+        </p:spPr>
+      </p:sp>
+      <p:sp>
+        <p:nvSpPr>
+          <p:cNvPr id="175" name="PlaceHolder 2"/>
           <p:cNvSpPr>
             <a:spLocks noGrp="1"/>
           </p:cNvSpPr>
@@ -1560,7 +1293,7 @@
         <p:spPr>
           <a:xfrm>
             <a:off x="756000" y="5145120"/>
-            <a:ext cx="6043680" cy="4205880"/>
+            <a:ext cx="6043320" cy="4205520"/>
           </a:xfrm>
           <a:prstGeom prst="rect">
             <a:avLst/>
@@ -1583,14 +1316,14 @@
       </p:sp>
       <p:sp>
         <p:nvSpPr>
-          <p:cNvPr id="188" name="CustomShape 3"/>
+          <p:cNvPr id="176" name="CustomShape 3"/>
           <p:cNvSpPr/>
           <p:nvPr/>
         </p:nvSpPr>
         <p:spPr>
           <a:xfrm>
             <a:off x="0" y="10155240"/>
-            <a:ext cx="3272040" cy="532440"/>
+            <a:ext cx="3271680" cy="532080"/>
           </a:xfrm>
           <a:prstGeom prst="rect">
             <a:avLst/>
@@ -1657,7 +1390,7 @@
       </p:grpSpPr>
       <p:sp>
         <p:nvSpPr>
-          <p:cNvPr id="189" name="PlaceHolder 1"/>
+          <p:cNvPr id="177" name="PlaceHolder 1"/>
           <p:cNvSpPr>
             <a:spLocks noGrp="1"/>
           </p:cNvSpPr>
@@ -1668,19 +1401,19 @@
         <p:spPr>
           <a:xfrm>
             <a:off x="1376280" y="1336680"/>
-            <a:ext cx="4803480" cy="3603240"/>
-          </a:xfrm>
-          <a:prstGeom prst="rect">
-            <a:avLst/>
-          </a:prstGeom>
-          <a:ln w="0">
-            <a:noFill/>
-          </a:ln>
-        </p:spPr>
-      </p:sp>
-      <p:sp>
-        <p:nvSpPr>
-          <p:cNvPr id="190" name="PlaceHolder 2"/>
+            <a:ext cx="4803120" cy="3602880"/>
+          </a:xfrm>
+          <a:prstGeom prst="rect">
+            <a:avLst/>
+          </a:prstGeom>
+          <a:ln w="0">
+            <a:noFill/>
+          </a:ln>
+        </p:spPr>
+      </p:sp>
+      <p:sp>
+        <p:nvSpPr>
+          <p:cNvPr id="178" name="PlaceHolder 2"/>
           <p:cNvSpPr>
             <a:spLocks noGrp="1"/>
           </p:cNvSpPr>
@@ -1691,7 +1424,7 @@
         <p:spPr>
           <a:xfrm>
             <a:off x="756000" y="5145120"/>
-            <a:ext cx="6043680" cy="4205880"/>
+            <a:ext cx="6043320" cy="4205520"/>
           </a:xfrm>
           <a:prstGeom prst="rect">
             <a:avLst/>
@@ -1714,14 +1447,14 @@
       </p:sp>
       <p:sp>
         <p:nvSpPr>
-          <p:cNvPr id="191" name="CustomShape 3"/>
+          <p:cNvPr id="179" name="CustomShape 3"/>
           <p:cNvSpPr/>
           <p:nvPr/>
         </p:nvSpPr>
         <p:spPr>
           <a:xfrm>
             <a:off x="0" y="10155240"/>
-            <a:ext cx="3272040" cy="532440"/>
+            <a:ext cx="3271680" cy="532080"/>
           </a:xfrm>
           <a:prstGeom prst="rect">
             <a:avLst/>
@@ -1788,7 +1521,7 @@
       </p:grpSpPr>
       <p:sp>
         <p:nvSpPr>
-          <p:cNvPr id="192" name="PlaceHolder 1"/>
+          <p:cNvPr id="180" name="PlaceHolder 1"/>
           <p:cNvSpPr>
             <a:spLocks noGrp="1"/>
           </p:cNvSpPr>
@@ -1799,19 +1532,19 @@
         <p:spPr>
           <a:xfrm>
             <a:off x="1376280" y="1336680"/>
-            <a:ext cx="4803480" cy="3603240"/>
-          </a:xfrm>
-          <a:prstGeom prst="rect">
-            <a:avLst/>
-          </a:prstGeom>
-          <a:ln w="0">
-            <a:noFill/>
-          </a:ln>
-        </p:spPr>
-      </p:sp>
-      <p:sp>
-        <p:nvSpPr>
-          <p:cNvPr id="193" name="PlaceHolder 2"/>
+            <a:ext cx="4803120" cy="3602880"/>
+          </a:xfrm>
+          <a:prstGeom prst="rect">
+            <a:avLst/>
+          </a:prstGeom>
+          <a:ln w="0">
+            <a:noFill/>
+          </a:ln>
+        </p:spPr>
+      </p:sp>
+      <p:sp>
+        <p:nvSpPr>
+          <p:cNvPr id="181" name="PlaceHolder 2"/>
           <p:cNvSpPr>
             <a:spLocks noGrp="1"/>
           </p:cNvSpPr>
@@ -1822,7 +1555,7 @@
         <p:spPr>
           <a:xfrm>
             <a:off x="756000" y="5145120"/>
-            <a:ext cx="6043680" cy="4205880"/>
+            <a:ext cx="6043320" cy="4205520"/>
           </a:xfrm>
           <a:prstGeom prst="rect">
             <a:avLst/>
@@ -1845,14 +1578,14 @@
       </p:sp>
       <p:sp>
         <p:nvSpPr>
-          <p:cNvPr id="194" name="CustomShape 3"/>
+          <p:cNvPr id="182" name="CustomShape 3"/>
           <p:cNvSpPr/>
           <p:nvPr/>
         </p:nvSpPr>
         <p:spPr>
           <a:xfrm>
             <a:off x="0" y="10155240"/>
-            <a:ext cx="3272040" cy="532440"/>
+            <a:ext cx="3271680" cy="532080"/>
           </a:xfrm>
           <a:prstGeom prst="rect">
             <a:avLst/>
@@ -1919,7 +1652,7 @@
       </p:grpSpPr>
       <p:sp>
         <p:nvSpPr>
-          <p:cNvPr id="195" name="PlaceHolder 1"/>
+          <p:cNvPr id="183" name="PlaceHolder 1"/>
           <p:cNvSpPr>
             <a:spLocks noGrp="1"/>
           </p:cNvSpPr>
@@ -1930,19 +1663,19 @@
         <p:spPr>
           <a:xfrm>
             <a:off x="1376280" y="1336680"/>
-            <a:ext cx="4803480" cy="3603240"/>
-          </a:xfrm>
-          <a:prstGeom prst="rect">
-            <a:avLst/>
-          </a:prstGeom>
-          <a:ln w="0">
-            <a:noFill/>
-          </a:ln>
-        </p:spPr>
-      </p:sp>
-      <p:sp>
-        <p:nvSpPr>
-          <p:cNvPr id="196" name="PlaceHolder 2"/>
+            <a:ext cx="4803120" cy="3602880"/>
+          </a:xfrm>
+          <a:prstGeom prst="rect">
+            <a:avLst/>
+          </a:prstGeom>
+          <a:ln w="0">
+            <a:noFill/>
+          </a:ln>
+        </p:spPr>
+      </p:sp>
+      <p:sp>
+        <p:nvSpPr>
+          <p:cNvPr id="184" name="PlaceHolder 2"/>
           <p:cNvSpPr>
             <a:spLocks noGrp="1"/>
           </p:cNvSpPr>
@@ -1953,7 +1686,7 @@
         <p:spPr>
           <a:xfrm>
             <a:off x="756000" y="5145120"/>
-            <a:ext cx="6043680" cy="4205880"/>
+            <a:ext cx="6043320" cy="4205520"/>
           </a:xfrm>
           <a:prstGeom prst="rect">
             <a:avLst/>
@@ -1976,14 +1709,14 @@
       </p:sp>
       <p:sp>
         <p:nvSpPr>
-          <p:cNvPr id="197" name="CustomShape 3"/>
+          <p:cNvPr id="185" name="CustomShape 3"/>
           <p:cNvSpPr/>
           <p:nvPr/>
         </p:nvSpPr>
         <p:spPr>
           <a:xfrm>
             <a:off x="0" y="10155240"/>
-            <a:ext cx="3272040" cy="532440"/>
+            <a:ext cx="3271680" cy="532080"/>
           </a:xfrm>
           <a:prstGeom prst="rect">
             <a:avLst/>
@@ -2050,7 +1783,7 @@
       </p:grpSpPr>
       <p:sp>
         <p:nvSpPr>
-          <p:cNvPr id="198" name="PlaceHolder 1"/>
+          <p:cNvPr id="186" name="PlaceHolder 1"/>
           <p:cNvSpPr>
             <a:spLocks noGrp="1"/>
           </p:cNvSpPr>
@@ -2061,19 +1794,19 @@
         <p:spPr>
           <a:xfrm>
             <a:off x="1376280" y="1336680"/>
-            <a:ext cx="4803480" cy="3603240"/>
-          </a:xfrm>
-          <a:prstGeom prst="rect">
-            <a:avLst/>
-          </a:prstGeom>
-          <a:ln w="0">
-            <a:noFill/>
-          </a:ln>
-        </p:spPr>
-      </p:sp>
-      <p:sp>
-        <p:nvSpPr>
-          <p:cNvPr id="199" name="PlaceHolder 2"/>
+            <a:ext cx="4803120" cy="3602880"/>
+          </a:xfrm>
+          <a:prstGeom prst="rect">
+            <a:avLst/>
+          </a:prstGeom>
+          <a:ln w="0">
+            <a:noFill/>
+          </a:ln>
+        </p:spPr>
+      </p:sp>
+      <p:sp>
+        <p:nvSpPr>
+          <p:cNvPr id="187" name="PlaceHolder 2"/>
           <p:cNvSpPr>
             <a:spLocks noGrp="1"/>
           </p:cNvSpPr>
@@ -2084,7 +1817,7 @@
         <p:spPr>
           <a:xfrm>
             <a:off x="756000" y="5145120"/>
-            <a:ext cx="6043680" cy="4205880"/>
+            <a:ext cx="6043320" cy="4205520"/>
           </a:xfrm>
           <a:prstGeom prst="rect">
             <a:avLst/>
@@ -2107,14 +1840,14 @@
       </p:sp>
       <p:sp>
         <p:nvSpPr>
-          <p:cNvPr id="200" name="CustomShape 3"/>
+          <p:cNvPr id="188" name="CustomShape 3"/>
           <p:cNvSpPr/>
           <p:nvPr/>
         </p:nvSpPr>
         <p:spPr>
           <a:xfrm>
             <a:off x="0" y="10155240"/>
-            <a:ext cx="3272040" cy="532440"/>
+            <a:ext cx="3271680" cy="532080"/>
           </a:xfrm>
           <a:prstGeom prst="rect">
             <a:avLst/>
@@ -2181,7 +1914,7 @@
       </p:grpSpPr>
       <p:sp>
         <p:nvSpPr>
-          <p:cNvPr id="201" name="PlaceHolder 1"/>
+          <p:cNvPr id="189" name="PlaceHolder 1"/>
           <p:cNvSpPr>
             <a:spLocks noGrp="1"/>
           </p:cNvSpPr>
@@ -2192,19 +1925,19 @@
         <p:spPr>
           <a:xfrm>
             <a:off x="1376280" y="1336680"/>
-            <a:ext cx="4803480" cy="3603240"/>
-          </a:xfrm>
-          <a:prstGeom prst="rect">
-            <a:avLst/>
-          </a:prstGeom>
-          <a:ln w="0">
-            <a:noFill/>
-          </a:ln>
-        </p:spPr>
-      </p:sp>
-      <p:sp>
-        <p:nvSpPr>
-          <p:cNvPr id="202" name="PlaceHolder 2"/>
+            <a:ext cx="4803120" cy="3602880"/>
+          </a:xfrm>
+          <a:prstGeom prst="rect">
+            <a:avLst/>
+          </a:prstGeom>
+          <a:ln w="0">
+            <a:noFill/>
+          </a:ln>
+        </p:spPr>
+      </p:sp>
+      <p:sp>
+        <p:nvSpPr>
+          <p:cNvPr id="190" name="PlaceHolder 2"/>
           <p:cNvSpPr>
             <a:spLocks noGrp="1"/>
           </p:cNvSpPr>
@@ -2215,7 +1948,7 @@
         <p:spPr>
           <a:xfrm>
             <a:off x="756000" y="5145120"/>
-            <a:ext cx="6043680" cy="4205880"/>
+            <a:ext cx="6043320" cy="4205520"/>
           </a:xfrm>
           <a:prstGeom prst="rect">
             <a:avLst/>
@@ -2238,14 +1971,14 @@
       </p:sp>
       <p:sp>
         <p:nvSpPr>
-          <p:cNvPr id="203" name="CustomShape 3"/>
+          <p:cNvPr id="191" name="CustomShape 3"/>
           <p:cNvSpPr/>
           <p:nvPr/>
         </p:nvSpPr>
         <p:spPr>
           <a:xfrm>
             <a:off x="0" y="10155240"/>
-            <a:ext cx="3272040" cy="532440"/>
+            <a:ext cx="3271680" cy="532080"/>
           </a:xfrm>
           <a:prstGeom prst="rect">
             <a:avLst/>
@@ -2360,10 +2093,10 @@
             <a:noAutofit/>
           </a:bodyPr>
           <a:p>
-            <a:endParaRPr b="0" lang="pt-BR" sz="1800" spc="-1" strike="noStrike">
-              <a:solidFill>
-                <a:srgbClr val="000000"/>
-              </a:solidFill>
+            <a:pPr algn="ctr">
+              <a:buNone/>
+            </a:pPr>
+            <a:endParaRPr b="0" lang="pt-BR" sz="4400" spc="-1" strike="noStrike">
               <a:latin typeface="Arial"/>
             </a:endParaRPr>
           </a:p>
@@ -2397,19 +2130,7 @@
             <a:normAutofit/>
           </a:bodyPr>
           <a:p>
-            <a:pPr>
-              <a:lnSpc>
-                <a:spcPct val="90000"/>
-              </a:lnSpc>
-              <a:spcBef>
-                <a:spcPts val="1417"/>
-              </a:spcBef>
-              <a:buNone/>
-            </a:pPr>
-            <a:endParaRPr b="0" lang="pt-BR" sz="2800" spc="-1" strike="noStrike">
-              <a:solidFill>
-                <a:srgbClr val="000000"/>
-              </a:solidFill>
+            <a:endParaRPr b="0" lang="pt-BR" sz="3200" spc="-1" strike="noStrike">
               <a:latin typeface="Arial"/>
             </a:endParaRPr>
           </a:p>
@@ -2443,19 +2164,7 @@
             <a:normAutofit/>
           </a:bodyPr>
           <a:p>
-            <a:pPr>
-              <a:lnSpc>
-                <a:spcPct val="90000"/>
-              </a:lnSpc>
-              <a:spcBef>
-                <a:spcPts val="1417"/>
-              </a:spcBef>
-              <a:buNone/>
-            </a:pPr>
-            <a:endParaRPr b="0" lang="pt-BR" sz="2800" spc="-1" strike="noStrike">
-              <a:solidFill>
-                <a:srgbClr val="000000"/>
-              </a:solidFill>
+            <a:endParaRPr b="0" lang="pt-BR" sz="3200" spc="-1" strike="noStrike">
               <a:latin typeface="Arial"/>
             </a:endParaRPr>
           </a:p>
@@ -2511,10 +2220,10 @@
             <a:noAutofit/>
           </a:bodyPr>
           <a:p>
-            <a:endParaRPr b="0" lang="pt-BR" sz="1800" spc="-1" strike="noStrike">
-              <a:solidFill>
-                <a:srgbClr val="000000"/>
-              </a:solidFill>
+            <a:pPr algn="ctr">
+              <a:buNone/>
+            </a:pPr>
+            <a:endParaRPr b="0" lang="pt-BR" sz="4400" spc="-1" strike="noStrike">
               <a:latin typeface="Arial"/>
             </a:endParaRPr>
           </a:p>
@@ -2548,19 +2257,7 @@
             <a:normAutofit/>
           </a:bodyPr>
           <a:p>
-            <a:pPr>
-              <a:lnSpc>
-                <a:spcPct val="90000"/>
-              </a:lnSpc>
-              <a:spcBef>
-                <a:spcPts val="1417"/>
-              </a:spcBef>
-              <a:buNone/>
-            </a:pPr>
-            <a:endParaRPr b="0" lang="pt-BR" sz="2800" spc="-1" strike="noStrike">
-              <a:solidFill>
-                <a:srgbClr val="000000"/>
-              </a:solidFill>
+            <a:endParaRPr b="0" lang="pt-BR" sz="3200" spc="-1" strike="noStrike">
               <a:latin typeface="Arial"/>
             </a:endParaRPr>
           </a:p>
@@ -2594,19 +2291,7 @@
             <a:normAutofit/>
           </a:bodyPr>
           <a:p>
-            <a:pPr>
-              <a:lnSpc>
-                <a:spcPct val="90000"/>
-              </a:lnSpc>
-              <a:spcBef>
-                <a:spcPts val="1417"/>
-              </a:spcBef>
-              <a:buNone/>
-            </a:pPr>
-            <a:endParaRPr b="0" lang="pt-BR" sz="2800" spc="-1" strike="noStrike">
-              <a:solidFill>
-                <a:srgbClr val="000000"/>
-              </a:solidFill>
+            <a:endParaRPr b="0" lang="pt-BR" sz="3200" spc="-1" strike="noStrike">
               <a:latin typeface="Arial"/>
             </a:endParaRPr>
           </a:p>
@@ -2640,19 +2325,7 @@
             <a:normAutofit/>
           </a:bodyPr>
           <a:p>
-            <a:pPr>
-              <a:lnSpc>
-                <a:spcPct val="90000"/>
-              </a:lnSpc>
-              <a:spcBef>
-                <a:spcPts val="1417"/>
-              </a:spcBef>
-              <a:buNone/>
-            </a:pPr>
-            <a:endParaRPr b="0" lang="pt-BR" sz="2800" spc="-1" strike="noStrike">
-              <a:solidFill>
-                <a:srgbClr val="000000"/>
-              </a:solidFill>
+            <a:endParaRPr b="0" lang="pt-BR" sz="3200" spc="-1" strike="noStrike">
               <a:latin typeface="Arial"/>
             </a:endParaRPr>
           </a:p>
@@ -2686,19 +2359,7 @@
             <a:normAutofit/>
           </a:bodyPr>
           <a:p>
-            <a:pPr>
-              <a:lnSpc>
-                <a:spcPct val="90000"/>
-              </a:lnSpc>
-              <a:spcBef>
-                <a:spcPts val="1417"/>
-              </a:spcBef>
-              <a:buNone/>
-            </a:pPr>
-            <a:endParaRPr b="0" lang="pt-BR" sz="2800" spc="-1" strike="noStrike">
-              <a:solidFill>
-                <a:srgbClr val="000000"/>
-              </a:solidFill>
+            <a:endParaRPr b="0" lang="pt-BR" sz="3200" spc="-1" strike="noStrike">
               <a:latin typeface="Arial"/>
             </a:endParaRPr>
           </a:p>
@@ -2754,10 +2415,10 @@
             <a:noAutofit/>
           </a:bodyPr>
           <a:p>
-            <a:endParaRPr b="0" lang="pt-BR" sz="1800" spc="-1" strike="noStrike">
-              <a:solidFill>
-                <a:srgbClr val="000000"/>
-              </a:solidFill>
+            <a:pPr algn="ctr">
+              <a:buNone/>
+            </a:pPr>
+            <a:endParaRPr b="0" lang="pt-BR" sz="4400" spc="-1" strike="noStrike">
               <a:latin typeface="Arial"/>
             </a:endParaRPr>
           </a:p>
@@ -2791,19 +2452,7 @@
             <a:normAutofit/>
           </a:bodyPr>
           <a:p>
-            <a:pPr>
-              <a:lnSpc>
-                <a:spcPct val="90000"/>
-              </a:lnSpc>
-              <a:spcBef>
-                <a:spcPts val="1417"/>
-              </a:spcBef>
-              <a:buNone/>
-            </a:pPr>
-            <a:endParaRPr b="0" lang="pt-BR" sz="2800" spc="-1" strike="noStrike">
-              <a:solidFill>
-                <a:srgbClr val="000000"/>
-              </a:solidFill>
+            <a:endParaRPr b="0" lang="pt-BR" sz="3200" spc="-1" strike="noStrike">
               <a:latin typeface="Arial"/>
             </a:endParaRPr>
           </a:p>
@@ -2837,19 +2486,7 @@
             <a:normAutofit/>
           </a:bodyPr>
           <a:p>
-            <a:pPr>
-              <a:lnSpc>
-                <a:spcPct val="90000"/>
-              </a:lnSpc>
-              <a:spcBef>
-                <a:spcPts val="1417"/>
-              </a:spcBef>
-              <a:buNone/>
-            </a:pPr>
-            <a:endParaRPr b="0" lang="pt-BR" sz="2800" spc="-1" strike="noStrike">
-              <a:solidFill>
-                <a:srgbClr val="000000"/>
-              </a:solidFill>
+            <a:endParaRPr b="0" lang="pt-BR" sz="3200" spc="-1" strike="noStrike">
               <a:latin typeface="Arial"/>
             </a:endParaRPr>
           </a:p>
@@ -2883,19 +2520,7 @@
             <a:normAutofit/>
           </a:bodyPr>
           <a:p>
-            <a:pPr>
-              <a:lnSpc>
-                <a:spcPct val="90000"/>
-              </a:lnSpc>
-              <a:spcBef>
-                <a:spcPts val="1417"/>
-              </a:spcBef>
-              <a:buNone/>
-            </a:pPr>
-            <a:endParaRPr b="0" lang="pt-BR" sz="2800" spc="-1" strike="noStrike">
-              <a:solidFill>
-                <a:srgbClr val="000000"/>
-              </a:solidFill>
+            <a:endParaRPr b="0" lang="pt-BR" sz="3200" spc="-1" strike="noStrike">
               <a:latin typeface="Arial"/>
             </a:endParaRPr>
           </a:p>
@@ -2929,19 +2554,7 @@
             <a:normAutofit/>
           </a:bodyPr>
           <a:p>
-            <a:pPr>
-              <a:lnSpc>
-                <a:spcPct val="90000"/>
-              </a:lnSpc>
-              <a:spcBef>
-                <a:spcPts val="1417"/>
-              </a:spcBef>
-              <a:buNone/>
-            </a:pPr>
-            <a:endParaRPr b="0" lang="pt-BR" sz="2800" spc="-1" strike="noStrike">
-              <a:solidFill>
-                <a:srgbClr val="000000"/>
-              </a:solidFill>
+            <a:endParaRPr b="0" lang="pt-BR" sz="3200" spc="-1" strike="noStrike">
               <a:latin typeface="Arial"/>
             </a:endParaRPr>
           </a:p>
@@ -2975,19 +2588,7 @@
             <a:normAutofit/>
           </a:bodyPr>
           <a:p>
-            <a:pPr>
-              <a:lnSpc>
-                <a:spcPct val="90000"/>
-              </a:lnSpc>
-              <a:spcBef>
-                <a:spcPts val="1417"/>
-              </a:spcBef>
-              <a:buNone/>
-            </a:pPr>
-            <a:endParaRPr b="0" lang="pt-BR" sz="2800" spc="-1" strike="noStrike">
-              <a:solidFill>
-                <a:srgbClr val="000000"/>
-              </a:solidFill>
+            <a:endParaRPr b="0" lang="pt-BR" sz="3200" spc="-1" strike="noStrike">
               <a:latin typeface="Arial"/>
             </a:endParaRPr>
           </a:p>
@@ -3021,19 +2622,7 @@
             <a:normAutofit/>
           </a:bodyPr>
           <a:p>
-            <a:pPr>
-              <a:lnSpc>
-                <a:spcPct val="90000"/>
-              </a:lnSpc>
-              <a:spcBef>
-                <a:spcPts val="1417"/>
-              </a:spcBef>
-              <a:buNone/>
-            </a:pPr>
-            <a:endParaRPr b="0" lang="pt-BR" sz="2800" spc="-1" strike="noStrike">
-              <a:solidFill>
-                <a:srgbClr val="000000"/>
-              </a:solidFill>
+            <a:endParaRPr b="0" lang="pt-BR" sz="3200" spc="-1" strike="noStrike">
               <a:latin typeface="Arial"/>
             </a:endParaRPr>
           </a:p>
@@ -3111,10 +2700,10 @@
             <a:noAutofit/>
           </a:bodyPr>
           <a:p>
-            <a:endParaRPr b="0" lang="pt-BR" sz="1800" spc="-1" strike="noStrike">
-              <a:solidFill>
-                <a:srgbClr val="000000"/>
-              </a:solidFill>
+            <a:pPr algn="ctr">
+              <a:buNone/>
+            </a:pPr>
+            <a:endParaRPr b="0" lang="pt-BR" sz="4400" spc="-1" strike="noStrike">
               <a:latin typeface="Arial"/>
             </a:endParaRPr>
           </a:p>
@@ -3207,10 +2796,10 @@
             <a:noAutofit/>
           </a:bodyPr>
           <a:p>
-            <a:endParaRPr b="0" lang="pt-BR" sz="1800" spc="-1" strike="noStrike">
-              <a:solidFill>
-                <a:srgbClr val="000000"/>
-              </a:solidFill>
+            <a:pPr algn="ctr">
+              <a:buNone/>
+            </a:pPr>
+            <a:endParaRPr b="0" lang="pt-BR" sz="4400" spc="-1" strike="noStrike">
               <a:latin typeface="Arial"/>
             </a:endParaRPr>
           </a:p>
@@ -3244,19 +2833,7 @@
             <a:normAutofit/>
           </a:bodyPr>
           <a:p>
-            <a:pPr>
-              <a:lnSpc>
-                <a:spcPct val="90000"/>
-              </a:lnSpc>
-              <a:spcBef>
-                <a:spcPts val="1417"/>
-              </a:spcBef>
-              <a:buNone/>
-            </a:pPr>
-            <a:endParaRPr b="0" lang="pt-BR" sz="2800" spc="-1" strike="noStrike">
-              <a:solidFill>
-                <a:srgbClr val="000000"/>
-              </a:solidFill>
+            <a:endParaRPr b="0" lang="pt-BR" sz="3200" spc="-1" strike="noStrike">
               <a:latin typeface="Arial"/>
             </a:endParaRPr>
           </a:p>
@@ -3312,10 +2889,10 @@
             <a:noAutofit/>
           </a:bodyPr>
           <a:p>
-            <a:endParaRPr b="0" lang="pt-BR" sz="1800" spc="-1" strike="noStrike">
-              <a:solidFill>
-                <a:srgbClr val="000000"/>
-              </a:solidFill>
+            <a:pPr algn="ctr">
+              <a:buNone/>
+            </a:pPr>
+            <a:endParaRPr b="0" lang="pt-BR" sz="4400" spc="-1" strike="noStrike">
               <a:latin typeface="Arial"/>
             </a:endParaRPr>
           </a:p>
@@ -3349,19 +2926,7 @@
             <a:normAutofit/>
           </a:bodyPr>
           <a:p>
-            <a:pPr>
-              <a:lnSpc>
-                <a:spcPct val="90000"/>
-              </a:lnSpc>
-              <a:spcBef>
-                <a:spcPts val="1417"/>
-              </a:spcBef>
-              <a:buNone/>
-            </a:pPr>
-            <a:endParaRPr b="0" lang="pt-BR" sz="2800" spc="-1" strike="noStrike">
-              <a:solidFill>
-                <a:srgbClr val="000000"/>
-              </a:solidFill>
+            <a:endParaRPr b="0" lang="pt-BR" sz="3200" spc="-1" strike="noStrike">
               <a:latin typeface="Arial"/>
             </a:endParaRPr>
           </a:p>
@@ -3395,19 +2960,7 @@
             <a:normAutofit/>
           </a:bodyPr>
           <a:p>
-            <a:pPr>
-              <a:lnSpc>
-                <a:spcPct val="90000"/>
-              </a:lnSpc>
-              <a:spcBef>
-                <a:spcPts val="1417"/>
-              </a:spcBef>
-              <a:buNone/>
-            </a:pPr>
-            <a:endParaRPr b="0" lang="pt-BR" sz="2800" spc="-1" strike="noStrike">
-              <a:solidFill>
-                <a:srgbClr val="000000"/>
-              </a:solidFill>
+            <a:endParaRPr b="0" lang="pt-BR" sz="3200" spc="-1" strike="noStrike">
               <a:latin typeface="Arial"/>
             </a:endParaRPr>
           </a:p>
@@ -3463,10 +3016,10 @@
             <a:noAutofit/>
           </a:bodyPr>
           <a:p>
-            <a:endParaRPr b="0" lang="pt-BR" sz="1800" spc="-1" strike="noStrike">
-              <a:solidFill>
-                <a:srgbClr val="000000"/>
-              </a:solidFill>
+            <a:pPr algn="ctr">
+              <a:buNone/>
+            </a:pPr>
+            <a:endParaRPr b="0" lang="pt-BR" sz="4400" spc="-1" strike="noStrike">
               <a:latin typeface="Arial"/>
             </a:endParaRPr>
           </a:p>
@@ -3581,10 +3134,10 @@
             <a:noAutofit/>
           </a:bodyPr>
           <a:p>
-            <a:endParaRPr b="0" lang="pt-BR" sz="1800" spc="-1" strike="noStrike">
-              <a:solidFill>
-                <a:srgbClr val="000000"/>
-              </a:solidFill>
+            <a:pPr algn="ctr">
+              <a:buNone/>
+            </a:pPr>
+            <a:endParaRPr b="0" lang="pt-BR" sz="4400" spc="-1" strike="noStrike">
               <a:latin typeface="Arial"/>
             </a:endParaRPr>
           </a:p>
@@ -3618,19 +3171,7 @@
             <a:normAutofit/>
           </a:bodyPr>
           <a:p>
-            <a:pPr>
-              <a:lnSpc>
-                <a:spcPct val="90000"/>
-              </a:lnSpc>
-              <a:spcBef>
-                <a:spcPts val="1417"/>
-              </a:spcBef>
-              <a:buNone/>
-            </a:pPr>
-            <a:endParaRPr b="0" lang="pt-BR" sz="2800" spc="-1" strike="noStrike">
-              <a:solidFill>
-                <a:srgbClr val="000000"/>
-              </a:solidFill>
+            <a:endParaRPr b="0" lang="pt-BR" sz="3200" spc="-1" strike="noStrike">
               <a:latin typeface="Arial"/>
             </a:endParaRPr>
           </a:p>
@@ -3664,19 +3205,7 @@
             <a:normAutofit/>
           </a:bodyPr>
           <a:p>
-            <a:pPr>
-              <a:lnSpc>
-                <a:spcPct val="90000"/>
-              </a:lnSpc>
-              <a:spcBef>
-                <a:spcPts val="1417"/>
-              </a:spcBef>
-              <a:buNone/>
-            </a:pPr>
-            <a:endParaRPr b="0" lang="pt-BR" sz="2800" spc="-1" strike="noStrike">
-              <a:solidFill>
-                <a:srgbClr val="000000"/>
-              </a:solidFill>
+            <a:endParaRPr b="0" lang="pt-BR" sz="3200" spc="-1" strike="noStrike">
               <a:latin typeface="Arial"/>
             </a:endParaRPr>
           </a:p>
@@ -3710,19 +3239,7 @@
             <a:normAutofit/>
           </a:bodyPr>
           <a:p>
-            <a:pPr>
-              <a:lnSpc>
-                <a:spcPct val="90000"/>
-              </a:lnSpc>
-              <a:spcBef>
-                <a:spcPts val="1417"/>
-              </a:spcBef>
-              <a:buNone/>
-            </a:pPr>
-            <a:endParaRPr b="0" lang="pt-BR" sz="2800" spc="-1" strike="noStrike">
-              <a:solidFill>
-                <a:srgbClr val="000000"/>
-              </a:solidFill>
+            <a:endParaRPr b="0" lang="pt-BR" sz="3200" spc="-1" strike="noStrike">
               <a:latin typeface="Arial"/>
             </a:endParaRPr>
           </a:p>
@@ -3778,10 +3295,10 @@
             <a:noAutofit/>
           </a:bodyPr>
           <a:p>
-            <a:endParaRPr b="0" lang="pt-BR" sz="1800" spc="-1" strike="noStrike">
-              <a:solidFill>
-                <a:srgbClr val="000000"/>
-              </a:solidFill>
+            <a:pPr algn="ctr">
+              <a:buNone/>
+            </a:pPr>
+            <a:endParaRPr b="0" lang="pt-BR" sz="4400" spc="-1" strike="noStrike">
               <a:latin typeface="Arial"/>
             </a:endParaRPr>
           </a:p>
@@ -3874,10 +3391,10 @@
             <a:noAutofit/>
           </a:bodyPr>
           <a:p>
-            <a:endParaRPr b="0" lang="pt-BR" sz="1800" spc="-1" strike="noStrike">
-              <a:solidFill>
-                <a:srgbClr val="000000"/>
-              </a:solidFill>
+            <a:pPr algn="ctr">
+              <a:buNone/>
+            </a:pPr>
+            <a:endParaRPr b="0" lang="pt-BR" sz="4400" spc="-1" strike="noStrike">
               <a:latin typeface="Arial"/>
             </a:endParaRPr>
           </a:p>
@@ -3911,19 +3428,7 @@
             <a:normAutofit/>
           </a:bodyPr>
           <a:p>
-            <a:pPr>
-              <a:lnSpc>
-                <a:spcPct val="90000"/>
-              </a:lnSpc>
-              <a:spcBef>
-                <a:spcPts val="1417"/>
-              </a:spcBef>
-              <a:buNone/>
-            </a:pPr>
-            <a:endParaRPr b="0" lang="pt-BR" sz="2800" spc="-1" strike="noStrike">
-              <a:solidFill>
-                <a:srgbClr val="000000"/>
-              </a:solidFill>
+            <a:endParaRPr b="0" lang="pt-BR" sz="3200" spc="-1" strike="noStrike">
               <a:latin typeface="Arial"/>
             </a:endParaRPr>
           </a:p>
@@ -3957,19 +3462,7 @@
             <a:normAutofit/>
           </a:bodyPr>
           <a:p>
-            <a:pPr>
-              <a:lnSpc>
-                <a:spcPct val="90000"/>
-              </a:lnSpc>
-              <a:spcBef>
-                <a:spcPts val="1417"/>
-              </a:spcBef>
-              <a:buNone/>
-            </a:pPr>
-            <a:endParaRPr b="0" lang="pt-BR" sz="2800" spc="-1" strike="noStrike">
-              <a:solidFill>
-                <a:srgbClr val="000000"/>
-              </a:solidFill>
+            <a:endParaRPr b="0" lang="pt-BR" sz="3200" spc="-1" strike="noStrike">
               <a:latin typeface="Arial"/>
             </a:endParaRPr>
           </a:p>
@@ -4003,19 +3496,7 @@
             <a:normAutofit/>
           </a:bodyPr>
           <a:p>
-            <a:pPr>
-              <a:lnSpc>
-                <a:spcPct val="90000"/>
-              </a:lnSpc>
-              <a:spcBef>
-                <a:spcPts val="1417"/>
-              </a:spcBef>
-              <a:buNone/>
-            </a:pPr>
-            <a:endParaRPr b="0" lang="pt-BR" sz="2800" spc="-1" strike="noStrike">
-              <a:solidFill>
-                <a:srgbClr val="000000"/>
-              </a:solidFill>
+            <a:endParaRPr b="0" lang="pt-BR" sz="3200" spc="-1" strike="noStrike">
               <a:latin typeface="Arial"/>
             </a:endParaRPr>
           </a:p>
@@ -4071,10 +3552,10 @@
             <a:noAutofit/>
           </a:bodyPr>
           <a:p>
-            <a:endParaRPr b="0" lang="pt-BR" sz="1800" spc="-1" strike="noStrike">
-              <a:solidFill>
-                <a:srgbClr val="000000"/>
-              </a:solidFill>
+            <a:pPr algn="ctr">
+              <a:buNone/>
+            </a:pPr>
+            <a:endParaRPr b="0" lang="pt-BR" sz="4400" spc="-1" strike="noStrike">
               <a:latin typeface="Arial"/>
             </a:endParaRPr>
           </a:p>
@@ -4108,19 +3589,7 @@
             <a:normAutofit/>
           </a:bodyPr>
           <a:p>
-            <a:pPr>
-              <a:lnSpc>
-                <a:spcPct val="90000"/>
-              </a:lnSpc>
-              <a:spcBef>
-                <a:spcPts val="1417"/>
-              </a:spcBef>
-              <a:buNone/>
-            </a:pPr>
-            <a:endParaRPr b="0" lang="pt-BR" sz="2800" spc="-1" strike="noStrike">
-              <a:solidFill>
-                <a:srgbClr val="000000"/>
-              </a:solidFill>
+            <a:endParaRPr b="0" lang="pt-BR" sz="3200" spc="-1" strike="noStrike">
               <a:latin typeface="Arial"/>
             </a:endParaRPr>
           </a:p>
@@ -4154,19 +3623,7 @@
             <a:normAutofit/>
           </a:bodyPr>
           <a:p>
-            <a:pPr>
-              <a:lnSpc>
-                <a:spcPct val="90000"/>
-              </a:lnSpc>
-              <a:spcBef>
-                <a:spcPts val="1417"/>
-              </a:spcBef>
-              <a:buNone/>
-            </a:pPr>
-            <a:endParaRPr b="0" lang="pt-BR" sz="2800" spc="-1" strike="noStrike">
-              <a:solidFill>
-                <a:srgbClr val="000000"/>
-              </a:solidFill>
+            <a:endParaRPr b="0" lang="pt-BR" sz="3200" spc="-1" strike="noStrike">
               <a:latin typeface="Arial"/>
             </a:endParaRPr>
           </a:p>
@@ -4200,19 +3657,7 @@
             <a:normAutofit/>
           </a:bodyPr>
           <a:p>
-            <a:pPr>
-              <a:lnSpc>
-                <a:spcPct val="90000"/>
-              </a:lnSpc>
-              <a:spcBef>
-                <a:spcPts val="1417"/>
-              </a:spcBef>
-              <a:buNone/>
-            </a:pPr>
-            <a:endParaRPr b="0" lang="pt-BR" sz="2800" spc="-1" strike="noStrike">
-              <a:solidFill>
-                <a:srgbClr val="000000"/>
-              </a:solidFill>
+            <a:endParaRPr b="0" lang="pt-BR" sz="3200" spc="-1" strike="noStrike">
               <a:latin typeface="Arial"/>
             </a:endParaRPr>
           </a:p>
@@ -4268,10 +3713,10 @@
             <a:noAutofit/>
           </a:bodyPr>
           <a:p>
-            <a:endParaRPr b="0" lang="pt-BR" sz="1800" spc="-1" strike="noStrike">
-              <a:solidFill>
-                <a:srgbClr val="000000"/>
-              </a:solidFill>
+            <a:pPr algn="ctr">
+              <a:buNone/>
+            </a:pPr>
+            <a:endParaRPr b="0" lang="pt-BR" sz="4400" spc="-1" strike="noStrike">
               <a:latin typeface="Arial"/>
             </a:endParaRPr>
           </a:p>
@@ -4305,19 +3750,7 @@
             <a:normAutofit/>
           </a:bodyPr>
           <a:p>
-            <a:pPr>
-              <a:lnSpc>
-                <a:spcPct val="90000"/>
-              </a:lnSpc>
-              <a:spcBef>
-                <a:spcPts val="1417"/>
-              </a:spcBef>
-              <a:buNone/>
-            </a:pPr>
-            <a:endParaRPr b="0" lang="pt-BR" sz="2800" spc="-1" strike="noStrike">
-              <a:solidFill>
-                <a:srgbClr val="000000"/>
-              </a:solidFill>
+            <a:endParaRPr b="0" lang="pt-BR" sz="3200" spc="-1" strike="noStrike">
               <a:latin typeface="Arial"/>
             </a:endParaRPr>
           </a:p>
@@ -4351,19 +3784,7 @@
             <a:normAutofit/>
           </a:bodyPr>
           <a:p>
-            <a:pPr>
-              <a:lnSpc>
-                <a:spcPct val="90000"/>
-              </a:lnSpc>
-              <a:spcBef>
-                <a:spcPts val="1417"/>
-              </a:spcBef>
-              <a:buNone/>
-            </a:pPr>
-            <a:endParaRPr b="0" lang="pt-BR" sz="2800" spc="-1" strike="noStrike">
-              <a:solidFill>
-                <a:srgbClr val="000000"/>
-              </a:solidFill>
+            <a:endParaRPr b="0" lang="pt-BR" sz="3200" spc="-1" strike="noStrike">
               <a:latin typeface="Arial"/>
             </a:endParaRPr>
           </a:p>
@@ -4419,10 +3840,10 @@
             <a:noAutofit/>
           </a:bodyPr>
           <a:p>
-            <a:endParaRPr b="0" lang="pt-BR" sz="1800" spc="-1" strike="noStrike">
-              <a:solidFill>
-                <a:srgbClr val="000000"/>
-              </a:solidFill>
+            <a:pPr algn="ctr">
+              <a:buNone/>
+            </a:pPr>
+            <a:endParaRPr b="0" lang="pt-BR" sz="4400" spc="-1" strike="noStrike">
               <a:latin typeface="Arial"/>
             </a:endParaRPr>
           </a:p>
@@ -4456,19 +3877,7 @@
             <a:normAutofit/>
           </a:bodyPr>
           <a:p>
-            <a:pPr>
-              <a:lnSpc>
-                <a:spcPct val="90000"/>
-              </a:lnSpc>
-              <a:spcBef>
-                <a:spcPts val="1417"/>
-              </a:spcBef>
-              <a:buNone/>
-            </a:pPr>
-            <a:endParaRPr b="0" lang="pt-BR" sz="2800" spc="-1" strike="noStrike">
-              <a:solidFill>
-                <a:srgbClr val="000000"/>
-              </a:solidFill>
+            <a:endParaRPr b="0" lang="pt-BR" sz="3200" spc="-1" strike="noStrike">
               <a:latin typeface="Arial"/>
             </a:endParaRPr>
           </a:p>
@@ -4502,19 +3911,7 @@
             <a:normAutofit/>
           </a:bodyPr>
           <a:p>
-            <a:pPr>
-              <a:lnSpc>
-                <a:spcPct val="90000"/>
-              </a:lnSpc>
-              <a:spcBef>
-                <a:spcPts val="1417"/>
-              </a:spcBef>
-              <a:buNone/>
-            </a:pPr>
-            <a:endParaRPr b="0" lang="pt-BR" sz="2800" spc="-1" strike="noStrike">
-              <a:solidFill>
-                <a:srgbClr val="000000"/>
-              </a:solidFill>
+            <a:endParaRPr b="0" lang="pt-BR" sz="3200" spc="-1" strike="noStrike">
               <a:latin typeface="Arial"/>
             </a:endParaRPr>
           </a:p>
@@ -4548,19 +3945,7 @@
             <a:normAutofit/>
           </a:bodyPr>
           <a:p>
-            <a:pPr>
-              <a:lnSpc>
-                <a:spcPct val="90000"/>
-              </a:lnSpc>
-              <a:spcBef>
-                <a:spcPts val="1417"/>
-              </a:spcBef>
-              <a:buNone/>
-            </a:pPr>
-            <a:endParaRPr b="0" lang="pt-BR" sz="2800" spc="-1" strike="noStrike">
-              <a:solidFill>
-                <a:srgbClr val="000000"/>
-              </a:solidFill>
+            <a:endParaRPr b="0" lang="pt-BR" sz="3200" spc="-1" strike="noStrike">
               <a:latin typeface="Arial"/>
             </a:endParaRPr>
           </a:p>
@@ -4594,19 +3979,7 @@
             <a:normAutofit/>
           </a:bodyPr>
           <a:p>
-            <a:pPr>
-              <a:lnSpc>
-                <a:spcPct val="90000"/>
-              </a:lnSpc>
-              <a:spcBef>
-                <a:spcPts val="1417"/>
-              </a:spcBef>
-              <a:buNone/>
-            </a:pPr>
-            <a:endParaRPr b="0" lang="pt-BR" sz="2800" spc="-1" strike="noStrike">
-              <a:solidFill>
-                <a:srgbClr val="000000"/>
-              </a:solidFill>
+            <a:endParaRPr b="0" lang="pt-BR" sz="3200" spc="-1" strike="noStrike">
               <a:latin typeface="Arial"/>
             </a:endParaRPr>
           </a:p>
@@ -4662,10 +4035,10 @@
             <a:noAutofit/>
           </a:bodyPr>
           <a:p>
-            <a:endParaRPr b="0" lang="pt-BR" sz="1800" spc="-1" strike="noStrike">
-              <a:solidFill>
-                <a:srgbClr val="000000"/>
-              </a:solidFill>
+            <a:pPr algn="ctr">
+              <a:buNone/>
+            </a:pPr>
+            <a:endParaRPr b="0" lang="pt-BR" sz="4400" spc="-1" strike="noStrike">
               <a:latin typeface="Arial"/>
             </a:endParaRPr>
           </a:p>
@@ -4699,19 +4072,7 @@
             <a:normAutofit/>
           </a:bodyPr>
           <a:p>
-            <a:pPr>
-              <a:lnSpc>
-                <a:spcPct val="90000"/>
-              </a:lnSpc>
-              <a:spcBef>
-                <a:spcPts val="1417"/>
-              </a:spcBef>
-              <a:buNone/>
-            </a:pPr>
-            <a:endParaRPr b="0" lang="pt-BR" sz="2800" spc="-1" strike="noStrike">
-              <a:solidFill>
-                <a:srgbClr val="000000"/>
-              </a:solidFill>
+            <a:endParaRPr b="0" lang="pt-BR" sz="3200" spc="-1" strike="noStrike">
               <a:latin typeface="Arial"/>
             </a:endParaRPr>
           </a:p>
@@ -4745,19 +4106,7 @@
             <a:normAutofit/>
           </a:bodyPr>
           <a:p>
-            <a:pPr>
-              <a:lnSpc>
-                <a:spcPct val="90000"/>
-              </a:lnSpc>
-              <a:spcBef>
-                <a:spcPts val="1417"/>
-              </a:spcBef>
-              <a:buNone/>
-            </a:pPr>
-            <a:endParaRPr b="0" lang="pt-BR" sz="2800" spc="-1" strike="noStrike">
-              <a:solidFill>
-                <a:srgbClr val="000000"/>
-              </a:solidFill>
+            <a:endParaRPr b="0" lang="pt-BR" sz="3200" spc="-1" strike="noStrike">
               <a:latin typeface="Arial"/>
             </a:endParaRPr>
           </a:p>
@@ -4791,19 +4140,7 @@
             <a:normAutofit/>
           </a:bodyPr>
           <a:p>
-            <a:pPr>
-              <a:lnSpc>
-                <a:spcPct val="90000"/>
-              </a:lnSpc>
-              <a:spcBef>
-                <a:spcPts val="1417"/>
-              </a:spcBef>
-              <a:buNone/>
-            </a:pPr>
-            <a:endParaRPr b="0" lang="pt-BR" sz="2800" spc="-1" strike="noStrike">
-              <a:solidFill>
-                <a:srgbClr val="000000"/>
-              </a:solidFill>
+            <a:endParaRPr b="0" lang="pt-BR" sz="3200" spc="-1" strike="noStrike">
               <a:latin typeface="Arial"/>
             </a:endParaRPr>
           </a:p>
@@ -4837,19 +4174,7 @@
             <a:normAutofit/>
           </a:bodyPr>
           <a:p>
-            <a:pPr>
-              <a:lnSpc>
-                <a:spcPct val="90000"/>
-              </a:lnSpc>
-              <a:spcBef>
-                <a:spcPts val="1417"/>
-              </a:spcBef>
-              <a:buNone/>
-            </a:pPr>
-            <a:endParaRPr b="0" lang="pt-BR" sz="2800" spc="-1" strike="noStrike">
-              <a:solidFill>
-                <a:srgbClr val="000000"/>
-              </a:solidFill>
+            <a:endParaRPr b="0" lang="pt-BR" sz="3200" spc="-1" strike="noStrike">
               <a:latin typeface="Arial"/>
             </a:endParaRPr>
           </a:p>
@@ -4883,19 +4208,7 @@
             <a:normAutofit/>
           </a:bodyPr>
           <a:p>
-            <a:pPr>
-              <a:lnSpc>
-                <a:spcPct val="90000"/>
-              </a:lnSpc>
-              <a:spcBef>
-                <a:spcPts val="1417"/>
-              </a:spcBef>
-              <a:buNone/>
-            </a:pPr>
-            <a:endParaRPr b="0" lang="pt-BR" sz="2800" spc="-1" strike="noStrike">
-              <a:solidFill>
-                <a:srgbClr val="000000"/>
-              </a:solidFill>
+            <a:endParaRPr b="0" lang="pt-BR" sz="3200" spc="-1" strike="noStrike">
               <a:latin typeface="Arial"/>
             </a:endParaRPr>
           </a:p>
@@ -4929,19 +4242,7 @@
             <a:normAutofit/>
           </a:bodyPr>
           <a:p>
-            <a:pPr>
-              <a:lnSpc>
-                <a:spcPct val="90000"/>
-              </a:lnSpc>
-              <a:spcBef>
-                <a:spcPts val="1417"/>
-              </a:spcBef>
-              <a:buNone/>
-            </a:pPr>
-            <a:endParaRPr b="0" lang="pt-BR" sz="2800" spc="-1" strike="noStrike">
-              <a:solidFill>
-                <a:srgbClr val="000000"/>
-              </a:solidFill>
+            <a:endParaRPr b="0" lang="pt-BR" sz="3200" spc="-1" strike="noStrike">
               <a:latin typeface="Arial"/>
             </a:endParaRPr>
           </a:p>
@@ -4997,10 +4298,10 @@
             <a:noAutofit/>
           </a:bodyPr>
           <a:p>
-            <a:endParaRPr b="0" lang="pt-BR" sz="1800" spc="-1" strike="noStrike">
-              <a:solidFill>
-                <a:srgbClr val="000000"/>
-              </a:solidFill>
+            <a:pPr algn="ctr">
+              <a:buNone/>
+            </a:pPr>
+            <a:endParaRPr b="0" lang="pt-BR" sz="4400" spc="-1" strike="noStrike">
               <a:latin typeface="Arial"/>
             </a:endParaRPr>
           </a:p>
@@ -5034,19 +4335,7 @@
             <a:normAutofit/>
           </a:bodyPr>
           <a:p>
-            <a:pPr>
-              <a:lnSpc>
-                <a:spcPct val="90000"/>
-              </a:lnSpc>
-              <a:spcBef>
-                <a:spcPts val="1417"/>
-              </a:spcBef>
-              <a:buNone/>
-            </a:pPr>
-            <a:endParaRPr b="0" lang="pt-BR" sz="2800" spc="-1" strike="noStrike">
-              <a:solidFill>
-                <a:srgbClr val="000000"/>
-              </a:solidFill>
+            <a:endParaRPr b="0" lang="pt-BR" sz="3200" spc="-1" strike="noStrike">
               <a:latin typeface="Arial"/>
             </a:endParaRPr>
           </a:p>
@@ -5102,10 +4391,10 @@
             <a:noAutofit/>
           </a:bodyPr>
           <a:p>
-            <a:endParaRPr b="0" lang="pt-BR" sz="1800" spc="-1" strike="noStrike">
-              <a:solidFill>
-                <a:srgbClr val="000000"/>
-              </a:solidFill>
+            <a:pPr algn="ctr">
+              <a:buNone/>
+            </a:pPr>
+            <a:endParaRPr b="0" lang="pt-BR" sz="4400" spc="-1" strike="noStrike">
               <a:latin typeface="Arial"/>
             </a:endParaRPr>
           </a:p>
@@ -5139,19 +4428,7 @@
             <a:normAutofit/>
           </a:bodyPr>
           <a:p>
-            <a:pPr>
-              <a:lnSpc>
-                <a:spcPct val="90000"/>
-              </a:lnSpc>
-              <a:spcBef>
-                <a:spcPts val="1417"/>
-              </a:spcBef>
-              <a:buNone/>
-            </a:pPr>
-            <a:endParaRPr b="0" lang="pt-BR" sz="2800" spc="-1" strike="noStrike">
-              <a:solidFill>
-                <a:srgbClr val="000000"/>
-              </a:solidFill>
+            <a:endParaRPr b="0" lang="pt-BR" sz="3200" spc="-1" strike="noStrike">
               <a:latin typeface="Arial"/>
             </a:endParaRPr>
           </a:p>
@@ -5185,19 +4462,7 @@
             <a:normAutofit/>
           </a:bodyPr>
           <a:p>
-            <a:pPr>
-              <a:lnSpc>
-                <a:spcPct val="90000"/>
-              </a:lnSpc>
-              <a:spcBef>
-                <a:spcPts val="1417"/>
-              </a:spcBef>
-              <a:buNone/>
-            </a:pPr>
-            <a:endParaRPr b="0" lang="pt-BR" sz="2800" spc="-1" strike="noStrike">
-              <a:solidFill>
-                <a:srgbClr val="000000"/>
-              </a:solidFill>
+            <a:endParaRPr b="0" lang="pt-BR" sz="3200" spc="-1" strike="noStrike">
               <a:latin typeface="Arial"/>
             </a:endParaRPr>
           </a:p>
@@ -5253,10 +4518,10 @@
             <a:noAutofit/>
           </a:bodyPr>
           <a:p>
-            <a:endParaRPr b="0" lang="pt-BR" sz="1800" spc="-1" strike="noStrike">
-              <a:solidFill>
-                <a:srgbClr val="000000"/>
-              </a:solidFill>
+            <a:pPr algn="ctr">
+              <a:buNone/>
+            </a:pPr>
+            <a:endParaRPr b="0" lang="pt-BR" sz="4400" spc="-1" strike="noStrike">
               <a:latin typeface="Arial"/>
             </a:endParaRPr>
           </a:p>
@@ -5371,10 +4636,10 @@
             <a:noAutofit/>
           </a:bodyPr>
           <a:p>
-            <a:endParaRPr b="0" lang="pt-BR" sz="1800" spc="-1" strike="noStrike">
-              <a:solidFill>
-                <a:srgbClr val="000000"/>
-              </a:solidFill>
+            <a:pPr algn="ctr">
+              <a:buNone/>
+            </a:pPr>
+            <a:endParaRPr b="0" lang="pt-BR" sz="4400" spc="-1" strike="noStrike">
               <a:latin typeface="Arial"/>
             </a:endParaRPr>
           </a:p>
@@ -5408,19 +4673,7 @@
             <a:normAutofit/>
           </a:bodyPr>
           <a:p>
-            <a:pPr>
-              <a:lnSpc>
-                <a:spcPct val="90000"/>
-              </a:lnSpc>
-              <a:spcBef>
-                <a:spcPts val="1417"/>
-              </a:spcBef>
-              <a:buNone/>
-            </a:pPr>
-            <a:endParaRPr b="0" lang="pt-BR" sz="2800" spc="-1" strike="noStrike">
-              <a:solidFill>
-                <a:srgbClr val="000000"/>
-              </a:solidFill>
+            <a:endParaRPr b="0" lang="pt-BR" sz="3200" spc="-1" strike="noStrike">
               <a:latin typeface="Arial"/>
             </a:endParaRPr>
           </a:p>
@@ -5454,19 +4707,7 @@
             <a:normAutofit/>
           </a:bodyPr>
           <a:p>
-            <a:pPr>
-              <a:lnSpc>
-                <a:spcPct val="90000"/>
-              </a:lnSpc>
-              <a:spcBef>
-                <a:spcPts val="1417"/>
-              </a:spcBef>
-              <a:buNone/>
-            </a:pPr>
-            <a:endParaRPr b="0" lang="pt-BR" sz="2800" spc="-1" strike="noStrike">
-              <a:solidFill>
-                <a:srgbClr val="000000"/>
-              </a:solidFill>
+            <a:endParaRPr b="0" lang="pt-BR" sz="3200" spc="-1" strike="noStrike">
               <a:latin typeface="Arial"/>
             </a:endParaRPr>
           </a:p>
@@ -5500,19 +4741,7 @@
             <a:normAutofit/>
           </a:bodyPr>
           <a:p>
-            <a:pPr>
-              <a:lnSpc>
-                <a:spcPct val="90000"/>
-              </a:lnSpc>
-              <a:spcBef>
-                <a:spcPts val="1417"/>
-              </a:spcBef>
-              <a:buNone/>
-            </a:pPr>
-            <a:endParaRPr b="0" lang="pt-BR" sz="2800" spc="-1" strike="noStrike">
-              <a:solidFill>
-                <a:srgbClr val="000000"/>
-              </a:solidFill>
+            <a:endParaRPr b="0" lang="pt-BR" sz="3200" spc="-1" strike="noStrike">
               <a:latin typeface="Arial"/>
             </a:endParaRPr>
           </a:p>
@@ -5568,10 +4797,10 @@
             <a:noAutofit/>
           </a:bodyPr>
           <a:p>
-            <a:endParaRPr b="0" lang="pt-BR" sz="1800" spc="-1" strike="noStrike">
-              <a:solidFill>
-                <a:srgbClr val="000000"/>
-              </a:solidFill>
+            <a:pPr algn="ctr">
+              <a:buNone/>
+            </a:pPr>
+            <a:endParaRPr b="0" lang="pt-BR" sz="4400" spc="-1" strike="noStrike">
               <a:latin typeface="Arial"/>
             </a:endParaRPr>
           </a:p>
@@ -5605,19 +4834,7 @@
             <a:normAutofit/>
           </a:bodyPr>
           <a:p>
-            <a:pPr>
-              <a:lnSpc>
-                <a:spcPct val="90000"/>
-              </a:lnSpc>
-              <a:spcBef>
-                <a:spcPts val="1417"/>
-              </a:spcBef>
-              <a:buNone/>
-            </a:pPr>
-            <a:endParaRPr b="0" lang="pt-BR" sz="2800" spc="-1" strike="noStrike">
-              <a:solidFill>
-                <a:srgbClr val="000000"/>
-              </a:solidFill>
+            <a:endParaRPr b="0" lang="pt-BR" sz="3200" spc="-1" strike="noStrike">
               <a:latin typeface="Arial"/>
             </a:endParaRPr>
           </a:p>
@@ -5651,19 +4868,7 @@
             <a:normAutofit/>
           </a:bodyPr>
           <a:p>
-            <a:pPr>
-              <a:lnSpc>
-                <a:spcPct val="90000"/>
-              </a:lnSpc>
-              <a:spcBef>
-                <a:spcPts val="1417"/>
-              </a:spcBef>
-              <a:buNone/>
-            </a:pPr>
-            <a:endParaRPr b="0" lang="pt-BR" sz="2800" spc="-1" strike="noStrike">
-              <a:solidFill>
-                <a:srgbClr val="000000"/>
-              </a:solidFill>
+            <a:endParaRPr b="0" lang="pt-BR" sz="3200" spc="-1" strike="noStrike">
               <a:latin typeface="Arial"/>
             </a:endParaRPr>
           </a:p>
@@ -5697,19 +4902,7 @@
             <a:normAutofit/>
           </a:bodyPr>
           <a:p>
-            <a:pPr>
-              <a:lnSpc>
-                <a:spcPct val="90000"/>
-              </a:lnSpc>
-              <a:spcBef>
-                <a:spcPts val="1417"/>
-              </a:spcBef>
-              <a:buNone/>
-            </a:pPr>
-            <a:endParaRPr b="0" lang="pt-BR" sz="2800" spc="-1" strike="noStrike">
-              <a:solidFill>
-                <a:srgbClr val="000000"/>
-              </a:solidFill>
+            <a:endParaRPr b="0" lang="pt-BR" sz="3200" spc="-1" strike="noStrike">
               <a:latin typeface="Arial"/>
             </a:endParaRPr>
           </a:p>
@@ -5765,10 +4958,10 @@
             <a:noAutofit/>
           </a:bodyPr>
           <a:p>
-            <a:endParaRPr b="0" lang="pt-BR" sz="1800" spc="-1" strike="noStrike">
-              <a:solidFill>
-                <a:srgbClr val="000000"/>
-              </a:solidFill>
+            <a:pPr algn="ctr">
+              <a:buNone/>
+            </a:pPr>
+            <a:endParaRPr b="0" lang="pt-BR" sz="4400" spc="-1" strike="noStrike">
               <a:latin typeface="Arial"/>
             </a:endParaRPr>
           </a:p>
@@ -5802,19 +4995,7 @@
             <a:normAutofit/>
           </a:bodyPr>
           <a:p>
-            <a:pPr>
-              <a:lnSpc>
-                <a:spcPct val="90000"/>
-              </a:lnSpc>
-              <a:spcBef>
-                <a:spcPts val="1417"/>
-              </a:spcBef>
-              <a:buNone/>
-            </a:pPr>
-            <a:endParaRPr b="0" lang="pt-BR" sz="2800" spc="-1" strike="noStrike">
-              <a:solidFill>
-                <a:srgbClr val="000000"/>
-              </a:solidFill>
+            <a:endParaRPr b="0" lang="pt-BR" sz="3200" spc="-1" strike="noStrike">
               <a:latin typeface="Arial"/>
             </a:endParaRPr>
           </a:p>
@@ -5848,19 +5029,7 @@
             <a:normAutofit/>
           </a:bodyPr>
           <a:p>
-            <a:pPr>
-              <a:lnSpc>
-                <a:spcPct val="90000"/>
-              </a:lnSpc>
-              <a:spcBef>
-                <a:spcPts val="1417"/>
-              </a:spcBef>
-              <a:buNone/>
-            </a:pPr>
-            <a:endParaRPr b="0" lang="pt-BR" sz="2800" spc="-1" strike="noStrike">
-              <a:solidFill>
-                <a:srgbClr val="000000"/>
-              </a:solidFill>
+            <a:endParaRPr b="0" lang="pt-BR" sz="3200" spc="-1" strike="noStrike">
               <a:latin typeface="Arial"/>
             </a:endParaRPr>
           </a:p>
@@ -5894,19 +5063,7 @@
             <a:normAutofit/>
           </a:bodyPr>
           <a:p>
-            <a:pPr>
-              <a:lnSpc>
-                <a:spcPct val="90000"/>
-              </a:lnSpc>
-              <a:spcBef>
-                <a:spcPts val="1417"/>
-              </a:spcBef>
-              <a:buNone/>
-            </a:pPr>
-            <a:endParaRPr b="0" lang="pt-BR" sz="2800" spc="-1" strike="noStrike">
-              <a:solidFill>
-                <a:srgbClr val="000000"/>
-              </a:solidFill>
+            <a:endParaRPr b="0" lang="pt-BR" sz="3200" spc="-1" strike="noStrike">
               <a:latin typeface="Arial"/>
             </a:endParaRPr>
           </a:p>
@@ -5950,7 +5107,7 @@
         <p:spPr>
           <a:xfrm>
             <a:off x="0" y="3150000"/>
-            <a:ext cx="9716040" cy="1256040"/>
+            <a:ext cx="9715680" cy="1255680"/>
           </a:xfrm>
           <a:prstGeom prst="rect">
             <a:avLst/>
@@ -5997,19 +5154,16 @@
             <a:noAutofit/>
           </a:bodyPr>
           <a:p>
+            <a:pPr algn="ctr">
+              <a:buNone/>
+            </a:pPr>
             <a:r>
-              <a:rPr b="0" lang="pt-BR" sz="1800" spc="-1" strike="noStrike">
-                <a:solidFill>
-                  <a:srgbClr val="000000"/>
-                </a:solidFill>
+              <a:rPr b="0" lang="pt-BR" sz="4400" spc="-1" strike="noStrike">
                 <a:latin typeface="Arial"/>
               </a:rPr>
               <a:t>Click to edit the title text format</a:t>
             </a:r>
-            <a:endParaRPr b="0" lang="pt-BR" sz="1800" spc="-1" strike="noStrike">
-              <a:solidFill>
-                <a:srgbClr val="000000"/>
-              </a:solidFill>
+            <a:endParaRPr b="0" lang="pt-BR" sz="4400" spc="-1" strike="noStrike">
               <a:latin typeface="Arial"/>
             </a:endParaRPr>
           </a:p>
@@ -6044,9 +5198,6 @@
           </a:bodyPr>
           <a:p>
             <a:pPr marL="432000" indent="-324000">
-              <a:lnSpc>
-                <a:spcPct val="90000"/>
-              </a:lnSpc>
               <a:spcBef>
                 <a:spcPts val="1417"/>
               </a:spcBef>
@@ -6058,26 +5209,17 @@
               <a:buChar char=""/>
             </a:pPr>
             <a:r>
-              <a:rPr b="0" lang="pt-BR" sz="2800" spc="-1" strike="noStrike">
-                <a:solidFill>
-                  <a:srgbClr val="000000"/>
-                </a:solidFill>
+              <a:rPr b="0" lang="pt-BR" sz="3200" spc="-1" strike="noStrike">
                 <a:latin typeface="Arial"/>
               </a:rPr>
               <a:t>Click to edit the outline text format</a:t>
             </a:r>
-            <a:endParaRPr b="0" lang="pt-BR" sz="2800" spc="-1" strike="noStrike">
-              <a:solidFill>
-                <a:srgbClr val="000000"/>
-              </a:solidFill>
+            <a:endParaRPr b="0" lang="pt-BR" sz="3200" spc="-1" strike="noStrike">
               <a:latin typeface="Arial"/>
             </a:endParaRPr>
           </a:p>
           <a:p>
             <a:pPr lvl="1" marL="864000" indent="-324000">
-              <a:lnSpc>
-                <a:spcPct val="90000"/>
-              </a:lnSpc>
               <a:spcBef>
                 <a:spcPts val="1134"/>
               </a:spcBef>
@@ -6089,26 +5231,17 @@
               <a:buChar char=""/>
             </a:pPr>
             <a:r>
-              <a:rPr b="0" lang="pt-BR" sz="2000" spc="-1" strike="noStrike">
-                <a:solidFill>
-                  <a:srgbClr val="000000"/>
-                </a:solidFill>
+              <a:rPr b="0" lang="pt-BR" sz="2800" spc="-1" strike="noStrike">
                 <a:latin typeface="Arial"/>
               </a:rPr>
               <a:t>Second Outline Level</a:t>
             </a:r>
-            <a:endParaRPr b="0" lang="pt-BR" sz="2000" spc="-1" strike="noStrike">
-              <a:solidFill>
-                <a:srgbClr val="000000"/>
-              </a:solidFill>
+            <a:endParaRPr b="0" lang="pt-BR" sz="2800" spc="-1" strike="noStrike">
               <a:latin typeface="Arial"/>
             </a:endParaRPr>
           </a:p>
           <a:p>
             <a:pPr lvl="2" marL="1296000" indent="-288000">
-              <a:lnSpc>
-                <a:spcPct val="90000"/>
-              </a:lnSpc>
               <a:spcBef>
                 <a:spcPts val="850"/>
               </a:spcBef>
@@ -6120,26 +5253,17 @@
               <a:buChar char=""/>
             </a:pPr>
             <a:r>
-              <a:rPr b="0" lang="pt-BR" sz="1800" spc="-1" strike="noStrike">
-                <a:solidFill>
-                  <a:srgbClr val="000000"/>
-                </a:solidFill>
+              <a:rPr b="0" lang="pt-BR" sz="2400" spc="-1" strike="noStrike">
                 <a:latin typeface="Arial"/>
               </a:rPr>
               <a:t>Third Outline Level</a:t>
             </a:r>
-            <a:endParaRPr b="0" lang="pt-BR" sz="1800" spc="-1" strike="noStrike">
-              <a:solidFill>
-                <a:srgbClr val="000000"/>
-              </a:solidFill>
+            <a:endParaRPr b="0" lang="pt-BR" sz="2400" spc="-1" strike="noStrike">
               <a:latin typeface="Arial"/>
             </a:endParaRPr>
           </a:p>
           <a:p>
             <a:pPr lvl="3" marL="1728000" indent="-216000">
-              <a:lnSpc>
-                <a:spcPct val="90000"/>
-              </a:lnSpc>
               <a:spcBef>
                 <a:spcPts val="567"/>
               </a:spcBef>
@@ -6151,26 +5275,17 @@
               <a:buChar char=""/>
             </a:pPr>
             <a:r>
-              <a:rPr b="0" lang="pt-BR" sz="1800" spc="-1" strike="noStrike">
-                <a:solidFill>
-                  <a:srgbClr val="000000"/>
-                </a:solidFill>
+              <a:rPr b="0" lang="pt-BR" sz="2000" spc="-1" strike="noStrike">
                 <a:latin typeface="Arial"/>
               </a:rPr>
               <a:t>Fourth Outline Level</a:t>
             </a:r>
-            <a:endParaRPr b="0" lang="pt-BR" sz="1800" spc="-1" strike="noStrike">
-              <a:solidFill>
-                <a:srgbClr val="000000"/>
-              </a:solidFill>
+            <a:endParaRPr b="0" lang="pt-BR" sz="2000" spc="-1" strike="noStrike">
               <a:latin typeface="Arial"/>
             </a:endParaRPr>
           </a:p>
           <a:p>
             <a:pPr lvl="4" marL="2160000" indent="-216000">
-              <a:lnSpc>
-                <a:spcPct val="90000"/>
-              </a:lnSpc>
               <a:spcBef>
                 <a:spcPts val="283"/>
               </a:spcBef>
@@ -6183,25 +5298,16 @@
             </a:pPr>
             <a:r>
               <a:rPr b="0" lang="pt-BR" sz="2000" spc="-1" strike="noStrike">
-                <a:solidFill>
-                  <a:srgbClr val="000000"/>
-                </a:solidFill>
                 <a:latin typeface="Arial"/>
               </a:rPr>
               <a:t>Fifth Outline Level</a:t>
             </a:r>
             <a:endParaRPr b="0" lang="pt-BR" sz="2000" spc="-1" strike="noStrike">
-              <a:solidFill>
-                <a:srgbClr val="000000"/>
-              </a:solidFill>
               <a:latin typeface="Arial"/>
             </a:endParaRPr>
           </a:p>
           <a:p>
             <a:pPr lvl="5" marL="2592000" indent="-216000">
-              <a:lnSpc>
-                <a:spcPct val="90000"/>
-              </a:lnSpc>
               <a:spcBef>
                 <a:spcPts val="283"/>
               </a:spcBef>
@@ -6214,25 +5320,16 @@
             </a:pPr>
             <a:r>
               <a:rPr b="0" lang="pt-BR" sz="2000" spc="-1" strike="noStrike">
-                <a:solidFill>
-                  <a:srgbClr val="000000"/>
-                </a:solidFill>
                 <a:latin typeface="Arial"/>
               </a:rPr>
               <a:t>Sixth Outline Level</a:t>
             </a:r>
             <a:endParaRPr b="0" lang="pt-BR" sz="2000" spc="-1" strike="noStrike">
-              <a:solidFill>
-                <a:srgbClr val="000000"/>
-              </a:solidFill>
               <a:latin typeface="Arial"/>
             </a:endParaRPr>
           </a:p>
           <a:p>
             <a:pPr lvl="6" marL="3024000" indent="-216000">
-              <a:lnSpc>
-                <a:spcPct val="90000"/>
-              </a:lnSpc>
               <a:spcBef>
                 <a:spcPts val="283"/>
               </a:spcBef>
@@ -6245,17 +5342,11 @@
             </a:pPr>
             <a:r>
               <a:rPr b="0" lang="pt-BR" sz="2000" spc="-1" strike="noStrike">
-                <a:solidFill>
-                  <a:srgbClr val="000000"/>
-                </a:solidFill>
                 <a:latin typeface="Arial"/>
               </a:rPr>
               <a:t>Seventh Outline Level</a:t>
             </a:r>
             <a:endParaRPr b="0" lang="pt-BR" sz="2000" spc="-1" strike="noStrike">
-              <a:solidFill>
-                <a:srgbClr val="000000"/>
-              </a:solidFill>
               <a:latin typeface="Arial"/>
             </a:endParaRPr>
           </a:p>
@@ -6314,7 +5405,7 @@
         <p:spPr>
           <a:xfrm>
             <a:off x="0" y="180000"/>
-            <a:ext cx="9716040" cy="1256040"/>
+            <a:ext cx="9715680" cy="1255680"/>
           </a:xfrm>
           <a:prstGeom prst="rect">
             <a:avLst/>
@@ -6342,7 +5433,7 @@
         <p:spPr>
           <a:xfrm>
             <a:off x="7560000" y="6840000"/>
-            <a:ext cx="2516040" cy="536040"/>
+            <a:ext cx="2515680" cy="535680"/>
           </a:xfrm>
           <a:prstGeom prst="rect">
             <a:avLst/>
@@ -6370,7 +5461,7 @@
         <p:spPr>
           <a:xfrm>
             <a:off x="900000" y="6840000"/>
-            <a:ext cx="6476040" cy="536040"/>
+            <a:ext cx="6475680" cy="535680"/>
           </a:xfrm>
           <a:prstGeom prst="rect">
             <a:avLst/>
@@ -6398,7 +5489,7 @@
         <p:spPr>
           <a:xfrm>
             <a:off x="180000" y="6840000"/>
-            <a:ext cx="536040" cy="536040"/>
+            <a:ext cx="535680" cy="535680"/>
           </a:xfrm>
           <a:prstGeom prst="rect">
             <a:avLst/>
@@ -6443,19 +5534,16 @@
             <a:noAutofit/>
           </a:bodyPr>
           <a:p>
+            <a:pPr algn="ctr">
+              <a:buNone/>
+            </a:pPr>
             <a:r>
-              <a:rPr b="0" lang="pt-BR" sz="1800" spc="-1" strike="noStrike">
-                <a:solidFill>
-                  <a:srgbClr val="000000"/>
-                </a:solidFill>
+              <a:rPr b="0" lang="pt-BR" sz="4400" spc="-1" strike="noStrike">
                 <a:latin typeface="Arial"/>
               </a:rPr>
               <a:t>Click to edit the title text format</a:t>
             </a:r>
-            <a:endParaRPr b="0" lang="pt-BR" sz="1800" spc="-1" strike="noStrike">
-              <a:solidFill>
-                <a:srgbClr val="000000"/>
-              </a:solidFill>
+            <a:endParaRPr b="0" lang="pt-BR" sz="4400" spc="-1" strike="noStrike">
               <a:latin typeface="Arial"/>
             </a:endParaRPr>
           </a:p>
@@ -6490,9 +5578,6 @@
           </a:bodyPr>
           <a:p>
             <a:pPr marL="432000" indent="-324000">
-              <a:lnSpc>
-                <a:spcPct val="90000"/>
-              </a:lnSpc>
               <a:spcBef>
                 <a:spcPts val="1417"/>
               </a:spcBef>
@@ -6504,26 +5589,17 @@
               <a:buChar char=""/>
             </a:pPr>
             <a:r>
-              <a:rPr b="0" lang="pt-BR" sz="2800" spc="-1" strike="noStrike">
-                <a:solidFill>
-                  <a:srgbClr val="000000"/>
-                </a:solidFill>
+              <a:rPr b="0" lang="pt-BR" sz="3200" spc="-1" strike="noStrike">
                 <a:latin typeface="Arial"/>
               </a:rPr>
               <a:t>Click to edit the outline text format</a:t>
             </a:r>
-            <a:endParaRPr b="0" lang="pt-BR" sz="2800" spc="-1" strike="noStrike">
-              <a:solidFill>
-                <a:srgbClr val="000000"/>
-              </a:solidFill>
+            <a:endParaRPr b="0" lang="pt-BR" sz="3200" spc="-1" strike="noStrike">
               <a:latin typeface="Arial"/>
             </a:endParaRPr>
           </a:p>
           <a:p>
             <a:pPr lvl="1" marL="864000" indent="-324000">
-              <a:lnSpc>
-                <a:spcPct val="90000"/>
-              </a:lnSpc>
               <a:spcBef>
                 <a:spcPts val="1134"/>
               </a:spcBef>
@@ -6535,26 +5611,17 @@
               <a:buChar char=""/>
             </a:pPr>
             <a:r>
-              <a:rPr b="0" lang="pt-BR" sz="2000" spc="-1" strike="noStrike">
-                <a:solidFill>
-                  <a:srgbClr val="000000"/>
-                </a:solidFill>
+              <a:rPr b="0" lang="pt-BR" sz="2800" spc="-1" strike="noStrike">
                 <a:latin typeface="Arial"/>
               </a:rPr>
               <a:t>Second Outline Level</a:t>
             </a:r>
-            <a:endParaRPr b="0" lang="pt-BR" sz="2000" spc="-1" strike="noStrike">
-              <a:solidFill>
-                <a:srgbClr val="000000"/>
-              </a:solidFill>
+            <a:endParaRPr b="0" lang="pt-BR" sz="2800" spc="-1" strike="noStrike">
               <a:latin typeface="Arial"/>
             </a:endParaRPr>
           </a:p>
           <a:p>
             <a:pPr lvl="2" marL="1296000" indent="-288000">
-              <a:lnSpc>
-                <a:spcPct val="90000"/>
-              </a:lnSpc>
               <a:spcBef>
                 <a:spcPts val="850"/>
               </a:spcBef>
@@ -6566,26 +5633,17 @@
               <a:buChar char=""/>
             </a:pPr>
             <a:r>
-              <a:rPr b="0" lang="pt-BR" sz="1800" spc="-1" strike="noStrike">
-                <a:solidFill>
-                  <a:srgbClr val="000000"/>
-                </a:solidFill>
+              <a:rPr b="0" lang="pt-BR" sz="2400" spc="-1" strike="noStrike">
                 <a:latin typeface="Arial"/>
               </a:rPr>
               <a:t>Third Outline Level</a:t>
             </a:r>
-            <a:endParaRPr b="0" lang="pt-BR" sz="1800" spc="-1" strike="noStrike">
-              <a:solidFill>
-                <a:srgbClr val="000000"/>
-              </a:solidFill>
+            <a:endParaRPr b="0" lang="pt-BR" sz="2400" spc="-1" strike="noStrike">
               <a:latin typeface="Arial"/>
             </a:endParaRPr>
           </a:p>
           <a:p>
             <a:pPr lvl="3" marL="1728000" indent="-216000">
-              <a:lnSpc>
-                <a:spcPct val="90000"/>
-              </a:lnSpc>
               <a:spcBef>
                 <a:spcPts val="567"/>
               </a:spcBef>
@@ -6597,26 +5655,17 @@
               <a:buChar char=""/>
             </a:pPr>
             <a:r>
-              <a:rPr b="0" lang="pt-BR" sz="1800" spc="-1" strike="noStrike">
-                <a:solidFill>
-                  <a:srgbClr val="000000"/>
-                </a:solidFill>
+              <a:rPr b="0" lang="pt-BR" sz="2000" spc="-1" strike="noStrike">
                 <a:latin typeface="Arial"/>
               </a:rPr>
               <a:t>Fourth Outline Level</a:t>
             </a:r>
-            <a:endParaRPr b="0" lang="pt-BR" sz="1800" spc="-1" strike="noStrike">
-              <a:solidFill>
-                <a:srgbClr val="000000"/>
-              </a:solidFill>
+            <a:endParaRPr b="0" lang="pt-BR" sz="2000" spc="-1" strike="noStrike">
               <a:latin typeface="Arial"/>
             </a:endParaRPr>
           </a:p>
           <a:p>
             <a:pPr lvl="4" marL="2160000" indent="-216000">
-              <a:lnSpc>
-                <a:spcPct val="90000"/>
-              </a:lnSpc>
               <a:spcBef>
                 <a:spcPts val="283"/>
               </a:spcBef>
@@ -6629,25 +5678,16 @@
             </a:pPr>
             <a:r>
               <a:rPr b="0" lang="pt-BR" sz="2000" spc="-1" strike="noStrike">
-                <a:solidFill>
-                  <a:srgbClr val="000000"/>
-                </a:solidFill>
                 <a:latin typeface="Arial"/>
               </a:rPr>
               <a:t>Fifth Outline Level</a:t>
             </a:r>
             <a:endParaRPr b="0" lang="pt-BR" sz="2000" spc="-1" strike="noStrike">
-              <a:solidFill>
-                <a:srgbClr val="000000"/>
-              </a:solidFill>
               <a:latin typeface="Arial"/>
             </a:endParaRPr>
           </a:p>
           <a:p>
             <a:pPr lvl="5" marL="2592000" indent="-216000">
-              <a:lnSpc>
-                <a:spcPct val="90000"/>
-              </a:lnSpc>
               <a:spcBef>
                 <a:spcPts val="283"/>
               </a:spcBef>
@@ -6660,25 +5700,16 @@
             </a:pPr>
             <a:r>
               <a:rPr b="0" lang="pt-BR" sz="2000" spc="-1" strike="noStrike">
-                <a:solidFill>
-                  <a:srgbClr val="000000"/>
-                </a:solidFill>
                 <a:latin typeface="Arial"/>
               </a:rPr>
               <a:t>Sixth Outline Level</a:t>
             </a:r>
             <a:endParaRPr b="0" lang="pt-BR" sz="2000" spc="-1" strike="noStrike">
-              <a:solidFill>
-                <a:srgbClr val="000000"/>
-              </a:solidFill>
               <a:latin typeface="Arial"/>
             </a:endParaRPr>
           </a:p>
           <a:p>
             <a:pPr lvl="6" marL="3024000" indent="-216000">
-              <a:lnSpc>
-                <a:spcPct val="90000"/>
-              </a:lnSpc>
               <a:spcBef>
                 <a:spcPts val="283"/>
               </a:spcBef>
@@ -6691,17 +5722,11 @@
             </a:pPr>
             <a:r>
               <a:rPr b="0" lang="pt-BR" sz="2000" spc="-1" strike="noStrike">
-                <a:solidFill>
-                  <a:srgbClr val="000000"/>
-                </a:solidFill>
                 <a:latin typeface="Arial"/>
               </a:rPr>
               <a:t>Seventh Outline Level</a:t>
             </a:r>
             <a:endParaRPr b="0" lang="pt-BR" sz="2000" spc="-1" strike="noStrike">
-              <a:solidFill>
-                <a:srgbClr val="000000"/>
-              </a:solidFill>
               <a:latin typeface="Arial"/>
             </a:endParaRPr>
           </a:p>
@@ -6753,7 +5778,7 @@
         <p:spPr>
           <a:xfrm>
             <a:off x="360000" y="3330000"/>
-            <a:ext cx="9356040" cy="896040"/>
+            <a:ext cx="9355680" cy="895680"/>
           </a:xfrm>
           <a:prstGeom prst="rect">
             <a:avLst/>
@@ -6805,7 +5830,7 @@
         <p:spPr>
           <a:xfrm>
             <a:off x="540000" y="4680000"/>
-            <a:ext cx="9176040" cy="2516040"/>
+            <a:ext cx="9175680" cy="2515680"/>
           </a:xfrm>
           <a:prstGeom prst="rect">
             <a:avLst/>
@@ -7010,7 +6035,7 @@
         <p:spPr>
           <a:xfrm>
             <a:off x="360000" y="360000"/>
-            <a:ext cx="9356040" cy="896040"/>
+            <a:ext cx="9355680" cy="895680"/>
           </a:xfrm>
           <a:prstGeom prst="rect">
             <a:avLst/>
@@ -7062,7 +6087,7 @@
         <p:spPr>
           <a:xfrm>
             <a:off x="897120" y="6886080"/>
-            <a:ext cx="6443280" cy="361080"/>
+            <a:ext cx="6442920" cy="360720"/>
           </a:xfrm>
           <a:prstGeom prst="rect">
             <a:avLst/>
@@ -7114,7 +6139,7 @@
         <p:spPr>
           <a:xfrm>
             <a:off x="200160" y="1689840"/>
-            <a:ext cx="9515880" cy="3381480"/>
+            <a:ext cx="9515520" cy="4478760"/>
           </a:xfrm>
           <a:prstGeom prst="rect">
             <a:avLst/>
@@ -7153,8 +6178,101 @@
                 <a:latin typeface="Calibri"/>
                 <a:ea typeface="DejaVu Sans"/>
               </a:rPr>
-              <a:t>Sobel Filter</a:t>
+              <a:t>Canny</a:t>
             </a:r>
+            <a:endParaRPr b="0" lang="pt-BR" sz="1800" spc="-1" strike="noStrike">
+              <a:latin typeface="Arial"/>
+            </a:endParaRPr>
+          </a:p>
+          <a:p>
+            <a:pPr lvl="1" marL="743040" indent="-285840">
+              <a:lnSpc>
+                <a:spcPct val="100000"/>
+              </a:lnSpc>
+              <a:buClr>
+                <a:srgbClr val="000000"/>
+              </a:buClr>
+              <a:buFont typeface="Arial"/>
+              <a:buChar char="•"/>
+            </a:pPr>
+            <a:r>
+              <a:rPr b="0" lang="en-US" sz="1800" spc="-1" strike="noStrike">
+                <a:solidFill>
+                  <a:srgbClr val="000000"/>
+                </a:solidFill>
+                <a:latin typeface="-apple-system"/>
+                <a:ea typeface="DejaVu Sans"/>
+              </a:rPr>
+              <a:t>Gaussian Gradient Based Filter (John F. Canny 1986)</a:t>
+            </a:r>
+            <a:endParaRPr b="0" lang="pt-BR" sz="1800" spc="-1" strike="noStrike">
+              <a:latin typeface="Arial"/>
+            </a:endParaRPr>
+          </a:p>
+          <a:p>
+            <a:pPr lvl="3" marL="864000" indent="-216000">
+              <a:lnSpc>
+                <a:spcPct val="100000"/>
+              </a:lnSpc>
+              <a:buClr>
+                <a:srgbClr val="000000"/>
+              </a:buClr>
+              <a:buSzPct val="45000"/>
+              <a:buFont typeface="Wingdings" charset="2"/>
+              <a:buChar char=""/>
+            </a:pPr>
+            <a:r>
+              <a:rPr b="0" lang="en-US" sz="1800" spc="-1" strike="noStrike">
+                <a:solidFill>
+                  <a:srgbClr val="000000"/>
+                </a:solidFill>
+                <a:latin typeface="-apple-system"/>
+                <a:ea typeface="DejaVu Sans"/>
+              </a:rPr>
+              <a:t>Gaussian Blur </a:t>
+            </a:r>
+            <a:endParaRPr b="0" lang="pt-BR" sz="1800" spc="-1" strike="noStrike">
+              <a:latin typeface="Arial"/>
+            </a:endParaRPr>
+          </a:p>
+          <a:p>
+            <a:pPr lvl="3" marL="864000" indent="-216000">
+              <a:lnSpc>
+                <a:spcPct val="100000"/>
+              </a:lnSpc>
+              <a:buClr>
+                <a:srgbClr val="000000"/>
+              </a:buClr>
+              <a:buSzPct val="45000"/>
+              <a:buFont typeface="Wingdings" charset="2"/>
+              <a:buChar char=""/>
+            </a:pPr>
+            <a:r>
+              <a:rPr b="0" lang="en-US" sz="1800" spc="-1" strike="noStrike">
+                <a:solidFill>
+                  <a:srgbClr val="000000"/>
+                </a:solidFill>
+                <a:latin typeface="-apple-system"/>
+                <a:ea typeface="DejaVu Sans"/>
+              </a:rPr>
+              <a:t>Gradient Detection</a:t>
+            </a:r>
+            <a:endParaRPr b="0" lang="pt-BR" sz="1800" spc="-1" strike="noStrike">
+              <a:latin typeface="Arial"/>
+            </a:endParaRPr>
+          </a:p>
+          <a:p>
+            <a:pPr lvl="3" marL="864000" indent="-216000">
+              <a:lnSpc>
+                <a:spcPct val="100000"/>
+              </a:lnSpc>
+              <a:buClr>
+                <a:srgbClr val="000000"/>
+              </a:buClr>
+              <a:buSzPct val="45000"/>
+              <a:buFont typeface="Wingdings" charset="2"/>
+              <a:buChar char=""/>
+            </a:pPr>
             <a:endParaRPr b="0" lang="pt-BR" sz="1800" spc="-1" strike="noStrike">
               <a:latin typeface="Arial"/>
             </a:endParaRPr>
@@ -7294,8 +6412,8 @@
         </p:blipFill>
         <p:spPr>
           <a:xfrm>
-            <a:off x="1148040" y="3036240"/>
-            <a:ext cx="3724200" cy="1762200"/>
+            <a:off x="611640" y="3390840"/>
+            <a:ext cx="4144680" cy="1991880"/>
           </a:xfrm>
           <a:prstGeom prst="rect">
             <a:avLst/>
@@ -7307,7 +6425,7 @@
       </p:pic>
       <p:pic>
         <p:nvPicPr>
-          <p:cNvPr id="147" name="Imagem 11" descr=""/>
+          <p:cNvPr id="147" name="Imagem 5" descr=""/>
           <p:cNvPicPr/>
           <p:nvPr/>
         </p:nvPicPr>
@@ -7317,8 +6435,8 @@
         </p:blipFill>
         <p:spPr>
           <a:xfrm>
-            <a:off x="6225480" y="1554480"/>
-            <a:ext cx="3043800" cy="5187600"/>
+            <a:off x="6305760" y="1532880"/>
+            <a:ext cx="3162600" cy="5258880"/>
           </a:xfrm>
           <a:prstGeom prst="rect">
             <a:avLst/>
@@ -7337,7 +6455,7 @@
         <p:spPr>
           <a:xfrm>
             <a:off x="7608600" y="6886080"/>
-            <a:ext cx="2281320" cy="361080"/>
+            <a:ext cx="2280960" cy="360720"/>
           </a:xfrm>
           <a:prstGeom prst="rect">
             <a:avLst/>
@@ -7429,7 +6547,7 @@
         <p:spPr>
           <a:xfrm>
             <a:off x="360000" y="360000"/>
-            <a:ext cx="9356040" cy="896040"/>
+            <a:ext cx="9355680" cy="895680"/>
           </a:xfrm>
           <a:prstGeom prst="rect">
             <a:avLst/>
@@ -7481,7 +6599,7 @@
         <p:spPr>
           <a:xfrm>
             <a:off x="897120" y="6886080"/>
-            <a:ext cx="6443280" cy="361080"/>
+            <a:ext cx="6442920" cy="360720"/>
           </a:xfrm>
           <a:prstGeom prst="rect">
             <a:avLst/>
@@ -7533,7 +6651,7 @@
         <p:spPr>
           <a:xfrm>
             <a:off x="200160" y="1689840"/>
-            <a:ext cx="9515880" cy="3381480"/>
+            <a:ext cx="9515520" cy="3381480"/>
           </a:xfrm>
           <a:prstGeom prst="rect">
             <a:avLst/>
@@ -7554,26 +6672,12 @@
             <a:spAutoFit/>
           </a:bodyPr>
           <a:p>
-            <a:pPr marL="285840" indent="-285840">
-              <a:lnSpc>
-                <a:spcPct val="100000"/>
-              </a:lnSpc>
-              <a:buClr>
-                <a:srgbClr val="000000"/>
-              </a:buClr>
-              <a:buFont typeface="Arial"/>
-              <a:buChar char="•"/>
-            </a:pPr>
-            <a:r>
-              <a:rPr b="0" lang="en-US" sz="1800" spc="-1" strike="noStrike">
-                <a:solidFill>
-                  <a:srgbClr val="000000"/>
-                </a:solidFill>
-                <a:latin typeface="Calibri"/>
-                <a:ea typeface="DejaVu Sans"/>
-              </a:rPr>
-              <a:t>Laplace</a:t>
-            </a:r>
+            <a:pPr>
+              <a:lnSpc>
+                <a:spcPct val="100000"/>
+              </a:lnSpc>
+              <a:buNone/>
+            </a:pPr>
             <a:endParaRPr b="0" lang="pt-BR" sz="1800" spc="-1" strike="noStrike">
               <a:latin typeface="Arial"/>
             </a:endParaRPr>
@@ -7703,7 +6807,7 @@
       </p:sp>
       <p:pic>
         <p:nvPicPr>
-          <p:cNvPr id="152" name="Imagem 4" descr=""/>
+          <p:cNvPr id="152" name="Imagem 7" descr=""/>
           <p:cNvPicPr/>
           <p:nvPr/>
         </p:nvPicPr>
@@ -7713,8 +6817,8 @@
         </p:blipFill>
         <p:spPr>
           <a:xfrm>
-            <a:off x="614160" y="3474000"/>
-            <a:ext cx="1638000" cy="1276200"/>
+            <a:off x="2001960" y="1542960"/>
+            <a:ext cx="6297840" cy="5055840"/>
           </a:xfrm>
           <a:prstGeom prst="rect">
             <a:avLst/>
@@ -7724,39 +6828,16 @@
           </a:ln>
         </p:spPr>
       </p:pic>
-      <p:pic>
-        <p:nvPicPr>
-          <p:cNvPr id="153" name="Imagem 11" descr=""/>
-          <p:cNvPicPr/>
-          <p:nvPr/>
-        </p:nvPicPr>
-        <p:blipFill>
-          <a:blip r:embed="rId2"/>
-          <a:stretch/>
-        </p:blipFill>
-        <p:spPr>
-          <a:xfrm>
-            <a:off x="5639760" y="1523880"/>
-            <a:ext cx="3121920" cy="5176080"/>
-          </a:xfrm>
-          <a:prstGeom prst="rect">
-            <a:avLst/>
-          </a:prstGeom>
-          <a:ln w="0">
-            <a:noFill/>
-          </a:ln>
-        </p:spPr>
-      </p:pic>
-      <p:sp>
-        <p:nvSpPr>
-          <p:cNvPr id="154" name="CustomShape 3"/>
+      <p:sp>
+        <p:nvSpPr>
+          <p:cNvPr id="153" name="CustomShape 3"/>
           <p:cNvSpPr/>
           <p:nvPr/>
         </p:nvSpPr>
         <p:spPr>
           <a:xfrm>
             <a:off x="7608600" y="6886080"/>
-            <a:ext cx="2281320" cy="361080"/>
+            <a:ext cx="2280960" cy="360720"/>
           </a:xfrm>
           <a:prstGeom prst="rect">
             <a:avLst/>
@@ -7841,14 +6922,14 @@
       </p:grpSpPr>
       <p:sp>
         <p:nvSpPr>
-          <p:cNvPr id="155" name="CustomShape 1"/>
+          <p:cNvPr id="154" name="CustomShape 1"/>
           <p:cNvSpPr/>
           <p:nvPr/>
         </p:nvSpPr>
         <p:spPr>
           <a:xfrm>
             <a:off x="360000" y="360000"/>
-            <a:ext cx="9356040" cy="896040"/>
+            <a:ext cx="9355680" cy="895680"/>
           </a:xfrm>
           <a:prstGeom prst="rect">
             <a:avLst/>
@@ -7893,14 +6974,14 @@
       </p:sp>
       <p:sp>
         <p:nvSpPr>
-          <p:cNvPr id="156" name="CustomShape 2"/>
+          <p:cNvPr id="155" name="CustomShape 2"/>
           <p:cNvSpPr/>
           <p:nvPr/>
         </p:nvSpPr>
         <p:spPr>
           <a:xfrm>
             <a:off x="897120" y="6886080"/>
-            <a:ext cx="6443280" cy="361080"/>
+            <a:ext cx="6442920" cy="360720"/>
           </a:xfrm>
           <a:prstGeom prst="rect">
             <a:avLst/>
@@ -7945,14 +7026,14 @@
       </p:sp>
       <p:sp>
         <p:nvSpPr>
-          <p:cNvPr id="157" name="CaixaDeTexto 1"/>
+          <p:cNvPr id="156" name="CaixaDeTexto 1"/>
           <p:cNvSpPr/>
           <p:nvPr/>
         </p:nvSpPr>
         <p:spPr>
           <a:xfrm>
             <a:off x="200160" y="1689840"/>
-            <a:ext cx="9515880" cy="3655800"/>
+            <a:ext cx="9515520" cy="3381480"/>
           </a:xfrm>
           <a:prstGeom prst="rect">
             <a:avLst/>
@@ -7973,51 +7054,12 @@
             <a:spAutoFit/>
           </a:bodyPr>
           <a:p>
-            <a:pPr marL="285840" indent="-285840">
-              <a:lnSpc>
-                <a:spcPct val="100000"/>
-              </a:lnSpc>
-              <a:buClr>
-                <a:srgbClr val="000000"/>
-              </a:buClr>
-              <a:buFont typeface="Arial"/>
-              <a:buChar char="•"/>
-            </a:pPr>
-            <a:r>
-              <a:rPr b="0" lang="en-US" sz="1800" spc="-1" strike="noStrike">
-                <a:solidFill>
-                  <a:srgbClr val="000000"/>
-                </a:solidFill>
-                <a:latin typeface="Calibri"/>
-                <a:ea typeface="DejaVu Sans"/>
-              </a:rPr>
-              <a:t>Canny</a:t>
-            </a:r>
-            <a:endParaRPr b="0" lang="pt-BR" sz="1800" spc="-1" strike="noStrike">
-              <a:latin typeface="Arial"/>
-            </a:endParaRPr>
-          </a:p>
-          <a:p>
-            <a:pPr lvl="1" marL="743040" indent="-285840">
-              <a:lnSpc>
-                <a:spcPct val="100000"/>
-              </a:lnSpc>
-              <a:buClr>
-                <a:srgbClr val="000000"/>
-              </a:buClr>
-              <a:buFont typeface="Arial"/>
-              <a:buChar char="•"/>
-            </a:pPr>
-            <a:r>
-              <a:rPr b="0" lang="en-US" sz="1800" spc="-1" strike="noStrike">
-                <a:solidFill>
-                  <a:srgbClr val="000000"/>
-                </a:solidFill>
-                <a:latin typeface="-apple-system"/>
-                <a:ea typeface="DejaVu Sans"/>
-              </a:rPr>
-              <a:t>Gaussian Gradient Based Filter (John F. Canny 1986)</a:t>
-            </a:r>
+            <a:pPr>
+              <a:lnSpc>
+                <a:spcPct val="100000"/>
+              </a:lnSpc>
+              <a:buNone/>
+            </a:pPr>
             <a:endParaRPr b="0" lang="pt-BR" sz="1800" spc="-1" strike="noStrike">
               <a:latin typeface="Arial"/>
             </a:endParaRPr>
@@ -8147,7 +7189,7 @@
       </p:sp>
       <p:pic>
         <p:nvPicPr>
-          <p:cNvPr id="158" name="Imagem 3" descr=""/>
+          <p:cNvPr id="157" name="Imagem 3" descr=""/>
           <p:cNvPicPr/>
           <p:nvPr/>
         </p:nvPicPr>
@@ -8157,8 +7199,8 @@
         </p:blipFill>
         <p:spPr>
           <a:xfrm>
-            <a:off x="611640" y="3390840"/>
-            <a:ext cx="4145040" cy="1992240"/>
+            <a:off x="614880" y="1829160"/>
+            <a:ext cx="8686080" cy="2241360"/>
           </a:xfrm>
           <a:prstGeom prst="rect">
             <a:avLst/>
@@ -8170,7 +7212,7 @@
       </p:pic>
       <p:pic>
         <p:nvPicPr>
-          <p:cNvPr id="159" name="Imagem 5" descr=""/>
+          <p:cNvPr id="158" name="Imagem 6" descr=""/>
           <p:cNvPicPr/>
           <p:nvPr/>
         </p:nvPicPr>
@@ -8180,8 +7222,8 @@
         </p:blipFill>
         <p:spPr>
           <a:xfrm>
-            <a:off x="6305760" y="1532880"/>
-            <a:ext cx="3162960" cy="5259240"/>
+            <a:off x="614880" y="4563720"/>
+            <a:ext cx="8686080" cy="1166040"/>
           </a:xfrm>
           <a:prstGeom prst="rect">
             <a:avLst/>
@@ -8193,14 +7235,14 @@
       </p:pic>
       <p:sp>
         <p:nvSpPr>
-          <p:cNvPr id="160" name="CustomShape 3"/>
+          <p:cNvPr id="159" name="CustomShape 3"/>
           <p:cNvSpPr/>
           <p:nvPr/>
         </p:nvSpPr>
         <p:spPr>
           <a:xfrm>
             <a:off x="7608600" y="6886080"/>
-            <a:ext cx="2281320" cy="361080"/>
+            <a:ext cx="2280960" cy="360720"/>
           </a:xfrm>
           <a:prstGeom prst="rect">
             <a:avLst/>
@@ -8285,14 +7327,14 @@
       </p:grpSpPr>
       <p:sp>
         <p:nvSpPr>
-          <p:cNvPr id="161" name="CustomShape 1"/>
+          <p:cNvPr id="160" name="CustomShape 1"/>
           <p:cNvSpPr/>
           <p:nvPr/>
         </p:nvSpPr>
         <p:spPr>
           <a:xfrm>
             <a:off x="360000" y="360000"/>
-            <a:ext cx="9356040" cy="896040"/>
+            <a:ext cx="9355680" cy="895680"/>
           </a:xfrm>
           <a:prstGeom prst="rect">
             <a:avLst/>
@@ -8327,7 +7369,7 @@
                 <a:latin typeface="Latin Modern Sans"/>
                 <a:ea typeface="DejaVu Sans"/>
               </a:rPr>
-              <a:t>Image Descriptors – Shape / Edges</a:t>
+              <a:t>Let’s Code</a:t>
             </a:r>
             <a:endParaRPr b="0" lang="pt-BR" sz="3200" spc="-1" strike="noStrike">
               <a:latin typeface="Arial"/>
@@ -8337,14 +7379,14 @@
       </p:sp>
       <p:sp>
         <p:nvSpPr>
-          <p:cNvPr id="162" name="CustomShape 2"/>
+          <p:cNvPr id="161" name="CustomShape 2"/>
           <p:cNvSpPr/>
           <p:nvPr/>
         </p:nvSpPr>
         <p:spPr>
           <a:xfrm>
             <a:off x="897120" y="6886080"/>
-            <a:ext cx="6443280" cy="361080"/>
+            <a:ext cx="6442920" cy="360720"/>
           </a:xfrm>
           <a:prstGeom prst="rect">
             <a:avLst/>
@@ -8389,200 +7431,14 @@
       </p:sp>
       <p:sp>
         <p:nvSpPr>
-          <p:cNvPr id="163" name="CaixaDeTexto 1"/>
+          <p:cNvPr id="162" name="CustomShape 3"/>
           <p:cNvSpPr/>
           <p:nvPr/>
         </p:nvSpPr>
         <p:spPr>
           <a:xfrm>
-            <a:off x="200160" y="1689840"/>
-            <a:ext cx="9515880" cy="3381480"/>
-          </a:xfrm>
-          <a:prstGeom prst="rect">
-            <a:avLst/>
-          </a:prstGeom>
-          <a:noFill/>
-          <a:ln w="0">
-            <a:noFill/>
-          </a:ln>
-        </p:spPr>
-        <p:style>
-          <a:lnRef idx="0"/>
-          <a:fillRef idx="0"/>
-          <a:effectRef idx="0"/>
-          <a:fontRef idx="minor"/>
-        </p:style>
-        <p:txBody>
-          <a:bodyPr lIns="90000" rIns="90000" tIns="45000" bIns="45000" anchor="t">
-            <a:spAutoFit/>
-          </a:bodyPr>
-          <a:p>
-            <a:pPr>
-              <a:lnSpc>
-                <a:spcPct val="100000"/>
-              </a:lnSpc>
-              <a:buNone/>
-            </a:pPr>
-            <a:endParaRPr b="0" lang="pt-BR" sz="1800" spc="-1" strike="noStrike">
-              <a:latin typeface="Arial"/>
-            </a:endParaRPr>
-          </a:p>
-          <a:p>
-            <a:pPr>
-              <a:lnSpc>
-                <a:spcPct val="100000"/>
-              </a:lnSpc>
-              <a:buNone/>
-            </a:pPr>
-            <a:endParaRPr b="0" lang="pt-BR" sz="1800" spc="-1" strike="noStrike">
-              <a:latin typeface="Arial"/>
-            </a:endParaRPr>
-          </a:p>
-          <a:p>
-            <a:pPr>
-              <a:lnSpc>
-                <a:spcPct val="100000"/>
-              </a:lnSpc>
-              <a:buNone/>
-            </a:pPr>
-            <a:endParaRPr b="0" lang="pt-BR" sz="1800" spc="-1" strike="noStrike">
-              <a:latin typeface="Arial"/>
-            </a:endParaRPr>
-          </a:p>
-          <a:p>
-            <a:pPr>
-              <a:lnSpc>
-                <a:spcPct val="100000"/>
-              </a:lnSpc>
-              <a:buNone/>
-            </a:pPr>
-            <a:endParaRPr b="0" lang="pt-BR" sz="1800" spc="-1" strike="noStrike">
-              <a:latin typeface="Arial"/>
-            </a:endParaRPr>
-          </a:p>
-          <a:p>
-            <a:pPr>
-              <a:lnSpc>
-                <a:spcPct val="100000"/>
-              </a:lnSpc>
-              <a:buNone/>
-            </a:pPr>
-            <a:endParaRPr b="0" lang="pt-BR" sz="1800" spc="-1" strike="noStrike">
-              <a:latin typeface="Arial"/>
-            </a:endParaRPr>
-          </a:p>
-          <a:p>
-            <a:pPr>
-              <a:lnSpc>
-                <a:spcPct val="100000"/>
-              </a:lnSpc>
-              <a:buNone/>
-            </a:pPr>
-            <a:endParaRPr b="0" lang="pt-BR" sz="1800" spc="-1" strike="noStrike">
-              <a:latin typeface="Arial"/>
-            </a:endParaRPr>
-          </a:p>
-          <a:p>
-            <a:pPr>
-              <a:lnSpc>
-                <a:spcPct val="100000"/>
-              </a:lnSpc>
-              <a:buNone/>
-            </a:pPr>
-            <a:endParaRPr b="0" lang="pt-BR" sz="1800" spc="-1" strike="noStrike">
-              <a:latin typeface="Arial"/>
-            </a:endParaRPr>
-          </a:p>
-          <a:p>
-            <a:pPr>
-              <a:lnSpc>
-                <a:spcPct val="100000"/>
-              </a:lnSpc>
-              <a:buNone/>
-            </a:pPr>
-            <a:endParaRPr b="0" lang="pt-BR" sz="1800" spc="-1" strike="noStrike">
-              <a:latin typeface="Arial"/>
-            </a:endParaRPr>
-          </a:p>
-          <a:p>
-            <a:pPr>
-              <a:lnSpc>
-                <a:spcPct val="100000"/>
-              </a:lnSpc>
-              <a:buNone/>
-            </a:pPr>
-            <a:endParaRPr b="0" lang="pt-BR" sz="1800" spc="-1" strike="noStrike">
-              <a:latin typeface="Arial"/>
-            </a:endParaRPr>
-          </a:p>
-          <a:p>
-            <a:pPr>
-              <a:lnSpc>
-                <a:spcPct val="100000"/>
-              </a:lnSpc>
-              <a:buNone/>
-            </a:pPr>
-            <a:endParaRPr b="0" lang="pt-BR" sz="1800" spc="-1" strike="noStrike">
-              <a:latin typeface="Arial"/>
-            </a:endParaRPr>
-          </a:p>
-          <a:p>
-            <a:pPr>
-              <a:lnSpc>
-                <a:spcPct val="100000"/>
-              </a:lnSpc>
-              <a:buNone/>
-            </a:pPr>
-            <a:endParaRPr b="0" lang="pt-BR" sz="1800" spc="-1" strike="noStrike">
-              <a:latin typeface="Arial"/>
-            </a:endParaRPr>
-          </a:p>
-          <a:p>
-            <a:pPr>
-              <a:lnSpc>
-                <a:spcPct val="100000"/>
-              </a:lnSpc>
-              <a:buNone/>
-            </a:pPr>
-            <a:endParaRPr b="0" lang="pt-BR" sz="1800" spc="-1" strike="noStrike">
-              <a:latin typeface="Arial"/>
-            </a:endParaRPr>
-          </a:p>
-        </p:txBody>
-      </p:sp>
-      <p:pic>
-        <p:nvPicPr>
-          <p:cNvPr id="164" name="Imagem 7" descr=""/>
-          <p:cNvPicPr/>
-          <p:nvPr/>
-        </p:nvPicPr>
-        <p:blipFill>
-          <a:blip r:embed="rId1"/>
-          <a:stretch/>
-        </p:blipFill>
-        <p:spPr>
-          <a:xfrm>
-            <a:off x="2001960" y="1542960"/>
-            <a:ext cx="6298200" cy="5056200"/>
-          </a:xfrm>
-          <a:prstGeom prst="rect">
-            <a:avLst/>
-          </a:prstGeom>
-          <a:ln w="0">
-            <a:noFill/>
-          </a:ln>
-        </p:spPr>
-      </p:pic>
-      <p:sp>
-        <p:nvSpPr>
-          <p:cNvPr id="165" name="CustomShape 3"/>
-          <p:cNvSpPr/>
-          <p:nvPr/>
-        </p:nvSpPr>
-        <p:spPr>
-          <a:xfrm>
             <a:off x="7608600" y="6886080"/>
-            <a:ext cx="2281320" cy="361080"/>
+            <a:ext cx="2280960" cy="360720"/>
           </a:xfrm>
           <a:prstGeom prst="rect">
             <a:avLst/>
@@ -8635,46 +7491,16 @@
           </a:p>
         </p:txBody>
       </p:sp>
-    </p:spTree>
-  </p:cSld>
-  <mc:AlternateContent>
-    <mc:Choice Requires="p14">
-      <p:transition spd="slow" p14:dur="2000"/>
-    </mc:Choice>
-    <mc:Fallback>
-      <p:transition spd="slow"/>
-    </mc:Fallback>
-  </mc:AlternateContent>
-</p:sld>
-</file>
-
-<file path=ppt/slides/slide14.xml><?xml version="1.0" encoding="utf-8"?>
-<p:sld xmlns:a="http://schemas.openxmlformats.org/drawingml/2006/main" xmlns:p="http://schemas.openxmlformats.org/presentationml/2006/main" xmlns:r="http://schemas.openxmlformats.org/officeDocument/2006/relationships" xmlns:p14="http://schemas.microsoft.com/office/powerpoint/2010/main" xmlns:p15="http://schemas.microsoft.com/office/powerpoint/2012/main" xmlns:mc="http://schemas.openxmlformats.org/markup-compatibility/2006">
-  <p:cSld>
-    <p:spTree>
-      <p:nvGrpSpPr>
-        <p:cNvPr id="1" name=""/>
-        <p:cNvGrpSpPr/>
-        <p:nvPr/>
-      </p:nvGrpSpPr>
-      <p:grpSpPr>
-        <a:xfrm>
-          <a:off x="0" y="0"/>
-          <a:ext cx="0" cy="0"/>
-          <a:chOff x="0" y="0"/>
-          <a:chExt cx="0" cy="0"/>
-        </a:xfrm>
-      </p:grpSpPr>
-      <p:sp>
-        <p:nvSpPr>
-          <p:cNvPr id="166" name="CustomShape 1"/>
+      <p:sp>
+        <p:nvSpPr>
+          <p:cNvPr id="163" name="CaixaDeTexto 1"/>
           <p:cNvSpPr/>
           <p:nvPr/>
         </p:nvSpPr>
         <p:spPr>
           <a:xfrm>
-            <a:off x="360000" y="360000"/>
-            <a:ext cx="9356040" cy="896040"/>
+            <a:off x="200160" y="1689840"/>
+            <a:ext cx="9515520" cy="3381480"/>
           </a:xfrm>
           <a:prstGeom prst="rect">
             <a:avLst/>
@@ -8691,724 +7517,153 @@
           <a:fontRef idx="minor"/>
         </p:style>
         <p:txBody>
-          <a:bodyPr lIns="0" rIns="0" tIns="0" bIns="0" anchor="b">
-            <a:noAutofit/>
-          </a:bodyPr>
-          <a:p>
-            <a:pPr>
-              <a:lnSpc>
-                <a:spcPct val="100000"/>
-              </a:lnSpc>
-              <a:buNone/>
-            </a:pPr>
-            <a:r>
-              <a:rPr b="1" lang="en-US" sz="3200" spc="-1" strike="noStrike">
-                <a:solidFill>
-                  <a:srgbClr val="ffffff"/>
-                </a:solidFill>
-                <a:latin typeface="Latin Modern Sans"/>
-                <a:ea typeface="DejaVu Sans"/>
-              </a:rPr>
-              <a:t>Image Descriptors – Shape / Edges</a:t>
-            </a:r>
-            <a:endParaRPr b="0" lang="pt-BR" sz="3200" spc="-1" strike="noStrike">
-              <a:latin typeface="Arial"/>
-            </a:endParaRPr>
-          </a:p>
-        </p:txBody>
-      </p:sp>
-      <p:sp>
-        <p:nvSpPr>
-          <p:cNvPr id="167" name="CustomShape 2"/>
+          <a:bodyPr lIns="90000" rIns="90000" tIns="45000" bIns="45000" anchor="t">
+            <a:spAutoFit/>
+          </a:bodyPr>
+          <a:p>
+            <a:pPr>
+              <a:lnSpc>
+                <a:spcPct val="100000"/>
+              </a:lnSpc>
+              <a:buNone/>
+            </a:pPr>
+            <a:endParaRPr b="0" lang="pt-BR" sz="1800" spc="-1" strike="noStrike">
+              <a:latin typeface="Arial"/>
+            </a:endParaRPr>
+          </a:p>
+          <a:p>
+            <a:pPr>
+              <a:lnSpc>
+                <a:spcPct val="100000"/>
+              </a:lnSpc>
+              <a:buNone/>
+            </a:pPr>
+            <a:endParaRPr b="0" lang="pt-BR" sz="1800" spc="-1" strike="noStrike">
+              <a:latin typeface="Arial"/>
+            </a:endParaRPr>
+          </a:p>
+          <a:p>
+            <a:pPr>
+              <a:lnSpc>
+                <a:spcPct val="100000"/>
+              </a:lnSpc>
+              <a:buNone/>
+            </a:pPr>
+            <a:endParaRPr b="0" lang="pt-BR" sz="1800" spc="-1" strike="noStrike">
+              <a:latin typeface="Arial"/>
+            </a:endParaRPr>
+          </a:p>
+          <a:p>
+            <a:pPr>
+              <a:lnSpc>
+                <a:spcPct val="100000"/>
+              </a:lnSpc>
+              <a:buNone/>
+            </a:pPr>
+            <a:endParaRPr b="0" lang="pt-BR" sz="1800" spc="-1" strike="noStrike">
+              <a:latin typeface="Arial"/>
+            </a:endParaRPr>
+          </a:p>
+          <a:p>
+            <a:pPr>
+              <a:lnSpc>
+                <a:spcPct val="100000"/>
+              </a:lnSpc>
+              <a:buNone/>
+            </a:pPr>
+            <a:endParaRPr b="0" lang="pt-BR" sz="1800" spc="-1" strike="noStrike">
+              <a:latin typeface="Arial"/>
+            </a:endParaRPr>
+          </a:p>
+          <a:p>
+            <a:pPr>
+              <a:lnSpc>
+                <a:spcPct val="100000"/>
+              </a:lnSpc>
+              <a:buNone/>
+            </a:pPr>
+            <a:endParaRPr b="0" lang="pt-BR" sz="1800" spc="-1" strike="noStrike">
+              <a:latin typeface="Arial"/>
+            </a:endParaRPr>
+          </a:p>
+          <a:p>
+            <a:pPr>
+              <a:lnSpc>
+                <a:spcPct val="100000"/>
+              </a:lnSpc>
+              <a:buNone/>
+            </a:pPr>
+            <a:endParaRPr b="0" lang="pt-BR" sz="1800" spc="-1" strike="noStrike">
+              <a:latin typeface="Arial"/>
+            </a:endParaRPr>
+          </a:p>
+          <a:p>
+            <a:pPr>
+              <a:lnSpc>
+                <a:spcPct val="100000"/>
+              </a:lnSpc>
+              <a:buNone/>
+            </a:pPr>
+            <a:endParaRPr b="0" lang="pt-BR" sz="1800" spc="-1" strike="noStrike">
+              <a:latin typeface="Arial"/>
+            </a:endParaRPr>
+          </a:p>
+          <a:p>
+            <a:pPr>
+              <a:lnSpc>
+                <a:spcPct val="100000"/>
+              </a:lnSpc>
+              <a:buNone/>
+            </a:pPr>
+            <a:endParaRPr b="0" lang="pt-BR" sz="1800" spc="-1" strike="noStrike">
+              <a:latin typeface="Arial"/>
+            </a:endParaRPr>
+          </a:p>
+          <a:p>
+            <a:pPr>
+              <a:lnSpc>
+                <a:spcPct val="100000"/>
+              </a:lnSpc>
+              <a:buNone/>
+            </a:pPr>
+            <a:endParaRPr b="0" lang="pt-BR" sz="1800" spc="-1" strike="noStrike">
+              <a:latin typeface="Arial"/>
+            </a:endParaRPr>
+          </a:p>
+          <a:p>
+            <a:pPr>
+              <a:lnSpc>
+                <a:spcPct val="100000"/>
+              </a:lnSpc>
+              <a:buNone/>
+            </a:pPr>
+            <a:endParaRPr b="0" lang="pt-BR" sz="1800" spc="-1" strike="noStrike">
+              <a:latin typeface="Arial"/>
+            </a:endParaRPr>
+          </a:p>
+          <a:p>
+            <a:pPr>
+              <a:lnSpc>
+                <a:spcPct val="100000"/>
+              </a:lnSpc>
+              <a:buNone/>
+            </a:pPr>
+            <a:endParaRPr b="0" lang="pt-BR" sz="1800" spc="-1" strike="noStrike">
+              <a:latin typeface="Arial"/>
+            </a:endParaRPr>
+          </a:p>
+        </p:txBody>
+      </p:sp>
+      <p:sp>
+        <p:nvSpPr>
+          <p:cNvPr id="164" name="CaixaDeTexto 7"/>
           <p:cNvSpPr/>
           <p:nvPr/>
         </p:nvSpPr>
         <p:spPr>
           <a:xfrm>
-            <a:off x="897120" y="6886080"/>
-            <a:ext cx="6443280" cy="361080"/>
-          </a:xfrm>
-          <a:prstGeom prst="rect">
-            <a:avLst/>
-          </a:prstGeom>
-          <a:noFill/>
-          <a:ln w="0">
-            <a:noFill/>
-          </a:ln>
-        </p:spPr>
-        <p:style>
-          <a:lnRef idx="0"/>
-          <a:fillRef idx="0"/>
-          <a:effectRef idx="0"/>
-          <a:fontRef idx="minor"/>
-        </p:style>
-        <p:txBody>
-          <a:bodyPr lIns="90000" rIns="90000" tIns="45000" bIns="45000" anchor="t">
-            <a:noAutofit/>
-          </a:bodyPr>
-          <a:p>
-            <a:pPr>
-              <a:lnSpc>
-                <a:spcPct val="100000"/>
-              </a:lnSpc>
-              <a:buNone/>
-            </a:pPr>
-            <a:r>
-              <a:rPr b="0" lang="pt-BR" sz="1800" spc="-1" strike="noStrike">
-                <a:solidFill>
-                  <a:srgbClr val="000000"/>
-                </a:solidFill>
-                <a:latin typeface="Arial"/>
-                <a:ea typeface="DejaVu Sans"/>
-              </a:rPr>
-              <a:t>Computer Vision - Prof. André Hochuli</a:t>
-            </a:r>
-            <a:endParaRPr b="0" lang="pt-BR" sz="1800" spc="-1" strike="noStrike">
-              <a:latin typeface="Arial"/>
-            </a:endParaRPr>
-          </a:p>
-        </p:txBody>
-      </p:sp>
-      <p:sp>
-        <p:nvSpPr>
-          <p:cNvPr id="168" name="CaixaDeTexto 1"/>
-          <p:cNvSpPr/>
-          <p:nvPr/>
-        </p:nvSpPr>
-        <p:spPr>
-          <a:xfrm>
             <a:off x="200160" y="1689840"/>
-            <a:ext cx="9515880" cy="3381480"/>
-          </a:xfrm>
-          <a:prstGeom prst="rect">
-            <a:avLst/>
-          </a:prstGeom>
-          <a:noFill/>
-          <a:ln w="0">
-            <a:noFill/>
-          </a:ln>
-        </p:spPr>
-        <p:style>
-          <a:lnRef idx="0"/>
-          <a:fillRef idx="0"/>
-          <a:effectRef idx="0"/>
-          <a:fontRef idx="minor"/>
-        </p:style>
-        <p:txBody>
-          <a:bodyPr lIns="90000" rIns="90000" tIns="45000" bIns="45000" anchor="t">
-            <a:spAutoFit/>
-          </a:bodyPr>
-          <a:p>
-            <a:pPr>
-              <a:lnSpc>
-                <a:spcPct val="100000"/>
-              </a:lnSpc>
-              <a:buNone/>
-            </a:pPr>
-            <a:endParaRPr b="0" lang="pt-BR" sz="1800" spc="-1" strike="noStrike">
-              <a:latin typeface="Arial"/>
-            </a:endParaRPr>
-          </a:p>
-          <a:p>
-            <a:pPr>
-              <a:lnSpc>
-                <a:spcPct val="100000"/>
-              </a:lnSpc>
-              <a:buNone/>
-            </a:pPr>
-            <a:endParaRPr b="0" lang="pt-BR" sz="1800" spc="-1" strike="noStrike">
-              <a:latin typeface="Arial"/>
-            </a:endParaRPr>
-          </a:p>
-          <a:p>
-            <a:pPr>
-              <a:lnSpc>
-                <a:spcPct val="100000"/>
-              </a:lnSpc>
-              <a:buNone/>
-            </a:pPr>
-            <a:endParaRPr b="0" lang="pt-BR" sz="1800" spc="-1" strike="noStrike">
-              <a:latin typeface="Arial"/>
-            </a:endParaRPr>
-          </a:p>
-          <a:p>
-            <a:pPr>
-              <a:lnSpc>
-                <a:spcPct val="100000"/>
-              </a:lnSpc>
-              <a:buNone/>
-            </a:pPr>
-            <a:endParaRPr b="0" lang="pt-BR" sz="1800" spc="-1" strike="noStrike">
-              <a:latin typeface="Arial"/>
-            </a:endParaRPr>
-          </a:p>
-          <a:p>
-            <a:pPr>
-              <a:lnSpc>
-                <a:spcPct val="100000"/>
-              </a:lnSpc>
-              <a:buNone/>
-            </a:pPr>
-            <a:endParaRPr b="0" lang="pt-BR" sz="1800" spc="-1" strike="noStrike">
-              <a:latin typeface="Arial"/>
-            </a:endParaRPr>
-          </a:p>
-          <a:p>
-            <a:pPr>
-              <a:lnSpc>
-                <a:spcPct val="100000"/>
-              </a:lnSpc>
-              <a:buNone/>
-            </a:pPr>
-            <a:endParaRPr b="0" lang="pt-BR" sz="1800" spc="-1" strike="noStrike">
-              <a:latin typeface="Arial"/>
-            </a:endParaRPr>
-          </a:p>
-          <a:p>
-            <a:pPr>
-              <a:lnSpc>
-                <a:spcPct val="100000"/>
-              </a:lnSpc>
-              <a:buNone/>
-            </a:pPr>
-            <a:endParaRPr b="0" lang="pt-BR" sz="1800" spc="-1" strike="noStrike">
-              <a:latin typeface="Arial"/>
-            </a:endParaRPr>
-          </a:p>
-          <a:p>
-            <a:pPr>
-              <a:lnSpc>
-                <a:spcPct val="100000"/>
-              </a:lnSpc>
-              <a:buNone/>
-            </a:pPr>
-            <a:endParaRPr b="0" lang="pt-BR" sz="1800" spc="-1" strike="noStrike">
-              <a:latin typeface="Arial"/>
-            </a:endParaRPr>
-          </a:p>
-          <a:p>
-            <a:pPr>
-              <a:lnSpc>
-                <a:spcPct val="100000"/>
-              </a:lnSpc>
-              <a:buNone/>
-            </a:pPr>
-            <a:endParaRPr b="0" lang="pt-BR" sz="1800" spc="-1" strike="noStrike">
-              <a:latin typeface="Arial"/>
-            </a:endParaRPr>
-          </a:p>
-          <a:p>
-            <a:pPr>
-              <a:lnSpc>
-                <a:spcPct val="100000"/>
-              </a:lnSpc>
-              <a:buNone/>
-            </a:pPr>
-            <a:endParaRPr b="0" lang="pt-BR" sz="1800" spc="-1" strike="noStrike">
-              <a:latin typeface="Arial"/>
-            </a:endParaRPr>
-          </a:p>
-          <a:p>
-            <a:pPr>
-              <a:lnSpc>
-                <a:spcPct val="100000"/>
-              </a:lnSpc>
-              <a:buNone/>
-            </a:pPr>
-            <a:endParaRPr b="0" lang="pt-BR" sz="1800" spc="-1" strike="noStrike">
-              <a:latin typeface="Arial"/>
-            </a:endParaRPr>
-          </a:p>
-          <a:p>
-            <a:pPr>
-              <a:lnSpc>
-                <a:spcPct val="100000"/>
-              </a:lnSpc>
-              <a:buNone/>
-            </a:pPr>
-            <a:endParaRPr b="0" lang="pt-BR" sz="1800" spc="-1" strike="noStrike">
-              <a:latin typeface="Arial"/>
-            </a:endParaRPr>
-          </a:p>
-        </p:txBody>
-      </p:sp>
-      <p:pic>
-        <p:nvPicPr>
-          <p:cNvPr id="169" name="Imagem 3" descr=""/>
-          <p:cNvPicPr/>
-          <p:nvPr/>
-        </p:nvPicPr>
-        <p:blipFill>
-          <a:blip r:embed="rId1"/>
-          <a:stretch/>
-        </p:blipFill>
-        <p:spPr>
-          <a:xfrm>
-            <a:off x="614880" y="1829160"/>
-            <a:ext cx="8686440" cy="2241720"/>
-          </a:xfrm>
-          <a:prstGeom prst="rect">
-            <a:avLst/>
-          </a:prstGeom>
-          <a:ln w="0">
-            <a:noFill/>
-          </a:ln>
-        </p:spPr>
-      </p:pic>
-      <p:pic>
-        <p:nvPicPr>
-          <p:cNvPr id="170" name="Imagem 6" descr=""/>
-          <p:cNvPicPr/>
-          <p:nvPr/>
-        </p:nvPicPr>
-        <p:blipFill>
-          <a:blip r:embed="rId2"/>
-          <a:stretch/>
-        </p:blipFill>
-        <p:spPr>
-          <a:xfrm>
-            <a:off x="614880" y="4563720"/>
-            <a:ext cx="8686440" cy="1166400"/>
-          </a:xfrm>
-          <a:prstGeom prst="rect">
-            <a:avLst/>
-          </a:prstGeom>
-          <a:ln w="0">
-            <a:noFill/>
-          </a:ln>
-        </p:spPr>
-      </p:pic>
-      <p:sp>
-        <p:nvSpPr>
-          <p:cNvPr id="171" name="CustomShape 3"/>
-          <p:cNvSpPr/>
-          <p:nvPr/>
-        </p:nvSpPr>
-        <p:spPr>
-          <a:xfrm>
-            <a:off x="7608600" y="6886080"/>
-            <a:ext cx="2281320" cy="361080"/>
-          </a:xfrm>
-          <a:prstGeom prst="rect">
-            <a:avLst/>
-          </a:prstGeom>
-          <a:noFill/>
-          <a:ln w="0">
-            <a:noFill/>
-          </a:ln>
-        </p:spPr>
-        <p:style>
-          <a:lnRef idx="0"/>
-          <a:fillRef idx="0"/>
-          <a:effectRef idx="0"/>
-          <a:fontRef idx="minor"/>
-        </p:style>
-        <p:txBody>
-          <a:bodyPr lIns="90000" rIns="90000" tIns="45000" bIns="45000" anchor="t">
-            <a:noAutofit/>
-          </a:bodyPr>
-          <a:p>
-            <a:pPr>
-              <a:lnSpc>
-                <a:spcPct val="100000"/>
-              </a:lnSpc>
-              <a:buNone/>
-            </a:pPr>
-            <a:r>
-              <a:rPr b="0" lang="en-US" sz="1800" spc="-1" strike="noStrike">
-                <a:solidFill>
-                  <a:srgbClr val="000000"/>
-                </a:solidFill>
-                <a:latin typeface="Arial"/>
-                <a:ea typeface="DejaVu Sans"/>
-              </a:rPr>
-              <a:t>Lecture</a:t>
-            </a:r>
-            <a:r>
-              <a:rPr b="0" lang="pt-BR" sz="1800" spc="-1" strike="noStrike">
-                <a:solidFill>
-                  <a:srgbClr val="000000"/>
-                </a:solidFill>
-                <a:latin typeface="Arial"/>
-                <a:ea typeface="DejaVu Sans"/>
-              </a:rPr>
-              <a:t> 06</a:t>
-            </a:r>
-            <a:endParaRPr b="0" lang="pt-BR" sz="1800" spc="-1" strike="noStrike">
-              <a:latin typeface="Arial"/>
-            </a:endParaRPr>
-          </a:p>
-        </p:txBody>
-      </p:sp>
-    </p:spTree>
-  </p:cSld>
-  <mc:AlternateContent>
-    <mc:Choice Requires="p14">
-      <p:transition spd="slow" p14:dur="2000"/>
-    </mc:Choice>
-    <mc:Fallback>
-      <p:transition spd="slow"/>
-    </mc:Fallback>
-  </mc:AlternateContent>
-</p:sld>
-</file>
-
-<file path=ppt/slides/slide15.xml><?xml version="1.0" encoding="utf-8"?>
-<p:sld xmlns:a="http://schemas.openxmlformats.org/drawingml/2006/main" xmlns:p="http://schemas.openxmlformats.org/presentationml/2006/main" xmlns:r="http://schemas.openxmlformats.org/officeDocument/2006/relationships" xmlns:p14="http://schemas.microsoft.com/office/powerpoint/2010/main" xmlns:p15="http://schemas.microsoft.com/office/powerpoint/2012/main" xmlns:mc="http://schemas.openxmlformats.org/markup-compatibility/2006">
-  <p:cSld>
-    <p:spTree>
-      <p:nvGrpSpPr>
-        <p:cNvPr id="1" name=""/>
-        <p:cNvGrpSpPr/>
-        <p:nvPr/>
-      </p:nvGrpSpPr>
-      <p:grpSpPr>
-        <a:xfrm>
-          <a:off x="0" y="0"/>
-          <a:ext cx="0" cy="0"/>
-          <a:chOff x="0" y="0"/>
-          <a:chExt cx="0" cy="0"/>
-        </a:xfrm>
-      </p:grpSpPr>
-      <p:sp>
-        <p:nvSpPr>
-          <p:cNvPr id="172" name="CustomShape 1"/>
-          <p:cNvSpPr/>
-          <p:nvPr/>
-        </p:nvSpPr>
-        <p:spPr>
-          <a:xfrm>
-            <a:off x="360000" y="360000"/>
-            <a:ext cx="9356040" cy="896040"/>
-          </a:xfrm>
-          <a:prstGeom prst="rect">
-            <a:avLst/>
-          </a:prstGeom>
-          <a:noFill/>
-          <a:ln w="0">
-            <a:noFill/>
-          </a:ln>
-        </p:spPr>
-        <p:style>
-          <a:lnRef idx="0"/>
-          <a:fillRef idx="0"/>
-          <a:effectRef idx="0"/>
-          <a:fontRef idx="minor"/>
-        </p:style>
-        <p:txBody>
-          <a:bodyPr lIns="0" rIns="0" tIns="0" bIns="0" anchor="b">
-            <a:noAutofit/>
-          </a:bodyPr>
-          <a:p>
-            <a:pPr>
-              <a:lnSpc>
-                <a:spcPct val="100000"/>
-              </a:lnSpc>
-              <a:buNone/>
-            </a:pPr>
-            <a:r>
-              <a:rPr b="1" lang="en-US" sz="3200" spc="-1" strike="noStrike">
-                <a:solidFill>
-                  <a:srgbClr val="ffffff"/>
-                </a:solidFill>
-                <a:latin typeface="Latin Modern Sans"/>
-                <a:ea typeface="DejaVu Sans"/>
-              </a:rPr>
-              <a:t>Let’s Code</a:t>
-            </a:r>
-            <a:endParaRPr b="0" lang="pt-BR" sz="3200" spc="-1" strike="noStrike">
-              <a:latin typeface="Arial"/>
-            </a:endParaRPr>
-          </a:p>
-        </p:txBody>
-      </p:sp>
-      <p:sp>
-        <p:nvSpPr>
-          <p:cNvPr id="173" name="CustomShape 2"/>
-          <p:cNvSpPr/>
-          <p:nvPr/>
-        </p:nvSpPr>
-        <p:spPr>
-          <a:xfrm>
-            <a:off x="897120" y="6886080"/>
-            <a:ext cx="6443280" cy="361080"/>
-          </a:xfrm>
-          <a:prstGeom prst="rect">
-            <a:avLst/>
-          </a:prstGeom>
-          <a:noFill/>
-          <a:ln w="0">
-            <a:noFill/>
-          </a:ln>
-        </p:spPr>
-        <p:style>
-          <a:lnRef idx="0"/>
-          <a:fillRef idx="0"/>
-          <a:effectRef idx="0"/>
-          <a:fontRef idx="minor"/>
-        </p:style>
-        <p:txBody>
-          <a:bodyPr lIns="90000" rIns="90000" tIns="45000" bIns="45000" anchor="t">
-            <a:noAutofit/>
-          </a:bodyPr>
-          <a:p>
-            <a:pPr>
-              <a:lnSpc>
-                <a:spcPct val="100000"/>
-              </a:lnSpc>
-              <a:buNone/>
-            </a:pPr>
-            <a:r>
-              <a:rPr b="0" lang="pt-BR" sz="1800" spc="-1" strike="noStrike">
-                <a:solidFill>
-                  <a:srgbClr val="000000"/>
-                </a:solidFill>
-                <a:latin typeface="Arial"/>
-                <a:ea typeface="DejaVu Sans"/>
-              </a:rPr>
-              <a:t>Computer Vision - Prof. André Hochuli</a:t>
-            </a:r>
-            <a:endParaRPr b="0" lang="pt-BR" sz="1800" spc="-1" strike="noStrike">
-              <a:latin typeface="Arial"/>
-            </a:endParaRPr>
-          </a:p>
-        </p:txBody>
-      </p:sp>
-      <p:sp>
-        <p:nvSpPr>
-          <p:cNvPr id="174" name="CustomShape 3"/>
-          <p:cNvSpPr/>
-          <p:nvPr/>
-        </p:nvSpPr>
-        <p:spPr>
-          <a:xfrm>
-            <a:off x="7608600" y="6886080"/>
-            <a:ext cx="2281320" cy="361080"/>
-          </a:xfrm>
-          <a:prstGeom prst="rect">
-            <a:avLst/>
-          </a:prstGeom>
-          <a:noFill/>
-          <a:ln w="0">
-            <a:noFill/>
-          </a:ln>
-        </p:spPr>
-        <p:style>
-          <a:lnRef idx="0"/>
-          <a:fillRef idx="0"/>
-          <a:effectRef idx="0"/>
-          <a:fontRef idx="minor"/>
-        </p:style>
-        <p:txBody>
-          <a:bodyPr lIns="90000" rIns="90000" tIns="45000" bIns="45000" anchor="t">
-            <a:noAutofit/>
-          </a:bodyPr>
-          <a:p>
-            <a:pPr>
-              <a:lnSpc>
-                <a:spcPct val="100000"/>
-              </a:lnSpc>
-              <a:buNone/>
-            </a:pPr>
-            <a:r>
-              <a:rPr b="0" lang="en-US" sz="1800" spc="-1" strike="noStrike">
-                <a:solidFill>
-                  <a:srgbClr val="000000"/>
-                </a:solidFill>
-                <a:latin typeface="Arial"/>
-                <a:ea typeface="DejaVu Sans"/>
-              </a:rPr>
-              <a:t>Lecture</a:t>
-            </a:r>
-            <a:r>
-              <a:rPr b="0" lang="pt-BR" sz="1800" spc="-1" strike="noStrike">
-                <a:solidFill>
-                  <a:srgbClr val="000000"/>
-                </a:solidFill>
-                <a:latin typeface="Arial"/>
-                <a:ea typeface="DejaVu Sans"/>
-              </a:rPr>
-              <a:t> 06</a:t>
-            </a:r>
-            <a:endParaRPr b="0" lang="pt-BR" sz="1800" spc="-1" strike="noStrike">
-              <a:latin typeface="Arial"/>
-            </a:endParaRPr>
-          </a:p>
-        </p:txBody>
-      </p:sp>
-      <p:sp>
-        <p:nvSpPr>
-          <p:cNvPr id="175" name="CaixaDeTexto 1"/>
-          <p:cNvSpPr/>
-          <p:nvPr/>
-        </p:nvSpPr>
-        <p:spPr>
-          <a:xfrm>
-            <a:off x="200160" y="1689840"/>
-            <a:ext cx="9515880" cy="3381480"/>
-          </a:xfrm>
-          <a:prstGeom prst="rect">
-            <a:avLst/>
-          </a:prstGeom>
-          <a:noFill/>
-          <a:ln w="0">
-            <a:noFill/>
-          </a:ln>
-        </p:spPr>
-        <p:style>
-          <a:lnRef idx="0"/>
-          <a:fillRef idx="0"/>
-          <a:effectRef idx="0"/>
-          <a:fontRef idx="minor"/>
-        </p:style>
-        <p:txBody>
-          <a:bodyPr lIns="90000" rIns="90000" tIns="45000" bIns="45000" anchor="t">
-            <a:spAutoFit/>
-          </a:bodyPr>
-          <a:p>
-            <a:pPr>
-              <a:lnSpc>
-                <a:spcPct val="100000"/>
-              </a:lnSpc>
-              <a:buNone/>
-            </a:pPr>
-            <a:endParaRPr b="0" lang="pt-BR" sz="1800" spc="-1" strike="noStrike">
-              <a:latin typeface="Arial"/>
-            </a:endParaRPr>
-          </a:p>
-          <a:p>
-            <a:pPr>
-              <a:lnSpc>
-                <a:spcPct val="100000"/>
-              </a:lnSpc>
-              <a:buNone/>
-            </a:pPr>
-            <a:endParaRPr b="0" lang="pt-BR" sz="1800" spc="-1" strike="noStrike">
-              <a:latin typeface="Arial"/>
-            </a:endParaRPr>
-          </a:p>
-          <a:p>
-            <a:pPr>
-              <a:lnSpc>
-                <a:spcPct val="100000"/>
-              </a:lnSpc>
-              <a:buNone/>
-            </a:pPr>
-            <a:endParaRPr b="0" lang="pt-BR" sz="1800" spc="-1" strike="noStrike">
-              <a:latin typeface="Arial"/>
-            </a:endParaRPr>
-          </a:p>
-          <a:p>
-            <a:pPr>
-              <a:lnSpc>
-                <a:spcPct val="100000"/>
-              </a:lnSpc>
-              <a:buNone/>
-            </a:pPr>
-            <a:endParaRPr b="0" lang="pt-BR" sz="1800" spc="-1" strike="noStrike">
-              <a:latin typeface="Arial"/>
-            </a:endParaRPr>
-          </a:p>
-          <a:p>
-            <a:pPr>
-              <a:lnSpc>
-                <a:spcPct val="100000"/>
-              </a:lnSpc>
-              <a:buNone/>
-            </a:pPr>
-            <a:endParaRPr b="0" lang="pt-BR" sz="1800" spc="-1" strike="noStrike">
-              <a:latin typeface="Arial"/>
-            </a:endParaRPr>
-          </a:p>
-          <a:p>
-            <a:pPr>
-              <a:lnSpc>
-                <a:spcPct val="100000"/>
-              </a:lnSpc>
-              <a:buNone/>
-            </a:pPr>
-            <a:endParaRPr b="0" lang="pt-BR" sz="1800" spc="-1" strike="noStrike">
-              <a:latin typeface="Arial"/>
-            </a:endParaRPr>
-          </a:p>
-          <a:p>
-            <a:pPr>
-              <a:lnSpc>
-                <a:spcPct val="100000"/>
-              </a:lnSpc>
-              <a:buNone/>
-            </a:pPr>
-            <a:endParaRPr b="0" lang="pt-BR" sz="1800" spc="-1" strike="noStrike">
-              <a:latin typeface="Arial"/>
-            </a:endParaRPr>
-          </a:p>
-          <a:p>
-            <a:pPr>
-              <a:lnSpc>
-                <a:spcPct val="100000"/>
-              </a:lnSpc>
-              <a:buNone/>
-            </a:pPr>
-            <a:endParaRPr b="0" lang="pt-BR" sz="1800" spc="-1" strike="noStrike">
-              <a:latin typeface="Arial"/>
-            </a:endParaRPr>
-          </a:p>
-          <a:p>
-            <a:pPr>
-              <a:lnSpc>
-                <a:spcPct val="100000"/>
-              </a:lnSpc>
-              <a:buNone/>
-            </a:pPr>
-            <a:endParaRPr b="0" lang="pt-BR" sz="1800" spc="-1" strike="noStrike">
-              <a:latin typeface="Arial"/>
-            </a:endParaRPr>
-          </a:p>
-          <a:p>
-            <a:pPr>
-              <a:lnSpc>
-                <a:spcPct val="100000"/>
-              </a:lnSpc>
-              <a:buNone/>
-            </a:pPr>
-            <a:endParaRPr b="0" lang="pt-BR" sz="1800" spc="-1" strike="noStrike">
-              <a:latin typeface="Arial"/>
-            </a:endParaRPr>
-          </a:p>
-          <a:p>
-            <a:pPr>
-              <a:lnSpc>
-                <a:spcPct val="100000"/>
-              </a:lnSpc>
-              <a:buNone/>
-            </a:pPr>
-            <a:endParaRPr b="0" lang="pt-BR" sz="1800" spc="-1" strike="noStrike">
-              <a:latin typeface="Arial"/>
-            </a:endParaRPr>
-          </a:p>
-          <a:p>
-            <a:pPr>
-              <a:lnSpc>
-                <a:spcPct val="100000"/>
-              </a:lnSpc>
-              <a:buNone/>
-            </a:pPr>
-            <a:endParaRPr b="0" lang="pt-BR" sz="1800" spc="-1" strike="noStrike">
-              <a:latin typeface="Arial"/>
-            </a:endParaRPr>
-          </a:p>
-        </p:txBody>
-      </p:sp>
-      <p:sp>
-        <p:nvSpPr>
-          <p:cNvPr id="176" name="CaixaDeTexto 7"/>
-          <p:cNvSpPr/>
-          <p:nvPr/>
-        </p:nvSpPr>
-        <p:spPr>
-          <a:xfrm>
-            <a:off x="200160" y="1689840"/>
-            <a:ext cx="9515880" cy="3381480"/>
+            <a:ext cx="9515520" cy="3381480"/>
           </a:xfrm>
           <a:prstGeom prst="rect">
             <a:avLst/>
@@ -9617,7 +7872,7 @@
         <p:spPr>
           <a:xfrm>
             <a:off x="360000" y="360000"/>
-            <a:ext cx="9356040" cy="896040"/>
+            <a:ext cx="9355680" cy="895680"/>
           </a:xfrm>
           <a:prstGeom prst="rect">
             <a:avLst/>
@@ -9669,7 +7924,7 @@
         <p:spPr>
           <a:xfrm>
             <a:off x="897120" y="6886080"/>
-            <a:ext cx="6443280" cy="361080"/>
+            <a:ext cx="6442920" cy="360720"/>
           </a:xfrm>
           <a:prstGeom prst="rect">
             <a:avLst/>
@@ -9721,7 +7976,7 @@
         <p:spPr>
           <a:xfrm>
             <a:off x="7608600" y="6886080"/>
-            <a:ext cx="2281320" cy="361080"/>
+            <a:ext cx="2280960" cy="360720"/>
           </a:xfrm>
           <a:prstGeom prst="rect">
             <a:avLst/>
@@ -9783,7 +8038,7 @@
         <p:spPr>
           <a:xfrm>
             <a:off x="360000" y="1980000"/>
-            <a:ext cx="9176040" cy="4676040"/>
+            <a:ext cx="9175680" cy="4675680"/>
           </a:xfrm>
           <a:prstGeom prst="rect">
             <a:avLst/>
@@ -9963,7 +8218,7 @@
         <p:spPr>
           <a:xfrm>
             <a:off x="2124000" y="4627440"/>
-            <a:ext cx="6219720" cy="2104560"/>
+            <a:ext cx="6219360" cy="2104200"/>
           </a:xfrm>
           <a:prstGeom prst="rect">
             <a:avLst/>
@@ -9982,7 +8237,7 @@
         <p:spPr>
           <a:xfrm>
             <a:off x="2124000" y="6444000"/>
-            <a:ext cx="234000" cy="234000"/>
+            <a:ext cx="233640" cy="233640"/>
           </a:xfrm>
           <a:prstGeom prst="ellipse">
             <a:avLst/>
@@ -10012,7 +8267,7 @@
         <p:spPr>
           <a:xfrm>
             <a:off x="2592360" y="6444360"/>
-            <a:ext cx="234000" cy="234000"/>
+            <a:ext cx="233640" cy="233640"/>
           </a:xfrm>
           <a:prstGeom prst="ellipse">
             <a:avLst/>
@@ -10042,7 +8297,7 @@
         <p:spPr>
           <a:xfrm>
             <a:off x="3024720" y="6444720"/>
-            <a:ext cx="234000" cy="234000"/>
+            <a:ext cx="233640" cy="233640"/>
           </a:xfrm>
           <a:prstGeom prst="ellipse">
             <a:avLst/>
@@ -10072,7 +8327,7 @@
         <p:spPr>
           <a:xfrm>
             <a:off x="3834000" y="6480000"/>
-            <a:ext cx="234000" cy="234000"/>
+            <a:ext cx="233640" cy="233640"/>
           </a:xfrm>
           <a:prstGeom prst="ellipse">
             <a:avLst/>
@@ -10102,7 +8357,7 @@
         <p:spPr>
           <a:xfrm>
             <a:off x="4230000" y="6462000"/>
-            <a:ext cx="234000" cy="234000"/>
+            <a:ext cx="233640" cy="233640"/>
           </a:xfrm>
           <a:prstGeom prst="ellipse">
             <a:avLst/>
@@ -10162,7 +8417,7 @@
         <p:spPr>
           <a:xfrm>
             <a:off x="360000" y="360000"/>
-            <a:ext cx="9356040" cy="896040"/>
+            <a:ext cx="9355680" cy="895680"/>
           </a:xfrm>
           <a:prstGeom prst="rect">
             <a:avLst/>
@@ -10214,7 +8469,7 @@
         <p:spPr>
           <a:xfrm>
             <a:off x="897120" y="6886080"/>
-            <a:ext cx="6443280" cy="361080"/>
+            <a:ext cx="6442920" cy="360720"/>
           </a:xfrm>
           <a:prstGeom prst="rect">
             <a:avLst/>
@@ -10266,7 +8521,7 @@
         <p:spPr>
           <a:xfrm>
             <a:off x="7608600" y="6886080"/>
-            <a:ext cx="2281320" cy="361080"/>
+            <a:ext cx="2280960" cy="360720"/>
           </a:xfrm>
           <a:prstGeom prst="rect">
             <a:avLst/>
@@ -10332,7 +8587,7 @@
         <p:spPr>
           <a:xfrm>
             <a:off x="546480" y="2473560"/>
-            <a:ext cx="8983080" cy="2434320"/>
+            <a:ext cx="8982720" cy="2433960"/>
           </a:xfrm>
           <a:prstGeom prst="rect">
             <a:avLst/>
@@ -10351,7 +8606,7 @@
         <p:spPr>
           <a:xfrm>
             <a:off x="546480" y="3098880"/>
-            <a:ext cx="6636240" cy="1594800"/>
+            <a:ext cx="6635880" cy="1594440"/>
           </a:xfrm>
           <a:prstGeom prst="rect">
             <a:avLst/>
@@ -10422,7 +8677,7 @@
         <p:spPr>
           <a:xfrm>
             <a:off x="360000" y="360000"/>
-            <a:ext cx="9356040" cy="896040"/>
+            <a:ext cx="9355680" cy="895680"/>
           </a:xfrm>
           <a:prstGeom prst="rect">
             <a:avLst/>
@@ -10474,7 +8729,7 @@
         <p:spPr>
           <a:xfrm>
             <a:off x="897120" y="6886080"/>
-            <a:ext cx="6443280" cy="361080"/>
+            <a:ext cx="6442920" cy="360720"/>
           </a:xfrm>
           <a:prstGeom prst="rect">
             <a:avLst/>
@@ -10526,7 +8781,7 @@
         <p:spPr>
           <a:xfrm>
             <a:off x="7608600" y="6886080"/>
-            <a:ext cx="2281320" cy="361080"/>
+            <a:ext cx="2280960" cy="360720"/>
           </a:xfrm>
           <a:prstGeom prst="rect">
             <a:avLst/>
@@ -10588,7 +8843,7 @@
         <p:spPr>
           <a:xfrm>
             <a:off x="200160" y="1689840"/>
-            <a:ext cx="9515880" cy="2009880"/>
+            <a:ext cx="9515520" cy="2009880"/>
           </a:xfrm>
           <a:prstGeom prst="rect">
             <a:avLst/>
@@ -10742,7 +8997,7 @@
         <p:spPr>
           <a:xfrm>
             <a:off x="1738800" y="3416400"/>
-            <a:ext cx="6598800" cy="950400"/>
+            <a:ext cx="6598440" cy="950040"/>
           </a:xfrm>
           <a:prstGeom prst="rect">
             <a:avLst/>
@@ -10765,7 +9020,7 @@
         <p:spPr>
           <a:xfrm>
             <a:off x="464040" y="4828320"/>
-            <a:ext cx="3988800" cy="1588680"/>
+            <a:ext cx="3988440" cy="1588320"/>
           </a:xfrm>
           <a:prstGeom prst="rect">
             <a:avLst/>
@@ -10788,7 +9043,7 @@
         <p:spPr>
           <a:xfrm>
             <a:off x="5410800" y="5667120"/>
-            <a:ext cx="3119400" cy="929880"/>
+            <a:ext cx="3119040" cy="929520"/>
           </a:xfrm>
           <a:prstGeom prst="rect">
             <a:avLst/>
@@ -10811,7 +9066,7 @@
         <p:spPr>
           <a:xfrm>
             <a:off x="4836600" y="4413240"/>
-            <a:ext cx="4613040" cy="1026720"/>
+            <a:ext cx="4612680" cy="1026360"/>
           </a:xfrm>
           <a:prstGeom prst="rect">
             <a:avLst/>
@@ -10860,7 +9115,7 @@
         <p:spPr>
           <a:xfrm>
             <a:off x="360000" y="360000"/>
-            <a:ext cx="9356040" cy="896040"/>
+            <a:ext cx="9355680" cy="895680"/>
           </a:xfrm>
           <a:prstGeom prst="rect">
             <a:avLst/>
@@ -10912,7 +9167,7 @@
         <p:spPr>
           <a:xfrm>
             <a:off x="897120" y="6886080"/>
-            <a:ext cx="6443280" cy="361080"/>
+            <a:ext cx="6442920" cy="360720"/>
           </a:xfrm>
           <a:prstGeom prst="rect">
             <a:avLst/>
@@ -10964,7 +9219,7 @@
         <p:spPr>
           <a:xfrm>
             <a:off x="7608600" y="6886080"/>
-            <a:ext cx="2281320" cy="361080"/>
+            <a:ext cx="2280960" cy="360720"/>
           </a:xfrm>
           <a:prstGeom prst="rect">
             <a:avLst/>
@@ -11026,7 +9281,7 @@
         <p:spPr>
           <a:xfrm>
             <a:off x="200160" y="1689840"/>
-            <a:ext cx="9515880" cy="3655800"/>
+            <a:ext cx="9515520" cy="3655800"/>
           </a:xfrm>
           <a:prstGeom prst="rect">
             <a:avLst/>
@@ -11246,7 +9501,7 @@
         <p:spPr>
           <a:xfrm>
             <a:off x="1671480" y="4975200"/>
-            <a:ext cx="6518160" cy="1683000"/>
+            <a:ext cx="6517800" cy="1682640"/>
           </a:xfrm>
           <a:prstGeom prst="rect">
             <a:avLst/>
@@ -11269,7 +9524,7 @@
         <p:spPr>
           <a:xfrm>
             <a:off x="1671480" y="2608920"/>
-            <a:ext cx="6479280" cy="1751760"/>
+            <a:ext cx="6478920" cy="1751400"/>
           </a:xfrm>
           <a:prstGeom prst="rect">
             <a:avLst/>
@@ -11318,7 +9573,7 @@
         <p:spPr>
           <a:xfrm>
             <a:off x="360000" y="360000"/>
-            <a:ext cx="9356040" cy="896040"/>
+            <a:ext cx="9355680" cy="895680"/>
           </a:xfrm>
           <a:prstGeom prst="rect">
             <a:avLst/>
@@ -11370,7 +9625,7 @@
         <p:spPr>
           <a:xfrm>
             <a:off x="897120" y="6886080"/>
-            <a:ext cx="6443280" cy="361080"/>
+            <a:ext cx="6442920" cy="360720"/>
           </a:xfrm>
           <a:prstGeom prst="rect">
             <a:avLst/>
@@ -11422,7 +9677,7 @@
         <p:spPr>
           <a:xfrm>
             <a:off x="7608600" y="6886080"/>
-            <a:ext cx="2281320" cy="361080"/>
+            <a:ext cx="2280960" cy="360720"/>
           </a:xfrm>
           <a:prstGeom prst="rect">
             <a:avLst/>
@@ -11475,16 +9730,62 @@
           </a:p>
         </p:txBody>
       </p:sp>
-      <p:sp>
-        <p:nvSpPr>
-          <p:cNvPr id="121" name="CaixaDeTexto 1"/>
+      <p:pic>
+        <p:nvPicPr>
+          <p:cNvPr id="121" name="Imagem 7" descr=""/>
+          <p:cNvPicPr/>
+          <p:nvPr/>
+        </p:nvPicPr>
+        <p:blipFill>
+          <a:blip r:embed="rId1"/>
+          <a:stretch/>
+        </p:blipFill>
+        <p:spPr>
+          <a:xfrm>
+            <a:off x="617760" y="2336400"/>
+            <a:ext cx="5135040" cy="1387800"/>
+          </a:xfrm>
+          <a:prstGeom prst="rect">
+            <a:avLst/>
+          </a:prstGeom>
+          <a:ln w="0">
+            <a:noFill/>
+          </a:ln>
+        </p:spPr>
+      </p:pic>
+      <p:pic>
+        <p:nvPicPr>
+          <p:cNvPr id="122" name="Picture 2" descr="The vertical and horizontal projection histograms for the letter “a”. |  Download Scientific Diagram"/>
+          <p:cNvPicPr/>
+          <p:nvPr/>
+        </p:nvPicPr>
+        <p:blipFill>
+          <a:blip r:embed="rId2"/>
+          <a:stretch/>
+        </p:blipFill>
+        <p:spPr>
+          <a:xfrm>
+            <a:off x="6910200" y="1989000"/>
+            <a:ext cx="2552040" cy="1789920"/>
+          </a:xfrm>
+          <a:prstGeom prst="rect">
+            <a:avLst/>
+          </a:prstGeom>
+          <a:ln w="0">
+            <a:noFill/>
+          </a:ln>
+        </p:spPr>
+      </p:pic>
+      <p:sp>
+        <p:nvSpPr>
+          <p:cNvPr id="123" name="CaixaDeTexto 10"/>
           <p:cNvSpPr/>
           <p:nvPr/>
         </p:nvSpPr>
         <p:spPr>
           <a:xfrm>
             <a:off x="200160" y="1689840"/>
-            <a:ext cx="9515880" cy="3655800"/>
+            <a:ext cx="9515520" cy="638280"/>
           </a:xfrm>
           <a:prstGeom prst="rect">
             <a:avLst/>
@@ -11523,157 +9824,8 @@
                 <a:latin typeface="Calibri"/>
                 <a:ea typeface="DejaVu Sans"/>
               </a:rPr>
-              <a:t>Gradient Based</a:t>
+              <a:t>Histogram Projection</a:t>
             </a:r>
-            <a:endParaRPr b="0" lang="pt-BR" sz="1800" spc="-1" strike="noStrike">
-              <a:latin typeface="Arial"/>
-            </a:endParaRPr>
-          </a:p>
-          <a:p>
-            <a:pPr>
-              <a:lnSpc>
-                <a:spcPct val="100000"/>
-              </a:lnSpc>
-              <a:buNone/>
-            </a:pPr>
-            <a:endParaRPr b="0" lang="pt-BR" sz="1800" spc="-1" strike="noStrike">
-              <a:latin typeface="Arial"/>
-            </a:endParaRPr>
-          </a:p>
-          <a:p>
-            <a:pPr lvl="1" marL="743040" indent="-285840">
-              <a:lnSpc>
-                <a:spcPct val="100000"/>
-              </a:lnSpc>
-              <a:buClr>
-                <a:srgbClr val="000000"/>
-              </a:buClr>
-              <a:buFont typeface="Arial"/>
-              <a:buChar char="•"/>
-            </a:pPr>
-            <a:r>
-              <a:rPr b="0" lang="en-US" sz="1800" spc="-1" strike="noStrike">
-                <a:solidFill>
-                  <a:srgbClr val="000000"/>
-                </a:solidFill>
-                <a:latin typeface="Calibri"/>
-                <a:ea typeface="DejaVu Sans"/>
-              </a:rPr>
-              <a:t>Projections</a:t>
-            </a:r>
-            <a:endParaRPr b="0" lang="pt-BR" sz="1800" spc="-1" strike="noStrike">
-              <a:latin typeface="Arial"/>
-            </a:endParaRPr>
-          </a:p>
-          <a:p>
-            <a:pPr>
-              <a:lnSpc>
-                <a:spcPct val="100000"/>
-              </a:lnSpc>
-              <a:buNone/>
-            </a:pPr>
-            <a:endParaRPr b="0" lang="pt-BR" sz="1800" spc="-1" strike="noStrike">
-              <a:latin typeface="Arial"/>
-            </a:endParaRPr>
-          </a:p>
-          <a:p>
-            <a:pPr>
-              <a:lnSpc>
-                <a:spcPct val="100000"/>
-              </a:lnSpc>
-              <a:buNone/>
-            </a:pPr>
-            <a:endParaRPr b="0" lang="pt-BR" sz="1800" spc="-1" strike="noStrike">
-              <a:latin typeface="Arial"/>
-            </a:endParaRPr>
-          </a:p>
-          <a:p>
-            <a:pPr>
-              <a:lnSpc>
-                <a:spcPct val="100000"/>
-              </a:lnSpc>
-              <a:buNone/>
-            </a:pPr>
-            <a:endParaRPr b="0" lang="pt-BR" sz="1800" spc="-1" strike="noStrike">
-              <a:latin typeface="Arial"/>
-            </a:endParaRPr>
-          </a:p>
-          <a:p>
-            <a:pPr>
-              <a:lnSpc>
-                <a:spcPct val="100000"/>
-              </a:lnSpc>
-              <a:buNone/>
-            </a:pPr>
-            <a:endParaRPr b="0" lang="pt-BR" sz="1800" spc="-1" strike="noStrike">
-              <a:latin typeface="Arial"/>
-            </a:endParaRPr>
-          </a:p>
-          <a:p>
-            <a:pPr>
-              <a:lnSpc>
-                <a:spcPct val="100000"/>
-              </a:lnSpc>
-              <a:buNone/>
-            </a:pPr>
-            <a:endParaRPr b="0" lang="pt-BR" sz="1800" spc="-1" strike="noStrike">
-              <a:latin typeface="Arial"/>
-            </a:endParaRPr>
-          </a:p>
-          <a:p>
-            <a:pPr>
-              <a:lnSpc>
-                <a:spcPct val="100000"/>
-              </a:lnSpc>
-              <a:buNone/>
-            </a:pPr>
-            <a:endParaRPr b="0" lang="pt-BR" sz="1800" spc="-1" strike="noStrike">
-              <a:latin typeface="Arial"/>
-            </a:endParaRPr>
-          </a:p>
-          <a:p>
-            <a:pPr>
-              <a:lnSpc>
-                <a:spcPct val="100000"/>
-              </a:lnSpc>
-              <a:buNone/>
-            </a:pPr>
-            <a:endParaRPr b="0" lang="pt-BR" sz="1800" spc="-1" strike="noStrike">
-              <a:latin typeface="Arial"/>
-            </a:endParaRPr>
-          </a:p>
-          <a:p>
-            <a:pPr lvl="1" marL="743040" indent="-285840">
-              <a:lnSpc>
-                <a:spcPct val="100000"/>
-              </a:lnSpc>
-              <a:buClr>
-                <a:srgbClr val="000000"/>
-              </a:buClr>
-              <a:buFont typeface="Arial"/>
-              <a:buChar char="•"/>
-            </a:pPr>
-            <a:r>
-              <a:rPr b="0" lang="en-US" sz="1800" spc="-1" strike="noStrike">
-                <a:solidFill>
-                  <a:srgbClr val="000000"/>
-                </a:solidFill>
-                <a:latin typeface="Calibri"/>
-                <a:ea typeface="DejaVu Sans"/>
-              </a:rPr>
-              <a:t>Convolutional (Filters)</a:t>
-            </a:r>
-            <a:endParaRPr b="0" lang="pt-BR" sz="1800" spc="-1" strike="noStrike">
-              <a:latin typeface="Arial"/>
-            </a:endParaRPr>
-          </a:p>
-          <a:p>
-            <a:pPr>
-              <a:lnSpc>
-                <a:spcPct val="100000"/>
-              </a:lnSpc>
-              <a:buNone/>
-            </a:pPr>
             <a:endParaRPr b="0" lang="pt-BR" sz="1800" spc="-1" strike="noStrike">
               <a:latin typeface="Arial"/>
             </a:endParaRPr>
@@ -11693,41 +9845,18 @@
       </p:sp>
       <p:pic>
         <p:nvPicPr>
-          <p:cNvPr id="122" name="Imagem 5" descr=""/>
+          <p:cNvPr id="124" name="Imagem 11" descr=""/>
           <p:cNvPicPr/>
           <p:nvPr/>
         </p:nvPicPr>
         <p:blipFill>
-          <a:blip r:embed="rId1"/>
+          <a:blip r:embed="rId3"/>
           <a:stretch/>
         </p:blipFill>
         <p:spPr>
           <a:xfrm>
-            <a:off x="1671480" y="4975200"/>
-            <a:ext cx="6518160" cy="1683000"/>
-          </a:xfrm>
-          <a:prstGeom prst="rect">
-            <a:avLst/>
-          </a:prstGeom>
-          <a:ln w="0">
-            <a:noFill/>
-          </a:ln>
-        </p:spPr>
-      </p:pic>
-      <p:pic>
-        <p:nvPicPr>
-          <p:cNvPr id="123" name="Imagem 7" descr=""/>
-          <p:cNvPicPr/>
-          <p:nvPr/>
-        </p:nvPicPr>
-        <p:blipFill>
-          <a:blip r:embed="rId2"/>
-          <a:stretch/>
-        </p:blipFill>
-        <p:spPr>
-          <a:xfrm>
-            <a:off x="1671480" y="2608920"/>
-            <a:ext cx="6479280" cy="1751760"/>
+            <a:off x="2469600" y="4079160"/>
+            <a:ext cx="4976280" cy="2629440"/>
           </a:xfrm>
           <a:prstGeom prst="rect">
             <a:avLst/>
@@ -11769,14 +9898,14 @@
       </p:grpSpPr>
       <p:sp>
         <p:nvSpPr>
-          <p:cNvPr id="124" name="CustomShape 1"/>
+          <p:cNvPr id="125" name="CustomShape 1"/>
           <p:cNvSpPr/>
           <p:nvPr/>
         </p:nvSpPr>
         <p:spPr>
           <a:xfrm>
             <a:off x="360000" y="360000"/>
-            <a:ext cx="9356040" cy="896040"/>
+            <a:ext cx="9355680" cy="895680"/>
           </a:xfrm>
           <a:prstGeom prst="rect">
             <a:avLst/>
@@ -11821,14 +9950,14 @@
       </p:sp>
       <p:sp>
         <p:nvSpPr>
-          <p:cNvPr id="125" name="CustomShape 2"/>
+          <p:cNvPr id="126" name="CustomShape 2"/>
           <p:cNvSpPr/>
           <p:nvPr/>
         </p:nvSpPr>
         <p:spPr>
           <a:xfrm>
             <a:off x="897120" y="6886080"/>
-            <a:ext cx="6443280" cy="361080"/>
+            <a:ext cx="6442920" cy="360720"/>
           </a:xfrm>
           <a:prstGeom prst="rect">
             <a:avLst/>
@@ -11873,14 +10002,14 @@
       </p:sp>
       <p:sp>
         <p:nvSpPr>
-          <p:cNvPr id="126" name="CustomShape 3"/>
+          <p:cNvPr id="127" name="CustomShape 3"/>
           <p:cNvSpPr/>
           <p:nvPr/>
         </p:nvSpPr>
         <p:spPr>
           <a:xfrm>
             <a:off x="7608600" y="6886080"/>
-            <a:ext cx="2281320" cy="361080"/>
+            <a:ext cx="2280960" cy="360720"/>
           </a:xfrm>
           <a:prstGeom prst="rect">
             <a:avLst/>
@@ -11935,14 +10064,14 @@
       </p:sp>
       <p:sp>
         <p:nvSpPr>
-          <p:cNvPr id="127" name="CaixaDeTexto 1"/>
+          <p:cNvPr id="128" name="CaixaDeTexto 1"/>
           <p:cNvSpPr/>
           <p:nvPr/>
         </p:nvSpPr>
         <p:spPr>
           <a:xfrm>
             <a:off x="200160" y="1689840"/>
-            <a:ext cx="9515880" cy="3655800"/>
+            <a:ext cx="9515520" cy="3381480"/>
           </a:xfrm>
           <a:prstGeom prst="rect">
             <a:avLst/>
@@ -11981,7 +10110,7 @@
                 <a:latin typeface="Calibri"/>
                 <a:ea typeface="DejaVu Sans"/>
               </a:rPr>
-              <a:t>Gradient Based</a:t>
+              <a:t>Sobel Filter</a:t>
             </a:r>
             <a:endParaRPr b="0" lang="pt-BR" sz="1800" spc="-1" strike="noStrike">
               <a:latin typeface="Arial"/>
@@ -11999,128 +10128,89 @@
             </a:endParaRPr>
           </a:p>
           <a:p>
-            <a:pPr lvl="1" marL="743040" indent="-285840">
-              <a:lnSpc>
-                <a:spcPct val="100000"/>
-              </a:lnSpc>
-              <a:buClr>
-                <a:srgbClr val="000000"/>
-              </a:buClr>
-              <a:buFont typeface="Arial"/>
-              <a:buChar char="•"/>
-            </a:pPr>
-            <a:r>
-              <a:rPr b="0" lang="en-US" sz="1800" spc="-1" strike="noStrike">
-                <a:solidFill>
-                  <a:srgbClr val="000000"/>
-                </a:solidFill>
-                <a:latin typeface="Calibri"/>
-                <a:ea typeface="DejaVu Sans"/>
-              </a:rPr>
-              <a:t>Projections</a:t>
-            </a:r>
-            <a:endParaRPr b="0" lang="pt-BR" sz="1800" spc="-1" strike="noStrike">
-              <a:latin typeface="Arial"/>
-            </a:endParaRPr>
-          </a:p>
-          <a:p>
-            <a:pPr>
-              <a:lnSpc>
-                <a:spcPct val="100000"/>
-              </a:lnSpc>
-              <a:buNone/>
-            </a:pPr>
-            <a:endParaRPr b="0" lang="pt-BR" sz="1800" spc="-1" strike="noStrike">
-              <a:latin typeface="Arial"/>
-            </a:endParaRPr>
-          </a:p>
-          <a:p>
-            <a:pPr>
-              <a:lnSpc>
-                <a:spcPct val="100000"/>
-              </a:lnSpc>
-              <a:buNone/>
-            </a:pPr>
-            <a:endParaRPr b="0" lang="pt-BR" sz="1800" spc="-1" strike="noStrike">
-              <a:latin typeface="Arial"/>
-            </a:endParaRPr>
-          </a:p>
-          <a:p>
-            <a:pPr>
-              <a:lnSpc>
-                <a:spcPct val="100000"/>
-              </a:lnSpc>
-              <a:buNone/>
-            </a:pPr>
-            <a:endParaRPr b="0" lang="pt-BR" sz="1800" spc="-1" strike="noStrike">
-              <a:latin typeface="Arial"/>
-            </a:endParaRPr>
-          </a:p>
-          <a:p>
-            <a:pPr>
-              <a:lnSpc>
-                <a:spcPct val="100000"/>
-              </a:lnSpc>
-              <a:buNone/>
-            </a:pPr>
-            <a:endParaRPr b="0" lang="pt-BR" sz="1800" spc="-1" strike="noStrike">
-              <a:latin typeface="Arial"/>
-            </a:endParaRPr>
-          </a:p>
-          <a:p>
-            <a:pPr>
-              <a:lnSpc>
-                <a:spcPct val="100000"/>
-              </a:lnSpc>
-              <a:buNone/>
-            </a:pPr>
-            <a:endParaRPr b="0" lang="pt-BR" sz="1800" spc="-1" strike="noStrike">
-              <a:latin typeface="Arial"/>
-            </a:endParaRPr>
-          </a:p>
-          <a:p>
-            <a:pPr>
-              <a:lnSpc>
-                <a:spcPct val="100000"/>
-              </a:lnSpc>
-              <a:buNone/>
-            </a:pPr>
-            <a:endParaRPr b="0" lang="pt-BR" sz="1800" spc="-1" strike="noStrike">
-              <a:latin typeface="Arial"/>
-            </a:endParaRPr>
-          </a:p>
-          <a:p>
-            <a:pPr>
-              <a:lnSpc>
-                <a:spcPct val="100000"/>
-              </a:lnSpc>
-              <a:buNone/>
-            </a:pPr>
-            <a:endParaRPr b="0" lang="pt-BR" sz="1800" spc="-1" strike="noStrike">
-              <a:latin typeface="Arial"/>
-            </a:endParaRPr>
-          </a:p>
-          <a:p>
-            <a:pPr lvl="1" marL="743040" indent="-285840">
-              <a:lnSpc>
-                <a:spcPct val="100000"/>
-              </a:lnSpc>
-              <a:buClr>
-                <a:srgbClr val="000000"/>
-              </a:buClr>
-              <a:buFont typeface="Arial"/>
-              <a:buChar char="•"/>
-            </a:pPr>
-            <a:r>
-              <a:rPr b="0" lang="en-US" sz="1800" spc="-1" strike="noStrike">
-                <a:solidFill>
-                  <a:srgbClr val="000000"/>
-                </a:solidFill>
-                <a:latin typeface="Calibri"/>
-                <a:ea typeface="DejaVu Sans"/>
-              </a:rPr>
-              <a:t>Convolutional (Filters)</a:t>
-            </a:r>
+            <a:pPr>
+              <a:lnSpc>
+                <a:spcPct val="100000"/>
+              </a:lnSpc>
+              <a:buNone/>
+            </a:pPr>
+            <a:endParaRPr b="0" lang="pt-BR" sz="1800" spc="-1" strike="noStrike">
+              <a:latin typeface="Arial"/>
+            </a:endParaRPr>
+          </a:p>
+          <a:p>
+            <a:pPr>
+              <a:lnSpc>
+                <a:spcPct val="100000"/>
+              </a:lnSpc>
+              <a:buNone/>
+            </a:pPr>
+            <a:endParaRPr b="0" lang="pt-BR" sz="1800" spc="-1" strike="noStrike">
+              <a:latin typeface="Arial"/>
+            </a:endParaRPr>
+          </a:p>
+          <a:p>
+            <a:pPr>
+              <a:lnSpc>
+                <a:spcPct val="100000"/>
+              </a:lnSpc>
+              <a:buNone/>
+            </a:pPr>
+            <a:endParaRPr b="0" lang="pt-BR" sz="1800" spc="-1" strike="noStrike">
+              <a:latin typeface="Arial"/>
+            </a:endParaRPr>
+          </a:p>
+          <a:p>
+            <a:pPr>
+              <a:lnSpc>
+                <a:spcPct val="100000"/>
+              </a:lnSpc>
+              <a:buNone/>
+            </a:pPr>
+            <a:endParaRPr b="0" lang="pt-BR" sz="1800" spc="-1" strike="noStrike">
+              <a:latin typeface="Arial"/>
+            </a:endParaRPr>
+          </a:p>
+          <a:p>
+            <a:pPr>
+              <a:lnSpc>
+                <a:spcPct val="100000"/>
+              </a:lnSpc>
+              <a:buNone/>
+            </a:pPr>
+            <a:endParaRPr b="0" lang="pt-BR" sz="1800" spc="-1" strike="noStrike">
+              <a:latin typeface="Arial"/>
+            </a:endParaRPr>
+          </a:p>
+          <a:p>
+            <a:pPr>
+              <a:lnSpc>
+                <a:spcPct val="100000"/>
+              </a:lnSpc>
+              <a:buNone/>
+            </a:pPr>
+            <a:endParaRPr b="0" lang="pt-BR" sz="1800" spc="-1" strike="noStrike">
+              <a:latin typeface="Arial"/>
+            </a:endParaRPr>
+          </a:p>
+          <a:p>
+            <a:pPr>
+              <a:lnSpc>
+                <a:spcPct val="100000"/>
+              </a:lnSpc>
+              <a:buNone/>
+            </a:pPr>
+            <a:endParaRPr b="0" lang="pt-BR" sz="1800" spc="-1" strike="noStrike">
+              <a:latin typeface="Arial"/>
+            </a:endParaRPr>
+          </a:p>
+          <a:p>
+            <a:pPr>
+              <a:lnSpc>
+                <a:spcPct val="100000"/>
+              </a:lnSpc>
+              <a:buNone/>
+            </a:pPr>
             <a:endParaRPr b="0" lang="pt-BR" sz="1800" spc="-1" strike="noStrike">
               <a:latin typeface="Arial"/>
             </a:endParaRPr>
@@ -12151,7 +10241,7 @@
       </p:sp>
       <p:pic>
         <p:nvPicPr>
-          <p:cNvPr id="128" name="Imagem 5" descr=""/>
+          <p:cNvPr id="129" name="Imagem 3" descr=""/>
           <p:cNvPicPr/>
           <p:nvPr/>
         </p:nvPicPr>
@@ -12161,8 +10251,8 @@
         </p:blipFill>
         <p:spPr>
           <a:xfrm>
-            <a:off x="1671480" y="4975200"/>
-            <a:ext cx="6518160" cy="1683000"/>
+            <a:off x="3362760" y="2154960"/>
+            <a:ext cx="3723840" cy="1761840"/>
           </a:xfrm>
           <a:prstGeom prst="rect">
             <a:avLst/>
@@ -12174,7 +10264,7 @@
       </p:pic>
       <p:pic>
         <p:nvPicPr>
-          <p:cNvPr id="129" name="Imagem 7" descr=""/>
+          <p:cNvPr id="130" name="Imagem 4" descr=""/>
           <p:cNvPicPr/>
           <p:nvPr/>
         </p:nvPicPr>
@@ -12184,8 +10274,8 @@
         </p:blipFill>
         <p:spPr>
           <a:xfrm>
-            <a:off x="1671480" y="2608920"/>
-            <a:ext cx="6479280" cy="1751760"/>
+            <a:off x="897120" y="4350960"/>
+            <a:ext cx="8655480" cy="2377080"/>
           </a:xfrm>
           <a:prstGeom prst="rect">
             <a:avLst/>
@@ -12227,14 +10317,14 @@
       </p:grpSpPr>
       <p:sp>
         <p:nvSpPr>
-          <p:cNvPr id="130" name="CustomShape 1"/>
+          <p:cNvPr id="131" name="CustomShape 1"/>
           <p:cNvSpPr/>
           <p:nvPr/>
         </p:nvSpPr>
         <p:spPr>
           <a:xfrm>
             <a:off x="360000" y="360000"/>
-            <a:ext cx="9356040" cy="896040"/>
+            <a:ext cx="9355680" cy="895680"/>
           </a:xfrm>
           <a:prstGeom prst="rect">
             <a:avLst/>
@@ -12279,14 +10369,14 @@
       </p:sp>
       <p:sp>
         <p:nvSpPr>
-          <p:cNvPr id="131" name="CustomShape 2"/>
+          <p:cNvPr id="132" name="CustomShape 2"/>
           <p:cNvSpPr/>
           <p:nvPr/>
         </p:nvSpPr>
         <p:spPr>
           <a:xfrm>
             <a:off x="897120" y="6886080"/>
-            <a:ext cx="6443280" cy="361080"/>
+            <a:ext cx="6442920" cy="360720"/>
           </a:xfrm>
           <a:prstGeom prst="rect">
             <a:avLst/>
@@ -12331,14 +10421,237 @@
       </p:sp>
       <p:sp>
         <p:nvSpPr>
-          <p:cNvPr id="132" name="CustomShape 3"/>
+          <p:cNvPr id="133" name="CaixaDeTexto 1"/>
           <p:cNvSpPr/>
           <p:nvPr/>
         </p:nvSpPr>
         <p:spPr>
           <a:xfrm>
+            <a:off x="200160" y="1689840"/>
+            <a:ext cx="9515520" cy="3381480"/>
+          </a:xfrm>
+          <a:prstGeom prst="rect">
+            <a:avLst/>
+          </a:prstGeom>
+          <a:noFill/>
+          <a:ln w="0">
+            <a:noFill/>
+          </a:ln>
+        </p:spPr>
+        <p:style>
+          <a:lnRef idx="0"/>
+          <a:fillRef idx="0"/>
+          <a:effectRef idx="0"/>
+          <a:fontRef idx="minor"/>
+        </p:style>
+        <p:txBody>
+          <a:bodyPr lIns="90000" rIns="90000" tIns="45000" bIns="45000" anchor="t">
+            <a:spAutoFit/>
+          </a:bodyPr>
+          <a:p>
+            <a:pPr marL="285840" indent="-285840">
+              <a:lnSpc>
+                <a:spcPct val="100000"/>
+              </a:lnSpc>
+              <a:buClr>
+                <a:srgbClr val="000000"/>
+              </a:buClr>
+              <a:buFont typeface="Arial"/>
+              <a:buChar char="•"/>
+            </a:pPr>
+            <a:r>
+              <a:rPr b="0" lang="en-US" sz="1800" spc="-1" strike="noStrike">
+                <a:solidFill>
+                  <a:srgbClr val="000000"/>
+                </a:solidFill>
+                <a:latin typeface="Calibri"/>
+                <a:ea typeface="DejaVu Sans"/>
+              </a:rPr>
+              <a:t>Sobel Filter</a:t>
+            </a:r>
+            <a:endParaRPr b="0" lang="pt-BR" sz="1800" spc="-1" strike="noStrike">
+              <a:latin typeface="Arial"/>
+            </a:endParaRPr>
+          </a:p>
+          <a:p>
+            <a:pPr>
+              <a:lnSpc>
+                <a:spcPct val="100000"/>
+              </a:lnSpc>
+              <a:buNone/>
+            </a:pPr>
+            <a:endParaRPr b="0" lang="pt-BR" sz="1800" spc="-1" strike="noStrike">
+              <a:latin typeface="Arial"/>
+            </a:endParaRPr>
+          </a:p>
+          <a:p>
+            <a:pPr>
+              <a:lnSpc>
+                <a:spcPct val="100000"/>
+              </a:lnSpc>
+              <a:buNone/>
+            </a:pPr>
+            <a:endParaRPr b="0" lang="pt-BR" sz="1800" spc="-1" strike="noStrike">
+              <a:latin typeface="Arial"/>
+            </a:endParaRPr>
+          </a:p>
+          <a:p>
+            <a:pPr>
+              <a:lnSpc>
+                <a:spcPct val="100000"/>
+              </a:lnSpc>
+              <a:buNone/>
+            </a:pPr>
+            <a:endParaRPr b="0" lang="pt-BR" sz="1800" spc="-1" strike="noStrike">
+              <a:latin typeface="Arial"/>
+            </a:endParaRPr>
+          </a:p>
+          <a:p>
+            <a:pPr>
+              <a:lnSpc>
+                <a:spcPct val="100000"/>
+              </a:lnSpc>
+              <a:buNone/>
+            </a:pPr>
+            <a:endParaRPr b="0" lang="pt-BR" sz="1800" spc="-1" strike="noStrike">
+              <a:latin typeface="Arial"/>
+            </a:endParaRPr>
+          </a:p>
+          <a:p>
+            <a:pPr>
+              <a:lnSpc>
+                <a:spcPct val="100000"/>
+              </a:lnSpc>
+              <a:buNone/>
+            </a:pPr>
+            <a:endParaRPr b="0" lang="pt-BR" sz="1800" spc="-1" strike="noStrike">
+              <a:latin typeface="Arial"/>
+            </a:endParaRPr>
+          </a:p>
+          <a:p>
+            <a:pPr>
+              <a:lnSpc>
+                <a:spcPct val="100000"/>
+              </a:lnSpc>
+              <a:buNone/>
+            </a:pPr>
+            <a:endParaRPr b="0" lang="pt-BR" sz="1800" spc="-1" strike="noStrike">
+              <a:latin typeface="Arial"/>
+            </a:endParaRPr>
+          </a:p>
+          <a:p>
+            <a:pPr>
+              <a:lnSpc>
+                <a:spcPct val="100000"/>
+              </a:lnSpc>
+              <a:buNone/>
+            </a:pPr>
+            <a:endParaRPr b="0" lang="pt-BR" sz="1800" spc="-1" strike="noStrike">
+              <a:latin typeface="Arial"/>
+            </a:endParaRPr>
+          </a:p>
+          <a:p>
+            <a:pPr>
+              <a:lnSpc>
+                <a:spcPct val="100000"/>
+              </a:lnSpc>
+              <a:buNone/>
+            </a:pPr>
+            <a:endParaRPr b="0" lang="pt-BR" sz="1800" spc="-1" strike="noStrike">
+              <a:latin typeface="Arial"/>
+            </a:endParaRPr>
+          </a:p>
+          <a:p>
+            <a:pPr>
+              <a:lnSpc>
+                <a:spcPct val="100000"/>
+              </a:lnSpc>
+              <a:buNone/>
+            </a:pPr>
+            <a:endParaRPr b="0" lang="pt-BR" sz="1800" spc="-1" strike="noStrike">
+              <a:latin typeface="Arial"/>
+            </a:endParaRPr>
+          </a:p>
+          <a:p>
+            <a:pPr>
+              <a:lnSpc>
+                <a:spcPct val="100000"/>
+              </a:lnSpc>
+              <a:buNone/>
+            </a:pPr>
+            <a:endParaRPr b="0" lang="pt-BR" sz="1800" spc="-1" strike="noStrike">
+              <a:latin typeface="Arial"/>
+            </a:endParaRPr>
+          </a:p>
+          <a:p>
+            <a:pPr>
+              <a:lnSpc>
+                <a:spcPct val="100000"/>
+              </a:lnSpc>
+              <a:buNone/>
+            </a:pPr>
+            <a:endParaRPr b="0" lang="pt-BR" sz="1800" spc="-1" strike="noStrike">
+              <a:latin typeface="Arial"/>
+            </a:endParaRPr>
+          </a:p>
+        </p:txBody>
+      </p:sp>
+      <p:pic>
+        <p:nvPicPr>
+          <p:cNvPr id="134" name="Imagem 3" descr=""/>
+          <p:cNvPicPr/>
+          <p:nvPr/>
+        </p:nvPicPr>
+        <p:blipFill>
+          <a:blip r:embed="rId1"/>
+          <a:stretch/>
+        </p:blipFill>
+        <p:spPr>
+          <a:xfrm>
+            <a:off x="1148040" y="3036240"/>
+            <a:ext cx="3723840" cy="1761840"/>
+          </a:xfrm>
+          <a:prstGeom prst="rect">
+            <a:avLst/>
+          </a:prstGeom>
+          <a:ln w="0">
+            <a:noFill/>
+          </a:ln>
+        </p:spPr>
+      </p:pic>
+      <p:pic>
+        <p:nvPicPr>
+          <p:cNvPr id="135" name="Imagem 11" descr=""/>
+          <p:cNvPicPr/>
+          <p:nvPr/>
+        </p:nvPicPr>
+        <p:blipFill>
+          <a:blip r:embed="rId2"/>
+          <a:stretch/>
+        </p:blipFill>
+        <p:spPr>
+          <a:xfrm>
+            <a:off x="6225480" y="1554480"/>
+            <a:ext cx="3043440" cy="5187240"/>
+          </a:xfrm>
+          <a:prstGeom prst="rect">
+            <a:avLst/>
+          </a:prstGeom>
+          <a:ln w="0">
+            <a:noFill/>
+          </a:ln>
+        </p:spPr>
+      </p:pic>
+      <p:sp>
+        <p:nvSpPr>
+          <p:cNvPr id="136" name="CustomShape 3"/>
+          <p:cNvSpPr/>
+          <p:nvPr/>
+        </p:nvSpPr>
+        <p:spPr>
+          <a:xfrm>
             <a:off x="7608600" y="6886080"/>
-            <a:ext cx="2281320" cy="361080"/>
+            <a:ext cx="2280960" cy="360720"/>
           </a:xfrm>
           <a:prstGeom prst="rect">
             <a:avLst/>
@@ -12391,142 +10704,6 @@
           </a:p>
         </p:txBody>
       </p:sp>
-      <p:pic>
-        <p:nvPicPr>
-          <p:cNvPr id="133" name="Imagem 7" descr=""/>
-          <p:cNvPicPr/>
-          <p:nvPr/>
-        </p:nvPicPr>
-        <p:blipFill>
-          <a:blip r:embed="rId1"/>
-          <a:stretch/>
-        </p:blipFill>
-        <p:spPr>
-          <a:xfrm>
-            <a:off x="617760" y="2336400"/>
-            <a:ext cx="5135400" cy="1388160"/>
-          </a:xfrm>
-          <a:prstGeom prst="rect">
-            <a:avLst/>
-          </a:prstGeom>
-          <a:ln w="0">
-            <a:noFill/>
-          </a:ln>
-        </p:spPr>
-      </p:pic>
-      <p:pic>
-        <p:nvPicPr>
-          <p:cNvPr id="134" name="Picture 2" descr="The vertical and horizontal projection histograms for the letter “a”. |  Download Scientific Diagram"/>
-          <p:cNvPicPr/>
-          <p:nvPr/>
-        </p:nvPicPr>
-        <p:blipFill>
-          <a:blip r:embed="rId2"/>
-          <a:stretch/>
-        </p:blipFill>
-        <p:spPr>
-          <a:xfrm>
-            <a:off x="6910200" y="1989000"/>
-            <a:ext cx="2552400" cy="1790280"/>
-          </a:xfrm>
-          <a:prstGeom prst="rect">
-            <a:avLst/>
-          </a:prstGeom>
-          <a:ln w="0">
-            <a:noFill/>
-          </a:ln>
-        </p:spPr>
-      </p:pic>
-      <p:sp>
-        <p:nvSpPr>
-          <p:cNvPr id="135" name="CaixaDeTexto 10"/>
-          <p:cNvSpPr/>
-          <p:nvPr/>
-        </p:nvSpPr>
-        <p:spPr>
-          <a:xfrm>
-            <a:off x="200160" y="1689840"/>
-            <a:ext cx="9515880" cy="638280"/>
-          </a:xfrm>
-          <a:prstGeom prst="rect">
-            <a:avLst/>
-          </a:prstGeom>
-          <a:noFill/>
-          <a:ln w="0">
-            <a:noFill/>
-          </a:ln>
-        </p:spPr>
-        <p:style>
-          <a:lnRef idx="0"/>
-          <a:fillRef idx="0"/>
-          <a:effectRef idx="0"/>
-          <a:fontRef idx="minor"/>
-        </p:style>
-        <p:txBody>
-          <a:bodyPr lIns="90000" rIns="90000" tIns="45000" bIns="45000" anchor="t">
-            <a:spAutoFit/>
-          </a:bodyPr>
-          <a:p>
-            <a:pPr marL="285840" indent="-285840">
-              <a:lnSpc>
-                <a:spcPct val="100000"/>
-              </a:lnSpc>
-              <a:buClr>
-                <a:srgbClr val="000000"/>
-              </a:buClr>
-              <a:buFont typeface="Arial"/>
-              <a:buChar char="•"/>
-            </a:pPr>
-            <a:r>
-              <a:rPr b="0" lang="en-US" sz="1800" spc="-1" strike="noStrike">
-                <a:solidFill>
-                  <a:srgbClr val="000000"/>
-                </a:solidFill>
-                <a:latin typeface="Calibri"/>
-                <a:ea typeface="DejaVu Sans"/>
-              </a:rPr>
-              <a:t>Histogram Projection</a:t>
-            </a:r>
-            <a:endParaRPr b="0" lang="pt-BR" sz="1800" spc="-1" strike="noStrike">
-              <a:latin typeface="Arial"/>
-            </a:endParaRPr>
-          </a:p>
-          <a:p>
-            <a:pPr>
-              <a:lnSpc>
-                <a:spcPct val="100000"/>
-              </a:lnSpc>
-              <a:buNone/>
-            </a:pPr>
-            <a:endParaRPr b="0" lang="pt-BR" sz="1800" spc="-1" strike="noStrike">
-              <a:latin typeface="Arial"/>
-            </a:endParaRPr>
-          </a:p>
-        </p:txBody>
-      </p:sp>
-      <p:pic>
-        <p:nvPicPr>
-          <p:cNvPr id="136" name="Imagem 11" descr=""/>
-          <p:cNvPicPr/>
-          <p:nvPr/>
-        </p:nvPicPr>
-        <p:blipFill>
-          <a:blip r:embed="rId3"/>
-          <a:stretch/>
-        </p:blipFill>
-        <p:spPr>
-          <a:xfrm>
-            <a:off x="2469600" y="4079160"/>
-            <a:ext cx="4976640" cy="2629800"/>
-          </a:xfrm>
-          <a:prstGeom prst="rect">
-            <a:avLst/>
-          </a:prstGeom>
-          <a:ln w="0">
-            <a:noFill/>
-          </a:ln>
-        </p:spPr>
-      </p:pic>
     </p:spTree>
   </p:cSld>
   <mc:AlternateContent>
@@ -12566,7 +10743,7 @@
         <p:spPr>
           <a:xfrm>
             <a:off x="360000" y="360000"/>
-            <a:ext cx="9356040" cy="896040"/>
+            <a:ext cx="9355680" cy="895680"/>
           </a:xfrm>
           <a:prstGeom prst="rect">
             <a:avLst/>
@@ -12618,7 +10795,7 @@
         <p:spPr>
           <a:xfrm>
             <a:off x="897120" y="6886080"/>
-            <a:ext cx="6443280" cy="361080"/>
+            <a:ext cx="6442920" cy="360720"/>
           </a:xfrm>
           <a:prstGeom prst="rect">
             <a:avLst/>
@@ -12663,14 +10840,237 @@
       </p:sp>
       <p:sp>
         <p:nvSpPr>
-          <p:cNvPr id="139" name="CustomShape 3"/>
+          <p:cNvPr id="139" name="CaixaDeTexto 1"/>
           <p:cNvSpPr/>
           <p:nvPr/>
         </p:nvSpPr>
         <p:spPr>
           <a:xfrm>
+            <a:off x="200160" y="1689840"/>
+            <a:ext cx="9515520" cy="3381480"/>
+          </a:xfrm>
+          <a:prstGeom prst="rect">
+            <a:avLst/>
+          </a:prstGeom>
+          <a:noFill/>
+          <a:ln w="0">
+            <a:noFill/>
+          </a:ln>
+        </p:spPr>
+        <p:style>
+          <a:lnRef idx="0"/>
+          <a:fillRef idx="0"/>
+          <a:effectRef idx="0"/>
+          <a:fontRef idx="minor"/>
+        </p:style>
+        <p:txBody>
+          <a:bodyPr lIns="90000" rIns="90000" tIns="45000" bIns="45000" anchor="t">
+            <a:spAutoFit/>
+          </a:bodyPr>
+          <a:p>
+            <a:pPr marL="285840" indent="-285840">
+              <a:lnSpc>
+                <a:spcPct val="100000"/>
+              </a:lnSpc>
+              <a:buClr>
+                <a:srgbClr val="000000"/>
+              </a:buClr>
+              <a:buFont typeface="Arial"/>
+              <a:buChar char="•"/>
+            </a:pPr>
+            <a:r>
+              <a:rPr b="0" lang="en-US" sz="1800" spc="-1" strike="noStrike">
+                <a:solidFill>
+                  <a:srgbClr val="000000"/>
+                </a:solidFill>
+                <a:latin typeface="Calibri"/>
+                <a:ea typeface="DejaVu Sans"/>
+              </a:rPr>
+              <a:t>Laplace</a:t>
+            </a:r>
+            <a:endParaRPr b="0" lang="pt-BR" sz="1800" spc="-1" strike="noStrike">
+              <a:latin typeface="Arial"/>
+            </a:endParaRPr>
+          </a:p>
+          <a:p>
+            <a:pPr>
+              <a:lnSpc>
+                <a:spcPct val="100000"/>
+              </a:lnSpc>
+              <a:buNone/>
+            </a:pPr>
+            <a:endParaRPr b="0" lang="pt-BR" sz="1800" spc="-1" strike="noStrike">
+              <a:latin typeface="Arial"/>
+            </a:endParaRPr>
+          </a:p>
+          <a:p>
+            <a:pPr>
+              <a:lnSpc>
+                <a:spcPct val="100000"/>
+              </a:lnSpc>
+              <a:buNone/>
+            </a:pPr>
+            <a:endParaRPr b="0" lang="pt-BR" sz="1800" spc="-1" strike="noStrike">
+              <a:latin typeface="Arial"/>
+            </a:endParaRPr>
+          </a:p>
+          <a:p>
+            <a:pPr>
+              <a:lnSpc>
+                <a:spcPct val="100000"/>
+              </a:lnSpc>
+              <a:buNone/>
+            </a:pPr>
+            <a:endParaRPr b="0" lang="pt-BR" sz="1800" spc="-1" strike="noStrike">
+              <a:latin typeface="Arial"/>
+            </a:endParaRPr>
+          </a:p>
+          <a:p>
+            <a:pPr>
+              <a:lnSpc>
+                <a:spcPct val="100000"/>
+              </a:lnSpc>
+              <a:buNone/>
+            </a:pPr>
+            <a:endParaRPr b="0" lang="pt-BR" sz="1800" spc="-1" strike="noStrike">
+              <a:latin typeface="Arial"/>
+            </a:endParaRPr>
+          </a:p>
+          <a:p>
+            <a:pPr>
+              <a:lnSpc>
+                <a:spcPct val="100000"/>
+              </a:lnSpc>
+              <a:buNone/>
+            </a:pPr>
+            <a:endParaRPr b="0" lang="pt-BR" sz="1800" spc="-1" strike="noStrike">
+              <a:latin typeface="Arial"/>
+            </a:endParaRPr>
+          </a:p>
+          <a:p>
+            <a:pPr>
+              <a:lnSpc>
+                <a:spcPct val="100000"/>
+              </a:lnSpc>
+              <a:buNone/>
+            </a:pPr>
+            <a:endParaRPr b="0" lang="pt-BR" sz="1800" spc="-1" strike="noStrike">
+              <a:latin typeface="Arial"/>
+            </a:endParaRPr>
+          </a:p>
+          <a:p>
+            <a:pPr>
+              <a:lnSpc>
+                <a:spcPct val="100000"/>
+              </a:lnSpc>
+              <a:buNone/>
+            </a:pPr>
+            <a:endParaRPr b="0" lang="pt-BR" sz="1800" spc="-1" strike="noStrike">
+              <a:latin typeface="Arial"/>
+            </a:endParaRPr>
+          </a:p>
+          <a:p>
+            <a:pPr>
+              <a:lnSpc>
+                <a:spcPct val="100000"/>
+              </a:lnSpc>
+              <a:buNone/>
+            </a:pPr>
+            <a:endParaRPr b="0" lang="pt-BR" sz="1800" spc="-1" strike="noStrike">
+              <a:latin typeface="Arial"/>
+            </a:endParaRPr>
+          </a:p>
+          <a:p>
+            <a:pPr>
+              <a:lnSpc>
+                <a:spcPct val="100000"/>
+              </a:lnSpc>
+              <a:buNone/>
+            </a:pPr>
+            <a:endParaRPr b="0" lang="pt-BR" sz="1800" spc="-1" strike="noStrike">
+              <a:latin typeface="Arial"/>
+            </a:endParaRPr>
+          </a:p>
+          <a:p>
+            <a:pPr>
+              <a:lnSpc>
+                <a:spcPct val="100000"/>
+              </a:lnSpc>
+              <a:buNone/>
+            </a:pPr>
+            <a:endParaRPr b="0" lang="pt-BR" sz="1800" spc="-1" strike="noStrike">
+              <a:latin typeface="Arial"/>
+            </a:endParaRPr>
+          </a:p>
+          <a:p>
+            <a:pPr>
+              <a:lnSpc>
+                <a:spcPct val="100000"/>
+              </a:lnSpc>
+              <a:buNone/>
+            </a:pPr>
+            <a:endParaRPr b="0" lang="pt-BR" sz="1800" spc="-1" strike="noStrike">
+              <a:latin typeface="Arial"/>
+            </a:endParaRPr>
+          </a:p>
+        </p:txBody>
+      </p:sp>
+      <p:pic>
+        <p:nvPicPr>
+          <p:cNvPr id="140" name="Imagem 4" descr=""/>
+          <p:cNvPicPr/>
+          <p:nvPr/>
+        </p:nvPicPr>
+        <p:blipFill>
+          <a:blip r:embed="rId1"/>
+          <a:stretch/>
+        </p:blipFill>
+        <p:spPr>
+          <a:xfrm>
+            <a:off x="614160" y="3474000"/>
+            <a:ext cx="1637640" cy="1275840"/>
+          </a:xfrm>
+          <a:prstGeom prst="rect">
+            <a:avLst/>
+          </a:prstGeom>
+          <a:ln w="0">
+            <a:noFill/>
+          </a:ln>
+        </p:spPr>
+      </p:pic>
+      <p:pic>
+        <p:nvPicPr>
+          <p:cNvPr id="141" name="Imagem 11" descr=""/>
+          <p:cNvPicPr/>
+          <p:nvPr/>
+        </p:nvPicPr>
+        <p:blipFill>
+          <a:blip r:embed="rId2"/>
+          <a:stretch/>
+        </p:blipFill>
+        <p:spPr>
+          <a:xfrm>
+            <a:off x="5639760" y="1523880"/>
+            <a:ext cx="3121560" cy="5175720"/>
+          </a:xfrm>
+          <a:prstGeom prst="rect">
+            <a:avLst/>
+          </a:prstGeom>
+          <a:ln w="0">
+            <a:noFill/>
+          </a:ln>
+        </p:spPr>
+      </p:pic>
+      <p:sp>
+        <p:nvSpPr>
+          <p:cNvPr id="142" name="CustomShape 3"/>
+          <p:cNvSpPr/>
+          <p:nvPr/>
+        </p:nvSpPr>
+        <p:spPr>
+          <a:xfrm>
             <a:off x="7608600" y="6886080"/>
-            <a:ext cx="2281320" cy="361080"/>
+            <a:ext cx="2280960" cy="360720"/>
           </a:xfrm>
           <a:prstGeom prst="rect">
             <a:avLst/>
@@ -12723,229 +11123,6 @@
           </a:p>
         </p:txBody>
       </p:sp>
-      <p:sp>
-        <p:nvSpPr>
-          <p:cNvPr id="140" name="CaixaDeTexto 1"/>
-          <p:cNvSpPr/>
-          <p:nvPr/>
-        </p:nvSpPr>
-        <p:spPr>
-          <a:xfrm>
-            <a:off x="200160" y="1689840"/>
-            <a:ext cx="9515880" cy="3381480"/>
-          </a:xfrm>
-          <a:prstGeom prst="rect">
-            <a:avLst/>
-          </a:prstGeom>
-          <a:noFill/>
-          <a:ln w="0">
-            <a:noFill/>
-          </a:ln>
-        </p:spPr>
-        <p:style>
-          <a:lnRef idx="0"/>
-          <a:fillRef idx="0"/>
-          <a:effectRef idx="0"/>
-          <a:fontRef idx="minor"/>
-        </p:style>
-        <p:txBody>
-          <a:bodyPr lIns="90000" rIns="90000" tIns="45000" bIns="45000" anchor="t">
-            <a:spAutoFit/>
-          </a:bodyPr>
-          <a:p>
-            <a:pPr marL="285840" indent="-285840">
-              <a:lnSpc>
-                <a:spcPct val="100000"/>
-              </a:lnSpc>
-              <a:buClr>
-                <a:srgbClr val="000000"/>
-              </a:buClr>
-              <a:buFont typeface="Arial"/>
-              <a:buChar char="•"/>
-            </a:pPr>
-            <a:r>
-              <a:rPr b="0" lang="en-US" sz="1800" spc="-1" strike="noStrike">
-                <a:solidFill>
-                  <a:srgbClr val="000000"/>
-                </a:solidFill>
-                <a:latin typeface="Calibri"/>
-                <a:ea typeface="DejaVu Sans"/>
-              </a:rPr>
-              <a:t>Sobel Filter</a:t>
-            </a:r>
-            <a:endParaRPr b="0" lang="pt-BR" sz="1800" spc="-1" strike="noStrike">
-              <a:latin typeface="Arial"/>
-            </a:endParaRPr>
-          </a:p>
-          <a:p>
-            <a:pPr>
-              <a:lnSpc>
-                <a:spcPct val="100000"/>
-              </a:lnSpc>
-              <a:buNone/>
-            </a:pPr>
-            <a:endParaRPr b="0" lang="pt-BR" sz="1800" spc="-1" strike="noStrike">
-              <a:latin typeface="Arial"/>
-            </a:endParaRPr>
-          </a:p>
-          <a:p>
-            <a:pPr>
-              <a:lnSpc>
-                <a:spcPct val="100000"/>
-              </a:lnSpc>
-              <a:buNone/>
-            </a:pPr>
-            <a:endParaRPr b="0" lang="pt-BR" sz="1800" spc="-1" strike="noStrike">
-              <a:latin typeface="Arial"/>
-            </a:endParaRPr>
-          </a:p>
-          <a:p>
-            <a:pPr>
-              <a:lnSpc>
-                <a:spcPct val="100000"/>
-              </a:lnSpc>
-              <a:buNone/>
-            </a:pPr>
-            <a:endParaRPr b="0" lang="pt-BR" sz="1800" spc="-1" strike="noStrike">
-              <a:latin typeface="Arial"/>
-            </a:endParaRPr>
-          </a:p>
-          <a:p>
-            <a:pPr>
-              <a:lnSpc>
-                <a:spcPct val="100000"/>
-              </a:lnSpc>
-              <a:buNone/>
-            </a:pPr>
-            <a:endParaRPr b="0" lang="pt-BR" sz="1800" spc="-1" strike="noStrike">
-              <a:latin typeface="Arial"/>
-            </a:endParaRPr>
-          </a:p>
-          <a:p>
-            <a:pPr>
-              <a:lnSpc>
-                <a:spcPct val="100000"/>
-              </a:lnSpc>
-              <a:buNone/>
-            </a:pPr>
-            <a:endParaRPr b="0" lang="pt-BR" sz="1800" spc="-1" strike="noStrike">
-              <a:latin typeface="Arial"/>
-            </a:endParaRPr>
-          </a:p>
-          <a:p>
-            <a:pPr>
-              <a:lnSpc>
-                <a:spcPct val="100000"/>
-              </a:lnSpc>
-              <a:buNone/>
-            </a:pPr>
-            <a:endParaRPr b="0" lang="pt-BR" sz="1800" spc="-1" strike="noStrike">
-              <a:latin typeface="Arial"/>
-            </a:endParaRPr>
-          </a:p>
-          <a:p>
-            <a:pPr>
-              <a:lnSpc>
-                <a:spcPct val="100000"/>
-              </a:lnSpc>
-              <a:buNone/>
-            </a:pPr>
-            <a:endParaRPr b="0" lang="pt-BR" sz="1800" spc="-1" strike="noStrike">
-              <a:latin typeface="Arial"/>
-            </a:endParaRPr>
-          </a:p>
-          <a:p>
-            <a:pPr>
-              <a:lnSpc>
-                <a:spcPct val="100000"/>
-              </a:lnSpc>
-              <a:buNone/>
-            </a:pPr>
-            <a:endParaRPr b="0" lang="pt-BR" sz="1800" spc="-1" strike="noStrike">
-              <a:latin typeface="Arial"/>
-            </a:endParaRPr>
-          </a:p>
-          <a:p>
-            <a:pPr>
-              <a:lnSpc>
-                <a:spcPct val="100000"/>
-              </a:lnSpc>
-              <a:buNone/>
-            </a:pPr>
-            <a:endParaRPr b="0" lang="pt-BR" sz="1800" spc="-1" strike="noStrike">
-              <a:latin typeface="Arial"/>
-            </a:endParaRPr>
-          </a:p>
-          <a:p>
-            <a:pPr>
-              <a:lnSpc>
-                <a:spcPct val="100000"/>
-              </a:lnSpc>
-              <a:buNone/>
-            </a:pPr>
-            <a:endParaRPr b="0" lang="pt-BR" sz="1800" spc="-1" strike="noStrike">
-              <a:latin typeface="Arial"/>
-            </a:endParaRPr>
-          </a:p>
-          <a:p>
-            <a:pPr>
-              <a:lnSpc>
-                <a:spcPct val="100000"/>
-              </a:lnSpc>
-              <a:buNone/>
-            </a:pPr>
-            <a:endParaRPr b="0" lang="pt-BR" sz="1800" spc="-1" strike="noStrike">
-              <a:latin typeface="Arial"/>
-            </a:endParaRPr>
-          </a:p>
-        </p:txBody>
-      </p:sp>
-      <p:pic>
-        <p:nvPicPr>
-          <p:cNvPr id="141" name="Imagem 3" descr=""/>
-          <p:cNvPicPr/>
-          <p:nvPr/>
-        </p:nvPicPr>
-        <p:blipFill>
-          <a:blip r:embed="rId1"/>
-          <a:stretch/>
-        </p:blipFill>
-        <p:spPr>
-          <a:xfrm>
-            <a:off x="3362760" y="2154960"/>
-            <a:ext cx="3724200" cy="1762200"/>
-          </a:xfrm>
-          <a:prstGeom prst="rect">
-            <a:avLst/>
-          </a:prstGeom>
-          <a:ln w="0">
-            <a:noFill/>
-          </a:ln>
-        </p:spPr>
-      </p:pic>
-      <p:pic>
-        <p:nvPicPr>
-          <p:cNvPr id="142" name="Imagem 4" descr=""/>
-          <p:cNvPicPr/>
-          <p:nvPr/>
-        </p:nvPicPr>
-        <p:blipFill>
-          <a:blip r:embed="rId2"/>
-          <a:stretch/>
-        </p:blipFill>
-        <p:spPr>
-          <a:xfrm>
-            <a:off x="897120" y="4350960"/>
-            <a:ext cx="8655840" cy="2377440"/>
-          </a:xfrm>
-          <a:prstGeom prst="rect">
-            <a:avLst/>
-          </a:prstGeom>
-          <a:ln w="0">
-            <a:noFill/>
-          </a:ln>
-        </p:spPr>
-      </p:pic>
     </p:spTree>
   </p:cSld>
   <mc:AlternateContent>

--- a/ComputerVision/Lecture 06 - Image Descriptors/Lecture 06 - Image Descriptors.pptx
+++ b/ComputerVision/Lecture 06 - Image Descriptors/Lecture 06 - Image Descriptors.pptx
@@ -77,12 +77,12 @@
               <a:buNone/>
             </a:pPr>
             <a:r>
-              <a:rPr b="0" lang="pt-BR" sz="4400" spc="-1" strike="noStrike">
+              <a:rPr b="0" lang="en-US" sz="4400" spc="-1" strike="noStrike">
                 <a:latin typeface="Arial"/>
               </a:rPr>
               <a:t>Click to move the slide</a:t>
             </a:r>
-            <a:endParaRPr b="0" lang="pt-BR" sz="4400" spc="-1" strike="noStrike">
+            <a:endParaRPr b="0" lang="en-US" sz="4400" spc="-1" strike="noStrike">
               <a:latin typeface="Arial"/>
             </a:endParaRPr>
           </a:p>
@@ -117,12 +117,12 @@
           </a:bodyPr>
           <a:p>
             <a:r>
-              <a:rPr b="0" lang="pt-BR" sz="2000" spc="-1" strike="noStrike">
+              <a:rPr b="0" lang="en-US" sz="2000" spc="-1" strike="noStrike">
                 <a:latin typeface="Arial"/>
               </a:rPr>
               <a:t>Click to edit the notes format</a:t>
             </a:r>
-            <a:endParaRPr b="0" lang="pt-BR" sz="2000" spc="-1" strike="noStrike">
+            <a:endParaRPr b="0" lang="en-US" sz="2000" spc="-1" strike="noStrike">
               <a:latin typeface="Arial"/>
             </a:endParaRPr>
           </a:p>
@@ -157,12 +157,12 @@
           </a:bodyPr>
           <a:p>
             <a:r>
-              <a:rPr b="0" lang="pt-BR" sz="1400" spc="-1" strike="noStrike">
+              <a:rPr b="0" lang="en-US" sz="1400" spc="-1" strike="noStrike">
                 <a:latin typeface="Times New Roman"/>
               </a:rPr>
               <a:t>&lt;header&gt;</a:t>
             </a:r>
-            <a:endParaRPr b="0" lang="pt-BR" sz="1400" spc="-1" strike="noStrike">
+            <a:endParaRPr b="0" lang="en-US" sz="1400" spc="-1" strike="noStrike">
               <a:latin typeface="Times New Roman"/>
             </a:endParaRPr>
           </a:p>
@@ -198,7 +198,7 @@
           <a:lstStyle>
             <a:lvl1pPr algn="r">
               <a:buNone/>
-              <a:defRPr b="0" lang="pt-BR" sz="1400" spc="-1" strike="noStrike">
+              <a:defRPr b="0" lang="en-US" sz="1400" spc="-1" strike="noStrike">
                 <a:latin typeface="Times New Roman"/>
               </a:defRPr>
             </a:lvl1pPr>
@@ -208,12 +208,12 @@
               <a:buNone/>
             </a:pPr>
             <a:r>
-              <a:rPr b="0" lang="pt-BR" sz="1400" spc="-1" strike="noStrike">
+              <a:rPr b="0" lang="en-US" sz="1400" spc="-1" strike="noStrike">
                 <a:latin typeface="Times New Roman"/>
               </a:rPr>
               <a:t>&lt;date/time&gt;</a:t>
             </a:r>
-            <a:endParaRPr b="0" lang="pt-BR" sz="1400" spc="-1" strike="noStrike">
+            <a:endParaRPr b="0" lang="en-US" sz="1400" spc="-1" strike="noStrike">
               <a:latin typeface="Times New Roman"/>
             </a:endParaRPr>
           </a:p>
@@ -248,19 +248,19 @@
           </a:bodyPr>
           <a:lstStyle>
             <a:lvl1pPr>
-              <a:defRPr b="0" lang="pt-BR" sz="1400" spc="-1" strike="noStrike">
+              <a:defRPr b="0" lang="en-US" sz="1400" spc="-1" strike="noStrike">
                 <a:latin typeface="Times New Roman"/>
               </a:defRPr>
             </a:lvl1pPr>
           </a:lstStyle>
           <a:p>
             <a:r>
-              <a:rPr b="0" lang="pt-BR" sz="1400" spc="-1" strike="noStrike">
+              <a:rPr b="0" lang="en-US" sz="1400" spc="-1" strike="noStrike">
                 <a:latin typeface="Times New Roman"/>
               </a:rPr>
               <a:t>&lt;footer&gt;</a:t>
             </a:r>
-            <a:endParaRPr b="0" lang="pt-BR" sz="1400" spc="-1" strike="noStrike">
+            <a:endParaRPr b="0" lang="en-US" sz="1400" spc="-1" strike="noStrike">
               <a:latin typeface="Times New Roman"/>
             </a:endParaRPr>
           </a:p>
@@ -296,7 +296,7 @@
           <a:lstStyle>
             <a:lvl1pPr algn="r">
               <a:buNone/>
-              <a:defRPr b="0" lang="pt-BR" sz="1400" spc="-1" strike="noStrike">
+              <a:defRPr b="0" lang="en-US" sz="1400" spc="-1" strike="noStrike">
                 <a:latin typeface="Times New Roman"/>
               </a:defRPr>
             </a:lvl1pPr>
@@ -305,13 +305,13 @@
             <a:pPr algn="r">
               <a:buNone/>
             </a:pPr>
-            <a:fld id="{1C1F6877-BE9E-4A60-B41F-82220AA99AC3}" type="slidenum">
-              <a:rPr b="0" lang="pt-BR" sz="1400" spc="-1" strike="noStrike">
+            <a:fld id="{34A4758F-57CA-4312-805E-7A6BFC6F495C}" type="slidenum">
+              <a:rPr b="0" lang="en-US" sz="1400" spc="-1" strike="noStrike">
                 <a:latin typeface="Times New Roman"/>
               </a:rPr>
               <a:t>&lt;number&gt;</a:t>
             </a:fld>
-            <a:endParaRPr b="0" lang="pt-BR" sz="1400" spc="-1" strike="noStrike">
+            <a:endParaRPr b="0" lang="en-US" sz="1400" spc="-1" strike="noStrike">
               <a:latin typeface="Times New Roman"/>
             </a:endParaRPr>
           </a:p>
@@ -353,7 +353,7 @@
         <p:spPr>
           <a:xfrm>
             <a:off x="1376280" y="1336680"/>
-            <a:ext cx="4803120" cy="3602880"/>
+            <a:ext cx="4802760" cy="3602520"/>
           </a:xfrm>
           <a:prstGeom prst="rect">
             <a:avLst/>
@@ -376,7 +376,7 @@
         <p:spPr>
           <a:xfrm>
             <a:off x="756000" y="5145120"/>
-            <a:ext cx="6043320" cy="4205520"/>
+            <a:ext cx="6042960" cy="4205160"/>
           </a:xfrm>
           <a:prstGeom prst="rect">
             <a:avLst/>
@@ -391,7 +391,7 @@
             <a:noAutofit/>
           </a:bodyPr>
           <a:p>
-            <a:endParaRPr b="0" lang="pt-BR" sz="2000" spc="-1" strike="noStrike">
+            <a:endParaRPr b="0" lang="en-US" sz="2000" spc="-1" strike="noStrike">
               <a:latin typeface="Arial"/>
             </a:endParaRPr>
           </a:p>
@@ -406,7 +406,7 @@
         <p:spPr>
           <a:xfrm>
             <a:off x="0" y="10155240"/>
-            <a:ext cx="3271680" cy="532080"/>
+            <a:ext cx="3271320" cy="531720"/>
           </a:xfrm>
           <a:prstGeom prst="rect">
             <a:avLst/>
@@ -443,7 +443,7 @@
               </a:rPr>
               <a:t>Prof. André Hochuli</a:t>
             </a:r>
-            <a:endParaRPr b="0" lang="pt-BR" sz="1200" spc="-1" strike="noStrike">
+            <a:endParaRPr b="0" lang="en-US" sz="1200" spc="-1" strike="noStrike">
               <a:latin typeface="Arial"/>
             </a:endParaRPr>
           </a:p>
@@ -484,7 +484,7 @@
         <p:spPr>
           <a:xfrm>
             <a:off x="1376280" y="1336680"/>
-            <a:ext cx="4803120" cy="3602880"/>
+            <a:ext cx="4802760" cy="3602520"/>
           </a:xfrm>
           <a:prstGeom prst="rect">
             <a:avLst/>
@@ -507,7 +507,7 @@
         <p:spPr>
           <a:xfrm>
             <a:off x="756000" y="5145120"/>
-            <a:ext cx="6043320" cy="4205520"/>
+            <a:ext cx="6042960" cy="4205160"/>
           </a:xfrm>
           <a:prstGeom prst="rect">
             <a:avLst/>
@@ -522,7 +522,7 @@
             <a:noAutofit/>
           </a:bodyPr>
           <a:p>
-            <a:endParaRPr b="0" lang="pt-BR" sz="2000" spc="-1" strike="noStrike">
+            <a:endParaRPr b="0" lang="en-US" sz="2000" spc="-1" strike="noStrike">
               <a:latin typeface="Arial"/>
             </a:endParaRPr>
           </a:p>
@@ -537,7 +537,7 @@
         <p:spPr>
           <a:xfrm>
             <a:off x="0" y="10155240"/>
-            <a:ext cx="3271680" cy="532080"/>
+            <a:ext cx="3271320" cy="531720"/>
           </a:xfrm>
           <a:prstGeom prst="rect">
             <a:avLst/>
@@ -574,7 +574,7 @@
               </a:rPr>
               <a:t>Prof. André Hochuli</a:t>
             </a:r>
-            <a:endParaRPr b="0" lang="pt-BR" sz="1200" spc="-1" strike="noStrike">
+            <a:endParaRPr b="0" lang="en-US" sz="1200" spc="-1" strike="noStrike">
               <a:latin typeface="Arial"/>
             </a:endParaRPr>
           </a:p>
@@ -615,7 +615,7 @@
         <p:spPr>
           <a:xfrm>
             <a:off x="1376280" y="1336680"/>
-            <a:ext cx="4803120" cy="3602880"/>
+            <a:ext cx="4802760" cy="3602520"/>
           </a:xfrm>
           <a:prstGeom prst="rect">
             <a:avLst/>
@@ -638,7 +638,7 @@
         <p:spPr>
           <a:xfrm>
             <a:off x="756000" y="5145120"/>
-            <a:ext cx="6043320" cy="4205520"/>
+            <a:ext cx="6042960" cy="4205160"/>
           </a:xfrm>
           <a:prstGeom prst="rect">
             <a:avLst/>
@@ -653,7 +653,7 @@
             <a:noAutofit/>
           </a:bodyPr>
           <a:p>
-            <a:endParaRPr b="0" lang="pt-BR" sz="2000" spc="-1" strike="noStrike">
+            <a:endParaRPr b="0" lang="en-US" sz="2000" spc="-1" strike="noStrike">
               <a:latin typeface="Arial"/>
             </a:endParaRPr>
           </a:p>
@@ -668,7 +668,7 @@
         <p:spPr>
           <a:xfrm>
             <a:off x="0" y="10155240"/>
-            <a:ext cx="3271680" cy="532080"/>
+            <a:ext cx="3271320" cy="531720"/>
           </a:xfrm>
           <a:prstGeom prst="rect">
             <a:avLst/>
@@ -705,7 +705,7 @@
               </a:rPr>
               <a:t>Prof. André Hochuli</a:t>
             </a:r>
-            <a:endParaRPr b="0" lang="pt-BR" sz="1200" spc="-1" strike="noStrike">
+            <a:endParaRPr b="0" lang="en-US" sz="1200" spc="-1" strike="noStrike">
               <a:latin typeface="Arial"/>
             </a:endParaRPr>
           </a:p>
@@ -746,7 +746,7 @@
         <p:spPr>
           <a:xfrm>
             <a:off x="1376280" y="1336680"/>
-            <a:ext cx="4803120" cy="3602880"/>
+            <a:ext cx="4802760" cy="3602520"/>
           </a:xfrm>
           <a:prstGeom prst="rect">
             <a:avLst/>
@@ -769,7 +769,7 @@
         <p:spPr>
           <a:xfrm>
             <a:off x="756000" y="5145120"/>
-            <a:ext cx="6043320" cy="4205520"/>
+            <a:ext cx="6042960" cy="4205160"/>
           </a:xfrm>
           <a:prstGeom prst="rect">
             <a:avLst/>
@@ -784,7 +784,7 @@
             <a:noAutofit/>
           </a:bodyPr>
           <a:p>
-            <a:endParaRPr b="0" lang="pt-BR" sz="2000" spc="-1" strike="noStrike">
+            <a:endParaRPr b="0" lang="en-US" sz="2000" spc="-1" strike="noStrike">
               <a:latin typeface="Arial"/>
             </a:endParaRPr>
           </a:p>
@@ -799,7 +799,7 @@
         <p:spPr>
           <a:xfrm>
             <a:off x="0" y="10155240"/>
-            <a:ext cx="3271680" cy="532080"/>
+            <a:ext cx="3271320" cy="531720"/>
           </a:xfrm>
           <a:prstGeom prst="rect">
             <a:avLst/>
@@ -836,7 +836,7 @@
               </a:rPr>
               <a:t>Prof. André Hochuli</a:t>
             </a:r>
-            <a:endParaRPr b="0" lang="pt-BR" sz="1200" spc="-1" strike="noStrike">
+            <a:endParaRPr b="0" lang="en-US" sz="1200" spc="-1" strike="noStrike">
               <a:latin typeface="Arial"/>
             </a:endParaRPr>
           </a:p>
@@ -877,7 +877,7 @@
         <p:spPr>
           <a:xfrm>
             <a:off x="1376280" y="1336680"/>
-            <a:ext cx="4803120" cy="3602880"/>
+            <a:ext cx="4802760" cy="3602520"/>
           </a:xfrm>
           <a:prstGeom prst="rect">
             <a:avLst/>
@@ -900,7 +900,7 @@
         <p:spPr>
           <a:xfrm>
             <a:off x="756000" y="5145120"/>
-            <a:ext cx="6043320" cy="4205520"/>
+            <a:ext cx="6042960" cy="4205160"/>
           </a:xfrm>
           <a:prstGeom prst="rect">
             <a:avLst/>
@@ -915,7 +915,7 @@
             <a:noAutofit/>
           </a:bodyPr>
           <a:p>
-            <a:endParaRPr b="0" lang="pt-BR" sz="2000" spc="-1" strike="noStrike">
+            <a:endParaRPr b="0" lang="en-US" sz="2000" spc="-1" strike="noStrike">
               <a:latin typeface="Arial"/>
             </a:endParaRPr>
           </a:p>
@@ -930,7 +930,7 @@
         <p:spPr>
           <a:xfrm>
             <a:off x="0" y="10155240"/>
-            <a:ext cx="3271680" cy="532080"/>
+            <a:ext cx="3271320" cy="531720"/>
           </a:xfrm>
           <a:prstGeom prst="rect">
             <a:avLst/>
@@ -967,7 +967,7 @@
               </a:rPr>
               <a:t>Prof. André Hochuli</a:t>
             </a:r>
-            <a:endParaRPr b="0" lang="pt-BR" sz="1200" spc="-1" strike="noStrike">
+            <a:endParaRPr b="0" lang="en-US" sz="1200" spc="-1" strike="noStrike">
               <a:latin typeface="Arial"/>
             </a:endParaRPr>
           </a:p>
@@ -1008,7 +1008,7 @@
         <p:spPr>
           <a:xfrm>
             <a:off x="1376280" y="1336680"/>
-            <a:ext cx="4803120" cy="3602880"/>
+            <a:ext cx="4802760" cy="3602520"/>
           </a:xfrm>
           <a:prstGeom prst="rect">
             <a:avLst/>
@@ -1031,7 +1031,7 @@
         <p:spPr>
           <a:xfrm>
             <a:off x="756000" y="5145120"/>
-            <a:ext cx="6043320" cy="4205520"/>
+            <a:ext cx="6042960" cy="4205160"/>
           </a:xfrm>
           <a:prstGeom prst="rect">
             <a:avLst/>
@@ -1046,7 +1046,7 @@
             <a:noAutofit/>
           </a:bodyPr>
           <a:p>
-            <a:endParaRPr b="0" lang="pt-BR" sz="2000" spc="-1" strike="noStrike">
+            <a:endParaRPr b="0" lang="en-US" sz="2000" spc="-1" strike="noStrike">
               <a:latin typeface="Arial"/>
             </a:endParaRPr>
           </a:p>
@@ -1061,7 +1061,7 @@
         <p:spPr>
           <a:xfrm>
             <a:off x="0" y="10155240"/>
-            <a:ext cx="3271680" cy="532080"/>
+            <a:ext cx="3271320" cy="531720"/>
           </a:xfrm>
           <a:prstGeom prst="rect">
             <a:avLst/>
@@ -1098,7 +1098,7 @@
               </a:rPr>
               <a:t>Prof. André Hochuli</a:t>
             </a:r>
-            <a:endParaRPr b="0" lang="pt-BR" sz="1200" spc="-1" strike="noStrike">
+            <a:endParaRPr b="0" lang="en-US" sz="1200" spc="-1" strike="noStrike">
               <a:latin typeface="Arial"/>
             </a:endParaRPr>
           </a:p>
@@ -1139,7 +1139,7 @@
         <p:spPr>
           <a:xfrm>
             <a:off x="1376280" y="1336680"/>
-            <a:ext cx="4803120" cy="3602880"/>
+            <a:ext cx="4802760" cy="3602520"/>
           </a:xfrm>
           <a:prstGeom prst="rect">
             <a:avLst/>
@@ -1162,7 +1162,7 @@
         <p:spPr>
           <a:xfrm>
             <a:off x="756000" y="5145120"/>
-            <a:ext cx="6043320" cy="4205520"/>
+            <a:ext cx="6042960" cy="4205160"/>
           </a:xfrm>
           <a:prstGeom prst="rect">
             <a:avLst/>
@@ -1177,7 +1177,7 @@
             <a:noAutofit/>
           </a:bodyPr>
           <a:p>
-            <a:endParaRPr b="0" lang="pt-BR" sz="2000" spc="-1" strike="noStrike">
+            <a:endParaRPr b="0" lang="en-US" sz="2000" spc="-1" strike="noStrike">
               <a:latin typeface="Arial"/>
             </a:endParaRPr>
           </a:p>
@@ -1192,7 +1192,7 @@
         <p:spPr>
           <a:xfrm>
             <a:off x="0" y="10155240"/>
-            <a:ext cx="3271680" cy="532080"/>
+            <a:ext cx="3271320" cy="531720"/>
           </a:xfrm>
           <a:prstGeom prst="rect">
             <a:avLst/>
@@ -1229,7 +1229,7 @@
               </a:rPr>
               <a:t>Prof. André Hochuli</a:t>
             </a:r>
-            <a:endParaRPr b="0" lang="pt-BR" sz="1200" spc="-1" strike="noStrike">
+            <a:endParaRPr b="0" lang="en-US" sz="1200" spc="-1" strike="noStrike">
               <a:latin typeface="Arial"/>
             </a:endParaRPr>
           </a:p>
@@ -1270,7 +1270,7 @@
         <p:spPr>
           <a:xfrm>
             <a:off x="1376280" y="1336680"/>
-            <a:ext cx="4803120" cy="3602880"/>
+            <a:ext cx="4802760" cy="3602520"/>
           </a:xfrm>
           <a:prstGeom prst="rect">
             <a:avLst/>
@@ -1293,7 +1293,7 @@
         <p:spPr>
           <a:xfrm>
             <a:off x="756000" y="5145120"/>
-            <a:ext cx="6043320" cy="4205520"/>
+            <a:ext cx="6042960" cy="4205160"/>
           </a:xfrm>
           <a:prstGeom prst="rect">
             <a:avLst/>
@@ -1308,7 +1308,7 @@
             <a:noAutofit/>
           </a:bodyPr>
           <a:p>
-            <a:endParaRPr b="0" lang="pt-BR" sz="2000" spc="-1" strike="noStrike">
+            <a:endParaRPr b="0" lang="en-US" sz="2000" spc="-1" strike="noStrike">
               <a:latin typeface="Arial"/>
             </a:endParaRPr>
           </a:p>
@@ -1323,7 +1323,7 @@
         <p:spPr>
           <a:xfrm>
             <a:off x="0" y="10155240"/>
-            <a:ext cx="3271680" cy="532080"/>
+            <a:ext cx="3271320" cy="531720"/>
           </a:xfrm>
           <a:prstGeom prst="rect">
             <a:avLst/>
@@ -1360,7 +1360,7 @@
               </a:rPr>
               <a:t>Prof. André Hochuli</a:t>
             </a:r>
-            <a:endParaRPr b="0" lang="pt-BR" sz="1200" spc="-1" strike="noStrike">
+            <a:endParaRPr b="0" lang="en-US" sz="1200" spc="-1" strike="noStrike">
               <a:latin typeface="Arial"/>
             </a:endParaRPr>
           </a:p>
@@ -1401,7 +1401,7 @@
         <p:spPr>
           <a:xfrm>
             <a:off x="1376280" y="1336680"/>
-            <a:ext cx="4803120" cy="3602880"/>
+            <a:ext cx="4802760" cy="3602520"/>
           </a:xfrm>
           <a:prstGeom prst="rect">
             <a:avLst/>
@@ -1424,7 +1424,7 @@
         <p:spPr>
           <a:xfrm>
             <a:off x="756000" y="5145120"/>
-            <a:ext cx="6043320" cy="4205520"/>
+            <a:ext cx="6042960" cy="4205160"/>
           </a:xfrm>
           <a:prstGeom prst="rect">
             <a:avLst/>
@@ -1439,7 +1439,7 @@
             <a:noAutofit/>
           </a:bodyPr>
           <a:p>
-            <a:endParaRPr b="0" lang="pt-BR" sz="2000" spc="-1" strike="noStrike">
+            <a:endParaRPr b="0" lang="en-US" sz="2000" spc="-1" strike="noStrike">
               <a:latin typeface="Arial"/>
             </a:endParaRPr>
           </a:p>
@@ -1454,7 +1454,7 @@
         <p:spPr>
           <a:xfrm>
             <a:off x="0" y="10155240"/>
-            <a:ext cx="3271680" cy="532080"/>
+            <a:ext cx="3271320" cy="531720"/>
           </a:xfrm>
           <a:prstGeom prst="rect">
             <a:avLst/>
@@ -1491,7 +1491,7 @@
               </a:rPr>
               <a:t>Prof. André Hochuli</a:t>
             </a:r>
-            <a:endParaRPr b="0" lang="pt-BR" sz="1200" spc="-1" strike="noStrike">
+            <a:endParaRPr b="0" lang="en-US" sz="1200" spc="-1" strike="noStrike">
               <a:latin typeface="Arial"/>
             </a:endParaRPr>
           </a:p>
@@ -1532,7 +1532,7 @@
         <p:spPr>
           <a:xfrm>
             <a:off x="1376280" y="1336680"/>
-            <a:ext cx="4803120" cy="3602880"/>
+            <a:ext cx="4802760" cy="3602520"/>
           </a:xfrm>
           <a:prstGeom prst="rect">
             <a:avLst/>
@@ -1555,7 +1555,7 @@
         <p:spPr>
           <a:xfrm>
             <a:off x="756000" y="5145120"/>
-            <a:ext cx="6043320" cy="4205520"/>
+            <a:ext cx="6042960" cy="4205160"/>
           </a:xfrm>
           <a:prstGeom prst="rect">
             <a:avLst/>
@@ -1570,7 +1570,7 @@
             <a:noAutofit/>
           </a:bodyPr>
           <a:p>
-            <a:endParaRPr b="0" lang="pt-BR" sz="2000" spc="-1" strike="noStrike">
+            <a:endParaRPr b="0" lang="en-US" sz="2000" spc="-1" strike="noStrike">
               <a:latin typeface="Arial"/>
             </a:endParaRPr>
           </a:p>
@@ -1585,7 +1585,7 @@
         <p:spPr>
           <a:xfrm>
             <a:off x="0" y="10155240"/>
-            <a:ext cx="3271680" cy="532080"/>
+            <a:ext cx="3271320" cy="531720"/>
           </a:xfrm>
           <a:prstGeom prst="rect">
             <a:avLst/>
@@ -1622,7 +1622,7 @@
               </a:rPr>
               <a:t>Prof. André Hochuli</a:t>
             </a:r>
-            <a:endParaRPr b="0" lang="pt-BR" sz="1200" spc="-1" strike="noStrike">
+            <a:endParaRPr b="0" lang="en-US" sz="1200" spc="-1" strike="noStrike">
               <a:latin typeface="Arial"/>
             </a:endParaRPr>
           </a:p>
@@ -1663,7 +1663,7 @@
         <p:spPr>
           <a:xfrm>
             <a:off x="1376280" y="1336680"/>
-            <a:ext cx="4803120" cy="3602880"/>
+            <a:ext cx="4802760" cy="3602520"/>
           </a:xfrm>
           <a:prstGeom prst="rect">
             <a:avLst/>
@@ -1686,7 +1686,7 @@
         <p:spPr>
           <a:xfrm>
             <a:off x="756000" y="5145120"/>
-            <a:ext cx="6043320" cy="4205520"/>
+            <a:ext cx="6042960" cy="4205160"/>
           </a:xfrm>
           <a:prstGeom prst="rect">
             <a:avLst/>
@@ -1701,7 +1701,7 @@
             <a:noAutofit/>
           </a:bodyPr>
           <a:p>
-            <a:endParaRPr b="0" lang="pt-BR" sz="2000" spc="-1" strike="noStrike">
+            <a:endParaRPr b="0" lang="en-US" sz="2000" spc="-1" strike="noStrike">
               <a:latin typeface="Arial"/>
             </a:endParaRPr>
           </a:p>
@@ -1716,7 +1716,7 @@
         <p:spPr>
           <a:xfrm>
             <a:off x="0" y="10155240"/>
-            <a:ext cx="3271680" cy="532080"/>
+            <a:ext cx="3271320" cy="531720"/>
           </a:xfrm>
           <a:prstGeom prst="rect">
             <a:avLst/>
@@ -1753,7 +1753,7 @@
               </a:rPr>
               <a:t>Prof. André Hochuli</a:t>
             </a:r>
-            <a:endParaRPr b="0" lang="pt-BR" sz="1200" spc="-1" strike="noStrike">
+            <a:endParaRPr b="0" lang="en-US" sz="1200" spc="-1" strike="noStrike">
               <a:latin typeface="Arial"/>
             </a:endParaRPr>
           </a:p>
@@ -1794,7 +1794,7 @@
         <p:spPr>
           <a:xfrm>
             <a:off x="1376280" y="1336680"/>
-            <a:ext cx="4803120" cy="3602880"/>
+            <a:ext cx="4802760" cy="3602520"/>
           </a:xfrm>
           <a:prstGeom prst="rect">
             <a:avLst/>
@@ -1817,7 +1817,7 @@
         <p:spPr>
           <a:xfrm>
             <a:off x="756000" y="5145120"/>
-            <a:ext cx="6043320" cy="4205520"/>
+            <a:ext cx="6042960" cy="4205160"/>
           </a:xfrm>
           <a:prstGeom prst="rect">
             <a:avLst/>
@@ -1832,7 +1832,7 @@
             <a:noAutofit/>
           </a:bodyPr>
           <a:p>
-            <a:endParaRPr b="0" lang="pt-BR" sz="2000" spc="-1" strike="noStrike">
+            <a:endParaRPr b="0" lang="en-US" sz="2000" spc="-1" strike="noStrike">
               <a:latin typeface="Arial"/>
             </a:endParaRPr>
           </a:p>
@@ -1847,7 +1847,7 @@
         <p:spPr>
           <a:xfrm>
             <a:off x="0" y="10155240"/>
-            <a:ext cx="3271680" cy="532080"/>
+            <a:ext cx="3271320" cy="531720"/>
           </a:xfrm>
           <a:prstGeom prst="rect">
             <a:avLst/>
@@ -1884,7 +1884,7 @@
               </a:rPr>
               <a:t>Prof. André Hochuli</a:t>
             </a:r>
-            <a:endParaRPr b="0" lang="pt-BR" sz="1200" spc="-1" strike="noStrike">
+            <a:endParaRPr b="0" lang="en-US" sz="1200" spc="-1" strike="noStrike">
               <a:latin typeface="Arial"/>
             </a:endParaRPr>
           </a:p>
@@ -1925,7 +1925,7 @@
         <p:spPr>
           <a:xfrm>
             <a:off x="1376280" y="1336680"/>
-            <a:ext cx="4803120" cy="3602880"/>
+            <a:ext cx="4802760" cy="3602520"/>
           </a:xfrm>
           <a:prstGeom prst="rect">
             <a:avLst/>
@@ -1948,7 +1948,7 @@
         <p:spPr>
           <a:xfrm>
             <a:off x="756000" y="5145120"/>
-            <a:ext cx="6043320" cy="4205520"/>
+            <a:ext cx="6042960" cy="4205160"/>
           </a:xfrm>
           <a:prstGeom prst="rect">
             <a:avLst/>
@@ -1963,7 +1963,7 @@
             <a:noAutofit/>
           </a:bodyPr>
           <a:p>
-            <a:endParaRPr b="0" lang="pt-BR" sz="2000" spc="-1" strike="noStrike">
+            <a:endParaRPr b="0" lang="en-US" sz="2000" spc="-1" strike="noStrike">
               <a:latin typeface="Arial"/>
             </a:endParaRPr>
           </a:p>
@@ -1978,7 +1978,7 @@
         <p:spPr>
           <a:xfrm>
             <a:off x="0" y="10155240"/>
-            <a:ext cx="3271680" cy="532080"/>
+            <a:ext cx="3271320" cy="531720"/>
           </a:xfrm>
           <a:prstGeom prst="rect">
             <a:avLst/>
@@ -2015,7 +2015,7 @@
               </a:rPr>
               <a:t>Prof. André Hochuli</a:t>
             </a:r>
-            <a:endParaRPr b="0" lang="pt-BR" sz="1200" spc="-1" strike="noStrike">
+            <a:endParaRPr b="0" lang="en-US" sz="1200" spc="-1" strike="noStrike">
               <a:latin typeface="Arial"/>
             </a:endParaRPr>
           </a:p>
@@ -2096,7 +2096,7 @@
             <a:pPr algn="ctr">
               <a:buNone/>
             </a:pPr>
-            <a:endParaRPr b="0" lang="pt-BR" sz="4400" spc="-1" strike="noStrike">
+            <a:endParaRPr b="0" lang="en-US" sz="4400" spc="-1" strike="noStrike">
               <a:latin typeface="Arial"/>
             </a:endParaRPr>
           </a:p>
@@ -2130,7 +2130,7 @@
             <a:normAutofit/>
           </a:bodyPr>
           <a:p>
-            <a:endParaRPr b="0" lang="pt-BR" sz="3200" spc="-1" strike="noStrike">
+            <a:endParaRPr b="0" lang="en-US" sz="3200" spc="-1" strike="noStrike">
               <a:latin typeface="Arial"/>
             </a:endParaRPr>
           </a:p>
@@ -2164,7 +2164,7 @@
             <a:normAutofit/>
           </a:bodyPr>
           <a:p>
-            <a:endParaRPr b="0" lang="pt-BR" sz="3200" spc="-1" strike="noStrike">
+            <a:endParaRPr b="0" lang="en-US" sz="3200" spc="-1" strike="noStrike">
               <a:latin typeface="Arial"/>
             </a:endParaRPr>
           </a:p>
@@ -2223,7 +2223,7 @@
             <a:pPr algn="ctr">
               <a:buNone/>
             </a:pPr>
-            <a:endParaRPr b="0" lang="pt-BR" sz="4400" spc="-1" strike="noStrike">
+            <a:endParaRPr b="0" lang="en-US" sz="4400" spc="-1" strike="noStrike">
               <a:latin typeface="Arial"/>
             </a:endParaRPr>
           </a:p>
@@ -2257,7 +2257,7 @@
             <a:normAutofit/>
           </a:bodyPr>
           <a:p>
-            <a:endParaRPr b="0" lang="pt-BR" sz="3200" spc="-1" strike="noStrike">
+            <a:endParaRPr b="0" lang="en-US" sz="3200" spc="-1" strike="noStrike">
               <a:latin typeface="Arial"/>
             </a:endParaRPr>
           </a:p>
@@ -2291,7 +2291,7 @@
             <a:normAutofit/>
           </a:bodyPr>
           <a:p>
-            <a:endParaRPr b="0" lang="pt-BR" sz="3200" spc="-1" strike="noStrike">
+            <a:endParaRPr b="0" lang="en-US" sz="3200" spc="-1" strike="noStrike">
               <a:latin typeface="Arial"/>
             </a:endParaRPr>
           </a:p>
@@ -2325,7 +2325,7 @@
             <a:normAutofit/>
           </a:bodyPr>
           <a:p>
-            <a:endParaRPr b="0" lang="pt-BR" sz="3200" spc="-1" strike="noStrike">
+            <a:endParaRPr b="0" lang="en-US" sz="3200" spc="-1" strike="noStrike">
               <a:latin typeface="Arial"/>
             </a:endParaRPr>
           </a:p>
@@ -2359,7 +2359,7 @@
             <a:normAutofit/>
           </a:bodyPr>
           <a:p>
-            <a:endParaRPr b="0" lang="pt-BR" sz="3200" spc="-1" strike="noStrike">
+            <a:endParaRPr b="0" lang="en-US" sz="3200" spc="-1" strike="noStrike">
               <a:latin typeface="Arial"/>
             </a:endParaRPr>
           </a:p>
@@ -2418,7 +2418,7 @@
             <a:pPr algn="ctr">
               <a:buNone/>
             </a:pPr>
-            <a:endParaRPr b="0" lang="pt-BR" sz="4400" spc="-1" strike="noStrike">
+            <a:endParaRPr b="0" lang="en-US" sz="4400" spc="-1" strike="noStrike">
               <a:latin typeface="Arial"/>
             </a:endParaRPr>
           </a:p>
@@ -2452,7 +2452,7 @@
             <a:normAutofit/>
           </a:bodyPr>
           <a:p>
-            <a:endParaRPr b="0" lang="pt-BR" sz="3200" spc="-1" strike="noStrike">
+            <a:endParaRPr b="0" lang="en-US" sz="3200" spc="-1" strike="noStrike">
               <a:latin typeface="Arial"/>
             </a:endParaRPr>
           </a:p>
@@ -2486,7 +2486,7 @@
             <a:normAutofit/>
           </a:bodyPr>
           <a:p>
-            <a:endParaRPr b="0" lang="pt-BR" sz="3200" spc="-1" strike="noStrike">
+            <a:endParaRPr b="0" lang="en-US" sz="3200" spc="-1" strike="noStrike">
               <a:latin typeface="Arial"/>
             </a:endParaRPr>
           </a:p>
@@ -2520,7 +2520,7 @@
             <a:normAutofit/>
           </a:bodyPr>
           <a:p>
-            <a:endParaRPr b="0" lang="pt-BR" sz="3200" spc="-1" strike="noStrike">
+            <a:endParaRPr b="0" lang="en-US" sz="3200" spc="-1" strike="noStrike">
               <a:latin typeface="Arial"/>
             </a:endParaRPr>
           </a:p>
@@ -2554,7 +2554,7 @@
             <a:normAutofit/>
           </a:bodyPr>
           <a:p>
-            <a:endParaRPr b="0" lang="pt-BR" sz="3200" spc="-1" strike="noStrike">
+            <a:endParaRPr b="0" lang="en-US" sz="3200" spc="-1" strike="noStrike">
               <a:latin typeface="Arial"/>
             </a:endParaRPr>
           </a:p>
@@ -2588,7 +2588,7 @@
             <a:normAutofit/>
           </a:bodyPr>
           <a:p>
-            <a:endParaRPr b="0" lang="pt-BR" sz="3200" spc="-1" strike="noStrike">
+            <a:endParaRPr b="0" lang="en-US" sz="3200" spc="-1" strike="noStrike">
               <a:latin typeface="Arial"/>
             </a:endParaRPr>
           </a:p>
@@ -2622,7 +2622,7 @@
             <a:normAutofit/>
           </a:bodyPr>
           <a:p>
-            <a:endParaRPr b="0" lang="pt-BR" sz="3200" spc="-1" strike="noStrike">
+            <a:endParaRPr b="0" lang="en-US" sz="3200" spc="-1" strike="noStrike">
               <a:latin typeface="Arial"/>
             </a:endParaRPr>
           </a:p>
@@ -2703,7 +2703,7 @@
             <a:pPr algn="ctr">
               <a:buNone/>
             </a:pPr>
-            <a:endParaRPr b="0" lang="pt-BR" sz="4400" spc="-1" strike="noStrike">
+            <a:endParaRPr b="0" lang="en-US" sz="4400" spc="-1" strike="noStrike">
               <a:latin typeface="Arial"/>
             </a:endParaRPr>
           </a:p>
@@ -2740,7 +2740,7 @@
             <a:pPr algn="ctr">
               <a:buNone/>
             </a:pPr>
-            <a:endParaRPr b="0" lang="pt-BR" sz="3200" spc="-1" strike="noStrike">
+            <a:endParaRPr b="0" lang="en-US" sz="3200" spc="-1" strike="noStrike">
               <a:latin typeface="Arial"/>
             </a:endParaRPr>
           </a:p>
@@ -2799,7 +2799,7 @@
             <a:pPr algn="ctr">
               <a:buNone/>
             </a:pPr>
-            <a:endParaRPr b="0" lang="pt-BR" sz="4400" spc="-1" strike="noStrike">
+            <a:endParaRPr b="0" lang="en-US" sz="4400" spc="-1" strike="noStrike">
               <a:latin typeface="Arial"/>
             </a:endParaRPr>
           </a:p>
@@ -2833,7 +2833,7 @@
             <a:normAutofit/>
           </a:bodyPr>
           <a:p>
-            <a:endParaRPr b="0" lang="pt-BR" sz="3200" spc="-1" strike="noStrike">
+            <a:endParaRPr b="0" lang="en-US" sz="3200" spc="-1" strike="noStrike">
               <a:latin typeface="Arial"/>
             </a:endParaRPr>
           </a:p>
@@ -2892,7 +2892,7 @@
             <a:pPr algn="ctr">
               <a:buNone/>
             </a:pPr>
-            <a:endParaRPr b="0" lang="pt-BR" sz="4400" spc="-1" strike="noStrike">
+            <a:endParaRPr b="0" lang="en-US" sz="4400" spc="-1" strike="noStrike">
               <a:latin typeface="Arial"/>
             </a:endParaRPr>
           </a:p>
@@ -2926,7 +2926,7 @@
             <a:normAutofit/>
           </a:bodyPr>
           <a:p>
-            <a:endParaRPr b="0" lang="pt-BR" sz="3200" spc="-1" strike="noStrike">
+            <a:endParaRPr b="0" lang="en-US" sz="3200" spc="-1" strike="noStrike">
               <a:latin typeface="Arial"/>
             </a:endParaRPr>
           </a:p>
@@ -2960,7 +2960,7 @@
             <a:normAutofit/>
           </a:bodyPr>
           <a:p>
-            <a:endParaRPr b="0" lang="pt-BR" sz="3200" spc="-1" strike="noStrike">
+            <a:endParaRPr b="0" lang="en-US" sz="3200" spc="-1" strike="noStrike">
               <a:latin typeface="Arial"/>
             </a:endParaRPr>
           </a:p>
@@ -3019,7 +3019,7 @@
             <a:pPr algn="ctr">
               <a:buNone/>
             </a:pPr>
-            <a:endParaRPr b="0" lang="pt-BR" sz="4400" spc="-1" strike="noStrike">
+            <a:endParaRPr b="0" lang="en-US" sz="4400" spc="-1" strike="noStrike">
               <a:latin typeface="Arial"/>
             </a:endParaRPr>
           </a:p>
@@ -3078,7 +3078,7 @@
             <a:pPr algn="ctr">
               <a:buNone/>
             </a:pPr>
-            <a:endParaRPr b="0" lang="pt-BR" sz="3200" spc="-1" strike="noStrike">
+            <a:endParaRPr b="0" lang="en-US" sz="3200" spc="-1" strike="noStrike">
               <a:latin typeface="Arial"/>
             </a:endParaRPr>
           </a:p>
@@ -3137,7 +3137,7 @@
             <a:pPr algn="ctr">
               <a:buNone/>
             </a:pPr>
-            <a:endParaRPr b="0" lang="pt-BR" sz="4400" spc="-1" strike="noStrike">
+            <a:endParaRPr b="0" lang="en-US" sz="4400" spc="-1" strike="noStrike">
               <a:latin typeface="Arial"/>
             </a:endParaRPr>
           </a:p>
@@ -3171,7 +3171,7 @@
             <a:normAutofit/>
           </a:bodyPr>
           <a:p>
-            <a:endParaRPr b="0" lang="pt-BR" sz="3200" spc="-1" strike="noStrike">
+            <a:endParaRPr b="0" lang="en-US" sz="3200" spc="-1" strike="noStrike">
               <a:latin typeface="Arial"/>
             </a:endParaRPr>
           </a:p>
@@ -3205,7 +3205,7 @@
             <a:normAutofit/>
           </a:bodyPr>
           <a:p>
-            <a:endParaRPr b="0" lang="pt-BR" sz="3200" spc="-1" strike="noStrike">
+            <a:endParaRPr b="0" lang="en-US" sz="3200" spc="-1" strike="noStrike">
               <a:latin typeface="Arial"/>
             </a:endParaRPr>
           </a:p>
@@ -3239,7 +3239,7 @@
             <a:normAutofit/>
           </a:bodyPr>
           <a:p>
-            <a:endParaRPr b="0" lang="pt-BR" sz="3200" spc="-1" strike="noStrike">
+            <a:endParaRPr b="0" lang="en-US" sz="3200" spc="-1" strike="noStrike">
               <a:latin typeface="Arial"/>
             </a:endParaRPr>
           </a:p>
@@ -3298,7 +3298,7 @@
             <a:pPr algn="ctr">
               <a:buNone/>
             </a:pPr>
-            <a:endParaRPr b="0" lang="pt-BR" sz="4400" spc="-1" strike="noStrike">
+            <a:endParaRPr b="0" lang="en-US" sz="4400" spc="-1" strike="noStrike">
               <a:latin typeface="Arial"/>
             </a:endParaRPr>
           </a:p>
@@ -3335,7 +3335,7 @@
             <a:pPr algn="ctr">
               <a:buNone/>
             </a:pPr>
-            <a:endParaRPr b="0" lang="pt-BR" sz="3200" spc="-1" strike="noStrike">
+            <a:endParaRPr b="0" lang="en-US" sz="3200" spc="-1" strike="noStrike">
               <a:latin typeface="Arial"/>
             </a:endParaRPr>
           </a:p>
@@ -3394,7 +3394,7 @@
             <a:pPr algn="ctr">
               <a:buNone/>
             </a:pPr>
-            <a:endParaRPr b="0" lang="pt-BR" sz="4400" spc="-1" strike="noStrike">
+            <a:endParaRPr b="0" lang="en-US" sz="4400" spc="-1" strike="noStrike">
               <a:latin typeface="Arial"/>
             </a:endParaRPr>
           </a:p>
@@ -3428,7 +3428,7 @@
             <a:normAutofit/>
           </a:bodyPr>
           <a:p>
-            <a:endParaRPr b="0" lang="pt-BR" sz="3200" spc="-1" strike="noStrike">
+            <a:endParaRPr b="0" lang="en-US" sz="3200" spc="-1" strike="noStrike">
               <a:latin typeface="Arial"/>
             </a:endParaRPr>
           </a:p>
@@ -3462,7 +3462,7 @@
             <a:normAutofit/>
           </a:bodyPr>
           <a:p>
-            <a:endParaRPr b="0" lang="pt-BR" sz="3200" spc="-1" strike="noStrike">
+            <a:endParaRPr b="0" lang="en-US" sz="3200" spc="-1" strike="noStrike">
               <a:latin typeface="Arial"/>
             </a:endParaRPr>
           </a:p>
@@ -3496,7 +3496,7 @@
             <a:normAutofit/>
           </a:bodyPr>
           <a:p>
-            <a:endParaRPr b="0" lang="pt-BR" sz="3200" spc="-1" strike="noStrike">
+            <a:endParaRPr b="0" lang="en-US" sz="3200" spc="-1" strike="noStrike">
               <a:latin typeface="Arial"/>
             </a:endParaRPr>
           </a:p>
@@ -3555,7 +3555,7 @@
             <a:pPr algn="ctr">
               <a:buNone/>
             </a:pPr>
-            <a:endParaRPr b="0" lang="pt-BR" sz="4400" spc="-1" strike="noStrike">
+            <a:endParaRPr b="0" lang="en-US" sz="4400" spc="-1" strike="noStrike">
               <a:latin typeface="Arial"/>
             </a:endParaRPr>
           </a:p>
@@ -3589,7 +3589,7 @@
             <a:normAutofit/>
           </a:bodyPr>
           <a:p>
-            <a:endParaRPr b="0" lang="pt-BR" sz="3200" spc="-1" strike="noStrike">
+            <a:endParaRPr b="0" lang="en-US" sz="3200" spc="-1" strike="noStrike">
               <a:latin typeface="Arial"/>
             </a:endParaRPr>
           </a:p>
@@ -3623,7 +3623,7 @@
             <a:normAutofit/>
           </a:bodyPr>
           <a:p>
-            <a:endParaRPr b="0" lang="pt-BR" sz="3200" spc="-1" strike="noStrike">
+            <a:endParaRPr b="0" lang="en-US" sz="3200" spc="-1" strike="noStrike">
               <a:latin typeface="Arial"/>
             </a:endParaRPr>
           </a:p>
@@ -3657,7 +3657,7 @@
             <a:normAutofit/>
           </a:bodyPr>
           <a:p>
-            <a:endParaRPr b="0" lang="pt-BR" sz="3200" spc="-1" strike="noStrike">
+            <a:endParaRPr b="0" lang="en-US" sz="3200" spc="-1" strike="noStrike">
               <a:latin typeface="Arial"/>
             </a:endParaRPr>
           </a:p>
@@ -3716,7 +3716,7 @@
             <a:pPr algn="ctr">
               <a:buNone/>
             </a:pPr>
-            <a:endParaRPr b="0" lang="pt-BR" sz="4400" spc="-1" strike="noStrike">
+            <a:endParaRPr b="0" lang="en-US" sz="4400" spc="-1" strike="noStrike">
               <a:latin typeface="Arial"/>
             </a:endParaRPr>
           </a:p>
@@ -3750,7 +3750,7 @@
             <a:normAutofit/>
           </a:bodyPr>
           <a:p>
-            <a:endParaRPr b="0" lang="pt-BR" sz="3200" spc="-1" strike="noStrike">
+            <a:endParaRPr b="0" lang="en-US" sz="3200" spc="-1" strike="noStrike">
               <a:latin typeface="Arial"/>
             </a:endParaRPr>
           </a:p>
@@ -3784,7 +3784,7 @@
             <a:normAutofit/>
           </a:bodyPr>
           <a:p>
-            <a:endParaRPr b="0" lang="pt-BR" sz="3200" spc="-1" strike="noStrike">
+            <a:endParaRPr b="0" lang="en-US" sz="3200" spc="-1" strike="noStrike">
               <a:latin typeface="Arial"/>
             </a:endParaRPr>
           </a:p>
@@ -3843,7 +3843,7 @@
             <a:pPr algn="ctr">
               <a:buNone/>
             </a:pPr>
-            <a:endParaRPr b="0" lang="pt-BR" sz="4400" spc="-1" strike="noStrike">
+            <a:endParaRPr b="0" lang="en-US" sz="4400" spc="-1" strike="noStrike">
               <a:latin typeface="Arial"/>
             </a:endParaRPr>
           </a:p>
@@ -3877,7 +3877,7 @@
             <a:normAutofit/>
           </a:bodyPr>
           <a:p>
-            <a:endParaRPr b="0" lang="pt-BR" sz="3200" spc="-1" strike="noStrike">
+            <a:endParaRPr b="0" lang="en-US" sz="3200" spc="-1" strike="noStrike">
               <a:latin typeface="Arial"/>
             </a:endParaRPr>
           </a:p>
@@ -3911,7 +3911,7 @@
             <a:normAutofit/>
           </a:bodyPr>
           <a:p>
-            <a:endParaRPr b="0" lang="pt-BR" sz="3200" spc="-1" strike="noStrike">
+            <a:endParaRPr b="0" lang="en-US" sz="3200" spc="-1" strike="noStrike">
               <a:latin typeface="Arial"/>
             </a:endParaRPr>
           </a:p>
@@ -3945,7 +3945,7 @@
             <a:normAutofit/>
           </a:bodyPr>
           <a:p>
-            <a:endParaRPr b="0" lang="pt-BR" sz="3200" spc="-1" strike="noStrike">
+            <a:endParaRPr b="0" lang="en-US" sz="3200" spc="-1" strike="noStrike">
               <a:latin typeface="Arial"/>
             </a:endParaRPr>
           </a:p>
@@ -3979,7 +3979,7 @@
             <a:normAutofit/>
           </a:bodyPr>
           <a:p>
-            <a:endParaRPr b="0" lang="pt-BR" sz="3200" spc="-1" strike="noStrike">
+            <a:endParaRPr b="0" lang="en-US" sz="3200" spc="-1" strike="noStrike">
               <a:latin typeface="Arial"/>
             </a:endParaRPr>
           </a:p>
@@ -4038,7 +4038,7 @@
             <a:pPr algn="ctr">
               <a:buNone/>
             </a:pPr>
-            <a:endParaRPr b="0" lang="pt-BR" sz="4400" spc="-1" strike="noStrike">
+            <a:endParaRPr b="0" lang="en-US" sz="4400" spc="-1" strike="noStrike">
               <a:latin typeface="Arial"/>
             </a:endParaRPr>
           </a:p>
@@ -4072,7 +4072,7 @@
             <a:normAutofit/>
           </a:bodyPr>
           <a:p>
-            <a:endParaRPr b="0" lang="pt-BR" sz="3200" spc="-1" strike="noStrike">
+            <a:endParaRPr b="0" lang="en-US" sz="3200" spc="-1" strike="noStrike">
               <a:latin typeface="Arial"/>
             </a:endParaRPr>
           </a:p>
@@ -4106,7 +4106,7 @@
             <a:normAutofit/>
           </a:bodyPr>
           <a:p>
-            <a:endParaRPr b="0" lang="pt-BR" sz="3200" spc="-1" strike="noStrike">
+            <a:endParaRPr b="0" lang="en-US" sz="3200" spc="-1" strike="noStrike">
               <a:latin typeface="Arial"/>
             </a:endParaRPr>
           </a:p>
@@ -4140,7 +4140,7 @@
             <a:normAutofit/>
           </a:bodyPr>
           <a:p>
-            <a:endParaRPr b="0" lang="pt-BR" sz="3200" spc="-1" strike="noStrike">
+            <a:endParaRPr b="0" lang="en-US" sz="3200" spc="-1" strike="noStrike">
               <a:latin typeface="Arial"/>
             </a:endParaRPr>
           </a:p>
@@ -4174,7 +4174,7 @@
             <a:normAutofit/>
           </a:bodyPr>
           <a:p>
-            <a:endParaRPr b="0" lang="pt-BR" sz="3200" spc="-1" strike="noStrike">
+            <a:endParaRPr b="0" lang="en-US" sz="3200" spc="-1" strike="noStrike">
               <a:latin typeface="Arial"/>
             </a:endParaRPr>
           </a:p>
@@ -4208,7 +4208,7 @@
             <a:normAutofit/>
           </a:bodyPr>
           <a:p>
-            <a:endParaRPr b="0" lang="pt-BR" sz="3200" spc="-1" strike="noStrike">
+            <a:endParaRPr b="0" lang="en-US" sz="3200" spc="-1" strike="noStrike">
               <a:latin typeface="Arial"/>
             </a:endParaRPr>
           </a:p>
@@ -4242,7 +4242,7 @@
             <a:normAutofit/>
           </a:bodyPr>
           <a:p>
-            <a:endParaRPr b="0" lang="pt-BR" sz="3200" spc="-1" strike="noStrike">
+            <a:endParaRPr b="0" lang="en-US" sz="3200" spc="-1" strike="noStrike">
               <a:latin typeface="Arial"/>
             </a:endParaRPr>
           </a:p>
@@ -4301,7 +4301,7 @@
             <a:pPr algn="ctr">
               <a:buNone/>
             </a:pPr>
-            <a:endParaRPr b="0" lang="pt-BR" sz="4400" spc="-1" strike="noStrike">
+            <a:endParaRPr b="0" lang="en-US" sz="4400" spc="-1" strike="noStrike">
               <a:latin typeface="Arial"/>
             </a:endParaRPr>
           </a:p>
@@ -4335,7 +4335,7 @@
             <a:normAutofit/>
           </a:bodyPr>
           <a:p>
-            <a:endParaRPr b="0" lang="pt-BR" sz="3200" spc="-1" strike="noStrike">
+            <a:endParaRPr b="0" lang="en-US" sz="3200" spc="-1" strike="noStrike">
               <a:latin typeface="Arial"/>
             </a:endParaRPr>
           </a:p>
@@ -4394,7 +4394,7 @@
             <a:pPr algn="ctr">
               <a:buNone/>
             </a:pPr>
-            <a:endParaRPr b="0" lang="pt-BR" sz="4400" spc="-1" strike="noStrike">
+            <a:endParaRPr b="0" lang="en-US" sz="4400" spc="-1" strike="noStrike">
               <a:latin typeface="Arial"/>
             </a:endParaRPr>
           </a:p>
@@ -4428,7 +4428,7 @@
             <a:normAutofit/>
           </a:bodyPr>
           <a:p>
-            <a:endParaRPr b="0" lang="pt-BR" sz="3200" spc="-1" strike="noStrike">
+            <a:endParaRPr b="0" lang="en-US" sz="3200" spc="-1" strike="noStrike">
               <a:latin typeface="Arial"/>
             </a:endParaRPr>
           </a:p>
@@ -4462,7 +4462,7 @@
             <a:normAutofit/>
           </a:bodyPr>
           <a:p>
-            <a:endParaRPr b="0" lang="pt-BR" sz="3200" spc="-1" strike="noStrike">
+            <a:endParaRPr b="0" lang="en-US" sz="3200" spc="-1" strike="noStrike">
               <a:latin typeface="Arial"/>
             </a:endParaRPr>
           </a:p>
@@ -4521,7 +4521,7 @@
             <a:pPr algn="ctr">
               <a:buNone/>
             </a:pPr>
-            <a:endParaRPr b="0" lang="pt-BR" sz="4400" spc="-1" strike="noStrike">
+            <a:endParaRPr b="0" lang="en-US" sz="4400" spc="-1" strike="noStrike">
               <a:latin typeface="Arial"/>
             </a:endParaRPr>
           </a:p>
@@ -4580,7 +4580,7 @@
             <a:pPr algn="ctr">
               <a:buNone/>
             </a:pPr>
-            <a:endParaRPr b="0" lang="pt-BR" sz="3200" spc="-1" strike="noStrike">
+            <a:endParaRPr b="0" lang="en-US" sz="3200" spc="-1" strike="noStrike">
               <a:latin typeface="Arial"/>
             </a:endParaRPr>
           </a:p>
@@ -4639,7 +4639,7 @@
             <a:pPr algn="ctr">
               <a:buNone/>
             </a:pPr>
-            <a:endParaRPr b="0" lang="pt-BR" sz="4400" spc="-1" strike="noStrike">
+            <a:endParaRPr b="0" lang="en-US" sz="4400" spc="-1" strike="noStrike">
               <a:latin typeface="Arial"/>
             </a:endParaRPr>
           </a:p>
@@ -4673,7 +4673,7 @@
             <a:normAutofit/>
           </a:bodyPr>
           <a:p>
-            <a:endParaRPr b="0" lang="pt-BR" sz="3200" spc="-1" strike="noStrike">
+            <a:endParaRPr b="0" lang="en-US" sz="3200" spc="-1" strike="noStrike">
               <a:latin typeface="Arial"/>
             </a:endParaRPr>
           </a:p>
@@ -4707,7 +4707,7 @@
             <a:normAutofit/>
           </a:bodyPr>
           <a:p>
-            <a:endParaRPr b="0" lang="pt-BR" sz="3200" spc="-1" strike="noStrike">
+            <a:endParaRPr b="0" lang="en-US" sz="3200" spc="-1" strike="noStrike">
               <a:latin typeface="Arial"/>
             </a:endParaRPr>
           </a:p>
@@ -4741,7 +4741,7 @@
             <a:normAutofit/>
           </a:bodyPr>
           <a:p>
-            <a:endParaRPr b="0" lang="pt-BR" sz="3200" spc="-1" strike="noStrike">
+            <a:endParaRPr b="0" lang="en-US" sz="3200" spc="-1" strike="noStrike">
               <a:latin typeface="Arial"/>
             </a:endParaRPr>
           </a:p>
@@ -4800,7 +4800,7 @@
             <a:pPr algn="ctr">
               <a:buNone/>
             </a:pPr>
-            <a:endParaRPr b="0" lang="pt-BR" sz="4400" spc="-1" strike="noStrike">
+            <a:endParaRPr b="0" lang="en-US" sz="4400" spc="-1" strike="noStrike">
               <a:latin typeface="Arial"/>
             </a:endParaRPr>
           </a:p>
@@ -4834,7 +4834,7 @@
             <a:normAutofit/>
           </a:bodyPr>
           <a:p>
-            <a:endParaRPr b="0" lang="pt-BR" sz="3200" spc="-1" strike="noStrike">
+            <a:endParaRPr b="0" lang="en-US" sz="3200" spc="-1" strike="noStrike">
               <a:latin typeface="Arial"/>
             </a:endParaRPr>
           </a:p>
@@ -4868,7 +4868,7 @@
             <a:normAutofit/>
           </a:bodyPr>
           <a:p>
-            <a:endParaRPr b="0" lang="pt-BR" sz="3200" spc="-1" strike="noStrike">
+            <a:endParaRPr b="0" lang="en-US" sz="3200" spc="-1" strike="noStrike">
               <a:latin typeface="Arial"/>
             </a:endParaRPr>
           </a:p>
@@ -4902,7 +4902,7 @@
             <a:normAutofit/>
           </a:bodyPr>
           <a:p>
-            <a:endParaRPr b="0" lang="pt-BR" sz="3200" spc="-1" strike="noStrike">
+            <a:endParaRPr b="0" lang="en-US" sz="3200" spc="-1" strike="noStrike">
               <a:latin typeface="Arial"/>
             </a:endParaRPr>
           </a:p>
@@ -4961,7 +4961,7 @@
             <a:pPr algn="ctr">
               <a:buNone/>
             </a:pPr>
-            <a:endParaRPr b="0" lang="pt-BR" sz="4400" spc="-1" strike="noStrike">
+            <a:endParaRPr b="0" lang="en-US" sz="4400" spc="-1" strike="noStrike">
               <a:latin typeface="Arial"/>
             </a:endParaRPr>
           </a:p>
@@ -4995,7 +4995,7 @@
             <a:normAutofit/>
           </a:bodyPr>
           <a:p>
-            <a:endParaRPr b="0" lang="pt-BR" sz="3200" spc="-1" strike="noStrike">
+            <a:endParaRPr b="0" lang="en-US" sz="3200" spc="-1" strike="noStrike">
               <a:latin typeface="Arial"/>
             </a:endParaRPr>
           </a:p>
@@ -5029,7 +5029,7 @@
             <a:normAutofit/>
           </a:bodyPr>
           <a:p>
-            <a:endParaRPr b="0" lang="pt-BR" sz="3200" spc="-1" strike="noStrike">
+            <a:endParaRPr b="0" lang="en-US" sz="3200" spc="-1" strike="noStrike">
               <a:latin typeface="Arial"/>
             </a:endParaRPr>
           </a:p>
@@ -5063,7 +5063,7 @@
             <a:normAutofit/>
           </a:bodyPr>
           <a:p>
-            <a:endParaRPr b="0" lang="pt-BR" sz="3200" spc="-1" strike="noStrike">
+            <a:endParaRPr b="0" lang="en-US" sz="3200" spc="-1" strike="noStrike">
               <a:latin typeface="Arial"/>
             </a:endParaRPr>
           </a:p>
@@ -5107,7 +5107,7 @@
         <p:spPr>
           <a:xfrm>
             <a:off x="0" y="3150000"/>
-            <a:ext cx="9715680" cy="1255680"/>
+            <a:ext cx="9715320" cy="1255320"/>
           </a:xfrm>
           <a:prstGeom prst="rect">
             <a:avLst/>
@@ -5158,12 +5158,12 @@
               <a:buNone/>
             </a:pPr>
             <a:r>
-              <a:rPr b="0" lang="pt-BR" sz="4400" spc="-1" strike="noStrike">
+              <a:rPr b="0" lang="en-US" sz="4400" spc="-1" strike="noStrike">
                 <a:latin typeface="Arial"/>
               </a:rPr>
               <a:t>Click to edit the title text format</a:t>
             </a:r>
-            <a:endParaRPr b="0" lang="pt-BR" sz="4400" spc="-1" strike="noStrike">
+            <a:endParaRPr b="0" lang="en-US" sz="4400" spc="-1" strike="noStrike">
               <a:latin typeface="Arial"/>
             </a:endParaRPr>
           </a:p>
@@ -5209,12 +5209,12 @@
               <a:buChar char=""/>
             </a:pPr>
             <a:r>
-              <a:rPr b="0" lang="pt-BR" sz="3200" spc="-1" strike="noStrike">
+              <a:rPr b="0" lang="en-US" sz="3200" spc="-1" strike="noStrike">
                 <a:latin typeface="Arial"/>
               </a:rPr>
               <a:t>Click to edit the outline text format</a:t>
             </a:r>
-            <a:endParaRPr b="0" lang="pt-BR" sz="3200" spc="-1" strike="noStrike">
+            <a:endParaRPr b="0" lang="en-US" sz="3200" spc="-1" strike="noStrike">
               <a:latin typeface="Arial"/>
             </a:endParaRPr>
           </a:p>
@@ -5231,12 +5231,12 @@
               <a:buChar char=""/>
             </a:pPr>
             <a:r>
-              <a:rPr b="0" lang="pt-BR" sz="2800" spc="-1" strike="noStrike">
+              <a:rPr b="0" lang="en-US" sz="2800" spc="-1" strike="noStrike">
                 <a:latin typeface="Arial"/>
               </a:rPr>
               <a:t>Second Outline Level</a:t>
             </a:r>
-            <a:endParaRPr b="0" lang="pt-BR" sz="2800" spc="-1" strike="noStrike">
+            <a:endParaRPr b="0" lang="en-US" sz="2800" spc="-1" strike="noStrike">
               <a:latin typeface="Arial"/>
             </a:endParaRPr>
           </a:p>
@@ -5253,12 +5253,12 @@
               <a:buChar char=""/>
             </a:pPr>
             <a:r>
-              <a:rPr b="0" lang="pt-BR" sz="2400" spc="-1" strike="noStrike">
+              <a:rPr b="0" lang="en-US" sz="2400" spc="-1" strike="noStrike">
                 <a:latin typeface="Arial"/>
               </a:rPr>
               <a:t>Third Outline Level</a:t>
             </a:r>
-            <a:endParaRPr b="0" lang="pt-BR" sz="2400" spc="-1" strike="noStrike">
+            <a:endParaRPr b="0" lang="en-US" sz="2400" spc="-1" strike="noStrike">
               <a:latin typeface="Arial"/>
             </a:endParaRPr>
           </a:p>
@@ -5275,12 +5275,12 @@
               <a:buChar char=""/>
             </a:pPr>
             <a:r>
-              <a:rPr b="0" lang="pt-BR" sz="2000" spc="-1" strike="noStrike">
+              <a:rPr b="0" lang="en-US" sz="2000" spc="-1" strike="noStrike">
                 <a:latin typeface="Arial"/>
               </a:rPr>
               <a:t>Fourth Outline Level</a:t>
             </a:r>
-            <a:endParaRPr b="0" lang="pt-BR" sz="2000" spc="-1" strike="noStrike">
+            <a:endParaRPr b="0" lang="en-US" sz="2000" spc="-1" strike="noStrike">
               <a:latin typeface="Arial"/>
             </a:endParaRPr>
           </a:p>
@@ -5297,12 +5297,12 @@
               <a:buChar char=""/>
             </a:pPr>
             <a:r>
-              <a:rPr b="0" lang="pt-BR" sz="2000" spc="-1" strike="noStrike">
+              <a:rPr b="0" lang="en-US" sz="2000" spc="-1" strike="noStrike">
                 <a:latin typeface="Arial"/>
               </a:rPr>
               <a:t>Fifth Outline Level</a:t>
             </a:r>
-            <a:endParaRPr b="0" lang="pt-BR" sz="2000" spc="-1" strike="noStrike">
+            <a:endParaRPr b="0" lang="en-US" sz="2000" spc="-1" strike="noStrike">
               <a:latin typeface="Arial"/>
             </a:endParaRPr>
           </a:p>
@@ -5319,12 +5319,12 @@
               <a:buChar char=""/>
             </a:pPr>
             <a:r>
-              <a:rPr b="0" lang="pt-BR" sz="2000" spc="-1" strike="noStrike">
+              <a:rPr b="0" lang="en-US" sz="2000" spc="-1" strike="noStrike">
                 <a:latin typeface="Arial"/>
               </a:rPr>
               <a:t>Sixth Outline Level</a:t>
             </a:r>
-            <a:endParaRPr b="0" lang="pt-BR" sz="2000" spc="-1" strike="noStrike">
+            <a:endParaRPr b="0" lang="en-US" sz="2000" spc="-1" strike="noStrike">
               <a:latin typeface="Arial"/>
             </a:endParaRPr>
           </a:p>
@@ -5341,12 +5341,12 @@
               <a:buChar char=""/>
             </a:pPr>
             <a:r>
-              <a:rPr b="0" lang="pt-BR" sz="2000" spc="-1" strike="noStrike">
+              <a:rPr b="0" lang="en-US" sz="2000" spc="-1" strike="noStrike">
                 <a:latin typeface="Arial"/>
               </a:rPr>
               <a:t>Seventh Outline Level</a:t>
             </a:r>
-            <a:endParaRPr b="0" lang="pt-BR" sz="2000" spc="-1" strike="noStrike">
+            <a:endParaRPr b="0" lang="en-US" sz="2000" spc="-1" strike="noStrike">
               <a:latin typeface="Arial"/>
             </a:endParaRPr>
           </a:p>
@@ -5405,7 +5405,7 @@
         <p:spPr>
           <a:xfrm>
             <a:off x="0" y="180000"/>
-            <a:ext cx="9715680" cy="1255680"/>
+            <a:ext cx="9715320" cy="1255320"/>
           </a:xfrm>
           <a:prstGeom prst="rect">
             <a:avLst/>
@@ -5433,7 +5433,7 @@
         <p:spPr>
           <a:xfrm>
             <a:off x="7560000" y="6840000"/>
-            <a:ext cx="2515680" cy="535680"/>
+            <a:ext cx="2515320" cy="535320"/>
           </a:xfrm>
           <a:prstGeom prst="rect">
             <a:avLst/>
@@ -5461,7 +5461,7 @@
         <p:spPr>
           <a:xfrm>
             <a:off x="900000" y="6840000"/>
-            <a:ext cx="6475680" cy="535680"/>
+            <a:ext cx="6475320" cy="535320"/>
           </a:xfrm>
           <a:prstGeom prst="rect">
             <a:avLst/>
@@ -5489,7 +5489,7 @@
         <p:spPr>
           <a:xfrm>
             <a:off x="180000" y="6840000"/>
-            <a:ext cx="535680" cy="535680"/>
+            <a:ext cx="535320" cy="535320"/>
           </a:xfrm>
           <a:prstGeom prst="rect">
             <a:avLst/>
@@ -5538,12 +5538,12 @@
               <a:buNone/>
             </a:pPr>
             <a:r>
-              <a:rPr b="0" lang="pt-BR" sz="4400" spc="-1" strike="noStrike">
+              <a:rPr b="0" lang="en-US" sz="4400" spc="-1" strike="noStrike">
                 <a:latin typeface="Arial"/>
               </a:rPr>
               <a:t>Click to edit the title text format</a:t>
             </a:r>
-            <a:endParaRPr b="0" lang="pt-BR" sz="4400" spc="-1" strike="noStrike">
+            <a:endParaRPr b="0" lang="en-US" sz="4400" spc="-1" strike="noStrike">
               <a:latin typeface="Arial"/>
             </a:endParaRPr>
           </a:p>
@@ -5589,12 +5589,12 @@
               <a:buChar char=""/>
             </a:pPr>
             <a:r>
-              <a:rPr b="0" lang="pt-BR" sz="3200" spc="-1" strike="noStrike">
+              <a:rPr b="0" lang="en-US" sz="3200" spc="-1" strike="noStrike">
                 <a:latin typeface="Arial"/>
               </a:rPr>
               <a:t>Click to edit the outline text format</a:t>
             </a:r>
-            <a:endParaRPr b="0" lang="pt-BR" sz="3200" spc="-1" strike="noStrike">
+            <a:endParaRPr b="0" lang="en-US" sz="3200" spc="-1" strike="noStrike">
               <a:latin typeface="Arial"/>
             </a:endParaRPr>
           </a:p>
@@ -5611,12 +5611,12 @@
               <a:buChar char=""/>
             </a:pPr>
             <a:r>
-              <a:rPr b="0" lang="pt-BR" sz="2800" spc="-1" strike="noStrike">
+              <a:rPr b="0" lang="en-US" sz="2800" spc="-1" strike="noStrike">
                 <a:latin typeface="Arial"/>
               </a:rPr>
               <a:t>Second Outline Level</a:t>
             </a:r>
-            <a:endParaRPr b="0" lang="pt-BR" sz="2800" spc="-1" strike="noStrike">
+            <a:endParaRPr b="0" lang="en-US" sz="2800" spc="-1" strike="noStrike">
               <a:latin typeface="Arial"/>
             </a:endParaRPr>
           </a:p>
@@ -5633,12 +5633,12 @@
               <a:buChar char=""/>
             </a:pPr>
             <a:r>
-              <a:rPr b="0" lang="pt-BR" sz="2400" spc="-1" strike="noStrike">
+              <a:rPr b="0" lang="en-US" sz="2400" spc="-1" strike="noStrike">
                 <a:latin typeface="Arial"/>
               </a:rPr>
               <a:t>Third Outline Level</a:t>
             </a:r>
-            <a:endParaRPr b="0" lang="pt-BR" sz="2400" spc="-1" strike="noStrike">
+            <a:endParaRPr b="0" lang="en-US" sz="2400" spc="-1" strike="noStrike">
               <a:latin typeface="Arial"/>
             </a:endParaRPr>
           </a:p>
@@ -5655,12 +5655,12 @@
               <a:buChar char=""/>
             </a:pPr>
             <a:r>
-              <a:rPr b="0" lang="pt-BR" sz="2000" spc="-1" strike="noStrike">
+              <a:rPr b="0" lang="en-US" sz="2000" spc="-1" strike="noStrike">
                 <a:latin typeface="Arial"/>
               </a:rPr>
               <a:t>Fourth Outline Level</a:t>
             </a:r>
-            <a:endParaRPr b="0" lang="pt-BR" sz="2000" spc="-1" strike="noStrike">
+            <a:endParaRPr b="0" lang="en-US" sz="2000" spc="-1" strike="noStrike">
               <a:latin typeface="Arial"/>
             </a:endParaRPr>
           </a:p>
@@ -5677,12 +5677,12 @@
               <a:buChar char=""/>
             </a:pPr>
             <a:r>
-              <a:rPr b="0" lang="pt-BR" sz="2000" spc="-1" strike="noStrike">
+              <a:rPr b="0" lang="en-US" sz="2000" spc="-1" strike="noStrike">
                 <a:latin typeface="Arial"/>
               </a:rPr>
               <a:t>Fifth Outline Level</a:t>
             </a:r>
-            <a:endParaRPr b="0" lang="pt-BR" sz="2000" spc="-1" strike="noStrike">
+            <a:endParaRPr b="0" lang="en-US" sz="2000" spc="-1" strike="noStrike">
               <a:latin typeface="Arial"/>
             </a:endParaRPr>
           </a:p>
@@ -5699,12 +5699,12 @@
               <a:buChar char=""/>
             </a:pPr>
             <a:r>
-              <a:rPr b="0" lang="pt-BR" sz="2000" spc="-1" strike="noStrike">
+              <a:rPr b="0" lang="en-US" sz="2000" spc="-1" strike="noStrike">
                 <a:latin typeface="Arial"/>
               </a:rPr>
               <a:t>Sixth Outline Level</a:t>
             </a:r>
-            <a:endParaRPr b="0" lang="pt-BR" sz="2000" spc="-1" strike="noStrike">
+            <a:endParaRPr b="0" lang="en-US" sz="2000" spc="-1" strike="noStrike">
               <a:latin typeface="Arial"/>
             </a:endParaRPr>
           </a:p>
@@ -5721,12 +5721,12 @@
               <a:buChar char=""/>
             </a:pPr>
             <a:r>
-              <a:rPr b="0" lang="pt-BR" sz="2000" spc="-1" strike="noStrike">
+              <a:rPr b="0" lang="en-US" sz="2000" spc="-1" strike="noStrike">
                 <a:latin typeface="Arial"/>
               </a:rPr>
               <a:t>Seventh Outline Level</a:t>
             </a:r>
-            <a:endParaRPr b="0" lang="pt-BR" sz="2000" spc="-1" strike="noStrike">
+            <a:endParaRPr b="0" lang="en-US" sz="2000" spc="-1" strike="noStrike">
               <a:latin typeface="Arial"/>
             </a:endParaRPr>
           </a:p>
@@ -5778,7 +5778,7 @@
         <p:spPr>
           <a:xfrm>
             <a:off x="360000" y="3330000"/>
-            <a:ext cx="9355680" cy="895680"/>
+            <a:ext cx="9355320" cy="895320"/>
           </a:xfrm>
           <a:prstGeom prst="rect">
             <a:avLst/>
@@ -5815,7 +5815,7 @@
               </a:rPr>
               <a:t>Lecture 06 - Image Descriptors</a:t>
             </a:r>
-            <a:endParaRPr b="0" lang="pt-BR" sz="3200" spc="-1" strike="noStrike">
+            <a:endParaRPr b="0" lang="en-US" sz="3200" spc="-1" strike="noStrike">
               <a:latin typeface="Arial"/>
             </a:endParaRPr>
           </a:p>
@@ -5830,7 +5830,7 @@
         <p:spPr>
           <a:xfrm>
             <a:off x="540000" y="4680000"/>
-            <a:ext cx="9175680" cy="2515680"/>
+            <a:ext cx="9175320" cy="2515320"/>
           </a:xfrm>
           <a:prstGeom prst="rect">
             <a:avLst/>
@@ -5867,18 +5867,18 @@
               </a:rPr>
               <a:t>Prof. André Gustavo Hochuli</a:t>
             </a:r>
-            <a:endParaRPr b="0" lang="pt-BR" sz="2200" spc="-1" strike="noStrike">
-              <a:latin typeface="Arial"/>
-            </a:endParaRPr>
-          </a:p>
-          <a:p>
-            <a:pPr>
-              <a:lnSpc>
-                <a:spcPct val="100000"/>
-              </a:lnSpc>
-              <a:buNone/>
-            </a:pPr>
-            <a:endParaRPr b="0" lang="pt-BR" sz="2200" spc="-1" strike="noStrike">
+            <a:endParaRPr b="0" lang="en-US" sz="2200" spc="-1" strike="noStrike">
+              <a:latin typeface="Arial"/>
+            </a:endParaRPr>
+          </a:p>
+          <a:p>
+            <a:pPr>
+              <a:lnSpc>
+                <a:spcPct val="100000"/>
+              </a:lnSpc>
+              <a:buNone/>
+            </a:pPr>
+            <a:endParaRPr b="0" lang="en-US" sz="2200" spc="-1" strike="noStrike">
               <a:latin typeface="Arial"/>
             </a:endParaRPr>
           </a:p>
@@ -5901,7 +5901,7 @@
               </a:rPr>
               <a:t>gustavo.hochuli@pucpr.br</a:t>
             </a:r>
-            <a:endParaRPr b="0" lang="pt-BR" sz="2200" spc="-1" strike="noStrike">
+            <a:endParaRPr b="0" lang="en-US" sz="2200" spc="-1" strike="noStrike">
               <a:latin typeface="Arial"/>
             </a:endParaRPr>
           </a:p>
@@ -5924,73 +5924,73 @@
               </a:rPr>
               <a:t>aghochuli@ppgia.pucpr.br</a:t>
             </a:r>
-            <a:endParaRPr b="0" lang="pt-BR" sz="2200" spc="-1" strike="noStrike">
-              <a:latin typeface="Arial"/>
-            </a:endParaRPr>
-          </a:p>
-          <a:p>
-            <a:pPr>
-              <a:lnSpc>
-                <a:spcPct val="100000"/>
-              </a:lnSpc>
-              <a:buNone/>
-            </a:pPr>
-            <a:endParaRPr b="0" lang="pt-BR" sz="2200" spc="-1" strike="noStrike">
-              <a:latin typeface="Arial"/>
-            </a:endParaRPr>
-          </a:p>
-          <a:p>
-            <a:pPr>
-              <a:lnSpc>
-                <a:spcPct val="100000"/>
-              </a:lnSpc>
-              <a:buNone/>
-            </a:pPr>
-            <a:endParaRPr b="0" lang="pt-BR" sz="2200" spc="-1" strike="noStrike">
-              <a:latin typeface="Arial"/>
-            </a:endParaRPr>
-          </a:p>
-          <a:p>
-            <a:pPr>
-              <a:lnSpc>
-                <a:spcPct val="100000"/>
-              </a:lnSpc>
-              <a:buNone/>
-            </a:pPr>
-            <a:endParaRPr b="0" lang="pt-BR" sz="2200" spc="-1" strike="noStrike">
-              <a:latin typeface="Arial"/>
-            </a:endParaRPr>
-          </a:p>
-          <a:p>
-            <a:pPr>
-              <a:lnSpc>
-                <a:spcPct val="100000"/>
-              </a:lnSpc>
-              <a:buNone/>
-            </a:pPr>
-            <a:endParaRPr b="0" lang="pt-BR" sz="2200" spc="-1" strike="noStrike">
-              <a:latin typeface="Arial"/>
-            </a:endParaRPr>
-          </a:p>
-          <a:p>
-            <a:pPr>
-              <a:lnSpc>
-                <a:spcPct val="100000"/>
-              </a:lnSpc>
-              <a:buNone/>
-            </a:pPr>
-            <a:endParaRPr b="0" lang="pt-BR" sz="2200" spc="-1" strike="noStrike">
-              <a:latin typeface="Arial"/>
-            </a:endParaRPr>
-          </a:p>
-          <a:p>
-            <a:pPr>
-              <a:lnSpc>
-                <a:spcPct val="100000"/>
-              </a:lnSpc>
-              <a:buNone/>
-            </a:pPr>
-            <a:endParaRPr b="0" lang="pt-BR" sz="2200" spc="-1" strike="noStrike">
+            <a:endParaRPr b="0" lang="en-US" sz="2200" spc="-1" strike="noStrike">
+              <a:latin typeface="Arial"/>
+            </a:endParaRPr>
+          </a:p>
+          <a:p>
+            <a:pPr>
+              <a:lnSpc>
+                <a:spcPct val="100000"/>
+              </a:lnSpc>
+              <a:buNone/>
+            </a:pPr>
+            <a:endParaRPr b="0" lang="en-US" sz="2200" spc="-1" strike="noStrike">
+              <a:latin typeface="Arial"/>
+            </a:endParaRPr>
+          </a:p>
+          <a:p>
+            <a:pPr>
+              <a:lnSpc>
+                <a:spcPct val="100000"/>
+              </a:lnSpc>
+              <a:buNone/>
+            </a:pPr>
+            <a:endParaRPr b="0" lang="en-US" sz="2200" spc="-1" strike="noStrike">
+              <a:latin typeface="Arial"/>
+            </a:endParaRPr>
+          </a:p>
+          <a:p>
+            <a:pPr>
+              <a:lnSpc>
+                <a:spcPct val="100000"/>
+              </a:lnSpc>
+              <a:buNone/>
+            </a:pPr>
+            <a:endParaRPr b="0" lang="en-US" sz="2200" spc="-1" strike="noStrike">
+              <a:latin typeface="Arial"/>
+            </a:endParaRPr>
+          </a:p>
+          <a:p>
+            <a:pPr>
+              <a:lnSpc>
+                <a:spcPct val="100000"/>
+              </a:lnSpc>
+              <a:buNone/>
+            </a:pPr>
+            <a:endParaRPr b="0" lang="en-US" sz="2200" spc="-1" strike="noStrike">
+              <a:latin typeface="Arial"/>
+            </a:endParaRPr>
+          </a:p>
+          <a:p>
+            <a:pPr>
+              <a:lnSpc>
+                <a:spcPct val="100000"/>
+              </a:lnSpc>
+              <a:buNone/>
+            </a:pPr>
+            <a:endParaRPr b="0" lang="en-US" sz="2200" spc="-1" strike="noStrike">
+              <a:latin typeface="Arial"/>
+            </a:endParaRPr>
+          </a:p>
+          <a:p>
+            <a:pPr>
+              <a:lnSpc>
+                <a:spcPct val="100000"/>
+              </a:lnSpc>
+              <a:buNone/>
+            </a:pPr>
+            <a:endParaRPr b="0" lang="en-US" sz="2200" spc="-1" strike="noStrike">
               <a:latin typeface="Arial"/>
             </a:endParaRPr>
           </a:p>
@@ -6035,7 +6035,7 @@
         <p:spPr>
           <a:xfrm>
             <a:off x="360000" y="360000"/>
-            <a:ext cx="9355680" cy="895680"/>
+            <a:ext cx="9355320" cy="895320"/>
           </a:xfrm>
           <a:prstGeom prst="rect">
             <a:avLst/>
@@ -6072,7 +6072,7 @@
               </a:rPr>
               <a:t>Image Descriptors – Shape / Edges</a:t>
             </a:r>
-            <a:endParaRPr b="0" lang="pt-BR" sz="3200" spc="-1" strike="noStrike">
+            <a:endParaRPr b="0" lang="en-US" sz="3200" spc="-1" strike="noStrike">
               <a:latin typeface="Arial"/>
             </a:endParaRPr>
           </a:p>
@@ -6087,7 +6087,7 @@
         <p:spPr>
           <a:xfrm>
             <a:off x="897120" y="6886080"/>
-            <a:ext cx="6442920" cy="360720"/>
+            <a:ext cx="6442560" cy="360360"/>
           </a:xfrm>
           <a:prstGeom prst="rect">
             <a:avLst/>
@@ -6124,7 +6124,7 @@
               </a:rPr>
               <a:t>Computer Vision - Prof. André Hochuli</a:t>
             </a:r>
-            <a:endParaRPr b="0" lang="pt-BR" sz="1800" spc="-1" strike="noStrike">
+            <a:endParaRPr b="0" lang="en-US" sz="1800" spc="-1" strike="noStrike">
               <a:latin typeface="Arial"/>
             </a:endParaRPr>
           </a:p>
@@ -6139,7 +6139,7 @@
         <p:spPr>
           <a:xfrm>
             <a:off x="200160" y="1689840"/>
-            <a:ext cx="9515520" cy="4478760"/>
+            <a:ext cx="9515160" cy="4478760"/>
           </a:xfrm>
           <a:prstGeom prst="rect">
             <a:avLst/>
@@ -6180,7 +6180,7 @@
               </a:rPr>
               <a:t>Canny</a:t>
             </a:r>
-            <a:endParaRPr b="0" lang="pt-BR" sz="1800" spc="-1" strike="noStrike">
+            <a:endParaRPr b="0" lang="en-US" sz="1800" spc="-1" strike="noStrike">
               <a:latin typeface="Arial"/>
             </a:endParaRPr>
           </a:p>
@@ -6205,7 +6205,7 @@
               </a:rPr>
               <a:t>Gaussian Gradient Based Filter (John F. Canny 1986)</a:t>
             </a:r>
-            <a:endParaRPr b="0" lang="pt-BR" sz="1800" spc="-1" strike="noStrike">
+            <a:endParaRPr b="0" lang="en-US" sz="1800" spc="-1" strike="noStrike">
               <a:latin typeface="Arial"/>
             </a:endParaRPr>
           </a:p>
@@ -6231,7 +6231,7 @@
               </a:rPr>
               <a:t>Gaussian Blur </a:t>
             </a:r>
-            <a:endParaRPr b="0" lang="pt-BR" sz="1800" spc="-1" strike="noStrike">
+            <a:endParaRPr b="0" lang="en-US" sz="1800" spc="-1" strike="noStrike">
               <a:latin typeface="Arial"/>
             </a:endParaRPr>
           </a:p>
@@ -6257,144 +6257,139 @@
               </a:rPr>
               <a:t>Gradient Detection</a:t>
             </a:r>
-            <a:endParaRPr b="0" lang="pt-BR" sz="1800" spc="-1" strike="noStrike">
-              <a:latin typeface="Arial"/>
-            </a:endParaRPr>
-          </a:p>
-          <a:p>
-            <a:pPr lvl="3" marL="864000" indent="-216000">
-              <a:lnSpc>
-                <a:spcPct val="100000"/>
-              </a:lnSpc>
-              <a:buClr>
-                <a:srgbClr val="000000"/>
-              </a:buClr>
-              <a:buSzPct val="45000"/>
-              <a:buFont typeface="Wingdings" charset="2"/>
-              <a:buChar char=""/>
-            </a:pPr>
-            <a:endParaRPr b="0" lang="pt-BR" sz="1800" spc="-1" strike="noStrike">
-              <a:latin typeface="Arial"/>
-            </a:endParaRPr>
-          </a:p>
-          <a:p>
-            <a:pPr>
-              <a:lnSpc>
-                <a:spcPct val="100000"/>
-              </a:lnSpc>
-              <a:buNone/>
-            </a:pPr>
-            <a:endParaRPr b="0" lang="pt-BR" sz="1800" spc="-1" strike="noStrike">
-              <a:latin typeface="Arial"/>
-            </a:endParaRPr>
-          </a:p>
-          <a:p>
-            <a:pPr>
-              <a:lnSpc>
-                <a:spcPct val="100000"/>
-              </a:lnSpc>
-              <a:buNone/>
-            </a:pPr>
-            <a:endParaRPr b="0" lang="pt-BR" sz="1800" spc="-1" strike="noStrike">
-              <a:latin typeface="Arial"/>
-            </a:endParaRPr>
-          </a:p>
-          <a:p>
-            <a:pPr>
-              <a:lnSpc>
-                <a:spcPct val="100000"/>
-              </a:lnSpc>
-              <a:buNone/>
-            </a:pPr>
-            <a:endParaRPr b="0" lang="pt-BR" sz="1800" spc="-1" strike="noStrike">
-              <a:latin typeface="Arial"/>
-            </a:endParaRPr>
-          </a:p>
-          <a:p>
-            <a:pPr>
-              <a:lnSpc>
-                <a:spcPct val="100000"/>
-              </a:lnSpc>
-              <a:buNone/>
-            </a:pPr>
-            <a:endParaRPr b="0" lang="pt-BR" sz="1800" spc="-1" strike="noStrike">
-              <a:latin typeface="Arial"/>
-            </a:endParaRPr>
-          </a:p>
-          <a:p>
-            <a:pPr>
-              <a:lnSpc>
-                <a:spcPct val="100000"/>
-              </a:lnSpc>
-              <a:buNone/>
-            </a:pPr>
-            <a:endParaRPr b="0" lang="pt-BR" sz="1800" spc="-1" strike="noStrike">
-              <a:latin typeface="Arial"/>
-            </a:endParaRPr>
-          </a:p>
-          <a:p>
-            <a:pPr>
-              <a:lnSpc>
-                <a:spcPct val="100000"/>
-              </a:lnSpc>
-              <a:buNone/>
-            </a:pPr>
-            <a:endParaRPr b="0" lang="pt-BR" sz="1800" spc="-1" strike="noStrike">
-              <a:latin typeface="Arial"/>
-            </a:endParaRPr>
-          </a:p>
-          <a:p>
-            <a:pPr>
-              <a:lnSpc>
-                <a:spcPct val="100000"/>
-              </a:lnSpc>
-              <a:buNone/>
-            </a:pPr>
-            <a:endParaRPr b="0" lang="pt-BR" sz="1800" spc="-1" strike="noStrike">
-              <a:latin typeface="Arial"/>
-            </a:endParaRPr>
-          </a:p>
-          <a:p>
-            <a:pPr>
-              <a:lnSpc>
-                <a:spcPct val="100000"/>
-              </a:lnSpc>
-              <a:buNone/>
-            </a:pPr>
-            <a:endParaRPr b="0" lang="pt-BR" sz="1800" spc="-1" strike="noStrike">
-              <a:latin typeface="Arial"/>
-            </a:endParaRPr>
-          </a:p>
-          <a:p>
-            <a:pPr>
-              <a:lnSpc>
-                <a:spcPct val="100000"/>
-              </a:lnSpc>
-              <a:buNone/>
-            </a:pPr>
-            <a:endParaRPr b="0" lang="pt-BR" sz="1800" spc="-1" strike="noStrike">
-              <a:latin typeface="Arial"/>
-            </a:endParaRPr>
-          </a:p>
-          <a:p>
-            <a:pPr>
-              <a:lnSpc>
-                <a:spcPct val="100000"/>
-              </a:lnSpc>
-              <a:buNone/>
-            </a:pPr>
-            <a:endParaRPr b="0" lang="pt-BR" sz="1800" spc="-1" strike="noStrike">
-              <a:latin typeface="Arial"/>
-            </a:endParaRPr>
-          </a:p>
-          <a:p>
-            <a:pPr>
-              <a:lnSpc>
-                <a:spcPct val="100000"/>
-              </a:lnSpc>
-              <a:buNone/>
-            </a:pPr>
-            <a:endParaRPr b="0" lang="pt-BR" sz="1800" spc="-1" strike="noStrike">
+            <a:endParaRPr b="0" lang="en-US" sz="1800" spc="-1" strike="noStrike">
+              <a:latin typeface="Arial"/>
+            </a:endParaRPr>
+          </a:p>
+          <a:p>
+            <a:pPr>
+              <a:lnSpc>
+                <a:spcPct val="100000"/>
+              </a:lnSpc>
+              <a:buNone/>
+            </a:pPr>
+            <a:endParaRPr b="0" lang="en-US" sz="1800" spc="-1" strike="noStrike">
+              <a:latin typeface="Arial"/>
+            </a:endParaRPr>
+          </a:p>
+          <a:p>
+            <a:pPr>
+              <a:lnSpc>
+                <a:spcPct val="100000"/>
+              </a:lnSpc>
+              <a:buNone/>
+            </a:pPr>
+            <a:endParaRPr b="0" lang="en-US" sz="1800" spc="-1" strike="noStrike">
+              <a:latin typeface="Arial"/>
+            </a:endParaRPr>
+          </a:p>
+          <a:p>
+            <a:pPr>
+              <a:lnSpc>
+                <a:spcPct val="100000"/>
+              </a:lnSpc>
+              <a:buNone/>
+            </a:pPr>
+            <a:endParaRPr b="0" lang="en-US" sz="1800" spc="-1" strike="noStrike">
+              <a:latin typeface="Arial"/>
+            </a:endParaRPr>
+          </a:p>
+          <a:p>
+            <a:pPr>
+              <a:lnSpc>
+                <a:spcPct val="100000"/>
+              </a:lnSpc>
+              <a:buNone/>
+            </a:pPr>
+            <a:endParaRPr b="0" lang="en-US" sz="1800" spc="-1" strike="noStrike">
+              <a:latin typeface="Arial"/>
+            </a:endParaRPr>
+          </a:p>
+          <a:p>
+            <a:pPr>
+              <a:lnSpc>
+                <a:spcPct val="100000"/>
+              </a:lnSpc>
+              <a:buNone/>
+            </a:pPr>
+            <a:endParaRPr b="0" lang="en-US" sz="1800" spc="-1" strike="noStrike">
+              <a:latin typeface="Arial"/>
+            </a:endParaRPr>
+          </a:p>
+          <a:p>
+            <a:pPr>
+              <a:lnSpc>
+                <a:spcPct val="100000"/>
+              </a:lnSpc>
+              <a:buNone/>
+            </a:pPr>
+            <a:endParaRPr b="0" lang="en-US" sz="1800" spc="-1" strike="noStrike">
+              <a:latin typeface="Arial"/>
+            </a:endParaRPr>
+          </a:p>
+          <a:p>
+            <a:pPr>
+              <a:lnSpc>
+                <a:spcPct val="100000"/>
+              </a:lnSpc>
+              <a:buNone/>
+            </a:pPr>
+            <a:endParaRPr b="0" lang="en-US" sz="1800" spc="-1" strike="noStrike">
+              <a:latin typeface="Arial"/>
+            </a:endParaRPr>
+          </a:p>
+          <a:p>
+            <a:pPr>
+              <a:lnSpc>
+                <a:spcPct val="100000"/>
+              </a:lnSpc>
+              <a:buNone/>
+            </a:pPr>
+            <a:endParaRPr b="0" lang="en-US" sz="1800" spc="-1" strike="noStrike">
+              <a:latin typeface="Arial"/>
+            </a:endParaRPr>
+          </a:p>
+          <a:p>
+            <a:pPr>
+              <a:lnSpc>
+                <a:spcPct val="100000"/>
+              </a:lnSpc>
+              <a:buNone/>
+            </a:pPr>
+            <a:endParaRPr b="0" lang="en-US" sz="1800" spc="-1" strike="noStrike">
+              <a:latin typeface="Arial"/>
+            </a:endParaRPr>
+          </a:p>
+          <a:p>
+            <a:pPr>
+              <a:lnSpc>
+                <a:spcPct val="100000"/>
+              </a:lnSpc>
+              <a:buNone/>
+            </a:pPr>
+            <a:endParaRPr b="0" lang="en-US" sz="1800" spc="-1" strike="noStrike">
+              <a:latin typeface="Arial"/>
+            </a:endParaRPr>
+          </a:p>
+          <a:p>
+            <a:pPr>
+              <a:lnSpc>
+                <a:spcPct val="100000"/>
+              </a:lnSpc>
+              <a:buNone/>
+            </a:pPr>
+            <a:endParaRPr b="0" lang="en-US" sz="1800" spc="-1" strike="noStrike">
+              <a:latin typeface="Arial"/>
+            </a:endParaRPr>
+          </a:p>
+          <a:p>
+            <a:pPr>
+              <a:lnSpc>
+                <a:spcPct val="100000"/>
+              </a:lnSpc>
+              <a:buNone/>
+            </a:pPr>
+            <a:endParaRPr b="0" lang="en-US" sz="1800" spc="-1" strike="noStrike">
               <a:latin typeface="Arial"/>
             </a:endParaRPr>
           </a:p>
@@ -6413,7 +6408,7 @@
         <p:spPr>
           <a:xfrm>
             <a:off x="611640" y="3390840"/>
-            <a:ext cx="4144680" cy="1991880"/>
+            <a:ext cx="4144320" cy="1991520"/>
           </a:xfrm>
           <a:prstGeom prst="rect">
             <a:avLst/>
@@ -6436,7 +6431,7 @@
         <p:spPr>
           <a:xfrm>
             <a:off x="6305760" y="1532880"/>
-            <a:ext cx="3162600" cy="5258880"/>
+            <a:ext cx="3162240" cy="5258520"/>
           </a:xfrm>
           <a:prstGeom prst="rect">
             <a:avLst/>
@@ -6455,7 +6450,7 @@
         <p:spPr>
           <a:xfrm>
             <a:off x="7608600" y="6886080"/>
-            <a:ext cx="2280960" cy="360720"/>
+            <a:ext cx="2280600" cy="360360"/>
           </a:xfrm>
           <a:prstGeom prst="rect">
             <a:avLst/>
@@ -6502,7 +6497,7 @@
               </a:rPr>
               <a:t> 06</a:t>
             </a:r>
-            <a:endParaRPr b="0" lang="pt-BR" sz="1800" spc="-1" strike="noStrike">
+            <a:endParaRPr b="0" lang="en-US" sz="1800" spc="-1" strike="noStrike">
               <a:latin typeface="Arial"/>
             </a:endParaRPr>
           </a:p>
@@ -6547,7 +6542,7 @@
         <p:spPr>
           <a:xfrm>
             <a:off x="360000" y="360000"/>
-            <a:ext cx="9355680" cy="895680"/>
+            <a:ext cx="9355320" cy="895320"/>
           </a:xfrm>
           <a:prstGeom prst="rect">
             <a:avLst/>
@@ -6584,7 +6579,7 @@
               </a:rPr>
               <a:t>Image Descriptors – Shape / Edges</a:t>
             </a:r>
-            <a:endParaRPr b="0" lang="pt-BR" sz="3200" spc="-1" strike="noStrike">
+            <a:endParaRPr b="0" lang="en-US" sz="3200" spc="-1" strike="noStrike">
               <a:latin typeface="Arial"/>
             </a:endParaRPr>
           </a:p>
@@ -6599,7 +6594,7 @@
         <p:spPr>
           <a:xfrm>
             <a:off x="897120" y="6886080"/>
-            <a:ext cx="6442920" cy="360720"/>
+            <a:ext cx="6442560" cy="360360"/>
           </a:xfrm>
           <a:prstGeom prst="rect">
             <a:avLst/>
@@ -6636,7 +6631,7 @@
               </a:rPr>
               <a:t>Computer Vision - Prof. André Hochuli</a:t>
             </a:r>
-            <a:endParaRPr b="0" lang="pt-BR" sz="1800" spc="-1" strike="noStrike">
+            <a:endParaRPr b="0" lang="en-US" sz="1800" spc="-1" strike="noStrike">
               <a:latin typeface="Arial"/>
             </a:endParaRPr>
           </a:p>
@@ -6651,7 +6646,7 @@
         <p:spPr>
           <a:xfrm>
             <a:off x="200160" y="1689840"/>
-            <a:ext cx="9515520" cy="3381480"/>
+            <a:ext cx="9515160" cy="3381480"/>
           </a:xfrm>
           <a:prstGeom prst="rect">
             <a:avLst/>
@@ -6678,128 +6673,128 @@
               </a:lnSpc>
               <a:buNone/>
             </a:pPr>
-            <a:endParaRPr b="0" lang="pt-BR" sz="1800" spc="-1" strike="noStrike">
-              <a:latin typeface="Arial"/>
-            </a:endParaRPr>
-          </a:p>
-          <a:p>
-            <a:pPr>
-              <a:lnSpc>
-                <a:spcPct val="100000"/>
-              </a:lnSpc>
-              <a:buNone/>
-            </a:pPr>
-            <a:endParaRPr b="0" lang="pt-BR" sz="1800" spc="-1" strike="noStrike">
-              <a:latin typeface="Arial"/>
-            </a:endParaRPr>
-          </a:p>
-          <a:p>
-            <a:pPr>
-              <a:lnSpc>
-                <a:spcPct val="100000"/>
-              </a:lnSpc>
-              <a:buNone/>
-            </a:pPr>
-            <a:endParaRPr b="0" lang="pt-BR" sz="1800" spc="-1" strike="noStrike">
-              <a:latin typeface="Arial"/>
-            </a:endParaRPr>
-          </a:p>
-          <a:p>
-            <a:pPr>
-              <a:lnSpc>
-                <a:spcPct val="100000"/>
-              </a:lnSpc>
-              <a:buNone/>
-            </a:pPr>
-            <a:endParaRPr b="0" lang="pt-BR" sz="1800" spc="-1" strike="noStrike">
-              <a:latin typeface="Arial"/>
-            </a:endParaRPr>
-          </a:p>
-          <a:p>
-            <a:pPr>
-              <a:lnSpc>
-                <a:spcPct val="100000"/>
-              </a:lnSpc>
-              <a:buNone/>
-            </a:pPr>
-            <a:endParaRPr b="0" lang="pt-BR" sz="1800" spc="-1" strike="noStrike">
-              <a:latin typeface="Arial"/>
-            </a:endParaRPr>
-          </a:p>
-          <a:p>
-            <a:pPr>
-              <a:lnSpc>
-                <a:spcPct val="100000"/>
-              </a:lnSpc>
-              <a:buNone/>
-            </a:pPr>
-            <a:endParaRPr b="0" lang="pt-BR" sz="1800" spc="-1" strike="noStrike">
-              <a:latin typeface="Arial"/>
-            </a:endParaRPr>
-          </a:p>
-          <a:p>
-            <a:pPr>
-              <a:lnSpc>
-                <a:spcPct val="100000"/>
-              </a:lnSpc>
-              <a:buNone/>
-            </a:pPr>
-            <a:endParaRPr b="0" lang="pt-BR" sz="1800" spc="-1" strike="noStrike">
-              <a:latin typeface="Arial"/>
-            </a:endParaRPr>
-          </a:p>
-          <a:p>
-            <a:pPr>
-              <a:lnSpc>
-                <a:spcPct val="100000"/>
-              </a:lnSpc>
-              <a:buNone/>
-            </a:pPr>
-            <a:endParaRPr b="0" lang="pt-BR" sz="1800" spc="-1" strike="noStrike">
-              <a:latin typeface="Arial"/>
-            </a:endParaRPr>
-          </a:p>
-          <a:p>
-            <a:pPr>
-              <a:lnSpc>
-                <a:spcPct val="100000"/>
-              </a:lnSpc>
-              <a:buNone/>
-            </a:pPr>
-            <a:endParaRPr b="0" lang="pt-BR" sz="1800" spc="-1" strike="noStrike">
-              <a:latin typeface="Arial"/>
-            </a:endParaRPr>
-          </a:p>
-          <a:p>
-            <a:pPr>
-              <a:lnSpc>
-                <a:spcPct val="100000"/>
-              </a:lnSpc>
-              <a:buNone/>
-            </a:pPr>
-            <a:endParaRPr b="0" lang="pt-BR" sz="1800" spc="-1" strike="noStrike">
-              <a:latin typeface="Arial"/>
-            </a:endParaRPr>
-          </a:p>
-          <a:p>
-            <a:pPr>
-              <a:lnSpc>
-                <a:spcPct val="100000"/>
-              </a:lnSpc>
-              <a:buNone/>
-            </a:pPr>
-            <a:endParaRPr b="0" lang="pt-BR" sz="1800" spc="-1" strike="noStrike">
-              <a:latin typeface="Arial"/>
-            </a:endParaRPr>
-          </a:p>
-          <a:p>
-            <a:pPr>
-              <a:lnSpc>
-                <a:spcPct val="100000"/>
-              </a:lnSpc>
-              <a:buNone/>
-            </a:pPr>
-            <a:endParaRPr b="0" lang="pt-BR" sz="1800" spc="-1" strike="noStrike">
+            <a:endParaRPr b="0" lang="en-US" sz="1800" spc="-1" strike="noStrike">
+              <a:latin typeface="Arial"/>
+            </a:endParaRPr>
+          </a:p>
+          <a:p>
+            <a:pPr>
+              <a:lnSpc>
+                <a:spcPct val="100000"/>
+              </a:lnSpc>
+              <a:buNone/>
+            </a:pPr>
+            <a:endParaRPr b="0" lang="en-US" sz="1800" spc="-1" strike="noStrike">
+              <a:latin typeface="Arial"/>
+            </a:endParaRPr>
+          </a:p>
+          <a:p>
+            <a:pPr>
+              <a:lnSpc>
+                <a:spcPct val="100000"/>
+              </a:lnSpc>
+              <a:buNone/>
+            </a:pPr>
+            <a:endParaRPr b="0" lang="en-US" sz="1800" spc="-1" strike="noStrike">
+              <a:latin typeface="Arial"/>
+            </a:endParaRPr>
+          </a:p>
+          <a:p>
+            <a:pPr>
+              <a:lnSpc>
+                <a:spcPct val="100000"/>
+              </a:lnSpc>
+              <a:buNone/>
+            </a:pPr>
+            <a:endParaRPr b="0" lang="en-US" sz="1800" spc="-1" strike="noStrike">
+              <a:latin typeface="Arial"/>
+            </a:endParaRPr>
+          </a:p>
+          <a:p>
+            <a:pPr>
+              <a:lnSpc>
+                <a:spcPct val="100000"/>
+              </a:lnSpc>
+              <a:buNone/>
+            </a:pPr>
+            <a:endParaRPr b="0" lang="en-US" sz="1800" spc="-1" strike="noStrike">
+              <a:latin typeface="Arial"/>
+            </a:endParaRPr>
+          </a:p>
+          <a:p>
+            <a:pPr>
+              <a:lnSpc>
+                <a:spcPct val="100000"/>
+              </a:lnSpc>
+              <a:buNone/>
+            </a:pPr>
+            <a:endParaRPr b="0" lang="en-US" sz="1800" spc="-1" strike="noStrike">
+              <a:latin typeface="Arial"/>
+            </a:endParaRPr>
+          </a:p>
+          <a:p>
+            <a:pPr>
+              <a:lnSpc>
+                <a:spcPct val="100000"/>
+              </a:lnSpc>
+              <a:buNone/>
+            </a:pPr>
+            <a:endParaRPr b="0" lang="en-US" sz="1800" spc="-1" strike="noStrike">
+              <a:latin typeface="Arial"/>
+            </a:endParaRPr>
+          </a:p>
+          <a:p>
+            <a:pPr>
+              <a:lnSpc>
+                <a:spcPct val="100000"/>
+              </a:lnSpc>
+              <a:buNone/>
+            </a:pPr>
+            <a:endParaRPr b="0" lang="en-US" sz="1800" spc="-1" strike="noStrike">
+              <a:latin typeface="Arial"/>
+            </a:endParaRPr>
+          </a:p>
+          <a:p>
+            <a:pPr>
+              <a:lnSpc>
+                <a:spcPct val="100000"/>
+              </a:lnSpc>
+              <a:buNone/>
+            </a:pPr>
+            <a:endParaRPr b="0" lang="en-US" sz="1800" spc="-1" strike="noStrike">
+              <a:latin typeface="Arial"/>
+            </a:endParaRPr>
+          </a:p>
+          <a:p>
+            <a:pPr>
+              <a:lnSpc>
+                <a:spcPct val="100000"/>
+              </a:lnSpc>
+              <a:buNone/>
+            </a:pPr>
+            <a:endParaRPr b="0" lang="en-US" sz="1800" spc="-1" strike="noStrike">
+              <a:latin typeface="Arial"/>
+            </a:endParaRPr>
+          </a:p>
+          <a:p>
+            <a:pPr>
+              <a:lnSpc>
+                <a:spcPct val="100000"/>
+              </a:lnSpc>
+              <a:buNone/>
+            </a:pPr>
+            <a:endParaRPr b="0" lang="en-US" sz="1800" spc="-1" strike="noStrike">
+              <a:latin typeface="Arial"/>
+            </a:endParaRPr>
+          </a:p>
+          <a:p>
+            <a:pPr>
+              <a:lnSpc>
+                <a:spcPct val="100000"/>
+              </a:lnSpc>
+              <a:buNone/>
+            </a:pPr>
+            <a:endParaRPr b="0" lang="en-US" sz="1800" spc="-1" strike="noStrike">
               <a:latin typeface="Arial"/>
             </a:endParaRPr>
           </a:p>
@@ -6818,7 +6813,7 @@
         <p:spPr>
           <a:xfrm>
             <a:off x="2001960" y="1542960"/>
-            <a:ext cx="6297840" cy="5055840"/>
+            <a:ext cx="6297480" cy="5055480"/>
           </a:xfrm>
           <a:prstGeom prst="rect">
             <a:avLst/>
@@ -6837,7 +6832,7 @@
         <p:spPr>
           <a:xfrm>
             <a:off x="7608600" y="6886080"/>
-            <a:ext cx="2280960" cy="360720"/>
+            <a:ext cx="2280600" cy="360360"/>
           </a:xfrm>
           <a:prstGeom prst="rect">
             <a:avLst/>
@@ -6884,7 +6879,7 @@
               </a:rPr>
               <a:t> 06</a:t>
             </a:r>
-            <a:endParaRPr b="0" lang="pt-BR" sz="1800" spc="-1" strike="noStrike">
+            <a:endParaRPr b="0" lang="en-US" sz="1800" spc="-1" strike="noStrike">
               <a:latin typeface="Arial"/>
             </a:endParaRPr>
           </a:p>
@@ -6929,7 +6924,7 @@
         <p:spPr>
           <a:xfrm>
             <a:off x="360000" y="360000"/>
-            <a:ext cx="9355680" cy="895680"/>
+            <a:ext cx="9355320" cy="895320"/>
           </a:xfrm>
           <a:prstGeom prst="rect">
             <a:avLst/>
@@ -6966,7 +6961,7 @@
               </a:rPr>
               <a:t>Image Descriptors – Shape / Edges</a:t>
             </a:r>
-            <a:endParaRPr b="0" lang="pt-BR" sz="3200" spc="-1" strike="noStrike">
+            <a:endParaRPr b="0" lang="en-US" sz="3200" spc="-1" strike="noStrike">
               <a:latin typeface="Arial"/>
             </a:endParaRPr>
           </a:p>
@@ -6981,7 +6976,7 @@
         <p:spPr>
           <a:xfrm>
             <a:off x="897120" y="6886080"/>
-            <a:ext cx="6442920" cy="360720"/>
+            <a:ext cx="6442560" cy="360360"/>
           </a:xfrm>
           <a:prstGeom prst="rect">
             <a:avLst/>
@@ -7018,7 +7013,7 @@
               </a:rPr>
               <a:t>Computer Vision - Prof. André Hochuli</a:t>
             </a:r>
-            <a:endParaRPr b="0" lang="pt-BR" sz="1800" spc="-1" strike="noStrike">
+            <a:endParaRPr b="0" lang="en-US" sz="1800" spc="-1" strike="noStrike">
               <a:latin typeface="Arial"/>
             </a:endParaRPr>
           </a:p>
@@ -7033,7 +7028,7 @@
         <p:spPr>
           <a:xfrm>
             <a:off x="200160" y="1689840"/>
-            <a:ext cx="9515520" cy="3381480"/>
+            <a:ext cx="9515160" cy="3381480"/>
           </a:xfrm>
           <a:prstGeom prst="rect">
             <a:avLst/>
@@ -7060,128 +7055,128 @@
               </a:lnSpc>
               <a:buNone/>
             </a:pPr>
-            <a:endParaRPr b="0" lang="pt-BR" sz="1800" spc="-1" strike="noStrike">
-              <a:latin typeface="Arial"/>
-            </a:endParaRPr>
-          </a:p>
-          <a:p>
-            <a:pPr>
-              <a:lnSpc>
-                <a:spcPct val="100000"/>
-              </a:lnSpc>
-              <a:buNone/>
-            </a:pPr>
-            <a:endParaRPr b="0" lang="pt-BR" sz="1800" spc="-1" strike="noStrike">
-              <a:latin typeface="Arial"/>
-            </a:endParaRPr>
-          </a:p>
-          <a:p>
-            <a:pPr>
-              <a:lnSpc>
-                <a:spcPct val="100000"/>
-              </a:lnSpc>
-              <a:buNone/>
-            </a:pPr>
-            <a:endParaRPr b="0" lang="pt-BR" sz="1800" spc="-1" strike="noStrike">
-              <a:latin typeface="Arial"/>
-            </a:endParaRPr>
-          </a:p>
-          <a:p>
-            <a:pPr>
-              <a:lnSpc>
-                <a:spcPct val="100000"/>
-              </a:lnSpc>
-              <a:buNone/>
-            </a:pPr>
-            <a:endParaRPr b="0" lang="pt-BR" sz="1800" spc="-1" strike="noStrike">
-              <a:latin typeface="Arial"/>
-            </a:endParaRPr>
-          </a:p>
-          <a:p>
-            <a:pPr>
-              <a:lnSpc>
-                <a:spcPct val="100000"/>
-              </a:lnSpc>
-              <a:buNone/>
-            </a:pPr>
-            <a:endParaRPr b="0" lang="pt-BR" sz="1800" spc="-1" strike="noStrike">
-              <a:latin typeface="Arial"/>
-            </a:endParaRPr>
-          </a:p>
-          <a:p>
-            <a:pPr>
-              <a:lnSpc>
-                <a:spcPct val="100000"/>
-              </a:lnSpc>
-              <a:buNone/>
-            </a:pPr>
-            <a:endParaRPr b="0" lang="pt-BR" sz="1800" spc="-1" strike="noStrike">
-              <a:latin typeface="Arial"/>
-            </a:endParaRPr>
-          </a:p>
-          <a:p>
-            <a:pPr>
-              <a:lnSpc>
-                <a:spcPct val="100000"/>
-              </a:lnSpc>
-              <a:buNone/>
-            </a:pPr>
-            <a:endParaRPr b="0" lang="pt-BR" sz="1800" spc="-1" strike="noStrike">
-              <a:latin typeface="Arial"/>
-            </a:endParaRPr>
-          </a:p>
-          <a:p>
-            <a:pPr>
-              <a:lnSpc>
-                <a:spcPct val="100000"/>
-              </a:lnSpc>
-              <a:buNone/>
-            </a:pPr>
-            <a:endParaRPr b="0" lang="pt-BR" sz="1800" spc="-1" strike="noStrike">
-              <a:latin typeface="Arial"/>
-            </a:endParaRPr>
-          </a:p>
-          <a:p>
-            <a:pPr>
-              <a:lnSpc>
-                <a:spcPct val="100000"/>
-              </a:lnSpc>
-              <a:buNone/>
-            </a:pPr>
-            <a:endParaRPr b="0" lang="pt-BR" sz="1800" spc="-1" strike="noStrike">
-              <a:latin typeface="Arial"/>
-            </a:endParaRPr>
-          </a:p>
-          <a:p>
-            <a:pPr>
-              <a:lnSpc>
-                <a:spcPct val="100000"/>
-              </a:lnSpc>
-              <a:buNone/>
-            </a:pPr>
-            <a:endParaRPr b="0" lang="pt-BR" sz="1800" spc="-1" strike="noStrike">
-              <a:latin typeface="Arial"/>
-            </a:endParaRPr>
-          </a:p>
-          <a:p>
-            <a:pPr>
-              <a:lnSpc>
-                <a:spcPct val="100000"/>
-              </a:lnSpc>
-              <a:buNone/>
-            </a:pPr>
-            <a:endParaRPr b="0" lang="pt-BR" sz="1800" spc="-1" strike="noStrike">
-              <a:latin typeface="Arial"/>
-            </a:endParaRPr>
-          </a:p>
-          <a:p>
-            <a:pPr>
-              <a:lnSpc>
-                <a:spcPct val="100000"/>
-              </a:lnSpc>
-              <a:buNone/>
-            </a:pPr>
-            <a:endParaRPr b="0" lang="pt-BR" sz="1800" spc="-1" strike="noStrike">
+            <a:endParaRPr b="0" lang="en-US" sz="1800" spc="-1" strike="noStrike">
+              <a:latin typeface="Arial"/>
+            </a:endParaRPr>
+          </a:p>
+          <a:p>
+            <a:pPr>
+              <a:lnSpc>
+                <a:spcPct val="100000"/>
+              </a:lnSpc>
+              <a:buNone/>
+            </a:pPr>
+            <a:endParaRPr b="0" lang="en-US" sz="1800" spc="-1" strike="noStrike">
+              <a:latin typeface="Arial"/>
+            </a:endParaRPr>
+          </a:p>
+          <a:p>
+            <a:pPr>
+              <a:lnSpc>
+                <a:spcPct val="100000"/>
+              </a:lnSpc>
+              <a:buNone/>
+            </a:pPr>
+            <a:endParaRPr b="0" lang="en-US" sz="1800" spc="-1" strike="noStrike">
+              <a:latin typeface="Arial"/>
+            </a:endParaRPr>
+          </a:p>
+          <a:p>
+            <a:pPr>
+              <a:lnSpc>
+                <a:spcPct val="100000"/>
+              </a:lnSpc>
+              <a:buNone/>
+            </a:pPr>
+            <a:endParaRPr b="0" lang="en-US" sz="1800" spc="-1" strike="noStrike">
+              <a:latin typeface="Arial"/>
+            </a:endParaRPr>
+          </a:p>
+          <a:p>
+            <a:pPr>
+              <a:lnSpc>
+                <a:spcPct val="100000"/>
+              </a:lnSpc>
+              <a:buNone/>
+            </a:pPr>
+            <a:endParaRPr b="0" lang="en-US" sz="1800" spc="-1" strike="noStrike">
+              <a:latin typeface="Arial"/>
+            </a:endParaRPr>
+          </a:p>
+          <a:p>
+            <a:pPr>
+              <a:lnSpc>
+                <a:spcPct val="100000"/>
+              </a:lnSpc>
+              <a:buNone/>
+            </a:pPr>
+            <a:endParaRPr b="0" lang="en-US" sz="1800" spc="-1" strike="noStrike">
+              <a:latin typeface="Arial"/>
+            </a:endParaRPr>
+          </a:p>
+          <a:p>
+            <a:pPr>
+              <a:lnSpc>
+                <a:spcPct val="100000"/>
+              </a:lnSpc>
+              <a:buNone/>
+            </a:pPr>
+            <a:endParaRPr b="0" lang="en-US" sz="1800" spc="-1" strike="noStrike">
+              <a:latin typeface="Arial"/>
+            </a:endParaRPr>
+          </a:p>
+          <a:p>
+            <a:pPr>
+              <a:lnSpc>
+                <a:spcPct val="100000"/>
+              </a:lnSpc>
+              <a:buNone/>
+            </a:pPr>
+            <a:endParaRPr b="0" lang="en-US" sz="1800" spc="-1" strike="noStrike">
+              <a:latin typeface="Arial"/>
+            </a:endParaRPr>
+          </a:p>
+          <a:p>
+            <a:pPr>
+              <a:lnSpc>
+                <a:spcPct val="100000"/>
+              </a:lnSpc>
+              <a:buNone/>
+            </a:pPr>
+            <a:endParaRPr b="0" lang="en-US" sz="1800" spc="-1" strike="noStrike">
+              <a:latin typeface="Arial"/>
+            </a:endParaRPr>
+          </a:p>
+          <a:p>
+            <a:pPr>
+              <a:lnSpc>
+                <a:spcPct val="100000"/>
+              </a:lnSpc>
+              <a:buNone/>
+            </a:pPr>
+            <a:endParaRPr b="0" lang="en-US" sz="1800" spc="-1" strike="noStrike">
+              <a:latin typeface="Arial"/>
+            </a:endParaRPr>
+          </a:p>
+          <a:p>
+            <a:pPr>
+              <a:lnSpc>
+                <a:spcPct val="100000"/>
+              </a:lnSpc>
+              <a:buNone/>
+            </a:pPr>
+            <a:endParaRPr b="0" lang="en-US" sz="1800" spc="-1" strike="noStrike">
+              <a:latin typeface="Arial"/>
+            </a:endParaRPr>
+          </a:p>
+          <a:p>
+            <a:pPr>
+              <a:lnSpc>
+                <a:spcPct val="100000"/>
+              </a:lnSpc>
+              <a:buNone/>
+            </a:pPr>
+            <a:endParaRPr b="0" lang="en-US" sz="1800" spc="-1" strike="noStrike">
               <a:latin typeface="Arial"/>
             </a:endParaRPr>
           </a:p>
@@ -7200,7 +7195,7 @@
         <p:spPr>
           <a:xfrm>
             <a:off x="614880" y="1829160"/>
-            <a:ext cx="8686080" cy="2241360"/>
+            <a:ext cx="8685720" cy="2241000"/>
           </a:xfrm>
           <a:prstGeom prst="rect">
             <a:avLst/>
@@ -7223,7 +7218,7 @@
         <p:spPr>
           <a:xfrm>
             <a:off x="614880" y="4563720"/>
-            <a:ext cx="8686080" cy="1166040"/>
+            <a:ext cx="8685720" cy="1165680"/>
           </a:xfrm>
           <a:prstGeom prst="rect">
             <a:avLst/>
@@ -7242,7 +7237,7 @@
         <p:spPr>
           <a:xfrm>
             <a:off x="7608600" y="6886080"/>
-            <a:ext cx="2280960" cy="360720"/>
+            <a:ext cx="2280600" cy="360360"/>
           </a:xfrm>
           <a:prstGeom prst="rect">
             <a:avLst/>
@@ -7289,7 +7284,7 @@
               </a:rPr>
               <a:t> 06</a:t>
             </a:r>
-            <a:endParaRPr b="0" lang="pt-BR" sz="1800" spc="-1" strike="noStrike">
+            <a:endParaRPr b="0" lang="en-US" sz="1800" spc="-1" strike="noStrike">
               <a:latin typeface="Arial"/>
             </a:endParaRPr>
           </a:p>
@@ -7334,7 +7329,7 @@
         <p:spPr>
           <a:xfrm>
             <a:off x="360000" y="360000"/>
-            <a:ext cx="9355680" cy="895680"/>
+            <a:ext cx="9355320" cy="895320"/>
           </a:xfrm>
           <a:prstGeom prst="rect">
             <a:avLst/>
@@ -7371,7 +7366,7 @@
               </a:rPr>
               <a:t>Let’s Code</a:t>
             </a:r>
-            <a:endParaRPr b="0" lang="pt-BR" sz="3200" spc="-1" strike="noStrike">
+            <a:endParaRPr b="0" lang="en-US" sz="3200" spc="-1" strike="noStrike">
               <a:latin typeface="Arial"/>
             </a:endParaRPr>
           </a:p>
@@ -7386,7 +7381,7 @@
         <p:spPr>
           <a:xfrm>
             <a:off x="897120" y="6886080"/>
-            <a:ext cx="6442920" cy="360720"/>
+            <a:ext cx="6442560" cy="360360"/>
           </a:xfrm>
           <a:prstGeom prst="rect">
             <a:avLst/>
@@ -7423,7 +7418,7 @@
               </a:rPr>
               <a:t>Computer Vision - Prof. André Hochuli</a:t>
             </a:r>
-            <a:endParaRPr b="0" lang="pt-BR" sz="1800" spc="-1" strike="noStrike">
+            <a:endParaRPr b="0" lang="en-US" sz="1800" spc="-1" strike="noStrike">
               <a:latin typeface="Arial"/>
             </a:endParaRPr>
           </a:p>
@@ -7438,7 +7433,7 @@
         <p:spPr>
           <a:xfrm>
             <a:off x="7608600" y="6886080"/>
-            <a:ext cx="2280960" cy="360720"/>
+            <a:ext cx="2280600" cy="360360"/>
           </a:xfrm>
           <a:prstGeom prst="rect">
             <a:avLst/>
@@ -7485,7 +7480,7 @@
               </a:rPr>
               <a:t> 06</a:t>
             </a:r>
-            <a:endParaRPr b="0" lang="pt-BR" sz="1800" spc="-1" strike="noStrike">
+            <a:endParaRPr b="0" lang="en-US" sz="1800" spc="-1" strike="noStrike">
               <a:latin typeface="Arial"/>
             </a:endParaRPr>
           </a:p>
@@ -7500,7 +7495,7 @@
         <p:spPr>
           <a:xfrm>
             <a:off x="200160" y="1689840"/>
-            <a:ext cx="9515520" cy="3381480"/>
+            <a:ext cx="9515160" cy="3381480"/>
           </a:xfrm>
           <a:prstGeom prst="rect">
             <a:avLst/>
@@ -7527,128 +7522,128 @@
               </a:lnSpc>
               <a:buNone/>
             </a:pPr>
-            <a:endParaRPr b="0" lang="pt-BR" sz="1800" spc="-1" strike="noStrike">
-              <a:latin typeface="Arial"/>
-            </a:endParaRPr>
-          </a:p>
-          <a:p>
-            <a:pPr>
-              <a:lnSpc>
-                <a:spcPct val="100000"/>
-              </a:lnSpc>
-              <a:buNone/>
-            </a:pPr>
-            <a:endParaRPr b="0" lang="pt-BR" sz="1800" spc="-1" strike="noStrike">
-              <a:latin typeface="Arial"/>
-            </a:endParaRPr>
-          </a:p>
-          <a:p>
-            <a:pPr>
-              <a:lnSpc>
-                <a:spcPct val="100000"/>
-              </a:lnSpc>
-              <a:buNone/>
-            </a:pPr>
-            <a:endParaRPr b="0" lang="pt-BR" sz="1800" spc="-1" strike="noStrike">
-              <a:latin typeface="Arial"/>
-            </a:endParaRPr>
-          </a:p>
-          <a:p>
-            <a:pPr>
-              <a:lnSpc>
-                <a:spcPct val="100000"/>
-              </a:lnSpc>
-              <a:buNone/>
-            </a:pPr>
-            <a:endParaRPr b="0" lang="pt-BR" sz="1800" spc="-1" strike="noStrike">
-              <a:latin typeface="Arial"/>
-            </a:endParaRPr>
-          </a:p>
-          <a:p>
-            <a:pPr>
-              <a:lnSpc>
-                <a:spcPct val="100000"/>
-              </a:lnSpc>
-              <a:buNone/>
-            </a:pPr>
-            <a:endParaRPr b="0" lang="pt-BR" sz="1800" spc="-1" strike="noStrike">
-              <a:latin typeface="Arial"/>
-            </a:endParaRPr>
-          </a:p>
-          <a:p>
-            <a:pPr>
-              <a:lnSpc>
-                <a:spcPct val="100000"/>
-              </a:lnSpc>
-              <a:buNone/>
-            </a:pPr>
-            <a:endParaRPr b="0" lang="pt-BR" sz="1800" spc="-1" strike="noStrike">
-              <a:latin typeface="Arial"/>
-            </a:endParaRPr>
-          </a:p>
-          <a:p>
-            <a:pPr>
-              <a:lnSpc>
-                <a:spcPct val="100000"/>
-              </a:lnSpc>
-              <a:buNone/>
-            </a:pPr>
-            <a:endParaRPr b="0" lang="pt-BR" sz="1800" spc="-1" strike="noStrike">
-              <a:latin typeface="Arial"/>
-            </a:endParaRPr>
-          </a:p>
-          <a:p>
-            <a:pPr>
-              <a:lnSpc>
-                <a:spcPct val="100000"/>
-              </a:lnSpc>
-              <a:buNone/>
-            </a:pPr>
-            <a:endParaRPr b="0" lang="pt-BR" sz="1800" spc="-1" strike="noStrike">
-              <a:latin typeface="Arial"/>
-            </a:endParaRPr>
-          </a:p>
-          <a:p>
-            <a:pPr>
-              <a:lnSpc>
-                <a:spcPct val="100000"/>
-              </a:lnSpc>
-              <a:buNone/>
-            </a:pPr>
-            <a:endParaRPr b="0" lang="pt-BR" sz="1800" spc="-1" strike="noStrike">
-              <a:latin typeface="Arial"/>
-            </a:endParaRPr>
-          </a:p>
-          <a:p>
-            <a:pPr>
-              <a:lnSpc>
-                <a:spcPct val="100000"/>
-              </a:lnSpc>
-              <a:buNone/>
-            </a:pPr>
-            <a:endParaRPr b="0" lang="pt-BR" sz="1800" spc="-1" strike="noStrike">
-              <a:latin typeface="Arial"/>
-            </a:endParaRPr>
-          </a:p>
-          <a:p>
-            <a:pPr>
-              <a:lnSpc>
-                <a:spcPct val="100000"/>
-              </a:lnSpc>
-              <a:buNone/>
-            </a:pPr>
-            <a:endParaRPr b="0" lang="pt-BR" sz="1800" spc="-1" strike="noStrike">
-              <a:latin typeface="Arial"/>
-            </a:endParaRPr>
-          </a:p>
-          <a:p>
-            <a:pPr>
-              <a:lnSpc>
-                <a:spcPct val="100000"/>
-              </a:lnSpc>
-              <a:buNone/>
-            </a:pPr>
-            <a:endParaRPr b="0" lang="pt-BR" sz="1800" spc="-1" strike="noStrike">
+            <a:endParaRPr b="0" lang="en-US" sz="1800" spc="-1" strike="noStrike">
+              <a:latin typeface="Arial"/>
+            </a:endParaRPr>
+          </a:p>
+          <a:p>
+            <a:pPr>
+              <a:lnSpc>
+                <a:spcPct val="100000"/>
+              </a:lnSpc>
+              <a:buNone/>
+            </a:pPr>
+            <a:endParaRPr b="0" lang="en-US" sz="1800" spc="-1" strike="noStrike">
+              <a:latin typeface="Arial"/>
+            </a:endParaRPr>
+          </a:p>
+          <a:p>
+            <a:pPr>
+              <a:lnSpc>
+                <a:spcPct val="100000"/>
+              </a:lnSpc>
+              <a:buNone/>
+            </a:pPr>
+            <a:endParaRPr b="0" lang="en-US" sz="1800" spc="-1" strike="noStrike">
+              <a:latin typeface="Arial"/>
+            </a:endParaRPr>
+          </a:p>
+          <a:p>
+            <a:pPr>
+              <a:lnSpc>
+                <a:spcPct val="100000"/>
+              </a:lnSpc>
+              <a:buNone/>
+            </a:pPr>
+            <a:endParaRPr b="0" lang="en-US" sz="1800" spc="-1" strike="noStrike">
+              <a:latin typeface="Arial"/>
+            </a:endParaRPr>
+          </a:p>
+          <a:p>
+            <a:pPr>
+              <a:lnSpc>
+                <a:spcPct val="100000"/>
+              </a:lnSpc>
+              <a:buNone/>
+            </a:pPr>
+            <a:endParaRPr b="0" lang="en-US" sz="1800" spc="-1" strike="noStrike">
+              <a:latin typeface="Arial"/>
+            </a:endParaRPr>
+          </a:p>
+          <a:p>
+            <a:pPr>
+              <a:lnSpc>
+                <a:spcPct val="100000"/>
+              </a:lnSpc>
+              <a:buNone/>
+            </a:pPr>
+            <a:endParaRPr b="0" lang="en-US" sz="1800" spc="-1" strike="noStrike">
+              <a:latin typeface="Arial"/>
+            </a:endParaRPr>
+          </a:p>
+          <a:p>
+            <a:pPr>
+              <a:lnSpc>
+                <a:spcPct val="100000"/>
+              </a:lnSpc>
+              <a:buNone/>
+            </a:pPr>
+            <a:endParaRPr b="0" lang="en-US" sz="1800" spc="-1" strike="noStrike">
+              <a:latin typeface="Arial"/>
+            </a:endParaRPr>
+          </a:p>
+          <a:p>
+            <a:pPr>
+              <a:lnSpc>
+                <a:spcPct val="100000"/>
+              </a:lnSpc>
+              <a:buNone/>
+            </a:pPr>
+            <a:endParaRPr b="0" lang="en-US" sz="1800" spc="-1" strike="noStrike">
+              <a:latin typeface="Arial"/>
+            </a:endParaRPr>
+          </a:p>
+          <a:p>
+            <a:pPr>
+              <a:lnSpc>
+                <a:spcPct val="100000"/>
+              </a:lnSpc>
+              <a:buNone/>
+            </a:pPr>
+            <a:endParaRPr b="0" lang="en-US" sz="1800" spc="-1" strike="noStrike">
+              <a:latin typeface="Arial"/>
+            </a:endParaRPr>
+          </a:p>
+          <a:p>
+            <a:pPr>
+              <a:lnSpc>
+                <a:spcPct val="100000"/>
+              </a:lnSpc>
+              <a:buNone/>
+            </a:pPr>
+            <a:endParaRPr b="0" lang="en-US" sz="1800" spc="-1" strike="noStrike">
+              <a:latin typeface="Arial"/>
+            </a:endParaRPr>
+          </a:p>
+          <a:p>
+            <a:pPr>
+              <a:lnSpc>
+                <a:spcPct val="100000"/>
+              </a:lnSpc>
+              <a:buNone/>
+            </a:pPr>
+            <a:endParaRPr b="0" lang="en-US" sz="1800" spc="-1" strike="noStrike">
+              <a:latin typeface="Arial"/>
+            </a:endParaRPr>
+          </a:p>
+          <a:p>
+            <a:pPr>
+              <a:lnSpc>
+                <a:spcPct val="100000"/>
+              </a:lnSpc>
+              <a:buNone/>
+            </a:pPr>
+            <a:endParaRPr b="0" lang="en-US" sz="1800" spc="-1" strike="noStrike">
               <a:latin typeface="Arial"/>
             </a:endParaRPr>
           </a:p>
@@ -7663,7 +7658,7 @@
         <p:spPr>
           <a:xfrm>
             <a:off x="200160" y="1689840"/>
-            <a:ext cx="9515520" cy="3381480"/>
+            <a:ext cx="9515160" cy="3381480"/>
           </a:xfrm>
           <a:prstGeom prst="rect">
             <a:avLst/>
@@ -7706,128 +7701,128 @@
               </a:rPr>
               <a:t>LINK</a:t>
             </a:r>
-            <a:endParaRPr b="0" lang="pt-BR" sz="1800" spc="-1" strike="noStrike">
-              <a:latin typeface="Arial"/>
-            </a:endParaRPr>
-          </a:p>
-          <a:p>
-            <a:pPr>
-              <a:lnSpc>
-                <a:spcPct val="100000"/>
-              </a:lnSpc>
-              <a:buNone/>
-            </a:pPr>
-            <a:endParaRPr b="0" lang="pt-BR" sz="1800" spc="-1" strike="noStrike">
-              <a:latin typeface="Arial"/>
-            </a:endParaRPr>
-          </a:p>
-          <a:p>
-            <a:pPr>
-              <a:lnSpc>
-                <a:spcPct val="100000"/>
-              </a:lnSpc>
-              <a:buNone/>
-            </a:pPr>
-            <a:endParaRPr b="0" lang="pt-BR" sz="1800" spc="-1" strike="noStrike">
-              <a:latin typeface="Arial"/>
-            </a:endParaRPr>
-          </a:p>
-          <a:p>
-            <a:pPr>
-              <a:lnSpc>
-                <a:spcPct val="100000"/>
-              </a:lnSpc>
-              <a:buNone/>
-            </a:pPr>
-            <a:endParaRPr b="0" lang="pt-BR" sz="1800" spc="-1" strike="noStrike">
-              <a:latin typeface="Arial"/>
-            </a:endParaRPr>
-          </a:p>
-          <a:p>
-            <a:pPr>
-              <a:lnSpc>
-                <a:spcPct val="100000"/>
-              </a:lnSpc>
-              <a:buNone/>
-            </a:pPr>
-            <a:endParaRPr b="0" lang="pt-BR" sz="1800" spc="-1" strike="noStrike">
-              <a:latin typeface="Arial"/>
-            </a:endParaRPr>
-          </a:p>
-          <a:p>
-            <a:pPr>
-              <a:lnSpc>
-                <a:spcPct val="100000"/>
-              </a:lnSpc>
-              <a:buNone/>
-            </a:pPr>
-            <a:endParaRPr b="0" lang="pt-BR" sz="1800" spc="-1" strike="noStrike">
-              <a:latin typeface="Arial"/>
-            </a:endParaRPr>
-          </a:p>
-          <a:p>
-            <a:pPr>
-              <a:lnSpc>
-                <a:spcPct val="100000"/>
-              </a:lnSpc>
-              <a:buNone/>
-            </a:pPr>
-            <a:endParaRPr b="0" lang="pt-BR" sz="1800" spc="-1" strike="noStrike">
-              <a:latin typeface="Arial"/>
-            </a:endParaRPr>
-          </a:p>
-          <a:p>
-            <a:pPr>
-              <a:lnSpc>
-                <a:spcPct val="100000"/>
-              </a:lnSpc>
-              <a:buNone/>
-            </a:pPr>
-            <a:endParaRPr b="0" lang="pt-BR" sz="1800" spc="-1" strike="noStrike">
-              <a:latin typeface="Arial"/>
-            </a:endParaRPr>
-          </a:p>
-          <a:p>
-            <a:pPr>
-              <a:lnSpc>
-                <a:spcPct val="100000"/>
-              </a:lnSpc>
-              <a:buNone/>
-            </a:pPr>
-            <a:endParaRPr b="0" lang="pt-BR" sz="1800" spc="-1" strike="noStrike">
-              <a:latin typeface="Arial"/>
-            </a:endParaRPr>
-          </a:p>
-          <a:p>
-            <a:pPr>
-              <a:lnSpc>
-                <a:spcPct val="100000"/>
-              </a:lnSpc>
-              <a:buNone/>
-            </a:pPr>
-            <a:endParaRPr b="0" lang="pt-BR" sz="1800" spc="-1" strike="noStrike">
-              <a:latin typeface="Arial"/>
-            </a:endParaRPr>
-          </a:p>
-          <a:p>
-            <a:pPr>
-              <a:lnSpc>
-                <a:spcPct val="100000"/>
-              </a:lnSpc>
-              <a:buNone/>
-            </a:pPr>
-            <a:endParaRPr b="0" lang="pt-BR" sz="1800" spc="-1" strike="noStrike">
-              <a:latin typeface="Arial"/>
-            </a:endParaRPr>
-          </a:p>
-          <a:p>
-            <a:pPr>
-              <a:lnSpc>
-                <a:spcPct val="100000"/>
-              </a:lnSpc>
-              <a:buNone/>
-            </a:pPr>
-            <a:endParaRPr b="0" lang="pt-BR" sz="1800" spc="-1" strike="noStrike">
+            <a:endParaRPr b="0" lang="en-US" sz="1800" spc="-1" strike="noStrike">
+              <a:latin typeface="Arial"/>
+            </a:endParaRPr>
+          </a:p>
+          <a:p>
+            <a:pPr>
+              <a:lnSpc>
+                <a:spcPct val="100000"/>
+              </a:lnSpc>
+              <a:buNone/>
+            </a:pPr>
+            <a:endParaRPr b="0" lang="en-US" sz="1800" spc="-1" strike="noStrike">
+              <a:latin typeface="Arial"/>
+            </a:endParaRPr>
+          </a:p>
+          <a:p>
+            <a:pPr>
+              <a:lnSpc>
+                <a:spcPct val="100000"/>
+              </a:lnSpc>
+              <a:buNone/>
+            </a:pPr>
+            <a:endParaRPr b="0" lang="en-US" sz="1800" spc="-1" strike="noStrike">
+              <a:latin typeface="Arial"/>
+            </a:endParaRPr>
+          </a:p>
+          <a:p>
+            <a:pPr>
+              <a:lnSpc>
+                <a:spcPct val="100000"/>
+              </a:lnSpc>
+              <a:buNone/>
+            </a:pPr>
+            <a:endParaRPr b="0" lang="en-US" sz="1800" spc="-1" strike="noStrike">
+              <a:latin typeface="Arial"/>
+            </a:endParaRPr>
+          </a:p>
+          <a:p>
+            <a:pPr>
+              <a:lnSpc>
+                <a:spcPct val="100000"/>
+              </a:lnSpc>
+              <a:buNone/>
+            </a:pPr>
+            <a:endParaRPr b="0" lang="en-US" sz="1800" spc="-1" strike="noStrike">
+              <a:latin typeface="Arial"/>
+            </a:endParaRPr>
+          </a:p>
+          <a:p>
+            <a:pPr>
+              <a:lnSpc>
+                <a:spcPct val="100000"/>
+              </a:lnSpc>
+              <a:buNone/>
+            </a:pPr>
+            <a:endParaRPr b="0" lang="en-US" sz="1800" spc="-1" strike="noStrike">
+              <a:latin typeface="Arial"/>
+            </a:endParaRPr>
+          </a:p>
+          <a:p>
+            <a:pPr>
+              <a:lnSpc>
+                <a:spcPct val="100000"/>
+              </a:lnSpc>
+              <a:buNone/>
+            </a:pPr>
+            <a:endParaRPr b="0" lang="en-US" sz="1800" spc="-1" strike="noStrike">
+              <a:latin typeface="Arial"/>
+            </a:endParaRPr>
+          </a:p>
+          <a:p>
+            <a:pPr>
+              <a:lnSpc>
+                <a:spcPct val="100000"/>
+              </a:lnSpc>
+              <a:buNone/>
+            </a:pPr>
+            <a:endParaRPr b="0" lang="en-US" sz="1800" spc="-1" strike="noStrike">
+              <a:latin typeface="Arial"/>
+            </a:endParaRPr>
+          </a:p>
+          <a:p>
+            <a:pPr>
+              <a:lnSpc>
+                <a:spcPct val="100000"/>
+              </a:lnSpc>
+              <a:buNone/>
+            </a:pPr>
+            <a:endParaRPr b="0" lang="en-US" sz="1800" spc="-1" strike="noStrike">
+              <a:latin typeface="Arial"/>
+            </a:endParaRPr>
+          </a:p>
+          <a:p>
+            <a:pPr>
+              <a:lnSpc>
+                <a:spcPct val="100000"/>
+              </a:lnSpc>
+              <a:buNone/>
+            </a:pPr>
+            <a:endParaRPr b="0" lang="en-US" sz="1800" spc="-1" strike="noStrike">
+              <a:latin typeface="Arial"/>
+            </a:endParaRPr>
+          </a:p>
+          <a:p>
+            <a:pPr>
+              <a:lnSpc>
+                <a:spcPct val="100000"/>
+              </a:lnSpc>
+              <a:buNone/>
+            </a:pPr>
+            <a:endParaRPr b="0" lang="en-US" sz="1800" spc="-1" strike="noStrike">
+              <a:latin typeface="Arial"/>
+            </a:endParaRPr>
+          </a:p>
+          <a:p>
+            <a:pPr>
+              <a:lnSpc>
+                <a:spcPct val="100000"/>
+              </a:lnSpc>
+              <a:buNone/>
+            </a:pPr>
+            <a:endParaRPr b="0" lang="en-US" sz="1800" spc="-1" strike="noStrike">
               <a:latin typeface="Arial"/>
             </a:endParaRPr>
           </a:p>
@@ -7872,7 +7867,7 @@
         <p:spPr>
           <a:xfrm>
             <a:off x="360000" y="360000"/>
-            <a:ext cx="9355680" cy="895680"/>
+            <a:ext cx="9355320" cy="895320"/>
           </a:xfrm>
           <a:prstGeom prst="rect">
             <a:avLst/>
@@ -7909,7 +7904,7 @@
               </a:rPr>
               <a:t>Topics</a:t>
             </a:r>
-            <a:endParaRPr b="0" lang="pt-BR" sz="3200" spc="-1" strike="noStrike">
+            <a:endParaRPr b="0" lang="en-US" sz="3200" spc="-1" strike="noStrike">
               <a:latin typeface="Arial"/>
             </a:endParaRPr>
           </a:p>
@@ -7924,7 +7919,7 @@
         <p:spPr>
           <a:xfrm>
             <a:off x="897120" y="6886080"/>
-            <a:ext cx="6442920" cy="360720"/>
+            <a:ext cx="6442560" cy="360360"/>
           </a:xfrm>
           <a:prstGeom prst="rect">
             <a:avLst/>
@@ -7961,7 +7956,7 @@
               </a:rPr>
               <a:t>Computer Vision - Prof. André Hochuli</a:t>
             </a:r>
-            <a:endParaRPr b="0" lang="pt-BR" sz="1800" spc="-1" strike="noStrike">
+            <a:endParaRPr b="0" lang="en-US" sz="1800" spc="-1" strike="noStrike">
               <a:latin typeface="Arial"/>
             </a:endParaRPr>
           </a:p>
@@ -7976,7 +7971,7 @@
         <p:spPr>
           <a:xfrm>
             <a:off x="7608600" y="6886080"/>
-            <a:ext cx="2280960" cy="360720"/>
+            <a:ext cx="2280600" cy="360360"/>
           </a:xfrm>
           <a:prstGeom prst="rect">
             <a:avLst/>
@@ -8023,7 +8018,7 @@
               </a:rPr>
               <a:t> 06</a:t>
             </a:r>
-            <a:endParaRPr b="0" lang="pt-BR" sz="1800" spc="-1" strike="noStrike">
+            <a:endParaRPr b="0" lang="en-US" sz="1800" spc="-1" strike="noStrike">
               <a:latin typeface="Arial"/>
             </a:endParaRPr>
           </a:p>
@@ -8038,7 +8033,7 @@
         <p:spPr>
           <a:xfrm>
             <a:off x="360000" y="1980000"/>
-            <a:ext cx="9175680" cy="4675680"/>
+            <a:ext cx="9175320" cy="4675320"/>
           </a:xfrm>
           <a:prstGeom prst="rect">
             <a:avLst/>
@@ -8083,7 +8078,7 @@
               </a:rPr>
               <a:t>Discussion of Lecture #05</a:t>
             </a:r>
-            <a:endParaRPr b="0" lang="pt-BR" sz="2000" spc="-1" strike="noStrike">
+            <a:endParaRPr b="0" lang="en-US" sz="2000" spc="-1" strike="noStrike">
               <a:latin typeface="Arial"/>
             </a:endParaRPr>
           </a:p>
@@ -8112,7 +8107,7 @@
               </a:rPr>
               <a:t>Feature Vector</a:t>
             </a:r>
-            <a:endParaRPr b="0" lang="pt-BR" sz="2000" spc="-1" strike="noStrike">
+            <a:endParaRPr b="0" lang="en-US" sz="2000" spc="-1" strike="noStrike">
               <a:latin typeface="Arial"/>
             </a:endParaRPr>
           </a:p>
@@ -8141,7 +8136,7 @@
               </a:rPr>
               <a:t>Horizontal and Vertical Projections</a:t>
             </a:r>
-            <a:endParaRPr b="0" lang="pt-BR" sz="2000" spc="-1" strike="noStrike">
+            <a:endParaRPr b="0" lang="en-US" sz="2000" spc="-1" strike="noStrike">
               <a:latin typeface="Arial"/>
             </a:endParaRPr>
           </a:p>
@@ -8170,7 +8165,7 @@
               </a:rPr>
               <a:t>Image Descriptors</a:t>
             </a:r>
-            <a:endParaRPr b="0" lang="pt-BR" sz="2000" spc="-1" strike="noStrike">
+            <a:endParaRPr b="0" lang="en-US" sz="2000" spc="-1" strike="noStrike">
               <a:latin typeface="Arial"/>
             </a:endParaRPr>
           </a:p>
@@ -8199,7 +8194,7 @@
               </a:rPr>
               <a:t>Practice</a:t>
             </a:r>
-            <a:endParaRPr b="0" lang="pt-BR" sz="2000" spc="-1" strike="noStrike">
+            <a:endParaRPr b="0" lang="en-US" sz="2000" spc="-1" strike="noStrike">
               <a:latin typeface="Arial"/>
             </a:endParaRPr>
           </a:p>
@@ -8218,7 +8213,7 @@
         <p:spPr>
           <a:xfrm>
             <a:off x="2124000" y="4627440"/>
-            <a:ext cx="6219360" cy="2104200"/>
+            <a:ext cx="6219000" cy="2103840"/>
           </a:xfrm>
           <a:prstGeom prst="rect">
             <a:avLst/>
@@ -8237,7 +8232,7 @@
         <p:spPr>
           <a:xfrm>
             <a:off x="2124000" y="6444000"/>
-            <a:ext cx="233640" cy="233640"/>
+            <a:ext cx="233280" cy="233280"/>
           </a:xfrm>
           <a:prstGeom prst="ellipse">
             <a:avLst/>
@@ -8267,7 +8262,7 @@
         <p:spPr>
           <a:xfrm>
             <a:off x="2592360" y="6444360"/>
-            <a:ext cx="233640" cy="233640"/>
+            <a:ext cx="233280" cy="233280"/>
           </a:xfrm>
           <a:prstGeom prst="ellipse">
             <a:avLst/>
@@ -8297,7 +8292,7 @@
         <p:spPr>
           <a:xfrm>
             <a:off x="3024720" y="6444720"/>
-            <a:ext cx="233640" cy="233640"/>
+            <a:ext cx="233280" cy="233280"/>
           </a:xfrm>
           <a:prstGeom prst="ellipse">
             <a:avLst/>
@@ -8327,7 +8322,7 @@
         <p:spPr>
           <a:xfrm>
             <a:off x="3834000" y="6480000"/>
-            <a:ext cx="233640" cy="233640"/>
+            <a:ext cx="233280" cy="233280"/>
           </a:xfrm>
           <a:prstGeom prst="ellipse">
             <a:avLst/>
@@ -8357,7 +8352,7 @@
         <p:spPr>
           <a:xfrm>
             <a:off x="4230000" y="6462000"/>
-            <a:ext cx="233640" cy="233640"/>
+            <a:ext cx="233280" cy="233280"/>
           </a:xfrm>
           <a:prstGeom prst="ellipse">
             <a:avLst/>
@@ -8417,7 +8412,7 @@
         <p:spPr>
           <a:xfrm>
             <a:off x="360000" y="360000"/>
-            <a:ext cx="9355680" cy="895680"/>
+            <a:ext cx="9355320" cy="895320"/>
           </a:xfrm>
           <a:prstGeom prst="rect">
             <a:avLst/>
@@ -8454,7 +8449,7 @@
               </a:rPr>
               <a:t>Computer Vision &amp; Pattern Recognition Pipeline</a:t>
             </a:r>
-            <a:endParaRPr b="0" lang="pt-BR" sz="3200" spc="-1" strike="noStrike">
+            <a:endParaRPr b="0" lang="en-US" sz="3200" spc="-1" strike="noStrike">
               <a:latin typeface="Arial"/>
             </a:endParaRPr>
           </a:p>
@@ -8469,7 +8464,7 @@
         <p:spPr>
           <a:xfrm>
             <a:off x="897120" y="6886080"/>
-            <a:ext cx="6442920" cy="360720"/>
+            <a:ext cx="6442560" cy="360360"/>
           </a:xfrm>
           <a:prstGeom prst="rect">
             <a:avLst/>
@@ -8506,7 +8501,7 @@
               </a:rPr>
               <a:t>Computer Vision - Prof. André Hochuli</a:t>
             </a:r>
-            <a:endParaRPr b="0" lang="pt-BR" sz="1800" spc="-1" strike="noStrike">
+            <a:endParaRPr b="0" lang="en-US" sz="1800" spc="-1" strike="noStrike">
               <a:latin typeface="Arial"/>
             </a:endParaRPr>
           </a:p>
@@ -8521,7 +8516,7 @@
         <p:spPr>
           <a:xfrm>
             <a:off x="7608600" y="6886080"/>
-            <a:ext cx="2280960" cy="360720"/>
+            <a:ext cx="2280600" cy="360360"/>
           </a:xfrm>
           <a:prstGeom prst="rect">
             <a:avLst/>
@@ -8568,7 +8563,7 @@
               </a:rPr>
               <a:t> 06</a:t>
             </a:r>
-            <a:endParaRPr b="0" lang="pt-BR" sz="1800" spc="-1" strike="noStrike">
+            <a:endParaRPr b="0" lang="en-US" sz="1800" spc="-1" strike="noStrike">
               <a:latin typeface="Arial"/>
             </a:endParaRPr>
           </a:p>
@@ -8587,7 +8582,7 @@
         <p:spPr>
           <a:xfrm>
             <a:off x="546480" y="2473560"/>
-            <a:ext cx="8982720" cy="2433960"/>
+            <a:ext cx="8982360" cy="2433600"/>
           </a:xfrm>
           <a:prstGeom prst="rect">
             <a:avLst/>
@@ -8606,7 +8601,7 @@
         <p:spPr>
           <a:xfrm>
             <a:off x="546480" y="3098880"/>
-            <a:ext cx="6635880" cy="1594440"/>
+            <a:ext cx="6635520" cy="1594080"/>
           </a:xfrm>
           <a:prstGeom prst="rect">
             <a:avLst/>
@@ -8677,7 +8672,7 @@
         <p:spPr>
           <a:xfrm>
             <a:off x="360000" y="360000"/>
-            <a:ext cx="9355680" cy="895680"/>
+            <a:ext cx="9355320" cy="895320"/>
           </a:xfrm>
           <a:prstGeom prst="rect">
             <a:avLst/>
@@ -8714,7 +8709,7 @@
               </a:rPr>
               <a:t>Remembering….</a:t>
             </a:r>
-            <a:endParaRPr b="0" lang="pt-BR" sz="3200" spc="-1" strike="noStrike">
+            <a:endParaRPr b="0" lang="en-US" sz="3200" spc="-1" strike="noStrike">
               <a:latin typeface="Arial"/>
             </a:endParaRPr>
           </a:p>
@@ -8729,7 +8724,7 @@
         <p:spPr>
           <a:xfrm>
             <a:off x="897120" y="6886080"/>
-            <a:ext cx="6442920" cy="360720"/>
+            <a:ext cx="6442560" cy="360360"/>
           </a:xfrm>
           <a:prstGeom prst="rect">
             <a:avLst/>
@@ -8766,7 +8761,7 @@
               </a:rPr>
               <a:t>Computer Vision - Prof. André Hochuli</a:t>
             </a:r>
-            <a:endParaRPr b="0" lang="pt-BR" sz="1800" spc="-1" strike="noStrike">
+            <a:endParaRPr b="0" lang="en-US" sz="1800" spc="-1" strike="noStrike">
               <a:latin typeface="Arial"/>
             </a:endParaRPr>
           </a:p>
@@ -8781,7 +8776,7 @@
         <p:spPr>
           <a:xfrm>
             <a:off x="7608600" y="6886080"/>
-            <a:ext cx="2280960" cy="360720"/>
+            <a:ext cx="2280600" cy="360360"/>
           </a:xfrm>
           <a:prstGeom prst="rect">
             <a:avLst/>
@@ -8828,7 +8823,7 @@
               </a:rPr>
               <a:t> 06</a:t>
             </a:r>
-            <a:endParaRPr b="0" lang="pt-BR" sz="1800" spc="-1" strike="noStrike">
+            <a:endParaRPr b="0" lang="en-US" sz="1800" spc="-1" strike="noStrike">
               <a:latin typeface="Arial"/>
             </a:endParaRPr>
           </a:p>
@@ -8843,7 +8838,7 @@
         <p:spPr>
           <a:xfrm>
             <a:off x="200160" y="1689840"/>
-            <a:ext cx="9515520" cy="2009880"/>
+            <a:ext cx="9515160" cy="2284200"/>
           </a:xfrm>
           <a:prstGeom prst="rect">
             <a:avLst/>
@@ -8882,20 +8877,20 @@
                 <a:latin typeface="Calibri"/>
                 <a:ea typeface="DejaVu Sans"/>
               </a:rPr>
-              <a:t>A feature descriptor translates high-dimensional data to a feature space</a:t>
+              <a:t>A feature descriptor translates high-dimensional data to a low dimension feature space</a:t>
             </a:r>
-            <a:endParaRPr b="0" lang="pt-BR" sz="1800" spc="-1" strike="noStrike">
-              <a:latin typeface="Arial"/>
-            </a:endParaRPr>
-          </a:p>
-          <a:p>
-            <a:pPr>
-              <a:lnSpc>
-                <a:spcPct val="100000"/>
-              </a:lnSpc>
-              <a:buNone/>
-            </a:pPr>
-            <a:endParaRPr b="0" lang="pt-BR" sz="1800" spc="-1" strike="noStrike">
+            <a:endParaRPr b="0" lang="en-US" sz="1800" spc="-1" strike="noStrike">
+              <a:latin typeface="Arial"/>
+            </a:endParaRPr>
+          </a:p>
+          <a:p>
+            <a:pPr>
+              <a:lnSpc>
+                <a:spcPct val="100000"/>
+              </a:lnSpc>
+              <a:buNone/>
+            </a:pPr>
+            <a:endParaRPr b="0" lang="en-US" sz="1800" spc="-1" strike="noStrike">
               <a:latin typeface="Arial"/>
             </a:endParaRPr>
           </a:p>
@@ -8920,18 +8915,18 @@
               </a:rPr>
               <a:t>A feature vector represents the input data produced by the feature descriptor</a:t>
             </a:r>
-            <a:endParaRPr b="0" lang="pt-BR" sz="1800" spc="-1" strike="noStrike">
-              <a:latin typeface="Arial"/>
-            </a:endParaRPr>
-          </a:p>
-          <a:p>
-            <a:pPr>
-              <a:lnSpc>
-                <a:spcPct val="100000"/>
-              </a:lnSpc>
-              <a:buNone/>
-            </a:pPr>
-            <a:endParaRPr b="0" lang="pt-BR" sz="1800" spc="-1" strike="noStrike">
+            <a:endParaRPr b="0" lang="en-US" sz="1800" spc="-1" strike="noStrike">
+              <a:latin typeface="Arial"/>
+            </a:endParaRPr>
+          </a:p>
+          <a:p>
+            <a:pPr>
+              <a:lnSpc>
+                <a:spcPct val="100000"/>
+              </a:lnSpc>
+              <a:buNone/>
+            </a:pPr>
+            <a:endParaRPr b="0" lang="en-US" sz="1800" spc="-1" strike="noStrike">
               <a:latin typeface="Arial"/>
             </a:endParaRPr>
           </a:p>
@@ -8956,29 +8951,29 @@
               </a:rPr>
               <a:t>Later, a machine learning model will learn the representations</a:t>
             </a:r>
-            <a:endParaRPr b="0" lang="pt-BR" sz="1800" spc="-1" strike="noStrike">
-              <a:latin typeface="Arial"/>
-            </a:endParaRPr>
-          </a:p>
-          <a:p>
-            <a:pPr>
-              <a:lnSpc>
-                <a:spcPct val="100000"/>
-              </a:lnSpc>
-              <a:buNone/>
-            </a:pPr>
-            <a:endParaRPr b="0" lang="pt-BR" sz="1800" spc="-1" strike="noStrike">
-              <a:latin typeface="Arial"/>
-            </a:endParaRPr>
-          </a:p>
-          <a:p>
-            <a:pPr>
-              <a:lnSpc>
-                <a:spcPct val="100000"/>
-              </a:lnSpc>
-              <a:buNone/>
-            </a:pPr>
-            <a:endParaRPr b="0" lang="pt-BR" sz="1800" spc="-1" strike="noStrike">
+            <a:endParaRPr b="0" lang="en-US" sz="1800" spc="-1" strike="noStrike">
+              <a:latin typeface="Arial"/>
+            </a:endParaRPr>
+          </a:p>
+          <a:p>
+            <a:pPr>
+              <a:lnSpc>
+                <a:spcPct val="100000"/>
+              </a:lnSpc>
+              <a:buNone/>
+            </a:pPr>
+            <a:endParaRPr b="0" lang="en-US" sz="1800" spc="-1" strike="noStrike">
+              <a:latin typeface="Arial"/>
+            </a:endParaRPr>
+          </a:p>
+          <a:p>
+            <a:pPr>
+              <a:lnSpc>
+                <a:spcPct val="100000"/>
+              </a:lnSpc>
+              <a:buNone/>
+            </a:pPr>
+            <a:endParaRPr b="0" lang="en-US" sz="1800" spc="-1" strike="noStrike">
               <a:latin typeface="Arial"/>
             </a:endParaRPr>
           </a:p>
@@ -8997,7 +8992,7 @@
         <p:spPr>
           <a:xfrm>
             <a:off x="1738800" y="3416400"/>
-            <a:ext cx="6598440" cy="950040"/>
+            <a:ext cx="6598080" cy="949680"/>
           </a:xfrm>
           <a:prstGeom prst="rect">
             <a:avLst/>
@@ -9020,7 +9015,7 @@
         <p:spPr>
           <a:xfrm>
             <a:off x="464040" y="4828320"/>
-            <a:ext cx="3988440" cy="1588320"/>
+            <a:ext cx="3988080" cy="1587960"/>
           </a:xfrm>
           <a:prstGeom prst="rect">
             <a:avLst/>
@@ -9043,7 +9038,7 @@
         <p:spPr>
           <a:xfrm>
             <a:off x="5410800" y="5667120"/>
-            <a:ext cx="3119040" cy="929520"/>
+            <a:ext cx="3118680" cy="929160"/>
           </a:xfrm>
           <a:prstGeom prst="rect">
             <a:avLst/>
@@ -9066,7 +9061,7 @@
         <p:spPr>
           <a:xfrm>
             <a:off x="4836600" y="4413240"/>
-            <a:ext cx="4612680" cy="1026360"/>
+            <a:ext cx="4612320" cy="1026000"/>
           </a:xfrm>
           <a:prstGeom prst="rect">
             <a:avLst/>
@@ -9115,7 +9110,7 @@
         <p:spPr>
           <a:xfrm>
             <a:off x="360000" y="360000"/>
-            <a:ext cx="9355680" cy="895680"/>
+            <a:ext cx="9355320" cy="895320"/>
           </a:xfrm>
           <a:prstGeom prst="rect">
             <a:avLst/>
@@ -9152,7 +9147,7 @@
               </a:rPr>
               <a:t>Image Descriptors – Shape / Edges</a:t>
             </a:r>
-            <a:endParaRPr b="0" lang="pt-BR" sz="3200" spc="-1" strike="noStrike">
+            <a:endParaRPr b="0" lang="en-US" sz="3200" spc="-1" strike="noStrike">
               <a:latin typeface="Arial"/>
             </a:endParaRPr>
           </a:p>
@@ -9167,7 +9162,7 @@
         <p:spPr>
           <a:xfrm>
             <a:off x="897120" y="6886080"/>
-            <a:ext cx="6442920" cy="360720"/>
+            <a:ext cx="6442560" cy="360360"/>
           </a:xfrm>
           <a:prstGeom prst="rect">
             <a:avLst/>
@@ -9204,7 +9199,7 @@
               </a:rPr>
               <a:t>Computer Vision - Prof. André Hochuli</a:t>
             </a:r>
-            <a:endParaRPr b="0" lang="pt-BR" sz="1800" spc="-1" strike="noStrike">
+            <a:endParaRPr b="0" lang="en-US" sz="1800" spc="-1" strike="noStrike">
               <a:latin typeface="Arial"/>
             </a:endParaRPr>
           </a:p>
@@ -9219,7 +9214,7 @@
         <p:spPr>
           <a:xfrm>
             <a:off x="7608600" y="6886080"/>
-            <a:ext cx="2280960" cy="360720"/>
+            <a:ext cx="2280600" cy="360360"/>
           </a:xfrm>
           <a:prstGeom prst="rect">
             <a:avLst/>
@@ -9266,7 +9261,7 @@
               </a:rPr>
               <a:t> 06</a:t>
             </a:r>
-            <a:endParaRPr b="0" lang="pt-BR" sz="1800" spc="-1" strike="noStrike">
+            <a:endParaRPr b="0" lang="en-US" sz="1800" spc="-1" strike="noStrike">
               <a:latin typeface="Arial"/>
             </a:endParaRPr>
           </a:p>
@@ -9281,7 +9276,7 @@
         <p:spPr>
           <a:xfrm>
             <a:off x="200160" y="1689840"/>
-            <a:ext cx="9515520" cy="3655800"/>
+            <a:ext cx="9515160" cy="3655800"/>
           </a:xfrm>
           <a:prstGeom prst="rect">
             <a:avLst/>
@@ -9322,18 +9317,18 @@
               </a:rPr>
               <a:t>Gradient Based</a:t>
             </a:r>
-            <a:endParaRPr b="0" lang="pt-BR" sz="1800" spc="-1" strike="noStrike">
-              <a:latin typeface="Arial"/>
-            </a:endParaRPr>
-          </a:p>
-          <a:p>
-            <a:pPr>
-              <a:lnSpc>
-                <a:spcPct val="100000"/>
-              </a:lnSpc>
-              <a:buNone/>
-            </a:pPr>
-            <a:endParaRPr b="0" lang="pt-BR" sz="1800" spc="-1" strike="noStrike">
+            <a:endParaRPr b="0" lang="en-US" sz="1800" spc="-1" strike="noStrike">
+              <a:latin typeface="Arial"/>
+            </a:endParaRPr>
+          </a:p>
+          <a:p>
+            <a:pPr>
+              <a:lnSpc>
+                <a:spcPct val="100000"/>
+              </a:lnSpc>
+              <a:buNone/>
+            </a:pPr>
+            <a:endParaRPr b="0" lang="en-US" sz="1800" spc="-1" strike="noStrike">
               <a:latin typeface="Arial"/>
             </a:endParaRPr>
           </a:p>
@@ -9358,84 +9353,84 @@
               </a:rPr>
               <a:t>Projections</a:t>
             </a:r>
-            <a:endParaRPr b="0" lang="pt-BR" sz="1800" spc="-1" strike="noStrike">
-              <a:latin typeface="Arial"/>
-            </a:endParaRPr>
-          </a:p>
-          <a:p>
-            <a:pPr>
-              <a:lnSpc>
-                <a:spcPct val="100000"/>
-              </a:lnSpc>
-              <a:buNone/>
-            </a:pPr>
-            <a:endParaRPr b="0" lang="pt-BR" sz="1800" spc="-1" strike="noStrike">
-              <a:latin typeface="Arial"/>
-            </a:endParaRPr>
-          </a:p>
-          <a:p>
-            <a:pPr>
-              <a:lnSpc>
-                <a:spcPct val="100000"/>
-              </a:lnSpc>
-              <a:buNone/>
-            </a:pPr>
-            <a:endParaRPr b="0" lang="pt-BR" sz="1800" spc="-1" strike="noStrike">
-              <a:latin typeface="Arial"/>
-            </a:endParaRPr>
-          </a:p>
-          <a:p>
-            <a:pPr>
-              <a:lnSpc>
-                <a:spcPct val="100000"/>
-              </a:lnSpc>
-              <a:buNone/>
-            </a:pPr>
-            <a:endParaRPr b="0" lang="pt-BR" sz="1800" spc="-1" strike="noStrike">
-              <a:latin typeface="Arial"/>
-            </a:endParaRPr>
-          </a:p>
-          <a:p>
-            <a:pPr>
-              <a:lnSpc>
-                <a:spcPct val="100000"/>
-              </a:lnSpc>
-              <a:buNone/>
-            </a:pPr>
-            <a:endParaRPr b="0" lang="pt-BR" sz="1800" spc="-1" strike="noStrike">
-              <a:latin typeface="Arial"/>
-            </a:endParaRPr>
-          </a:p>
-          <a:p>
-            <a:pPr>
-              <a:lnSpc>
-                <a:spcPct val="100000"/>
-              </a:lnSpc>
-              <a:buNone/>
-            </a:pPr>
-            <a:endParaRPr b="0" lang="pt-BR" sz="1800" spc="-1" strike="noStrike">
-              <a:latin typeface="Arial"/>
-            </a:endParaRPr>
-          </a:p>
-          <a:p>
-            <a:pPr>
-              <a:lnSpc>
-                <a:spcPct val="100000"/>
-              </a:lnSpc>
-              <a:buNone/>
-            </a:pPr>
-            <a:endParaRPr b="0" lang="pt-BR" sz="1800" spc="-1" strike="noStrike">
-              <a:latin typeface="Arial"/>
-            </a:endParaRPr>
-          </a:p>
-          <a:p>
-            <a:pPr>
-              <a:lnSpc>
-                <a:spcPct val="100000"/>
-              </a:lnSpc>
-              <a:buNone/>
-            </a:pPr>
-            <a:endParaRPr b="0" lang="pt-BR" sz="1800" spc="-1" strike="noStrike">
+            <a:endParaRPr b="0" lang="en-US" sz="1800" spc="-1" strike="noStrike">
+              <a:latin typeface="Arial"/>
+            </a:endParaRPr>
+          </a:p>
+          <a:p>
+            <a:pPr>
+              <a:lnSpc>
+                <a:spcPct val="100000"/>
+              </a:lnSpc>
+              <a:buNone/>
+            </a:pPr>
+            <a:endParaRPr b="0" lang="en-US" sz="1800" spc="-1" strike="noStrike">
+              <a:latin typeface="Arial"/>
+            </a:endParaRPr>
+          </a:p>
+          <a:p>
+            <a:pPr>
+              <a:lnSpc>
+                <a:spcPct val="100000"/>
+              </a:lnSpc>
+              <a:buNone/>
+            </a:pPr>
+            <a:endParaRPr b="0" lang="en-US" sz="1800" spc="-1" strike="noStrike">
+              <a:latin typeface="Arial"/>
+            </a:endParaRPr>
+          </a:p>
+          <a:p>
+            <a:pPr>
+              <a:lnSpc>
+                <a:spcPct val="100000"/>
+              </a:lnSpc>
+              <a:buNone/>
+            </a:pPr>
+            <a:endParaRPr b="0" lang="en-US" sz="1800" spc="-1" strike="noStrike">
+              <a:latin typeface="Arial"/>
+            </a:endParaRPr>
+          </a:p>
+          <a:p>
+            <a:pPr>
+              <a:lnSpc>
+                <a:spcPct val="100000"/>
+              </a:lnSpc>
+              <a:buNone/>
+            </a:pPr>
+            <a:endParaRPr b="0" lang="en-US" sz="1800" spc="-1" strike="noStrike">
+              <a:latin typeface="Arial"/>
+            </a:endParaRPr>
+          </a:p>
+          <a:p>
+            <a:pPr>
+              <a:lnSpc>
+                <a:spcPct val="100000"/>
+              </a:lnSpc>
+              <a:buNone/>
+            </a:pPr>
+            <a:endParaRPr b="0" lang="en-US" sz="1800" spc="-1" strike="noStrike">
+              <a:latin typeface="Arial"/>
+            </a:endParaRPr>
+          </a:p>
+          <a:p>
+            <a:pPr>
+              <a:lnSpc>
+                <a:spcPct val="100000"/>
+              </a:lnSpc>
+              <a:buNone/>
+            </a:pPr>
+            <a:endParaRPr b="0" lang="en-US" sz="1800" spc="-1" strike="noStrike">
+              <a:latin typeface="Arial"/>
+            </a:endParaRPr>
+          </a:p>
+          <a:p>
+            <a:pPr>
+              <a:lnSpc>
+                <a:spcPct val="100000"/>
+              </a:lnSpc>
+              <a:buNone/>
+            </a:pPr>
+            <a:endParaRPr b="0" lang="en-US" sz="1800" spc="-1" strike="noStrike">
               <a:latin typeface="Arial"/>
             </a:endParaRPr>
           </a:p>
@@ -9460,29 +9455,29 @@
               </a:rPr>
               <a:t>Convolutional (Filters)</a:t>
             </a:r>
-            <a:endParaRPr b="0" lang="pt-BR" sz="1800" spc="-1" strike="noStrike">
-              <a:latin typeface="Arial"/>
-            </a:endParaRPr>
-          </a:p>
-          <a:p>
-            <a:pPr>
-              <a:lnSpc>
-                <a:spcPct val="100000"/>
-              </a:lnSpc>
-              <a:buNone/>
-            </a:pPr>
-            <a:endParaRPr b="0" lang="pt-BR" sz="1800" spc="-1" strike="noStrike">
-              <a:latin typeface="Arial"/>
-            </a:endParaRPr>
-          </a:p>
-          <a:p>
-            <a:pPr>
-              <a:lnSpc>
-                <a:spcPct val="100000"/>
-              </a:lnSpc>
-              <a:buNone/>
-            </a:pPr>
-            <a:endParaRPr b="0" lang="pt-BR" sz="1800" spc="-1" strike="noStrike">
+            <a:endParaRPr b="0" lang="en-US" sz="1800" spc="-1" strike="noStrike">
+              <a:latin typeface="Arial"/>
+            </a:endParaRPr>
+          </a:p>
+          <a:p>
+            <a:pPr>
+              <a:lnSpc>
+                <a:spcPct val="100000"/>
+              </a:lnSpc>
+              <a:buNone/>
+            </a:pPr>
+            <a:endParaRPr b="0" lang="en-US" sz="1800" spc="-1" strike="noStrike">
+              <a:latin typeface="Arial"/>
+            </a:endParaRPr>
+          </a:p>
+          <a:p>
+            <a:pPr>
+              <a:lnSpc>
+                <a:spcPct val="100000"/>
+              </a:lnSpc>
+              <a:buNone/>
+            </a:pPr>
+            <a:endParaRPr b="0" lang="en-US" sz="1800" spc="-1" strike="noStrike">
               <a:latin typeface="Arial"/>
             </a:endParaRPr>
           </a:p>
@@ -9501,7 +9496,7 @@
         <p:spPr>
           <a:xfrm>
             <a:off x="1671480" y="4975200"/>
-            <a:ext cx="6517800" cy="1682640"/>
+            <a:ext cx="6517440" cy="1682280"/>
           </a:xfrm>
           <a:prstGeom prst="rect">
             <a:avLst/>
@@ -9524,7 +9519,7 @@
         <p:spPr>
           <a:xfrm>
             <a:off x="1671480" y="2608920"/>
-            <a:ext cx="6478920" cy="1751400"/>
+            <a:ext cx="6478560" cy="1751040"/>
           </a:xfrm>
           <a:prstGeom prst="rect">
             <a:avLst/>
@@ -9573,7 +9568,7 @@
         <p:spPr>
           <a:xfrm>
             <a:off x="360000" y="360000"/>
-            <a:ext cx="9355680" cy="895680"/>
+            <a:ext cx="9355320" cy="895320"/>
           </a:xfrm>
           <a:prstGeom prst="rect">
             <a:avLst/>
@@ -9610,7 +9605,7 @@
               </a:rPr>
               <a:t>Image Descriptors – Shape / Edges</a:t>
             </a:r>
-            <a:endParaRPr b="0" lang="pt-BR" sz="3200" spc="-1" strike="noStrike">
+            <a:endParaRPr b="0" lang="en-US" sz="3200" spc="-1" strike="noStrike">
               <a:latin typeface="Arial"/>
             </a:endParaRPr>
           </a:p>
@@ -9625,7 +9620,7 @@
         <p:spPr>
           <a:xfrm>
             <a:off x="897120" y="6886080"/>
-            <a:ext cx="6442920" cy="360720"/>
+            <a:ext cx="6442560" cy="360360"/>
           </a:xfrm>
           <a:prstGeom prst="rect">
             <a:avLst/>
@@ -9662,7 +9657,7 @@
               </a:rPr>
               <a:t>Computer Vision - Prof. André Hochuli</a:t>
             </a:r>
-            <a:endParaRPr b="0" lang="pt-BR" sz="1800" spc="-1" strike="noStrike">
+            <a:endParaRPr b="0" lang="en-US" sz="1800" spc="-1" strike="noStrike">
               <a:latin typeface="Arial"/>
             </a:endParaRPr>
           </a:p>
@@ -9677,7 +9672,7 @@
         <p:spPr>
           <a:xfrm>
             <a:off x="7608600" y="6886080"/>
-            <a:ext cx="2280960" cy="360720"/>
+            <a:ext cx="2280600" cy="360360"/>
           </a:xfrm>
           <a:prstGeom prst="rect">
             <a:avLst/>
@@ -9724,7 +9719,7 @@
               </a:rPr>
               <a:t> 06</a:t>
             </a:r>
-            <a:endParaRPr b="0" lang="pt-BR" sz="1800" spc="-1" strike="noStrike">
+            <a:endParaRPr b="0" lang="en-US" sz="1800" spc="-1" strike="noStrike">
               <a:latin typeface="Arial"/>
             </a:endParaRPr>
           </a:p>
@@ -9743,7 +9738,7 @@
         <p:spPr>
           <a:xfrm>
             <a:off x="617760" y="2336400"/>
-            <a:ext cx="5135040" cy="1387800"/>
+            <a:ext cx="5134680" cy="1387440"/>
           </a:xfrm>
           <a:prstGeom prst="rect">
             <a:avLst/>
@@ -9766,7 +9761,7 @@
         <p:spPr>
           <a:xfrm>
             <a:off x="6910200" y="1989000"/>
-            <a:ext cx="2552040" cy="1789920"/>
+            <a:ext cx="2551680" cy="1789560"/>
           </a:xfrm>
           <a:prstGeom prst="rect">
             <a:avLst/>
@@ -9785,7 +9780,7 @@
         <p:spPr>
           <a:xfrm>
             <a:off x="200160" y="1689840"/>
-            <a:ext cx="9515520" cy="638280"/>
+            <a:ext cx="9515160" cy="638280"/>
           </a:xfrm>
           <a:prstGeom prst="rect">
             <a:avLst/>
@@ -9826,18 +9821,18 @@
               </a:rPr>
               <a:t>Histogram Projection</a:t>
             </a:r>
-            <a:endParaRPr b="0" lang="pt-BR" sz="1800" spc="-1" strike="noStrike">
-              <a:latin typeface="Arial"/>
-            </a:endParaRPr>
-          </a:p>
-          <a:p>
-            <a:pPr>
-              <a:lnSpc>
-                <a:spcPct val="100000"/>
-              </a:lnSpc>
-              <a:buNone/>
-            </a:pPr>
-            <a:endParaRPr b="0" lang="pt-BR" sz="1800" spc="-1" strike="noStrike">
+            <a:endParaRPr b="0" lang="en-US" sz="1800" spc="-1" strike="noStrike">
+              <a:latin typeface="Arial"/>
+            </a:endParaRPr>
+          </a:p>
+          <a:p>
+            <a:pPr>
+              <a:lnSpc>
+                <a:spcPct val="100000"/>
+              </a:lnSpc>
+              <a:buNone/>
+            </a:pPr>
+            <a:endParaRPr b="0" lang="en-US" sz="1800" spc="-1" strike="noStrike">
               <a:latin typeface="Arial"/>
             </a:endParaRPr>
           </a:p>
@@ -9856,7 +9851,7 @@
         <p:spPr>
           <a:xfrm>
             <a:off x="2469600" y="4079160"/>
-            <a:ext cx="4976280" cy="2629440"/>
+            <a:ext cx="4975920" cy="2629080"/>
           </a:xfrm>
           <a:prstGeom prst="rect">
             <a:avLst/>
@@ -9905,7 +9900,7 @@
         <p:spPr>
           <a:xfrm>
             <a:off x="360000" y="360000"/>
-            <a:ext cx="9355680" cy="895680"/>
+            <a:ext cx="9355320" cy="895320"/>
           </a:xfrm>
           <a:prstGeom prst="rect">
             <a:avLst/>
@@ -9942,7 +9937,7 @@
               </a:rPr>
               <a:t>Image Descriptors – Shape / Edges</a:t>
             </a:r>
-            <a:endParaRPr b="0" lang="pt-BR" sz="3200" spc="-1" strike="noStrike">
+            <a:endParaRPr b="0" lang="en-US" sz="3200" spc="-1" strike="noStrike">
               <a:latin typeface="Arial"/>
             </a:endParaRPr>
           </a:p>
@@ -9957,7 +9952,7 @@
         <p:spPr>
           <a:xfrm>
             <a:off x="897120" y="6886080"/>
-            <a:ext cx="6442920" cy="360720"/>
+            <a:ext cx="6442560" cy="360360"/>
           </a:xfrm>
           <a:prstGeom prst="rect">
             <a:avLst/>
@@ -9994,7 +9989,7 @@
               </a:rPr>
               <a:t>Computer Vision - Prof. André Hochuli</a:t>
             </a:r>
-            <a:endParaRPr b="0" lang="pt-BR" sz="1800" spc="-1" strike="noStrike">
+            <a:endParaRPr b="0" lang="en-US" sz="1800" spc="-1" strike="noStrike">
               <a:latin typeface="Arial"/>
             </a:endParaRPr>
           </a:p>
@@ -10009,7 +10004,7 @@
         <p:spPr>
           <a:xfrm>
             <a:off x="7608600" y="6886080"/>
-            <a:ext cx="2280960" cy="360720"/>
+            <a:ext cx="2280600" cy="360360"/>
           </a:xfrm>
           <a:prstGeom prst="rect">
             <a:avLst/>
@@ -10056,7 +10051,7 @@
               </a:rPr>
               <a:t> 06</a:t>
             </a:r>
-            <a:endParaRPr b="0" lang="pt-BR" sz="1800" spc="-1" strike="noStrike">
+            <a:endParaRPr b="0" lang="en-US" sz="1800" spc="-1" strike="noStrike">
               <a:latin typeface="Arial"/>
             </a:endParaRPr>
           </a:p>
@@ -10071,7 +10066,7 @@
         <p:spPr>
           <a:xfrm>
             <a:off x="200160" y="1689840"/>
-            <a:ext cx="9515520" cy="3381480"/>
+            <a:ext cx="9515160" cy="3381480"/>
           </a:xfrm>
           <a:prstGeom prst="rect">
             <a:avLst/>
@@ -10112,128 +10107,128 @@
               </a:rPr>
               <a:t>Sobel Filter</a:t>
             </a:r>
-            <a:endParaRPr b="0" lang="pt-BR" sz="1800" spc="-1" strike="noStrike">
-              <a:latin typeface="Arial"/>
-            </a:endParaRPr>
-          </a:p>
-          <a:p>
-            <a:pPr>
-              <a:lnSpc>
-                <a:spcPct val="100000"/>
-              </a:lnSpc>
-              <a:buNone/>
-            </a:pPr>
-            <a:endParaRPr b="0" lang="pt-BR" sz="1800" spc="-1" strike="noStrike">
-              <a:latin typeface="Arial"/>
-            </a:endParaRPr>
-          </a:p>
-          <a:p>
-            <a:pPr>
-              <a:lnSpc>
-                <a:spcPct val="100000"/>
-              </a:lnSpc>
-              <a:buNone/>
-            </a:pPr>
-            <a:endParaRPr b="0" lang="pt-BR" sz="1800" spc="-1" strike="noStrike">
-              <a:latin typeface="Arial"/>
-            </a:endParaRPr>
-          </a:p>
-          <a:p>
-            <a:pPr>
-              <a:lnSpc>
-                <a:spcPct val="100000"/>
-              </a:lnSpc>
-              <a:buNone/>
-            </a:pPr>
-            <a:endParaRPr b="0" lang="pt-BR" sz="1800" spc="-1" strike="noStrike">
-              <a:latin typeface="Arial"/>
-            </a:endParaRPr>
-          </a:p>
-          <a:p>
-            <a:pPr>
-              <a:lnSpc>
-                <a:spcPct val="100000"/>
-              </a:lnSpc>
-              <a:buNone/>
-            </a:pPr>
-            <a:endParaRPr b="0" lang="pt-BR" sz="1800" spc="-1" strike="noStrike">
-              <a:latin typeface="Arial"/>
-            </a:endParaRPr>
-          </a:p>
-          <a:p>
-            <a:pPr>
-              <a:lnSpc>
-                <a:spcPct val="100000"/>
-              </a:lnSpc>
-              <a:buNone/>
-            </a:pPr>
-            <a:endParaRPr b="0" lang="pt-BR" sz="1800" spc="-1" strike="noStrike">
-              <a:latin typeface="Arial"/>
-            </a:endParaRPr>
-          </a:p>
-          <a:p>
-            <a:pPr>
-              <a:lnSpc>
-                <a:spcPct val="100000"/>
-              </a:lnSpc>
-              <a:buNone/>
-            </a:pPr>
-            <a:endParaRPr b="0" lang="pt-BR" sz="1800" spc="-1" strike="noStrike">
-              <a:latin typeface="Arial"/>
-            </a:endParaRPr>
-          </a:p>
-          <a:p>
-            <a:pPr>
-              <a:lnSpc>
-                <a:spcPct val="100000"/>
-              </a:lnSpc>
-              <a:buNone/>
-            </a:pPr>
-            <a:endParaRPr b="0" lang="pt-BR" sz="1800" spc="-1" strike="noStrike">
-              <a:latin typeface="Arial"/>
-            </a:endParaRPr>
-          </a:p>
-          <a:p>
-            <a:pPr>
-              <a:lnSpc>
-                <a:spcPct val="100000"/>
-              </a:lnSpc>
-              <a:buNone/>
-            </a:pPr>
-            <a:endParaRPr b="0" lang="pt-BR" sz="1800" spc="-1" strike="noStrike">
-              <a:latin typeface="Arial"/>
-            </a:endParaRPr>
-          </a:p>
-          <a:p>
-            <a:pPr>
-              <a:lnSpc>
-                <a:spcPct val="100000"/>
-              </a:lnSpc>
-              <a:buNone/>
-            </a:pPr>
-            <a:endParaRPr b="0" lang="pt-BR" sz="1800" spc="-1" strike="noStrike">
-              <a:latin typeface="Arial"/>
-            </a:endParaRPr>
-          </a:p>
-          <a:p>
-            <a:pPr>
-              <a:lnSpc>
-                <a:spcPct val="100000"/>
-              </a:lnSpc>
-              <a:buNone/>
-            </a:pPr>
-            <a:endParaRPr b="0" lang="pt-BR" sz="1800" spc="-1" strike="noStrike">
-              <a:latin typeface="Arial"/>
-            </a:endParaRPr>
-          </a:p>
-          <a:p>
-            <a:pPr>
-              <a:lnSpc>
-                <a:spcPct val="100000"/>
-              </a:lnSpc>
-              <a:buNone/>
-            </a:pPr>
-            <a:endParaRPr b="0" lang="pt-BR" sz="1800" spc="-1" strike="noStrike">
+            <a:endParaRPr b="0" lang="en-US" sz="1800" spc="-1" strike="noStrike">
+              <a:latin typeface="Arial"/>
+            </a:endParaRPr>
+          </a:p>
+          <a:p>
+            <a:pPr>
+              <a:lnSpc>
+                <a:spcPct val="100000"/>
+              </a:lnSpc>
+              <a:buNone/>
+            </a:pPr>
+            <a:endParaRPr b="0" lang="en-US" sz="1800" spc="-1" strike="noStrike">
+              <a:latin typeface="Arial"/>
+            </a:endParaRPr>
+          </a:p>
+          <a:p>
+            <a:pPr>
+              <a:lnSpc>
+                <a:spcPct val="100000"/>
+              </a:lnSpc>
+              <a:buNone/>
+            </a:pPr>
+            <a:endParaRPr b="0" lang="en-US" sz="1800" spc="-1" strike="noStrike">
+              <a:latin typeface="Arial"/>
+            </a:endParaRPr>
+          </a:p>
+          <a:p>
+            <a:pPr>
+              <a:lnSpc>
+                <a:spcPct val="100000"/>
+              </a:lnSpc>
+              <a:buNone/>
+            </a:pPr>
+            <a:endParaRPr b="0" lang="en-US" sz="1800" spc="-1" strike="noStrike">
+              <a:latin typeface="Arial"/>
+            </a:endParaRPr>
+          </a:p>
+          <a:p>
+            <a:pPr>
+              <a:lnSpc>
+                <a:spcPct val="100000"/>
+              </a:lnSpc>
+              <a:buNone/>
+            </a:pPr>
+            <a:endParaRPr b="0" lang="en-US" sz="1800" spc="-1" strike="noStrike">
+              <a:latin typeface="Arial"/>
+            </a:endParaRPr>
+          </a:p>
+          <a:p>
+            <a:pPr>
+              <a:lnSpc>
+                <a:spcPct val="100000"/>
+              </a:lnSpc>
+              <a:buNone/>
+            </a:pPr>
+            <a:endParaRPr b="0" lang="en-US" sz="1800" spc="-1" strike="noStrike">
+              <a:latin typeface="Arial"/>
+            </a:endParaRPr>
+          </a:p>
+          <a:p>
+            <a:pPr>
+              <a:lnSpc>
+                <a:spcPct val="100000"/>
+              </a:lnSpc>
+              <a:buNone/>
+            </a:pPr>
+            <a:endParaRPr b="0" lang="en-US" sz="1800" spc="-1" strike="noStrike">
+              <a:latin typeface="Arial"/>
+            </a:endParaRPr>
+          </a:p>
+          <a:p>
+            <a:pPr>
+              <a:lnSpc>
+                <a:spcPct val="100000"/>
+              </a:lnSpc>
+              <a:buNone/>
+            </a:pPr>
+            <a:endParaRPr b="0" lang="en-US" sz="1800" spc="-1" strike="noStrike">
+              <a:latin typeface="Arial"/>
+            </a:endParaRPr>
+          </a:p>
+          <a:p>
+            <a:pPr>
+              <a:lnSpc>
+                <a:spcPct val="100000"/>
+              </a:lnSpc>
+              <a:buNone/>
+            </a:pPr>
+            <a:endParaRPr b="0" lang="en-US" sz="1800" spc="-1" strike="noStrike">
+              <a:latin typeface="Arial"/>
+            </a:endParaRPr>
+          </a:p>
+          <a:p>
+            <a:pPr>
+              <a:lnSpc>
+                <a:spcPct val="100000"/>
+              </a:lnSpc>
+              <a:buNone/>
+            </a:pPr>
+            <a:endParaRPr b="0" lang="en-US" sz="1800" spc="-1" strike="noStrike">
+              <a:latin typeface="Arial"/>
+            </a:endParaRPr>
+          </a:p>
+          <a:p>
+            <a:pPr>
+              <a:lnSpc>
+                <a:spcPct val="100000"/>
+              </a:lnSpc>
+              <a:buNone/>
+            </a:pPr>
+            <a:endParaRPr b="0" lang="en-US" sz="1800" spc="-1" strike="noStrike">
+              <a:latin typeface="Arial"/>
+            </a:endParaRPr>
+          </a:p>
+          <a:p>
+            <a:pPr>
+              <a:lnSpc>
+                <a:spcPct val="100000"/>
+              </a:lnSpc>
+              <a:buNone/>
+            </a:pPr>
+            <a:endParaRPr b="0" lang="en-US" sz="1800" spc="-1" strike="noStrike">
               <a:latin typeface="Arial"/>
             </a:endParaRPr>
           </a:p>
@@ -10252,7 +10247,7 @@
         <p:spPr>
           <a:xfrm>
             <a:off x="3362760" y="2154960"/>
-            <a:ext cx="3723840" cy="1761840"/>
+            <a:ext cx="3723480" cy="1761480"/>
           </a:xfrm>
           <a:prstGeom prst="rect">
             <a:avLst/>
@@ -10275,7 +10270,7 @@
         <p:spPr>
           <a:xfrm>
             <a:off x="897120" y="4350960"/>
-            <a:ext cx="8655480" cy="2377080"/>
+            <a:ext cx="8655120" cy="2376720"/>
           </a:xfrm>
           <a:prstGeom prst="rect">
             <a:avLst/>
@@ -10324,7 +10319,7 @@
         <p:spPr>
           <a:xfrm>
             <a:off x="360000" y="360000"/>
-            <a:ext cx="9355680" cy="895680"/>
+            <a:ext cx="9355320" cy="895320"/>
           </a:xfrm>
           <a:prstGeom prst="rect">
             <a:avLst/>
@@ -10361,7 +10356,7 @@
               </a:rPr>
               <a:t>Image Descriptors – Shape / Edges</a:t>
             </a:r>
-            <a:endParaRPr b="0" lang="pt-BR" sz="3200" spc="-1" strike="noStrike">
+            <a:endParaRPr b="0" lang="en-US" sz="3200" spc="-1" strike="noStrike">
               <a:latin typeface="Arial"/>
             </a:endParaRPr>
           </a:p>
@@ -10376,7 +10371,7 @@
         <p:spPr>
           <a:xfrm>
             <a:off x="897120" y="6886080"/>
-            <a:ext cx="6442920" cy="360720"/>
+            <a:ext cx="6442560" cy="360360"/>
           </a:xfrm>
           <a:prstGeom prst="rect">
             <a:avLst/>
@@ -10413,7 +10408,7 @@
               </a:rPr>
               <a:t>Computer Vision - Prof. André Hochuli</a:t>
             </a:r>
-            <a:endParaRPr b="0" lang="pt-BR" sz="1800" spc="-1" strike="noStrike">
+            <a:endParaRPr b="0" lang="en-US" sz="1800" spc="-1" strike="noStrike">
               <a:latin typeface="Arial"/>
             </a:endParaRPr>
           </a:p>
@@ -10428,7 +10423,7 @@
         <p:spPr>
           <a:xfrm>
             <a:off x="200160" y="1689840"/>
-            <a:ext cx="9515520" cy="3381480"/>
+            <a:ext cx="9515160" cy="3381480"/>
           </a:xfrm>
           <a:prstGeom prst="rect">
             <a:avLst/>
@@ -10469,128 +10464,128 @@
               </a:rPr>
               <a:t>Sobel Filter</a:t>
             </a:r>
-            <a:endParaRPr b="0" lang="pt-BR" sz="1800" spc="-1" strike="noStrike">
-              <a:latin typeface="Arial"/>
-            </a:endParaRPr>
-          </a:p>
-          <a:p>
-            <a:pPr>
-              <a:lnSpc>
-                <a:spcPct val="100000"/>
-              </a:lnSpc>
-              <a:buNone/>
-            </a:pPr>
-            <a:endParaRPr b="0" lang="pt-BR" sz="1800" spc="-1" strike="noStrike">
-              <a:latin typeface="Arial"/>
-            </a:endParaRPr>
-          </a:p>
-          <a:p>
-            <a:pPr>
-              <a:lnSpc>
-                <a:spcPct val="100000"/>
-              </a:lnSpc>
-              <a:buNone/>
-            </a:pPr>
-            <a:endParaRPr b="0" lang="pt-BR" sz="1800" spc="-1" strike="noStrike">
-              <a:latin typeface="Arial"/>
-            </a:endParaRPr>
-          </a:p>
-          <a:p>
-            <a:pPr>
-              <a:lnSpc>
-                <a:spcPct val="100000"/>
-              </a:lnSpc>
-              <a:buNone/>
-            </a:pPr>
-            <a:endParaRPr b="0" lang="pt-BR" sz="1800" spc="-1" strike="noStrike">
-              <a:latin typeface="Arial"/>
-            </a:endParaRPr>
-          </a:p>
-          <a:p>
-            <a:pPr>
-              <a:lnSpc>
-                <a:spcPct val="100000"/>
-              </a:lnSpc>
-              <a:buNone/>
-            </a:pPr>
-            <a:endParaRPr b="0" lang="pt-BR" sz="1800" spc="-1" strike="noStrike">
-              <a:latin typeface="Arial"/>
-            </a:endParaRPr>
-          </a:p>
-          <a:p>
-            <a:pPr>
-              <a:lnSpc>
-                <a:spcPct val="100000"/>
-              </a:lnSpc>
-              <a:buNone/>
-            </a:pPr>
-            <a:endParaRPr b="0" lang="pt-BR" sz="1800" spc="-1" strike="noStrike">
-              <a:latin typeface="Arial"/>
-            </a:endParaRPr>
-          </a:p>
-          <a:p>
-            <a:pPr>
-              <a:lnSpc>
-                <a:spcPct val="100000"/>
-              </a:lnSpc>
-              <a:buNone/>
-            </a:pPr>
-            <a:endParaRPr b="0" lang="pt-BR" sz="1800" spc="-1" strike="noStrike">
-              <a:latin typeface="Arial"/>
-            </a:endParaRPr>
-          </a:p>
-          <a:p>
-            <a:pPr>
-              <a:lnSpc>
-                <a:spcPct val="100000"/>
-              </a:lnSpc>
-              <a:buNone/>
-            </a:pPr>
-            <a:endParaRPr b="0" lang="pt-BR" sz="1800" spc="-1" strike="noStrike">
-              <a:latin typeface="Arial"/>
-            </a:endParaRPr>
-          </a:p>
-          <a:p>
-            <a:pPr>
-              <a:lnSpc>
-                <a:spcPct val="100000"/>
-              </a:lnSpc>
-              <a:buNone/>
-            </a:pPr>
-            <a:endParaRPr b="0" lang="pt-BR" sz="1800" spc="-1" strike="noStrike">
-              <a:latin typeface="Arial"/>
-            </a:endParaRPr>
-          </a:p>
-          <a:p>
-            <a:pPr>
-              <a:lnSpc>
-                <a:spcPct val="100000"/>
-              </a:lnSpc>
-              <a:buNone/>
-            </a:pPr>
-            <a:endParaRPr b="0" lang="pt-BR" sz="1800" spc="-1" strike="noStrike">
-              <a:latin typeface="Arial"/>
-            </a:endParaRPr>
-          </a:p>
-          <a:p>
-            <a:pPr>
-              <a:lnSpc>
-                <a:spcPct val="100000"/>
-              </a:lnSpc>
-              <a:buNone/>
-            </a:pPr>
-            <a:endParaRPr b="0" lang="pt-BR" sz="1800" spc="-1" strike="noStrike">
-              <a:latin typeface="Arial"/>
-            </a:endParaRPr>
-          </a:p>
-          <a:p>
-            <a:pPr>
-              <a:lnSpc>
-                <a:spcPct val="100000"/>
-              </a:lnSpc>
-              <a:buNone/>
-            </a:pPr>
-            <a:endParaRPr b="0" lang="pt-BR" sz="1800" spc="-1" strike="noStrike">
+            <a:endParaRPr b="0" lang="en-US" sz="1800" spc="-1" strike="noStrike">
+              <a:latin typeface="Arial"/>
+            </a:endParaRPr>
+          </a:p>
+          <a:p>
+            <a:pPr>
+              <a:lnSpc>
+                <a:spcPct val="100000"/>
+              </a:lnSpc>
+              <a:buNone/>
+            </a:pPr>
+            <a:endParaRPr b="0" lang="en-US" sz="1800" spc="-1" strike="noStrike">
+              <a:latin typeface="Arial"/>
+            </a:endParaRPr>
+          </a:p>
+          <a:p>
+            <a:pPr>
+              <a:lnSpc>
+                <a:spcPct val="100000"/>
+              </a:lnSpc>
+              <a:buNone/>
+            </a:pPr>
+            <a:endParaRPr b="0" lang="en-US" sz="1800" spc="-1" strike="noStrike">
+              <a:latin typeface="Arial"/>
+            </a:endParaRPr>
+          </a:p>
+          <a:p>
+            <a:pPr>
+              <a:lnSpc>
+                <a:spcPct val="100000"/>
+              </a:lnSpc>
+              <a:buNone/>
+            </a:pPr>
+            <a:endParaRPr b="0" lang="en-US" sz="1800" spc="-1" strike="noStrike">
+              <a:latin typeface="Arial"/>
+            </a:endParaRPr>
+          </a:p>
+          <a:p>
+            <a:pPr>
+              <a:lnSpc>
+                <a:spcPct val="100000"/>
+              </a:lnSpc>
+              <a:buNone/>
+            </a:pPr>
+            <a:endParaRPr b="0" lang="en-US" sz="1800" spc="-1" strike="noStrike">
+              <a:latin typeface="Arial"/>
+            </a:endParaRPr>
+          </a:p>
+          <a:p>
+            <a:pPr>
+              <a:lnSpc>
+                <a:spcPct val="100000"/>
+              </a:lnSpc>
+              <a:buNone/>
+            </a:pPr>
+            <a:endParaRPr b="0" lang="en-US" sz="1800" spc="-1" strike="noStrike">
+              <a:latin typeface="Arial"/>
+            </a:endParaRPr>
+          </a:p>
+          <a:p>
+            <a:pPr>
+              <a:lnSpc>
+                <a:spcPct val="100000"/>
+              </a:lnSpc>
+              <a:buNone/>
+            </a:pPr>
+            <a:endParaRPr b="0" lang="en-US" sz="1800" spc="-1" strike="noStrike">
+              <a:latin typeface="Arial"/>
+            </a:endParaRPr>
+          </a:p>
+          <a:p>
+            <a:pPr>
+              <a:lnSpc>
+                <a:spcPct val="100000"/>
+              </a:lnSpc>
+              <a:buNone/>
+            </a:pPr>
+            <a:endParaRPr b="0" lang="en-US" sz="1800" spc="-1" strike="noStrike">
+              <a:latin typeface="Arial"/>
+            </a:endParaRPr>
+          </a:p>
+          <a:p>
+            <a:pPr>
+              <a:lnSpc>
+                <a:spcPct val="100000"/>
+              </a:lnSpc>
+              <a:buNone/>
+            </a:pPr>
+            <a:endParaRPr b="0" lang="en-US" sz="1800" spc="-1" strike="noStrike">
+              <a:latin typeface="Arial"/>
+            </a:endParaRPr>
+          </a:p>
+          <a:p>
+            <a:pPr>
+              <a:lnSpc>
+                <a:spcPct val="100000"/>
+              </a:lnSpc>
+              <a:buNone/>
+            </a:pPr>
+            <a:endParaRPr b="0" lang="en-US" sz="1800" spc="-1" strike="noStrike">
+              <a:latin typeface="Arial"/>
+            </a:endParaRPr>
+          </a:p>
+          <a:p>
+            <a:pPr>
+              <a:lnSpc>
+                <a:spcPct val="100000"/>
+              </a:lnSpc>
+              <a:buNone/>
+            </a:pPr>
+            <a:endParaRPr b="0" lang="en-US" sz="1800" spc="-1" strike="noStrike">
+              <a:latin typeface="Arial"/>
+            </a:endParaRPr>
+          </a:p>
+          <a:p>
+            <a:pPr>
+              <a:lnSpc>
+                <a:spcPct val="100000"/>
+              </a:lnSpc>
+              <a:buNone/>
+            </a:pPr>
+            <a:endParaRPr b="0" lang="en-US" sz="1800" spc="-1" strike="noStrike">
               <a:latin typeface="Arial"/>
             </a:endParaRPr>
           </a:p>
@@ -10609,7 +10604,7 @@
         <p:spPr>
           <a:xfrm>
             <a:off x="1148040" y="3036240"/>
-            <a:ext cx="3723840" cy="1761840"/>
+            <a:ext cx="3723480" cy="1761480"/>
           </a:xfrm>
           <a:prstGeom prst="rect">
             <a:avLst/>
@@ -10632,7 +10627,7 @@
         <p:spPr>
           <a:xfrm>
             <a:off x="6225480" y="1554480"/>
-            <a:ext cx="3043440" cy="5187240"/>
+            <a:ext cx="3043080" cy="5186880"/>
           </a:xfrm>
           <a:prstGeom prst="rect">
             <a:avLst/>
@@ -10651,7 +10646,7 @@
         <p:spPr>
           <a:xfrm>
             <a:off x="7608600" y="6886080"/>
-            <a:ext cx="2280960" cy="360720"/>
+            <a:ext cx="2280600" cy="360360"/>
           </a:xfrm>
           <a:prstGeom prst="rect">
             <a:avLst/>
@@ -10698,7 +10693,7 @@
               </a:rPr>
               <a:t> 06</a:t>
             </a:r>
-            <a:endParaRPr b="0" lang="pt-BR" sz="1800" spc="-1" strike="noStrike">
+            <a:endParaRPr b="0" lang="en-US" sz="1800" spc="-1" strike="noStrike">
               <a:latin typeface="Arial"/>
             </a:endParaRPr>
           </a:p>
@@ -10743,7 +10738,7 @@
         <p:spPr>
           <a:xfrm>
             <a:off x="360000" y="360000"/>
-            <a:ext cx="9355680" cy="895680"/>
+            <a:ext cx="9355320" cy="895320"/>
           </a:xfrm>
           <a:prstGeom prst="rect">
             <a:avLst/>
@@ -10780,7 +10775,7 @@
               </a:rPr>
               <a:t>Image Descriptors – Shape / Edges</a:t>
             </a:r>
-            <a:endParaRPr b="0" lang="pt-BR" sz="3200" spc="-1" strike="noStrike">
+            <a:endParaRPr b="0" lang="en-US" sz="3200" spc="-1" strike="noStrike">
               <a:latin typeface="Arial"/>
             </a:endParaRPr>
           </a:p>
@@ -10795,7 +10790,7 @@
         <p:spPr>
           <a:xfrm>
             <a:off x="897120" y="6886080"/>
-            <a:ext cx="6442920" cy="360720"/>
+            <a:ext cx="6442560" cy="360360"/>
           </a:xfrm>
           <a:prstGeom prst="rect">
             <a:avLst/>
@@ -10832,7 +10827,7 @@
               </a:rPr>
               <a:t>Computer Vision - Prof. André Hochuli</a:t>
             </a:r>
-            <a:endParaRPr b="0" lang="pt-BR" sz="1800" spc="-1" strike="noStrike">
+            <a:endParaRPr b="0" lang="en-US" sz="1800" spc="-1" strike="noStrike">
               <a:latin typeface="Arial"/>
             </a:endParaRPr>
           </a:p>
@@ -10847,7 +10842,7 @@
         <p:spPr>
           <a:xfrm>
             <a:off x="200160" y="1689840"/>
-            <a:ext cx="9515520" cy="3381480"/>
+            <a:ext cx="9515160" cy="3381480"/>
           </a:xfrm>
           <a:prstGeom prst="rect">
             <a:avLst/>
@@ -10888,128 +10883,128 @@
               </a:rPr>
               <a:t>Laplace</a:t>
             </a:r>
-            <a:endParaRPr b="0" lang="pt-BR" sz="1800" spc="-1" strike="noStrike">
-              <a:latin typeface="Arial"/>
-            </a:endParaRPr>
-          </a:p>
-          <a:p>
-            <a:pPr>
-              <a:lnSpc>
-                <a:spcPct val="100000"/>
-              </a:lnSpc>
-              <a:buNone/>
-            </a:pPr>
-            <a:endParaRPr b="0" lang="pt-BR" sz="1800" spc="-1" strike="noStrike">
-              <a:latin typeface="Arial"/>
-            </a:endParaRPr>
-          </a:p>
-          <a:p>
-            <a:pPr>
-              <a:lnSpc>
-                <a:spcPct val="100000"/>
-              </a:lnSpc>
-              <a:buNone/>
-            </a:pPr>
-            <a:endParaRPr b="0" lang="pt-BR" sz="1800" spc="-1" strike="noStrike">
-              <a:latin typeface="Arial"/>
-            </a:endParaRPr>
-          </a:p>
-          <a:p>
-            <a:pPr>
-              <a:lnSpc>
-                <a:spcPct val="100000"/>
-              </a:lnSpc>
-              <a:buNone/>
-            </a:pPr>
-            <a:endParaRPr b="0" lang="pt-BR" sz="1800" spc="-1" strike="noStrike">
-              <a:latin typeface="Arial"/>
-            </a:endParaRPr>
-          </a:p>
-          <a:p>
-            <a:pPr>
-              <a:lnSpc>
-                <a:spcPct val="100000"/>
-              </a:lnSpc>
-              <a:buNone/>
-            </a:pPr>
-            <a:endParaRPr b="0" lang="pt-BR" sz="1800" spc="-1" strike="noStrike">
-              <a:latin typeface="Arial"/>
-            </a:endParaRPr>
-          </a:p>
-          <a:p>
-            <a:pPr>
-              <a:lnSpc>
-                <a:spcPct val="100000"/>
-              </a:lnSpc>
-              <a:buNone/>
-            </a:pPr>
-            <a:endParaRPr b="0" lang="pt-BR" sz="1800" spc="-1" strike="noStrike">
-              <a:latin typeface="Arial"/>
-            </a:endParaRPr>
-          </a:p>
-          <a:p>
-            <a:pPr>
-              <a:lnSpc>
-                <a:spcPct val="100000"/>
-              </a:lnSpc>
-              <a:buNone/>
-            </a:pPr>
-            <a:endParaRPr b="0" lang="pt-BR" sz="1800" spc="-1" strike="noStrike">
-              <a:latin typeface="Arial"/>
-            </a:endParaRPr>
-          </a:p>
-          <a:p>
-            <a:pPr>
-              <a:lnSpc>
-                <a:spcPct val="100000"/>
-              </a:lnSpc>
-              <a:buNone/>
-            </a:pPr>
-            <a:endParaRPr b="0" lang="pt-BR" sz="1800" spc="-1" strike="noStrike">
-              <a:latin typeface="Arial"/>
-            </a:endParaRPr>
-          </a:p>
-          <a:p>
-            <a:pPr>
-              <a:lnSpc>
-                <a:spcPct val="100000"/>
-              </a:lnSpc>
-              <a:buNone/>
-            </a:pPr>
-            <a:endParaRPr b="0" lang="pt-BR" sz="1800" spc="-1" strike="noStrike">
-              <a:latin typeface="Arial"/>
-            </a:endParaRPr>
-          </a:p>
-          <a:p>
-            <a:pPr>
-              <a:lnSpc>
-                <a:spcPct val="100000"/>
-              </a:lnSpc>
-              <a:buNone/>
-            </a:pPr>
-            <a:endParaRPr b="0" lang="pt-BR" sz="1800" spc="-1" strike="noStrike">
-              <a:latin typeface="Arial"/>
-            </a:endParaRPr>
-          </a:p>
-          <a:p>
-            <a:pPr>
-              <a:lnSpc>
-                <a:spcPct val="100000"/>
-              </a:lnSpc>
-              <a:buNone/>
-            </a:pPr>
-            <a:endParaRPr b="0" lang="pt-BR" sz="1800" spc="-1" strike="noStrike">
-              <a:latin typeface="Arial"/>
-            </a:endParaRPr>
-          </a:p>
-          <a:p>
-            <a:pPr>
-              <a:lnSpc>
-                <a:spcPct val="100000"/>
-              </a:lnSpc>
-              <a:buNone/>
-            </a:pPr>
-            <a:endParaRPr b="0" lang="pt-BR" sz="1800" spc="-1" strike="noStrike">
+            <a:endParaRPr b="0" lang="en-US" sz="1800" spc="-1" strike="noStrike">
+              <a:latin typeface="Arial"/>
+            </a:endParaRPr>
+          </a:p>
+          <a:p>
+            <a:pPr>
+              <a:lnSpc>
+                <a:spcPct val="100000"/>
+              </a:lnSpc>
+              <a:buNone/>
+            </a:pPr>
+            <a:endParaRPr b="0" lang="en-US" sz="1800" spc="-1" strike="noStrike">
+              <a:latin typeface="Arial"/>
+            </a:endParaRPr>
+          </a:p>
+          <a:p>
+            <a:pPr>
+              <a:lnSpc>
+                <a:spcPct val="100000"/>
+              </a:lnSpc>
+              <a:buNone/>
+            </a:pPr>
+            <a:endParaRPr b="0" lang="en-US" sz="1800" spc="-1" strike="noStrike">
+              <a:latin typeface="Arial"/>
+            </a:endParaRPr>
+          </a:p>
+          <a:p>
+            <a:pPr>
+              <a:lnSpc>
+                <a:spcPct val="100000"/>
+              </a:lnSpc>
+              <a:buNone/>
+            </a:pPr>
+            <a:endParaRPr b="0" lang="en-US" sz="1800" spc="-1" strike="noStrike">
+              <a:latin typeface="Arial"/>
+            </a:endParaRPr>
+          </a:p>
+          <a:p>
+            <a:pPr>
+              <a:lnSpc>
+                <a:spcPct val="100000"/>
+              </a:lnSpc>
+              <a:buNone/>
+            </a:pPr>
+            <a:endParaRPr b="0" lang="en-US" sz="1800" spc="-1" strike="noStrike">
+              <a:latin typeface="Arial"/>
+            </a:endParaRPr>
+          </a:p>
+          <a:p>
+            <a:pPr>
+              <a:lnSpc>
+                <a:spcPct val="100000"/>
+              </a:lnSpc>
+              <a:buNone/>
+            </a:pPr>
+            <a:endParaRPr b="0" lang="en-US" sz="1800" spc="-1" strike="noStrike">
+              <a:latin typeface="Arial"/>
+            </a:endParaRPr>
+          </a:p>
+          <a:p>
+            <a:pPr>
+              <a:lnSpc>
+                <a:spcPct val="100000"/>
+              </a:lnSpc>
+              <a:buNone/>
+            </a:pPr>
+            <a:endParaRPr b="0" lang="en-US" sz="1800" spc="-1" strike="noStrike">
+              <a:latin typeface="Arial"/>
+            </a:endParaRPr>
+          </a:p>
+          <a:p>
+            <a:pPr>
+              <a:lnSpc>
+                <a:spcPct val="100000"/>
+              </a:lnSpc>
+              <a:buNone/>
+            </a:pPr>
+            <a:endParaRPr b="0" lang="en-US" sz="1800" spc="-1" strike="noStrike">
+              <a:latin typeface="Arial"/>
+            </a:endParaRPr>
+          </a:p>
+          <a:p>
+            <a:pPr>
+              <a:lnSpc>
+                <a:spcPct val="100000"/>
+              </a:lnSpc>
+              <a:buNone/>
+            </a:pPr>
+            <a:endParaRPr b="0" lang="en-US" sz="1800" spc="-1" strike="noStrike">
+              <a:latin typeface="Arial"/>
+            </a:endParaRPr>
+          </a:p>
+          <a:p>
+            <a:pPr>
+              <a:lnSpc>
+                <a:spcPct val="100000"/>
+              </a:lnSpc>
+              <a:buNone/>
+            </a:pPr>
+            <a:endParaRPr b="0" lang="en-US" sz="1800" spc="-1" strike="noStrike">
+              <a:latin typeface="Arial"/>
+            </a:endParaRPr>
+          </a:p>
+          <a:p>
+            <a:pPr>
+              <a:lnSpc>
+                <a:spcPct val="100000"/>
+              </a:lnSpc>
+              <a:buNone/>
+            </a:pPr>
+            <a:endParaRPr b="0" lang="en-US" sz="1800" spc="-1" strike="noStrike">
+              <a:latin typeface="Arial"/>
+            </a:endParaRPr>
+          </a:p>
+          <a:p>
+            <a:pPr>
+              <a:lnSpc>
+                <a:spcPct val="100000"/>
+              </a:lnSpc>
+              <a:buNone/>
+            </a:pPr>
+            <a:endParaRPr b="0" lang="en-US" sz="1800" spc="-1" strike="noStrike">
               <a:latin typeface="Arial"/>
             </a:endParaRPr>
           </a:p>
@@ -11028,7 +11023,7 @@
         <p:spPr>
           <a:xfrm>
             <a:off x="614160" y="3474000"/>
-            <a:ext cx="1637640" cy="1275840"/>
+            <a:ext cx="1637280" cy="1275480"/>
           </a:xfrm>
           <a:prstGeom prst="rect">
             <a:avLst/>
@@ -11051,7 +11046,7 @@
         <p:spPr>
           <a:xfrm>
             <a:off x="5639760" y="1523880"/>
-            <a:ext cx="3121560" cy="5175720"/>
+            <a:ext cx="3121200" cy="5175360"/>
           </a:xfrm>
           <a:prstGeom prst="rect">
             <a:avLst/>
@@ -11070,7 +11065,7 @@
         <p:spPr>
           <a:xfrm>
             <a:off x="7608600" y="6886080"/>
-            <a:ext cx="2280960" cy="360720"/>
+            <a:ext cx="2280600" cy="360360"/>
           </a:xfrm>
           <a:prstGeom prst="rect">
             <a:avLst/>
@@ -11117,7 +11112,7 @@
               </a:rPr>
               <a:t> 06</a:t>
             </a:r>
-            <a:endParaRPr b="0" lang="pt-BR" sz="1800" spc="-1" strike="noStrike">
+            <a:endParaRPr b="0" lang="en-US" sz="1800" spc="-1" strike="noStrike">
               <a:latin typeface="Arial"/>
             </a:endParaRPr>
           </a:p>

--- a/ComputerVision/Lecture 06 - Image Descriptors/Lecture 06 - Image Descriptors.pptx
+++ b/ComputerVision/Lecture 06 - Image Descriptors/Lecture 06 - Image Descriptors.pptx
@@ -305,7 +305,7 @@
             <a:pPr algn="r">
               <a:buNone/>
             </a:pPr>
-            <a:fld id="{34A4758F-57CA-4312-805E-7A6BFC6F495C}" type="slidenum">
+            <a:fld id="{9EBA3794-F2FF-4980-977E-03F28B7C00EB}" type="slidenum">
               <a:rPr b="0" lang="en-US" sz="1400" spc="-1" strike="noStrike">
                 <a:latin typeface="Times New Roman"/>
               </a:rPr>
@@ -353,7 +353,7 @@
         <p:spPr>
           <a:xfrm>
             <a:off x="1376280" y="1336680"/>
-            <a:ext cx="4802760" cy="3602520"/>
+            <a:ext cx="4802400" cy="3602160"/>
           </a:xfrm>
           <a:prstGeom prst="rect">
             <a:avLst/>
@@ -376,7 +376,7 @@
         <p:spPr>
           <a:xfrm>
             <a:off x="756000" y="5145120"/>
-            <a:ext cx="6042960" cy="4205160"/>
+            <a:ext cx="6042600" cy="4204800"/>
           </a:xfrm>
           <a:prstGeom prst="rect">
             <a:avLst/>
@@ -406,7 +406,7 @@
         <p:spPr>
           <a:xfrm>
             <a:off x="0" y="10155240"/>
-            <a:ext cx="3271320" cy="531720"/>
+            <a:ext cx="3270960" cy="531360"/>
           </a:xfrm>
           <a:prstGeom prst="rect">
             <a:avLst/>
@@ -484,7 +484,7 @@
         <p:spPr>
           <a:xfrm>
             <a:off x="1376280" y="1336680"/>
-            <a:ext cx="4802760" cy="3602520"/>
+            <a:ext cx="4802400" cy="3602160"/>
           </a:xfrm>
           <a:prstGeom prst="rect">
             <a:avLst/>
@@ -507,7 +507,7 @@
         <p:spPr>
           <a:xfrm>
             <a:off x="756000" y="5145120"/>
-            <a:ext cx="6042960" cy="4205160"/>
+            <a:ext cx="6042600" cy="4204800"/>
           </a:xfrm>
           <a:prstGeom prst="rect">
             <a:avLst/>
@@ -537,7 +537,7 @@
         <p:spPr>
           <a:xfrm>
             <a:off x="0" y="10155240"/>
-            <a:ext cx="3271320" cy="531720"/>
+            <a:ext cx="3270960" cy="531360"/>
           </a:xfrm>
           <a:prstGeom prst="rect">
             <a:avLst/>
@@ -615,7 +615,7 @@
         <p:spPr>
           <a:xfrm>
             <a:off x="1376280" y="1336680"/>
-            <a:ext cx="4802760" cy="3602520"/>
+            <a:ext cx="4802400" cy="3602160"/>
           </a:xfrm>
           <a:prstGeom prst="rect">
             <a:avLst/>
@@ -638,7 +638,7 @@
         <p:spPr>
           <a:xfrm>
             <a:off x="756000" y="5145120"/>
-            <a:ext cx="6042960" cy="4205160"/>
+            <a:ext cx="6042600" cy="4204800"/>
           </a:xfrm>
           <a:prstGeom prst="rect">
             <a:avLst/>
@@ -668,7 +668,7 @@
         <p:spPr>
           <a:xfrm>
             <a:off x="0" y="10155240"/>
-            <a:ext cx="3271320" cy="531720"/>
+            <a:ext cx="3270960" cy="531360"/>
           </a:xfrm>
           <a:prstGeom prst="rect">
             <a:avLst/>
@@ -746,7 +746,7 @@
         <p:spPr>
           <a:xfrm>
             <a:off x="1376280" y="1336680"/>
-            <a:ext cx="4802760" cy="3602520"/>
+            <a:ext cx="4802400" cy="3602160"/>
           </a:xfrm>
           <a:prstGeom prst="rect">
             <a:avLst/>
@@ -769,7 +769,7 @@
         <p:spPr>
           <a:xfrm>
             <a:off x="756000" y="5145120"/>
-            <a:ext cx="6042960" cy="4205160"/>
+            <a:ext cx="6042600" cy="4204800"/>
           </a:xfrm>
           <a:prstGeom prst="rect">
             <a:avLst/>
@@ -799,7 +799,7 @@
         <p:spPr>
           <a:xfrm>
             <a:off x="0" y="10155240"/>
-            <a:ext cx="3271320" cy="531720"/>
+            <a:ext cx="3270960" cy="531360"/>
           </a:xfrm>
           <a:prstGeom prst="rect">
             <a:avLst/>
@@ -877,7 +877,7 @@
         <p:spPr>
           <a:xfrm>
             <a:off x="1376280" y="1336680"/>
-            <a:ext cx="4802760" cy="3602520"/>
+            <a:ext cx="4802400" cy="3602160"/>
           </a:xfrm>
           <a:prstGeom prst="rect">
             <a:avLst/>
@@ -900,7 +900,7 @@
         <p:spPr>
           <a:xfrm>
             <a:off x="756000" y="5145120"/>
-            <a:ext cx="6042960" cy="4205160"/>
+            <a:ext cx="6042600" cy="4204800"/>
           </a:xfrm>
           <a:prstGeom prst="rect">
             <a:avLst/>
@@ -930,7 +930,7 @@
         <p:spPr>
           <a:xfrm>
             <a:off x="0" y="10155240"/>
-            <a:ext cx="3271320" cy="531720"/>
+            <a:ext cx="3270960" cy="531360"/>
           </a:xfrm>
           <a:prstGeom prst="rect">
             <a:avLst/>
@@ -1008,7 +1008,7 @@
         <p:spPr>
           <a:xfrm>
             <a:off x="1376280" y="1336680"/>
-            <a:ext cx="4802760" cy="3602520"/>
+            <a:ext cx="4802400" cy="3602160"/>
           </a:xfrm>
           <a:prstGeom prst="rect">
             <a:avLst/>
@@ -1031,7 +1031,7 @@
         <p:spPr>
           <a:xfrm>
             <a:off x="756000" y="5145120"/>
-            <a:ext cx="6042960" cy="4205160"/>
+            <a:ext cx="6042600" cy="4204800"/>
           </a:xfrm>
           <a:prstGeom prst="rect">
             <a:avLst/>
@@ -1061,7 +1061,7 @@
         <p:spPr>
           <a:xfrm>
             <a:off x="0" y="10155240"/>
-            <a:ext cx="3271320" cy="531720"/>
+            <a:ext cx="3270960" cy="531360"/>
           </a:xfrm>
           <a:prstGeom prst="rect">
             <a:avLst/>
@@ -1139,7 +1139,7 @@
         <p:spPr>
           <a:xfrm>
             <a:off x="1376280" y="1336680"/>
-            <a:ext cx="4802760" cy="3602520"/>
+            <a:ext cx="4802400" cy="3602160"/>
           </a:xfrm>
           <a:prstGeom prst="rect">
             <a:avLst/>
@@ -1162,7 +1162,7 @@
         <p:spPr>
           <a:xfrm>
             <a:off x="756000" y="5145120"/>
-            <a:ext cx="6042960" cy="4205160"/>
+            <a:ext cx="6042600" cy="4204800"/>
           </a:xfrm>
           <a:prstGeom prst="rect">
             <a:avLst/>
@@ -1192,7 +1192,7 @@
         <p:spPr>
           <a:xfrm>
             <a:off x="0" y="10155240"/>
-            <a:ext cx="3271320" cy="531720"/>
+            <a:ext cx="3270960" cy="531360"/>
           </a:xfrm>
           <a:prstGeom prst="rect">
             <a:avLst/>
@@ -1270,7 +1270,7 @@
         <p:spPr>
           <a:xfrm>
             <a:off x="1376280" y="1336680"/>
-            <a:ext cx="4802760" cy="3602520"/>
+            <a:ext cx="4802400" cy="3602160"/>
           </a:xfrm>
           <a:prstGeom prst="rect">
             <a:avLst/>
@@ -1293,7 +1293,7 @@
         <p:spPr>
           <a:xfrm>
             <a:off x="756000" y="5145120"/>
-            <a:ext cx="6042960" cy="4205160"/>
+            <a:ext cx="6042600" cy="4204800"/>
           </a:xfrm>
           <a:prstGeom prst="rect">
             <a:avLst/>
@@ -1323,7 +1323,7 @@
         <p:spPr>
           <a:xfrm>
             <a:off x="0" y="10155240"/>
-            <a:ext cx="3271320" cy="531720"/>
+            <a:ext cx="3270960" cy="531360"/>
           </a:xfrm>
           <a:prstGeom prst="rect">
             <a:avLst/>
@@ -1401,7 +1401,7 @@
         <p:spPr>
           <a:xfrm>
             <a:off x="1376280" y="1336680"/>
-            <a:ext cx="4802760" cy="3602520"/>
+            <a:ext cx="4802400" cy="3602160"/>
           </a:xfrm>
           <a:prstGeom prst="rect">
             <a:avLst/>
@@ -1424,7 +1424,7 @@
         <p:spPr>
           <a:xfrm>
             <a:off x="756000" y="5145120"/>
-            <a:ext cx="6042960" cy="4205160"/>
+            <a:ext cx="6042600" cy="4204800"/>
           </a:xfrm>
           <a:prstGeom prst="rect">
             <a:avLst/>
@@ -1454,7 +1454,7 @@
         <p:spPr>
           <a:xfrm>
             <a:off x="0" y="10155240"/>
-            <a:ext cx="3271320" cy="531720"/>
+            <a:ext cx="3270960" cy="531360"/>
           </a:xfrm>
           <a:prstGeom prst="rect">
             <a:avLst/>
@@ -1532,7 +1532,7 @@
         <p:spPr>
           <a:xfrm>
             <a:off x="1376280" y="1336680"/>
-            <a:ext cx="4802760" cy="3602520"/>
+            <a:ext cx="4802400" cy="3602160"/>
           </a:xfrm>
           <a:prstGeom prst="rect">
             <a:avLst/>
@@ -1555,7 +1555,7 @@
         <p:spPr>
           <a:xfrm>
             <a:off x="756000" y="5145120"/>
-            <a:ext cx="6042960" cy="4205160"/>
+            <a:ext cx="6042600" cy="4204800"/>
           </a:xfrm>
           <a:prstGeom prst="rect">
             <a:avLst/>
@@ -1585,7 +1585,7 @@
         <p:spPr>
           <a:xfrm>
             <a:off x="0" y="10155240"/>
-            <a:ext cx="3271320" cy="531720"/>
+            <a:ext cx="3270960" cy="531360"/>
           </a:xfrm>
           <a:prstGeom prst="rect">
             <a:avLst/>
@@ -1663,7 +1663,7 @@
         <p:spPr>
           <a:xfrm>
             <a:off x="1376280" y="1336680"/>
-            <a:ext cx="4802760" cy="3602520"/>
+            <a:ext cx="4802400" cy="3602160"/>
           </a:xfrm>
           <a:prstGeom prst="rect">
             <a:avLst/>
@@ -1686,7 +1686,7 @@
         <p:spPr>
           <a:xfrm>
             <a:off x="756000" y="5145120"/>
-            <a:ext cx="6042960" cy="4205160"/>
+            <a:ext cx="6042600" cy="4204800"/>
           </a:xfrm>
           <a:prstGeom prst="rect">
             <a:avLst/>
@@ -1716,7 +1716,7 @@
         <p:spPr>
           <a:xfrm>
             <a:off x="0" y="10155240"/>
-            <a:ext cx="3271320" cy="531720"/>
+            <a:ext cx="3270960" cy="531360"/>
           </a:xfrm>
           <a:prstGeom prst="rect">
             <a:avLst/>
@@ -1794,7 +1794,7 @@
         <p:spPr>
           <a:xfrm>
             <a:off x="1376280" y="1336680"/>
-            <a:ext cx="4802760" cy="3602520"/>
+            <a:ext cx="4802400" cy="3602160"/>
           </a:xfrm>
           <a:prstGeom prst="rect">
             <a:avLst/>
@@ -1817,7 +1817,7 @@
         <p:spPr>
           <a:xfrm>
             <a:off x="756000" y="5145120"/>
-            <a:ext cx="6042960" cy="4205160"/>
+            <a:ext cx="6042600" cy="4204800"/>
           </a:xfrm>
           <a:prstGeom prst="rect">
             <a:avLst/>
@@ -1847,7 +1847,7 @@
         <p:spPr>
           <a:xfrm>
             <a:off x="0" y="10155240"/>
-            <a:ext cx="3271320" cy="531720"/>
+            <a:ext cx="3270960" cy="531360"/>
           </a:xfrm>
           <a:prstGeom prst="rect">
             <a:avLst/>
@@ -1925,7 +1925,7 @@
         <p:spPr>
           <a:xfrm>
             <a:off x="1376280" y="1336680"/>
-            <a:ext cx="4802760" cy="3602520"/>
+            <a:ext cx="4802400" cy="3602160"/>
           </a:xfrm>
           <a:prstGeom prst="rect">
             <a:avLst/>
@@ -1948,7 +1948,7 @@
         <p:spPr>
           <a:xfrm>
             <a:off x="756000" y="5145120"/>
-            <a:ext cx="6042960" cy="4205160"/>
+            <a:ext cx="6042600" cy="4204800"/>
           </a:xfrm>
           <a:prstGeom prst="rect">
             <a:avLst/>
@@ -1978,7 +1978,7 @@
         <p:spPr>
           <a:xfrm>
             <a:off x="0" y="10155240"/>
-            <a:ext cx="3271320" cy="531720"/>
+            <a:ext cx="3270960" cy="531360"/>
           </a:xfrm>
           <a:prstGeom prst="rect">
             <a:avLst/>
@@ -5107,7 +5107,7 @@
         <p:spPr>
           <a:xfrm>
             <a:off x="0" y="3150000"/>
-            <a:ext cx="9715320" cy="1255320"/>
+            <a:ext cx="9714960" cy="1254960"/>
           </a:xfrm>
           <a:prstGeom prst="rect">
             <a:avLst/>
@@ -5405,7 +5405,7 @@
         <p:spPr>
           <a:xfrm>
             <a:off x="0" y="180000"/>
-            <a:ext cx="9715320" cy="1255320"/>
+            <a:ext cx="9714960" cy="1254960"/>
           </a:xfrm>
           <a:prstGeom prst="rect">
             <a:avLst/>
@@ -5433,7 +5433,7 @@
         <p:spPr>
           <a:xfrm>
             <a:off x="7560000" y="6840000"/>
-            <a:ext cx="2515320" cy="535320"/>
+            <a:ext cx="2514960" cy="534960"/>
           </a:xfrm>
           <a:prstGeom prst="rect">
             <a:avLst/>
@@ -5461,7 +5461,7 @@
         <p:spPr>
           <a:xfrm>
             <a:off x="900000" y="6840000"/>
-            <a:ext cx="6475320" cy="535320"/>
+            <a:ext cx="6474960" cy="534960"/>
           </a:xfrm>
           <a:prstGeom prst="rect">
             <a:avLst/>
@@ -5489,7 +5489,7 @@
         <p:spPr>
           <a:xfrm>
             <a:off x="180000" y="6840000"/>
-            <a:ext cx="535320" cy="535320"/>
+            <a:ext cx="534960" cy="534960"/>
           </a:xfrm>
           <a:prstGeom prst="rect">
             <a:avLst/>
@@ -5778,7 +5778,7 @@
         <p:spPr>
           <a:xfrm>
             <a:off x="360000" y="3330000"/>
-            <a:ext cx="9355320" cy="895320"/>
+            <a:ext cx="9354960" cy="894960"/>
           </a:xfrm>
           <a:prstGeom prst="rect">
             <a:avLst/>
@@ -5830,7 +5830,7 @@
         <p:spPr>
           <a:xfrm>
             <a:off x="540000" y="4680000"/>
-            <a:ext cx="9175320" cy="2515320"/>
+            <a:ext cx="9174960" cy="2514960"/>
           </a:xfrm>
           <a:prstGeom prst="rect">
             <a:avLst/>
@@ -6035,7 +6035,7 @@
         <p:spPr>
           <a:xfrm>
             <a:off x="360000" y="360000"/>
-            <a:ext cx="9355320" cy="895320"/>
+            <a:ext cx="9354960" cy="894960"/>
           </a:xfrm>
           <a:prstGeom prst="rect">
             <a:avLst/>
@@ -6087,7 +6087,7 @@
         <p:spPr>
           <a:xfrm>
             <a:off x="897120" y="6886080"/>
-            <a:ext cx="6442560" cy="360360"/>
+            <a:ext cx="6442200" cy="360000"/>
           </a:xfrm>
           <a:prstGeom prst="rect">
             <a:avLst/>
@@ -6139,7 +6139,7 @@
         <p:spPr>
           <a:xfrm>
             <a:off x="200160" y="1689840"/>
-            <a:ext cx="9515160" cy="4478760"/>
+            <a:ext cx="9514800" cy="4478760"/>
           </a:xfrm>
           <a:prstGeom prst="rect">
             <a:avLst/>
@@ -6408,7 +6408,7 @@
         <p:spPr>
           <a:xfrm>
             <a:off x="611640" y="3390840"/>
-            <a:ext cx="4144320" cy="1991520"/>
+            <a:ext cx="4143960" cy="1991160"/>
           </a:xfrm>
           <a:prstGeom prst="rect">
             <a:avLst/>
@@ -6431,7 +6431,7 @@
         <p:spPr>
           <a:xfrm>
             <a:off x="6305760" y="1532880"/>
-            <a:ext cx="3162240" cy="5258520"/>
+            <a:ext cx="3161880" cy="5258160"/>
           </a:xfrm>
           <a:prstGeom prst="rect">
             <a:avLst/>
@@ -6450,7 +6450,7 @@
         <p:spPr>
           <a:xfrm>
             <a:off x="7608600" y="6886080"/>
-            <a:ext cx="2280600" cy="360360"/>
+            <a:ext cx="2280240" cy="360000"/>
           </a:xfrm>
           <a:prstGeom prst="rect">
             <a:avLst/>
@@ -6542,7 +6542,7 @@
         <p:spPr>
           <a:xfrm>
             <a:off x="360000" y="360000"/>
-            <a:ext cx="9355320" cy="895320"/>
+            <a:ext cx="9354960" cy="894960"/>
           </a:xfrm>
           <a:prstGeom prst="rect">
             <a:avLst/>
@@ -6594,7 +6594,7 @@
         <p:spPr>
           <a:xfrm>
             <a:off x="897120" y="6886080"/>
-            <a:ext cx="6442560" cy="360360"/>
+            <a:ext cx="6442200" cy="360000"/>
           </a:xfrm>
           <a:prstGeom prst="rect">
             <a:avLst/>
@@ -6646,7 +6646,7 @@
         <p:spPr>
           <a:xfrm>
             <a:off x="200160" y="1689840"/>
-            <a:ext cx="9515160" cy="3381480"/>
+            <a:ext cx="9514800" cy="3381480"/>
           </a:xfrm>
           <a:prstGeom prst="rect">
             <a:avLst/>
@@ -6813,7 +6813,7 @@
         <p:spPr>
           <a:xfrm>
             <a:off x="2001960" y="1542960"/>
-            <a:ext cx="6297480" cy="5055480"/>
+            <a:ext cx="6297120" cy="5055120"/>
           </a:xfrm>
           <a:prstGeom prst="rect">
             <a:avLst/>
@@ -6832,7 +6832,7 @@
         <p:spPr>
           <a:xfrm>
             <a:off x="7608600" y="6886080"/>
-            <a:ext cx="2280600" cy="360360"/>
+            <a:ext cx="2280240" cy="360000"/>
           </a:xfrm>
           <a:prstGeom prst="rect">
             <a:avLst/>
@@ -6924,7 +6924,7 @@
         <p:spPr>
           <a:xfrm>
             <a:off x="360000" y="360000"/>
-            <a:ext cx="9355320" cy="895320"/>
+            <a:ext cx="9354960" cy="894960"/>
           </a:xfrm>
           <a:prstGeom prst="rect">
             <a:avLst/>
@@ -6976,7 +6976,7 @@
         <p:spPr>
           <a:xfrm>
             <a:off x="897120" y="6886080"/>
-            <a:ext cx="6442560" cy="360360"/>
+            <a:ext cx="6442200" cy="360000"/>
           </a:xfrm>
           <a:prstGeom prst="rect">
             <a:avLst/>
@@ -7028,7 +7028,7 @@
         <p:spPr>
           <a:xfrm>
             <a:off x="200160" y="1689840"/>
-            <a:ext cx="9515160" cy="3381480"/>
+            <a:ext cx="9514800" cy="3381480"/>
           </a:xfrm>
           <a:prstGeom prst="rect">
             <a:avLst/>
@@ -7195,7 +7195,7 @@
         <p:spPr>
           <a:xfrm>
             <a:off x="614880" y="1829160"/>
-            <a:ext cx="8685720" cy="2241000"/>
+            <a:ext cx="8685360" cy="2240640"/>
           </a:xfrm>
           <a:prstGeom prst="rect">
             <a:avLst/>
@@ -7218,7 +7218,7 @@
         <p:spPr>
           <a:xfrm>
             <a:off x="614880" y="4563720"/>
-            <a:ext cx="8685720" cy="1165680"/>
+            <a:ext cx="8685360" cy="1165320"/>
           </a:xfrm>
           <a:prstGeom prst="rect">
             <a:avLst/>
@@ -7237,7 +7237,7 @@
         <p:spPr>
           <a:xfrm>
             <a:off x="7608600" y="6886080"/>
-            <a:ext cx="2280600" cy="360360"/>
+            <a:ext cx="2280240" cy="360000"/>
           </a:xfrm>
           <a:prstGeom prst="rect">
             <a:avLst/>
@@ -7329,7 +7329,7 @@
         <p:spPr>
           <a:xfrm>
             <a:off x="360000" y="360000"/>
-            <a:ext cx="9355320" cy="895320"/>
+            <a:ext cx="9354960" cy="894960"/>
           </a:xfrm>
           <a:prstGeom prst="rect">
             <a:avLst/>
@@ -7381,7 +7381,7 @@
         <p:spPr>
           <a:xfrm>
             <a:off x="897120" y="6886080"/>
-            <a:ext cx="6442560" cy="360360"/>
+            <a:ext cx="6442200" cy="360000"/>
           </a:xfrm>
           <a:prstGeom prst="rect">
             <a:avLst/>
@@ -7433,7 +7433,7 @@
         <p:spPr>
           <a:xfrm>
             <a:off x="7608600" y="6886080"/>
-            <a:ext cx="2280600" cy="360360"/>
+            <a:ext cx="2280240" cy="360000"/>
           </a:xfrm>
           <a:prstGeom prst="rect">
             <a:avLst/>
@@ -7495,7 +7495,7 @@
         <p:spPr>
           <a:xfrm>
             <a:off x="200160" y="1689840"/>
-            <a:ext cx="9515160" cy="3381480"/>
+            <a:ext cx="9514800" cy="3381480"/>
           </a:xfrm>
           <a:prstGeom prst="rect">
             <a:avLst/>
@@ -7658,7 +7658,7 @@
         <p:spPr>
           <a:xfrm>
             <a:off x="200160" y="1689840"/>
-            <a:ext cx="9515160" cy="3381480"/>
+            <a:ext cx="9514800" cy="3381480"/>
           </a:xfrm>
           <a:prstGeom prst="rect">
             <a:avLst/>
@@ -7867,7 +7867,7 @@
         <p:spPr>
           <a:xfrm>
             <a:off x="360000" y="360000"/>
-            <a:ext cx="9355320" cy="895320"/>
+            <a:ext cx="9354960" cy="894960"/>
           </a:xfrm>
           <a:prstGeom prst="rect">
             <a:avLst/>
@@ -7919,7 +7919,7 @@
         <p:spPr>
           <a:xfrm>
             <a:off x="897120" y="6886080"/>
-            <a:ext cx="6442560" cy="360360"/>
+            <a:ext cx="6442200" cy="360000"/>
           </a:xfrm>
           <a:prstGeom prst="rect">
             <a:avLst/>
@@ -7971,7 +7971,7 @@
         <p:spPr>
           <a:xfrm>
             <a:off x="7608600" y="6886080"/>
-            <a:ext cx="2280600" cy="360360"/>
+            <a:ext cx="2280240" cy="360000"/>
           </a:xfrm>
           <a:prstGeom prst="rect">
             <a:avLst/>
@@ -8033,7 +8033,7 @@
         <p:spPr>
           <a:xfrm>
             <a:off x="360000" y="1980000"/>
-            <a:ext cx="9175320" cy="4675320"/>
+            <a:ext cx="9174960" cy="4674960"/>
           </a:xfrm>
           <a:prstGeom prst="rect">
             <a:avLst/>
@@ -8213,7 +8213,7 @@
         <p:spPr>
           <a:xfrm>
             <a:off x="2124000" y="4627440"/>
-            <a:ext cx="6219000" cy="2103840"/>
+            <a:ext cx="6218640" cy="2103480"/>
           </a:xfrm>
           <a:prstGeom prst="rect">
             <a:avLst/>
@@ -8232,7 +8232,7 @@
         <p:spPr>
           <a:xfrm>
             <a:off x="2124000" y="6444000"/>
-            <a:ext cx="233280" cy="233280"/>
+            <a:ext cx="232920" cy="232920"/>
           </a:xfrm>
           <a:prstGeom prst="ellipse">
             <a:avLst/>
@@ -8262,7 +8262,7 @@
         <p:spPr>
           <a:xfrm>
             <a:off x="2592360" y="6444360"/>
-            <a:ext cx="233280" cy="233280"/>
+            <a:ext cx="232920" cy="232920"/>
           </a:xfrm>
           <a:prstGeom prst="ellipse">
             <a:avLst/>
@@ -8292,7 +8292,7 @@
         <p:spPr>
           <a:xfrm>
             <a:off x="3024720" y="6444720"/>
-            <a:ext cx="233280" cy="233280"/>
+            <a:ext cx="232920" cy="232920"/>
           </a:xfrm>
           <a:prstGeom prst="ellipse">
             <a:avLst/>
@@ -8322,7 +8322,7 @@
         <p:spPr>
           <a:xfrm>
             <a:off x="3834000" y="6480000"/>
-            <a:ext cx="233280" cy="233280"/>
+            <a:ext cx="232920" cy="232920"/>
           </a:xfrm>
           <a:prstGeom prst="ellipse">
             <a:avLst/>
@@ -8352,7 +8352,7 @@
         <p:spPr>
           <a:xfrm>
             <a:off x="4230000" y="6462000"/>
-            <a:ext cx="233280" cy="233280"/>
+            <a:ext cx="232920" cy="232920"/>
           </a:xfrm>
           <a:prstGeom prst="ellipse">
             <a:avLst/>
@@ -8412,7 +8412,7 @@
         <p:spPr>
           <a:xfrm>
             <a:off x="360000" y="360000"/>
-            <a:ext cx="9355320" cy="895320"/>
+            <a:ext cx="9354960" cy="894960"/>
           </a:xfrm>
           <a:prstGeom prst="rect">
             <a:avLst/>
@@ -8464,7 +8464,7 @@
         <p:spPr>
           <a:xfrm>
             <a:off x="897120" y="6886080"/>
-            <a:ext cx="6442560" cy="360360"/>
+            <a:ext cx="6442200" cy="360000"/>
           </a:xfrm>
           <a:prstGeom prst="rect">
             <a:avLst/>
@@ -8516,7 +8516,7 @@
         <p:spPr>
           <a:xfrm>
             <a:off x="7608600" y="6886080"/>
-            <a:ext cx="2280600" cy="360360"/>
+            <a:ext cx="2280240" cy="360000"/>
           </a:xfrm>
           <a:prstGeom prst="rect">
             <a:avLst/>
@@ -8582,7 +8582,7 @@
         <p:spPr>
           <a:xfrm>
             <a:off x="546480" y="2473560"/>
-            <a:ext cx="8982360" cy="2433600"/>
+            <a:ext cx="8982000" cy="2433240"/>
           </a:xfrm>
           <a:prstGeom prst="rect">
             <a:avLst/>
@@ -8601,7 +8601,7 @@
         <p:spPr>
           <a:xfrm>
             <a:off x="546480" y="3098880"/>
-            <a:ext cx="6635520" cy="1594080"/>
+            <a:ext cx="6635160" cy="1593720"/>
           </a:xfrm>
           <a:prstGeom prst="rect">
             <a:avLst/>
@@ -8672,7 +8672,7 @@
         <p:spPr>
           <a:xfrm>
             <a:off x="360000" y="360000"/>
-            <a:ext cx="9355320" cy="895320"/>
+            <a:ext cx="9354960" cy="894960"/>
           </a:xfrm>
           <a:prstGeom prst="rect">
             <a:avLst/>
@@ -8724,7 +8724,7 @@
         <p:spPr>
           <a:xfrm>
             <a:off x="897120" y="6886080"/>
-            <a:ext cx="6442560" cy="360360"/>
+            <a:ext cx="6442200" cy="360000"/>
           </a:xfrm>
           <a:prstGeom prst="rect">
             <a:avLst/>
@@ -8776,7 +8776,7 @@
         <p:spPr>
           <a:xfrm>
             <a:off x="7608600" y="6886080"/>
-            <a:ext cx="2280600" cy="360360"/>
+            <a:ext cx="2280240" cy="360000"/>
           </a:xfrm>
           <a:prstGeom prst="rect">
             <a:avLst/>
@@ -8838,7 +8838,7 @@
         <p:spPr>
           <a:xfrm>
             <a:off x="200160" y="1689840"/>
-            <a:ext cx="9515160" cy="2284200"/>
+            <a:ext cx="9514800" cy="2284200"/>
           </a:xfrm>
           <a:prstGeom prst="rect">
             <a:avLst/>
@@ -8992,7 +8992,7 @@
         <p:spPr>
           <a:xfrm>
             <a:off x="1738800" y="3416400"/>
-            <a:ext cx="6598080" cy="949680"/>
+            <a:ext cx="6597720" cy="949320"/>
           </a:xfrm>
           <a:prstGeom prst="rect">
             <a:avLst/>
@@ -9015,7 +9015,7 @@
         <p:spPr>
           <a:xfrm>
             <a:off x="464040" y="4828320"/>
-            <a:ext cx="3988080" cy="1587960"/>
+            <a:ext cx="3987720" cy="1587600"/>
           </a:xfrm>
           <a:prstGeom prst="rect">
             <a:avLst/>
@@ -9038,7 +9038,7 @@
         <p:spPr>
           <a:xfrm>
             <a:off x="5410800" y="5667120"/>
-            <a:ext cx="3118680" cy="929160"/>
+            <a:ext cx="3118320" cy="928800"/>
           </a:xfrm>
           <a:prstGeom prst="rect">
             <a:avLst/>
@@ -9061,7 +9061,7 @@
         <p:spPr>
           <a:xfrm>
             <a:off x="4836600" y="4413240"/>
-            <a:ext cx="4612320" cy="1026000"/>
+            <a:ext cx="4611960" cy="1025640"/>
           </a:xfrm>
           <a:prstGeom prst="rect">
             <a:avLst/>
@@ -9110,7 +9110,7 @@
         <p:spPr>
           <a:xfrm>
             <a:off x="360000" y="360000"/>
-            <a:ext cx="9355320" cy="895320"/>
+            <a:ext cx="9354960" cy="894960"/>
           </a:xfrm>
           <a:prstGeom prst="rect">
             <a:avLst/>
@@ -9162,7 +9162,7 @@
         <p:spPr>
           <a:xfrm>
             <a:off x="897120" y="6886080"/>
-            <a:ext cx="6442560" cy="360360"/>
+            <a:ext cx="6442200" cy="360000"/>
           </a:xfrm>
           <a:prstGeom prst="rect">
             <a:avLst/>
@@ -9214,7 +9214,7 @@
         <p:spPr>
           <a:xfrm>
             <a:off x="7608600" y="6886080"/>
-            <a:ext cx="2280600" cy="360360"/>
+            <a:ext cx="2280240" cy="360000"/>
           </a:xfrm>
           <a:prstGeom prst="rect">
             <a:avLst/>
@@ -9276,7 +9276,7 @@
         <p:spPr>
           <a:xfrm>
             <a:off x="200160" y="1689840"/>
-            <a:ext cx="9515160" cy="3655800"/>
+            <a:ext cx="9514800" cy="3655800"/>
           </a:xfrm>
           <a:prstGeom prst="rect">
             <a:avLst/>
@@ -9496,7 +9496,7 @@
         <p:spPr>
           <a:xfrm>
             <a:off x="1671480" y="4975200"/>
-            <a:ext cx="6517440" cy="1682280"/>
+            <a:ext cx="6517080" cy="1681920"/>
           </a:xfrm>
           <a:prstGeom prst="rect">
             <a:avLst/>
@@ -9519,7 +9519,7 @@
         <p:spPr>
           <a:xfrm>
             <a:off x="1671480" y="2608920"/>
-            <a:ext cx="6478560" cy="1751040"/>
+            <a:ext cx="6478200" cy="1750680"/>
           </a:xfrm>
           <a:prstGeom prst="rect">
             <a:avLst/>
@@ -9568,7 +9568,7 @@
         <p:spPr>
           <a:xfrm>
             <a:off x="360000" y="360000"/>
-            <a:ext cx="9355320" cy="895320"/>
+            <a:ext cx="9354960" cy="894960"/>
           </a:xfrm>
           <a:prstGeom prst="rect">
             <a:avLst/>
@@ -9620,7 +9620,7 @@
         <p:spPr>
           <a:xfrm>
             <a:off x="897120" y="6886080"/>
-            <a:ext cx="6442560" cy="360360"/>
+            <a:ext cx="6442200" cy="360000"/>
           </a:xfrm>
           <a:prstGeom prst="rect">
             <a:avLst/>
@@ -9672,7 +9672,7 @@
         <p:spPr>
           <a:xfrm>
             <a:off x="7608600" y="6886080"/>
-            <a:ext cx="2280600" cy="360360"/>
+            <a:ext cx="2280240" cy="360000"/>
           </a:xfrm>
           <a:prstGeom prst="rect">
             <a:avLst/>
@@ -9738,7 +9738,7 @@
         <p:spPr>
           <a:xfrm>
             <a:off x="617760" y="2336400"/>
-            <a:ext cx="5134680" cy="1387440"/>
+            <a:ext cx="5134320" cy="1387080"/>
           </a:xfrm>
           <a:prstGeom prst="rect">
             <a:avLst/>
@@ -9761,7 +9761,7 @@
         <p:spPr>
           <a:xfrm>
             <a:off x="6910200" y="1989000"/>
-            <a:ext cx="2551680" cy="1789560"/>
+            <a:ext cx="2551320" cy="1789200"/>
           </a:xfrm>
           <a:prstGeom prst="rect">
             <a:avLst/>
@@ -9780,7 +9780,7 @@
         <p:spPr>
           <a:xfrm>
             <a:off x="200160" y="1689840"/>
-            <a:ext cx="9515160" cy="638280"/>
+            <a:ext cx="9514800" cy="638280"/>
           </a:xfrm>
           <a:prstGeom prst="rect">
             <a:avLst/>
@@ -9851,7 +9851,7 @@
         <p:spPr>
           <a:xfrm>
             <a:off x="2469600" y="4079160"/>
-            <a:ext cx="4975920" cy="2629080"/>
+            <a:ext cx="4975560" cy="2628720"/>
           </a:xfrm>
           <a:prstGeom prst="rect">
             <a:avLst/>
@@ -9900,7 +9900,7 @@
         <p:spPr>
           <a:xfrm>
             <a:off x="360000" y="360000"/>
-            <a:ext cx="9355320" cy="895320"/>
+            <a:ext cx="9354960" cy="894960"/>
           </a:xfrm>
           <a:prstGeom prst="rect">
             <a:avLst/>
@@ -9952,7 +9952,7 @@
         <p:spPr>
           <a:xfrm>
             <a:off x="897120" y="6886080"/>
-            <a:ext cx="6442560" cy="360360"/>
+            <a:ext cx="6442200" cy="360000"/>
           </a:xfrm>
           <a:prstGeom prst="rect">
             <a:avLst/>
@@ -10004,7 +10004,7 @@
         <p:spPr>
           <a:xfrm>
             <a:off x="7608600" y="6886080"/>
-            <a:ext cx="2280600" cy="360360"/>
+            <a:ext cx="2280240" cy="360000"/>
           </a:xfrm>
           <a:prstGeom prst="rect">
             <a:avLst/>
@@ -10066,7 +10066,7 @@
         <p:spPr>
           <a:xfrm>
             <a:off x="200160" y="1689840"/>
-            <a:ext cx="9515160" cy="3381480"/>
+            <a:ext cx="9514800" cy="3381480"/>
           </a:xfrm>
           <a:prstGeom prst="rect">
             <a:avLst/>
@@ -10247,7 +10247,7 @@
         <p:spPr>
           <a:xfrm>
             <a:off x="3362760" y="2154960"/>
-            <a:ext cx="3723480" cy="1761480"/>
+            <a:ext cx="3723120" cy="1761120"/>
           </a:xfrm>
           <a:prstGeom prst="rect">
             <a:avLst/>
@@ -10270,7 +10270,7 @@
         <p:spPr>
           <a:xfrm>
             <a:off x="897120" y="4350960"/>
-            <a:ext cx="8655120" cy="2376720"/>
+            <a:ext cx="8654760" cy="2376360"/>
           </a:xfrm>
           <a:prstGeom prst="rect">
             <a:avLst/>
@@ -10319,7 +10319,7 @@
         <p:spPr>
           <a:xfrm>
             <a:off x="360000" y="360000"/>
-            <a:ext cx="9355320" cy="895320"/>
+            <a:ext cx="9354960" cy="894960"/>
           </a:xfrm>
           <a:prstGeom prst="rect">
             <a:avLst/>
@@ -10371,7 +10371,7 @@
         <p:spPr>
           <a:xfrm>
             <a:off x="897120" y="6886080"/>
-            <a:ext cx="6442560" cy="360360"/>
+            <a:ext cx="6442200" cy="360000"/>
           </a:xfrm>
           <a:prstGeom prst="rect">
             <a:avLst/>
@@ -10423,7 +10423,7 @@
         <p:spPr>
           <a:xfrm>
             <a:off x="200160" y="1689840"/>
-            <a:ext cx="9515160" cy="3381480"/>
+            <a:ext cx="9514800" cy="3381480"/>
           </a:xfrm>
           <a:prstGeom prst="rect">
             <a:avLst/>
@@ -10604,7 +10604,7 @@
         <p:spPr>
           <a:xfrm>
             <a:off x="1148040" y="3036240"/>
-            <a:ext cx="3723480" cy="1761480"/>
+            <a:ext cx="3723120" cy="1761120"/>
           </a:xfrm>
           <a:prstGeom prst="rect">
             <a:avLst/>
@@ -10627,7 +10627,7 @@
         <p:spPr>
           <a:xfrm>
             <a:off x="6225480" y="1554480"/>
-            <a:ext cx="3043080" cy="5186880"/>
+            <a:ext cx="3042720" cy="5186520"/>
           </a:xfrm>
           <a:prstGeom prst="rect">
             <a:avLst/>
@@ -10646,7 +10646,7 @@
         <p:spPr>
           <a:xfrm>
             <a:off x="7608600" y="6886080"/>
-            <a:ext cx="2280600" cy="360360"/>
+            <a:ext cx="2280240" cy="360000"/>
           </a:xfrm>
           <a:prstGeom prst="rect">
             <a:avLst/>
@@ -10738,7 +10738,7 @@
         <p:spPr>
           <a:xfrm>
             <a:off x="360000" y="360000"/>
-            <a:ext cx="9355320" cy="895320"/>
+            <a:ext cx="9354960" cy="894960"/>
           </a:xfrm>
           <a:prstGeom prst="rect">
             <a:avLst/>
@@ -10790,7 +10790,7 @@
         <p:spPr>
           <a:xfrm>
             <a:off x="897120" y="6886080"/>
-            <a:ext cx="6442560" cy="360360"/>
+            <a:ext cx="6442200" cy="360000"/>
           </a:xfrm>
           <a:prstGeom prst="rect">
             <a:avLst/>
@@ -10842,7 +10842,7 @@
         <p:spPr>
           <a:xfrm>
             <a:off x="200160" y="1689840"/>
-            <a:ext cx="9515160" cy="3381480"/>
+            <a:ext cx="9514800" cy="3381480"/>
           </a:xfrm>
           <a:prstGeom prst="rect">
             <a:avLst/>
@@ -11023,7 +11023,7 @@
         <p:spPr>
           <a:xfrm>
             <a:off x="614160" y="3474000"/>
-            <a:ext cx="1637280" cy="1275480"/>
+            <a:ext cx="1636920" cy="1275120"/>
           </a:xfrm>
           <a:prstGeom prst="rect">
             <a:avLst/>
@@ -11046,7 +11046,7 @@
         <p:spPr>
           <a:xfrm>
             <a:off x="5639760" y="1523880"/>
-            <a:ext cx="3121200" cy="5175360"/>
+            <a:ext cx="3120840" cy="5175000"/>
           </a:xfrm>
           <a:prstGeom prst="rect">
             <a:avLst/>
@@ -11065,7 +11065,7 @@
         <p:spPr>
           <a:xfrm>
             <a:off x="7608600" y="6886080"/>
-            <a:ext cx="2280600" cy="360360"/>
+            <a:ext cx="2280240" cy="360000"/>
           </a:xfrm>
           <a:prstGeom prst="rect">
             <a:avLst/>
